--- a/JavaFX-UserGroup.pptx
+++ b/JavaFX-UserGroup.pptx
@@ -204,7 +204,7 @@
           <a:p>
             <a:fld id="{D6E4795D-47E8-774D-9ED5-0B5304BFB957}" type="datetimeFigureOut">
               <a:rPr lang="de-DE" smtClean="0"/>
-              <a:t>20.11.12</a:t>
+              <a:t>21.11.2012</a:t>
             </a:fld>
             <a:endParaRPr lang="de-DE"/>
           </a:p>
@@ -867,7 +867,7 @@
           <a:p>
             <a:fld id="{4251665B-C24A-4702-B522-6A4334602E03}" type="datetimeFigureOut">
               <a:rPr lang="en-US" smtClean="0"/>
-              <a:t>20.11.12</a:t>
+              <a:t>11/21/2012</a:t>
             </a:fld>
             <a:endParaRPr lang="en-US"/>
           </a:p>
@@ -1154,7 +1154,7 @@
           <a:p>
             <a:fld id="{4251665B-C24A-4702-B522-6A4334602E03}" type="datetimeFigureOut">
               <a:rPr lang="en-US" smtClean="0"/>
-              <a:t>20.11.12</a:t>
+              <a:t>11/21/2012</a:t>
             </a:fld>
             <a:endParaRPr lang="en-US"/>
           </a:p>
@@ -1489,7 +1489,7 @@
           <a:p>
             <a:fld id="{4251665B-C24A-4702-B522-6A4334602E03}" type="datetimeFigureOut">
               <a:rPr lang="en-US" smtClean="0"/>
-              <a:t>20.11.12</a:t>
+              <a:t>11/21/2012</a:t>
             </a:fld>
             <a:endParaRPr lang="en-US"/>
           </a:p>
@@ -1911,7 +1911,7 @@
           <a:p>
             <a:fld id="{4251665B-C24A-4702-B522-6A4334602E03}" type="datetimeFigureOut">
               <a:rPr lang="en-US" smtClean="0"/>
-              <a:t>20.11.12</a:t>
+              <a:t>11/21/2012</a:t>
             </a:fld>
             <a:endParaRPr lang="en-US"/>
           </a:p>
@@ -2328,7 +2328,7 @@
           <a:p>
             <a:fld id="{4251665B-C24A-4702-B522-6A4334602E03}" type="datetimeFigureOut">
               <a:rPr lang="en-US" smtClean="0"/>
-              <a:t>20.11.12</a:t>
+              <a:t>11/21/2012</a:t>
             </a:fld>
             <a:endParaRPr lang="en-US"/>
           </a:p>
@@ -2461,7 +2461,7 @@
           <a:p>
             <a:fld id="{4251665B-C24A-4702-B522-6A4334602E03}" type="datetimeFigureOut">
               <a:rPr lang="en-US" smtClean="0"/>
-              <a:t>20.11.12</a:t>
+              <a:t>11/21/2012</a:t>
             </a:fld>
             <a:endParaRPr lang="en-US"/>
           </a:p>
@@ -2783,7 +2783,7 @@
           <a:p>
             <a:fld id="{4251665B-C24A-4702-B522-6A4334602E03}" type="datetimeFigureOut">
               <a:rPr lang="en-US" smtClean="0"/>
-              <a:t>20.11.12</a:t>
+              <a:t>11/21/2012</a:t>
             </a:fld>
             <a:endParaRPr lang="en-US"/>
           </a:p>
@@ -3028,7 +3028,7 @@
           <a:p>
             <a:fld id="{4251665B-C24A-4702-B522-6A4334602E03}" type="datetimeFigureOut">
               <a:rPr lang="en-US" smtClean="0"/>
-              <a:t>20.11.12</a:t>
+              <a:t>11/21/2012</a:t>
             </a:fld>
             <a:endParaRPr lang="en-US"/>
           </a:p>
@@ -3366,7 +3366,7 @@
           <a:p>
             <a:fld id="{4251665B-C24A-4702-B522-6A4334602E03}" type="datetimeFigureOut">
               <a:rPr lang="en-US" smtClean="0"/>
-              <a:t>20.11.12</a:t>
+              <a:t>11/21/2012</a:t>
             </a:fld>
             <a:endParaRPr lang="en-US"/>
           </a:p>
@@ -3666,7 +3666,7 @@
           <a:p>
             <a:fld id="{4251665B-C24A-4702-B522-6A4334602E03}" type="datetimeFigureOut">
               <a:rPr lang="en-US" smtClean="0"/>
-              <a:t>20.11.12</a:t>
+              <a:t>11/21/2012</a:t>
             </a:fld>
             <a:endParaRPr lang="en-US"/>
           </a:p>
@@ -4073,7 +4073,7 @@
           <a:p>
             <a:fld id="{4251665B-C24A-4702-B522-6A4334602E03}" type="datetimeFigureOut">
               <a:rPr lang="en-US" smtClean="0"/>
-              <a:t>20.11.12</a:t>
+              <a:t>11/21/2012</a:t>
             </a:fld>
             <a:endParaRPr lang="en-US"/>
           </a:p>
@@ -4290,7 +4290,7 @@
           <a:p>
             <a:fld id="{4251665B-C24A-4702-B522-6A4334602E03}" type="datetimeFigureOut">
               <a:rPr lang="en-US" smtClean="0"/>
-              <a:t>20.11.12</a:t>
+              <a:t>11/21/2012</a:t>
             </a:fld>
             <a:endParaRPr lang="en-US"/>
           </a:p>
@@ -4347,7 +4347,7 @@
           <p:nvPr userDrawn="1"/>
         </p:nvPicPr>
         <p:blipFill>
-          <a:blip r:embed="rId2">
+          <a:blip r:embed="rId2" cstate="email">
             <a:alphaModFix amt="41000"/>
             <a:extLst>
               <a:ext uri="{28A0092B-C50C-407E-A947-70E740481C1C}">
@@ -4543,7 +4543,7 @@
           <a:p>
             <a:fld id="{4251665B-C24A-4702-B522-6A4334602E03}" type="datetimeFigureOut">
               <a:rPr lang="en-US" smtClean="0"/>
-              <a:t>20.11.12</a:t>
+              <a:t>11/21/2012</a:t>
             </a:fld>
             <a:endParaRPr lang="en-US"/>
           </a:p>
@@ -4769,7 +4769,7 @@
           <a:p>
             <a:fld id="{4251665B-C24A-4702-B522-6A4334602E03}" type="datetimeFigureOut">
               <a:rPr lang="en-US" smtClean="0"/>
-              <a:t>20.11.12</a:t>
+              <a:t>11/21/2012</a:t>
             </a:fld>
             <a:endParaRPr lang="en-US"/>
           </a:p>
@@ -4826,7 +4826,7 @@
           <p:nvPr userDrawn="1"/>
         </p:nvPicPr>
         <p:blipFill>
-          <a:blip r:embed="rId2">
+          <a:blip r:embed="rId2" cstate="email">
             <a:alphaModFix amt="41000"/>
             <a:extLst>
               <a:ext uri="{28A0092B-C50C-407E-A947-70E740481C1C}">
@@ -5139,7 +5139,7 @@
           <a:p>
             <a:fld id="{4251665B-C24A-4702-B522-6A4334602E03}" type="datetimeFigureOut">
               <a:rPr lang="en-US" smtClean="0"/>
-              <a:t>20.11.12</a:t>
+              <a:t>11/21/2012</a:t>
             </a:fld>
             <a:endParaRPr lang="en-US"/>
           </a:p>
@@ -5466,7 +5466,7 @@
           <a:p>
             <a:fld id="{4251665B-C24A-4702-B522-6A4334602E03}" type="datetimeFigureOut">
               <a:rPr lang="en-US" smtClean="0"/>
-              <a:t>20.11.12</a:t>
+              <a:t>11/21/2012</a:t>
             </a:fld>
             <a:endParaRPr lang="en-US"/>
           </a:p>
@@ -5801,7 +5801,7 @@
           <a:p>
             <a:fld id="{4251665B-C24A-4702-B522-6A4334602E03}" type="datetimeFigureOut">
               <a:rPr lang="en-US" smtClean="0"/>
-              <a:t>20.11.12</a:t>
+              <a:t>11/21/2012</a:t>
             </a:fld>
             <a:endParaRPr lang="en-US"/>
           </a:p>
@@ -6424,7 +6424,7 @@
           <a:p>
             <a:fld id="{4251665B-C24A-4702-B522-6A4334602E03}" type="datetimeFigureOut">
               <a:rPr lang="en-US" smtClean="0"/>
-              <a:t>20.11.12</a:t>
+              <a:t>11/21/2012</a:t>
             </a:fld>
             <a:endParaRPr lang="en-US"/>
           </a:p>
@@ -6911,7 +6911,7 @@
           <a:p>
             <a:fld id="{4251665B-C24A-4702-B522-6A4334602E03}" type="datetimeFigureOut">
               <a:rPr lang="en-US" smtClean="0"/>
-              <a:t>20.11.12</a:t>
+              <a:t>11/21/2012</a:t>
             </a:fld>
             <a:endParaRPr lang="en-US"/>
           </a:p>
@@ -7120,7 +7120,7 @@
           <a:p>
             <a:fld id="{4251665B-C24A-4702-B522-6A4334602E03}" type="datetimeFigureOut">
               <a:rPr lang="en-US" smtClean="0"/>
-              <a:t>20.11.12</a:t>
+              <a:t>11/21/2012</a:t>
             </a:fld>
             <a:endParaRPr lang="en-US"/>
           </a:p>
@@ -7600,18 +7600,18 @@
   <p:clrMapOvr>
     <a:masterClrMapping/>
   </p:clrMapOvr>
-  <mc:AlternateContent xmlns:mc="http://schemas.openxmlformats.org/markup-compatibility/2006">
-    <mc:Choice xmlns:p14="http://schemas.microsoft.com/office/powerpoint/2010/main" Requires="p14">
+  <mc:AlternateContent xmlns:mc="http://schemas.openxmlformats.org/markup-compatibility/2006" xmlns:p14="http://schemas.microsoft.com/office/powerpoint/2010/main">
+    <mc:Choice Requires="p14">
       <p:transition spd="slow" p14:dur="2000" advTm="5090"/>
     </mc:Choice>
-    <mc:Fallback>
+    <mc:Fallback xmlns="">
       <p:transition xmlns:p14="http://schemas.microsoft.com/office/powerpoint/2010/main" spd="slow" advTm="5090"/>
     </mc:Fallback>
   </mc:AlternateContent>
   <p:timing>
     <p:tnLst>
       <p:par>
-        <p:cTn xmlns:p14="http://schemas.microsoft.com/office/powerpoint/2010/main" id="1" dur="indefinite" restart="never" nodeType="tmRoot"/>
+        <p:cTn id="1" dur="indefinite" restart="never" nodeType="tmRoot"/>
       </p:par>
     </p:tnLst>
   </p:timing>
@@ -7679,7 +7679,7 @@
           <p:nvPr/>
         </p:nvPicPr>
         <p:blipFill>
-          <a:blip r:embed="rId3">
+          <a:blip r:embed="rId3" cstate="email">
             <a:extLst>
               <a:ext uri="{28A0092B-C50C-407E-A947-70E740481C1C}">
                 <a14:useLocalDpi xmlns:a14="http://schemas.microsoft.com/office/drawing/2010/main" val="0"/>
@@ -7714,7 +7714,7 @@
           <p:nvPr/>
         </p:nvPicPr>
         <p:blipFill>
-          <a:blip r:embed="rId4">
+          <a:blip r:embed="rId4" cstate="email">
             <a:extLst>
               <a:ext uri="{28A0092B-C50C-407E-A947-70E740481C1C}">
                 <a14:useLocalDpi xmlns:a14="http://schemas.microsoft.com/office/drawing/2010/main" val="0"/>
@@ -7815,6 +7815,13 @@
   <p:clrMapOvr>
     <a:masterClrMapping/>
   </p:clrMapOvr>
+  <p:timing>
+    <p:tnLst>
+      <p:par>
+        <p:cTn id="1" dur="indefinite" restart="never" nodeType="tmRoot"/>
+      </p:par>
+    </p:tnLst>
+  </p:timing>
 </p:sld>
 </file>
 
@@ -7940,7 +7947,7 @@
           <p:nvPr/>
         </p:nvPicPr>
         <p:blipFill>
-          <a:blip r:embed="rId2">
+          <a:blip r:embed="rId2" cstate="email">
             <a:extLst>
               <a:ext uri="{28A0092B-C50C-407E-A947-70E740481C1C}">
                 <a14:useLocalDpi xmlns:a14="http://schemas.microsoft.com/office/drawing/2010/main" val="0"/>
@@ -7976,6 +7983,13 @@
   <p:clrMapOvr>
     <a:masterClrMapping/>
   </p:clrMapOvr>
+  <p:timing>
+    <p:tnLst>
+      <p:par>
+        <p:cTn id="1" dur="indefinite" restart="never" nodeType="tmRoot"/>
+      </p:par>
+    </p:tnLst>
+  </p:timing>
 </p:sld>
 </file>
 
@@ -8061,7 +8075,7 @@
           <p:nvPr/>
         </p:nvPicPr>
         <p:blipFill>
-          <a:blip r:embed="rId2">
+          <a:blip r:embed="rId2" cstate="email">
             <a:extLst>
               <a:ext uri="{28A0092B-C50C-407E-A947-70E740481C1C}">
                 <a14:useLocalDpi xmlns:a14="http://schemas.microsoft.com/office/drawing/2010/main" val="0"/>
@@ -8097,6 +8111,13 @@
   <p:clrMapOvr>
     <a:masterClrMapping/>
   </p:clrMapOvr>
+  <p:timing>
+    <p:tnLst>
+      <p:par>
+        <p:cTn id="1" dur="indefinite" restart="never" nodeType="tmRoot"/>
+      </p:par>
+    </p:tnLst>
+  </p:timing>
 </p:sld>
 </file>
 
@@ -8225,7 +8246,7 @@
   <p:timing>
     <p:tnLst>
       <p:par>
-        <p:cTn xmlns:p14="http://schemas.microsoft.com/office/powerpoint/2010/main" id="1" dur="indefinite" restart="never" nodeType="tmRoot"/>
+        <p:cTn id="1" dur="indefinite" restart="never" nodeType="tmRoot"/>
       </p:par>
     </p:tnLst>
   </p:timing>
@@ -8395,18 +8416,18 @@
   <p:clrMapOvr>
     <a:masterClrMapping/>
   </p:clrMapOvr>
-  <mc:AlternateContent xmlns:mc="http://schemas.openxmlformats.org/markup-compatibility/2006">
-    <mc:Choice xmlns:p14="http://schemas.microsoft.com/office/powerpoint/2010/main" Requires="p14">
+  <mc:AlternateContent xmlns:mc="http://schemas.openxmlformats.org/markup-compatibility/2006" xmlns:p14="http://schemas.microsoft.com/office/powerpoint/2010/main">
+    <mc:Choice Requires="p14">
       <p:transition spd="slow" p14:dur="2000" advTm="1741"/>
     </mc:Choice>
-    <mc:Fallback>
+    <mc:Fallback xmlns="">
       <p:transition xmlns:p14="http://schemas.microsoft.com/office/powerpoint/2010/main" spd="slow" advTm="1741"/>
     </mc:Fallback>
   </mc:AlternateContent>
   <p:timing>
     <p:tnLst>
       <p:par>
-        <p:cTn xmlns:p14="http://schemas.microsoft.com/office/powerpoint/2010/main" id="1" dur="indefinite" restart="never" nodeType="tmRoot"/>
+        <p:cTn id="1" dur="indefinite" restart="never" nodeType="tmRoot"/>
       </p:par>
     </p:tnLst>
   </p:timing>
@@ -8463,6 +8484,13 @@
   <p:clrMapOvr>
     <a:masterClrMapping/>
   </p:clrMapOvr>
+  <p:timing>
+    <p:tnLst>
+      <p:par>
+        <p:cTn id="1" dur="indefinite" restart="never" nodeType="tmRoot"/>
+      </p:par>
+    </p:tnLst>
+  </p:timing>
 </p:sld>
 </file>
 
@@ -8599,18 +8627,18 @@
   <p:clrMapOvr>
     <a:masterClrMapping/>
   </p:clrMapOvr>
-  <mc:AlternateContent xmlns:mc="http://schemas.openxmlformats.org/markup-compatibility/2006">
-    <mc:Choice xmlns:p14="http://schemas.microsoft.com/office/powerpoint/2010/main" Requires="p14">
+  <mc:AlternateContent xmlns:mc="http://schemas.openxmlformats.org/markup-compatibility/2006" xmlns:p14="http://schemas.microsoft.com/office/powerpoint/2010/main">
+    <mc:Choice Requires="p14">
       <p:transition spd="slow" p14:dur="2000" advTm="1555"/>
     </mc:Choice>
-    <mc:Fallback>
+    <mc:Fallback xmlns="">
       <p:transition xmlns:p14="http://schemas.microsoft.com/office/powerpoint/2010/main" spd="slow" advTm="1555"/>
     </mc:Fallback>
   </mc:AlternateContent>
   <p:timing>
     <p:tnLst>
       <p:par>
-        <p:cTn xmlns:p14="http://schemas.microsoft.com/office/powerpoint/2010/main" id="1" dur="indefinite" restart="never" nodeType="tmRoot"/>
+        <p:cTn id="1" dur="indefinite" restart="never" nodeType="tmRoot"/>
       </p:par>
     </p:tnLst>
   </p:timing>
@@ -8651,7 +8679,15 @@
           <a:p>
             <a:r>
               <a:rPr lang="de-DE" dirty="0" smtClean="0"/>
-              <a:t>Neuerungen</a:t>
+              <a:t>Neuerungen </a:t>
+            </a:r>
+            <a:r>
+              <a:rPr lang="de-DE" dirty="0" err="1" smtClean="0"/>
+              <a:t>ggü</a:t>
+            </a:r>
+            <a:r>
+              <a:rPr lang="de-DE" dirty="0" smtClean="0"/>
+              <a:t>. Swing</a:t>
             </a:r>
             <a:endParaRPr lang="de-DE" dirty="0"/>
           </a:p>
@@ -8979,7 +9015,7 @@
   <p:timing>
     <p:tnLst>
       <p:par>
-        <p:cTn xmlns:p14="http://schemas.microsoft.com/office/powerpoint/2010/main" id="1" dur="indefinite" restart="never" nodeType="tmRoot"/>
+        <p:cTn id="1" dur="indefinite" restart="never" nodeType="tmRoot"/>
       </p:par>
     </p:tnLst>
   </p:timing>
@@ -9036,6 +9072,13 @@
   <p:clrMapOvr>
     <a:masterClrMapping/>
   </p:clrMapOvr>
+  <p:timing>
+    <p:tnLst>
+      <p:par>
+        <p:cTn id="1" dur="indefinite" restart="never" nodeType="tmRoot"/>
+      </p:par>
+    </p:tnLst>
+  </p:timing>
 </p:sld>
 </file>
 
@@ -9126,18 +9169,18 @@
   <p:clrMapOvr>
     <a:masterClrMapping/>
   </p:clrMapOvr>
-  <mc:AlternateContent xmlns:mc="http://schemas.openxmlformats.org/markup-compatibility/2006">
-    <mc:Choice xmlns:p14="http://schemas.microsoft.com/office/powerpoint/2010/main" Requires="p14">
+  <mc:AlternateContent xmlns:mc="http://schemas.openxmlformats.org/markup-compatibility/2006" xmlns:p14="http://schemas.microsoft.com/office/powerpoint/2010/main">
+    <mc:Choice Requires="p14">
       <p:transition spd="slow" p14:dur="2000" advTm="341"/>
     </mc:Choice>
-    <mc:Fallback>
+    <mc:Fallback xmlns="">
       <p:transition xmlns:p14="http://schemas.microsoft.com/office/powerpoint/2010/main" spd="slow" advTm="341"/>
     </mc:Fallback>
   </mc:AlternateContent>
   <p:timing>
     <p:tnLst>
       <p:par>
-        <p:cTn xmlns:p14="http://schemas.microsoft.com/office/powerpoint/2010/main" id="1" dur="indefinite" restart="never" nodeType="tmRoot"/>
+        <p:cTn id="1" dur="indefinite" restart="never" nodeType="tmRoot"/>
       </p:par>
     </p:tnLst>
   </p:timing>
@@ -9214,7 +9257,33 @@
             </a:r>
             <a:r>
               <a:rPr lang="de-DE" dirty="0" smtClean="0"/>
-              <a:t>-API konstruierbar</a:t>
+              <a:t>-API </a:t>
+            </a:r>
+            <a:r>
+              <a:rPr lang="de-DE" dirty="0" smtClean="0"/>
+              <a:t>konstruierbar</a:t>
+            </a:r>
+          </a:p>
+          <a:p>
+            <a:r>
+              <a:rPr lang="de-DE" dirty="0" smtClean="0"/>
+              <a:t>Java8 </a:t>
+            </a:r>
+            <a:r>
+              <a:rPr lang="de-DE" dirty="0" err="1" smtClean="0"/>
+              <a:t>Closures</a:t>
+            </a:r>
+            <a:r>
+              <a:rPr lang="de-DE" dirty="0" smtClean="0"/>
+              <a:t> (anonyme Klassen mit </a:t>
+            </a:r>
+            <a:r>
+              <a:rPr lang="de-DE" smtClean="0"/>
+              <a:t>1 Methode</a:t>
+            </a:r>
+            <a:r>
+              <a:rPr lang="de-DE" dirty="0" smtClean="0"/>
+              <a:t>)</a:t>
             </a:r>
             <a:endParaRPr lang="de-DE" dirty="0"/>
           </a:p>
@@ -9229,7 +9298,7 @@
           <p:nvPr/>
         </p:nvPicPr>
         <p:blipFill>
-          <a:blip r:embed="rId2">
+          <a:blip r:embed="rId2" cstate="email">
             <a:extLst>
               <a:ext uri="{28A0092B-C50C-407E-A947-70E740481C1C}">
                 <a14:useLocalDpi xmlns:a14="http://schemas.microsoft.com/office/drawing/2010/main" val="0"/>
@@ -9268,7 +9337,7 @@
   <p:timing>
     <p:tnLst>
       <p:par>
-        <p:cTn xmlns:p14="http://schemas.microsoft.com/office/powerpoint/2010/main" id="1" dur="indefinite" restart="never" nodeType="tmRoot"/>
+        <p:cTn id="1" dur="indefinite" restart="never" nodeType="tmRoot"/>
       </p:par>
     </p:tnLst>
   </p:timing>
@@ -9391,6 +9460,13 @@
   <p:clrMapOvr>
     <a:masterClrMapping/>
   </p:clrMapOvr>
+  <p:timing>
+    <p:tnLst>
+      <p:par>
+        <p:cTn id="1" dur="indefinite" restart="never" nodeType="tmRoot"/>
+      </p:par>
+    </p:tnLst>
+  </p:timing>
 </p:sld>
 </file>
 

--- a/JavaFX-UserGroup.pptx
+++ b/JavaFX-UserGroup.pptx
@@ -5,22 +5,24 @@
     <p:sldMasterId id="2147483949" r:id="rId1"/>
   </p:sldMasterIdLst>
   <p:notesMasterIdLst>
-    <p:notesMasterId r:id="rId15"/>
+    <p:notesMasterId r:id="rId17"/>
   </p:notesMasterIdLst>
   <p:sldIdLst>
     <p:sldId id="256" r:id="rId2"/>
     <p:sldId id="257" r:id="rId3"/>
     <p:sldId id="271" r:id="rId4"/>
-    <p:sldId id="269" r:id="rId5"/>
+    <p:sldId id="273" r:id="rId5"/>
     <p:sldId id="258" r:id="rId6"/>
-    <p:sldId id="272" r:id="rId7"/>
-    <p:sldId id="259" r:id="rId8"/>
-    <p:sldId id="268" r:id="rId9"/>
-    <p:sldId id="267" r:id="rId10"/>
-    <p:sldId id="261" r:id="rId11"/>
-    <p:sldId id="266" r:id="rId12"/>
-    <p:sldId id="262" r:id="rId13"/>
-    <p:sldId id="265" r:id="rId14"/>
+    <p:sldId id="274" r:id="rId7"/>
+    <p:sldId id="275" r:id="rId8"/>
+    <p:sldId id="272" r:id="rId9"/>
+    <p:sldId id="259" r:id="rId10"/>
+    <p:sldId id="268" r:id="rId11"/>
+    <p:sldId id="267" r:id="rId12"/>
+    <p:sldId id="261" r:id="rId13"/>
+    <p:sldId id="266" r:id="rId14"/>
+    <p:sldId id="262" r:id="rId15"/>
+    <p:sldId id="265" r:id="rId16"/>
   </p:sldIdLst>
   <p:sldSz cx="9144000" cy="6858000" type="screen4x3"/>
   <p:notesSz cx="6858000" cy="9144000"/>
@@ -122,6 +124,4795 @@
 </p:presentation>
 </file>
 
+<file path=ppt/diagrams/colors1.xml><?xml version="1.0" encoding="utf-8"?>
+<dgm:colorsDef xmlns:dgm="http://schemas.openxmlformats.org/drawingml/2006/diagram" xmlns:a="http://schemas.openxmlformats.org/drawingml/2006/main" uniqueId="urn:microsoft.com/office/officeart/2005/8/colors/accent1_2">
+  <dgm:title val=""/>
+  <dgm:desc val=""/>
+  <dgm:catLst>
+    <dgm:cat type="accent1" pri="11200"/>
+  </dgm:catLst>
+  <dgm:styleLbl name="node0">
+    <dgm:fillClrLst meth="repeat">
+      <a:schemeClr val="accent1"/>
+    </dgm:fillClrLst>
+    <dgm:linClrLst meth="repeat">
+      <a:schemeClr val="lt1"/>
+    </dgm:linClrLst>
+    <dgm:effectClrLst/>
+    <dgm:txLinClrLst/>
+    <dgm:txFillClrLst/>
+    <dgm:txEffectClrLst/>
+  </dgm:styleLbl>
+  <dgm:styleLbl name="alignNode1">
+    <dgm:fillClrLst meth="repeat">
+      <a:schemeClr val="accent1"/>
+    </dgm:fillClrLst>
+    <dgm:linClrLst meth="repeat">
+      <a:schemeClr val="accent1"/>
+    </dgm:linClrLst>
+    <dgm:effectClrLst/>
+    <dgm:txLinClrLst/>
+    <dgm:txFillClrLst/>
+    <dgm:txEffectClrLst/>
+  </dgm:styleLbl>
+  <dgm:styleLbl name="node1">
+    <dgm:fillClrLst meth="repeat">
+      <a:schemeClr val="accent1"/>
+    </dgm:fillClrLst>
+    <dgm:linClrLst meth="repeat">
+      <a:schemeClr val="lt1"/>
+    </dgm:linClrLst>
+    <dgm:effectClrLst/>
+    <dgm:txLinClrLst/>
+    <dgm:txFillClrLst/>
+    <dgm:txEffectClrLst/>
+  </dgm:styleLbl>
+  <dgm:styleLbl name="lnNode1">
+    <dgm:fillClrLst meth="repeat">
+      <a:schemeClr val="accent1"/>
+    </dgm:fillClrLst>
+    <dgm:linClrLst meth="repeat">
+      <a:schemeClr val="lt1"/>
+    </dgm:linClrLst>
+    <dgm:effectClrLst/>
+    <dgm:txLinClrLst/>
+    <dgm:txFillClrLst/>
+    <dgm:txEffectClrLst/>
+  </dgm:styleLbl>
+  <dgm:styleLbl name="vennNode1">
+    <dgm:fillClrLst meth="repeat">
+      <a:schemeClr val="accent1">
+        <a:alpha val="50000"/>
+      </a:schemeClr>
+    </dgm:fillClrLst>
+    <dgm:linClrLst meth="repeat">
+      <a:schemeClr val="lt1"/>
+    </dgm:linClrLst>
+    <dgm:effectClrLst/>
+    <dgm:txLinClrLst/>
+    <dgm:txFillClrLst/>
+    <dgm:txEffectClrLst/>
+  </dgm:styleLbl>
+  <dgm:styleLbl name="node2">
+    <dgm:fillClrLst meth="repeat">
+      <a:schemeClr val="accent1"/>
+    </dgm:fillClrLst>
+    <dgm:linClrLst meth="repeat">
+      <a:schemeClr val="lt1"/>
+    </dgm:linClrLst>
+    <dgm:effectClrLst/>
+    <dgm:txLinClrLst/>
+    <dgm:txFillClrLst/>
+    <dgm:txEffectClrLst/>
+  </dgm:styleLbl>
+  <dgm:styleLbl name="node3">
+    <dgm:fillClrLst meth="repeat">
+      <a:schemeClr val="accent1"/>
+    </dgm:fillClrLst>
+    <dgm:linClrLst meth="repeat">
+      <a:schemeClr val="lt1"/>
+    </dgm:linClrLst>
+    <dgm:effectClrLst/>
+    <dgm:txLinClrLst/>
+    <dgm:txFillClrLst/>
+    <dgm:txEffectClrLst/>
+  </dgm:styleLbl>
+  <dgm:styleLbl name="node4">
+    <dgm:fillClrLst meth="repeat">
+      <a:schemeClr val="accent1"/>
+    </dgm:fillClrLst>
+    <dgm:linClrLst meth="repeat">
+      <a:schemeClr val="lt1"/>
+    </dgm:linClrLst>
+    <dgm:effectClrLst/>
+    <dgm:txLinClrLst/>
+    <dgm:txFillClrLst/>
+    <dgm:txEffectClrLst/>
+  </dgm:styleLbl>
+  <dgm:styleLbl name="fgImgPlace1">
+    <dgm:fillClrLst meth="repeat">
+      <a:schemeClr val="accent1">
+        <a:tint val="50000"/>
+      </a:schemeClr>
+    </dgm:fillClrLst>
+    <dgm:linClrLst meth="repeat">
+      <a:schemeClr val="lt1"/>
+    </dgm:linClrLst>
+    <dgm:effectClrLst/>
+    <dgm:txLinClrLst/>
+    <dgm:txFillClrLst meth="repeat">
+      <a:schemeClr val="lt1"/>
+    </dgm:txFillClrLst>
+    <dgm:txEffectClrLst/>
+  </dgm:styleLbl>
+  <dgm:styleLbl name="alignImgPlace1">
+    <dgm:fillClrLst meth="repeat">
+      <a:schemeClr val="accent1">
+        <a:tint val="50000"/>
+      </a:schemeClr>
+    </dgm:fillClrLst>
+    <dgm:linClrLst meth="repeat">
+      <a:schemeClr val="lt1"/>
+    </dgm:linClrLst>
+    <dgm:effectClrLst/>
+    <dgm:txLinClrLst/>
+    <dgm:txFillClrLst meth="repeat">
+      <a:schemeClr val="lt1"/>
+    </dgm:txFillClrLst>
+    <dgm:txEffectClrLst/>
+  </dgm:styleLbl>
+  <dgm:styleLbl name="bgImgPlace1">
+    <dgm:fillClrLst meth="repeat">
+      <a:schemeClr val="accent1">
+        <a:tint val="50000"/>
+      </a:schemeClr>
+    </dgm:fillClrLst>
+    <dgm:linClrLst meth="repeat">
+      <a:schemeClr val="lt1"/>
+    </dgm:linClrLst>
+    <dgm:effectClrLst/>
+    <dgm:txLinClrLst/>
+    <dgm:txFillClrLst meth="repeat">
+      <a:schemeClr val="lt1"/>
+    </dgm:txFillClrLst>
+    <dgm:txEffectClrLst/>
+  </dgm:styleLbl>
+  <dgm:styleLbl name="sibTrans2D1">
+    <dgm:fillClrLst meth="repeat">
+      <a:schemeClr val="accent1">
+        <a:tint val="60000"/>
+      </a:schemeClr>
+    </dgm:fillClrLst>
+    <dgm:linClrLst meth="repeat">
+      <a:schemeClr val="accent1">
+        <a:tint val="60000"/>
+      </a:schemeClr>
+    </dgm:linClrLst>
+    <dgm:effectClrLst/>
+    <dgm:txLinClrLst/>
+    <dgm:txFillClrLst/>
+    <dgm:txEffectClrLst/>
+  </dgm:styleLbl>
+  <dgm:styleLbl name="fgSibTrans2D1">
+    <dgm:fillClrLst meth="repeat">
+      <a:schemeClr val="accent1">
+        <a:tint val="60000"/>
+      </a:schemeClr>
+    </dgm:fillClrLst>
+    <dgm:linClrLst meth="repeat">
+      <a:schemeClr val="accent1">
+        <a:tint val="60000"/>
+      </a:schemeClr>
+    </dgm:linClrLst>
+    <dgm:effectClrLst/>
+    <dgm:txLinClrLst/>
+    <dgm:txFillClrLst/>
+    <dgm:txEffectClrLst/>
+  </dgm:styleLbl>
+  <dgm:styleLbl name="bgSibTrans2D1">
+    <dgm:fillClrLst meth="repeat">
+      <a:schemeClr val="accent1">
+        <a:tint val="60000"/>
+      </a:schemeClr>
+    </dgm:fillClrLst>
+    <dgm:linClrLst meth="repeat">
+      <a:schemeClr val="accent1">
+        <a:tint val="60000"/>
+      </a:schemeClr>
+    </dgm:linClrLst>
+    <dgm:effectClrLst/>
+    <dgm:txLinClrLst/>
+    <dgm:txFillClrLst/>
+    <dgm:txEffectClrLst/>
+  </dgm:styleLbl>
+  <dgm:styleLbl name="sibTrans1D1">
+    <dgm:fillClrLst meth="repeat">
+      <a:schemeClr val="accent1"/>
+    </dgm:fillClrLst>
+    <dgm:linClrLst meth="repeat">
+      <a:schemeClr val="accent1"/>
+    </dgm:linClrLst>
+    <dgm:effectClrLst/>
+    <dgm:txLinClrLst/>
+    <dgm:txFillClrLst meth="repeat">
+      <a:schemeClr val="tx1"/>
+    </dgm:txFillClrLst>
+    <dgm:txEffectClrLst/>
+  </dgm:styleLbl>
+  <dgm:styleLbl name="callout">
+    <dgm:fillClrLst meth="repeat">
+      <a:schemeClr val="accent1"/>
+    </dgm:fillClrLst>
+    <dgm:linClrLst meth="repeat">
+      <a:schemeClr val="accent1">
+        <a:tint val="50000"/>
+      </a:schemeClr>
+    </dgm:linClrLst>
+    <dgm:effectClrLst/>
+    <dgm:txLinClrLst/>
+    <dgm:txFillClrLst meth="repeat">
+      <a:schemeClr val="tx1"/>
+    </dgm:txFillClrLst>
+    <dgm:txEffectClrLst/>
+  </dgm:styleLbl>
+  <dgm:styleLbl name="asst0">
+    <dgm:fillClrLst meth="repeat">
+      <a:schemeClr val="accent1"/>
+    </dgm:fillClrLst>
+    <dgm:linClrLst meth="repeat">
+      <a:schemeClr val="lt1"/>
+    </dgm:linClrLst>
+    <dgm:effectClrLst/>
+    <dgm:txLinClrLst/>
+    <dgm:txFillClrLst/>
+    <dgm:txEffectClrLst/>
+  </dgm:styleLbl>
+  <dgm:styleLbl name="asst1">
+    <dgm:fillClrLst meth="repeat">
+      <a:schemeClr val="accent1"/>
+    </dgm:fillClrLst>
+    <dgm:linClrLst meth="repeat">
+      <a:schemeClr val="lt1"/>
+    </dgm:linClrLst>
+    <dgm:effectClrLst/>
+    <dgm:txLinClrLst/>
+    <dgm:txFillClrLst/>
+    <dgm:txEffectClrLst/>
+  </dgm:styleLbl>
+  <dgm:styleLbl name="asst2">
+    <dgm:fillClrLst meth="repeat">
+      <a:schemeClr val="accent1"/>
+    </dgm:fillClrLst>
+    <dgm:linClrLst meth="repeat">
+      <a:schemeClr val="lt1"/>
+    </dgm:linClrLst>
+    <dgm:effectClrLst/>
+    <dgm:txLinClrLst/>
+    <dgm:txFillClrLst/>
+    <dgm:txEffectClrLst/>
+  </dgm:styleLbl>
+  <dgm:styleLbl name="asst3">
+    <dgm:fillClrLst meth="repeat">
+      <a:schemeClr val="accent1"/>
+    </dgm:fillClrLst>
+    <dgm:linClrLst meth="repeat">
+      <a:schemeClr val="lt1"/>
+    </dgm:linClrLst>
+    <dgm:effectClrLst/>
+    <dgm:txLinClrLst/>
+    <dgm:txFillClrLst/>
+    <dgm:txEffectClrLst/>
+  </dgm:styleLbl>
+  <dgm:styleLbl name="asst4">
+    <dgm:fillClrLst meth="repeat">
+      <a:schemeClr val="accent1"/>
+    </dgm:fillClrLst>
+    <dgm:linClrLst meth="repeat">
+      <a:schemeClr val="lt1"/>
+    </dgm:linClrLst>
+    <dgm:effectClrLst/>
+    <dgm:txLinClrLst/>
+    <dgm:txFillClrLst/>
+    <dgm:txEffectClrLst/>
+  </dgm:styleLbl>
+  <dgm:styleLbl name="parChTrans2D1">
+    <dgm:fillClrLst meth="repeat">
+      <a:schemeClr val="accent1">
+        <a:tint val="60000"/>
+      </a:schemeClr>
+    </dgm:fillClrLst>
+    <dgm:linClrLst meth="repeat">
+      <a:schemeClr val="accent1">
+        <a:tint val="60000"/>
+      </a:schemeClr>
+    </dgm:linClrLst>
+    <dgm:effectClrLst/>
+    <dgm:txLinClrLst/>
+    <dgm:txFillClrLst meth="repeat">
+      <a:schemeClr val="lt1"/>
+    </dgm:txFillClrLst>
+    <dgm:txEffectClrLst/>
+  </dgm:styleLbl>
+  <dgm:styleLbl name="parChTrans2D2">
+    <dgm:fillClrLst meth="repeat">
+      <a:schemeClr val="accent1"/>
+    </dgm:fillClrLst>
+    <dgm:linClrLst meth="repeat">
+      <a:schemeClr val="accent1"/>
+    </dgm:linClrLst>
+    <dgm:effectClrLst/>
+    <dgm:txLinClrLst/>
+    <dgm:txFillClrLst meth="repeat">
+      <a:schemeClr val="lt1"/>
+    </dgm:txFillClrLst>
+    <dgm:txEffectClrLst/>
+  </dgm:styleLbl>
+  <dgm:styleLbl name="parChTrans2D3">
+    <dgm:fillClrLst meth="repeat">
+      <a:schemeClr val="accent1"/>
+    </dgm:fillClrLst>
+    <dgm:linClrLst meth="repeat">
+      <a:schemeClr val="accent1"/>
+    </dgm:linClrLst>
+    <dgm:effectClrLst/>
+    <dgm:txLinClrLst/>
+    <dgm:txFillClrLst meth="repeat">
+      <a:schemeClr val="lt1"/>
+    </dgm:txFillClrLst>
+    <dgm:txEffectClrLst/>
+  </dgm:styleLbl>
+  <dgm:styleLbl name="parChTrans2D4">
+    <dgm:fillClrLst meth="repeat">
+      <a:schemeClr val="accent1"/>
+    </dgm:fillClrLst>
+    <dgm:linClrLst meth="repeat">
+      <a:schemeClr val="accent1"/>
+    </dgm:linClrLst>
+    <dgm:effectClrLst/>
+    <dgm:txLinClrLst/>
+    <dgm:txFillClrLst meth="repeat">
+      <a:schemeClr val="lt1"/>
+    </dgm:txFillClrLst>
+    <dgm:txEffectClrLst/>
+  </dgm:styleLbl>
+  <dgm:styleLbl name="parChTrans1D1">
+    <dgm:fillClrLst meth="repeat">
+      <a:schemeClr val="accent1"/>
+    </dgm:fillClrLst>
+    <dgm:linClrLst meth="repeat">
+      <a:schemeClr val="accent1">
+        <a:shade val="60000"/>
+      </a:schemeClr>
+    </dgm:linClrLst>
+    <dgm:effectClrLst/>
+    <dgm:txLinClrLst/>
+    <dgm:txFillClrLst meth="repeat">
+      <a:schemeClr val="tx1"/>
+    </dgm:txFillClrLst>
+    <dgm:txEffectClrLst/>
+  </dgm:styleLbl>
+  <dgm:styleLbl name="parChTrans1D2">
+    <dgm:fillClrLst meth="repeat">
+      <a:schemeClr val="accent1"/>
+    </dgm:fillClrLst>
+    <dgm:linClrLst meth="repeat">
+      <a:schemeClr val="accent1">
+        <a:shade val="60000"/>
+      </a:schemeClr>
+    </dgm:linClrLst>
+    <dgm:effectClrLst/>
+    <dgm:txLinClrLst/>
+    <dgm:txFillClrLst meth="repeat">
+      <a:schemeClr val="tx1"/>
+    </dgm:txFillClrLst>
+    <dgm:txEffectClrLst/>
+  </dgm:styleLbl>
+  <dgm:styleLbl name="parChTrans1D3">
+    <dgm:fillClrLst meth="repeat">
+      <a:schemeClr val="accent1"/>
+    </dgm:fillClrLst>
+    <dgm:linClrLst meth="repeat">
+      <a:schemeClr val="accent1">
+        <a:shade val="80000"/>
+      </a:schemeClr>
+    </dgm:linClrLst>
+    <dgm:effectClrLst/>
+    <dgm:txLinClrLst/>
+    <dgm:txFillClrLst meth="repeat">
+      <a:schemeClr val="tx1"/>
+    </dgm:txFillClrLst>
+    <dgm:txEffectClrLst/>
+  </dgm:styleLbl>
+  <dgm:styleLbl name="parChTrans1D4">
+    <dgm:fillClrLst meth="repeat">
+      <a:schemeClr val="accent1"/>
+    </dgm:fillClrLst>
+    <dgm:linClrLst meth="repeat">
+      <a:schemeClr val="accent1">
+        <a:shade val="80000"/>
+      </a:schemeClr>
+    </dgm:linClrLst>
+    <dgm:effectClrLst/>
+    <dgm:txLinClrLst/>
+    <dgm:txFillClrLst meth="repeat">
+      <a:schemeClr val="tx1"/>
+    </dgm:txFillClrLst>
+    <dgm:txEffectClrLst/>
+  </dgm:styleLbl>
+  <dgm:styleLbl name="fgAcc1">
+    <dgm:fillClrLst meth="repeat">
+      <a:schemeClr val="lt1">
+        <a:alpha val="90000"/>
+      </a:schemeClr>
+    </dgm:fillClrLst>
+    <dgm:linClrLst meth="repeat">
+      <a:schemeClr val="accent1"/>
+    </dgm:linClrLst>
+    <dgm:effectClrLst/>
+    <dgm:txLinClrLst/>
+    <dgm:txFillClrLst meth="repeat">
+      <a:schemeClr val="dk1"/>
+    </dgm:txFillClrLst>
+    <dgm:txEffectClrLst/>
+  </dgm:styleLbl>
+  <dgm:styleLbl name="conFgAcc1">
+    <dgm:fillClrLst meth="repeat">
+      <a:schemeClr val="lt1">
+        <a:alpha val="90000"/>
+      </a:schemeClr>
+    </dgm:fillClrLst>
+    <dgm:linClrLst meth="repeat">
+      <a:schemeClr val="accent1"/>
+    </dgm:linClrLst>
+    <dgm:effectClrLst/>
+    <dgm:txLinClrLst/>
+    <dgm:txFillClrLst meth="repeat">
+      <a:schemeClr val="dk1"/>
+    </dgm:txFillClrLst>
+    <dgm:txEffectClrLst/>
+  </dgm:styleLbl>
+  <dgm:styleLbl name="alignAcc1">
+    <dgm:fillClrLst meth="repeat">
+      <a:schemeClr val="lt1">
+        <a:alpha val="90000"/>
+      </a:schemeClr>
+    </dgm:fillClrLst>
+    <dgm:linClrLst meth="repeat">
+      <a:schemeClr val="accent1"/>
+    </dgm:linClrLst>
+    <dgm:effectClrLst/>
+    <dgm:txLinClrLst/>
+    <dgm:txFillClrLst meth="repeat">
+      <a:schemeClr val="dk1"/>
+    </dgm:txFillClrLst>
+    <dgm:txEffectClrLst/>
+  </dgm:styleLbl>
+  <dgm:styleLbl name="trAlignAcc1">
+    <dgm:fillClrLst meth="repeat">
+      <a:schemeClr val="lt1">
+        <a:alpha val="40000"/>
+      </a:schemeClr>
+    </dgm:fillClrLst>
+    <dgm:linClrLst meth="repeat">
+      <a:schemeClr val="accent1"/>
+    </dgm:linClrLst>
+    <dgm:effectClrLst/>
+    <dgm:txLinClrLst/>
+    <dgm:txFillClrLst meth="repeat">
+      <a:schemeClr val="dk1"/>
+    </dgm:txFillClrLst>
+    <dgm:txEffectClrLst/>
+  </dgm:styleLbl>
+  <dgm:styleLbl name="bgAcc1">
+    <dgm:fillClrLst meth="repeat">
+      <a:schemeClr val="lt1">
+        <a:alpha val="90000"/>
+      </a:schemeClr>
+    </dgm:fillClrLst>
+    <dgm:linClrLst meth="repeat">
+      <a:schemeClr val="accent1"/>
+    </dgm:linClrLst>
+    <dgm:effectClrLst/>
+    <dgm:txLinClrLst/>
+    <dgm:txFillClrLst meth="repeat">
+      <a:schemeClr val="dk1"/>
+    </dgm:txFillClrLst>
+    <dgm:txEffectClrLst/>
+  </dgm:styleLbl>
+  <dgm:styleLbl name="solidFgAcc1">
+    <dgm:fillClrLst meth="repeat">
+      <a:schemeClr val="lt1"/>
+    </dgm:fillClrLst>
+    <dgm:linClrLst meth="repeat">
+      <a:schemeClr val="accent1"/>
+    </dgm:linClrLst>
+    <dgm:effectClrLst/>
+    <dgm:txLinClrLst/>
+    <dgm:txFillClrLst meth="repeat">
+      <a:schemeClr val="dk1"/>
+    </dgm:txFillClrLst>
+    <dgm:txEffectClrLst/>
+  </dgm:styleLbl>
+  <dgm:styleLbl name="solidAlignAcc1">
+    <dgm:fillClrLst meth="repeat">
+      <a:schemeClr val="lt1"/>
+    </dgm:fillClrLst>
+    <dgm:linClrLst meth="repeat">
+      <a:schemeClr val="accent1"/>
+    </dgm:linClrLst>
+    <dgm:effectClrLst/>
+    <dgm:txLinClrLst/>
+    <dgm:txFillClrLst meth="repeat">
+      <a:schemeClr val="dk1"/>
+    </dgm:txFillClrLst>
+    <dgm:txEffectClrLst/>
+  </dgm:styleLbl>
+  <dgm:styleLbl name="solidBgAcc1">
+    <dgm:fillClrLst meth="repeat">
+      <a:schemeClr val="lt1"/>
+    </dgm:fillClrLst>
+    <dgm:linClrLst meth="repeat">
+      <a:schemeClr val="accent1"/>
+    </dgm:linClrLst>
+    <dgm:effectClrLst/>
+    <dgm:txLinClrLst/>
+    <dgm:txFillClrLst meth="repeat">
+      <a:schemeClr val="dk1"/>
+    </dgm:txFillClrLst>
+    <dgm:txEffectClrLst/>
+  </dgm:styleLbl>
+  <dgm:styleLbl name="fgAccFollowNode1">
+    <dgm:fillClrLst meth="repeat">
+      <a:schemeClr val="accent1">
+        <a:alpha val="90000"/>
+        <a:tint val="40000"/>
+      </a:schemeClr>
+    </dgm:fillClrLst>
+    <dgm:linClrLst meth="repeat">
+      <a:schemeClr val="accent1">
+        <a:alpha val="90000"/>
+        <a:tint val="40000"/>
+      </a:schemeClr>
+    </dgm:linClrLst>
+    <dgm:effectClrLst/>
+    <dgm:txLinClrLst/>
+    <dgm:txFillClrLst meth="repeat">
+      <a:schemeClr val="dk1"/>
+    </dgm:txFillClrLst>
+    <dgm:txEffectClrLst/>
+  </dgm:styleLbl>
+  <dgm:styleLbl name="alignAccFollowNode1">
+    <dgm:fillClrLst meth="repeat">
+      <a:schemeClr val="accent1">
+        <a:alpha val="90000"/>
+        <a:tint val="40000"/>
+      </a:schemeClr>
+    </dgm:fillClrLst>
+    <dgm:linClrLst meth="repeat">
+      <a:schemeClr val="accent1">
+        <a:alpha val="90000"/>
+        <a:tint val="40000"/>
+      </a:schemeClr>
+    </dgm:linClrLst>
+    <dgm:effectClrLst/>
+    <dgm:txLinClrLst/>
+    <dgm:txFillClrLst meth="repeat">
+      <a:schemeClr val="dk1"/>
+    </dgm:txFillClrLst>
+    <dgm:txEffectClrLst/>
+  </dgm:styleLbl>
+  <dgm:styleLbl name="bgAccFollowNode1">
+    <dgm:fillClrLst meth="repeat">
+      <a:schemeClr val="accent1">
+        <a:alpha val="90000"/>
+        <a:tint val="40000"/>
+      </a:schemeClr>
+    </dgm:fillClrLst>
+    <dgm:linClrLst meth="repeat">
+      <a:schemeClr val="accent1">
+        <a:alpha val="90000"/>
+        <a:tint val="40000"/>
+      </a:schemeClr>
+    </dgm:linClrLst>
+    <dgm:effectClrLst/>
+    <dgm:txLinClrLst/>
+    <dgm:txFillClrLst meth="repeat">
+      <a:schemeClr val="dk1"/>
+    </dgm:txFillClrLst>
+    <dgm:txEffectClrLst/>
+  </dgm:styleLbl>
+  <dgm:styleLbl name="fgAcc0">
+    <dgm:fillClrLst meth="repeat">
+      <a:schemeClr val="lt1">
+        <a:alpha val="90000"/>
+      </a:schemeClr>
+    </dgm:fillClrLst>
+    <dgm:linClrLst meth="repeat">
+      <a:schemeClr val="accent1"/>
+    </dgm:linClrLst>
+    <dgm:effectClrLst/>
+    <dgm:txLinClrLst/>
+    <dgm:txFillClrLst meth="repeat">
+      <a:schemeClr val="dk1"/>
+    </dgm:txFillClrLst>
+    <dgm:txEffectClrLst/>
+  </dgm:styleLbl>
+  <dgm:styleLbl name="fgAcc2">
+    <dgm:fillClrLst meth="repeat">
+      <a:schemeClr val="lt1">
+        <a:alpha val="90000"/>
+      </a:schemeClr>
+    </dgm:fillClrLst>
+    <dgm:linClrLst meth="repeat">
+      <a:schemeClr val="accent1"/>
+    </dgm:linClrLst>
+    <dgm:effectClrLst/>
+    <dgm:txLinClrLst/>
+    <dgm:txFillClrLst meth="repeat">
+      <a:schemeClr val="dk1"/>
+    </dgm:txFillClrLst>
+    <dgm:txEffectClrLst/>
+  </dgm:styleLbl>
+  <dgm:styleLbl name="fgAcc3">
+    <dgm:fillClrLst meth="repeat">
+      <a:schemeClr val="lt1">
+        <a:alpha val="90000"/>
+      </a:schemeClr>
+    </dgm:fillClrLst>
+    <dgm:linClrLst meth="repeat">
+      <a:schemeClr val="accent1"/>
+    </dgm:linClrLst>
+    <dgm:effectClrLst/>
+    <dgm:txLinClrLst/>
+    <dgm:txFillClrLst meth="repeat">
+      <a:schemeClr val="dk1"/>
+    </dgm:txFillClrLst>
+    <dgm:txEffectClrLst/>
+  </dgm:styleLbl>
+  <dgm:styleLbl name="fgAcc4">
+    <dgm:fillClrLst meth="repeat">
+      <a:schemeClr val="lt1">
+        <a:alpha val="90000"/>
+      </a:schemeClr>
+    </dgm:fillClrLst>
+    <dgm:linClrLst meth="repeat">
+      <a:schemeClr val="accent1"/>
+    </dgm:linClrLst>
+    <dgm:effectClrLst/>
+    <dgm:txLinClrLst/>
+    <dgm:txFillClrLst meth="repeat">
+      <a:schemeClr val="dk1"/>
+    </dgm:txFillClrLst>
+    <dgm:txEffectClrLst/>
+  </dgm:styleLbl>
+  <dgm:styleLbl name="bgShp">
+    <dgm:fillClrLst meth="repeat">
+      <a:schemeClr val="accent1">
+        <a:tint val="40000"/>
+      </a:schemeClr>
+    </dgm:fillClrLst>
+    <dgm:linClrLst meth="repeat">
+      <a:schemeClr val="accent1"/>
+    </dgm:linClrLst>
+    <dgm:effectClrLst/>
+    <dgm:txLinClrLst/>
+    <dgm:txFillClrLst meth="repeat">
+      <a:schemeClr val="dk1"/>
+    </dgm:txFillClrLst>
+    <dgm:txEffectClrLst/>
+  </dgm:styleLbl>
+  <dgm:styleLbl name="dkBgShp">
+    <dgm:fillClrLst meth="repeat">
+      <a:schemeClr val="accent1">
+        <a:shade val="80000"/>
+      </a:schemeClr>
+    </dgm:fillClrLst>
+    <dgm:linClrLst meth="repeat">
+      <a:schemeClr val="accent1"/>
+    </dgm:linClrLst>
+    <dgm:effectClrLst/>
+    <dgm:txLinClrLst/>
+    <dgm:txFillClrLst meth="repeat">
+      <a:schemeClr val="lt1"/>
+    </dgm:txFillClrLst>
+    <dgm:txEffectClrLst/>
+  </dgm:styleLbl>
+  <dgm:styleLbl name="trBgShp">
+    <dgm:fillClrLst meth="repeat">
+      <a:schemeClr val="accent1">
+        <a:tint val="50000"/>
+        <a:alpha val="40000"/>
+      </a:schemeClr>
+    </dgm:fillClrLst>
+    <dgm:linClrLst meth="repeat">
+      <a:schemeClr val="accent1"/>
+    </dgm:linClrLst>
+    <dgm:effectClrLst/>
+    <dgm:txLinClrLst/>
+    <dgm:txFillClrLst meth="repeat">
+      <a:schemeClr val="lt1"/>
+    </dgm:txFillClrLst>
+    <dgm:txEffectClrLst/>
+  </dgm:styleLbl>
+  <dgm:styleLbl name="fgShp">
+    <dgm:fillClrLst meth="repeat">
+      <a:schemeClr val="accent1">
+        <a:tint val="60000"/>
+      </a:schemeClr>
+    </dgm:fillClrLst>
+    <dgm:linClrLst meth="repeat">
+      <a:schemeClr val="lt1"/>
+    </dgm:linClrLst>
+    <dgm:effectClrLst/>
+    <dgm:txLinClrLst/>
+    <dgm:txFillClrLst meth="repeat">
+      <a:schemeClr val="dk1"/>
+    </dgm:txFillClrLst>
+    <dgm:txEffectClrLst/>
+  </dgm:styleLbl>
+  <dgm:styleLbl name="revTx">
+    <dgm:fillClrLst meth="repeat">
+      <a:schemeClr val="lt1">
+        <a:alpha val="0"/>
+      </a:schemeClr>
+    </dgm:fillClrLst>
+    <dgm:linClrLst meth="repeat">
+      <a:schemeClr val="dk1">
+        <a:alpha val="0"/>
+      </a:schemeClr>
+    </dgm:linClrLst>
+    <dgm:effectClrLst/>
+    <dgm:txLinClrLst/>
+    <dgm:txFillClrLst meth="repeat">
+      <a:schemeClr val="tx1"/>
+    </dgm:txFillClrLst>
+    <dgm:txEffectClrLst/>
+  </dgm:styleLbl>
+</dgm:colorsDef>
+</file>
+
+<file path=ppt/diagrams/data1.xml><?xml version="1.0" encoding="utf-8"?>
+<dgm:dataModel xmlns:dgm="http://schemas.openxmlformats.org/drawingml/2006/diagram" xmlns:a="http://schemas.openxmlformats.org/drawingml/2006/main">
+  <dgm:ptLst>
+    <dgm:pt modelId="{0C97D30B-8AEE-4038-82FB-8F283366AE37}" type="doc">
+      <dgm:prSet loTypeId="urn:microsoft.com/office/officeart/2009/layout/CirclePictureHierarchy" loCatId="hierarchy" qsTypeId="urn:microsoft.com/office/officeart/2005/8/quickstyle/simple1" qsCatId="simple" csTypeId="urn:microsoft.com/office/officeart/2005/8/colors/accent1_2" csCatId="accent1" phldr="1"/>
+      <dgm:spPr/>
+      <dgm:t>
+        <a:bodyPr/>
+        <a:lstStyle/>
+        <a:p>
+          <a:endParaRPr lang="de-DE"/>
+        </a:p>
+      </dgm:t>
+    </dgm:pt>
+    <dgm:pt modelId="{C25A7228-1040-453E-B8D3-A3D4DACE3165}">
+      <dgm:prSet phldrT="[Text]"/>
+      <dgm:spPr/>
+      <dgm:t>
+        <a:bodyPr/>
+        <a:lstStyle/>
+        <a:p>
+          <a:r>
+            <a:rPr lang="de-DE" dirty="0" smtClean="0"/>
+            <a:t>Stage</a:t>
+          </a:r>
+          <a:endParaRPr lang="de-DE" dirty="0"/>
+        </a:p>
+      </dgm:t>
+    </dgm:pt>
+    <dgm:pt modelId="{B4D998A3-D5B5-4B8A-A3C4-4EED64E5D671}" type="parTrans" cxnId="{486B3825-2D36-4F43-98C5-675A58FD76A5}">
+      <dgm:prSet/>
+      <dgm:spPr/>
+      <dgm:t>
+        <a:bodyPr/>
+        <a:lstStyle/>
+        <a:p>
+          <a:endParaRPr lang="de-DE"/>
+        </a:p>
+      </dgm:t>
+    </dgm:pt>
+    <dgm:pt modelId="{9EBC6309-BDE1-486A-8129-06B4EE355B12}" type="sibTrans" cxnId="{486B3825-2D36-4F43-98C5-675A58FD76A5}">
+      <dgm:prSet/>
+      <dgm:spPr/>
+      <dgm:t>
+        <a:bodyPr/>
+        <a:lstStyle/>
+        <a:p>
+          <a:endParaRPr lang="de-DE"/>
+        </a:p>
+      </dgm:t>
+    </dgm:pt>
+    <dgm:pt modelId="{5C09739B-D903-4464-9BE8-463231899B0F}">
+      <dgm:prSet phldrT="[Text]"/>
+      <dgm:spPr/>
+      <dgm:t>
+        <a:bodyPr/>
+        <a:lstStyle/>
+        <a:p>
+          <a:r>
+            <a:rPr lang="de-DE" dirty="0" smtClean="0"/>
+            <a:t>Scene</a:t>
+          </a:r>
+          <a:endParaRPr lang="de-DE" dirty="0"/>
+        </a:p>
+      </dgm:t>
+    </dgm:pt>
+    <dgm:pt modelId="{1100EF54-3071-4D39-8343-6AA06D77AFD6}" type="parTrans" cxnId="{64899ED9-1059-4E16-94BD-CF178C8AA587}">
+      <dgm:prSet/>
+      <dgm:spPr/>
+      <dgm:t>
+        <a:bodyPr/>
+        <a:lstStyle/>
+        <a:p>
+          <a:endParaRPr lang="de-DE"/>
+        </a:p>
+      </dgm:t>
+    </dgm:pt>
+    <dgm:pt modelId="{ADDC6E6D-AAA7-431F-9DC9-6877F32D1D41}" type="sibTrans" cxnId="{64899ED9-1059-4E16-94BD-CF178C8AA587}">
+      <dgm:prSet/>
+      <dgm:spPr/>
+      <dgm:t>
+        <a:bodyPr/>
+        <a:lstStyle/>
+        <a:p>
+          <a:endParaRPr lang="de-DE"/>
+        </a:p>
+      </dgm:t>
+    </dgm:pt>
+    <dgm:pt modelId="{644CF794-2221-476F-9866-19D5249B8279}">
+      <dgm:prSet phldrT="[Text]"/>
+      <dgm:spPr/>
+      <dgm:t>
+        <a:bodyPr/>
+        <a:lstStyle/>
+        <a:p>
+          <a:r>
+            <a:rPr lang="de-DE" dirty="0" err="1" smtClean="0"/>
+            <a:t>HBox</a:t>
+          </a:r>
+          <a:endParaRPr lang="de-DE" dirty="0"/>
+        </a:p>
+      </dgm:t>
+    </dgm:pt>
+    <dgm:pt modelId="{3F59ABD8-4D6A-4E65-83DD-9D4BFCECC63D}" type="parTrans" cxnId="{5DF3F0E7-7680-4B3C-9294-1402CC878845}">
+      <dgm:prSet/>
+      <dgm:spPr/>
+      <dgm:t>
+        <a:bodyPr/>
+        <a:lstStyle/>
+        <a:p>
+          <a:endParaRPr lang="de-DE"/>
+        </a:p>
+      </dgm:t>
+    </dgm:pt>
+    <dgm:pt modelId="{A9254DF9-F819-414D-8AE7-A6A5ED18408D}" type="sibTrans" cxnId="{5DF3F0E7-7680-4B3C-9294-1402CC878845}">
+      <dgm:prSet/>
+      <dgm:spPr/>
+      <dgm:t>
+        <a:bodyPr/>
+        <a:lstStyle/>
+        <a:p>
+          <a:endParaRPr lang="de-DE"/>
+        </a:p>
+      </dgm:t>
+    </dgm:pt>
+    <dgm:pt modelId="{5A28C987-8DA0-46EE-BFD1-2B99AF6D9EEB}">
+      <dgm:prSet phldrT="[Text]"/>
+      <dgm:spPr/>
+      <dgm:t>
+        <a:bodyPr/>
+        <a:lstStyle/>
+        <a:p>
+          <a:r>
+            <a:rPr lang="de-DE" dirty="0" err="1" smtClean="0"/>
+            <a:t>StackPane</a:t>
+          </a:r>
+          <a:endParaRPr lang="de-DE" dirty="0"/>
+        </a:p>
+      </dgm:t>
+    </dgm:pt>
+    <dgm:pt modelId="{2F90CFEB-05C4-40ED-84F7-F3932A36C127}" type="parTrans" cxnId="{0F4EAEDC-FF07-456C-837D-63B47FF35282}">
+      <dgm:prSet/>
+      <dgm:spPr/>
+      <dgm:t>
+        <a:bodyPr/>
+        <a:lstStyle/>
+        <a:p>
+          <a:endParaRPr lang="de-DE"/>
+        </a:p>
+      </dgm:t>
+    </dgm:pt>
+    <dgm:pt modelId="{99B19DD2-DC80-418E-BD08-13C8CCC9FCCE}" type="sibTrans" cxnId="{0F4EAEDC-FF07-456C-837D-63B47FF35282}">
+      <dgm:prSet/>
+      <dgm:spPr/>
+      <dgm:t>
+        <a:bodyPr/>
+        <a:lstStyle/>
+        <a:p>
+          <a:endParaRPr lang="de-DE"/>
+        </a:p>
+      </dgm:t>
+    </dgm:pt>
+    <dgm:pt modelId="{55848335-9C9E-44AF-8B9D-43E26C874503}">
+      <dgm:prSet phldrT="[Text]"/>
+      <dgm:spPr/>
+      <dgm:t>
+        <a:bodyPr/>
+        <a:lstStyle/>
+        <a:p>
+          <a:r>
+            <a:rPr lang="de-DE" dirty="0" err="1" smtClean="0"/>
+            <a:t>Rectangle</a:t>
+          </a:r>
+          <a:endParaRPr lang="de-DE" dirty="0"/>
+        </a:p>
+      </dgm:t>
+    </dgm:pt>
+    <dgm:pt modelId="{F4CF6265-FC8B-4FFD-B6DA-0961155B7972}" type="parTrans" cxnId="{1CC58B08-7400-49B7-B086-BC08C43033D2}">
+      <dgm:prSet/>
+      <dgm:spPr/>
+      <dgm:t>
+        <a:bodyPr/>
+        <a:lstStyle/>
+        <a:p>
+          <a:endParaRPr lang="de-DE"/>
+        </a:p>
+      </dgm:t>
+    </dgm:pt>
+    <dgm:pt modelId="{21FC9C30-C399-408A-8894-5733B4ADB012}" type="sibTrans" cxnId="{1CC58B08-7400-49B7-B086-BC08C43033D2}">
+      <dgm:prSet/>
+      <dgm:spPr/>
+      <dgm:t>
+        <a:bodyPr/>
+        <a:lstStyle/>
+        <a:p>
+          <a:endParaRPr lang="de-DE"/>
+        </a:p>
+      </dgm:t>
+    </dgm:pt>
+    <dgm:pt modelId="{B6BF2994-F5D0-41F7-8B1C-A4AC60FE1E1B}">
+      <dgm:prSet phldrT="[Text]"/>
+      <dgm:spPr/>
+      <dgm:t>
+        <a:bodyPr/>
+        <a:lstStyle/>
+        <a:p>
+          <a:r>
+            <a:rPr lang="de-DE" dirty="0" smtClean="0"/>
+            <a:t>Button</a:t>
+          </a:r>
+          <a:endParaRPr lang="de-DE" dirty="0"/>
+        </a:p>
+      </dgm:t>
+    </dgm:pt>
+    <dgm:pt modelId="{75616484-4155-4D3B-8BBD-92874A3C1F0C}" type="parTrans" cxnId="{4753DB16-23DB-4B84-98D2-3FF38200AA20}">
+      <dgm:prSet/>
+      <dgm:spPr/>
+      <dgm:t>
+        <a:bodyPr/>
+        <a:lstStyle/>
+        <a:p>
+          <a:endParaRPr lang="de-DE"/>
+        </a:p>
+      </dgm:t>
+    </dgm:pt>
+    <dgm:pt modelId="{B607D2F1-DE4C-4239-8688-0D753E239231}" type="sibTrans" cxnId="{4753DB16-23DB-4B84-98D2-3FF38200AA20}">
+      <dgm:prSet/>
+      <dgm:spPr/>
+      <dgm:t>
+        <a:bodyPr/>
+        <a:lstStyle/>
+        <a:p>
+          <a:endParaRPr lang="de-DE"/>
+        </a:p>
+      </dgm:t>
+    </dgm:pt>
+    <dgm:pt modelId="{CB1160DD-1AEB-44D1-9554-0E01747108B9}">
+      <dgm:prSet phldrT="[Text]"/>
+      <dgm:spPr/>
+      <dgm:t>
+        <a:bodyPr/>
+        <a:lstStyle/>
+        <a:p>
+          <a:r>
+            <a:rPr lang="de-DE" dirty="0" smtClean="0"/>
+            <a:t>Label</a:t>
+          </a:r>
+          <a:endParaRPr lang="de-DE" dirty="0"/>
+        </a:p>
+      </dgm:t>
+    </dgm:pt>
+    <dgm:pt modelId="{75B2928D-B533-4813-8F10-9958017D67E7}" type="parTrans" cxnId="{E241C0AF-73E6-42AF-9F9B-D57876F59FFA}">
+      <dgm:prSet/>
+      <dgm:spPr/>
+      <dgm:t>
+        <a:bodyPr/>
+        <a:lstStyle/>
+        <a:p>
+          <a:endParaRPr lang="de-DE"/>
+        </a:p>
+      </dgm:t>
+    </dgm:pt>
+    <dgm:pt modelId="{06CEED6D-1F99-48C9-8295-B3DBD28C2D41}" type="sibTrans" cxnId="{E241C0AF-73E6-42AF-9F9B-D57876F59FFA}">
+      <dgm:prSet/>
+      <dgm:spPr/>
+      <dgm:t>
+        <a:bodyPr/>
+        <a:lstStyle/>
+        <a:p>
+          <a:endParaRPr lang="de-DE"/>
+        </a:p>
+      </dgm:t>
+    </dgm:pt>
+    <dgm:pt modelId="{DB79E800-98B7-4770-9BD3-2AAE64B2FB4B}">
+      <dgm:prSet phldrT="[Text]"/>
+      <dgm:spPr/>
+      <dgm:t>
+        <a:bodyPr/>
+        <a:lstStyle/>
+        <a:p>
+          <a:r>
+            <a:rPr lang="de-DE" dirty="0" smtClean="0"/>
+            <a:t>Group</a:t>
+          </a:r>
+          <a:endParaRPr lang="de-DE" dirty="0"/>
+        </a:p>
+      </dgm:t>
+    </dgm:pt>
+    <dgm:pt modelId="{907982CA-E380-4016-8B02-DD31D6D4E2C1}" type="parTrans" cxnId="{0C21E1ED-AB54-4F18-96F7-3F39E08C84BB}">
+      <dgm:prSet/>
+      <dgm:spPr/>
+      <dgm:t>
+        <a:bodyPr/>
+        <a:lstStyle/>
+        <a:p>
+          <a:endParaRPr lang="de-DE"/>
+        </a:p>
+      </dgm:t>
+    </dgm:pt>
+    <dgm:pt modelId="{EE5B5DFE-1C72-49DD-B87E-6822F704EA8D}" type="sibTrans" cxnId="{0C21E1ED-AB54-4F18-96F7-3F39E08C84BB}">
+      <dgm:prSet/>
+      <dgm:spPr/>
+      <dgm:t>
+        <a:bodyPr/>
+        <a:lstStyle/>
+        <a:p>
+          <a:endParaRPr lang="de-DE"/>
+        </a:p>
+      </dgm:t>
+    </dgm:pt>
+    <dgm:pt modelId="{52130900-A3D1-460C-959E-5F365CA5C583}">
+      <dgm:prSet phldrT="[Text]"/>
+      <dgm:spPr/>
+      <dgm:t>
+        <a:bodyPr/>
+        <a:lstStyle/>
+        <a:p>
+          <a:r>
+            <a:rPr lang="de-DE" dirty="0" err="1" smtClean="0"/>
+            <a:t>MeineKomponente</a:t>
+          </a:r>
+          <a:endParaRPr lang="de-DE" dirty="0"/>
+        </a:p>
+      </dgm:t>
+    </dgm:pt>
+    <dgm:pt modelId="{D70A4EF0-76CF-4F37-BE98-D4A94284CA08}" type="parTrans" cxnId="{4B58E7CF-2FE1-44E6-8FD2-B172829F9CFC}">
+      <dgm:prSet/>
+      <dgm:spPr/>
+      <dgm:t>
+        <a:bodyPr/>
+        <a:lstStyle/>
+        <a:p>
+          <a:endParaRPr lang="de-DE"/>
+        </a:p>
+      </dgm:t>
+    </dgm:pt>
+    <dgm:pt modelId="{F805CCAE-7E41-4129-BB89-AA46019E6B7C}" type="sibTrans" cxnId="{4B58E7CF-2FE1-44E6-8FD2-B172829F9CFC}">
+      <dgm:prSet/>
+      <dgm:spPr/>
+      <dgm:t>
+        <a:bodyPr/>
+        <a:lstStyle/>
+        <a:p>
+          <a:endParaRPr lang="de-DE"/>
+        </a:p>
+      </dgm:t>
+    </dgm:pt>
+    <dgm:pt modelId="{65F3C151-CB2C-47DC-88B5-D16F28E8DD2B}">
+      <dgm:prSet phldrT="[Text]"/>
+      <dgm:spPr/>
+      <dgm:t>
+        <a:bodyPr/>
+        <a:lstStyle/>
+        <a:p>
+          <a:r>
+            <a:rPr lang="de-DE" dirty="0" err="1" smtClean="0"/>
+            <a:t>TextField</a:t>
+          </a:r>
+          <a:endParaRPr lang="de-DE" dirty="0"/>
+        </a:p>
+      </dgm:t>
+    </dgm:pt>
+    <dgm:pt modelId="{62A636F1-62AC-4225-8E54-8E786ECFE288}" type="parTrans" cxnId="{84AAA364-55A4-4243-B84E-FE06BAF50718}">
+      <dgm:prSet/>
+      <dgm:spPr/>
+      <dgm:t>
+        <a:bodyPr/>
+        <a:lstStyle/>
+        <a:p>
+          <a:endParaRPr lang="de-DE"/>
+        </a:p>
+      </dgm:t>
+    </dgm:pt>
+    <dgm:pt modelId="{68350CD2-C6C8-4161-8AB3-169699FE1F0E}" type="sibTrans" cxnId="{84AAA364-55A4-4243-B84E-FE06BAF50718}">
+      <dgm:prSet/>
+      <dgm:spPr/>
+      <dgm:t>
+        <a:bodyPr/>
+        <a:lstStyle/>
+        <a:p>
+          <a:endParaRPr lang="de-DE"/>
+        </a:p>
+      </dgm:t>
+    </dgm:pt>
+    <dgm:pt modelId="{63A1205D-D20D-42E3-80EE-B611F47653BF}" type="pres">
+      <dgm:prSet presAssocID="{0C97D30B-8AEE-4038-82FB-8F283366AE37}" presName="hierChild1" presStyleCnt="0">
+        <dgm:presLayoutVars>
+          <dgm:chPref val="1"/>
+          <dgm:dir/>
+          <dgm:animOne val="branch"/>
+          <dgm:animLvl val="lvl"/>
+          <dgm:resizeHandles/>
+        </dgm:presLayoutVars>
+      </dgm:prSet>
+      <dgm:spPr/>
+    </dgm:pt>
+    <dgm:pt modelId="{AB07B0BA-2052-41F8-BDCB-56A76C54376D}" type="pres">
+      <dgm:prSet presAssocID="{C25A7228-1040-453E-B8D3-A3D4DACE3165}" presName="hierRoot1" presStyleCnt="0"/>
+      <dgm:spPr/>
+    </dgm:pt>
+    <dgm:pt modelId="{DB70B4D2-34F5-4B72-986F-50A3BF7DA7A2}" type="pres">
+      <dgm:prSet presAssocID="{C25A7228-1040-453E-B8D3-A3D4DACE3165}" presName="composite" presStyleCnt="0"/>
+      <dgm:spPr/>
+    </dgm:pt>
+    <dgm:pt modelId="{C474B7CA-0BB9-4E72-8CD8-54DA68229747}" type="pres">
+      <dgm:prSet presAssocID="{C25A7228-1040-453E-B8D3-A3D4DACE3165}" presName="image" presStyleLbl="node0" presStyleIdx="0" presStyleCnt="1"/>
+      <dgm:spPr/>
+    </dgm:pt>
+    <dgm:pt modelId="{E34A2E45-90A5-47EB-894A-486D51AEDEF3}" type="pres">
+      <dgm:prSet presAssocID="{C25A7228-1040-453E-B8D3-A3D4DACE3165}" presName="text" presStyleLbl="revTx" presStyleIdx="0" presStyleCnt="10">
+        <dgm:presLayoutVars>
+          <dgm:chPref val="3"/>
+        </dgm:presLayoutVars>
+      </dgm:prSet>
+      <dgm:spPr/>
+    </dgm:pt>
+    <dgm:pt modelId="{C9586401-1009-4D63-ACE6-F4548A9D746A}" type="pres">
+      <dgm:prSet presAssocID="{C25A7228-1040-453E-B8D3-A3D4DACE3165}" presName="hierChild2" presStyleCnt="0"/>
+      <dgm:spPr/>
+    </dgm:pt>
+    <dgm:pt modelId="{1FFE74A6-BDF3-4EC1-A700-9B7022AEE88C}" type="pres">
+      <dgm:prSet presAssocID="{1100EF54-3071-4D39-8343-6AA06D77AFD6}" presName="Name10" presStyleLbl="parChTrans1D2" presStyleIdx="0" presStyleCnt="1"/>
+      <dgm:spPr/>
+    </dgm:pt>
+    <dgm:pt modelId="{7D203395-92D6-4AEC-982D-B5C502579000}" type="pres">
+      <dgm:prSet presAssocID="{5C09739B-D903-4464-9BE8-463231899B0F}" presName="hierRoot2" presStyleCnt="0"/>
+      <dgm:spPr/>
+    </dgm:pt>
+    <dgm:pt modelId="{16DCED4D-32EB-4042-9F61-920B26D16C4C}" type="pres">
+      <dgm:prSet presAssocID="{5C09739B-D903-4464-9BE8-463231899B0F}" presName="composite2" presStyleCnt="0"/>
+      <dgm:spPr/>
+    </dgm:pt>
+    <dgm:pt modelId="{6163B0FD-0828-4096-9A5F-41075E316B3D}" type="pres">
+      <dgm:prSet presAssocID="{5C09739B-D903-4464-9BE8-463231899B0F}" presName="image2" presStyleLbl="node2" presStyleIdx="0" presStyleCnt="1"/>
+      <dgm:spPr/>
+    </dgm:pt>
+    <dgm:pt modelId="{DCEB41B7-3769-4CBC-A5BA-7FD24061EF2E}" type="pres">
+      <dgm:prSet presAssocID="{5C09739B-D903-4464-9BE8-463231899B0F}" presName="text2" presStyleLbl="revTx" presStyleIdx="1" presStyleCnt="10">
+        <dgm:presLayoutVars>
+          <dgm:chPref val="3"/>
+        </dgm:presLayoutVars>
+      </dgm:prSet>
+      <dgm:spPr/>
+    </dgm:pt>
+    <dgm:pt modelId="{E7A42CBF-1306-443D-AC8A-3E39447E45AA}" type="pres">
+      <dgm:prSet presAssocID="{5C09739B-D903-4464-9BE8-463231899B0F}" presName="hierChild3" presStyleCnt="0"/>
+      <dgm:spPr/>
+    </dgm:pt>
+    <dgm:pt modelId="{995B2C02-3415-42BE-ADF0-51A9BAF41365}" type="pres">
+      <dgm:prSet presAssocID="{3F59ABD8-4D6A-4E65-83DD-9D4BFCECC63D}" presName="Name17" presStyleLbl="parChTrans1D3" presStyleIdx="0" presStyleCnt="2"/>
+      <dgm:spPr/>
+    </dgm:pt>
+    <dgm:pt modelId="{115F3081-3237-41DE-8CF3-E51605F4B3CC}" type="pres">
+      <dgm:prSet presAssocID="{644CF794-2221-476F-9866-19D5249B8279}" presName="hierRoot3" presStyleCnt="0"/>
+      <dgm:spPr/>
+    </dgm:pt>
+    <dgm:pt modelId="{BDFC800D-671D-48D4-B839-25DDB9DE9F8A}" type="pres">
+      <dgm:prSet presAssocID="{644CF794-2221-476F-9866-19D5249B8279}" presName="composite3" presStyleCnt="0"/>
+      <dgm:spPr/>
+    </dgm:pt>
+    <dgm:pt modelId="{940F166F-8D8D-4D3C-A149-B16A6B51715A}" type="pres">
+      <dgm:prSet presAssocID="{644CF794-2221-476F-9866-19D5249B8279}" presName="image3" presStyleLbl="node3" presStyleIdx="0" presStyleCnt="2"/>
+      <dgm:spPr/>
+    </dgm:pt>
+    <dgm:pt modelId="{42B96611-26FE-40CB-93F0-F5E84DF16A65}" type="pres">
+      <dgm:prSet presAssocID="{644CF794-2221-476F-9866-19D5249B8279}" presName="text3" presStyleLbl="revTx" presStyleIdx="2" presStyleCnt="10">
+        <dgm:presLayoutVars>
+          <dgm:chPref val="3"/>
+        </dgm:presLayoutVars>
+      </dgm:prSet>
+      <dgm:spPr/>
+    </dgm:pt>
+    <dgm:pt modelId="{AA7CC78C-E975-434E-BB23-7D8EE40C79DA}" type="pres">
+      <dgm:prSet presAssocID="{644CF794-2221-476F-9866-19D5249B8279}" presName="hierChild4" presStyleCnt="0"/>
+      <dgm:spPr/>
+    </dgm:pt>
+    <dgm:pt modelId="{B8378DB3-5151-414E-BEF0-B4ADD685898B}" type="pres">
+      <dgm:prSet presAssocID="{907982CA-E380-4016-8B02-DD31D6D4E2C1}" presName="Name23" presStyleLbl="parChTrans1D4" presStyleIdx="0" presStyleCnt="6"/>
+      <dgm:spPr/>
+    </dgm:pt>
+    <dgm:pt modelId="{50EA73E2-B6D1-4329-9FC1-CC7C26EDFC66}" type="pres">
+      <dgm:prSet presAssocID="{DB79E800-98B7-4770-9BD3-2AAE64B2FB4B}" presName="hierRoot4" presStyleCnt="0"/>
+      <dgm:spPr/>
+    </dgm:pt>
+    <dgm:pt modelId="{DAD40194-6AF0-40A7-BFB6-D2469000559F}" type="pres">
+      <dgm:prSet presAssocID="{DB79E800-98B7-4770-9BD3-2AAE64B2FB4B}" presName="composite4" presStyleCnt="0"/>
+      <dgm:spPr/>
+    </dgm:pt>
+    <dgm:pt modelId="{65B271D8-F6B5-4795-93E6-2DA2558C4DC2}" type="pres">
+      <dgm:prSet presAssocID="{DB79E800-98B7-4770-9BD3-2AAE64B2FB4B}" presName="image4" presStyleLbl="node4" presStyleIdx="0" presStyleCnt="6"/>
+      <dgm:spPr/>
+    </dgm:pt>
+    <dgm:pt modelId="{8D79F89D-3C83-4A06-AB56-7B32B225A4B4}" type="pres">
+      <dgm:prSet presAssocID="{DB79E800-98B7-4770-9BD3-2AAE64B2FB4B}" presName="text4" presStyleLbl="revTx" presStyleIdx="3" presStyleCnt="10">
+        <dgm:presLayoutVars>
+          <dgm:chPref val="3"/>
+        </dgm:presLayoutVars>
+      </dgm:prSet>
+      <dgm:spPr/>
+    </dgm:pt>
+    <dgm:pt modelId="{3E953A6C-3F36-4DB3-8023-DBF20535B6D7}" type="pres">
+      <dgm:prSet presAssocID="{DB79E800-98B7-4770-9BD3-2AAE64B2FB4B}" presName="hierChild5" presStyleCnt="0"/>
+      <dgm:spPr/>
+    </dgm:pt>
+    <dgm:pt modelId="{C76EBB5F-D7D6-4739-9AC5-9E94A0F8A6B6}" type="pres">
+      <dgm:prSet presAssocID="{D70A4EF0-76CF-4F37-BE98-D4A94284CA08}" presName="Name23" presStyleLbl="parChTrans1D4" presStyleIdx="1" presStyleCnt="6"/>
+      <dgm:spPr/>
+    </dgm:pt>
+    <dgm:pt modelId="{7264D35E-B0EA-4D7E-B970-BFBDAECF8D87}" type="pres">
+      <dgm:prSet presAssocID="{52130900-A3D1-460C-959E-5F365CA5C583}" presName="hierRoot4" presStyleCnt="0"/>
+      <dgm:spPr/>
+    </dgm:pt>
+    <dgm:pt modelId="{BBF19954-3A8A-4A97-9DB2-4B2B4137E8CE}" type="pres">
+      <dgm:prSet presAssocID="{52130900-A3D1-460C-959E-5F365CA5C583}" presName="composite4" presStyleCnt="0"/>
+      <dgm:spPr/>
+    </dgm:pt>
+    <dgm:pt modelId="{9E83FFD0-FFCB-437D-A872-9473D9AA6A82}" type="pres">
+      <dgm:prSet presAssocID="{52130900-A3D1-460C-959E-5F365CA5C583}" presName="image4" presStyleLbl="node4" presStyleIdx="1" presStyleCnt="6"/>
+      <dgm:spPr/>
+    </dgm:pt>
+    <dgm:pt modelId="{A3DFF081-E770-42D3-82A3-79195708045B}" type="pres">
+      <dgm:prSet presAssocID="{52130900-A3D1-460C-959E-5F365CA5C583}" presName="text4" presStyleLbl="revTx" presStyleIdx="4" presStyleCnt="10">
+        <dgm:presLayoutVars>
+          <dgm:chPref val="3"/>
+        </dgm:presLayoutVars>
+      </dgm:prSet>
+      <dgm:spPr/>
+      <dgm:t>
+        <a:bodyPr/>
+        <a:lstStyle/>
+        <a:p>
+          <a:endParaRPr lang="de-DE"/>
+        </a:p>
+      </dgm:t>
+    </dgm:pt>
+    <dgm:pt modelId="{7E6A85FB-F915-4CC6-93AB-6761EFBB5F22}" type="pres">
+      <dgm:prSet presAssocID="{52130900-A3D1-460C-959E-5F365CA5C583}" presName="hierChild5" presStyleCnt="0"/>
+      <dgm:spPr/>
+    </dgm:pt>
+    <dgm:pt modelId="{97D0FA00-55D7-4DF2-9A11-A75F9996FA31}" type="pres">
+      <dgm:prSet presAssocID="{62A636F1-62AC-4225-8E54-8E786ECFE288}" presName="Name23" presStyleLbl="parChTrans1D4" presStyleIdx="2" presStyleCnt="6"/>
+      <dgm:spPr/>
+    </dgm:pt>
+    <dgm:pt modelId="{C3099E0C-BF00-41AA-990D-836050A3D15D}" type="pres">
+      <dgm:prSet presAssocID="{65F3C151-CB2C-47DC-88B5-D16F28E8DD2B}" presName="hierRoot4" presStyleCnt="0"/>
+      <dgm:spPr/>
+    </dgm:pt>
+    <dgm:pt modelId="{2525F439-8BA4-4CA5-B31F-FB1AB8982C36}" type="pres">
+      <dgm:prSet presAssocID="{65F3C151-CB2C-47DC-88B5-D16F28E8DD2B}" presName="composite4" presStyleCnt="0"/>
+      <dgm:spPr/>
+    </dgm:pt>
+    <dgm:pt modelId="{2FA50152-2E68-44E2-9B6C-042B956BEFFD}" type="pres">
+      <dgm:prSet presAssocID="{65F3C151-CB2C-47DC-88B5-D16F28E8DD2B}" presName="image4" presStyleLbl="node4" presStyleIdx="2" presStyleCnt="6"/>
+      <dgm:spPr/>
+    </dgm:pt>
+    <dgm:pt modelId="{B73E298E-6F3F-4936-ACCF-0C3804609B60}" type="pres">
+      <dgm:prSet presAssocID="{65F3C151-CB2C-47DC-88B5-D16F28E8DD2B}" presName="text4" presStyleLbl="revTx" presStyleIdx="5" presStyleCnt="10">
+        <dgm:presLayoutVars>
+          <dgm:chPref val="3"/>
+        </dgm:presLayoutVars>
+      </dgm:prSet>
+      <dgm:spPr/>
+    </dgm:pt>
+    <dgm:pt modelId="{94EDB95E-E403-4BB4-B82B-EB73D1DF9459}" type="pres">
+      <dgm:prSet presAssocID="{65F3C151-CB2C-47DC-88B5-D16F28E8DD2B}" presName="hierChild5" presStyleCnt="0"/>
+      <dgm:spPr/>
+    </dgm:pt>
+    <dgm:pt modelId="{E684E26C-05FA-4FC4-9472-02D07BBE2BD9}" type="pres">
+      <dgm:prSet presAssocID="{75B2928D-B533-4813-8F10-9958017D67E7}" presName="Name23" presStyleLbl="parChTrans1D4" presStyleIdx="3" presStyleCnt="6"/>
+      <dgm:spPr/>
+    </dgm:pt>
+    <dgm:pt modelId="{2923A290-08E5-46A9-9B66-A0059211E83D}" type="pres">
+      <dgm:prSet presAssocID="{CB1160DD-1AEB-44D1-9554-0E01747108B9}" presName="hierRoot4" presStyleCnt="0"/>
+      <dgm:spPr/>
+    </dgm:pt>
+    <dgm:pt modelId="{0AE15D84-867B-4C1E-B21A-5D278B68316E}" type="pres">
+      <dgm:prSet presAssocID="{CB1160DD-1AEB-44D1-9554-0E01747108B9}" presName="composite4" presStyleCnt="0"/>
+      <dgm:spPr/>
+    </dgm:pt>
+    <dgm:pt modelId="{957D4333-CBD1-4D51-91CF-616BA223967B}" type="pres">
+      <dgm:prSet presAssocID="{CB1160DD-1AEB-44D1-9554-0E01747108B9}" presName="image4" presStyleLbl="node4" presStyleIdx="3" presStyleCnt="6"/>
+      <dgm:spPr/>
+    </dgm:pt>
+    <dgm:pt modelId="{9CED3C81-7D79-4D39-846E-AAF111D35851}" type="pres">
+      <dgm:prSet presAssocID="{CB1160DD-1AEB-44D1-9554-0E01747108B9}" presName="text4" presStyleLbl="revTx" presStyleIdx="6" presStyleCnt="10">
+        <dgm:presLayoutVars>
+          <dgm:chPref val="3"/>
+        </dgm:presLayoutVars>
+      </dgm:prSet>
+      <dgm:spPr/>
+      <dgm:t>
+        <a:bodyPr/>
+        <a:lstStyle/>
+        <a:p>
+          <a:endParaRPr lang="de-DE"/>
+        </a:p>
+      </dgm:t>
+    </dgm:pt>
+    <dgm:pt modelId="{48A42488-E23D-4392-AE00-0F64FBDEBA2E}" type="pres">
+      <dgm:prSet presAssocID="{CB1160DD-1AEB-44D1-9554-0E01747108B9}" presName="hierChild5" presStyleCnt="0"/>
+      <dgm:spPr/>
+    </dgm:pt>
+    <dgm:pt modelId="{DEA01E65-012E-4327-9A8B-04B1F74724A3}" type="pres">
+      <dgm:prSet presAssocID="{2F90CFEB-05C4-40ED-84F7-F3932A36C127}" presName="Name17" presStyleLbl="parChTrans1D3" presStyleIdx="1" presStyleCnt="2"/>
+      <dgm:spPr/>
+    </dgm:pt>
+    <dgm:pt modelId="{350AA55D-0BA9-4641-A350-46E188C7F50B}" type="pres">
+      <dgm:prSet presAssocID="{5A28C987-8DA0-46EE-BFD1-2B99AF6D9EEB}" presName="hierRoot3" presStyleCnt="0"/>
+      <dgm:spPr/>
+    </dgm:pt>
+    <dgm:pt modelId="{994D4187-44E4-426F-B3F1-A849BCC4AED9}" type="pres">
+      <dgm:prSet presAssocID="{5A28C987-8DA0-46EE-BFD1-2B99AF6D9EEB}" presName="composite3" presStyleCnt="0"/>
+      <dgm:spPr/>
+    </dgm:pt>
+    <dgm:pt modelId="{66FACFEC-8B47-4FF9-A2BA-4E05A52B87AA}" type="pres">
+      <dgm:prSet presAssocID="{5A28C987-8DA0-46EE-BFD1-2B99AF6D9EEB}" presName="image3" presStyleLbl="node3" presStyleIdx="1" presStyleCnt="2"/>
+      <dgm:spPr/>
+    </dgm:pt>
+    <dgm:pt modelId="{6918D6E4-5347-4B08-BA7C-45BB82FCEC06}" type="pres">
+      <dgm:prSet presAssocID="{5A28C987-8DA0-46EE-BFD1-2B99AF6D9EEB}" presName="text3" presStyleLbl="revTx" presStyleIdx="7" presStyleCnt="10">
+        <dgm:presLayoutVars>
+          <dgm:chPref val="3"/>
+        </dgm:presLayoutVars>
+      </dgm:prSet>
+      <dgm:spPr/>
+      <dgm:t>
+        <a:bodyPr/>
+        <a:lstStyle/>
+        <a:p>
+          <a:endParaRPr lang="de-DE"/>
+        </a:p>
+      </dgm:t>
+    </dgm:pt>
+    <dgm:pt modelId="{211300C7-12D7-43B1-8F51-A926C7059D6F}" type="pres">
+      <dgm:prSet presAssocID="{5A28C987-8DA0-46EE-BFD1-2B99AF6D9EEB}" presName="hierChild4" presStyleCnt="0"/>
+      <dgm:spPr/>
+    </dgm:pt>
+    <dgm:pt modelId="{20779836-D791-4183-8D74-ECF4E9621492}" type="pres">
+      <dgm:prSet presAssocID="{F4CF6265-FC8B-4FFD-B6DA-0961155B7972}" presName="Name23" presStyleLbl="parChTrans1D4" presStyleIdx="4" presStyleCnt="6"/>
+      <dgm:spPr/>
+    </dgm:pt>
+    <dgm:pt modelId="{968EFEED-19E6-4C4D-9A32-CC396A741775}" type="pres">
+      <dgm:prSet presAssocID="{55848335-9C9E-44AF-8B9D-43E26C874503}" presName="hierRoot4" presStyleCnt="0"/>
+      <dgm:spPr/>
+    </dgm:pt>
+    <dgm:pt modelId="{C2EADA93-BF3C-4DA2-A978-C544F64B74C0}" type="pres">
+      <dgm:prSet presAssocID="{55848335-9C9E-44AF-8B9D-43E26C874503}" presName="composite4" presStyleCnt="0"/>
+      <dgm:spPr/>
+    </dgm:pt>
+    <dgm:pt modelId="{E3299F8B-6D80-4512-A33A-664792C2065A}" type="pres">
+      <dgm:prSet presAssocID="{55848335-9C9E-44AF-8B9D-43E26C874503}" presName="image4" presStyleLbl="node4" presStyleIdx="4" presStyleCnt="6"/>
+      <dgm:spPr/>
+    </dgm:pt>
+    <dgm:pt modelId="{ED38A2C4-3CF2-485A-BF91-BB49A91239C1}" type="pres">
+      <dgm:prSet presAssocID="{55848335-9C9E-44AF-8B9D-43E26C874503}" presName="text4" presStyleLbl="revTx" presStyleIdx="8" presStyleCnt="10">
+        <dgm:presLayoutVars>
+          <dgm:chPref val="3"/>
+        </dgm:presLayoutVars>
+      </dgm:prSet>
+      <dgm:spPr/>
+    </dgm:pt>
+    <dgm:pt modelId="{20B33A30-F7EE-432D-8259-645D4C7D84D2}" type="pres">
+      <dgm:prSet presAssocID="{55848335-9C9E-44AF-8B9D-43E26C874503}" presName="hierChild5" presStyleCnt="0"/>
+      <dgm:spPr/>
+    </dgm:pt>
+    <dgm:pt modelId="{07F61093-3CE5-4C01-8370-6FE10A700F75}" type="pres">
+      <dgm:prSet presAssocID="{75616484-4155-4D3B-8BBD-92874A3C1F0C}" presName="Name23" presStyleLbl="parChTrans1D4" presStyleIdx="5" presStyleCnt="6"/>
+      <dgm:spPr/>
+    </dgm:pt>
+    <dgm:pt modelId="{372EC0D7-6F3A-4674-BFB4-7ED720379C49}" type="pres">
+      <dgm:prSet presAssocID="{B6BF2994-F5D0-41F7-8B1C-A4AC60FE1E1B}" presName="hierRoot4" presStyleCnt="0"/>
+      <dgm:spPr/>
+    </dgm:pt>
+    <dgm:pt modelId="{2BC58667-E10C-4FC1-99FF-F7AAE95A757C}" type="pres">
+      <dgm:prSet presAssocID="{B6BF2994-F5D0-41F7-8B1C-A4AC60FE1E1B}" presName="composite4" presStyleCnt="0"/>
+      <dgm:spPr/>
+    </dgm:pt>
+    <dgm:pt modelId="{3115B47A-8D47-4214-98F4-E133266B3F82}" type="pres">
+      <dgm:prSet presAssocID="{B6BF2994-F5D0-41F7-8B1C-A4AC60FE1E1B}" presName="image4" presStyleLbl="node4" presStyleIdx="5" presStyleCnt="6"/>
+      <dgm:spPr/>
+    </dgm:pt>
+    <dgm:pt modelId="{B1F7DCE4-832A-4278-95E7-79D81EDCBC5A}" type="pres">
+      <dgm:prSet presAssocID="{B6BF2994-F5D0-41F7-8B1C-A4AC60FE1E1B}" presName="text4" presStyleLbl="revTx" presStyleIdx="9" presStyleCnt="10">
+        <dgm:presLayoutVars>
+          <dgm:chPref val="3"/>
+        </dgm:presLayoutVars>
+      </dgm:prSet>
+      <dgm:spPr/>
+      <dgm:t>
+        <a:bodyPr/>
+        <a:lstStyle/>
+        <a:p>
+          <a:endParaRPr lang="de-DE"/>
+        </a:p>
+      </dgm:t>
+    </dgm:pt>
+    <dgm:pt modelId="{6C44E8EB-5BFD-4940-AD87-B910C0047D7B}" type="pres">
+      <dgm:prSet presAssocID="{B6BF2994-F5D0-41F7-8B1C-A4AC60FE1E1B}" presName="hierChild5" presStyleCnt="0"/>
+      <dgm:spPr/>
+    </dgm:pt>
+  </dgm:ptLst>
+  <dgm:cxnLst>
+    <dgm:cxn modelId="{62D37AF4-A5A1-431A-8EBF-96F9207D82C2}" type="presOf" srcId="{75616484-4155-4D3B-8BBD-92874A3C1F0C}" destId="{07F61093-3CE5-4C01-8370-6FE10A700F75}" srcOrd="0" destOrd="0" presId="urn:microsoft.com/office/officeart/2009/layout/CirclePictureHierarchy"/>
+    <dgm:cxn modelId="{926323EE-6E60-42A2-9010-FBE7322F5587}" type="presOf" srcId="{CB1160DD-1AEB-44D1-9554-0E01747108B9}" destId="{9CED3C81-7D79-4D39-846E-AAF111D35851}" srcOrd="0" destOrd="0" presId="urn:microsoft.com/office/officeart/2009/layout/CirclePictureHierarchy"/>
+    <dgm:cxn modelId="{0E8ABB66-F81B-43EB-A22D-E8C82D16BD95}" type="presOf" srcId="{D70A4EF0-76CF-4F37-BE98-D4A94284CA08}" destId="{C76EBB5F-D7D6-4739-9AC5-9E94A0F8A6B6}" srcOrd="0" destOrd="0" presId="urn:microsoft.com/office/officeart/2009/layout/CirclePictureHierarchy"/>
+    <dgm:cxn modelId="{4B58E7CF-2FE1-44E6-8FD2-B172829F9CFC}" srcId="{DB79E800-98B7-4770-9BD3-2AAE64B2FB4B}" destId="{52130900-A3D1-460C-959E-5F365CA5C583}" srcOrd="0" destOrd="0" parTransId="{D70A4EF0-76CF-4F37-BE98-D4A94284CA08}" sibTransId="{F805CCAE-7E41-4129-BB89-AA46019E6B7C}"/>
+    <dgm:cxn modelId="{6270C1BB-222B-4416-A2BC-21B861C12295}" type="presOf" srcId="{3F59ABD8-4D6A-4E65-83DD-9D4BFCECC63D}" destId="{995B2C02-3415-42BE-ADF0-51A9BAF41365}" srcOrd="0" destOrd="0" presId="urn:microsoft.com/office/officeart/2009/layout/CirclePictureHierarchy"/>
+    <dgm:cxn modelId="{BAEC02F5-E035-409E-B83D-2B555FF7F502}" type="presOf" srcId="{5C09739B-D903-4464-9BE8-463231899B0F}" destId="{DCEB41B7-3769-4CBC-A5BA-7FD24061EF2E}" srcOrd="0" destOrd="0" presId="urn:microsoft.com/office/officeart/2009/layout/CirclePictureHierarchy"/>
+    <dgm:cxn modelId="{0F4EAEDC-FF07-456C-837D-63B47FF35282}" srcId="{5C09739B-D903-4464-9BE8-463231899B0F}" destId="{5A28C987-8DA0-46EE-BFD1-2B99AF6D9EEB}" srcOrd="1" destOrd="0" parTransId="{2F90CFEB-05C4-40ED-84F7-F3932A36C127}" sibTransId="{99B19DD2-DC80-418E-BD08-13C8CCC9FCCE}"/>
+    <dgm:cxn modelId="{64C1BD24-5E78-46CB-A011-BFDFBA1DCC75}" type="presOf" srcId="{1100EF54-3071-4D39-8343-6AA06D77AFD6}" destId="{1FFE74A6-BDF3-4EC1-A700-9B7022AEE88C}" srcOrd="0" destOrd="0" presId="urn:microsoft.com/office/officeart/2009/layout/CirclePictureHierarchy"/>
+    <dgm:cxn modelId="{EA1B7AEE-20ED-48AA-8534-7FB741EFDED5}" type="presOf" srcId="{C25A7228-1040-453E-B8D3-A3D4DACE3165}" destId="{E34A2E45-90A5-47EB-894A-486D51AEDEF3}" srcOrd="0" destOrd="0" presId="urn:microsoft.com/office/officeart/2009/layout/CirclePictureHierarchy"/>
+    <dgm:cxn modelId="{583E9F52-F8BB-4A62-ACCF-136D2335A8ED}" type="presOf" srcId="{5A28C987-8DA0-46EE-BFD1-2B99AF6D9EEB}" destId="{6918D6E4-5347-4B08-BA7C-45BB82FCEC06}" srcOrd="0" destOrd="0" presId="urn:microsoft.com/office/officeart/2009/layout/CirclePictureHierarchy"/>
+    <dgm:cxn modelId="{0C21E1ED-AB54-4F18-96F7-3F39E08C84BB}" srcId="{644CF794-2221-476F-9866-19D5249B8279}" destId="{DB79E800-98B7-4770-9BD3-2AAE64B2FB4B}" srcOrd="0" destOrd="0" parTransId="{907982CA-E380-4016-8B02-DD31D6D4E2C1}" sibTransId="{EE5B5DFE-1C72-49DD-B87E-6822F704EA8D}"/>
+    <dgm:cxn modelId="{E241C0AF-73E6-42AF-9F9B-D57876F59FFA}" srcId="{644CF794-2221-476F-9866-19D5249B8279}" destId="{CB1160DD-1AEB-44D1-9554-0E01747108B9}" srcOrd="1" destOrd="0" parTransId="{75B2928D-B533-4813-8F10-9958017D67E7}" sibTransId="{06CEED6D-1F99-48C9-8295-B3DBD28C2D41}"/>
+    <dgm:cxn modelId="{9598B87E-3023-4EDB-90FD-ADE4E7042F15}" type="presOf" srcId="{52130900-A3D1-460C-959E-5F365CA5C583}" destId="{A3DFF081-E770-42D3-82A3-79195708045B}" srcOrd="0" destOrd="0" presId="urn:microsoft.com/office/officeart/2009/layout/CirclePictureHierarchy"/>
+    <dgm:cxn modelId="{C3949501-BE36-4269-AFB8-2EB3547A81CC}" type="presOf" srcId="{75B2928D-B533-4813-8F10-9958017D67E7}" destId="{E684E26C-05FA-4FC4-9472-02D07BBE2BD9}" srcOrd="0" destOrd="0" presId="urn:microsoft.com/office/officeart/2009/layout/CirclePictureHierarchy"/>
+    <dgm:cxn modelId="{3F2FD3DF-9FC8-4B42-8643-843D0739C755}" type="presOf" srcId="{0C97D30B-8AEE-4038-82FB-8F283366AE37}" destId="{63A1205D-D20D-42E3-80EE-B611F47653BF}" srcOrd="0" destOrd="0" presId="urn:microsoft.com/office/officeart/2009/layout/CirclePictureHierarchy"/>
+    <dgm:cxn modelId="{F0BF8A6A-FEFF-4CF0-A864-C263623C611F}" type="presOf" srcId="{907982CA-E380-4016-8B02-DD31D6D4E2C1}" destId="{B8378DB3-5151-414E-BEF0-B4ADD685898B}" srcOrd="0" destOrd="0" presId="urn:microsoft.com/office/officeart/2009/layout/CirclePictureHierarchy"/>
+    <dgm:cxn modelId="{BE1DFBCF-99A9-429C-9441-88F44AEC4B9D}" type="presOf" srcId="{B6BF2994-F5D0-41F7-8B1C-A4AC60FE1E1B}" destId="{B1F7DCE4-832A-4278-95E7-79D81EDCBC5A}" srcOrd="0" destOrd="0" presId="urn:microsoft.com/office/officeart/2009/layout/CirclePictureHierarchy"/>
+    <dgm:cxn modelId="{4753DB16-23DB-4B84-98D2-3FF38200AA20}" srcId="{5A28C987-8DA0-46EE-BFD1-2B99AF6D9EEB}" destId="{B6BF2994-F5D0-41F7-8B1C-A4AC60FE1E1B}" srcOrd="1" destOrd="0" parTransId="{75616484-4155-4D3B-8BBD-92874A3C1F0C}" sibTransId="{B607D2F1-DE4C-4239-8688-0D753E239231}"/>
+    <dgm:cxn modelId="{5DF3F0E7-7680-4B3C-9294-1402CC878845}" srcId="{5C09739B-D903-4464-9BE8-463231899B0F}" destId="{644CF794-2221-476F-9866-19D5249B8279}" srcOrd="0" destOrd="0" parTransId="{3F59ABD8-4D6A-4E65-83DD-9D4BFCECC63D}" sibTransId="{A9254DF9-F819-414D-8AE7-A6A5ED18408D}"/>
+    <dgm:cxn modelId="{5E4F4BF0-A117-491A-8D4B-17F111435CF8}" type="presOf" srcId="{62A636F1-62AC-4225-8E54-8E786ECFE288}" destId="{97D0FA00-55D7-4DF2-9A11-A75F9996FA31}" srcOrd="0" destOrd="0" presId="urn:microsoft.com/office/officeart/2009/layout/CirclePictureHierarchy"/>
+    <dgm:cxn modelId="{64899ED9-1059-4E16-94BD-CF178C8AA587}" srcId="{C25A7228-1040-453E-B8D3-A3D4DACE3165}" destId="{5C09739B-D903-4464-9BE8-463231899B0F}" srcOrd="0" destOrd="0" parTransId="{1100EF54-3071-4D39-8343-6AA06D77AFD6}" sibTransId="{ADDC6E6D-AAA7-431F-9DC9-6877F32D1D41}"/>
+    <dgm:cxn modelId="{A8E46F8E-F03D-46A8-8AE0-8F0F43938C00}" type="presOf" srcId="{644CF794-2221-476F-9866-19D5249B8279}" destId="{42B96611-26FE-40CB-93F0-F5E84DF16A65}" srcOrd="0" destOrd="0" presId="urn:microsoft.com/office/officeart/2009/layout/CirclePictureHierarchy"/>
+    <dgm:cxn modelId="{84AAA364-55A4-4243-B84E-FE06BAF50718}" srcId="{DB79E800-98B7-4770-9BD3-2AAE64B2FB4B}" destId="{65F3C151-CB2C-47DC-88B5-D16F28E8DD2B}" srcOrd="1" destOrd="0" parTransId="{62A636F1-62AC-4225-8E54-8E786ECFE288}" sibTransId="{68350CD2-C6C8-4161-8AB3-169699FE1F0E}"/>
+    <dgm:cxn modelId="{060FCA5A-AC6F-486E-9590-89FBFFE7264D}" type="presOf" srcId="{F4CF6265-FC8B-4FFD-B6DA-0961155B7972}" destId="{20779836-D791-4183-8D74-ECF4E9621492}" srcOrd="0" destOrd="0" presId="urn:microsoft.com/office/officeart/2009/layout/CirclePictureHierarchy"/>
+    <dgm:cxn modelId="{1CC58B08-7400-49B7-B086-BC08C43033D2}" srcId="{5A28C987-8DA0-46EE-BFD1-2B99AF6D9EEB}" destId="{55848335-9C9E-44AF-8B9D-43E26C874503}" srcOrd="0" destOrd="0" parTransId="{F4CF6265-FC8B-4FFD-B6DA-0961155B7972}" sibTransId="{21FC9C30-C399-408A-8894-5733B4ADB012}"/>
+    <dgm:cxn modelId="{151AE6FC-F251-436B-A6AE-D831C76ECEF6}" type="presOf" srcId="{55848335-9C9E-44AF-8B9D-43E26C874503}" destId="{ED38A2C4-3CF2-485A-BF91-BB49A91239C1}" srcOrd="0" destOrd="0" presId="urn:microsoft.com/office/officeart/2009/layout/CirclePictureHierarchy"/>
+    <dgm:cxn modelId="{EF0E483D-28A3-4308-8CAF-59489AC0DBB1}" type="presOf" srcId="{2F90CFEB-05C4-40ED-84F7-F3932A36C127}" destId="{DEA01E65-012E-4327-9A8B-04B1F74724A3}" srcOrd="0" destOrd="0" presId="urn:microsoft.com/office/officeart/2009/layout/CirclePictureHierarchy"/>
+    <dgm:cxn modelId="{486B3825-2D36-4F43-98C5-675A58FD76A5}" srcId="{0C97D30B-8AEE-4038-82FB-8F283366AE37}" destId="{C25A7228-1040-453E-B8D3-A3D4DACE3165}" srcOrd="0" destOrd="0" parTransId="{B4D998A3-D5B5-4B8A-A3C4-4EED64E5D671}" sibTransId="{9EBC6309-BDE1-486A-8129-06B4EE355B12}"/>
+    <dgm:cxn modelId="{486A37F1-4055-47AF-B58F-04735A3647E6}" type="presOf" srcId="{DB79E800-98B7-4770-9BD3-2AAE64B2FB4B}" destId="{8D79F89D-3C83-4A06-AB56-7B32B225A4B4}" srcOrd="0" destOrd="0" presId="urn:microsoft.com/office/officeart/2009/layout/CirclePictureHierarchy"/>
+    <dgm:cxn modelId="{05E69689-29D5-48C0-9970-1451F6F2CFFB}" type="presOf" srcId="{65F3C151-CB2C-47DC-88B5-D16F28E8DD2B}" destId="{B73E298E-6F3F-4936-ACCF-0C3804609B60}" srcOrd="0" destOrd="0" presId="urn:microsoft.com/office/officeart/2009/layout/CirclePictureHierarchy"/>
+    <dgm:cxn modelId="{0FF690F1-6E78-4777-821D-87D18C71FE4A}" type="presParOf" srcId="{63A1205D-D20D-42E3-80EE-B611F47653BF}" destId="{AB07B0BA-2052-41F8-BDCB-56A76C54376D}" srcOrd="0" destOrd="0" presId="urn:microsoft.com/office/officeart/2009/layout/CirclePictureHierarchy"/>
+    <dgm:cxn modelId="{CC310195-45CF-4D56-9BEA-4B6C3C71F924}" type="presParOf" srcId="{AB07B0BA-2052-41F8-BDCB-56A76C54376D}" destId="{DB70B4D2-34F5-4B72-986F-50A3BF7DA7A2}" srcOrd="0" destOrd="0" presId="urn:microsoft.com/office/officeart/2009/layout/CirclePictureHierarchy"/>
+    <dgm:cxn modelId="{ABC4303D-4ABD-4F0E-818E-3EF8A836492D}" type="presParOf" srcId="{DB70B4D2-34F5-4B72-986F-50A3BF7DA7A2}" destId="{C474B7CA-0BB9-4E72-8CD8-54DA68229747}" srcOrd="0" destOrd="0" presId="urn:microsoft.com/office/officeart/2009/layout/CirclePictureHierarchy"/>
+    <dgm:cxn modelId="{316E2602-A7DC-42F4-A742-4AC04C63042A}" type="presParOf" srcId="{DB70B4D2-34F5-4B72-986F-50A3BF7DA7A2}" destId="{E34A2E45-90A5-47EB-894A-486D51AEDEF3}" srcOrd="1" destOrd="0" presId="urn:microsoft.com/office/officeart/2009/layout/CirclePictureHierarchy"/>
+    <dgm:cxn modelId="{1B4635E3-DC33-4AB7-AE32-46DF085A4E5D}" type="presParOf" srcId="{AB07B0BA-2052-41F8-BDCB-56A76C54376D}" destId="{C9586401-1009-4D63-ACE6-F4548A9D746A}" srcOrd="1" destOrd="0" presId="urn:microsoft.com/office/officeart/2009/layout/CirclePictureHierarchy"/>
+    <dgm:cxn modelId="{EACF03D5-7866-46FD-BC61-74512B1327E7}" type="presParOf" srcId="{C9586401-1009-4D63-ACE6-F4548A9D746A}" destId="{1FFE74A6-BDF3-4EC1-A700-9B7022AEE88C}" srcOrd="0" destOrd="0" presId="urn:microsoft.com/office/officeart/2009/layout/CirclePictureHierarchy"/>
+    <dgm:cxn modelId="{4AD682FE-7B4A-4B5F-AB16-A41ED2B4693C}" type="presParOf" srcId="{C9586401-1009-4D63-ACE6-F4548A9D746A}" destId="{7D203395-92D6-4AEC-982D-B5C502579000}" srcOrd="1" destOrd="0" presId="urn:microsoft.com/office/officeart/2009/layout/CirclePictureHierarchy"/>
+    <dgm:cxn modelId="{1666C975-652E-4291-AEC3-89E6A2D289AF}" type="presParOf" srcId="{7D203395-92D6-4AEC-982D-B5C502579000}" destId="{16DCED4D-32EB-4042-9F61-920B26D16C4C}" srcOrd="0" destOrd="0" presId="urn:microsoft.com/office/officeart/2009/layout/CirclePictureHierarchy"/>
+    <dgm:cxn modelId="{2C17C481-52CC-4D7F-8841-F221E625CCC0}" type="presParOf" srcId="{16DCED4D-32EB-4042-9F61-920B26D16C4C}" destId="{6163B0FD-0828-4096-9A5F-41075E316B3D}" srcOrd="0" destOrd="0" presId="urn:microsoft.com/office/officeart/2009/layout/CirclePictureHierarchy"/>
+    <dgm:cxn modelId="{04B49C0A-B2B7-4567-B018-312A6A038A75}" type="presParOf" srcId="{16DCED4D-32EB-4042-9F61-920B26D16C4C}" destId="{DCEB41B7-3769-4CBC-A5BA-7FD24061EF2E}" srcOrd="1" destOrd="0" presId="urn:microsoft.com/office/officeart/2009/layout/CirclePictureHierarchy"/>
+    <dgm:cxn modelId="{2C7016BA-EF41-402A-89C5-0AC5D52F9C66}" type="presParOf" srcId="{7D203395-92D6-4AEC-982D-B5C502579000}" destId="{E7A42CBF-1306-443D-AC8A-3E39447E45AA}" srcOrd="1" destOrd="0" presId="urn:microsoft.com/office/officeart/2009/layout/CirclePictureHierarchy"/>
+    <dgm:cxn modelId="{F878B9C4-1BE3-46F4-8032-87C1E14307C5}" type="presParOf" srcId="{E7A42CBF-1306-443D-AC8A-3E39447E45AA}" destId="{995B2C02-3415-42BE-ADF0-51A9BAF41365}" srcOrd="0" destOrd="0" presId="urn:microsoft.com/office/officeart/2009/layout/CirclePictureHierarchy"/>
+    <dgm:cxn modelId="{4AF58741-BC2C-4643-8870-0E03CCDF62BE}" type="presParOf" srcId="{E7A42CBF-1306-443D-AC8A-3E39447E45AA}" destId="{115F3081-3237-41DE-8CF3-E51605F4B3CC}" srcOrd="1" destOrd="0" presId="urn:microsoft.com/office/officeart/2009/layout/CirclePictureHierarchy"/>
+    <dgm:cxn modelId="{91F35580-D921-43BD-BB13-050AEF689412}" type="presParOf" srcId="{115F3081-3237-41DE-8CF3-E51605F4B3CC}" destId="{BDFC800D-671D-48D4-B839-25DDB9DE9F8A}" srcOrd="0" destOrd="0" presId="urn:microsoft.com/office/officeart/2009/layout/CirclePictureHierarchy"/>
+    <dgm:cxn modelId="{A2DE27F4-3896-4F88-9951-8B1A46B530D2}" type="presParOf" srcId="{BDFC800D-671D-48D4-B839-25DDB9DE9F8A}" destId="{940F166F-8D8D-4D3C-A149-B16A6B51715A}" srcOrd="0" destOrd="0" presId="urn:microsoft.com/office/officeart/2009/layout/CirclePictureHierarchy"/>
+    <dgm:cxn modelId="{0820EB97-357B-483A-A00B-9C29F2A208F3}" type="presParOf" srcId="{BDFC800D-671D-48D4-B839-25DDB9DE9F8A}" destId="{42B96611-26FE-40CB-93F0-F5E84DF16A65}" srcOrd="1" destOrd="0" presId="urn:microsoft.com/office/officeart/2009/layout/CirclePictureHierarchy"/>
+    <dgm:cxn modelId="{D470B023-3A05-4912-A0EC-0ECD0727582E}" type="presParOf" srcId="{115F3081-3237-41DE-8CF3-E51605F4B3CC}" destId="{AA7CC78C-E975-434E-BB23-7D8EE40C79DA}" srcOrd="1" destOrd="0" presId="urn:microsoft.com/office/officeart/2009/layout/CirclePictureHierarchy"/>
+    <dgm:cxn modelId="{D84B2D93-4552-411B-87B7-63EF1A7330D3}" type="presParOf" srcId="{AA7CC78C-E975-434E-BB23-7D8EE40C79DA}" destId="{B8378DB3-5151-414E-BEF0-B4ADD685898B}" srcOrd="0" destOrd="0" presId="urn:microsoft.com/office/officeart/2009/layout/CirclePictureHierarchy"/>
+    <dgm:cxn modelId="{C72312DA-1B78-4DC4-9F1B-4D4DDB58B6DE}" type="presParOf" srcId="{AA7CC78C-E975-434E-BB23-7D8EE40C79DA}" destId="{50EA73E2-B6D1-4329-9FC1-CC7C26EDFC66}" srcOrd="1" destOrd="0" presId="urn:microsoft.com/office/officeart/2009/layout/CirclePictureHierarchy"/>
+    <dgm:cxn modelId="{EC3F2F2C-FAD0-4D35-B4D0-DA4EDE9AFF8E}" type="presParOf" srcId="{50EA73E2-B6D1-4329-9FC1-CC7C26EDFC66}" destId="{DAD40194-6AF0-40A7-BFB6-D2469000559F}" srcOrd="0" destOrd="0" presId="urn:microsoft.com/office/officeart/2009/layout/CirclePictureHierarchy"/>
+    <dgm:cxn modelId="{B948F172-BA6D-4555-A224-D03975A1953C}" type="presParOf" srcId="{DAD40194-6AF0-40A7-BFB6-D2469000559F}" destId="{65B271D8-F6B5-4795-93E6-2DA2558C4DC2}" srcOrd="0" destOrd="0" presId="urn:microsoft.com/office/officeart/2009/layout/CirclePictureHierarchy"/>
+    <dgm:cxn modelId="{2A62ED94-5FFB-4149-BCA3-E48AE17ADD9E}" type="presParOf" srcId="{DAD40194-6AF0-40A7-BFB6-D2469000559F}" destId="{8D79F89D-3C83-4A06-AB56-7B32B225A4B4}" srcOrd="1" destOrd="0" presId="urn:microsoft.com/office/officeart/2009/layout/CirclePictureHierarchy"/>
+    <dgm:cxn modelId="{0102FCAE-ED51-4B1C-AE95-D3DE5E0406D1}" type="presParOf" srcId="{50EA73E2-B6D1-4329-9FC1-CC7C26EDFC66}" destId="{3E953A6C-3F36-4DB3-8023-DBF20535B6D7}" srcOrd="1" destOrd="0" presId="urn:microsoft.com/office/officeart/2009/layout/CirclePictureHierarchy"/>
+    <dgm:cxn modelId="{38533010-083C-4A66-BF82-E4C01418AB7D}" type="presParOf" srcId="{3E953A6C-3F36-4DB3-8023-DBF20535B6D7}" destId="{C76EBB5F-D7D6-4739-9AC5-9E94A0F8A6B6}" srcOrd="0" destOrd="0" presId="urn:microsoft.com/office/officeart/2009/layout/CirclePictureHierarchy"/>
+    <dgm:cxn modelId="{9500D8B8-D3E7-47DF-ACFD-6AB1FD77246F}" type="presParOf" srcId="{3E953A6C-3F36-4DB3-8023-DBF20535B6D7}" destId="{7264D35E-B0EA-4D7E-B970-BFBDAECF8D87}" srcOrd="1" destOrd="0" presId="urn:microsoft.com/office/officeart/2009/layout/CirclePictureHierarchy"/>
+    <dgm:cxn modelId="{F4B3B380-550A-4946-96E6-931A0FDE99FA}" type="presParOf" srcId="{7264D35E-B0EA-4D7E-B970-BFBDAECF8D87}" destId="{BBF19954-3A8A-4A97-9DB2-4B2B4137E8CE}" srcOrd="0" destOrd="0" presId="urn:microsoft.com/office/officeart/2009/layout/CirclePictureHierarchy"/>
+    <dgm:cxn modelId="{E3FF9768-9D39-49DC-B7FF-2F3B3C08E6F3}" type="presParOf" srcId="{BBF19954-3A8A-4A97-9DB2-4B2B4137E8CE}" destId="{9E83FFD0-FFCB-437D-A872-9473D9AA6A82}" srcOrd="0" destOrd="0" presId="urn:microsoft.com/office/officeart/2009/layout/CirclePictureHierarchy"/>
+    <dgm:cxn modelId="{E48786B3-3826-4ADC-932F-41F8C9912F26}" type="presParOf" srcId="{BBF19954-3A8A-4A97-9DB2-4B2B4137E8CE}" destId="{A3DFF081-E770-42D3-82A3-79195708045B}" srcOrd="1" destOrd="0" presId="urn:microsoft.com/office/officeart/2009/layout/CirclePictureHierarchy"/>
+    <dgm:cxn modelId="{D1B5E90C-A744-4BFA-B92B-44506EA26093}" type="presParOf" srcId="{7264D35E-B0EA-4D7E-B970-BFBDAECF8D87}" destId="{7E6A85FB-F915-4CC6-93AB-6761EFBB5F22}" srcOrd="1" destOrd="0" presId="urn:microsoft.com/office/officeart/2009/layout/CirclePictureHierarchy"/>
+    <dgm:cxn modelId="{8574343D-200F-4167-9B11-72F168FB519D}" type="presParOf" srcId="{3E953A6C-3F36-4DB3-8023-DBF20535B6D7}" destId="{97D0FA00-55D7-4DF2-9A11-A75F9996FA31}" srcOrd="2" destOrd="0" presId="urn:microsoft.com/office/officeart/2009/layout/CirclePictureHierarchy"/>
+    <dgm:cxn modelId="{52021295-9685-4F06-9044-7C6DAF52F871}" type="presParOf" srcId="{3E953A6C-3F36-4DB3-8023-DBF20535B6D7}" destId="{C3099E0C-BF00-41AA-990D-836050A3D15D}" srcOrd="3" destOrd="0" presId="urn:microsoft.com/office/officeart/2009/layout/CirclePictureHierarchy"/>
+    <dgm:cxn modelId="{BE766F6A-65A6-40D6-92CD-7C48C29DA6EB}" type="presParOf" srcId="{C3099E0C-BF00-41AA-990D-836050A3D15D}" destId="{2525F439-8BA4-4CA5-B31F-FB1AB8982C36}" srcOrd="0" destOrd="0" presId="urn:microsoft.com/office/officeart/2009/layout/CirclePictureHierarchy"/>
+    <dgm:cxn modelId="{8D332ED0-8738-40A0-BA00-4EF323030B01}" type="presParOf" srcId="{2525F439-8BA4-4CA5-B31F-FB1AB8982C36}" destId="{2FA50152-2E68-44E2-9B6C-042B956BEFFD}" srcOrd="0" destOrd="0" presId="urn:microsoft.com/office/officeart/2009/layout/CirclePictureHierarchy"/>
+    <dgm:cxn modelId="{4EC64DB7-9874-44E4-98C6-E175F91D75F3}" type="presParOf" srcId="{2525F439-8BA4-4CA5-B31F-FB1AB8982C36}" destId="{B73E298E-6F3F-4936-ACCF-0C3804609B60}" srcOrd="1" destOrd="0" presId="urn:microsoft.com/office/officeart/2009/layout/CirclePictureHierarchy"/>
+    <dgm:cxn modelId="{90E5EDC8-2111-4642-8B30-E68E77332A54}" type="presParOf" srcId="{C3099E0C-BF00-41AA-990D-836050A3D15D}" destId="{94EDB95E-E403-4BB4-B82B-EB73D1DF9459}" srcOrd="1" destOrd="0" presId="urn:microsoft.com/office/officeart/2009/layout/CirclePictureHierarchy"/>
+    <dgm:cxn modelId="{9AC97006-CFE7-4D92-9A28-9D0152FECADF}" type="presParOf" srcId="{AA7CC78C-E975-434E-BB23-7D8EE40C79DA}" destId="{E684E26C-05FA-4FC4-9472-02D07BBE2BD9}" srcOrd="2" destOrd="0" presId="urn:microsoft.com/office/officeart/2009/layout/CirclePictureHierarchy"/>
+    <dgm:cxn modelId="{A6757B06-366A-4C1F-94A2-B45D33D9AE4C}" type="presParOf" srcId="{AA7CC78C-E975-434E-BB23-7D8EE40C79DA}" destId="{2923A290-08E5-46A9-9B66-A0059211E83D}" srcOrd="3" destOrd="0" presId="urn:microsoft.com/office/officeart/2009/layout/CirclePictureHierarchy"/>
+    <dgm:cxn modelId="{7A0D44C2-7301-4218-A22F-161C1C187506}" type="presParOf" srcId="{2923A290-08E5-46A9-9B66-A0059211E83D}" destId="{0AE15D84-867B-4C1E-B21A-5D278B68316E}" srcOrd="0" destOrd="0" presId="urn:microsoft.com/office/officeart/2009/layout/CirclePictureHierarchy"/>
+    <dgm:cxn modelId="{5E1A0E68-CD65-44FE-B5E9-4C7A3C213680}" type="presParOf" srcId="{0AE15D84-867B-4C1E-B21A-5D278B68316E}" destId="{957D4333-CBD1-4D51-91CF-616BA223967B}" srcOrd="0" destOrd="0" presId="urn:microsoft.com/office/officeart/2009/layout/CirclePictureHierarchy"/>
+    <dgm:cxn modelId="{C3BA181C-BEDB-42B3-A43C-57268882657C}" type="presParOf" srcId="{0AE15D84-867B-4C1E-B21A-5D278B68316E}" destId="{9CED3C81-7D79-4D39-846E-AAF111D35851}" srcOrd="1" destOrd="0" presId="urn:microsoft.com/office/officeart/2009/layout/CirclePictureHierarchy"/>
+    <dgm:cxn modelId="{687426DF-B741-4626-B33C-C6F4021AAD30}" type="presParOf" srcId="{2923A290-08E5-46A9-9B66-A0059211E83D}" destId="{48A42488-E23D-4392-AE00-0F64FBDEBA2E}" srcOrd="1" destOrd="0" presId="urn:microsoft.com/office/officeart/2009/layout/CirclePictureHierarchy"/>
+    <dgm:cxn modelId="{B39C533E-89E4-4B23-9067-0100A798B0AC}" type="presParOf" srcId="{E7A42CBF-1306-443D-AC8A-3E39447E45AA}" destId="{DEA01E65-012E-4327-9A8B-04B1F74724A3}" srcOrd="2" destOrd="0" presId="urn:microsoft.com/office/officeart/2009/layout/CirclePictureHierarchy"/>
+    <dgm:cxn modelId="{7311F391-31B0-4752-A90F-E4771A8543D2}" type="presParOf" srcId="{E7A42CBF-1306-443D-AC8A-3E39447E45AA}" destId="{350AA55D-0BA9-4641-A350-46E188C7F50B}" srcOrd="3" destOrd="0" presId="urn:microsoft.com/office/officeart/2009/layout/CirclePictureHierarchy"/>
+    <dgm:cxn modelId="{65305B6D-0BB2-4470-A4F6-4A09C2F9FB5A}" type="presParOf" srcId="{350AA55D-0BA9-4641-A350-46E188C7F50B}" destId="{994D4187-44E4-426F-B3F1-A849BCC4AED9}" srcOrd="0" destOrd="0" presId="urn:microsoft.com/office/officeart/2009/layout/CirclePictureHierarchy"/>
+    <dgm:cxn modelId="{15FAB301-0607-4C02-ACC6-FADB62803F50}" type="presParOf" srcId="{994D4187-44E4-426F-B3F1-A849BCC4AED9}" destId="{66FACFEC-8B47-4FF9-A2BA-4E05A52B87AA}" srcOrd="0" destOrd="0" presId="urn:microsoft.com/office/officeart/2009/layout/CirclePictureHierarchy"/>
+    <dgm:cxn modelId="{3C7AA84C-2985-453D-8781-B017E9ECD679}" type="presParOf" srcId="{994D4187-44E4-426F-B3F1-A849BCC4AED9}" destId="{6918D6E4-5347-4B08-BA7C-45BB82FCEC06}" srcOrd="1" destOrd="0" presId="urn:microsoft.com/office/officeart/2009/layout/CirclePictureHierarchy"/>
+    <dgm:cxn modelId="{8943E567-DED4-45DF-A09D-807E9A8DABE4}" type="presParOf" srcId="{350AA55D-0BA9-4641-A350-46E188C7F50B}" destId="{211300C7-12D7-43B1-8F51-A926C7059D6F}" srcOrd="1" destOrd="0" presId="urn:microsoft.com/office/officeart/2009/layout/CirclePictureHierarchy"/>
+    <dgm:cxn modelId="{AED9D929-CE0B-4DD2-B2D3-D2E56917B3C5}" type="presParOf" srcId="{211300C7-12D7-43B1-8F51-A926C7059D6F}" destId="{20779836-D791-4183-8D74-ECF4E9621492}" srcOrd="0" destOrd="0" presId="urn:microsoft.com/office/officeart/2009/layout/CirclePictureHierarchy"/>
+    <dgm:cxn modelId="{FB944FC8-86A5-42B3-8A88-D0C66348B844}" type="presParOf" srcId="{211300C7-12D7-43B1-8F51-A926C7059D6F}" destId="{968EFEED-19E6-4C4D-9A32-CC396A741775}" srcOrd="1" destOrd="0" presId="urn:microsoft.com/office/officeart/2009/layout/CirclePictureHierarchy"/>
+    <dgm:cxn modelId="{8AA50E0C-46EC-43AD-AC48-741AD6899769}" type="presParOf" srcId="{968EFEED-19E6-4C4D-9A32-CC396A741775}" destId="{C2EADA93-BF3C-4DA2-A978-C544F64B74C0}" srcOrd="0" destOrd="0" presId="urn:microsoft.com/office/officeart/2009/layout/CirclePictureHierarchy"/>
+    <dgm:cxn modelId="{C9F91D17-64A2-4F33-94E1-D20AF56B80DE}" type="presParOf" srcId="{C2EADA93-BF3C-4DA2-A978-C544F64B74C0}" destId="{E3299F8B-6D80-4512-A33A-664792C2065A}" srcOrd="0" destOrd="0" presId="urn:microsoft.com/office/officeart/2009/layout/CirclePictureHierarchy"/>
+    <dgm:cxn modelId="{811F9281-4FCD-470C-96B7-5C9BC89CC462}" type="presParOf" srcId="{C2EADA93-BF3C-4DA2-A978-C544F64B74C0}" destId="{ED38A2C4-3CF2-485A-BF91-BB49A91239C1}" srcOrd="1" destOrd="0" presId="urn:microsoft.com/office/officeart/2009/layout/CirclePictureHierarchy"/>
+    <dgm:cxn modelId="{29DF3117-36D5-4CC1-9E22-B3BF16B7BA42}" type="presParOf" srcId="{968EFEED-19E6-4C4D-9A32-CC396A741775}" destId="{20B33A30-F7EE-432D-8259-645D4C7D84D2}" srcOrd="1" destOrd="0" presId="urn:microsoft.com/office/officeart/2009/layout/CirclePictureHierarchy"/>
+    <dgm:cxn modelId="{C5ED846B-2D69-40BA-B211-5C47052FE2BA}" type="presParOf" srcId="{211300C7-12D7-43B1-8F51-A926C7059D6F}" destId="{07F61093-3CE5-4C01-8370-6FE10A700F75}" srcOrd="2" destOrd="0" presId="urn:microsoft.com/office/officeart/2009/layout/CirclePictureHierarchy"/>
+    <dgm:cxn modelId="{83E9EB2D-09AC-4607-A324-F5F9C02F4052}" type="presParOf" srcId="{211300C7-12D7-43B1-8F51-A926C7059D6F}" destId="{372EC0D7-6F3A-4674-BFB4-7ED720379C49}" srcOrd="3" destOrd="0" presId="urn:microsoft.com/office/officeart/2009/layout/CirclePictureHierarchy"/>
+    <dgm:cxn modelId="{79DC1954-B37B-4066-944B-03EFF6FCABA6}" type="presParOf" srcId="{372EC0D7-6F3A-4674-BFB4-7ED720379C49}" destId="{2BC58667-E10C-4FC1-99FF-F7AAE95A757C}" srcOrd="0" destOrd="0" presId="urn:microsoft.com/office/officeart/2009/layout/CirclePictureHierarchy"/>
+    <dgm:cxn modelId="{D3049C89-11FF-4776-A22A-2BBE8ADE63E4}" type="presParOf" srcId="{2BC58667-E10C-4FC1-99FF-F7AAE95A757C}" destId="{3115B47A-8D47-4214-98F4-E133266B3F82}" srcOrd="0" destOrd="0" presId="urn:microsoft.com/office/officeart/2009/layout/CirclePictureHierarchy"/>
+    <dgm:cxn modelId="{307B6181-E4B6-4093-9DB7-0AA90D98A379}" type="presParOf" srcId="{2BC58667-E10C-4FC1-99FF-F7AAE95A757C}" destId="{B1F7DCE4-832A-4278-95E7-79D81EDCBC5A}" srcOrd="1" destOrd="0" presId="urn:microsoft.com/office/officeart/2009/layout/CirclePictureHierarchy"/>
+    <dgm:cxn modelId="{A1EB7D8B-8341-4222-B727-0FD73619A03D}" type="presParOf" srcId="{372EC0D7-6F3A-4674-BFB4-7ED720379C49}" destId="{6C44E8EB-5BFD-4940-AD87-B910C0047D7B}" srcOrd="1" destOrd="0" presId="urn:microsoft.com/office/officeart/2009/layout/CirclePictureHierarchy"/>
+  </dgm:cxnLst>
+  <dgm:bg/>
+  <dgm:whole/>
+  <dgm:extLst>
+    <a:ext uri="http://schemas.microsoft.com/office/drawing/2008/diagram">
+      <dsp:dataModelExt xmlns:dsp="http://schemas.microsoft.com/office/drawing/2008/diagram" relId="rId6" minVer="http://schemas.openxmlformats.org/drawingml/2006/diagram"/>
+    </a:ext>
+  </dgm:extLst>
+</dgm:dataModel>
+</file>
+
+<file path=ppt/diagrams/drawing1.xml><?xml version="1.0" encoding="utf-8"?>
+<dsp:drawing xmlns:dgm="http://schemas.openxmlformats.org/drawingml/2006/diagram" xmlns:dsp="http://schemas.microsoft.com/office/drawing/2008/diagram" xmlns:a="http://schemas.openxmlformats.org/drawingml/2006/main">
+  <dsp:spTree>
+    <dsp:nvGrpSpPr>
+      <dsp:cNvPr id="0" name=""/>
+      <dsp:cNvGrpSpPr/>
+    </dsp:nvGrpSpPr>
+    <dsp:grpSpPr/>
+    <dsp:sp modelId="{07F61093-3CE5-4C01-8370-6FE10A700F75}">
+      <dsp:nvSpPr>
+        <dsp:cNvPr id="0" name=""/>
+        <dsp:cNvSpPr/>
+      </dsp:nvSpPr>
+      <dsp:spPr>
+        <a:xfrm>
+          <a:off x="6039465" y="2678824"/>
+          <a:ext cx="948641" cy="217325"/>
+        </a:xfrm>
+        <a:custGeom>
+          <a:avLst/>
+          <a:gdLst/>
+          <a:ahLst/>
+          <a:cxnLst/>
+          <a:rect l="0" t="0" r="0" b="0"/>
+          <a:pathLst>
+            <a:path>
+              <a:moveTo>
+                <a:pt x="0" y="0"/>
+              </a:moveTo>
+              <a:lnTo>
+                <a:pt x="0" y="109524"/>
+              </a:lnTo>
+              <a:lnTo>
+                <a:pt x="948641" y="109524"/>
+              </a:lnTo>
+              <a:lnTo>
+                <a:pt x="948641" y="217325"/>
+              </a:lnTo>
+            </a:path>
+          </a:pathLst>
+        </a:custGeom>
+        <a:noFill/>
+        <a:ln w="25400" cap="flat" cmpd="sng" algn="ctr">
+          <a:solidFill>
+            <a:schemeClr val="accent1">
+              <a:shade val="80000"/>
+              <a:hueOff val="0"/>
+              <a:satOff val="0"/>
+              <a:lumOff val="0"/>
+              <a:alphaOff val="0"/>
+            </a:schemeClr>
+          </a:solidFill>
+          <a:prstDash val="solid"/>
+        </a:ln>
+        <a:effectLst/>
+      </dsp:spPr>
+      <dsp:style>
+        <a:lnRef idx="2">
+          <a:scrgbClr r="0" g="0" b="0"/>
+        </a:lnRef>
+        <a:fillRef idx="0">
+          <a:scrgbClr r="0" g="0" b="0"/>
+        </a:fillRef>
+        <a:effectRef idx="0">
+          <a:scrgbClr r="0" g="0" b="0"/>
+        </a:effectRef>
+        <a:fontRef idx="minor"/>
+      </dsp:style>
+    </dsp:sp>
+    <dsp:sp modelId="{20779836-D791-4183-8D74-ECF4E9621492}">
+      <dsp:nvSpPr>
+        <dsp:cNvPr id="0" name=""/>
+        <dsp:cNvSpPr/>
+      </dsp:nvSpPr>
+      <dsp:spPr>
+        <a:xfrm>
+          <a:off x="5090824" y="2678824"/>
+          <a:ext cx="948641" cy="217325"/>
+        </a:xfrm>
+        <a:custGeom>
+          <a:avLst/>
+          <a:gdLst/>
+          <a:ahLst/>
+          <a:cxnLst/>
+          <a:rect l="0" t="0" r="0" b="0"/>
+          <a:pathLst>
+            <a:path>
+              <a:moveTo>
+                <a:pt x="948641" y="0"/>
+              </a:moveTo>
+              <a:lnTo>
+                <a:pt x="948641" y="109524"/>
+              </a:lnTo>
+              <a:lnTo>
+                <a:pt x="0" y="109524"/>
+              </a:lnTo>
+              <a:lnTo>
+                <a:pt x="0" y="217325"/>
+              </a:lnTo>
+            </a:path>
+          </a:pathLst>
+        </a:custGeom>
+        <a:noFill/>
+        <a:ln w="25400" cap="flat" cmpd="sng" algn="ctr">
+          <a:solidFill>
+            <a:schemeClr val="accent1">
+              <a:shade val="80000"/>
+              <a:hueOff val="0"/>
+              <a:satOff val="0"/>
+              <a:lumOff val="0"/>
+              <a:alphaOff val="0"/>
+            </a:schemeClr>
+          </a:solidFill>
+          <a:prstDash val="solid"/>
+        </a:ln>
+        <a:effectLst/>
+      </dsp:spPr>
+      <dsp:style>
+        <a:lnRef idx="2">
+          <a:scrgbClr r="0" g="0" b="0"/>
+        </a:lnRef>
+        <a:fillRef idx="0">
+          <a:scrgbClr r="0" g="0" b="0"/>
+        </a:fillRef>
+        <a:effectRef idx="0">
+          <a:scrgbClr r="0" g="0" b="0"/>
+        </a:effectRef>
+        <a:fontRef idx="minor"/>
+      </dsp:style>
+    </dsp:sp>
+    <dsp:sp modelId="{DEA01E65-012E-4327-9A8B-04B1F74724A3}">
+      <dsp:nvSpPr>
+        <dsp:cNvPr id="0" name=""/>
+        <dsp:cNvSpPr/>
+      </dsp:nvSpPr>
+      <dsp:spPr>
+        <a:xfrm>
+          <a:off x="4142182" y="1771578"/>
+          <a:ext cx="1897282" cy="217325"/>
+        </a:xfrm>
+        <a:custGeom>
+          <a:avLst/>
+          <a:gdLst/>
+          <a:ahLst/>
+          <a:cxnLst/>
+          <a:rect l="0" t="0" r="0" b="0"/>
+          <a:pathLst>
+            <a:path>
+              <a:moveTo>
+                <a:pt x="0" y="0"/>
+              </a:moveTo>
+              <a:lnTo>
+                <a:pt x="0" y="109524"/>
+              </a:lnTo>
+              <a:lnTo>
+                <a:pt x="1897282" y="109524"/>
+              </a:lnTo>
+              <a:lnTo>
+                <a:pt x="1897282" y="217325"/>
+              </a:lnTo>
+            </a:path>
+          </a:pathLst>
+        </a:custGeom>
+        <a:noFill/>
+        <a:ln w="25400" cap="flat" cmpd="sng" algn="ctr">
+          <a:solidFill>
+            <a:schemeClr val="accent1">
+              <a:shade val="80000"/>
+              <a:hueOff val="0"/>
+              <a:satOff val="0"/>
+              <a:lumOff val="0"/>
+              <a:alphaOff val="0"/>
+            </a:schemeClr>
+          </a:solidFill>
+          <a:prstDash val="solid"/>
+        </a:ln>
+        <a:effectLst/>
+      </dsp:spPr>
+      <dsp:style>
+        <a:lnRef idx="2">
+          <a:scrgbClr r="0" g="0" b="0"/>
+        </a:lnRef>
+        <a:fillRef idx="0">
+          <a:scrgbClr r="0" g="0" b="0"/>
+        </a:fillRef>
+        <a:effectRef idx="0">
+          <a:scrgbClr r="0" g="0" b="0"/>
+        </a:effectRef>
+        <a:fontRef idx="minor"/>
+      </dsp:style>
+    </dsp:sp>
+    <dsp:sp modelId="{E684E26C-05FA-4FC4-9472-02D07BBE2BD9}">
+      <dsp:nvSpPr>
+        <dsp:cNvPr id="0" name=""/>
+        <dsp:cNvSpPr/>
+      </dsp:nvSpPr>
+      <dsp:spPr>
+        <a:xfrm>
+          <a:off x="2244900" y="2678824"/>
+          <a:ext cx="948641" cy="217325"/>
+        </a:xfrm>
+        <a:custGeom>
+          <a:avLst/>
+          <a:gdLst/>
+          <a:ahLst/>
+          <a:cxnLst/>
+          <a:rect l="0" t="0" r="0" b="0"/>
+          <a:pathLst>
+            <a:path>
+              <a:moveTo>
+                <a:pt x="0" y="0"/>
+              </a:moveTo>
+              <a:lnTo>
+                <a:pt x="0" y="109524"/>
+              </a:lnTo>
+              <a:lnTo>
+                <a:pt x="948641" y="109524"/>
+              </a:lnTo>
+              <a:lnTo>
+                <a:pt x="948641" y="217325"/>
+              </a:lnTo>
+            </a:path>
+          </a:pathLst>
+        </a:custGeom>
+        <a:noFill/>
+        <a:ln w="25400" cap="flat" cmpd="sng" algn="ctr">
+          <a:solidFill>
+            <a:schemeClr val="accent1">
+              <a:shade val="80000"/>
+              <a:hueOff val="0"/>
+              <a:satOff val="0"/>
+              <a:lumOff val="0"/>
+              <a:alphaOff val="0"/>
+            </a:schemeClr>
+          </a:solidFill>
+          <a:prstDash val="solid"/>
+        </a:ln>
+        <a:effectLst/>
+      </dsp:spPr>
+      <dsp:style>
+        <a:lnRef idx="2">
+          <a:scrgbClr r="0" g="0" b="0"/>
+        </a:lnRef>
+        <a:fillRef idx="0">
+          <a:scrgbClr r="0" g="0" b="0"/>
+        </a:fillRef>
+        <a:effectRef idx="0">
+          <a:scrgbClr r="0" g="0" b="0"/>
+        </a:effectRef>
+        <a:fontRef idx="minor"/>
+      </dsp:style>
+    </dsp:sp>
+    <dsp:sp modelId="{97D0FA00-55D7-4DF2-9A11-A75F9996FA31}">
+      <dsp:nvSpPr>
+        <dsp:cNvPr id="0" name=""/>
+        <dsp:cNvSpPr/>
+      </dsp:nvSpPr>
+      <dsp:spPr>
+        <a:xfrm>
+          <a:off x="1296258" y="3586070"/>
+          <a:ext cx="948641" cy="217325"/>
+        </a:xfrm>
+        <a:custGeom>
+          <a:avLst/>
+          <a:gdLst/>
+          <a:ahLst/>
+          <a:cxnLst/>
+          <a:rect l="0" t="0" r="0" b="0"/>
+          <a:pathLst>
+            <a:path>
+              <a:moveTo>
+                <a:pt x="0" y="0"/>
+              </a:moveTo>
+              <a:lnTo>
+                <a:pt x="0" y="109524"/>
+              </a:lnTo>
+              <a:lnTo>
+                <a:pt x="948641" y="109524"/>
+              </a:lnTo>
+              <a:lnTo>
+                <a:pt x="948641" y="217325"/>
+              </a:lnTo>
+            </a:path>
+          </a:pathLst>
+        </a:custGeom>
+        <a:noFill/>
+        <a:ln w="25400" cap="flat" cmpd="sng" algn="ctr">
+          <a:solidFill>
+            <a:schemeClr val="accent1">
+              <a:shade val="80000"/>
+              <a:hueOff val="0"/>
+              <a:satOff val="0"/>
+              <a:lumOff val="0"/>
+              <a:alphaOff val="0"/>
+            </a:schemeClr>
+          </a:solidFill>
+          <a:prstDash val="solid"/>
+        </a:ln>
+        <a:effectLst/>
+      </dsp:spPr>
+      <dsp:style>
+        <a:lnRef idx="2">
+          <a:scrgbClr r="0" g="0" b="0"/>
+        </a:lnRef>
+        <a:fillRef idx="0">
+          <a:scrgbClr r="0" g="0" b="0"/>
+        </a:fillRef>
+        <a:effectRef idx="0">
+          <a:scrgbClr r="0" g="0" b="0"/>
+        </a:effectRef>
+        <a:fontRef idx="minor"/>
+      </dsp:style>
+    </dsp:sp>
+    <dsp:sp modelId="{C76EBB5F-D7D6-4739-9AC5-9E94A0F8A6B6}">
+      <dsp:nvSpPr>
+        <dsp:cNvPr id="0" name=""/>
+        <dsp:cNvSpPr/>
+      </dsp:nvSpPr>
+      <dsp:spPr>
+        <a:xfrm>
+          <a:off x="347617" y="3586070"/>
+          <a:ext cx="948641" cy="217325"/>
+        </a:xfrm>
+        <a:custGeom>
+          <a:avLst/>
+          <a:gdLst/>
+          <a:ahLst/>
+          <a:cxnLst/>
+          <a:rect l="0" t="0" r="0" b="0"/>
+          <a:pathLst>
+            <a:path>
+              <a:moveTo>
+                <a:pt x="948641" y="0"/>
+              </a:moveTo>
+              <a:lnTo>
+                <a:pt x="948641" y="109524"/>
+              </a:lnTo>
+              <a:lnTo>
+                <a:pt x="0" y="109524"/>
+              </a:lnTo>
+              <a:lnTo>
+                <a:pt x="0" y="217325"/>
+              </a:lnTo>
+            </a:path>
+          </a:pathLst>
+        </a:custGeom>
+        <a:noFill/>
+        <a:ln w="25400" cap="flat" cmpd="sng" algn="ctr">
+          <a:solidFill>
+            <a:schemeClr val="accent1">
+              <a:shade val="80000"/>
+              <a:hueOff val="0"/>
+              <a:satOff val="0"/>
+              <a:lumOff val="0"/>
+              <a:alphaOff val="0"/>
+            </a:schemeClr>
+          </a:solidFill>
+          <a:prstDash val="solid"/>
+        </a:ln>
+        <a:effectLst/>
+      </dsp:spPr>
+      <dsp:style>
+        <a:lnRef idx="2">
+          <a:scrgbClr r="0" g="0" b="0"/>
+        </a:lnRef>
+        <a:fillRef idx="0">
+          <a:scrgbClr r="0" g="0" b="0"/>
+        </a:fillRef>
+        <a:effectRef idx="0">
+          <a:scrgbClr r="0" g="0" b="0"/>
+        </a:effectRef>
+        <a:fontRef idx="minor"/>
+      </dsp:style>
+    </dsp:sp>
+    <dsp:sp modelId="{B8378DB3-5151-414E-BEF0-B4ADD685898B}">
+      <dsp:nvSpPr>
+        <dsp:cNvPr id="0" name=""/>
+        <dsp:cNvSpPr/>
+      </dsp:nvSpPr>
+      <dsp:spPr>
+        <a:xfrm>
+          <a:off x="1296258" y="2678824"/>
+          <a:ext cx="948641" cy="217325"/>
+        </a:xfrm>
+        <a:custGeom>
+          <a:avLst/>
+          <a:gdLst/>
+          <a:ahLst/>
+          <a:cxnLst/>
+          <a:rect l="0" t="0" r="0" b="0"/>
+          <a:pathLst>
+            <a:path>
+              <a:moveTo>
+                <a:pt x="948641" y="0"/>
+              </a:moveTo>
+              <a:lnTo>
+                <a:pt x="948641" y="109524"/>
+              </a:lnTo>
+              <a:lnTo>
+                <a:pt x="0" y="109524"/>
+              </a:lnTo>
+              <a:lnTo>
+                <a:pt x="0" y="217325"/>
+              </a:lnTo>
+            </a:path>
+          </a:pathLst>
+        </a:custGeom>
+        <a:noFill/>
+        <a:ln w="25400" cap="flat" cmpd="sng" algn="ctr">
+          <a:solidFill>
+            <a:schemeClr val="accent1">
+              <a:shade val="80000"/>
+              <a:hueOff val="0"/>
+              <a:satOff val="0"/>
+              <a:lumOff val="0"/>
+              <a:alphaOff val="0"/>
+            </a:schemeClr>
+          </a:solidFill>
+          <a:prstDash val="solid"/>
+        </a:ln>
+        <a:effectLst/>
+      </dsp:spPr>
+      <dsp:style>
+        <a:lnRef idx="2">
+          <a:scrgbClr r="0" g="0" b="0"/>
+        </a:lnRef>
+        <a:fillRef idx="0">
+          <a:scrgbClr r="0" g="0" b="0"/>
+        </a:fillRef>
+        <a:effectRef idx="0">
+          <a:scrgbClr r="0" g="0" b="0"/>
+        </a:effectRef>
+        <a:fontRef idx="minor"/>
+      </dsp:style>
+    </dsp:sp>
+    <dsp:sp modelId="{995B2C02-3415-42BE-ADF0-51A9BAF41365}">
+      <dsp:nvSpPr>
+        <dsp:cNvPr id="0" name=""/>
+        <dsp:cNvSpPr/>
+      </dsp:nvSpPr>
+      <dsp:spPr>
+        <a:xfrm>
+          <a:off x="2244900" y="1771578"/>
+          <a:ext cx="1897282" cy="217325"/>
+        </a:xfrm>
+        <a:custGeom>
+          <a:avLst/>
+          <a:gdLst/>
+          <a:ahLst/>
+          <a:cxnLst/>
+          <a:rect l="0" t="0" r="0" b="0"/>
+          <a:pathLst>
+            <a:path>
+              <a:moveTo>
+                <a:pt x="1897282" y="0"/>
+              </a:moveTo>
+              <a:lnTo>
+                <a:pt x="1897282" y="109524"/>
+              </a:lnTo>
+              <a:lnTo>
+                <a:pt x="0" y="109524"/>
+              </a:lnTo>
+              <a:lnTo>
+                <a:pt x="0" y="217325"/>
+              </a:lnTo>
+            </a:path>
+          </a:pathLst>
+        </a:custGeom>
+        <a:noFill/>
+        <a:ln w="25400" cap="flat" cmpd="sng" algn="ctr">
+          <a:solidFill>
+            <a:schemeClr val="accent1">
+              <a:shade val="80000"/>
+              <a:hueOff val="0"/>
+              <a:satOff val="0"/>
+              <a:lumOff val="0"/>
+              <a:alphaOff val="0"/>
+            </a:schemeClr>
+          </a:solidFill>
+          <a:prstDash val="solid"/>
+        </a:ln>
+        <a:effectLst/>
+      </dsp:spPr>
+      <dsp:style>
+        <a:lnRef idx="2">
+          <a:scrgbClr r="0" g="0" b="0"/>
+        </a:lnRef>
+        <a:fillRef idx="0">
+          <a:scrgbClr r="0" g="0" b="0"/>
+        </a:fillRef>
+        <a:effectRef idx="0">
+          <a:scrgbClr r="0" g="0" b="0"/>
+        </a:effectRef>
+        <a:fontRef idx="minor"/>
+      </dsp:style>
+    </dsp:sp>
+    <dsp:sp modelId="{1FFE74A6-BDF3-4EC1-A700-9B7022AEE88C}">
+      <dsp:nvSpPr>
+        <dsp:cNvPr id="0" name=""/>
+        <dsp:cNvSpPr/>
+      </dsp:nvSpPr>
+      <dsp:spPr>
+        <a:xfrm>
+          <a:off x="4096462" y="864332"/>
+          <a:ext cx="91440" cy="217325"/>
+        </a:xfrm>
+        <a:custGeom>
+          <a:avLst/>
+          <a:gdLst/>
+          <a:ahLst/>
+          <a:cxnLst/>
+          <a:rect l="0" t="0" r="0" b="0"/>
+          <a:pathLst>
+            <a:path>
+              <a:moveTo>
+                <a:pt x="45720" y="0"/>
+              </a:moveTo>
+              <a:lnTo>
+                <a:pt x="45720" y="217325"/>
+              </a:lnTo>
+            </a:path>
+          </a:pathLst>
+        </a:custGeom>
+        <a:noFill/>
+        <a:ln w="25400" cap="flat" cmpd="sng" algn="ctr">
+          <a:solidFill>
+            <a:schemeClr val="accent1">
+              <a:shade val="60000"/>
+              <a:hueOff val="0"/>
+              <a:satOff val="0"/>
+              <a:lumOff val="0"/>
+              <a:alphaOff val="0"/>
+            </a:schemeClr>
+          </a:solidFill>
+          <a:prstDash val="solid"/>
+        </a:ln>
+        <a:effectLst/>
+      </dsp:spPr>
+      <dsp:style>
+        <a:lnRef idx="2">
+          <a:scrgbClr r="0" g="0" b="0"/>
+        </a:lnRef>
+        <a:fillRef idx="0">
+          <a:scrgbClr r="0" g="0" b="0"/>
+        </a:fillRef>
+        <a:effectRef idx="0">
+          <a:scrgbClr r="0" g="0" b="0"/>
+        </a:effectRef>
+        <a:fontRef idx="minor"/>
+      </dsp:style>
+    </dsp:sp>
+    <dsp:sp modelId="{C474B7CA-0BB9-4E72-8CD8-54DA68229747}">
+      <dsp:nvSpPr>
+        <dsp:cNvPr id="0" name=""/>
+        <dsp:cNvSpPr/>
+      </dsp:nvSpPr>
+      <dsp:spPr>
+        <a:xfrm>
+          <a:off x="3797222" y="174411"/>
+          <a:ext cx="689921" cy="689921"/>
+        </a:xfrm>
+        <a:prstGeom prst="ellipse">
+          <a:avLst/>
+        </a:prstGeom>
+        <a:solidFill>
+          <a:schemeClr val="accent1">
+            <a:hueOff val="0"/>
+            <a:satOff val="0"/>
+            <a:lumOff val="0"/>
+            <a:alphaOff val="0"/>
+          </a:schemeClr>
+        </a:solidFill>
+        <a:ln w="25400" cap="flat" cmpd="sng" algn="ctr">
+          <a:solidFill>
+            <a:schemeClr val="lt1">
+              <a:hueOff val="0"/>
+              <a:satOff val="0"/>
+              <a:lumOff val="0"/>
+              <a:alphaOff val="0"/>
+            </a:schemeClr>
+          </a:solidFill>
+          <a:prstDash val="solid"/>
+        </a:ln>
+        <a:effectLst/>
+      </dsp:spPr>
+      <dsp:style>
+        <a:lnRef idx="2">
+          <a:scrgbClr r="0" g="0" b="0"/>
+        </a:lnRef>
+        <a:fillRef idx="1">
+          <a:scrgbClr r="0" g="0" b="0"/>
+        </a:fillRef>
+        <a:effectRef idx="0">
+          <a:scrgbClr r="0" g="0" b="0"/>
+        </a:effectRef>
+        <a:fontRef idx="minor">
+          <a:schemeClr val="lt1"/>
+        </a:fontRef>
+      </dsp:style>
+    </dsp:sp>
+    <dsp:sp modelId="{E34A2E45-90A5-47EB-894A-486D51AEDEF3}">
+      <dsp:nvSpPr>
+        <dsp:cNvPr id="0" name=""/>
+        <dsp:cNvSpPr/>
+      </dsp:nvSpPr>
+      <dsp:spPr>
+        <a:xfrm>
+          <a:off x="4487143" y="172686"/>
+          <a:ext cx="1034881" cy="689921"/>
+        </a:xfrm>
+        <a:prstGeom prst="rect">
+          <a:avLst/>
+        </a:prstGeom>
+        <a:noFill/>
+        <a:ln>
+          <a:noFill/>
+        </a:ln>
+        <a:effectLst/>
+      </dsp:spPr>
+      <dsp:style>
+        <a:lnRef idx="0">
+          <a:scrgbClr r="0" g="0" b="0"/>
+        </a:lnRef>
+        <a:fillRef idx="0">
+          <a:scrgbClr r="0" g="0" b="0"/>
+        </a:fillRef>
+        <a:effectRef idx="0">
+          <a:scrgbClr r="0" g="0" b="0"/>
+        </a:effectRef>
+        <a:fontRef idx="minor"/>
+      </dsp:style>
+      <dsp:txBody>
+        <a:bodyPr spcFirstLastPara="0" vert="horz" wrap="square" lIns="30480" tIns="30480" rIns="30480" bIns="30480" numCol="1" spcCol="1270" anchor="ctr" anchorCtr="0">
+          <a:noAutofit/>
+        </a:bodyPr>
+        <a:lstStyle/>
+        <a:p>
+          <a:pPr lvl="0" algn="l" defTabSz="355600">
+            <a:lnSpc>
+              <a:spcPct val="90000"/>
+            </a:lnSpc>
+            <a:spcBef>
+              <a:spcPct val="0"/>
+            </a:spcBef>
+            <a:spcAft>
+              <a:spcPct val="35000"/>
+            </a:spcAft>
+          </a:pPr>
+          <a:r>
+            <a:rPr lang="de-DE" sz="800" kern="1200" dirty="0" smtClean="0"/>
+            <a:t>Stage</a:t>
+          </a:r>
+          <a:endParaRPr lang="de-DE" sz="800" kern="1200" dirty="0"/>
+        </a:p>
+      </dsp:txBody>
+      <dsp:txXfrm>
+        <a:off x="4487143" y="172686"/>
+        <a:ext cx="1034881" cy="689921"/>
+      </dsp:txXfrm>
+    </dsp:sp>
+    <dsp:sp modelId="{6163B0FD-0828-4096-9A5F-41075E316B3D}">
+      <dsp:nvSpPr>
+        <dsp:cNvPr id="0" name=""/>
+        <dsp:cNvSpPr/>
+      </dsp:nvSpPr>
+      <dsp:spPr>
+        <a:xfrm>
+          <a:off x="3797222" y="1081657"/>
+          <a:ext cx="689921" cy="689921"/>
+        </a:xfrm>
+        <a:prstGeom prst="ellipse">
+          <a:avLst/>
+        </a:prstGeom>
+        <a:solidFill>
+          <a:schemeClr val="accent1">
+            <a:hueOff val="0"/>
+            <a:satOff val="0"/>
+            <a:lumOff val="0"/>
+            <a:alphaOff val="0"/>
+          </a:schemeClr>
+        </a:solidFill>
+        <a:ln w="25400" cap="flat" cmpd="sng" algn="ctr">
+          <a:solidFill>
+            <a:schemeClr val="lt1">
+              <a:hueOff val="0"/>
+              <a:satOff val="0"/>
+              <a:lumOff val="0"/>
+              <a:alphaOff val="0"/>
+            </a:schemeClr>
+          </a:solidFill>
+          <a:prstDash val="solid"/>
+        </a:ln>
+        <a:effectLst/>
+      </dsp:spPr>
+      <dsp:style>
+        <a:lnRef idx="2">
+          <a:scrgbClr r="0" g="0" b="0"/>
+        </a:lnRef>
+        <a:fillRef idx="1">
+          <a:scrgbClr r="0" g="0" b="0"/>
+        </a:fillRef>
+        <a:effectRef idx="0">
+          <a:scrgbClr r="0" g="0" b="0"/>
+        </a:effectRef>
+        <a:fontRef idx="minor">
+          <a:schemeClr val="lt1"/>
+        </a:fontRef>
+      </dsp:style>
+    </dsp:sp>
+    <dsp:sp modelId="{DCEB41B7-3769-4CBC-A5BA-7FD24061EF2E}">
+      <dsp:nvSpPr>
+        <dsp:cNvPr id="0" name=""/>
+        <dsp:cNvSpPr/>
+      </dsp:nvSpPr>
+      <dsp:spPr>
+        <a:xfrm>
+          <a:off x="4487143" y="1079932"/>
+          <a:ext cx="1034881" cy="689921"/>
+        </a:xfrm>
+        <a:prstGeom prst="rect">
+          <a:avLst/>
+        </a:prstGeom>
+        <a:noFill/>
+        <a:ln>
+          <a:noFill/>
+        </a:ln>
+        <a:effectLst/>
+      </dsp:spPr>
+      <dsp:style>
+        <a:lnRef idx="0">
+          <a:scrgbClr r="0" g="0" b="0"/>
+        </a:lnRef>
+        <a:fillRef idx="0">
+          <a:scrgbClr r="0" g="0" b="0"/>
+        </a:fillRef>
+        <a:effectRef idx="0">
+          <a:scrgbClr r="0" g="0" b="0"/>
+        </a:effectRef>
+        <a:fontRef idx="minor"/>
+      </dsp:style>
+      <dsp:txBody>
+        <a:bodyPr spcFirstLastPara="0" vert="horz" wrap="square" lIns="30480" tIns="30480" rIns="30480" bIns="30480" numCol="1" spcCol="1270" anchor="ctr" anchorCtr="0">
+          <a:noAutofit/>
+        </a:bodyPr>
+        <a:lstStyle/>
+        <a:p>
+          <a:pPr lvl="0" algn="l" defTabSz="355600">
+            <a:lnSpc>
+              <a:spcPct val="90000"/>
+            </a:lnSpc>
+            <a:spcBef>
+              <a:spcPct val="0"/>
+            </a:spcBef>
+            <a:spcAft>
+              <a:spcPct val="35000"/>
+            </a:spcAft>
+          </a:pPr>
+          <a:r>
+            <a:rPr lang="de-DE" sz="800" kern="1200" dirty="0" smtClean="0"/>
+            <a:t>Scene</a:t>
+          </a:r>
+          <a:endParaRPr lang="de-DE" sz="800" kern="1200" dirty="0"/>
+        </a:p>
+      </dsp:txBody>
+      <dsp:txXfrm>
+        <a:off x="4487143" y="1079932"/>
+        <a:ext cx="1034881" cy="689921"/>
+      </dsp:txXfrm>
+    </dsp:sp>
+    <dsp:sp modelId="{940F166F-8D8D-4D3C-A149-B16A6B51715A}">
+      <dsp:nvSpPr>
+        <dsp:cNvPr id="0" name=""/>
+        <dsp:cNvSpPr/>
+      </dsp:nvSpPr>
+      <dsp:spPr>
+        <a:xfrm>
+          <a:off x="1899939" y="1988903"/>
+          <a:ext cx="689921" cy="689921"/>
+        </a:xfrm>
+        <a:prstGeom prst="ellipse">
+          <a:avLst/>
+        </a:prstGeom>
+        <a:solidFill>
+          <a:schemeClr val="accent1">
+            <a:hueOff val="0"/>
+            <a:satOff val="0"/>
+            <a:lumOff val="0"/>
+            <a:alphaOff val="0"/>
+          </a:schemeClr>
+        </a:solidFill>
+        <a:ln w="25400" cap="flat" cmpd="sng" algn="ctr">
+          <a:solidFill>
+            <a:schemeClr val="lt1">
+              <a:hueOff val="0"/>
+              <a:satOff val="0"/>
+              <a:lumOff val="0"/>
+              <a:alphaOff val="0"/>
+            </a:schemeClr>
+          </a:solidFill>
+          <a:prstDash val="solid"/>
+        </a:ln>
+        <a:effectLst/>
+      </dsp:spPr>
+      <dsp:style>
+        <a:lnRef idx="2">
+          <a:scrgbClr r="0" g="0" b="0"/>
+        </a:lnRef>
+        <a:fillRef idx="1">
+          <a:scrgbClr r="0" g="0" b="0"/>
+        </a:fillRef>
+        <a:effectRef idx="0">
+          <a:scrgbClr r="0" g="0" b="0"/>
+        </a:effectRef>
+        <a:fontRef idx="minor">
+          <a:schemeClr val="lt1"/>
+        </a:fontRef>
+      </dsp:style>
+    </dsp:sp>
+    <dsp:sp modelId="{42B96611-26FE-40CB-93F0-F5E84DF16A65}">
+      <dsp:nvSpPr>
+        <dsp:cNvPr id="0" name=""/>
+        <dsp:cNvSpPr/>
+      </dsp:nvSpPr>
+      <dsp:spPr>
+        <a:xfrm>
+          <a:off x="2589860" y="1987178"/>
+          <a:ext cx="1034881" cy="689921"/>
+        </a:xfrm>
+        <a:prstGeom prst="rect">
+          <a:avLst/>
+        </a:prstGeom>
+        <a:noFill/>
+        <a:ln>
+          <a:noFill/>
+        </a:ln>
+        <a:effectLst/>
+      </dsp:spPr>
+      <dsp:style>
+        <a:lnRef idx="0">
+          <a:scrgbClr r="0" g="0" b="0"/>
+        </a:lnRef>
+        <a:fillRef idx="0">
+          <a:scrgbClr r="0" g="0" b="0"/>
+        </a:fillRef>
+        <a:effectRef idx="0">
+          <a:scrgbClr r="0" g="0" b="0"/>
+        </a:effectRef>
+        <a:fontRef idx="minor"/>
+      </dsp:style>
+      <dsp:txBody>
+        <a:bodyPr spcFirstLastPara="0" vert="horz" wrap="square" lIns="30480" tIns="30480" rIns="30480" bIns="30480" numCol="1" spcCol="1270" anchor="ctr" anchorCtr="0">
+          <a:noAutofit/>
+        </a:bodyPr>
+        <a:lstStyle/>
+        <a:p>
+          <a:pPr lvl="0" algn="l" defTabSz="355600">
+            <a:lnSpc>
+              <a:spcPct val="90000"/>
+            </a:lnSpc>
+            <a:spcBef>
+              <a:spcPct val="0"/>
+            </a:spcBef>
+            <a:spcAft>
+              <a:spcPct val="35000"/>
+            </a:spcAft>
+          </a:pPr>
+          <a:r>
+            <a:rPr lang="de-DE" sz="800" kern="1200" dirty="0" err="1" smtClean="0"/>
+            <a:t>HBox</a:t>
+          </a:r>
+          <a:endParaRPr lang="de-DE" sz="800" kern="1200" dirty="0"/>
+        </a:p>
+      </dsp:txBody>
+      <dsp:txXfrm>
+        <a:off x="2589860" y="1987178"/>
+        <a:ext cx="1034881" cy="689921"/>
+      </dsp:txXfrm>
+    </dsp:sp>
+    <dsp:sp modelId="{65B271D8-F6B5-4795-93E6-2DA2558C4DC2}">
+      <dsp:nvSpPr>
+        <dsp:cNvPr id="0" name=""/>
+        <dsp:cNvSpPr/>
+      </dsp:nvSpPr>
+      <dsp:spPr>
+        <a:xfrm>
+          <a:off x="951298" y="2896149"/>
+          <a:ext cx="689921" cy="689921"/>
+        </a:xfrm>
+        <a:prstGeom prst="ellipse">
+          <a:avLst/>
+        </a:prstGeom>
+        <a:solidFill>
+          <a:schemeClr val="accent1">
+            <a:hueOff val="0"/>
+            <a:satOff val="0"/>
+            <a:lumOff val="0"/>
+            <a:alphaOff val="0"/>
+          </a:schemeClr>
+        </a:solidFill>
+        <a:ln w="25400" cap="flat" cmpd="sng" algn="ctr">
+          <a:solidFill>
+            <a:schemeClr val="lt1">
+              <a:hueOff val="0"/>
+              <a:satOff val="0"/>
+              <a:lumOff val="0"/>
+              <a:alphaOff val="0"/>
+            </a:schemeClr>
+          </a:solidFill>
+          <a:prstDash val="solid"/>
+        </a:ln>
+        <a:effectLst/>
+      </dsp:spPr>
+      <dsp:style>
+        <a:lnRef idx="2">
+          <a:scrgbClr r="0" g="0" b="0"/>
+        </a:lnRef>
+        <a:fillRef idx="1">
+          <a:scrgbClr r="0" g="0" b="0"/>
+        </a:fillRef>
+        <a:effectRef idx="0">
+          <a:scrgbClr r="0" g="0" b="0"/>
+        </a:effectRef>
+        <a:fontRef idx="minor">
+          <a:schemeClr val="lt1"/>
+        </a:fontRef>
+      </dsp:style>
+    </dsp:sp>
+    <dsp:sp modelId="{8D79F89D-3C83-4A06-AB56-7B32B225A4B4}">
+      <dsp:nvSpPr>
+        <dsp:cNvPr id="0" name=""/>
+        <dsp:cNvSpPr/>
+      </dsp:nvSpPr>
+      <dsp:spPr>
+        <a:xfrm>
+          <a:off x="1641219" y="2894424"/>
+          <a:ext cx="1034881" cy="689921"/>
+        </a:xfrm>
+        <a:prstGeom prst="rect">
+          <a:avLst/>
+        </a:prstGeom>
+        <a:noFill/>
+        <a:ln>
+          <a:noFill/>
+        </a:ln>
+        <a:effectLst/>
+      </dsp:spPr>
+      <dsp:style>
+        <a:lnRef idx="0">
+          <a:scrgbClr r="0" g="0" b="0"/>
+        </a:lnRef>
+        <a:fillRef idx="0">
+          <a:scrgbClr r="0" g="0" b="0"/>
+        </a:fillRef>
+        <a:effectRef idx="0">
+          <a:scrgbClr r="0" g="0" b="0"/>
+        </a:effectRef>
+        <a:fontRef idx="minor"/>
+      </dsp:style>
+      <dsp:txBody>
+        <a:bodyPr spcFirstLastPara="0" vert="horz" wrap="square" lIns="30480" tIns="30480" rIns="30480" bIns="30480" numCol="1" spcCol="1270" anchor="ctr" anchorCtr="0">
+          <a:noAutofit/>
+        </a:bodyPr>
+        <a:lstStyle/>
+        <a:p>
+          <a:pPr lvl="0" algn="l" defTabSz="355600">
+            <a:lnSpc>
+              <a:spcPct val="90000"/>
+            </a:lnSpc>
+            <a:spcBef>
+              <a:spcPct val="0"/>
+            </a:spcBef>
+            <a:spcAft>
+              <a:spcPct val="35000"/>
+            </a:spcAft>
+          </a:pPr>
+          <a:r>
+            <a:rPr lang="de-DE" sz="800" kern="1200" dirty="0" smtClean="0"/>
+            <a:t>Group</a:t>
+          </a:r>
+          <a:endParaRPr lang="de-DE" sz="800" kern="1200" dirty="0"/>
+        </a:p>
+      </dsp:txBody>
+      <dsp:txXfrm>
+        <a:off x="1641219" y="2894424"/>
+        <a:ext cx="1034881" cy="689921"/>
+      </dsp:txXfrm>
+    </dsp:sp>
+    <dsp:sp modelId="{9E83FFD0-FFCB-437D-A872-9473D9AA6A82}">
+      <dsp:nvSpPr>
+        <dsp:cNvPr id="0" name=""/>
+        <dsp:cNvSpPr/>
+      </dsp:nvSpPr>
+      <dsp:spPr>
+        <a:xfrm>
+          <a:off x="2656" y="3803395"/>
+          <a:ext cx="689921" cy="689921"/>
+        </a:xfrm>
+        <a:prstGeom prst="ellipse">
+          <a:avLst/>
+        </a:prstGeom>
+        <a:solidFill>
+          <a:schemeClr val="accent1">
+            <a:hueOff val="0"/>
+            <a:satOff val="0"/>
+            <a:lumOff val="0"/>
+            <a:alphaOff val="0"/>
+          </a:schemeClr>
+        </a:solidFill>
+        <a:ln w="25400" cap="flat" cmpd="sng" algn="ctr">
+          <a:solidFill>
+            <a:schemeClr val="lt1">
+              <a:hueOff val="0"/>
+              <a:satOff val="0"/>
+              <a:lumOff val="0"/>
+              <a:alphaOff val="0"/>
+            </a:schemeClr>
+          </a:solidFill>
+          <a:prstDash val="solid"/>
+        </a:ln>
+        <a:effectLst/>
+      </dsp:spPr>
+      <dsp:style>
+        <a:lnRef idx="2">
+          <a:scrgbClr r="0" g="0" b="0"/>
+        </a:lnRef>
+        <a:fillRef idx="1">
+          <a:scrgbClr r="0" g="0" b="0"/>
+        </a:fillRef>
+        <a:effectRef idx="0">
+          <a:scrgbClr r="0" g="0" b="0"/>
+        </a:effectRef>
+        <a:fontRef idx="minor">
+          <a:schemeClr val="lt1"/>
+        </a:fontRef>
+      </dsp:style>
+    </dsp:sp>
+    <dsp:sp modelId="{A3DFF081-E770-42D3-82A3-79195708045B}">
+      <dsp:nvSpPr>
+        <dsp:cNvPr id="0" name=""/>
+        <dsp:cNvSpPr/>
+      </dsp:nvSpPr>
+      <dsp:spPr>
+        <a:xfrm>
+          <a:off x="692577" y="3801670"/>
+          <a:ext cx="1034881" cy="689921"/>
+        </a:xfrm>
+        <a:prstGeom prst="rect">
+          <a:avLst/>
+        </a:prstGeom>
+        <a:noFill/>
+        <a:ln>
+          <a:noFill/>
+        </a:ln>
+        <a:effectLst/>
+      </dsp:spPr>
+      <dsp:style>
+        <a:lnRef idx="0">
+          <a:scrgbClr r="0" g="0" b="0"/>
+        </a:lnRef>
+        <a:fillRef idx="0">
+          <a:scrgbClr r="0" g="0" b="0"/>
+        </a:fillRef>
+        <a:effectRef idx="0">
+          <a:scrgbClr r="0" g="0" b="0"/>
+        </a:effectRef>
+        <a:fontRef idx="minor"/>
+      </dsp:style>
+      <dsp:txBody>
+        <a:bodyPr spcFirstLastPara="0" vert="horz" wrap="square" lIns="30480" tIns="30480" rIns="30480" bIns="30480" numCol="1" spcCol="1270" anchor="ctr" anchorCtr="0">
+          <a:noAutofit/>
+        </a:bodyPr>
+        <a:lstStyle/>
+        <a:p>
+          <a:pPr lvl="0" algn="l" defTabSz="355600">
+            <a:lnSpc>
+              <a:spcPct val="90000"/>
+            </a:lnSpc>
+            <a:spcBef>
+              <a:spcPct val="0"/>
+            </a:spcBef>
+            <a:spcAft>
+              <a:spcPct val="35000"/>
+            </a:spcAft>
+          </a:pPr>
+          <a:r>
+            <a:rPr lang="de-DE" sz="800" kern="1200" dirty="0" err="1" smtClean="0"/>
+            <a:t>MeineKomponente</a:t>
+          </a:r>
+          <a:endParaRPr lang="de-DE" sz="800" kern="1200" dirty="0"/>
+        </a:p>
+      </dsp:txBody>
+      <dsp:txXfrm>
+        <a:off x="692577" y="3801670"/>
+        <a:ext cx="1034881" cy="689921"/>
+      </dsp:txXfrm>
+    </dsp:sp>
+    <dsp:sp modelId="{2FA50152-2E68-44E2-9B6C-042B956BEFFD}">
+      <dsp:nvSpPr>
+        <dsp:cNvPr id="0" name=""/>
+        <dsp:cNvSpPr/>
+      </dsp:nvSpPr>
+      <dsp:spPr>
+        <a:xfrm>
+          <a:off x="1899939" y="3803395"/>
+          <a:ext cx="689921" cy="689921"/>
+        </a:xfrm>
+        <a:prstGeom prst="ellipse">
+          <a:avLst/>
+        </a:prstGeom>
+        <a:solidFill>
+          <a:schemeClr val="accent1">
+            <a:hueOff val="0"/>
+            <a:satOff val="0"/>
+            <a:lumOff val="0"/>
+            <a:alphaOff val="0"/>
+          </a:schemeClr>
+        </a:solidFill>
+        <a:ln w="25400" cap="flat" cmpd="sng" algn="ctr">
+          <a:solidFill>
+            <a:schemeClr val="lt1">
+              <a:hueOff val="0"/>
+              <a:satOff val="0"/>
+              <a:lumOff val="0"/>
+              <a:alphaOff val="0"/>
+            </a:schemeClr>
+          </a:solidFill>
+          <a:prstDash val="solid"/>
+        </a:ln>
+        <a:effectLst/>
+      </dsp:spPr>
+      <dsp:style>
+        <a:lnRef idx="2">
+          <a:scrgbClr r="0" g="0" b="0"/>
+        </a:lnRef>
+        <a:fillRef idx="1">
+          <a:scrgbClr r="0" g="0" b="0"/>
+        </a:fillRef>
+        <a:effectRef idx="0">
+          <a:scrgbClr r="0" g="0" b="0"/>
+        </a:effectRef>
+        <a:fontRef idx="minor">
+          <a:schemeClr val="lt1"/>
+        </a:fontRef>
+      </dsp:style>
+    </dsp:sp>
+    <dsp:sp modelId="{B73E298E-6F3F-4936-ACCF-0C3804609B60}">
+      <dsp:nvSpPr>
+        <dsp:cNvPr id="0" name=""/>
+        <dsp:cNvSpPr/>
+      </dsp:nvSpPr>
+      <dsp:spPr>
+        <a:xfrm>
+          <a:off x="2589860" y="3801670"/>
+          <a:ext cx="1034881" cy="689921"/>
+        </a:xfrm>
+        <a:prstGeom prst="rect">
+          <a:avLst/>
+        </a:prstGeom>
+        <a:noFill/>
+        <a:ln>
+          <a:noFill/>
+        </a:ln>
+        <a:effectLst/>
+      </dsp:spPr>
+      <dsp:style>
+        <a:lnRef idx="0">
+          <a:scrgbClr r="0" g="0" b="0"/>
+        </a:lnRef>
+        <a:fillRef idx="0">
+          <a:scrgbClr r="0" g="0" b="0"/>
+        </a:fillRef>
+        <a:effectRef idx="0">
+          <a:scrgbClr r="0" g="0" b="0"/>
+        </a:effectRef>
+        <a:fontRef idx="minor"/>
+      </dsp:style>
+      <dsp:txBody>
+        <a:bodyPr spcFirstLastPara="0" vert="horz" wrap="square" lIns="30480" tIns="30480" rIns="30480" bIns="30480" numCol="1" spcCol="1270" anchor="ctr" anchorCtr="0">
+          <a:noAutofit/>
+        </a:bodyPr>
+        <a:lstStyle/>
+        <a:p>
+          <a:pPr lvl="0" algn="l" defTabSz="355600">
+            <a:lnSpc>
+              <a:spcPct val="90000"/>
+            </a:lnSpc>
+            <a:spcBef>
+              <a:spcPct val="0"/>
+            </a:spcBef>
+            <a:spcAft>
+              <a:spcPct val="35000"/>
+            </a:spcAft>
+          </a:pPr>
+          <a:r>
+            <a:rPr lang="de-DE" sz="800" kern="1200" dirty="0" err="1" smtClean="0"/>
+            <a:t>TextField</a:t>
+          </a:r>
+          <a:endParaRPr lang="de-DE" sz="800" kern="1200" dirty="0"/>
+        </a:p>
+      </dsp:txBody>
+      <dsp:txXfrm>
+        <a:off x="2589860" y="3801670"/>
+        <a:ext cx="1034881" cy="689921"/>
+      </dsp:txXfrm>
+    </dsp:sp>
+    <dsp:sp modelId="{957D4333-CBD1-4D51-91CF-616BA223967B}">
+      <dsp:nvSpPr>
+        <dsp:cNvPr id="0" name=""/>
+        <dsp:cNvSpPr/>
+      </dsp:nvSpPr>
+      <dsp:spPr>
+        <a:xfrm>
+          <a:off x="2848580" y="2896149"/>
+          <a:ext cx="689921" cy="689921"/>
+        </a:xfrm>
+        <a:prstGeom prst="ellipse">
+          <a:avLst/>
+        </a:prstGeom>
+        <a:solidFill>
+          <a:schemeClr val="accent1">
+            <a:hueOff val="0"/>
+            <a:satOff val="0"/>
+            <a:lumOff val="0"/>
+            <a:alphaOff val="0"/>
+          </a:schemeClr>
+        </a:solidFill>
+        <a:ln w="25400" cap="flat" cmpd="sng" algn="ctr">
+          <a:solidFill>
+            <a:schemeClr val="lt1">
+              <a:hueOff val="0"/>
+              <a:satOff val="0"/>
+              <a:lumOff val="0"/>
+              <a:alphaOff val="0"/>
+            </a:schemeClr>
+          </a:solidFill>
+          <a:prstDash val="solid"/>
+        </a:ln>
+        <a:effectLst/>
+      </dsp:spPr>
+      <dsp:style>
+        <a:lnRef idx="2">
+          <a:scrgbClr r="0" g="0" b="0"/>
+        </a:lnRef>
+        <a:fillRef idx="1">
+          <a:scrgbClr r="0" g="0" b="0"/>
+        </a:fillRef>
+        <a:effectRef idx="0">
+          <a:scrgbClr r="0" g="0" b="0"/>
+        </a:effectRef>
+        <a:fontRef idx="minor">
+          <a:schemeClr val="lt1"/>
+        </a:fontRef>
+      </dsp:style>
+    </dsp:sp>
+    <dsp:sp modelId="{9CED3C81-7D79-4D39-846E-AAF111D35851}">
+      <dsp:nvSpPr>
+        <dsp:cNvPr id="0" name=""/>
+        <dsp:cNvSpPr/>
+      </dsp:nvSpPr>
+      <dsp:spPr>
+        <a:xfrm>
+          <a:off x="3538502" y="2894424"/>
+          <a:ext cx="1034881" cy="689921"/>
+        </a:xfrm>
+        <a:prstGeom prst="rect">
+          <a:avLst/>
+        </a:prstGeom>
+        <a:noFill/>
+        <a:ln>
+          <a:noFill/>
+        </a:ln>
+        <a:effectLst/>
+      </dsp:spPr>
+      <dsp:style>
+        <a:lnRef idx="0">
+          <a:scrgbClr r="0" g="0" b="0"/>
+        </a:lnRef>
+        <a:fillRef idx="0">
+          <a:scrgbClr r="0" g="0" b="0"/>
+        </a:fillRef>
+        <a:effectRef idx="0">
+          <a:scrgbClr r="0" g="0" b="0"/>
+        </a:effectRef>
+        <a:fontRef idx="minor"/>
+      </dsp:style>
+      <dsp:txBody>
+        <a:bodyPr spcFirstLastPara="0" vert="horz" wrap="square" lIns="30480" tIns="30480" rIns="30480" bIns="30480" numCol="1" spcCol="1270" anchor="ctr" anchorCtr="0">
+          <a:noAutofit/>
+        </a:bodyPr>
+        <a:lstStyle/>
+        <a:p>
+          <a:pPr lvl="0" algn="l" defTabSz="355600">
+            <a:lnSpc>
+              <a:spcPct val="90000"/>
+            </a:lnSpc>
+            <a:spcBef>
+              <a:spcPct val="0"/>
+            </a:spcBef>
+            <a:spcAft>
+              <a:spcPct val="35000"/>
+            </a:spcAft>
+          </a:pPr>
+          <a:r>
+            <a:rPr lang="de-DE" sz="800" kern="1200" dirty="0" smtClean="0"/>
+            <a:t>Label</a:t>
+          </a:r>
+          <a:endParaRPr lang="de-DE" sz="800" kern="1200" dirty="0"/>
+        </a:p>
+      </dsp:txBody>
+      <dsp:txXfrm>
+        <a:off x="3538502" y="2894424"/>
+        <a:ext cx="1034881" cy="689921"/>
+      </dsp:txXfrm>
+    </dsp:sp>
+    <dsp:sp modelId="{66FACFEC-8B47-4FF9-A2BA-4E05A52B87AA}">
+      <dsp:nvSpPr>
+        <dsp:cNvPr id="0" name=""/>
+        <dsp:cNvSpPr/>
+      </dsp:nvSpPr>
+      <dsp:spPr>
+        <a:xfrm>
+          <a:off x="5694505" y="1988903"/>
+          <a:ext cx="689921" cy="689921"/>
+        </a:xfrm>
+        <a:prstGeom prst="ellipse">
+          <a:avLst/>
+        </a:prstGeom>
+        <a:solidFill>
+          <a:schemeClr val="accent1">
+            <a:hueOff val="0"/>
+            <a:satOff val="0"/>
+            <a:lumOff val="0"/>
+            <a:alphaOff val="0"/>
+          </a:schemeClr>
+        </a:solidFill>
+        <a:ln w="25400" cap="flat" cmpd="sng" algn="ctr">
+          <a:solidFill>
+            <a:schemeClr val="lt1">
+              <a:hueOff val="0"/>
+              <a:satOff val="0"/>
+              <a:lumOff val="0"/>
+              <a:alphaOff val="0"/>
+            </a:schemeClr>
+          </a:solidFill>
+          <a:prstDash val="solid"/>
+        </a:ln>
+        <a:effectLst/>
+      </dsp:spPr>
+      <dsp:style>
+        <a:lnRef idx="2">
+          <a:scrgbClr r="0" g="0" b="0"/>
+        </a:lnRef>
+        <a:fillRef idx="1">
+          <a:scrgbClr r="0" g="0" b="0"/>
+        </a:fillRef>
+        <a:effectRef idx="0">
+          <a:scrgbClr r="0" g="0" b="0"/>
+        </a:effectRef>
+        <a:fontRef idx="minor">
+          <a:schemeClr val="lt1"/>
+        </a:fontRef>
+      </dsp:style>
+    </dsp:sp>
+    <dsp:sp modelId="{6918D6E4-5347-4B08-BA7C-45BB82FCEC06}">
+      <dsp:nvSpPr>
+        <dsp:cNvPr id="0" name=""/>
+        <dsp:cNvSpPr/>
+      </dsp:nvSpPr>
+      <dsp:spPr>
+        <a:xfrm>
+          <a:off x="6384426" y="1987178"/>
+          <a:ext cx="1034881" cy="689921"/>
+        </a:xfrm>
+        <a:prstGeom prst="rect">
+          <a:avLst/>
+        </a:prstGeom>
+        <a:noFill/>
+        <a:ln>
+          <a:noFill/>
+        </a:ln>
+        <a:effectLst/>
+      </dsp:spPr>
+      <dsp:style>
+        <a:lnRef idx="0">
+          <a:scrgbClr r="0" g="0" b="0"/>
+        </a:lnRef>
+        <a:fillRef idx="0">
+          <a:scrgbClr r="0" g="0" b="0"/>
+        </a:fillRef>
+        <a:effectRef idx="0">
+          <a:scrgbClr r="0" g="0" b="0"/>
+        </a:effectRef>
+        <a:fontRef idx="minor"/>
+      </dsp:style>
+      <dsp:txBody>
+        <a:bodyPr spcFirstLastPara="0" vert="horz" wrap="square" lIns="30480" tIns="30480" rIns="30480" bIns="30480" numCol="1" spcCol="1270" anchor="ctr" anchorCtr="0">
+          <a:noAutofit/>
+        </a:bodyPr>
+        <a:lstStyle/>
+        <a:p>
+          <a:pPr lvl="0" algn="l" defTabSz="355600">
+            <a:lnSpc>
+              <a:spcPct val="90000"/>
+            </a:lnSpc>
+            <a:spcBef>
+              <a:spcPct val="0"/>
+            </a:spcBef>
+            <a:spcAft>
+              <a:spcPct val="35000"/>
+            </a:spcAft>
+          </a:pPr>
+          <a:r>
+            <a:rPr lang="de-DE" sz="800" kern="1200" dirty="0" err="1" smtClean="0"/>
+            <a:t>StackPane</a:t>
+          </a:r>
+          <a:endParaRPr lang="de-DE" sz="800" kern="1200" dirty="0"/>
+        </a:p>
+      </dsp:txBody>
+      <dsp:txXfrm>
+        <a:off x="6384426" y="1987178"/>
+        <a:ext cx="1034881" cy="689921"/>
+      </dsp:txXfrm>
+    </dsp:sp>
+    <dsp:sp modelId="{E3299F8B-6D80-4512-A33A-664792C2065A}">
+      <dsp:nvSpPr>
+        <dsp:cNvPr id="0" name=""/>
+        <dsp:cNvSpPr/>
+      </dsp:nvSpPr>
+      <dsp:spPr>
+        <a:xfrm>
+          <a:off x="4745863" y="2896149"/>
+          <a:ext cx="689921" cy="689921"/>
+        </a:xfrm>
+        <a:prstGeom prst="ellipse">
+          <a:avLst/>
+        </a:prstGeom>
+        <a:solidFill>
+          <a:schemeClr val="accent1">
+            <a:hueOff val="0"/>
+            <a:satOff val="0"/>
+            <a:lumOff val="0"/>
+            <a:alphaOff val="0"/>
+          </a:schemeClr>
+        </a:solidFill>
+        <a:ln w="25400" cap="flat" cmpd="sng" algn="ctr">
+          <a:solidFill>
+            <a:schemeClr val="lt1">
+              <a:hueOff val="0"/>
+              <a:satOff val="0"/>
+              <a:lumOff val="0"/>
+              <a:alphaOff val="0"/>
+            </a:schemeClr>
+          </a:solidFill>
+          <a:prstDash val="solid"/>
+        </a:ln>
+        <a:effectLst/>
+      </dsp:spPr>
+      <dsp:style>
+        <a:lnRef idx="2">
+          <a:scrgbClr r="0" g="0" b="0"/>
+        </a:lnRef>
+        <a:fillRef idx="1">
+          <a:scrgbClr r="0" g="0" b="0"/>
+        </a:fillRef>
+        <a:effectRef idx="0">
+          <a:scrgbClr r="0" g="0" b="0"/>
+        </a:effectRef>
+        <a:fontRef idx="minor">
+          <a:schemeClr val="lt1"/>
+        </a:fontRef>
+      </dsp:style>
+    </dsp:sp>
+    <dsp:sp modelId="{ED38A2C4-3CF2-485A-BF91-BB49A91239C1}">
+      <dsp:nvSpPr>
+        <dsp:cNvPr id="0" name=""/>
+        <dsp:cNvSpPr/>
+      </dsp:nvSpPr>
+      <dsp:spPr>
+        <a:xfrm>
+          <a:off x="5435784" y="2894424"/>
+          <a:ext cx="1034881" cy="689921"/>
+        </a:xfrm>
+        <a:prstGeom prst="rect">
+          <a:avLst/>
+        </a:prstGeom>
+        <a:noFill/>
+        <a:ln>
+          <a:noFill/>
+        </a:ln>
+        <a:effectLst/>
+      </dsp:spPr>
+      <dsp:style>
+        <a:lnRef idx="0">
+          <a:scrgbClr r="0" g="0" b="0"/>
+        </a:lnRef>
+        <a:fillRef idx="0">
+          <a:scrgbClr r="0" g="0" b="0"/>
+        </a:fillRef>
+        <a:effectRef idx="0">
+          <a:scrgbClr r="0" g="0" b="0"/>
+        </a:effectRef>
+        <a:fontRef idx="minor"/>
+      </dsp:style>
+      <dsp:txBody>
+        <a:bodyPr spcFirstLastPara="0" vert="horz" wrap="square" lIns="30480" tIns="30480" rIns="30480" bIns="30480" numCol="1" spcCol="1270" anchor="ctr" anchorCtr="0">
+          <a:noAutofit/>
+        </a:bodyPr>
+        <a:lstStyle/>
+        <a:p>
+          <a:pPr lvl="0" algn="l" defTabSz="355600">
+            <a:lnSpc>
+              <a:spcPct val="90000"/>
+            </a:lnSpc>
+            <a:spcBef>
+              <a:spcPct val="0"/>
+            </a:spcBef>
+            <a:spcAft>
+              <a:spcPct val="35000"/>
+            </a:spcAft>
+          </a:pPr>
+          <a:r>
+            <a:rPr lang="de-DE" sz="800" kern="1200" dirty="0" err="1" smtClean="0"/>
+            <a:t>Rectangle</a:t>
+          </a:r>
+          <a:endParaRPr lang="de-DE" sz="800" kern="1200" dirty="0"/>
+        </a:p>
+      </dsp:txBody>
+      <dsp:txXfrm>
+        <a:off x="5435784" y="2894424"/>
+        <a:ext cx="1034881" cy="689921"/>
+      </dsp:txXfrm>
+    </dsp:sp>
+    <dsp:sp modelId="{3115B47A-8D47-4214-98F4-E133266B3F82}">
+      <dsp:nvSpPr>
+        <dsp:cNvPr id="0" name=""/>
+        <dsp:cNvSpPr/>
+      </dsp:nvSpPr>
+      <dsp:spPr>
+        <a:xfrm>
+          <a:off x="6643146" y="2896149"/>
+          <a:ext cx="689921" cy="689921"/>
+        </a:xfrm>
+        <a:prstGeom prst="ellipse">
+          <a:avLst/>
+        </a:prstGeom>
+        <a:solidFill>
+          <a:schemeClr val="accent1">
+            <a:hueOff val="0"/>
+            <a:satOff val="0"/>
+            <a:lumOff val="0"/>
+            <a:alphaOff val="0"/>
+          </a:schemeClr>
+        </a:solidFill>
+        <a:ln w="25400" cap="flat" cmpd="sng" algn="ctr">
+          <a:solidFill>
+            <a:schemeClr val="lt1">
+              <a:hueOff val="0"/>
+              <a:satOff val="0"/>
+              <a:lumOff val="0"/>
+              <a:alphaOff val="0"/>
+            </a:schemeClr>
+          </a:solidFill>
+          <a:prstDash val="solid"/>
+        </a:ln>
+        <a:effectLst/>
+      </dsp:spPr>
+      <dsp:style>
+        <a:lnRef idx="2">
+          <a:scrgbClr r="0" g="0" b="0"/>
+        </a:lnRef>
+        <a:fillRef idx="1">
+          <a:scrgbClr r="0" g="0" b="0"/>
+        </a:fillRef>
+        <a:effectRef idx="0">
+          <a:scrgbClr r="0" g="0" b="0"/>
+        </a:effectRef>
+        <a:fontRef idx="minor">
+          <a:schemeClr val="lt1"/>
+        </a:fontRef>
+      </dsp:style>
+    </dsp:sp>
+    <dsp:sp modelId="{B1F7DCE4-832A-4278-95E7-79D81EDCBC5A}">
+      <dsp:nvSpPr>
+        <dsp:cNvPr id="0" name=""/>
+        <dsp:cNvSpPr/>
+      </dsp:nvSpPr>
+      <dsp:spPr>
+        <a:xfrm>
+          <a:off x="7333067" y="2894424"/>
+          <a:ext cx="1034881" cy="689921"/>
+        </a:xfrm>
+        <a:prstGeom prst="rect">
+          <a:avLst/>
+        </a:prstGeom>
+        <a:noFill/>
+        <a:ln>
+          <a:noFill/>
+        </a:ln>
+        <a:effectLst/>
+      </dsp:spPr>
+      <dsp:style>
+        <a:lnRef idx="0">
+          <a:scrgbClr r="0" g="0" b="0"/>
+        </a:lnRef>
+        <a:fillRef idx="0">
+          <a:scrgbClr r="0" g="0" b="0"/>
+        </a:fillRef>
+        <a:effectRef idx="0">
+          <a:scrgbClr r="0" g="0" b="0"/>
+        </a:effectRef>
+        <a:fontRef idx="minor"/>
+      </dsp:style>
+      <dsp:txBody>
+        <a:bodyPr spcFirstLastPara="0" vert="horz" wrap="square" lIns="30480" tIns="30480" rIns="30480" bIns="30480" numCol="1" spcCol="1270" anchor="ctr" anchorCtr="0">
+          <a:noAutofit/>
+        </a:bodyPr>
+        <a:lstStyle/>
+        <a:p>
+          <a:pPr lvl="0" algn="l" defTabSz="355600">
+            <a:lnSpc>
+              <a:spcPct val="90000"/>
+            </a:lnSpc>
+            <a:spcBef>
+              <a:spcPct val="0"/>
+            </a:spcBef>
+            <a:spcAft>
+              <a:spcPct val="35000"/>
+            </a:spcAft>
+          </a:pPr>
+          <a:r>
+            <a:rPr lang="de-DE" sz="800" kern="1200" dirty="0" smtClean="0"/>
+            <a:t>Button</a:t>
+          </a:r>
+          <a:endParaRPr lang="de-DE" sz="800" kern="1200" dirty="0"/>
+        </a:p>
+      </dsp:txBody>
+      <dsp:txXfrm>
+        <a:off x="7333067" y="2894424"/>
+        <a:ext cx="1034881" cy="689921"/>
+      </dsp:txXfrm>
+    </dsp:sp>
+  </dsp:spTree>
+</dsp:drawing>
+</file>
+
+<file path=ppt/diagrams/layout1.xml><?xml version="1.0" encoding="utf-8"?>
+<dgm:layoutDef xmlns:dgm="http://schemas.openxmlformats.org/drawingml/2006/diagram" xmlns:a="http://schemas.openxmlformats.org/drawingml/2006/main" uniqueId="urn:microsoft.com/office/officeart/2009/layout/CirclePictureHierarchy">
+  <dgm:title val=""/>
+  <dgm:desc val=""/>
+  <dgm:catLst>
+    <dgm:cat type="hierarchy" pri="1750"/>
+    <dgm:cat type="picture" pri="23000"/>
+    <dgm:cat type="pictureconvert" pri="23000"/>
+  </dgm:catLst>
+  <dgm:sampData>
+    <dgm:dataModel>
+      <dgm:ptLst>
+        <dgm:pt modelId="0" type="doc"/>
+        <dgm:pt modelId="1">
+          <dgm:prSet phldr="1"/>
+        </dgm:pt>
+        <dgm:pt modelId="2">
+          <dgm:prSet phldr="1"/>
+        </dgm:pt>
+        <dgm:pt modelId="21">
+          <dgm:prSet phldr="1"/>
+        </dgm:pt>
+        <dgm:pt modelId="22">
+          <dgm:prSet phldr="1"/>
+        </dgm:pt>
+        <dgm:pt modelId="3">
+          <dgm:prSet phldr="1"/>
+        </dgm:pt>
+        <dgm:pt modelId="31">
+          <dgm:prSet phldr="1"/>
+        </dgm:pt>
+      </dgm:ptLst>
+      <dgm:cxnLst>
+        <dgm:cxn modelId="4" srcId="0" destId="1" srcOrd="0" destOrd="0"/>
+        <dgm:cxn modelId="5" srcId="1" destId="2" srcOrd="0" destOrd="0"/>
+        <dgm:cxn modelId="6" srcId="1" destId="3" srcOrd="1" destOrd="0"/>
+        <dgm:cxn modelId="23" srcId="2" destId="21" srcOrd="0" destOrd="0"/>
+        <dgm:cxn modelId="24" srcId="2" destId="22" srcOrd="1" destOrd="0"/>
+        <dgm:cxn modelId="33" srcId="3" destId="31" srcOrd="0" destOrd="0"/>
+      </dgm:cxnLst>
+      <dgm:bg/>
+      <dgm:whole/>
+    </dgm:dataModel>
+  </dgm:sampData>
+  <dgm:styleData>
+    <dgm:dataModel>
+      <dgm:ptLst>
+        <dgm:pt modelId="0" type="doc"/>
+        <dgm:pt modelId="1"/>
+        <dgm:pt modelId="11"/>
+        <dgm:pt modelId="12"/>
+      </dgm:ptLst>
+      <dgm:cxnLst>
+        <dgm:cxn modelId="2" srcId="0" destId="1" srcOrd="0" destOrd="0"/>
+        <dgm:cxn modelId="13" srcId="1" destId="11" srcOrd="0" destOrd="0"/>
+        <dgm:cxn modelId="14" srcId="1" destId="12" srcOrd="1" destOrd="0"/>
+      </dgm:cxnLst>
+      <dgm:bg/>
+      <dgm:whole/>
+    </dgm:dataModel>
+  </dgm:styleData>
+  <dgm:clrData>
+    <dgm:dataModel>
+      <dgm:ptLst>
+        <dgm:pt modelId="0" type="doc"/>
+        <dgm:pt modelId="1"/>
+        <dgm:pt modelId="2"/>
+        <dgm:pt modelId="21"/>
+        <dgm:pt modelId="211"/>
+        <dgm:pt modelId="3"/>
+        <dgm:pt modelId="31"/>
+        <dgm:pt modelId="311"/>
+      </dgm:ptLst>
+      <dgm:cxnLst>
+        <dgm:cxn modelId="4" srcId="0" destId="1" srcOrd="0" destOrd="0"/>
+        <dgm:cxn modelId="5" srcId="1" destId="2" srcOrd="0" destOrd="0"/>
+        <dgm:cxn modelId="6" srcId="1" destId="3" srcOrd="1" destOrd="0"/>
+        <dgm:cxn modelId="23" srcId="2" destId="21" srcOrd="0" destOrd="0"/>
+        <dgm:cxn modelId="24" srcId="21" destId="211" srcOrd="0" destOrd="0"/>
+        <dgm:cxn modelId="33" srcId="3" destId="31" srcOrd="0" destOrd="0"/>
+        <dgm:cxn modelId="34" srcId="31" destId="311" srcOrd="0" destOrd="0"/>
+      </dgm:cxnLst>
+      <dgm:bg/>
+      <dgm:whole/>
+    </dgm:dataModel>
+  </dgm:clrData>
+  <dgm:layoutNode name="hierChild1">
+    <dgm:varLst>
+      <dgm:chPref val="1"/>
+      <dgm:dir/>
+      <dgm:animOne val="branch"/>
+      <dgm:animLvl val="lvl"/>
+      <dgm:resizeHandles/>
+    </dgm:varLst>
+    <dgm:choose name="Name0">
+      <dgm:if name="Name1" func="var" arg="dir" op="equ" val="norm">
+        <dgm:alg type="hierChild">
+          <dgm:param type="linDir" val="fromL"/>
+        </dgm:alg>
+      </dgm:if>
+      <dgm:else name="Name2">
+        <dgm:alg type="hierChild">
+          <dgm:param type="linDir" val="fromR"/>
+        </dgm:alg>
+      </dgm:else>
+    </dgm:choose>
+    <dgm:shape xmlns:r="http://schemas.openxmlformats.org/officeDocument/2006/relationships" r:blip="">
+      <dgm:adjLst/>
+    </dgm:shape>
+    <dgm:presOf/>
+    <dgm:constrLst>
+      <dgm:constr type="primFontSz" for="des" ptType="node" op="equ" val="65"/>
+      <dgm:constr type="w" for="des" forName="composite" refType="w"/>
+      <dgm:constr type="h" for="des" forName="composite" refType="w" refFor="des" refForName="composite" fact="0.5"/>
+      <dgm:constr type="w" for="des" forName="composite2" refType="w" refFor="des" refForName="composite"/>
+      <dgm:constr type="h" for="des" forName="composite2" refType="h" refFor="des" refForName="composite"/>
+      <dgm:constr type="w" for="des" forName="composite3" refType="w" refFor="des" refForName="composite"/>
+      <dgm:constr type="h" for="des" forName="composite3" refType="h" refFor="des" refForName="composite"/>
+      <dgm:constr type="w" for="des" forName="composite4" refType="w" refFor="des" refForName="composite"/>
+      <dgm:constr type="h" for="des" forName="composite4" refType="h" refFor="des" refForName="composite"/>
+      <dgm:constr type="w" for="des" forName="composite5" refType="w" refFor="des" refForName="composite"/>
+      <dgm:constr type="h" for="des" forName="composite5" refType="h" refFor="des" refForName="composite"/>
+      <dgm:constr type="sibSp" refType="w" refFor="des" refForName="composite" fact="0.1"/>
+      <dgm:constr type="sibSp" for="des" forName="hierChild2" refType="sibSp"/>
+      <dgm:constr type="sibSp" for="des" forName="hierChild3" refType="sibSp"/>
+      <dgm:constr type="sibSp" for="des" forName="hierChild4" refType="sibSp"/>
+      <dgm:constr type="sibSp" for="des" forName="hierChild5" refType="sibSp"/>
+      <dgm:constr type="sibSp" for="des" forName="hierChild6" refType="sibSp"/>
+      <dgm:constr type="sp" for="des" forName="hierRoot1" refType="h" refFor="des" refForName="composite" fact="0.25"/>
+      <dgm:constr type="sp" for="des" forName="hierRoot2" refType="sp" refFor="des" refForName="hierRoot1"/>
+      <dgm:constr type="sp" for="des" forName="hierRoot3" refType="sp" refFor="des" refForName="hierRoot1"/>
+      <dgm:constr type="sp" for="des" forName="hierRoot4" refType="sp" refFor="des" refForName="hierRoot1"/>
+      <dgm:constr type="sp" for="des" forName="hierRoot5" refType="sp" refFor="des" refForName="hierRoot1"/>
+    </dgm:constrLst>
+    <dgm:ruleLst/>
+    <dgm:forEach name="Name3" axis="ch">
+      <dgm:forEach name="Name4" axis="self" ptType="node">
+        <dgm:layoutNode name="hierRoot1">
+          <dgm:alg type="hierRoot"/>
+          <dgm:shape xmlns:r="http://schemas.openxmlformats.org/officeDocument/2006/relationships" r:blip="">
+            <dgm:adjLst/>
+          </dgm:shape>
+          <dgm:presOf/>
+          <dgm:constrLst>
+            <dgm:constr type="bendDist" for="des" ptType="parTrans" refType="sp" fact="0.5"/>
+          </dgm:constrLst>
+          <dgm:ruleLst/>
+          <dgm:layoutNode name="composite">
+            <dgm:alg type="composite"/>
+            <dgm:shape xmlns:r="http://schemas.openxmlformats.org/officeDocument/2006/relationships" r:blip="">
+              <dgm:adjLst/>
+            </dgm:shape>
+            <dgm:presOf/>
+            <dgm:constrLst>
+              <dgm:constr type="h" for="ch" forName="image" refType="h" fact="0.8"/>
+              <dgm:constr type="w" for="ch" forName="image" refType="h" refFor="ch" refForName="image"/>
+              <dgm:constr type="t" for="ch" forName="image" refType="h" fact="0.1"/>
+              <dgm:constr type="l" for="ch" forName="image"/>
+              <dgm:constr type="w" for="ch" forName="text" refType="w" fact="0.6"/>
+              <dgm:constr type="h" for="ch" forName="text" refType="h" fact="0.8"/>
+              <dgm:constr type="t" for="ch" forName="text" refType="w" fact="0.04"/>
+              <dgm:constr type="l" for="ch" forName="text" refType="w" fact="0.4"/>
+            </dgm:constrLst>
+            <dgm:ruleLst/>
+            <dgm:layoutNode name="image" styleLbl="node0">
+              <dgm:alg type="sp"/>
+              <dgm:shape xmlns:r="http://schemas.openxmlformats.org/officeDocument/2006/relationships" type="ellipse" r:blip="" blipPhldr="1">
+                <dgm:adjLst/>
+              </dgm:shape>
+              <dgm:presOf/>
+              <dgm:constrLst/>
+              <dgm:ruleLst/>
+            </dgm:layoutNode>
+            <dgm:layoutNode name="text" styleLbl="revTx">
+              <dgm:varLst>
+                <dgm:chPref val="3"/>
+              </dgm:varLst>
+              <dgm:alg type="tx">
+                <dgm:param type="parTxLTRAlign" val="l"/>
+                <dgm:param type="parTxRTLAlign" val="r"/>
+              </dgm:alg>
+              <dgm:shape xmlns:r="http://schemas.openxmlformats.org/officeDocument/2006/relationships" type="rect" r:blip="">
+                <dgm:adjLst/>
+              </dgm:shape>
+              <dgm:presOf axis="self"/>
+              <dgm:constrLst>
+                <dgm:constr type="tMarg" refType="primFontSz" fact="0.3"/>
+                <dgm:constr type="bMarg" refType="primFontSz" fact="0.3"/>
+                <dgm:constr type="lMarg" refType="primFontSz" fact="0.3"/>
+                <dgm:constr type="rMarg" refType="primFontSz" fact="0.3"/>
+              </dgm:constrLst>
+              <dgm:ruleLst>
+                <dgm:rule type="primFontSz" val="5" fact="NaN" max="NaN"/>
+              </dgm:ruleLst>
+            </dgm:layoutNode>
+          </dgm:layoutNode>
+          <dgm:layoutNode name="hierChild2">
+            <dgm:choose name="Name5">
+              <dgm:if name="Name6" func="var" arg="dir" op="equ" val="norm">
+                <dgm:alg type="hierChild">
+                  <dgm:param type="linDir" val="fromL"/>
+                </dgm:alg>
+              </dgm:if>
+              <dgm:else name="Name7">
+                <dgm:alg type="hierChild">
+                  <dgm:param type="linDir" val="fromR"/>
+                </dgm:alg>
+              </dgm:else>
+            </dgm:choose>
+            <dgm:shape xmlns:r="http://schemas.openxmlformats.org/officeDocument/2006/relationships" r:blip="">
+              <dgm:adjLst/>
+            </dgm:shape>
+            <dgm:presOf/>
+            <dgm:constrLst/>
+            <dgm:ruleLst/>
+            <dgm:forEach name="Name8" axis="ch">
+              <dgm:forEach name="Name9" axis="self" ptType="parTrans" cnt="1">
+                <dgm:layoutNode name="Name10">
+                  <dgm:alg type="conn">
+                    <dgm:param type="dim" val="1D"/>
+                    <dgm:param type="endSty" val="noArr"/>
+                    <dgm:param type="connRout" val="bend"/>
+                    <dgm:param type="bendPt" val="end"/>
+                    <dgm:param type="begPts" val="bCtr"/>
+                    <dgm:param type="endPts" val="tCtr"/>
+                    <dgm:param type="srcNode" val="image"/>
+                    <dgm:param type="dstNode" val="image2"/>
+                  </dgm:alg>
+                  <dgm:shape xmlns:r="http://schemas.openxmlformats.org/officeDocument/2006/relationships" type="conn" r:blip="" zOrderOff="-999">
+                    <dgm:adjLst/>
+                  </dgm:shape>
+                  <dgm:presOf axis="self"/>
+                  <dgm:constrLst>
+                    <dgm:constr type="begPad"/>
+                    <dgm:constr type="endPad"/>
+                  </dgm:constrLst>
+                  <dgm:ruleLst/>
+                </dgm:layoutNode>
+              </dgm:forEach>
+              <dgm:forEach name="Name11" axis="self" ptType="node">
+                <dgm:layoutNode name="hierRoot2">
+                  <dgm:alg type="hierRoot"/>
+                  <dgm:shape xmlns:r="http://schemas.openxmlformats.org/officeDocument/2006/relationships" r:blip="">
+                    <dgm:adjLst/>
+                  </dgm:shape>
+                  <dgm:presOf/>
+                  <dgm:constrLst>
+                    <dgm:constr type="bendDist" for="des" ptType="parTrans" refType="sp" fact="0.5"/>
+                  </dgm:constrLst>
+                  <dgm:ruleLst/>
+                  <dgm:layoutNode name="composite2">
+                    <dgm:alg type="composite"/>
+                    <dgm:shape xmlns:r="http://schemas.openxmlformats.org/officeDocument/2006/relationships" r:blip="">
+                      <dgm:adjLst/>
+                    </dgm:shape>
+                    <dgm:presOf/>
+                    <dgm:constrLst>
+                      <dgm:constr type="h" for="ch" forName="image2" refType="h" fact="0.8"/>
+                      <dgm:constr type="w" for="ch" forName="image2" refType="h" refFor="ch" refForName="image2"/>
+                      <dgm:constr type="t" for="ch" forName="image2" refType="h" fact="0.1"/>
+                      <dgm:constr type="l" for="ch" forName="image2"/>
+                      <dgm:constr type="w" for="ch" forName="text2" refType="w" fact="0.6"/>
+                      <dgm:constr type="h" for="ch" forName="text2" refType="h" fact="0.8"/>
+                      <dgm:constr type="t" for="ch" forName="text2" refType="w" fact="0.04"/>
+                      <dgm:constr type="l" for="ch" forName="text2" refType="w" fact="0.4"/>
+                    </dgm:constrLst>
+                    <dgm:ruleLst/>
+                    <dgm:layoutNode name="image2">
+                      <dgm:alg type="sp"/>
+                      <dgm:shape xmlns:r="http://schemas.openxmlformats.org/officeDocument/2006/relationships" type="ellipse" r:blip="" blipPhldr="1">
+                        <dgm:adjLst/>
+                      </dgm:shape>
+                      <dgm:presOf/>
+                      <dgm:constrLst/>
+                      <dgm:ruleLst/>
+                    </dgm:layoutNode>
+                    <dgm:layoutNode name="text2" styleLbl="revTx">
+                      <dgm:varLst>
+                        <dgm:chPref val="3"/>
+                      </dgm:varLst>
+                      <dgm:alg type="tx">
+                        <dgm:param type="parTxLTRAlign" val="l"/>
+                        <dgm:param type="parTxRTLAlign" val="r"/>
+                      </dgm:alg>
+                      <dgm:shape xmlns:r="http://schemas.openxmlformats.org/officeDocument/2006/relationships" type="rect" r:blip="">
+                        <dgm:adjLst/>
+                      </dgm:shape>
+                      <dgm:presOf axis="self"/>
+                      <dgm:constrLst>
+                        <dgm:constr type="tMarg" refType="primFontSz" fact="0.3"/>
+                        <dgm:constr type="bMarg" refType="primFontSz" fact="0.3"/>
+                        <dgm:constr type="lMarg" refType="primFontSz" fact="0.3"/>
+                        <dgm:constr type="rMarg" refType="primFontSz" fact="0.3"/>
+                      </dgm:constrLst>
+                      <dgm:ruleLst>
+                        <dgm:rule type="primFontSz" val="5" fact="NaN" max="NaN"/>
+                      </dgm:ruleLst>
+                    </dgm:layoutNode>
+                  </dgm:layoutNode>
+                  <dgm:layoutNode name="hierChild3">
+                    <dgm:choose name="Name12">
+                      <dgm:if name="Name13" func="var" arg="dir" op="equ" val="norm">
+                        <dgm:alg type="hierChild">
+                          <dgm:param type="linDir" val="fromL"/>
+                        </dgm:alg>
+                      </dgm:if>
+                      <dgm:else name="Name14">
+                        <dgm:alg type="hierChild">
+                          <dgm:param type="linDir" val="fromR"/>
+                        </dgm:alg>
+                      </dgm:else>
+                    </dgm:choose>
+                    <dgm:shape xmlns:r="http://schemas.openxmlformats.org/officeDocument/2006/relationships" r:blip="">
+                      <dgm:adjLst/>
+                    </dgm:shape>
+                    <dgm:presOf/>
+                    <dgm:constrLst/>
+                    <dgm:ruleLst/>
+                    <dgm:forEach name="Name15" axis="ch">
+                      <dgm:forEach name="Name16" axis="self" ptType="parTrans" cnt="1">
+                        <dgm:layoutNode name="Name17">
+                          <dgm:alg type="conn">
+                            <dgm:param type="dim" val="1D"/>
+                            <dgm:param type="endSty" val="noArr"/>
+                            <dgm:param type="connRout" val="bend"/>
+                            <dgm:param type="bendPt" val="end"/>
+                            <dgm:param type="begPts" val="bCtr"/>
+                            <dgm:param type="endPts" val="tCtr"/>
+                            <dgm:param type="srcNode" val="image2"/>
+                            <dgm:param type="dstNode" val="image3"/>
+                          </dgm:alg>
+                          <dgm:shape xmlns:r="http://schemas.openxmlformats.org/officeDocument/2006/relationships" type="conn" r:blip="" zOrderOff="-999">
+                            <dgm:adjLst/>
+                          </dgm:shape>
+                          <dgm:presOf axis="self"/>
+                          <dgm:constrLst>
+                            <dgm:constr type="begPad"/>
+                            <dgm:constr type="endPad"/>
+                          </dgm:constrLst>
+                          <dgm:ruleLst/>
+                        </dgm:layoutNode>
+                      </dgm:forEach>
+                      <dgm:forEach name="Name18" axis="self" ptType="node">
+                        <dgm:layoutNode name="hierRoot3">
+                          <dgm:alg type="hierRoot"/>
+                          <dgm:shape xmlns:r="http://schemas.openxmlformats.org/officeDocument/2006/relationships" r:blip="">
+                            <dgm:adjLst/>
+                          </dgm:shape>
+                          <dgm:presOf/>
+                          <dgm:constrLst>
+                            <dgm:constr type="bendDist" for="des" ptType="parTrans" refType="sp" fact="0.5"/>
+                          </dgm:constrLst>
+                          <dgm:ruleLst/>
+                          <dgm:layoutNode name="composite3">
+                            <dgm:alg type="composite"/>
+                            <dgm:shape xmlns:r="http://schemas.openxmlformats.org/officeDocument/2006/relationships" r:blip="">
+                              <dgm:adjLst/>
+                            </dgm:shape>
+                            <dgm:presOf/>
+                            <dgm:constrLst>
+                              <dgm:constr type="h" for="ch" forName="image3" refType="h" fact="0.8"/>
+                              <dgm:constr type="w" for="ch" forName="image3" refType="h" refFor="ch" refForName="image3"/>
+                              <dgm:constr type="t" for="ch" forName="image3" refType="h" fact="0.1"/>
+                              <dgm:constr type="l" for="ch" forName="image3"/>
+                              <dgm:constr type="w" for="ch" forName="text3" refType="w" fact="0.6"/>
+                              <dgm:constr type="h" for="ch" forName="text3" refType="h" fact="0.8"/>
+                              <dgm:constr type="t" for="ch" forName="text3" refType="w" fact="0.04"/>
+                              <dgm:constr type="l" for="ch" forName="text3" refType="w" fact="0.4"/>
+                            </dgm:constrLst>
+                            <dgm:ruleLst/>
+                            <dgm:layoutNode name="image3">
+                              <dgm:alg type="sp"/>
+                              <dgm:shape xmlns:r="http://schemas.openxmlformats.org/officeDocument/2006/relationships" type="ellipse" r:blip="" blipPhldr="1">
+                                <dgm:adjLst/>
+                              </dgm:shape>
+                              <dgm:presOf/>
+                              <dgm:constrLst/>
+                              <dgm:ruleLst/>
+                            </dgm:layoutNode>
+                            <dgm:layoutNode name="text3" styleLbl="revTx">
+                              <dgm:varLst>
+                                <dgm:chPref val="3"/>
+                              </dgm:varLst>
+                              <dgm:alg type="tx">
+                                <dgm:param type="parTxLTRAlign" val="l"/>
+                                <dgm:param type="parTxRTLAlign" val="r"/>
+                              </dgm:alg>
+                              <dgm:shape xmlns:r="http://schemas.openxmlformats.org/officeDocument/2006/relationships" type="rect" r:blip="">
+                                <dgm:adjLst/>
+                              </dgm:shape>
+                              <dgm:presOf axis="self"/>
+                              <dgm:constrLst>
+                                <dgm:constr type="tMarg" refType="primFontSz" fact="0.3"/>
+                                <dgm:constr type="bMarg" refType="primFontSz" fact="0.3"/>
+                                <dgm:constr type="lMarg" refType="primFontSz" fact="0.3"/>
+                                <dgm:constr type="rMarg" refType="primFontSz" fact="0.3"/>
+                              </dgm:constrLst>
+                              <dgm:ruleLst>
+                                <dgm:rule type="primFontSz" val="5" fact="NaN" max="NaN"/>
+                              </dgm:ruleLst>
+                            </dgm:layoutNode>
+                          </dgm:layoutNode>
+                          <dgm:layoutNode name="hierChild4">
+                            <dgm:choose name="Name19">
+                              <dgm:if name="Name20" func="var" arg="dir" op="equ" val="norm">
+                                <dgm:alg type="hierChild">
+                                  <dgm:param type="linDir" val="fromL"/>
+                                </dgm:alg>
+                              </dgm:if>
+                              <dgm:else name="Name21">
+                                <dgm:alg type="hierChild">
+                                  <dgm:param type="linDir" val="fromR"/>
+                                </dgm:alg>
+                              </dgm:else>
+                            </dgm:choose>
+                            <dgm:shape xmlns:r="http://schemas.openxmlformats.org/officeDocument/2006/relationships" r:blip="">
+                              <dgm:adjLst/>
+                            </dgm:shape>
+                            <dgm:presOf/>
+                            <dgm:constrLst/>
+                            <dgm:ruleLst/>
+                            <dgm:forEach name="repeat" axis="ch">
+                              <dgm:forEach name="Name22" axis="self" ptType="parTrans" cnt="1">
+                                <dgm:layoutNode name="Name23">
+                                  <dgm:choose name="Name24">
+                                    <dgm:if name="Name25" axis="self" func="depth" op="lte" val="4">
+                                      <dgm:alg type="conn">
+                                        <dgm:param type="dim" val="1D"/>
+                                        <dgm:param type="endSty" val="noArr"/>
+                                        <dgm:param type="connRout" val="bend"/>
+                                        <dgm:param type="bendPt" val="end"/>
+                                        <dgm:param type="begPts" val="bCtr"/>
+                                        <dgm:param type="endPts" val="tCtr"/>
+                                        <dgm:param type="srcNode" val="image3"/>
+                                        <dgm:param type="dstNode" val="image4"/>
+                                      </dgm:alg>
+                                    </dgm:if>
+                                    <dgm:else name="Name26">
+                                      <dgm:alg type="conn">
+                                        <dgm:param type="dim" val="1D"/>
+                                        <dgm:param type="endSty" val="noArr"/>
+                                        <dgm:param type="connRout" val="bend"/>
+                                        <dgm:param type="bendPt" val="end"/>
+                                        <dgm:param type="begPts" val="bCtr"/>
+                                        <dgm:param type="endPts" val="tCtr"/>
+                                        <dgm:param type="srcNode" val="image4"/>
+                                        <dgm:param type="dstNode" val="image4"/>
+                                      </dgm:alg>
+                                    </dgm:else>
+                                  </dgm:choose>
+                                  <dgm:shape xmlns:r="http://schemas.openxmlformats.org/officeDocument/2006/relationships" type="conn" r:blip="" zOrderOff="-999">
+                                    <dgm:adjLst/>
+                                  </dgm:shape>
+                                  <dgm:presOf axis="self"/>
+                                  <dgm:constrLst>
+                                    <dgm:constr type="begPad"/>
+                                    <dgm:constr type="endPad"/>
+                                  </dgm:constrLst>
+                                  <dgm:ruleLst/>
+                                </dgm:layoutNode>
+                              </dgm:forEach>
+                              <dgm:forEach name="Name27" axis="self" ptType="node">
+                                <dgm:layoutNode name="hierRoot4">
+                                  <dgm:alg type="hierRoot"/>
+                                  <dgm:shape xmlns:r="http://schemas.openxmlformats.org/officeDocument/2006/relationships" r:blip="">
+                                    <dgm:adjLst/>
+                                  </dgm:shape>
+                                  <dgm:presOf/>
+                                  <dgm:constrLst>
+                                    <dgm:constr type="bendDist" for="des" ptType="parTrans" refType="sp" fact="0.5"/>
+                                  </dgm:constrLst>
+                                  <dgm:ruleLst/>
+                                  <dgm:layoutNode name="composite4">
+                                    <dgm:alg type="composite"/>
+                                    <dgm:shape xmlns:r="http://schemas.openxmlformats.org/officeDocument/2006/relationships" r:blip="">
+                                      <dgm:adjLst/>
+                                    </dgm:shape>
+                                    <dgm:presOf/>
+                                    <dgm:constrLst>
+                                      <dgm:constr type="h" for="ch" forName="image4" refType="h" fact="0.8"/>
+                                      <dgm:constr type="w" for="ch" forName="image4" refType="h" refFor="ch" refForName="image4"/>
+                                      <dgm:constr type="t" for="ch" forName="image4" refType="h" fact="0.1"/>
+                                      <dgm:constr type="l" for="ch" forName="image4"/>
+                                      <dgm:constr type="w" for="ch" forName="text4" refType="w" fact="0.6"/>
+                                      <dgm:constr type="h" for="ch" forName="text4" refType="h" fact="0.8"/>
+                                      <dgm:constr type="t" for="ch" forName="text4" refType="w" fact="0.04"/>
+                                      <dgm:constr type="l" for="ch" forName="text4" refType="w" fact="0.4"/>
+                                    </dgm:constrLst>
+                                    <dgm:ruleLst/>
+                                    <dgm:layoutNode name="image4">
+                                      <dgm:alg type="sp"/>
+                                      <dgm:shape xmlns:r="http://schemas.openxmlformats.org/officeDocument/2006/relationships" type="ellipse" r:blip="" blipPhldr="1">
+                                        <dgm:adjLst/>
+                                      </dgm:shape>
+                                      <dgm:presOf/>
+                                      <dgm:constrLst/>
+                                      <dgm:ruleLst/>
+                                    </dgm:layoutNode>
+                                    <dgm:layoutNode name="text4" styleLbl="revTx">
+                                      <dgm:varLst>
+                                        <dgm:chPref val="3"/>
+                                      </dgm:varLst>
+                                      <dgm:alg type="tx">
+                                        <dgm:param type="parTxLTRAlign" val="l"/>
+                                        <dgm:param type="parTxRTLAlign" val="r"/>
+                                      </dgm:alg>
+                                      <dgm:shape xmlns:r="http://schemas.openxmlformats.org/officeDocument/2006/relationships" type="rect" r:blip="">
+                                        <dgm:adjLst/>
+                                      </dgm:shape>
+                                      <dgm:presOf axis="self"/>
+                                      <dgm:constrLst>
+                                        <dgm:constr type="tMarg" refType="primFontSz" fact="0.3"/>
+                                        <dgm:constr type="bMarg" refType="primFontSz" fact="0.3"/>
+                                        <dgm:constr type="lMarg" refType="primFontSz" fact="0.3"/>
+                                        <dgm:constr type="rMarg" refType="primFontSz" fact="0.3"/>
+                                      </dgm:constrLst>
+                                      <dgm:ruleLst>
+                                        <dgm:rule type="primFontSz" val="5" fact="NaN" max="NaN"/>
+                                      </dgm:ruleLst>
+                                    </dgm:layoutNode>
+                                  </dgm:layoutNode>
+                                  <dgm:layoutNode name="hierChild5">
+                                    <dgm:choose name="Name28">
+                                      <dgm:if name="Name29" func="var" arg="dir" op="equ" val="norm">
+                                        <dgm:alg type="hierChild">
+                                          <dgm:param type="linDir" val="fromL"/>
+                                        </dgm:alg>
+                                      </dgm:if>
+                                      <dgm:else name="Name30">
+                                        <dgm:alg type="hierChild">
+                                          <dgm:param type="linDir" val="fromR"/>
+                                        </dgm:alg>
+                                      </dgm:else>
+                                    </dgm:choose>
+                                    <dgm:shape xmlns:r="http://schemas.openxmlformats.org/officeDocument/2006/relationships" r:blip="">
+                                      <dgm:adjLst/>
+                                    </dgm:shape>
+                                    <dgm:presOf/>
+                                    <dgm:constrLst/>
+                                    <dgm:ruleLst/>
+                                    <dgm:forEach name="Name31" ref="repeat"/>
+                                  </dgm:layoutNode>
+                                </dgm:layoutNode>
+                              </dgm:forEach>
+                            </dgm:forEach>
+                          </dgm:layoutNode>
+                        </dgm:layoutNode>
+                      </dgm:forEach>
+                    </dgm:forEach>
+                  </dgm:layoutNode>
+                </dgm:layoutNode>
+              </dgm:forEach>
+            </dgm:forEach>
+          </dgm:layoutNode>
+        </dgm:layoutNode>
+      </dgm:forEach>
+    </dgm:forEach>
+  </dgm:layoutNode>
+</dgm:layoutDef>
+</file>
+
+<file path=ppt/diagrams/quickStyle1.xml><?xml version="1.0" encoding="utf-8"?>
+<dgm:styleDef xmlns:dgm="http://schemas.openxmlformats.org/drawingml/2006/diagram" xmlns:a="http://schemas.openxmlformats.org/drawingml/2006/main" uniqueId="urn:microsoft.com/office/officeart/2005/8/quickstyle/simple1">
+  <dgm:title val=""/>
+  <dgm:desc val=""/>
+  <dgm:catLst>
+    <dgm:cat type="simple" pri="10100"/>
+  </dgm:catLst>
+  <dgm:scene3d>
+    <a:camera prst="orthographicFront"/>
+    <a:lightRig rig="threePt" dir="t"/>
+  </dgm:scene3d>
+  <dgm:styleLbl name="node0">
+    <dgm:scene3d>
+      <a:camera prst="orthographicFront"/>
+      <a:lightRig rig="threePt" dir="t"/>
+    </dgm:scene3d>
+    <dgm:sp3d/>
+    <dgm:txPr/>
+    <dgm:style>
+      <a:lnRef idx="2">
+        <a:scrgbClr r="0" g="0" b="0"/>
+      </a:lnRef>
+      <a:fillRef idx="1">
+        <a:scrgbClr r="0" g="0" b="0"/>
+      </a:fillRef>
+      <a:effectRef idx="0">
+        <a:scrgbClr r="0" g="0" b="0"/>
+      </a:effectRef>
+      <a:fontRef idx="minor">
+        <a:schemeClr val="lt1"/>
+      </a:fontRef>
+    </dgm:style>
+  </dgm:styleLbl>
+  <dgm:styleLbl name="lnNode1">
+    <dgm:scene3d>
+      <a:camera prst="orthographicFront"/>
+      <a:lightRig rig="threePt" dir="t"/>
+    </dgm:scene3d>
+    <dgm:sp3d/>
+    <dgm:txPr/>
+    <dgm:style>
+      <a:lnRef idx="2">
+        <a:scrgbClr r="0" g="0" b="0"/>
+      </a:lnRef>
+      <a:fillRef idx="1">
+        <a:scrgbClr r="0" g="0" b="0"/>
+      </a:fillRef>
+      <a:effectRef idx="0">
+        <a:scrgbClr r="0" g="0" b="0"/>
+      </a:effectRef>
+      <a:fontRef idx="minor">
+        <a:schemeClr val="lt1"/>
+      </a:fontRef>
+    </dgm:style>
+  </dgm:styleLbl>
+  <dgm:styleLbl name="vennNode1">
+    <dgm:scene3d>
+      <a:camera prst="orthographicFront"/>
+      <a:lightRig rig="threePt" dir="t"/>
+    </dgm:scene3d>
+    <dgm:sp3d/>
+    <dgm:txPr/>
+    <dgm:style>
+      <a:lnRef idx="2">
+        <a:scrgbClr r="0" g="0" b="0"/>
+      </a:lnRef>
+      <a:fillRef idx="1">
+        <a:scrgbClr r="0" g="0" b="0"/>
+      </a:fillRef>
+      <a:effectRef idx="0">
+        <a:scrgbClr r="0" g="0" b="0"/>
+      </a:effectRef>
+      <a:fontRef idx="minor">
+        <a:schemeClr val="tx1"/>
+      </a:fontRef>
+    </dgm:style>
+  </dgm:styleLbl>
+  <dgm:styleLbl name="alignNode1">
+    <dgm:scene3d>
+      <a:camera prst="orthographicFront"/>
+      <a:lightRig rig="threePt" dir="t"/>
+    </dgm:scene3d>
+    <dgm:sp3d/>
+    <dgm:txPr/>
+    <dgm:style>
+      <a:lnRef idx="2">
+        <a:scrgbClr r="0" g="0" b="0"/>
+      </a:lnRef>
+      <a:fillRef idx="1">
+        <a:scrgbClr r="0" g="0" b="0"/>
+      </a:fillRef>
+      <a:effectRef idx="0">
+        <a:scrgbClr r="0" g="0" b="0"/>
+      </a:effectRef>
+      <a:fontRef idx="minor">
+        <a:schemeClr val="lt1"/>
+      </a:fontRef>
+    </dgm:style>
+  </dgm:styleLbl>
+  <dgm:styleLbl name="node1">
+    <dgm:scene3d>
+      <a:camera prst="orthographicFront"/>
+      <a:lightRig rig="threePt" dir="t"/>
+    </dgm:scene3d>
+    <dgm:sp3d/>
+    <dgm:txPr/>
+    <dgm:style>
+      <a:lnRef idx="2">
+        <a:scrgbClr r="0" g="0" b="0"/>
+      </a:lnRef>
+      <a:fillRef idx="1">
+        <a:scrgbClr r="0" g="0" b="0"/>
+      </a:fillRef>
+      <a:effectRef idx="0">
+        <a:scrgbClr r="0" g="0" b="0"/>
+      </a:effectRef>
+      <a:fontRef idx="minor">
+        <a:schemeClr val="lt1"/>
+      </a:fontRef>
+    </dgm:style>
+  </dgm:styleLbl>
+  <dgm:styleLbl name="node2">
+    <dgm:scene3d>
+      <a:camera prst="orthographicFront"/>
+      <a:lightRig rig="threePt" dir="t"/>
+    </dgm:scene3d>
+    <dgm:sp3d/>
+    <dgm:txPr/>
+    <dgm:style>
+      <a:lnRef idx="2">
+        <a:scrgbClr r="0" g="0" b="0"/>
+      </a:lnRef>
+      <a:fillRef idx="1">
+        <a:scrgbClr r="0" g="0" b="0"/>
+      </a:fillRef>
+      <a:effectRef idx="0">
+        <a:scrgbClr r="0" g="0" b="0"/>
+      </a:effectRef>
+      <a:fontRef idx="minor">
+        <a:schemeClr val="lt1"/>
+      </a:fontRef>
+    </dgm:style>
+  </dgm:styleLbl>
+  <dgm:styleLbl name="node3">
+    <dgm:scene3d>
+      <a:camera prst="orthographicFront"/>
+      <a:lightRig rig="threePt" dir="t"/>
+    </dgm:scene3d>
+    <dgm:sp3d/>
+    <dgm:txPr/>
+    <dgm:style>
+      <a:lnRef idx="2">
+        <a:scrgbClr r="0" g="0" b="0"/>
+      </a:lnRef>
+      <a:fillRef idx="1">
+        <a:scrgbClr r="0" g="0" b="0"/>
+      </a:fillRef>
+      <a:effectRef idx="0">
+        <a:scrgbClr r="0" g="0" b="0"/>
+      </a:effectRef>
+      <a:fontRef idx="minor">
+        <a:schemeClr val="lt1"/>
+      </a:fontRef>
+    </dgm:style>
+  </dgm:styleLbl>
+  <dgm:styleLbl name="node4">
+    <dgm:scene3d>
+      <a:camera prst="orthographicFront"/>
+      <a:lightRig rig="threePt" dir="t"/>
+    </dgm:scene3d>
+    <dgm:sp3d/>
+    <dgm:txPr/>
+    <dgm:style>
+      <a:lnRef idx="2">
+        <a:scrgbClr r="0" g="0" b="0"/>
+      </a:lnRef>
+      <a:fillRef idx="1">
+        <a:scrgbClr r="0" g="0" b="0"/>
+      </a:fillRef>
+      <a:effectRef idx="0">
+        <a:scrgbClr r="0" g="0" b="0"/>
+      </a:effectRef>
+      <a:fontRef idx="minor">
+        <a:schemeClr val="lt1"/>
+      </a:fontRef>
+    </dgm:style>
+  </dgm:styleLbl>
+  <dgm:styleLbl name="fgImgPlace1">
+    <dgm:scene3d>
+      <a:camera prst="orthographicFront"/>
+      <a:lightRig rig="threePt" dir="t"/>
+    </dgm:scene3d>
+    <dgm:sp3d/>
+    <dgm:txPr/>
+    <dgm:style>
+      <a:lnRef idx="2">
+        <a:scrgbClr r="0" g="0" b="0"/>
+      </a:lnRef>
+      <a:fillRef idx="1">
+        <a:scrgbClr r="0" g="0" b="0"/>
+      </a:fillRef>
+      <a:effectRef idx="0">
+        <a:scrgbClr r="0" g="0" b="0"/>
+      </a:effectRef>
+      <a:fontRef idx="minor"/>
+    </dgm:style>
+  </dgm:styleLbl>
+  <dgm:styleLbl name="alignImgPlace1">
+    <dgm:scene3d>
+      <a:camera prst="orthographicFront"/>
+      <a:lightRig rig="threePt" dir="t"/>
+    </dgm:scene3d>
+    <dgm:sp3d/>
+    <dgm:txPr/>
+    <dgm:style>
+      <a:lnRef idx="2">
+        <a:scrgbClr r="0" g="0" b="0"/>
+      </a:lnRef>
+      <a:fillRef idx="1">
+        <a:scrgbClr r="0" g="0" b="0"/>
+      </a:fillRef>
+      <a:effectRef idx="0">
+        <a:scrgbClr r="0" g="0" b="0"/>
+      </a:effectRef>
+      <a:fontRef idx="minor"/>
+    </dgm:style>
+  </dgm:styleLbl>
+  <dgm:styleLbl name="bgImgPlace1">
+    <dgm:scene3d>
+      <a:camera prst="orthographicFront"/>
+      <a:lightRig rig="threePt" dir="t"/>
+    </dgm:scene3d>
+    <dgm:sp3d/>
+    <dgm:txPr/>
+    <dgm:style>
+      <a:lnRef idx="2">
+        <a:scrgbClr r="0" g="0" b="0"/>
+      </a:lnRef>
+      <a:fillRef idx="1">
+        <a:scrgbClr r="0" g="0" b="0"/>
+      </a:fillRef>
+      <a:effectRef idx="0">
+        <a:scrgbClr r="0" g="0" b="0"/>
+      </a:effectRef>
+      <a:fontRef idx="minor"/>
+    </dgm:style>
+  </dgm:styleLbl>
+  <dgm:styleLbl name="sibTrans2D1">
+    <dgm:scene3d>
+      <a:camera prst="orthographicFront"/>
+      <a:lightRig rig="threePt" dir="t"/>
+    </dgm:scene3d>
+    <dgm:sp3d/>
+    <dgm:txPr/>
+    <dgm:style>
+      <a:lnRef idx="0">
+        <a:scrgbClr r="0" g="0" b="0"/>
+      </a:lnRef>
+      <a:fillRef idx="1">
+        <a:scrgbClr r="0" g="0" b="0"/>
+      </a:fillRef>
+      <a:effectRef idx="0">
+        <a:scrgbClr r="0" g="0" b="0"/>
+      </a:effectRef>
+      <a:fontRef idx="minor">
+        <a:schemeClr val="lt1"/>
+      </a:fontRef>
+    </dgm:style>
+  </dgm:styleLbl>
+  <dgm:styleLbl name="fgSibTrans2D1">
+    <dgm:scene3d>
+      <a:camera prst="orthographicFront"/>
+      <a:lightRig rig="threePt" dir="t"/>
+    </dgm:scene3d>
+    <dgm:sp3d/>
+    <dgm:txPr/>
+    <dgm:style>
+      <a:lnRef idx="0">
+        <a:scrgbClr r="0" g="0" b="0"/>
+      </a:lnRef>
+      <a:fillRef idx="1">
+        <a:scrgbClr r="0" g="0" b="0"/>
+      </a:fillRef>
+      <a:effectRef idx="0">
+        <a:scrgbClr r="0" g="0" b="0"/>
+      </a:effectRef>
+      <a:fontRef idx="minor">
+        <a:schemeClr val="lt1"/>
+      </a:fontRef>
+    </dgm:style>
+  </dgm:styleLbl>
+  <dgm:styleLbl name="bgSibTrans2D1">
+    <dgm:scene3d>
+      <a:camera prst="orthographicFront"/>
+      <a:lightRig rig="threePt" dir="t"/>
+    </dgm:scene3d>
+    <dgm:sp3d/>
+    <dgm:txPr/>
+    <dgm:style>
+      <a:lnRef idx="0">
+        <a:scrgbClr r="0" g="0" b="0"/>
+      </a:lnRef>
+      <a:fillRef idx="1">
+        <a:scrgbClr r="0" g="0" b="0"/>
+      </a:fillRef>
+      <a:effectRef idx="0">
+        <a:scrgbClr r="0" g="0" b="0"/>
+      </a:effectRef>
+      <a:fontRef idx="minor">
+        <a:schemeClr val="lt1"/>
+      </a:fontRef>
+    </dgm:style>
+  </dgm:styleLbl>
+  <dgm:styleLbl name="sibTrans1D1">
+    <dgm:scene3d>
+      <a:camera prst="orthographicFront"/>
+      <a:lightRig rig="threePt" dir="t"/>
+    </dgm:scene3d>
+    <dgm:sp3d/>
+    <dgm:txPr/>
+    <dgm:style>
+      <a:lnRef idx="1">
+        <a:scrgbClr r="0" g="0" b="0"/>
+      </a:lnRef>
+      <a:fillRef idx="0">
+        <a:scrgbClr r="0" g="0" b="0"/>
+      </a:fillRef>
+      <a:effectRef idx="0">
+        <a:scrgbClr r="0" g="0" b="0"/>
+      </a:effectRef>
+      <a:fontRef idx="minor"/>
+    </dgm:style>
+  </dgm:styleLbl>
+  <dgm:styleLbl name="callout">
+    <dgm:scene3d>
+      <a:camera prst="orthographicFront"/>
+      <a:lightRig rig="threePt" dir="t"/>
+    </dgm:scene3d>
+    <dgm:sp3d/>
+    <dgm:txPr/>
+    <dgm:style>
+      <a:lnRef idx="2">
+        <a:scrgbClr r="0" g="0" b="0"/>
+      </a:lnRef>
+      <a:fillRef idx="1">
+        <a:scrgbClr r="0" g="0" b="0"/>
+      </a:fillRef>
+      <a:effectRef idx="0">
+        <a:scrgbClr r="0" g="0" b="0"/>
+      </a:effectRef>
+      <a:fontRef idx="minor"/>
+    </dgm:style>
+  </dgm:styleLbl>
+  <dgm:styleLbl name="asst0">
+    <dgm:scene3d>
+      <a:camera prst="orthographicFront"/>
+      <a:lightRig rig="threePt" dir="t"/>
+    </dgm:scene3d>
+    <dgm:sp3d/>
+    <dgm:txPr/>
+    <dgm:style>
+      <a:lnRef idx="2">
+        <a:scrgbClr r="0" g="0" b="0"/>
+      </a:lnRef>
+      <a:fillRef idx="1">
+        <a:scrgbClr r="0" g="0" b="0"/>
+      </a:fillRef>
+      <a:effectRef idx="0">
+        <a:scrgbClr r="0" g="0" b="0"/>
+      </a:effectRef>
+      <a:fontRef idx="minor">
+        <a:schemeClr val="lt1"/>
+      </a:fontRef>
+    </dgm:style>
+  </dgm:styleLbl>
+  <dgm:styleLbl name="asst1">
+    <dgm:scene3d>
+      <a:camera prst="orthographicFront"/>
+      <a:lightRig rig="threePt" dir="t"/>
+    </dgm:scene3d>
+    <dgm:sp3d/>
+    <dgm:txPr/>
+    <dgm:style>
+      <a:lnRef idx="2">
+        <a:scrgbClr r="0" g="0" b="0"/>
+      </a:lnRef>
+      <a:fillRef idx="1">
+        <a:scrgbClr r="0" g="0" b="0"/>
+      </a:fillRef>
+      <a:effectRef idx="0">
+        <a:scrgbClr r="0" g="0" b="0"/>
+      </a:effectRef>
+      <a:fontRef idx="minor">
+        <a:schemeClr val="lt1"/>
+      </a:fontRef>
+    </dgm:style>
+  </dgm:styleLbl>
+  <dgm:styleLbl name="asst2">
+    <dgm:scene3d>
+      <a:camera prst="orthographicFront"/>
+      <a:lightRig rig="threePt" dir="t"/>
+    </dgm:scene3d>
+    <dgm:sp3d/>
+    <dgm:txPr/>
+    <dgm:style>
+      <a:lnRef idx="2">
+        <a:scrgbClr r="0" g="0" b="0"/>
+      </a:lnRef>
+      <a:fillRef idx="1">
+        <a:scrgbClr r="0" g="0" b="0"/>
+      </a:fillRef>
+      <a:effectRef idx="0">
+        <a:scrgbClr r="0" g="0" b="0"/>
+      </a:effectRef>
+      <a:fontRef idx="minor">
+        <a:schemeClr val="lt1"/>
+      </a:fontRef>
+    </dgm:style>
+  </dgm:styleLbl>
+  <dgm:styleLbl name="asst3">
+    <dgm:scene3d>
+      <a:camera prst="orthographicFront"/>
+      <a:lightRig rig="threePt" dir="t"/>
+    </dgm:scene3d>
+    <dgm:sp3d/>
+    <dgm:txPr/>
+    <dgm:style>
+      <a:lnRef idx="2">
+        <a:scrgbClr r="0" g="0" b="0"/>
+      </a:lnRef>
+      <a:fillRef idx="1">
+        <a:scrgbClr r="0" g="0" b="0"/>
+      </a:fillRef>
+      <a:effectRef idx="0">
+        <a:scrgbClr r="0" g="0" b="0"/>
+      </a:effectRef>
+      <a:fontRef idx="minor">
+        <a:schemeClr val="lt1"/>
+      </a:fontRef>
+    </dgm:style>
+  </dgm:styleLbl>
+  <dgm:styleLbl name="asst4">
+    <dgm:scene3d>
+      <a:camera prst="orthographicFront"/>
+      <a:lightRig rig="threePt" dir="t"/>
+    </dgm:scene3d>
+    <dgm:sp3d/>
+    <dgm:txPr/>
+    <dgm:style>
+      <a:lnRef idx="2">
+        <a:scrgbClr r="0" g="0" b="0"/>
+      </a:lnRef>
+      <a:fillRef idx="1">
+        <a:scrgbClr r="0" g="0" b="0"/>
+      </a:fillRef>
+      <a:effectRef idx="0">
+        <a:scrgbClr r="0" g="0" b="0"/>
+      </a:effectRef>
+      <a:fontRef idx="minor">
+        <a:schemeClr val="lt1"/>
+      </a:fontRef>
+    </dgm:style>
+  </dgm:styleLbl>
+  <dgm:styleLbl name="parChTrans2D1">
+    <dgm:scene3d>
+      <a:camera prst="orthographicFront"/>
+      <a:lightRig rig="threePt" dir="t"/>
+    </dgm:scene3d>
+    <dgm:sp3d/>
+    <dgm:txPr/>
+    <dgm:style>
+      <a:lnRef idx="2">
+        <a:scrgbClr r="0" g="0" b="0"/>
+      </a:lnRef>
+      <a:fillRef idx="1">
+        <a:scrgbClr r="0" g="0" b="0"/>
+      </a:fillRef>
+      <a:effectRef idx="0">
+        <a:scrgbClr r="0" g="0" b="0"/>
+      </a:effectRef>
+      <a:fontRef idx="minor">
+        <a:schemeClr val="lt1"/>
+      </a:fontRef>
+    </dgm:style>
+  </dgm:styleLbl>
+  <dgm:styleLbl name="parChTrans2D2">
+    <dgm:scene3d>
+      <a:camera prst="orthographicFront"/>
+      <a:lightRig rig="threePt" dir="t"/>
+    </dgm:scene3d>
+    <dgm:sp3d/>
+    <dgm:txPr/>
+    <dgm:style>
+      <a:lnRef idx="2">
+        <a:scrgbClr r="0" g="0" b="0"/>
+      </a:lnRef>
+      <a:fillRef idx="1">
+        <a:scrgbClr r="0" g="0" b="0"/>
+      </a:fillRef>
+      <a:effectRef idx="0">
+        <a:scrgbClr r="0" g="0" b="0"/>
+      </a:effectRef>
+      <a:fontRef idx="minor">
+        <a:schemeClr val="lt1"/>
+      </a:fontRef>
+    </dgm:style>
+  </dgm:styleLbl>
+  <dgm:styleLbl name="parChTrans2D3">
+    <dgm:scene3d>
+      <a:camera prst="orthographicFront"/>
+      <a:lightRig rig="threePt" dir="t"/>
+    </dgm:scene3d>
+    <dgm:sp3d/>
+    <dgm:txPr/>
+    <dgm:style>
+      <a:lnRef idx="2">
+        <a:scrgbClr r="0" g="0" b="0"/>
+      </a:lnRef>
+      <a:fillRef idx="1">
+        <a:scrgbClr r="0" g="0" b="0"/>
+      </a:fillRef>
+      <a:effectRef idx="0">
+        <a:scrgbClr r="0" g="0" b="0"/>
+      </a:effectRef>
+      <a:fontRef idx="minor">
+        <a:schemeClr val="lt1"/>
+      </a:fontRef>
+    </dgm:style>
+  </dgm:styleLbl>
+  <dgm:styleLbl name="parChTrans2D4">
+    <dgm:scene3d>
+      <a:camera prst="orthographicFront"/>
+      <a:lightRig rig="threePt" dir="t"/>
+    </dgm:scene3d>
+    <dgm:sp3d/>
+    <dgm:txPr/>
+    <dgm:style>
+      <a:lnRef idx="2">
+        <a:scrgbClr r="0" g="0" b="0"/>
+      </a:lnRef>
+      <a:fillRef idx="1">
+        <a:scrgbClr r="0" g="0" b="0"/>
+      </a:fillRef>
+      <a:effectRef idx="0">
+        <a:scrgbClr r="0" g="0" b="0"/>
+      </a:effectRef>
+      <a:fontRef idx="minor">
+        <a:schemeClr val="lt1"/>
+      </a:fontRef>
+    </dgm:style>
+  </dgm:styleLbl>
+  <dgm:styleLbl name="parChTrans1D1">
+    <dgm:scene3d>
+      <a:camera prst="orthographicFront"/>
+      <a:lightRig rig="threePt" dir="t"/>
+    </dgm:scene3d>
+    <dgm:sp3d/>
+    <dgm:txPr/>
+    <dgm:style>
+      <a:lnRef idx="2">
+        <a:scrgbClr r="0" g="0" b="0"/>
+      </a:lnRef>
+      <a:fillRef idx="0">
+        <a:scrgbClr r="0" g="0" b="0"/>
+      </a:fillRef>
+      <a:effectRef idx="0">
+        <a:scrgbClr r="0" g="0" b="0"/>
+      </a:effectRef>
+      <a:fontRef idx="minor"/>
+    </dgm:style>
+  </dgm:styleLbl>
+  <dgm:styleLbl name="parChTrans1D2">
+    <dgm:scene3d>
+      <a:camera prst="orthographicFront"/>
+      <a:lightRig rig="threePt" dir="t"/>
+    </dgm:scene3d>
+    <dgm:sp3d/>
+    <dgm:txPr/>
+    <dgm:style>
+      <a:lnRef idx="2">
+        <a:scrgbClr r="0" g="0" b="0"/>
+      </a:lnRef>
+      <a:fillRef idx="0">
+        <a:scrgbClr r="0" g="0" b="0"/>
+      </a:fillRef>
+      <a:effectRef idx="0">
+        <a:scrgbClr r="0" g="0" b="0"/>
+      </a:effectRef>
+      <a:fontRef idx="minor"/>
+    </dgm:style>
+  </dgm:styleLbl>
+  <dgm:styleLbl name="parChTrans1D3">
+    <dgm:scene3d>
+      <a:camera prst="orthographicFront"/>
+      <a:lightRig rig="threePt" dir="t"/>
+    </dgm:scene3d>
+    <dgm:sp3d/>
+    <dgm:txPr/>
+    <dgm:style>
+      <a:lnRef idx="2">
+        <a:scrgbClr r="0" g="0" b="0"/>
+      </a:lnRef>
+      <a:fillRef idx="0">
+        <a:scrgbClr r="0" g="0" b="0"/>
+      </a:fillRef>
+      <a:effectRef idx="0">
+        <a:scrgbClr r="0" g="0" b="0"/>
+      </a:effectRef>
+      <a:fontRef idx="minor"/>
+    </dgm:style>
+  </dgm:styleLbl>
+  <dgm:styleLbl name="parChTrans1D4">
+    <dgm:scene3d>
+      <a:camera prst="orthographicFront"/>
+      <a:lightRig rig="threePt" dir="t"/>
+    </dgm:scene3d>
+    <dgm:sp3d/>
+    <dgm:txPr/>
+    <dgm:style>
+      <a:lnRef idx="2">
+        <a:scrgbClr r="0" g="0" b="0"/>
+      </a:lnRef>
+      <a:fillRef idx="0">
+        <a:scrgbClr r="0" g="0" b="0"/>
+      </a:fillRef>
+      <a:effectRef idx="0">
+        <a:scrgbClr r="0" g="0" b="0"/>
+      </a:effectRef>
+      <a:fontRef idx="minor"/>
+    </dgm:style>
+  </dgm:styleLbl>
+  <dgm:styleLbl name="fgAcc1">
+    <dgm:scene3d>
+      <a:camera prst="orthographicFront"/>
+      <a:lightRig rig="threePt" dir="t"/>
+    </dgm:scene3d>
+    <dgm:sp3d/>
+    <dgm:txPr/>
+    <dgm:style>
+      <a:lnRef idx="2">
+        <a:scrgbClr r="0" g="0" b="0"/>
+      </a:lnRef>
+      <a:fillRef idx="1">
+        <a:scrgbClr r="0" g="0" b="0"/>
+      </a:fillRef>
+      <a:effectRef idx="0">
+        <a:scrgbClr r="0" g="0" b="0"/>
+      </a:effectRef>
+      <a:fontRef idx="minor"/>
+    </dgm:style>
+  </dgm:styleLbl>
+  <dgm:styleLbl name="conFgAcc1">
+    <dgm:scene3d>
+      <a:camera prst="orthographicFront"/>
+      <a:lightRig rig="threePt" dir="t"/>
+    </dgm:scene3d>
+    <dgm:sp3d/>
+    <dgm:txPr/>
+    <dgm:style>
+      <a:lnRef idx="2">
+        <a:scrgbClr r="0" g="0" b="0"/>
+      </a:lnRef>
+      <a:fillRef idx="1">
+        <a:scrgbClr r="0" g="0" b="0"/>
+      </a:fillRef>
+      <a:effectRef idx="0">
+        <a:scrgbClr r="0" g="0" b="0"/>
+      </a:effectRef>
+      <a:fontRef idx="minor"/>
+    </dgm:style>
+  </dgm:styleLbl>
+  <dgm:styleLbl name="alignAcc1">
+    <dgm:scene3d>
+      <a:camera prst="orthographicFront"/>
+      <a:lightRig rig="threePt" dir="t"/>
+    </dgm:scene3d>
+    <dgm:sp3d/>
+    <dgm:txPr/>
+    <dgm:style>
+      <a:lnRef idx="2">
+        <a:scrgbClr r="0" g="0" b="0"/>
+      </a:lnRef>
+      <a:fillRef idx="1">
+        <a:scrgbClr r="0" g="0" b="0"/>
+      </a:fillRef>
+      <a:effectRef idx="0">
+        <a:scrgbClr r="0" g="0" b="0"/>
+      </a:effectRef>
+      <a:fontRef idx="minor"/>
+    </dgm:style>
+  </dgm:styleLbl>
+  <dgm:styleLbl name="trAlignAcc1">
+    <dgm:scene3d>
+      <a:camera prst="orthographicFront"/>
+      <a:lightRig rig="threePt" dir="t"/>
+    </dgm:scene3d>
+    <dgm:sp3d/>
+    <dgm:txPr/>
+    <dgm:style>
+      <a:lnRef idx="1">
+        <a:scrgbClr r="0" g="0" b="0"/>
+      </a:lnRef>
+      <a:fillRef idx="1">
+        <a:scrgbClr r="0" g="0" b="0"/>
+      </a:fillRef>
+      <a:effectRef idx="0">
+        <a:scrgbClr r="0" g="0" b="0"/>
+      </a:effectRef>
+      <a:fontRef idx="minor"/>
+    </dgm:style>
+  </dgm:styleLbl>
+  <dgm:styleLbl name="bgAcc1">
+    <dgm:scene3d>
+      <a:camera prst="orthographicFront"/>
+      <a:lightRig rig="threePt" dir="t"/>
+    </dgm:scene3d>
+    <dgm:sp3d/>
+    <dgm:txPr/>
+    <dgm:style>
+      <a:lnRef idx="2">
+        <a:scrgbClr r="0" g="0" b="0"/>
+      </a:lnRef>
+      <a:fillRef idx="1">
+        <a:scrgbClr r="0" g="0" b="0"/>
+      </a:fillRef>
+      <a:effectRef idx="0">
+        <a:scrgbClr r="0" g="0" b="0"/>
+      </a:effectRef>
+      <a:fontRef idx="minor"/>
+    </dgm:style>
+  </dgm:styleLbl>
+  <dgm:styleLbl name="solidFgAcc1">
+    <dgm:scene3d>
+      <a:camera prst="orthographicFront"/>
+      <a:lightRig rig="threePt" dir="t"/>
+    </dgm:scene3d>
+    <dgm:sp3d/>
+    <dgm:txPr/>
+    <dgm:style>
+      <a:lnRef idx="2">
+        <a:scrgbClr r="0" g="0" b="0"/>
+      </a:lnRef>
+      <a:fillRef idx="1">
+        <a:scrgbClr r="0" g="0" b="0"/>
+      </a:fillRef>
+      <a:effectRef idx="0">
+        <a:scrgbClr r="0" g="0" b="0"/>
+      </a:effectRef>
+      <a:fontRef idx="minor"/>
+    </dgm:style>
+  </dgm:styleLbl>
+  <dgm:styleLbl name="solidAlignAcc1">
+    <dgm:scene3d>
+      <a:camera prst="orthographicFront"/>
+      <a:lightRig rig="threePt" dir="t"/>
+    </dgm:scene3d>
+    <dgm:sp3d/>
+    <dgm:txPr/>
+    <dgm:style>
+      <a:lnRef idx="2">
+        <a:scrgbClr r="0" g="0" b="0"/>
+      </a:lnRef>
+      <a:fillRef idx="1">
+        <a:scrgbClr r="0" g="0" b="0"/>
+      </a:fillRef>
+      <a:effectRef idx="0">
+        <a:scrgbClr r="0" g="0" b="0"/>
+      </a:effectRef>
+      <a:fontRef idx="minor"/>
+    </dgm:style>
+  </dgm:styleLbl>
+  <dgm:styleLbl name="solidBgAcc1">
+    <dgm:scene3d>
+      <a:camera prst="orthographicFront"/>
+      <a:lightRig rig="threePt" dir="t"/>
+    </dgm:scene3d>
+    <dgm:sp3d/>
+    <dgm:txPr/>
+    <dgm:style>
+      <a:lnRef idx="2">
+        <a:scrgbClr r="0" g="0" b="0"/>
+      </a:lnRef>
+      <a:fillRef idx="1">
+        <a:scrgbClr r="0" g="0" b="0"/>
+      </a:fillRef>
+      <a:effectRef idx="0">
+        <a:scrgbClr r="0" g="0" b="0"/>
+      </a:effectRef>
+      <a:fontRef idx="minor"/>
+    </dgm:style>
+  </dgm:styleLbl>
+  <dgm:styleLbl name="fgAccFollowNode1">
+    <dgm:scene3d>
+      <a:camera prst="orthographicFront"/>
+      <a:lightRig rig="threePt" dir="t"/>
+    </dgm:scene3d>
+    <dgm:sp3d/>
+    <dgm:txPr/>
+    <dgm:style>
+      <a:lnRef idx="2">
+        <a:scrgbClr r="0" g="0" b="0"/>
+      </a:lnRef>
+      <a:fillRef idx="1">
+        <a:scrgbClr r="0" g="0" b="0"/>
+      </a:fillRef>
+      <a:effectRef idx="0">
+        <a:scrgbClr r="0" g="0" b="0"/>
+      </a:effectRef>
+      <a:fontRef idx="minor"/>
+    </dgm:style>
+  </dgm:styleLbl>
+  <dgm:styleLbl name="alignAccFollowNode1">
+    <dgm:scene3d>
+      <a:camera prst="orthographicFront"/>
+      <a:lightRig rig="threePt" dir="t"/>
+    </dgm:scene3d>
+    <dgm:sp3d/>
+    <dgm:txPr/>
+    <dgm:style>
+      <a:lnRef idx="2">
+        <a:scrgbClr r="0" g="0" b="0"/>
+      </a:lnRef>
+      <a:fillRef idx="1">
+        <a:scrgbClr r="0" g="0" b="0"/>
+      </a:fillRef>
+      <a:effectRef idx="0">
+        <a:scrgbClr r="0" g="0" b="0"/>
+      </a:effectRef>
+      <a:fontRef idx="minor"/>
+    </dgm:style>
+  </dgm:styleLbl>
+  <dgm:styleLbl name="bgAccFollowNode1">
+    <dgm:scene3d>
+      <a:camera prst="orthographicFront"/>
+      <a:lightRig rig="threePt" dir="t"/>
+    </dgm:scene3d>
+    <dgm:sp3d/>
+    <dgm:txPr/>
+    <dgm:style>
+      <a:lnRef idx="2">
+        <a:scrgbClr r="0" g="0" b="0"/>
+      </a:lnRef>
+      <a:fillRef idx="1">
+        <a:scrgbClr r="0" g="0" b="0"/>
+      </a:fillRef>
+      <a:effectRef idx="0">
+        <a:scrgbClr r="0" g="0" b="0"/>
+      </a:effectRef>
+      <a:fontRef idx="minor"/>
+    </dgm:style>
+  </dgm:styleLbl>
+  <dgm:styleLbl name="fgAcc0">
+    <dgm:scene3d>
+      <a:camera prst="orthographicFront"/>
+      <a:lightRig rig="threePt" dir="t"/>
+    </dgm:scene3d>
+    <dgm:sp3d/>
+    <dgm:txPr/>
+    <dgm:style>
+      <a:lnRef idx="2">
+        <a:scrgbClr r="0" g="0" b="0"/>
+      </a:lnRef>
+      <a:fillRef idx="1">
+        <a:scrgbClr r="0" g="0" b="0"/>
+      </a:fillRef>
+      <a:effectRef idx="0">
+        <a:scrgbClr r="0" g="0" b="0"/>
+      </a:effectRef>
+      <a:fontRef idx="minor"/>
+    </dgm:style>
+  </dgm:styleLbl>
+  <dgm:styleLbl name="fgAcc2">
+    <dgm:scene3d>
+      <a:camera prst="orthographicFront"/>
+      <a:lightRig rig="threePt" dir="t"/>
+    </dgm:scene3d>
+    <dgm:sp3d/>
+    <dgm:txPr/>
+    <dgm:style>
+      <a:lnRef idx="2">
+        <a:scrgbClr r="0" g="0" b="0"/>
+      </a:lnRef>
+      <a:fillRef idx="1">
+        <a:scrgbClr r="0" g="0" b="0"/>
+      </a:fillRef>
+      <a:effectRef idx="0">
+        <a:scrgbClr r="0" g="0" b="0"/>
+      </a:effectRef>
+      <a:fontRef idx="minor"/>
+    </dgm:style>
+  </dgm:styleLbl>
+  <dgm:styleLbl name="fgAcc3">
+    <dgm:scene3d>
+      <a:camera prst="orthographicFront"/>
+      <a:lightRig rig="threePt" dir="t"/>
+    </dgm:scene3d>
+    <dgm:sp3d/>
+    <dgm:txPr/>
+    <dgm:style>
+      <a:lnRef idx="2">
+        <a:scrgbClr r="0" g="0" b="0"/>
+      </a:lnRef>
+      <a:fillRef idx="1">
+        <a:scrgbClr r="0" g="0" b="0"/>
+      </a:fillRef>
+      <a:effectRef idx="0">
+        <a:scrgbClr r="0" g="0" b="0"/>
+      </a:effectRef>
+      <a:fontRef idx="minor"/>
+    </dgm:style>
+  </dgm:styleLbl>
+  <dgm:styleLbl name="fgAcc4">
+    <dgm:scene3d>
+      <a:camera prst="orthographicFront"/>
+      <a:lightRig rig="threePt" dir="t"/>
+    </dgm:scene3d>
+    <dgm:sp3d/>
+    <dgm:txPr/>
+    <dgm:style>
+      <a:lnRef idx="2">
+        <a:scrgbClr r="0" g="0" b="0"/>
+      </a:lnRef>
+      <a:fillRef idx="1">
+        <a:scrgbClr r="0" g="0" b="0"/>
+      </a:fillRef>
+      <a:effectRef idx="0">
+        <a:scrgbClr r="0" g="0" b="0"/>
+      </a:effectRef>
+      <a:fontRef idx="minor"/>
+    </dgm:style>
+  </dgm:styleLbl>
+  <dgm:styleLbl name="bgShp">
+    <dgm:scene3d>
+      <a:camera prst="orthographicFront"/>
+      <a:lightRig rig="threePt" dir="t"/>
+    </dgm:scene3d>
+    <dgm:sp3d/>
+    <dgm:txPr/>
+    <dgm:style>
+      <a:lnRef idx="0">
+        <a:scrgbClr r="0" g="0" b="0"/>
+      </a:lnRef>
+      <a:fillRef idx="1">
+        <a:scrgbClr r="0" g="0" b="0"/>
+      </a:fillRef>
+      <a:effectRef idx="0">
+        <a:scrgbClr r="0" g="0" b="0"/>
+      </a:effectRef>
+      <a:fontRef idx="minor"/>
+    </dgm:style>
+  </dgm:styleLbl>
+  <dgm:styleLbl name="dkBgShp">
+    <dgm:scene3d>
+      <a:camera prst="orthographicFront"/>
+      <a:lightRig rig="threePt" dir="t"/>
+    </dgm:scene3d>
+    <dgm:sp3d/>
+    <dgm:txPr/>
+    <dgm:style>
+      <a:lnRef idx="0">
+        <a:scrgbClr r="0" g="0" b="0"/>
+      </a:lnRef>
+      <a:fillRef idx="1">
+        <a:scrgbClr r="0" g="0" b="0"/>
+      </a:fillRef>
+      <a:effectRef idx="0">
+        <a:scrgbClr r="0" g="0" b="0"/>
+      </a:effectRef>
+      <a:fontRef idx="minor"/>
+    </dgm:style>
+  </dgm:styleLbl>
+  <dgm:styleLbl name="trBgShp">
+    <dgm:scene3d>
+      <a:camera prst="orthographicFront"/>
+      <a:lightRig rig="threePt" dir="t"/>
+    </dgm:scene3d>
+    <dgm:sp3d/>
+    <dgm:txPr/>
+    <dgm:style>
+      <a:lnRef idx="0">
+        <a:scrgbClr r="0" g="0" b="0"/>
+      </a:lnRef>
+      <a:fillRef idx="1">
+        <a:scrgbClr r="0" g="0" b="0"/>
+      </a:fillRef>
+      <a:effectRef idx="0">
+        <a:scrgbClr r="0" g="0" b="0"/>
+      </a:effectRef>
+      <a:fontRef idx="minor"/>
+    </dgm:style>
+  </dgm:styleLbl>
+  <dgm:styleLbl name="fgShp">
+    <dgm:scene3d>
+      <a:camera prst="orthographicFront"/>
+      <a:lightRig rig="threePt" dir="t"/>
+    </dgm:scene3d>
+    <dgm:sp3d/>
+    <dgm:txPr/>
+    <dgm:style>
+      <a:lnRef idx="2">
+        <a:scrgbClr r="0" g="0" b="0"/>
+      </a:lnRef>
+      <a:fillRef idx="1">
+        <a:scrgbClr r="0" g="0" b="0"/>
+      </a:fillRef>
+      <a:effectRef idx="0">
+        <a:scrgbClr r="0" g="0" b="0"/>
+      </a:effectRef>
+      <a:fontRef idx="minor"/>
+    </dgm:style>
+  </dgm:styleLbl>
+  <dgm:styleLbl name="revTx">
+    <dgm:scene3d>
+      <a:camera prst="orthographicFront"/>
+      <a:lightRig rig="threePt" dir="t"/>
+    </dgm:scene3d>
+    <dgm:sp3d/>
+    <dgm:txPr/>
+    <dgm:style>
+      <a:lnRef idx="0">
+        <a:scrgbClr r="0" g="0" b="0"/>
+      </a:lnRef>
+      <a:fillRef idx="0">
+        <a:scrgbClr r="0" g="0" b="0"/>
+      </a:fillRef>
+      <a:effectRef idx="0">
+        <a:scrgbClr r="0" g="0" b="0"/>
+      </a:effectRef>
+      <a:fontRef idx="minor"/>
+    </dgm:style>
+  </dgm:styleLbl>
+</dgm:styleDef>
+</file>
+
 <file path=ppt/notesMasters/notesMaster1.xml><?xml version="1.0" encoding="utf-8"?>
 <p:notesMaster xmlns:a="http://schemas.openxmlformats.org/drawingml/2006/main" xmlns:r="http://schemas.openxmlformats.org/officeDocument/2006/relationships" xmlns:p="http://schemas.openxmlformats.org/presentationml/2006/main">
   <p:cSld>
@@ -204,7 +4995,7 @@
           <a:p>
             <a:fld id="{D6E4795D-47E8-774D-9ED5-0B5304BFB957}" type="datetimeFigureOut">
               <a:rPr lang="de-DE" smtClean="0"/>
-              <a:t>21.11.2012</a:t>
+              <a:t>23.11.2012</a:t>
             </a:fld>
             <a:endParaRPr lang="de-DE"/>
           </a:p>
@@ -537,7 +5328,7 @@
           <a:p>
             <a:fld id="{62491994-E55D-CE4B-A805-5346FBD73310}" type="slidenum">
               <a:rPr lang="de-DE" smtClean="0"/>
-              <a:t>10</a:t>
+              <a:t>12</a:t>
             </a:fld>
             <a:endParaRPr lang="de-DE"/>
           </a:p>
@@ -867,7 +5658,7 @@
           <a:p>
             <a:fld id="{4251665B-C24A-4702-B522-6A4334602E03}" type="datetimeFigureOut">
               <a:rPr lang="en-US" smtClean="0"/>
-              <a:t>11/21/2012</a:t>
+              <a:t>11/23/2012</a:t>
             </a:fld>
             <a:endParaRPr lang="en-US"/>
           </a:p>
@@ -1154,7 +5945,7 @@
           <a:p>
             <a:fld id="{4251665B-C24A-4702-B522-6A4334602E03}" type="datetimeFigureOut">
               <a:rPr lang="en-US" smtClean="0"/>
-              <a:t>11/21/2012</a:t>
+              <a:t>11/23/2012</a:t>
             </a:fld>
             <a:endParaRPr lang="en-US"/>
           </a:p>
@@ -1489,7 +6280,7 @@
           <a:p>
             <a:fld id="{4251665B-C24A-4702-B522-6A4334602E03}" type="datetimeFigureOut">
               <a:rPr lang="en-US" smtClean="0"/>
-              <a:t>11/21/2012</a:t>
+              <a:t>11/23/2012</a:t>
             </a:fld>
             <a:endParaRPr lang="en-US"/>
           </a:p>
@@ -1911,7 +6702,7 @@
           <a:p>
             <a:fld id="{4251665B-C24A-4702-B522-6A4334602E03}" type="datetimeFigureOut">
               <a:rPr lang="en-US" smtClean="0"/>
-              <a:t>11/21/2012</a:t>
+              <a:t>11/23/2012</a:t>
             </a:fld>
             <a:endParaRPr lang="en-US"/>
           </a:p>
@@ -2328,7 +7119,7 @@
           <a:p>
             <a:fld id="{4251665B-C24A-4702-B522-6A4334602E03}" type="datetimeFigureOut">
               <a:rPr lang="en-US" smtClean="0"/>
-              <a:t>11/21/2012</a:t>
+              <a:t>11/23/2012</a:t>
             </a:fld>
             <a:endParaRPr lang="en-US"/>
           </a:p>
@@ -2461,7 +7252,7 @@
           <a:p>
             <a:fld id="{4251665B-C24A-4702-B522-6A4334602E03}" type="datetimeFigureOut">
               <a:rPr lang="en-US" smtClean="0"/>
-              <a:t>11/21/2012</a:t>
+              <a:t>11/23/2012</a:t>
             </a:fld>
             <a:endParaRPr lang="en-US"/>
           </a:p>
@@ -2783,7 +7574,7 @@
           <a:p>
             <a:fld id="{4251665B-C24A-4702-B522-6A4334602E03}" type="datetimeFigureOut">
               <a:rPr lang="en-US" smtClean="0"/>
-              <a:t>11/21/2012</a:t>
+              <a:t>11/23/2012</a:t>
             </a:fld>
             <a:endParaRPr lang="en-US"/>
           </a:p>
@@ -3028,7 +7819,7 @@
           <a:p>
             <a:fld id="{4251665B-C24A-4702-B522-6A4334602E03}" type="datetimeFigureOut">
               <a:rPr lang="en-US" smtClean="0"/>
-              <a:t>11/21/2012</a:t>
+              <a:t>11/23/2012</a:t>
             </a:fld>
             <a:endParaRPr lang="en-US"/>
           </a:p>
@@ -3366,7 +8157,7 @@
           <a:p>
             <a:fld id="{4251665B-C24A-4702-B522-6A4334602E03}" type="datetimeFigureOut">
               <a:rPr lang="en-US" smtClean="0"/>
-              <a:t>11/21/2012</a:t>
+              <a:t>11/23/2012</a:t>
             </a:fld>
             <a:endParaRPr lang="en-US"/>
           </a:p>
@@ -3666,7 +8457,7 @@
           <a:p>
             <a:fld id="{4251665B-C24A-4702-B522-6A4334602E03}" type="datetimeFigureOut">
               <a:rPr lang="en-US" smtClean="0"/>
-              <a:t>11/21/2012</a:t>
+              <a:t>11/23/2012</a:t>
             </a:fld>
             <a:endParaRPr lang="en-US"/>
           </a:p>
@@ -4073,7 +8864,7 @@
           <a:p>
             <a:fld id="{4251665B-C24A-4702-B522-6A4334602E03}" type="datetimeFigureOut">
               <a:rPr lang="en-US" smtClean="0"/>
-              <a:t>11/21/2012</a:t>
+              <a:t>11/23/2012</a:t>
             </a:fld>
             <a:endParaRPr lang="en-US"/>
           </a:p>
@@ -4290,7 +9081,7 @@
           <a:p>
             <a:fld id="{4251665B-C24A-4702-B522-6A4334602E03}" type="datetimeFigureOut">
               <a:rPr lang="en-US" smtClean="0"/>
-              <a:t>11/21/2012</a:t>
+              <a:t>11/23/2012</a:t>
             </a:fld>
             <a:endParaRPr lang="en-US"/>
           </a:p>
@@ -4543,7 +9334,7 @@
           <a:p>
             <a:fld id="{4251665B-C24A-4702-B522-6A4334602E03}" type="datetimeFigureOut">
               <a:rPr lang="en-US" smtClean="0"/>
-              <a:t>11/21/2012</a:t>
+              <a:t>11/23/2012</a:t>
             </a:fld>
             <a:endParaRPr lang="en-US"/>
           </a:p>
@@ -4769,7 +9560,7 @@
           <a:p>
             <a:fld id="{4251665B-C24A-4702-B522-6A4334602E03}" type="datetimeFigureOut">
               <a:rPr lang="en-US" smtClean="0"/>
-              <a:t>11/21/2012</a:t>
+              <a:t>11/23/2012</a:t>
             </a:fld>
             <a:endParaRPr lang="en-US"/>
           </a:p>
@@ -5139,7 +9930,7 @@
           <a:p>
             <a:fld id="{4251665B-C24A-4702-B522-6A4334602E03}" type="datetimeFigureOut">
               <a:rPr lang="en-US" smtClean="0"/>
-              <a:t>11/21/2012</a:t>
+              <a:t>11/23/2012</a:t>
             </a:fld>
             <a:endParaRPr lang="en-US"/>
           </a:p>
@@ -5466,7 +10257,7 @@
           <a:p>
             <a:fld id="{4251665B-C24A-4702-B522-6A4334602E03}" type="datetimeFigureOut">
               <a:rPr lang="en-US" smtClean="0"/>
-              <a:t>11/21/2012</a:t>
+              <a:t>11/23/2012</a:t>
             </a:fld>
             <a:endParaRPr lang="en-US"/>
           </a:p>
@@ -5801,7 +10592,7 @@
           <a:p>
             <a:fld id="{4251665B-C24A-4702-B522-6A4334602E03}" type="datetimeFigureOut">
               <a:rPr lang="en-US" smtClean="0"/>
-              <a:t>11/21/2012</a:t>
+              <a:t>11/23/2012</a:t>
             </a:fld>
             <a:endParaRPr lang="en-US"/>
           </a:p>
@@ -6424,7 +11215,7 @@
           <a:p>
             <a:fld id="{4251665B-C24A-4702-B522-6A4334602E03}" type="datetimeFigureOut">
               <a:rPr lang="en-US" smtClean="0"/>
-              <a:t>11/21/2012</a:t>
+              <a:t>11/23/2012</a:t>
             </a:fld>
             <a:endParaRPr lang="en-US"/>
           </a:p>
@@ -6911,7 +11702,7 @@
           <a:p>
             <a:fld id="{4251665B-C24A-4702-B522-6A4334602E03}" type="datetimeFigureOut">
               <a:rPr lang="en-US" smtClean="0"/>
-              <a:t>11/21/2012</a:t>
+              <a:t>11/23/2012</a:t>
             </a:fld>
             <a:endParaRPr lang="en-US"/>
           </a:p>
@@ -7120,7 +11911,7 @@
           <a:p>
             <a:fld id="{4251665B-C24A-4702-B522-6A4334602E03}" type="datetimeFigureOut">
               <a:rPr lang="en-US" smtClean="0"/>
-              <a:t>11/21/2012</a:t>
+              <a:t>11/23/2012</a:t>
             </a:fld>
             <a:endParaRPr lang="en-US"/>
           </a:p>
@@ -7584,7 +12375,7 @@
           <a:p>
             <a:r>
               <a:rPr lang="de-DE" dirty="0" smtClean="0"/>
-              <a:t>Der Swing Ersatz</a:t>
+              <a:t>Swing war gestern</a:t>
             </a:r>
             <a:endParaRPr lang="de-DE" dirty="0"/>
           </a:p>
@@ -7651,9 +12442,335 @@
           <a:lstStyle/>
           <a:p>
             <a:r>
+              <a:rPr lang="de-DE" dirty="0" smtClean="0"/>
+              <a:t>API</a:t>
+            </a:r>
+            <a:endParaRPr lang="de-DE" dirty="0"/>
+          </a:p>
+        </p:txBody>
+      </p:sp>
+      <p:sp>
+        <p:nvSpPr>
+          <p:cNvPr id="3" name="Inhaltsplatzhalter 2"/>
+          <p:cNvSpPr>
+            <a:spLocks noGrp="1"/>
+          </p:cNvSpPr>
+          <p:nvPr>
+            <p:ph idx="1"/>
+          </p:nvPr>
+        </p:nvSpPr>
+        <p:spPr>
+          <a:xfrm>
+            <a:off x="457199" y="2209800"/>
+            <a:ext cx="6778767" cy="3916363"/>
+          </a:xfrm>
+        </p:spPr>
+        <p:txBody>
+          <a:bodyPr/>
+          <a:lstStyle/>
+          <a:p>
+            <a:r>
+              <a:rPr lang="de-DE" dirty="0" smtClean="0"/>
+              <a:t>Alle Elemente der API sind mit </a:t>
+            </a:r>
+            <a:r>
+              <a:rPr lang="de-DE" dirty="0" err="1" smtClean="0"/>
+              <a:t>Builder</a:t>
+            </a:r>
+            <a:r>
+              <a:rPr lang="de-DE" dirty="0" smtClean="0"/>
+              <a:t>-API konstruierbar</a:t>
+            </a:r>
+          </a:p>
+          <a:p>
+            <a:endParaRPr lang="de-DE" dirty="0" smtClean="0"/>
+          </a:p>
+          <a:p>
+            <a:endParaRPr lang="de-DE" dirty="0"/>
+          </a:p>
+          <a:p>
+            <a:r>
+              <a:rPr lang="de-DE" dirty="0" smtClean="0"/>
+              <a:t>Java8 </a:t>
+            </a:r>
+            <a:r>
+              <a:rPr lang="de-DE" dirty="0" err="1" smtClean="0"/>
+              <a:t>Closures</a:t>
+            </a:r>
+            <a:r>
+              <a:rPr lang="de-DE" dirty="0" smtClean="0"/>
+              <a:t> </a:t>
+            </a:r>
+            <a:r>
+              <a:rPr lang="de-DE" dirty="0" smtClean="0"/>
+              <a:t>(anonyme Klassen mit 1 Methode</a:t>
+            </a:r>
+            <a:r>
+              <a:rPr lang="de-DE" dirty="0" smtClean="0"/>
+              <a:t>)</a:t>
+            </a:r>
+          </a:p>
+          <a:p>
+            <a:endParaRPr lang="de-DE" dirty="0"/>
+          </a:p>
+        </p:txBody>
+      </p:sp>
+      <p:pic>
+        <p:nvPicPr>
+          <p:cNvPr id="4" name="Bild 3" descr="Bildschirmfoto 2012-11-20 um 22.24.35.png"/>
+          <p:cNvPicPr>
+            <a:picLocks noChangeAspect="1"/>
+          </p:cNvPicPr>
+          <p:nvPr/>
+        </p:nvPicPr>
+        <p:blipFill>
+          <a:blip r:embed="rId2" cstate="email">
+            <a:extLst>
+              <a:ext uri="{28A0092B-C50C-407E-A947-70E740481C1C}">
+                <a14:useLocalDpi xmlns:a14="http://schemas.microsoft.com/office/drawing/2010/main" val="0"/>
+              </a:ext>
+            </a:extLst>
+          </a:blip>
+          <a:stretch>
+            <a:fillRect/>
+          </a:stretch>
+        </p:blipFill>
+        <p:spPr>
+          <a:xfrm>
+            <a:off x="457199" y="2996825"/>
+            <a:ext cx="7137895" cy="1066874"/>
+          </a:xfrm>
+          <a:prstGeom prst="rect">
+            <a:avLst/>
+          </a:prstGeom>
+          <a:ln>
+            <a:solidFill>
+              <a:srgbClr val="EAE7E4"/>
+            </a:solidFill>
+          </a:ln>
+        </p:spPr>
+      </p:pic>
+      <p:pic>
+        <p:nvPicPr>
+          <p:cNvPr id="7" name="Grafik 6"/>
+          <p:cNvPicPr>
+            <a:picLocks noChangeAspect="1"/>
+          </p:cNvPicPr>
+          <p:nvPr/>
+        </p:nvPicPr>
+        <p:blipFill>
+          <a:blip r:embed="rId3">
+            <a:extLst>
+              <a:ext uri="{28A0092B-C50C-407E-A947-70E740481C1C}">
+                <a14:useLocalDpi xmlns:a14="http://schemas.microsoft.com/office/drawing/2010/main" val="0"/>
+              </a:ext>
+            </a:extLst>
+          </a:blip>
+          <a:stretch>
+            <a:fillRect/>
+          </a:stretch>
+        </p:blipFill>
+        <p:spPr>
+          <a:xfrm>
+            <a:off x="457200" y="4635526"/>
+            <a:ext cx="5148841" cy="1212171"/>
+          </a:xfrm>
+          <a:prstGeom prst="rect">
+            <a:avLst/>
+          </a:prstGeom>
+        </p:spPr>
+      </p:pic>
+    </p:spTree>
+    <p:extLst>
+      <p:ext uri="{BB962C8B-B14F-4D97-AF65-F5344CB8AC3E}">
+        <p14:creationId xmlns:p14="http://schemas.microsoft.com/office/powerpoint/2010/main" val="831792553"/>
+      </p:ext>
+    </p:extLst>
+  </p:cSld>
+  <p:clrMapOvr>
+    <a:masterClrMapping/>
+  </p:clrMapOvr>
+  <p:timing>
+    <p:tnLst>
+      <p:par>
+        <p:cTn id="1" dur="indefinite" restart="never" nodeType="tmRoot"/>
+      </p:par>
+    </p:tnLst>
+  </p:timing>
+</p:sld>
+</file>
+
+<file path=ppt/slides/slide11.xml><?xml version="1.0" encoding="utf-8"?>
+<p:sld xmlns:a="http://schemas.openxmlformats.org/drawingml/2006/main" xmlns:r="http://schemas.openxmlformats.org/officeDocument/2006/relationships" xmlns:p="http://schemas.openxmlformats.org/presentationml/2006/main">
+  <p:cSld>
+    <p:spTree>
+      <p:nvGrpSpPr>
+        <p:cNvPr id="1" name=""/>
+        <p:cNvGrpSpPr/>
+        <p:nvPr/>
+      </p:nvGrpSpPr>
+      <p:grpSpPr>
+        <a:xfrm>
+          <a:off x="0" y="0"/>
+          <a:ext cx="0" cy="0"/>
+          <a:chOff x="0" y="0"/>
+          <a:chExt cx="0" cy="0"/>
+        </a:xfrm>
+      </p:grpSpPr>
+      <p:sp>
+        <p:nvSpPr>
+          <p:cNvPr id="2" name="Titel 1"/>
+          <p:cNvSpPr>
+            <a:spLocks noGrp="1"/>
+          </p:cNvSpPr>
+          <p:nvPr>
+            <p:ph type="title"/>
+          </p:nvPr>
+        </p:nvSpPr>
+        <p:spPr/>
+        <p:txBody>
+          <a:bodyPr/>
+          <a:lstStyle/>
+          <a:p>
+            <a:r>
               <a:rPr lang="de-DE" dirty="0" err="1" smtClean="0"/>
               <a:t>Propertys</a:t>
             </a:r>
+            <a:endParaRPr lang="de-DE" dirty="0"/>
+          </a:p>
+        </p:txBody>
+      </p:sp>
+      <p:sp>
+        <p:nvSpPr>
+          <p:cNvPr id="3" name="Inhaltsplatzhalter 2"/>
+          <p:cNvSpPr>
+            <a:spLocks noGrp="1"/>
+          </p:cNvSpPr>
+          <p:nvPr>
+            <p:ph idx="1"/>
+          </p:nvPr>
+        </p:nvSpPr>
+        <p:spPr>
+          <a:xfrm>
+            <a:off x="457199" y="2209800"/>
+            <a:ext cx="8386759" cy="3916363"/>
+          </a:xfrm>
+        </p:spPr>
+        <p:txBody>
+          <a:bodyPr>
+            <a:normAutofit/>
+          </a:bodyPr>
+          <a:lstStyle/>
+          <a:p>
+            <a:endParaRPr lang="de-DE" sz="3200" dirty="0" smtClean="0"/>
+          </a:p>
+          <a:p>
+            <a:r>
+              <a:rPr lang="de-DE" sz="3200" dirty="0" smtClean="0"/>
+              <a:t> Erweitertes </a:t>
+            </a:r>
+            <a:r>
+              <a:rPr lang="de-DE" sz="3200" dirty="0"/>
+              <a:t>Konzept der </a:t>
+            </a:r>
+            <a:r>
+              <a:rPr lang="de-DE" sz="3200" dirty="0" err="1"/>
+              <a:t>JavaBeans</a:t>
+            </a:r>
+            <a:r>
+              <a:rPr lang="de-DE" sz="3200" dirty="0"/>
+              <a:t> </a:t>
+            </a:r>
+          </a:p>
+          <a:p>
+            <a:r>
+              <a:rPr lang="de-DE" sz="3200" dirty="0" smtClean="0"/>
+              <a:t> </a:t>
+            </a:r>
+            <a:r>
+              <a:rPr lang="de-DE" sz="3200" dirty="0" err="1" smtClean="0"/>
+              <a:t>Bindings</a:t>
+            </a:r>
+            <a:endParaRPr lang="de-DE" sz="3200" dirty="0"/>
+          </a:p>
+          <a:p>
+            <a:r>
+              <a:rPr lang="de-DE" sz="3200" dirty="0" smtClean="0"/>
+              <a:t> </a:t>
+            </a:r>
+            <a:r>
+              <a:rPr lang="de-DE" sz="3200" dirty="0" err="1" smtClean="0"/>
+              <a:t>Listener</a:t>
+            </a:r>
+            <a:endParaRPr lang="de-DE" sz="3200" dirty="0"/>
+          </a:p>
+          <a:p>
+            <a:pPr marL="0" indent="0">
+              <a:buNone/>
+            </a:pPr>
+            <a:endParaRPr lang="de-DE" sz="3200" dirty="0"/>
+          </a:p>
+          <a:p>
+            <a:endParaRPr lang="de-DE" sz="3200" dirty="0"/>
+          </a:p>
+        </p:txBody>
+      </p:sp>
+    </p:spTree>
+    <p:extLst>
+      <p:ext uri="{BB962C8B-B14F-4D97-AF65-F5344CB8AC3E}">
+        <p14:creationId xmlns:p14="http://schemas.microsoft.com/office/powerpoint/2010/main" val="2096432239"/>
+      </p:ext>
+    </p:extLst>
+  </p:cSld>
+  <p:clrMapOvr>
+    <a:masterClrMapping/>
+  </p:clrMapOvr>
+  <p:timing>
+    <p:tnLst>
+      <p:par>
+        <p:cTn id="1" dur="indefinite" restart="never" nodeType="tmRoot"/>
+      </p:par>
+    </p:tnLst>
+  </p:timing>
+</p:sld>
+</file>
+
+<file path=ppt/slides/slide12.xml><?xml version="1.0" encoding="utf-8"?>
+<p:sld xmlns:a="http://schemas.openxmlformats.org/drawingml/2006/main" xmlns:r="http://schemas.openxmlformats.org/officeDocument/2006/relationships" xmlns:p="http://schemas.openxmlformats.org/presentationml/2006/main">
+  <p:cSld>
+    <p:spTree>
+      <p:nvGrpSpPr>
+        <p:cNvPr id="1" name=""/>
+        <p:cNvGrpSpPr/>
+        <p:nvPr/>
+      </p:nvGrpSpPr>
+      <p:grpSpPr>
+        <a:xfrm>
+          <a:off x="0" y="0"/>
+          <a:ext cx="0" cy="0"/>
+          <a:chOff x="0" y="0"/>
+          <a:chExt cx="0" cy="0"/>
+        </a:xfrm>
+      </p:grpSpPr>
+      <p:sp>
+        <p:nvSpPr>
+          <p:cNvPr id="2" name="Titel 1"/>
+          <p:cNvSpPr>
+            <a:spLocks noGrp="1"/>
+          </p:cNvSpPr>
+          <p:nvPr>
+            <p:ph type="title"/>
+          </p:nvPr>
+        </p:nvSpPr>
+        <p:spPr/>
+        <p:txBody>
+          <a:bodyPr/>
+          <a:lstStyle/>
+          <a:p>
+            <a:r>
+              <a:rPr lang="de-DE" dirty="0" err="1" smtClean="0"/>
+              <a:t>Propertys</a:t>
+            </a:r>
             <a:r>
               <a:rPr lang="de-DE" dirty="0"/>
               <a:t> </a:t>
@@ -7665,6 +12782,25 @@
             <a:r>
               <a:rPr lang="de-DE" dirty="0" err="1" smtClean="0"/>
               <a:t>JavaBeans</a:t>
+            </a:r>
+            <a:r>
+              <a:rPr lang="de-DE" dirty="0" smtClean="0"/>
+              <a:t/>
+            </a:r>
+            <a:br>
+              <a:rPr lang="de-DE" dirty="0" smtClean="0"/>
+            </a:br>
+            <a:r>
+              <a:rPr lang="de-DE" dirty="0" smtClean="0"/>
+              <a:t>(bitte </a:t>
+            </a:r>
+            <a:r>
+              <a:rPr lang="de-DE" dirty="0" err="1" smtClean="0"/>
+              <a:t>name</a:t>
+            </a:r>
+            <a:r>
+              <a:rPr lang="de-DE" dirty="0" smtClean="0"/>
+              <a:t> private!)</a:t>
             </a:r>
             <a:endParaRPr lang="de-DE" sz="1600" dirty="0"/>
           </a:p>
@@ -7825,7 +12961,7 @@
 </p:sld>
 </file>
 
-<file path=ppt/slides/slide11.xml><?xml version="1.0" encoding="utf-8"?>
+<file path=ppt/slides/slide13.xml><?xml version="1.0" encoding="utf-8"?>
 <p:sld xmlns:a="http://schemas.openxmlformats.org/drawingml/2006/main" xmlns:r="http://schemas.openxmlformats.org/officeDocument/2006/relationships" xmlns:p="http://schemas.openxmlformats.org/presentationml/2006/main">
   <p:cSld>
     <p:spTree>
@@ -7919,12 +13055,12 @@
               <a:t> wirken sich auf den </a:t>
             </a:r>
             <a:r>
-              <a:rPr lang="de-DE" sz="2400" dirty="0" err="1" smtClean="0"/>
-              <a:t>Bindungsparnter</a:t>
-            </a:r>
-            <a:r>
               <a:rPr lang="de-DE" sz="2400" dirty="0" smtClean="0"/>
-              <a:t> aus</a:t>
+              <a:t>Bindungspartner </a:t>
+            </a:r>
+            <a:r>
+              <a:rPr lang="de-DE" sz="2400" dirty="0" smtClean="0"/>
+              <a:t>aus</a:t>
             </a:r>
           </a:p>
           <a:p>
@@ -7993,7 +13129,7 @@
 </p:sld>
 </file>
 
-<file path=ppt/slides/slide12.xml><?xml version="1.0" encoding="utf-8"?>
+<file path=ppt/slides/slide14.xml><?xml version="1.0" encoding="utf-8"?>
 <p:sld xmlns:a="http://schemas.openxmlformats.org/drawingml/2006/main" xmlns:r="http://schemas.openxmlformats.org/officeDocument/2006/relationships" xmlns:p="http://schemas.openxmlformats.org/presentationml/2006/main">
   <p:cSld>
     <p:spTree>
@@ -8121,7 +13257,7 @@
 </p:sld>
 </file>
 
-<file path=ppt/slides/slide13.xml><?xml version="1.0" encoding="utf-8"?>
+<file path=ppt/slides/slide15.xml><?xml version="1.0" encoding="utf-8"?>
 <p:sld xmlns:a="http://schemas.openxmlformats.org/drawingml/2006/main" xmlns:r="http://schemas.openxmlformats.org/officeDocument/2006/relationships" xmlns:p="http://schemas.openxmlformats.org/presentationml/2006/main">
   <p:cSld>
     <p:spTree>
@@ -8324,11 +13460,7 @@
             <a:pPr lvl="1"/>
             <a:r>
               <a:rPr lang="de-DE" dirty="0" smtClean="0"/>
-              <a:t>Entwicklung von </a:t>
-            </a:r>
-            <a:r>
-              <a:rPr lang="de-DE" dirty="0" err="1" smtClean="0"/>
-              <a:t>JavaFX</a:t>
+              <a:t>Geschichte</a:t>
             </a:r>
             <a:endParaRPr lang="de-DE" dirty="0" smtClean="0"/>
           </a:p>
@@ -8527,114 +13659,126 @@
           <a:lstStyle/>
           <a:p>
             <a:r>
+              <a:rPr lang="de-DE" dirty="0" smtClean="0"/>
+              <a:t>Geschichte</a:t>
+            </a:r>
+            <a:endParaRPr lang="de-DE" dirty="0"/>
+          </a:p>
+        </p:txBody>
+      </p:sp>
+      <p:sp>
+        <p:nvSpPr>
+          <p:cNvPr id="3" name="Inhaltsplatzhalter 2"/>
+          <p:cNvSpPr>
+            <a:spLocks noGrp="1"/>
+          </p:cNvSpPr>
+          <p:nvPr>
+            <p:ph idx="1"/>
+          </p:nvPr>
+        </p:nvSpPr>
+        <p:spPr/>
+        <p:txBody>
+          <a:bodyPr/>
+          <a:lstStyle/>
+          <a:p>
+            <a:r>
+              <a:rPr lang="de-DE" dirty="0" smtClean="0"/>
+              <a:t>2007 </a:t>
+            </a:r>
+            <a:r>
               <a:rPr lang="de-DE" dirty="0" err="1" smtClean="0"/>
               <a:t>JavaFX</a:t>
             </a:r>
             <a:r>
               <a:rPr lang="de-DE" dirty="0" smtClean="0"/>
-              <a:t> Entwicklung+ TODO</a:t>
-            </a:r>
-            <a:endParaRPr lang="de-DE" dirty="0"/>
-          </a:p>
-        </p:txBody>
-      </p:sp>
-      <p:sp>
-        <p:nvSpPr>
-          <p:cNvPr id="3" name="Inhaltsplatzhalter 2"/>
-          <p:cNvSpPr>
-            <a:spLocks noGrp="1"/>
-          </p:cNvSpPr>
-          <p:nvPr>
-            <p:ph idx="1"/>
-          </p:nvPr>
-        </p:nvSpPr>
-        <p:spPr/>
-        <p:txBody>
-          <a:bodyPr>
-            <a:normAutofit/>
-          </a:bodyPr>
-          <a:lstStyle/>
-          <a:p>
-            <a:r>
-              <a:rPr lang="de-DE" dirty="0"/>
-              <a:t>Lesen:</a:t>
-            </a:r>
-          </a:p>
-          <a:p>
-            <a:r>
-              <a:rPr lang="de-DE" dirty="0"/>
-              <a:t>- </a:t>
-            </a:r>
-            <a:r>
-              <a:rPr lang="de-DE" dirty="0" err="1"/>
-              <a:t>OpenSource</a:t>
-            </a:r>
-            <a:r>
-              <a:rPr lang="de-DE" dirty="0"/>
-              <a:t> Tendenz </a:t>
-            </a:r>
+              <a:t> Script</a:t>
+            </a:r>
+          </a:p>
+          <a:p>
             <a:r>
               <a:rPr lang="de-DE" dirty="0" smtClean="0"/>
-              <a:t>erwähnen</a:t>
-            </a:r>
-          </a:p>
-          <a:p>
+              <a:t>2011 </a:t>
+            </a:r>
+            <a:r>
+              <a:rPr lang="de-DE" dirty="0" err="1" smtClean="0"/>
+              <a:t>JavaFX</a:t>
+            </a:r>
             <a:r>
               <a:rPr lang="de-DE" dirty="0" smtClean="0"/>
-              <a:t>Singlethreading erwähnen</a:t>
-            </a:r>
-            <a:endParaRPr lang="de-DE" dirty="0"/>
-          </a:p>
-          <a:p>
-            <a:endParaRPr lang="de-DE" dirty="0"/>
+              <a:t> 2.0: Java API</a:t>
+            </a:r>
+          </a:p>
+          <a:p>
+            <a:r>
+              <a:rPr lang="de-DE" dirty="0" err="1" smtClean="0"/>
+              <a:t>JavaFX</a:t>
+            </a:r>
+            <a:r>
+              <a:rPr lang="de-DE" dirty="0" smtClean="0"/>
+              <a:t> 2.2 mit </a:t>
+            </a:r>
+            <a:r>
+              <a:rPr lang="de-DE" dirty="0" err="1" smtClean="0"/>
+              <a:t>JavaSE</a:t>
+            </a:r>
+            <a:r>
+              <a:rPr lang="de-DE" dirty="0" smtClean="0"/>
+              <a:t> 7u6 ausgeliefert</a:t>
+            </a:r>
+          </a:p>
+          <a:p>
+            <a:r>
+              <a:rPr lang="de-DE" dirty="0" err="1" smtClean="0"/>
+              <a:t>JavaFX</a:t>
+            </a:r>
+            <a:r>
+              <a:rPr lang="de-DE" dirty="0" smtClean="0"/>
+              <a:t> 8</a:t>
+            </a:r>
+          </a:p>
+          <a:p>
+            <a:r>
+              <a:rPr lang="de-DE" dirty="0" err="1" smtClean="0"/>
+              <a:t>OpenJFX</a:t>
+            </a:r>
+            <a:endParaRPr lang="de-DE" dirty="0" smtClean="0"/>
+          </a:p>
+          <a:p>
+            <a:r>
+              <a:rPr lang="de-DE" dirty="0" smtClean="0"/>
+              <a:t>Ersatz für Swing</a:t>
+            </a:r>
           </a:p>
           <a:p>
             <a:r>
               <a:rPr lang="de-DE" dirty="0">
                 <a:hlinkClick r:id="rId2"/>
               </a:rPr>
-              <a:t>http://www.oracle.com/technetwork/java/javafx/overview/faq-1446554.html#6</a:t>
-            </a:r>
-            <a:endParaRPr lang="de-DE" dirty="0"/>
-          </a:p>
-          <a:p>
-            <a:endParaRPr lang="de-DE" dirty="0"/>
-          </a:p>
-          <a:p>
-            <a:r>
-              <a:rPr lang="de-DE" dirty="0"/>
-              <a:t>Soll Swing ersetzen</a:t>
-            </a:r>
-          </a:p>
-          <a:p>
-            <a:endParaRPr lang="de-DE" dirty="0"/>
-          </a:p>
-          <a:p>
-            <a:endParaRPr lang="de-DE" dirty="0"/>
-          </a:p>
-          <a:p>
-            <a:endParaRPr lang="de-DE" dirty="0"/>
+              <a:t>http://</a:t>
+            </a:r>
+            <a:r>
+              <a:rPr lang="de-DE" dirty="0" smtClean="0">
+                <a:hlinkClick r:id="rId2"/>
+              </a:rPr>
+              <a:t>www.oracle.com/technetwork/java/javafx/overview/faq-1446554.html</a:t>
+            </a:r>
+            <a:r>
+              <a:rPr lang="de-DE" dirty="0" smtClean="0"/>
+              <a:t> </a:t>
+            </a:r>
           </a:p>
         </p:txBody>
       </p:sp>
     </p:spTree>
     <p:extLst>
       <p:ext uri="{BB962C8B-B14F-4D97-AF65-F5344CB8AC3E}">
-        <p14:creationId xmlns:p14="http://schemas.microsoft.com/office/powerpoint/2010/main" val="2837744899"/>
+        <p14:creationId xmlns:p14="http://schemas.microsoft.com/office/powerpoint/2010/main" val="4026009729"/>
       </p:ext>
     </p:extLst>
   </p:cSld>
   <p:clrMapOvr>
     <a:masterClrMapping/>
   </p:clrMapOvr>
-  <mc:AlternateContent xmlns:mc="http://schemas.openxmlformats.org/markup-compatibility/2006" xmlns:p14="http://schemas.microsoft.com/office/powerpoint/2010/main">
-    <mc:Choice Requires="p14">
-      <p:transition spd="slow" p14:dur="2000" advTm="1555"/>
-    </mc:Choice>
-    <mc:Fallback xmlns="">
-      <p:transition xmlns:p14="http://schemas.microsoft.com/office/powerpoint/2010/main" spd="slow" advTm="1555"/>
-    </mc:Fallback>
-  </mc:AlternateContent>
   <p:timing>
     <p:tnLst>
       <p:par>
@@ -8731,8 +13875,8 @@
           </a:p>
           <a:p>
             <a:r>
-              <a:rPr lang="de-DE" dirty="0" err="1" smtClean="0"/>
-              <a:t>Multitouch</a:t>
+              <a:rPr lang="de-DE" dirty="0" smtClean="0"/>
+              <a:t>Multi-Touch</a:t>
             </a:r>
             <a:endParaRPr lang="de-DE" dirty="0" smtClean="0"/>
           </a:p>
@@ -8745,8 +13889,13 @@
           <a:p>
             <a:r>
               <a:rPr lang="de-DE" dirty="0" smtClean="0"/>
-              <a:t>Timelines (Interpolation von Werten)</a:t>
-            </a:r>
+              <a:t>Timelines (</a:t>
+            </a:r>
+            <a:r>
+              <a:rPr lang="de-DE" dirty="0" smtClean="0"/>
+              <a:t>Interpolation)</a:t>
+            </a:r>
+            <a:endParaRPr lang="de-DE" dirty="0" smtClean="0"/>
           </a:p>
           <a:p>
             <a:r>
@@ -8981,11 +14130,7 @@
           <a:p>
             <a:r>
               <a:rPr lang="de-DE" dirty="0" smtClean="0"/>
-              <a:t>Hardware </a:t>
-            </a:r>
-            <a:r>
-              <a:rPr lang="de-DE" dirty="0" err="1" smtClean="0"/>
-              <a:t>Accelerated</a:t>
+              <a:t>Hardwarebeschleunigung</a:t>
             </a:r>
             <a:endParaRPr lang="de-DE" dirty="0" smtClean="0"/>
           </a:p>
@@ -9056,7 +14201,91 @@
           <a:p>
             <a:r>
               <a:rPr lang="de-DE" dirty="0" smtClean="0"/>
-              <a:t>Konzepte</a:t>
+              <a:t>Einsatz</a:t>
+            </a:r>
+            <a:endParaRPr lang="de-DE" dirty="0"/>
+          </a:p>
+        </p:txBody>
+      </p:sp>
+      <p:sp>
+        <p:nvSpPr>
+          <p:cNvPr id="3" name="Inhaltsplatzhalter 2"/>
+          <p:cNvSpPr>
+            <a:spLocks noGrp="1"/>
+          </p:cNvSpPr>
+          <p:nvPr>
+            <p:ph idx="1"/>
+          </p:nvPr>
+        </p:nvSpPr>
+        <p:spPr/>
+        <p:txBody>
+          <a:bodyPr/>
+          <a:lstStyle/>
+          <a:p>
+            <a:r>
+              <a:rPr lang="de-DE" dirty="0" smtClean="0"/>
+              <a:t>Desktop</a:t>
+            </a:r>
+          </a:p>
+          <a:p>
+            <a:pPr lvl="1"/>
+            <a:r>
+              <a:rPr lang="de-DE" dirty="0" smtClean="0"/>
+              <a:t>Windows</a:t>
+            </a:r>
+          </a:p>
+          <a:p>
+            <a:pPr lvl="1"/>
+            <a:r>
+              <a:rPr lang="de-DE" dirty="0" smtClean="0"/>
+              <a:t>Mac</a:t>
+            </a:r>
+          </a:p>
+          <a:p>
+            <a:pPr lvl="1"/>
+            <a:r>
+              <a:rPr lang="de-DE" dirty="0" smtClean="0"/>
+              <a:t>Linux</a:t>
+            </a:r>
+          </a:p>
+          <a:p>
+            <a:r>
+              <a:rPr lang="de-DE" dirty="0" smtClean="0"/>
+              <a:t>Browser über </a:t>
+            </a:r>
+            <a:r>
+              <a:rPr lang="de-DE" dirty="0" err="1" smtClean="0"/>
+              <a:t>Plugin</a:t>
+            </a:r>
+            <a:endParaRPr lang="de-DE" dirty="0" smtClean="0"/>
+          </a:p>
+          <a:p>
+            <a:r>
+              <a:rPr lang="de-DE" dirty="0" smtClean="0"/>
+              <a:t>Mobile ?!?</a:t>
+            </a:r>
+          </a:p>
+          <a:p>
+            <a:pPr lvl="1"/>
+            <a:r>
+              <a:rPr lang="de-DE" dirty="0" smtClean="0"/>
+              <a:t>Läuft auf </a:t>
+            </a:r>
+            <a:r>
+              <a:rPr lang="de-DE" dirty="0" err="1" smtClean="0"/>
+              <a:t>iOS</a:t>
+            </a:r>
+            <a:r>
+              <a:rPr lang="de-DE" dirty="0" smtClean="0"/>
+              <a:t> + </a:t>
+            </a:r>
+            <a:r>
+              <a:rPr lang="de-DE" dirty="0" err="1" smtClean="0"/>
+              <a:t>Android</a:t>
+            </a:r>
+            <a:r>
+              <a:rPr lang="de-DE" dirty="0" smtClean="0"/>
+              <a:t>, aber noch technische und politische Probleme</a:t>
             </a:r>
             <a:endParaRPr lang="de-DE" dirty="0"/>
           </a:p>
@@ -9065,7 +14294,7 @@
     </p:spTree>
     <p:extLst>
       <p:ext uri="{BB962C8B-B14F-4D97-AF65-F5344CB8AC3E}">
-        <p14:creationId xmlns:p14="http://schemas.microsoft.com/office/powerpoint/2010/main" val="4264681952"/>
+        <p14:creationId xmlns:p14="http://schemas.microsoft.com/office/powerpoint/2010/main" val="3872441007"/>
       </p:ext>
     </p:extLst>
   </p:cSld>
@@ -9115,27 +14344,103 @@
           <a:lstStyle/>
           <a:p>
             <a:r>
+              <a:rPr lang="de-DE" dirty="0" err="1" smtClean="0"/>
+              <a:t>Tooling</a:t>
+            </a:r>
+            <a:endParaRPr lang="de-DE" dirty="0"/>
+          </a:p>
+        </p:txBody>
+      </p:sp>
+      <p:sp>
+        <p:nvSpPr>
+          <p:cNvPr id="3" name="Inhaltsplatzhalter 2"/>
+          <p:cNvSpPr>
+            <a:spLocks noGrp="1"/>
+          </p:cNvSpPr>
+          <p:nvPr>
+            <p:ph idx="1"/>
+          </p:nvPr>
+        </p:nvSpPr>
+        <p:spPr/>
+        <p:txBody>
+          <a:bodyPr>
+            <a:normAutofit lnSpcReduction="10000"/>
+          </a:bodyPr>
+          <a:lstStyle/>
+          <a:p>
+            <a:r>
               <a:rPr lang="de-DE" dirty="0" smtClean="0"/>
-              <a:t>Scene Graph</a:t>
+              <a:t>JVM Ökosystem</a:t>
+            </a:r>
+          </a:p>
+          <a:p>
+            <a:pPr lvl="1"/>
+            <a:r>
+              <a:rPr lang="de-DE" dirty="0" err="1" smtClean="0"/>
+              <a:t>ScalaFX</a:t>
+            </a:r>
+            <a:endParaRPr lang="de-DE" dirty="0" smtClean="0"/>
+          </a:p>
+          <a:p>
+            <a:pPr lvl="1"/>
+            <a:r>
+              <a:rPr lang="de-DE" dirty="0" err="1" smtClean="0"/>
+              <a:t>GroovyFX</a:t>
+            </a:r>
+            <a:endParaRPr lang="de-DE" dirty="0" smtClean="0"/>
+          </a:p>
+          <a:p>
+            <a:pPr lvl="1"/>
+            <a:r>
+              <a:rPr lang="de-DE" dirty="0" err="1" smtClean="0"/>
+              <a:t>Maven</a:t>
+            </a:r>
+            <a:endParaRPr lang="de-DE" dirty="0" smtClean="0"/>
+          </a:p>
+          <a:p>
+            <a:pPr lvl="1"/>
+            <a:r>
+              <a:rPr lang="de-DE" dirty="0" smtClean="0"/>
+              <a:t>…</a:t>
+            </a:r>
+          </a:p>
+          <a:p>
+            <a:r>
+              <a:rPr lang="de-DE" dirty="0" err="1"/>
+              <a:t>Netbeans</a:t>
             </a:r>
             <a:endParaRPr lang="de-DE" dirty="0"/>
           </a:p>
-        </p:txBody>
-      </p:sp>
-      <p:sp>
-        <p:nvSpPr>
-          <p:cNvPr id="6" name="Inhaltsplatzhalter 5"/>
-          <p:cNvSpPr>
-            <a:spLocks noGrp="1"/>
-          </p:cNvSpPr>
-          <p:nvPr>
-            <p:ph idx="1"/>
-          </p:nvPr>
-        </p:nvSpPr>
-        <p:spPr/>
-        <p:txBody>
-          <a:bodyPr/>
-          <a:lstStyle/>
+          <a:p>
+            <a:r>
+              <a:rPr lang="de-DE" dirty="0" smtClean="0"/>
+              <a:t>E(</a:t>
+            </a:r>
+            <a:r>
+              <a:rPr lang="de-DE" dirty="0" err="1" smtClean="0"/>
+              <a:t>fx</a:t>
+            </a:r>
+            <a:r>
+              <a:rPr lang="de-DE" dirty="0" smtClean="0"/>
+              <a:t>)</a:t>
+            </a:r>
+            <a:r>
+              <a:rPr lang="de-DE" dirty="0" err="1" smtClean="0"/>
+              <a:t>clipse</a:t>
+            </a:r>
+            <a:endParaRPr lang="de-DE" dirty="0" smtClean="0"/>
+          </a:p>
+          <a:p>
+            <a:r>
+              <a:rPr lang="de-DE" dirty="0"/>
+              <a:t>Scene </a:t>
+            </a:r>
+            <a:r>
+              <a:rPr lang="de-DE" dirty="0" err="1" smtClean="0"/>
+              <a:t>Builder</a:t>
+            </a:r>
+            <a:endParaRPr lang="de-DE" dirty="0" smtClean="0"/>
+          </a:p>
           <a:p>
             <a:r>
               <a:rPr lang="de-DE" dirty="0" err="1" smtClean="0"/>
@@ -9143,18 +14448,13 @@
             </a:r>
             <a:r>
               <a:rPr lang="de-DE" dirty="0" smtClean="0"/>
-              <a:t> strukturiert die Elemente im Scene Graph</a:t>
-            </a:r>
-          </a:p>
-          <a:p>
-            <a:r>
-              <a:rPr lang="de-DE" dirty="0" err="1" smtClean="0"/>
-              <a:t>Todo</a:t>
-            </a:r>
-            <a:r>
-              <a:rPr lang="de-DE" dirty="0" smtClean="0"/>
-              <a:t>:</a:t>
-            </a:r>
+              <a:t> Packager</a:t>
+            </a:r>
+          </a:p>
+          <a:p>
+            <a:endParaRPr lang="de-DE" dirty="0"/>
+          </a:p>
+          <a:p>
             <a:endParaRPr lang="de-DE" dirty="0"/>
           </a:p>
         </p:txBody>
@@ -9162,21 +14462,13 @@
     </p:spTree>
     <p:extLst>
       <p:ext uri="{BB962C8B-B14F-4D97-AF65-F5344CB8AC3E}">
-        <p14:creationId xmlns:p14="http://schemas.microsoft.com/office/powerpoint/2010/main" val="1105019873"/>
+        <p14:creationId xmlns:p14="http://schemas.microsoft.com/office/powerpoint/2010/main" val="1025946686"/>
       </p:ext>
     </p:extLst>
   </p:cSld>
   <p:clrMapOvr>
     <a:masterClrMapping/>
   </p:clrMapOvr>
-  <mc:AlternateContent xmlns:mc="http://schemas.openxmlformats.org/markup-compatibility/2006" xmlns:p14="http://schemas.microsoft.com/office/powerpoint/2010/main">
-    <mc:Choice Requires="p14">
-      <p:transition spd="slow" p14:dur="2000" advTm="341"/>
-    </mc:Choice>
-    <mc:Fallback xmlns="">
-      <p:transition xmlns:p14="http://schemas.microsoft.com/office/powerpoint/2010/main" spd="slow" advTm="341"/>
-    </mc:Fallback>
-  </mc:AlternateContent>
   <p:timing>
     <p:tnLst>
       <p:par>
@@ -9221,113 +14513,16 @@
           <a:p>
             <a:r>
               <a:rPr lang="de-DE" dirty="0" smtClean="0"/>
-              <a:t>API</a:t>
+              <a:t>Konzepte</a:t>
             </a:r>
             <a:endParaRPr lang="de-DE" dirty="0"/>
           </a:p>
         </p:txBody>
       </p:sp>
-      <p:sp>
-        <p:nvSpPr>
-          <p:cNvPr id="3" name="Inhaltsplatzhalter 2"/>
-          <p:cNvSpPr>
-            <a:spLocks noGrp="1"/>
-          </p:cNvSpPr>
-          <p:nvPr>
-            <p:ph idx="1"/>
-          </p:nvPr>
-        </p:nvSpPr>
-        <p:spPr>
-          <a:xfrm>
-            <a:off x="457199" y="2209800"/>
-            <a:ext cx="6778767" cy="3916363"/>
-          </a:xfrm>
-        </p:spPr>
-        <p:txBody>
-          <a:bodyPr/>
-          <a:lstStyle/>
-          <a:p>
-            <a:r>
-              <a:rPr lang="de-DE" dirty="0" smtClean="0"/>
-              <a:t>Alle Elemente der API sind mit </a:t>
-            </a:r>
-            <a:r>
-              <a:rPr lang="de-DE" dirty="0" err="1" smtClean="0"/>
-              <a:t>Builder</a:t>
-            </a:r>
-            <a:r>
-              <a:rPr lang="de-DE" dirty="0" smtClean="0"/>
-              <a:t>-API </a:t>
-            </a:r>
-            <a:r>
-              <a:rPr lang="de-DE" dirty="0" smtClean="0"/>
-              <a:t>konstruierbar</a:t>
-            </a:r>
-          </a:p>
-          <a:p>
-            <a:r>
-              <a:rPr lang="de-DE" dirty="0" smtClean="0"/>
-              <a:t>Java8 </a:t>
-            </a:r>
-            <a:r>
-              <a:rPr lang="de-DE" dirty="0" err="1" smtClean="0"/>
-              <a:t>Closures</a:t>
-            </a:r>
-            <a:r>
-              <a:rPr lang="de-DE" dirty="0" smtClean="0"/>
-              <a:t> (anonyme Klassen mit </a:t>
-            </a:r>
-            <a:r>
-              <a:rPr lang="de-DE" smtClean="0"/>
-              <a:t>1 Methode</a:t>
-            </a:r>
-            <a:r>
-              <a:rPr lang="de-DE" dirty="0" smtClean="0"/>
-              <a:t>)</a:t>
-            </a:r>
-            <a:endParaRPr lang="de-DE" dirty="0"/>
-          </a:p>
-        </p:txBody>
-      </p:sp>
-      <p:pic>
-        <p:nvPicPr>
-          <p:cNvPr id="4" name="Bild 3" descr="Bildschirmfoto 2012-11-20 um 22.24.35.png"/>
-          <p:cNvPicPr>
-            <a:picLocks noChangeAspect="1"/>
-          </p:cNvPicPr>
-          <p:nvPr/>
-        </p:nvPicPr>
-        <p:blipFill>
-          <a:blip r:embed="rId2" cstate="email">
-            <a:extLst>
-              <a:ext uri="{28A0092B-C50C-407E-A947-70E740481C1C}">
-                <a14:useLocalDpi xmlns:a14="http://schemas.microsoft.com/office/drawing/2010/main" val="0"/>
-              </a:ext>
-            </a:extLst>
-          </a:blip>
-          <a:stretch>
-            <a:fillRect/>
-          </a:stretch>
-        </p:blipFill>
-        <p:spPr>
-          <a:xfrm>
-            <a:off x="457199" y="3954653"/>
-            <a:ext cx="7137895" cy="1066874"/>
-          </a:xfrm>
-          <a:prstGeom prst="rect">
-            <a:avLst/>
-          </a:prstGeom>
-          <a:ln>
-            <a:solidFill>
-              <a:srgbClr val="EAE7E4"/>
-            </a:solidFill>
-          </a:ln>
-        </p:spPr>
-      </p:pic>
     </p:spTree>
     <p:extLst>
       <p:ext uri="{BB962C8B-B14F-4D97-AF65-F5344CB8AC3E}">
-        <p14:creationId xmlns:p14="http://schemas.microsoft.com/office/powerpoint/2010/main" val="831792553"/>
+        <p14:creationId xmlns:p14="http://schemas.microsoft.com/office/powerpoint/2010/main" val="4264681952"/>
       </p:ext>
     </p:extLst>
   </p:cSld>
@@ -9377,89 +14572,56 @@
           <a:lstStyle/>
           <a:p>
             <a:r>
-              <a:rPr lang="de-DE" dirty="0" err="1" smtClean="0"/>
-              <a:t>Propertys</a:t>
+              <a:rPr lang="de-DE" dirty="0" smtClean="0"/>
+              <a:t>Scene Graph</a:t>
             </a:r>
             <a:endParaRPr lang="de-DE" dirty="0"/>
           </a:p>
         </p:txBody>
       </p:sp>
-      <p:sp>
-        <p:nvSpPr>
+      <p:graphicFrame>
+        <p:nvGraphicFramePr>
           <p:cNvPr id="3" name="Inhaltsplatzhalter 2"/>
-          <p:cNvSpPr>
-            <a:spLocks noGrp="1"/>
-          </p:cNvSpPr>
+          <p:cNvGraphicFramePr>
+            <a:graphicFrameLocks noGrp="1"/>
+          </p:cNvGraphicFramePr>
           <p:nvPr>
             <p:ph idx="1"/>
-          </p:nvPr>
-        </p:nvSpPr>
-        <p:spPr>
-          <a:xfrm>
-            <a:off x="457199" y="2209800"/>
-            <a:ext cx="8386759" cy="3916363"/>
-          </a:xfrm>
-        </p:spPr>
-        <p:txBody>
-          <a:bodyPr>
-            <a:normAutofit/>
-          </a:bodyPr>
-          <a:lstStyle/>
-          <a:p>
-            <a:endParaRPr lang="de-DE" sz="3200" dirty="0" smtClean="0"/>
-          </a:p>
-          <a:p>
-            <a:r>
-              <a:rPr lang="de-DE" sz="3200" dirty="0" smtClean="0"/>
-              <a:t>Erweitertes </a:t>
-            </a:r>
-            <a:r>
-              <a:rPr lang="de-DE" sz="3200" dirty="0"/>
-              <a:t>Konzept der </a:t>
-            </a:r>
-            <a:r>
-              <a:rPr lang="de-DE" sz="3200" dirty="0" err="1"/>
-              <a:t>JavaBeans</a:t>
-            </a:r>
-            <a:r>
-              <a:rPr lang="de-DE" sz="3200" dirty="0"/>
-              <a:t> </a:t>
-            </a:r>
-          </a:p>
-          <a:p>
-            <a:r>
-              <a:rPr lang="de-DE" sz="3200" dirty="0" err="1"/>
-              <a:t>Bindings</a:t>
-            </a:r>
-            <a:endParaRPr lang="de-DE" sz="3200" dirty="0"/>
-          </a:p>
-          <a:p>
-            <a:r>
-              <a:rPr lang="de-DE" sz="3200" dirty="0"/>
-              <a:t>Events</a:t>
-            </a:r>
-          </a:p>
-          <a:p>
-            <a:pPr marL="0" indent="0">
-              <a:buNone/>
-            </a:pPr>
-            <a:endParaRPr lang="de-DE" sz="3200" dirty="0"/>
-          </a:p>
-          <a:p>
-            <a:endParaRPr lang="de-DE" sz="3200" dirty="0"/>
-          </a:p>
-        </p:txBody>
-      </p:sp>
+            <p:extLst>
+              <p:ext uri="{D42A27DB-BD31-4B8C-83A1-F6EECF244321}">
+                <p14:modId xmlns:p14="http://schemas.microsoft.com/office/powerpoint/2010/main" val="3122604221"/>
+              </p:ext>
+            </p:extLst>
+          </p:nvPr>
+        </p:nvGraphicFramePr>
+        <p:xfrm>
+          <a:off x="457200" y="1845892"/>
+          <a:ext cx="8370606" cy="4666003"/>
+        </p:xfrm>
+        <a:graphic>
+          <a:graphicData uri="http://schemas.openxmlformats.org/drawingml/2006/diagram">
+            <dgm:relIds xmlns:dgm="http://schemas.openxmlformats.org/drawingml/2006/diagram" xmlns:r="http://schemas.openxmlformats.org/officeDocument/2006/relationships" r:dm="rId2" r:lo="rId3" r:qs="rId4" r:cs="rId5"/>
+          </a:graphicData>
+        </a:graphic>
+      </p:graphicFrame>
     </p:spTree>
     <p:extLst>
       <p:ext uri="{BB962C8B-B14F-4D97-AF65-F5344CB8AC3E}">
-        <p14:creationId xmlns:p14="http://schemas.microsoft.com/office/powerpoint/2010/main" val="2096432239"/>
+        <p14:creationId xmlns:p14="http://schemas.microsoft.com/office/powerpoint/2010/main" val="1105019873"/>
       </p:ext>
     </p:extLst>
   </p:cSld>
   <p:clrMapOvr>
     <a:masterClrMapping/>
   </p:clrMapOvr>
+  <mc:AlternateContent xmlns:mc="http://schemas.openxmlformats.org/markup-compatibility/2006" xmlns:p14="http://schemas.microsoft.com/office/powerpoint/2010/main">
+    <mc:Choice Requires="p14">
+      <p:transition spd="slow" p14:dur="2000" advTm="341"/>
+    </mc:Choice>
+    <mc:Fallback xmlns="">
+      <p:transition xmlns:p14="http://schemas.microsoft.com/office/powerpoint/2010/main" spd="slow" advTm="341"/>
+    </mc:Fallback>
+  </mc:AlternateContent>
   <p:timing>
     <p:tnLst>
       <p:par>

--- a/JavaFX-UserGroup.pptx
+++ b/JavaFX-UserGroup.pptx
@@ -17,12 +17,12 @@
     <p:sldId id="275" r:id="rId8"/>
     <p:sldId id="272" r:id="rId9"/>
     <p:sldId id="259" r:id="rId10"/>
-    <p:sldId id="268" r:id="rId11"/>
-    <p:sldId id="267" r:id="rId12"/>
-    <p:sldId id="261" r:id="rId13"/>
-    <p:sldId id="266" r:id="rId14"/>
-    <p:sldId id="262" r:id="rId15"/>
-    <p:sldId id="265" r:id="rId16"/>
+    <p:sldId id="267" r:id="rId11"/>
+    <p:sldId id="261" r:id="rId12"/>
+    <p:sldId id="266" r:id="rId13"/>
+    <p:sldId id="262" r:id="rId14"/>
+    <p:sldId id="265" r:id="rId15"/>
+    <p:sldId id="276" r:id="rId16"/>
   </p:sldIdLst>
   <p:sldSz cx="9144000" cy="6858000" type="screen4x3"/>
   <p:notesSz cx="6858000" cy="9144000"/>
@@ -1266,6 +1266,13 @@
         </dgm:presLayoutVars>
       </dgm:prSet>
       <dgm:spPr/>
+      <dgm:t>
+        <a:bodyPr/>
+        <a:lstStyle/>
+        <a:p>
+          <a:endParaRPr lang="de-DE"/>
+        </a:p>
+      </dgm:t>
     </dgm:pt>
     <dgm:pt modelId="{AB07B0BA-2052-41F8-BDCB-56A76C54376D}" type="pres">
       <dgm:prSet presAssocID="{C25A7228-1040-453E-B8D3-A3D4DACE3165}" presName="hierRoot1" presStyleCnt="0"/>
@@ -1286,6 +1293,13 @@
         </dgm:presLayoutVars>
       </dgm:prSet>
       <dgm:spPr/>
+      <dgm:t>
+        <a:bodyPr/>
+        <a:lstStyle/>
+        <a:p>
+          <a:endParaRPr lang="de-DE"/>
+        </a:p>
+      </dgm:t>
     </dgm:pt>
     <dgm:pt modelId="{C9586401-1009-4D63-ACE6-F4548A9D746A}" type="pres">
       <dgm:prSet presAssocID="{C25A7228-1040-453E-B8D3-A3D4DACE3165}" presName="hierChild2" presStyleCnt="0"/>
@@ -1294,6 +1308,13 @@
     <dgm:pt modelId="{1FFE74A6-BDF3-4EC1-A700-9B7022AEE88C}" type="pres">
       <dgm:prSet presAssocID="{1100EF54-3071-4D39-8343-6AA06D77AFD6}" presName="Name10" presStyleLbl="parChTrans1D2" presStyleIdx="0" presStyleCnt="1"/>
       <dgm:spPr/>
+      <dgm:t>
+        <a:bodyPr/>
+        <a:lstStyle/>
+        <a:p>
+          <a:endParaRPr lang="de-DE"/>
+        </a:p>
+      </dgm:t>
     </dgm:pt>
     <dgm:pt modelId="{7D203395-92D6-4AEC-982D-B5C502579000}" type="pres">
       <dgm:prSet presAssocID="{5C09739B-D903-4464-9BE8-463231899B0F}" presName="hierRoot2" presStyleCnt="0"/>
@@ -1314,6 +1335,13 @@
         </dgm:presLayoutVars>
       </dgm:prSet>
       <dgm:spPr/>
+      <dgm:t>
+        <a:bodyPr/>
+        <a:lstStyle/>
+        <a:p>
+          <a:endParaRPr lang="de-DE"/>
+        </a:p>
+      </dgm:t>
     </dgm:pt>
     <dgm:pt modelId="{E7A42CBF-1306-443D-AC8A-3E39447E45AA}" type="pres">
       <dgm:prSet presAssocID="{5C09739B-D903-4464-9BE8-463231899B0F}" presName="hierChild3" presStyleCnt="0"/>
@@ -1322,6 +1350,13 @@
     <dgm:pt modelId="{995B2C02-3415-42BE-ADF0-51A9BAF41365}" type="pres">
       <dgm:prSet presAssocID="{3F59ABD8-4D6A-4E65-83DD-9D4BFCECC63D}" presName="Name17" presStyleLbl="parChTrans1D3" presStyleIdx="0" presStyleCnt="2"/>
       <dgm:spPr/>
+      <dgm:t>
+        <a:bodyPr/>
+        <a:lstStyle/>
+        <a:p>
+          <a:endParaRPr lang="de-DE"/>
+        </a:p>
+      </dgm:t>
     </dgm:pt>
     <dgm:pt modelId="{115F3081-3237-41DE-8CF3-E51605F4B3CC}" type="pres">
       <dgm:prSet presAssocID="{644CF794-2221-476F-9866-19D5249B8279}" presName="hierRoot3" presStyleCnt="0"/>
@@ -1342,6 +1377,13 @@
         </dgm:presLayoutVars>
       </dgm:prSet>
       <dgm:spPr/>
+      <dgm:t>
+        <a:bodyPr/>
+        <a:lstStyle/>
+        <a:p>
+          <a:endParaRPr lang="de-DE"/>
+        </a:p>
+      </dgm:t>
     </dgm:pt>
     <dgm:pt modelId="{AA7CC78C-E975-434E-BB23-7D8EE40C79DA}" type="pres">
       <dgm:prSet presAssocID="{644CF794-2221-476F-9866-19D5249B8279}" presName="hierChild4" presStyleCnt="0"/>
@@ -1350,6 +1392,13 @@
     <dgm:pt modelId="{B8378DB3-5151-414E-BEF0-B4ADD685898B}" type="pres">
       <dgm:prSet presAssocID="{907982CA-E380-4016-8B02-DD31D6D4E2C1}" presName="Name23" presStyleLbl="parChTrans1D4" presStyleIdx="0" presStyleCnt="6"/>
       <dgm:spPr/>
+      <dgm:t>
+        <a:bodyPr/>
+        <a:lstStyle/>
+        <a:p>
+          <a:endParaRPr lang="de-DE"/>
+        </a:p>
+      </dgm:t>
     </dgm:pt>
     <dgm:pt modelId="{50EA73E2-B6D1-4329-9FC1-CC7C26EDFC66}" type="pres">
       <dgm:prSet presAssocID="{DB79E800-98B7-4770-9BD3-2AAE64B2FB4B}" presName="hierRoot4" presStyleCnt="0"/>
@@ -1370,6 +1419,13 @@
         </dgm:presLayoutVars>
       </dgm:prSet>
       <dgm:spPr/>
+      <dgm:t>
+        <a:bodyPr/>
+        <a:lstStyle/>
+        <a:p>
+          <a:endParaRPr lang="de-DE"/>
+        </a:p>
+      </dgm:t>
     </dgm:pt>
     <dgm:pt modelId="{3E953A6C-3F36-4DB3-8023-DBF20535B6D7}" type="pres">
       <dgm:prSet presAssocID="{DB79E800-98B7-4770-9BD3-2AAE64B2FB4B}" presName="hierChild5" presStyleCnt="0"/>
@@ -1378,6 +1434,13 @@
     <dgm:pt modelId="{C76EBB5F-D7D6-4739-9AC5-9E94A0F8A6B6}" type="pres">
       <dgm:prSet presAssocID="{D70A4EF0-76CF-4F37-BE98-D4A94284CA08}" presName="Name23" presStyleLbl="parChTrans1D4" presStyleIdx="1" presStyleCnt="6"/>
       <dgm:spPr/>
+      <dgm:t>
+        <a:bodyPr/>
+        <a:lstStyle/>
+        <a:p>
+          <a:endParaRPr lang="de-DE"/>
+        </a:p>
+      </dgm:t>
     </dgm:pt>
     <dgm:pt modelId="{7264D35E-B0EA-4D7E-B970-BFBDAECF8D87}" type="pres">
       <dgm:prSet presAssocID="{52130900-A3D1-460C-959E-5F365CA5C583}" presName="hierRoot4" presStyleCnt="0"/>
@@ -1413,6 +1476,13 @@
     <dgm:pt modelId="{97D0FA00-55D7-4DF2-9A11-A75F9996FA31}" type="pres">
       <dgm:prSet presAssocID="{62A636F1-62AC-4225-8E54-8E786ECFE288}" presName="Name23" presStyleLbl="parChTrans1D4" presStyleIdx="2" presStyleCnt="6"/>
       <dgm:spPr/>
+      <dgm:t>
+        <a:bodyPr/>
+        <a:lstStyle/>
+        <a:p>
+          <a:endParaRPr lang="de-DE"/>
+        </a:p>
+      </dgm:t>
     </dgm:pt>
     <dgm:pt modelId="{C3099E0C-BF00-41AA-990D-836050A3D15D}" type="pres">
       <dgm:prSet presAssocID="{65F3C151-CB2C-47DC-88B5-D16F28E8DD2B}" presName="hierRoot4" presStyleCnt="0"/>
@@ -1433,6 +1503,13 @@
         </dgm:presLayoutVars>
       </dgm:prSet>
       <dgm:spPr/>
+      <dgm:t>
+        <a:bodyPr/>
+        <a:lstStyle/>
+        <a:p>
+          <a:endParaRPr lang="de-DE"/>
+        </a:p>
+      </dgm:t>
     </dgm:pt>
     <dgm:pt modelId="{94EDB95E-E403-4BB4-B82B-EB73D1DF9459}" type="pres">
       <dgm:prSet presAssocID="{65F3C151-CB2C-47DC-88B5-D16F28E8DD2B}" presName="hierChild5" presStyleCnt="0"/>
@@ -1441,6 +1518,13 @@
     <dgm:pt modelId="{E684E26C-05FA-4FC4-9472-02D07BBE2BD9}" type="pres">
       <dgm:prSet presAssocID="{75B2928D-B533-4813-8F10-9958017D67E7}" presName="Name23" presStyleLbl="parChTrans1D4" presStyleIdx="3" presStyleCnt="6"/>
       <dgm:spPr/>
+      <dgm:t>
+        <a:bodyPr/>
+        <a:lstStyle/>
+        <a:p>
+          <a:endParaRPr lang="de-DE"/>
+        </a:p>
+      </dgm:t>
     </dgm:pt>
     <dgm:pt modelId="{2923A290-08E5-46A9-9B66-A0059211E83D}" type="pres">
       <dgm:prSet presAssocID="{CB1160DD-1AEB-44D1-9554-0E01747108B9}" presName="hierRoot4" presStyleCnt="0"/>
@@ -1476,6 +1560,13 @@
     <dgm:pt modelId="{DEA01E65-012E-4327-9A8B-04B1F74724A3}" type="pres">
       <dgm:prSet presAssocID="{2F90CFEB-05C4-40ED-84F7-F3932A36C127}" presName="Name17" presStyleLbl="parChTrans1D3" presStyleIdx="1" presStyleCnt="2"/>
       <dgm:spPr/>
+      <dgm:t>
+        <a:bodyPr/>
+        <a:lstStyle/>
+        <a:p>
+          <a:endParaRPr lang="de-DE"/>
+        </a:p>
+      </dgm:t>
     </dgm:pt>
     <dgm:pt modelId="{350AA55D-0BA9-4641-A350-46E188C7F50B}" type="pres">
       <dgm:prSet presAssocID="{5A28C987-8DA0-46EE-BFD1-2B99AF6D9EEB}" presName="hierRoot3" presStyleCnt="0"/>
@@ -1511,6 +1602,13 @@
     <dgm:pt modelId="{20779836-D791-4183-8D74-ECF4E9621492}" type="pres">
       <dgm:prSet presAssocID="{F4CF6265-FC8B-4FFD-B6DA-0961155B7972}" presName="Name23" presStyleLbl="parChTrans1D4" presStyleIdx="4" presStyleCnt="6"/>
       <dgm:spPr/>
+      <dgm:t>
+        <a:bodyPr/>
+        <a:lstStyle/>
+        <a:p>
+          <a:endParaRPr lang="de-DE"/>
+        </a:p>
+      </dgm:t>
     </dgm:pt>
     <dgm:pt modelId="{968EFEED-19E6-4C4D-9A32-CC396A741775}" type="pres">
       <dgm:prSet presAssocID="{55848335-9C9E-44AF-8B9D-43E26C874503}" presName="hierRoot4" presStyleCnt="0"/>
@@ -1531,6 +1629,13 @@
         </dgm:presLayoutVars>
       </dgm:prSet>
       <dgm:spPr/>
+      <dgm:t>
+        <a:bodyPr/>
+        <a:lstStyle/>
+        <a:p>
+          <a:endParaRPr lang="de-DE"/>
+        </a:p>
+      </dgm:t>
     </dgm:pt>
     <dgm:pt modelId="{20B33A30-F7EE-432D-8259-645D4C7D84D2}" type="pres">
       <dgm:prSet presAssocID="{55848335-9C9E-44AF-8B9D-43E26C874503}" presName="hierChild5" presStyleCnt="0"/>
@@ -1539,6 +1644,13 @@
     <dgm:pt modelId="{07F61093-3CE5-4C01-8370-6FE10A700F75}" type="pres">
       <dgm:prSet presAssocID="{75616484-4155-4D3B-8BBD-92874A3C1F0C}" presName="Name23" presStyleLbl="parChTrans1D4" presStyleIdx="5" presStyleCnt="6"/>
       <dgm:spPr/>
+      <dgm:t>
+        <a:bodyPr/>
+        <a:lstStyle/>
+        <a:p>
+          <a:endParaRPr lang="de-DE"/>
+        </a:p>
+      </dgm:t>
     </dgm:pt>
     <dgm:pt modelId="{372EC0D7-6F3A-4674-BFB4-7ED720379C49}" type="pres">
       <dgm:prSet presAssocID="{B6BF2994-F5D0-41F7-8B1C-A4AC60FE1E1B}" presName="hierRoot4" presStyleCnt="0"/>
@@ -4995,7 +5107,7 @@
           <a:p>
             <a:fld id="{D6E4795D-47E8-774D-9ED5-0B5304BFB957}" type="datetimeFigureOut">
               <a:rPr lang="de-DE" smtClean="0"/>
-              <a:t>23.11.2012</a:t>
+              <a:t>25.11.12</a:t>
             </a:fld>
             <a:endParaRPr lang="de-DE"/>
           </a:p>
@@ -5328,7 +5440,7 @@
           <a:p>
             <a:fld id="{62491994-E55D-CE4B-A805-5346FBD73310}" type="slidenum">
               <a:rPr lang="de-DE" smtClean="0"/>
-              <a:t>12</a:t>
+              <a:t>11</a:t>
             </a:fld>
             <a:endParaRPr lang="de-DE"/>
           </a:p>
@@ -5658,7 +5770,7 @@
           <a:p>
             <a:fld id="{4251665B-C24A-4702-B522-6A4334602E03}" type="datetimeFigureOut">
               <a:rPr lang="en-US" smtClean="0"/>
-              <a:t>11/23/2012</a:t>
+              <a:t>25.11.12</a:t>
             </a:fld>
             <a:endParaRPr lang="en-US"/>
           </a:p>
@@ -5945,7 +6057,7 @@
           <a:p>
             <a:fld id="{4251665B-C24A-4702-B522-6A4334602E03}" type="datetimeFigureOut">
               <a:rPr lang="en-US" smtClean="0"/>
-              <a:t>11/23/2012</a:t>
+              <a:t>25.11.12</a:t>
             </a:fld>
             <a:endParaRPr lang="en-US"/>
           </a:p>
@@ -6280,7 +6392,7 @@
           <a:p>
             <a:fld id="{4251665B-C24A-4702-B522-6A4334602E03}" type="datetimeFigureOut">
               <a:rPr lang="en-US" smtClean="0"/>
-              <a:t>11/23/2012</a:t>
+              <a:t>25.11.12</a:t>
             </a:fld>
             <a:endParaRPr lang="en-US"/>
           </a:p>
@@ -6702,7 +6814,7 @@
           <a:p>
             <a:fld id="{4251665B-C24A-4702-B522-6A4334602E03}" type="datetimeFigureOut">
               <a:rPr lang="en-US" smtClean="0"/>
-              <a:t>11/23/2012</a:t>
+              <a:t>25.11.12</a:t>
             </a:fld>
             <a:endParaRPr lang="en-US"/>
           </a:p>
@@ -7119,7 +7231,7 @@
           <a:p>
             <a:fld id="{4251665B-C24A-4702-B522-6A4334602E03}" type="datetimeFigureOut">
               <a:rPr lang="en-US" smtClean="0"/>
-              <a:t>11/23/2012</a:t>
+              <a:t>25.11.12</a:t>
             </a:fld>
             <a:endParaRPr lang="en-US"/>
           </a:p>
@@ -7252,7 +7364,7 @@
           <a:p>
             <a:fld id="{4251665B-C24A-4702-B522-6A4334602E03}" type="datetimeFigureOut">
               <a:rPr lang="en-US" smtClean="0"/>
-              <a:t>11/23/2012</a:t>
+              <a:t>25.11.12</a:t>
             </a:fld>
             <a:endParaRPr lang="en-US"/>
           </a:p>
@@ -7574,7 +7686,7 @@
           <a:p>
             <a:fld id="{4251665B-C24A-4702-B522-6A4334602E03}" type="datetimeFigureOut">
               <a:rPr lang="en-US" smtClean="0"/>
-              <a:t>11/23/2012</a:t>
+              <a:t>25.11.12</a:t>
             </a:fld>
             <a:endParaRPr lang="en-US"/>
           </a:p>
@@ -7819,7 +7931,7 @@
           <a:p>
             <a:fld id="{4251665B-C24A-4702-B522-6A4334602E03}" type="datetimeFigureOut">
               <a:rPr lang="en-US" smtClean="0"/>
-              <a:t>11/23/2012</a:t>
+              <a:t>25.11.12</a:t>
             </a:fld>
             <a:endParaRPr lang="en-US"/>
           </a:p>
@@ -8157,7 +8269,7 @@
           <a:p>
             <a:fld id="{4251665B-C24A-4702-B522-6A4334602E03}" type="datetimeFigureOut">
               <a:rPr lang="en-US" smtClean="0"/>
-              <a:t>11/23/2012</a:t>
+              <a:t>25.11.12</a:t>
             </a:fld>
             <a:endParaRPr lang="en-US"/>
           </a:p>
@@ -8457,7 +8569,7 @@
           <a:p>
             <a:fld id="{4251665B-C24A-4702-B522-6A4334602E03}" type="datetimeFigureOut">
               <a:rPr lang="en-US" smtClean="0"/>
-              <a:t>11/23/2012</a:t>
+              <a:t>25.11.12</a:t>
             </a:fld>
             <a:endParaRPr lang="en-US"/>
           </a:p>
@@ -8864,7 +8976,7 @@
           <a:p>
             <a:fld id="{4251665B-C24A-4702-B522-6A4334602E03}" type="datetimeFigureOut">
               <a:rPr lang="en-US" smtClean="0"/>
-              <a:t>11/23/2012</a:t>
+              <a:t>25.11.12</a:t>
             </a:fld>
             <a:endParaRPr lang="en-US"/>
           </a:p>
@@ -9081,7 +9193,7 @@
           <a:p>
             <a:fld id="{4251665B-C24A-4702-B522-6A4334602E03}" type="datetimeFigureOut">
               <a:rPr lang="en-US" smtClean="0"/>
-              <a:t>11/23/2012</a:t>
+              <a:t>25.11.12</a:t>
             </a:fld>
             <a:endParaRPr lang="en-US"/>
           </a:p>
@@ -9334,7 +9446,7 @@
           <a:p>
             <a:fld id="{4251665B-C24A-4702-B522-6A4334602E03}" type="datetimeFigureOut">
               <a:rPr lang="en-US" smtClean="0"/>
-              <a:t>11/23/2012</a:t>
+              <a:t>25.11.12</a:t>
             </a:fld>
             <a:endParaRPr lang="en-US"/>
           </a:p>
@@ -9560,7 +9672,7 @@
           <a:p>
             <a:fld id="{4251665B-C24A-4702-B522-6A4334602E03}" type="datetimeFigureOut">
               <a:rPr lang="en-US" smtClean="0"/>
-              <a:t>11/23/2012</a:t>
+              <a:t>25.11.12</a:t>
             </a:fld>
             <a:endParaRPr lang="en-US"/>
           </a:p>
@@ -9930,7 +10042,7 @@
           <a:p>
             <a:fld id="{4251665B-C24A-4702-B522-6A4334602E03}" type="datetimeFigureOut">
               <a:rPr lang="en-US" smtClean="0"/>
-              <a:t>11/23/2012</a:t>
+              <a:t>25.11.12</a:t>
             </a:fld>
             <a:endParaRPr lang="en-US"/>
           </a:p>
@@ -10257,7 +10369,7 @@
           <a:p>
             <a:fld id="{4251665B-C24A-4702-B522-6A4334602E03}" type="datetimeFigureOut">
               <a:rPr lang="en-US" smtClean="0"/>
-              <a:t>11/23/2012</a:t>
+              <a:t>25.11.12</a:t>
             </a:fld>
             <a:endParaRPr lang="en-US"/>
           </a:p>
@@ -10592,7 +10704,7 @@
           <a:p>
             <a:fld id="{4251665B-C24A-4702-B522-6A4334602E03}" type="datetimeFigureOut">
               <a:rPr lang="en-US" smtClean="0"/>
-              <a:t>11/23/2012</a:t>
+              <a:t>25.11.12</a:t>
             </a:fld>
             <a:endParaRPr lang="en-US"/>
           </a:p>
@@ -11215,7 +11327,7 @@
           <a:p>
             <a:fld id="{4251665B-C24A-4702-B522-6A4334602E03}" type="datetimeFigureOut">
               <a:rPr lang="en-US" smtClean="0"/>
-              <a:t>11/23/2012</a:t>
+              <a:t>25.11.12</a:t>
             </a:fld>
             <a:endParaRPr lang="en-US"/>
           </a:p>
@@ -11702,7 +11814,7 @@
           <a:p>
             <a:fld id="{4251665B-C24A-4702-B522-6A4334602E03}" type="datetimeFigureOut">
               <a:rPr lang="en-US" smtClean="0"/>
-              <a:t>11/23/2012</a:t>
+              <a:t>25.11.12</a:t>
             </a:fld>
             <a:endParaRPr lang="en-US"/>
           </a:p>
@@ -11911,7 +12023,7 @@
           <a:p>
             <a:fld id="{4251665B-C24A-4702-B522-6A4334602E03}" type="datetimeFigureOut">
               <a:rPr lang="en-US" smtClean="0"/>
-              <a:t>11/23/2012</a:t>
+              <a:t>25.11.12</a:t>
             </a:fld>
             <a:endParaRPr lang="en-US"/>
           </a:p>
@@ -12402,7 +12514,7 @@
   <p:timing>
     <p:tnLst>
       <p:par>
-        <p:cTn id="1" dur="indefinite" restart="never" nodeType="tmRoot"/>
+        <p:cTn xmlns:p14="http://schemas.microsoft.com/office/powerpoint/2010/main" id="1" dur="indefinite" restart="never" nodeType="tmRoot"/>
       </p:par>
     </p:tnLst>
   </p:timing>
@@ -12442,8 +12554,8 @@
           <a:lstStyle/>
           <a:p>
             <a:r>
-              <a:rPr lang="de-DE" dirty="0" smtClean="0"/>
-              <a:t>API</a:t>
+              <a:rPr lang="de-DE" dirty="0" err="1" smtClean="0"/>
+              <a:t>Propertys</a:t>
             </a:r>
             <a:endParaRPr lang="de-DE" dirty="0"/>
           </a:p>
@@ -12462,128 +12574,84 @@
         <p:spPr>
           <a:xfrm>
             <a:off x="457199" y="2209800"/>
-            <a:ext cx="6778767" cy="3916363"/>
+            <a:ext cx="8386759" cy="3916363"/>
           </a:xfrm>
         </p:spPr>
         <p:txBody>
-          <a:bodyPr/>
+          <a:bodyPr>
+            <a:normAutofit/>
+          </a:bodyPr>
           <a:lstStyle/>
           <a:p>
-            <a:r>
-              <a:rPr lang="de-DE" dirty="0" smtClean="0"/>
-              <a:t>Alle Elemente der API sind mit </a:t>
-            </a:r>
-            <a:r>
-              <a:rPr lang="de-DE" dirty="0" err="1" smtClean="0"/>
-              <a:t>Builder</a:t>
-            </a:r>
-            <a:r>
-              <a:rPr lang="de-DE" dirty="0" smtClean="0"/>
-              <a:t>-API konstruierbar</a:t>
-            </a:r>
-          </a:p>
-          <a:p>
-            <a:endParaRPr lang="de-DE" dirty="0" smtClean="0"/>
-          </a:p>
-          <a:p>
-            <a:endParaRPr lang="de-DE" dirty="0"/>
-          </a:p>
-          <a:p>
-            <a:r>
-              <a:rPr lang="de-DE" dirty="0" smtClean="0"/>
-              <a:t>Java8 </a:t>
-            </a:r>
-            <a:r>
-              <a:rPr lang="de-DE" dirty="0" err="1" smtClean="0"/>
-              <a:t>Closures</a:t>
-            </a:r>
-            <a:r>
-              <a:rPr lang="de-DE" dirty="0" smtClean="0"/>
+            <a:endParaRPr lang="de-DE" sz="3200" dirty="0" smtClean="0"/>
+          </a:p>
+          <a:p>
+            <a:r>
+              <a:rPr lang="de-DE" sz="3200" dirty="0" smtClean="0"/>
+              <a:t> Erweitertes </a:t>
+            </a:r>
+            <a:r>
+              <a:rPr lang="de-DE" sz="3200" dirty="0"/>
+              <a:t>Konzept der </a:t>
+            </a:r>
+            <a:r>
+              <a:rPr lang="de-DE" sz="3200" dirty="0" err="1"/>
+              <a:t>JavaBeans</a:t>
+            </a:r>
+            <a:r>
+              <a:rPr lang="de-DE" sz="3200" dirty="0"/>
               <a:t> </a:t>
             </a:r>
-            <a:r>
-              <a:rPr lang="de-DE" dirty="0" smtClean="0"/>
-              <a:t>(anonyme Klassen mit 1 Methode</a:t>
-            </a:r>
-            <a:r>
-              <a:rPr lang="de-DE" dirty="0" smtClean="0"/>
-              <a:t>)</a:t>
-            </a:r>
-          </a:p>
-          <a:p>
-            <a:endParaRPr lang="de-DE" dirty="0"/>
-          </a:p>
-        </p:txBody>
-      </p:sp>
-      <p:pic>
-        <p:nvPicPr>
-          <p:cNvPr id="4" name="Bild 3" descr="Bildschirmfoto 2012-11-20 um 22.24.35.png"/>
-          <p:cNvPicPr>
-            <a:picLocks noChangeAspect="1"/>
-          </p:cNvPicPr>
-          <p:nvPr/>
-        </p:nvPicPr>
-        <p:blipFill>
-          <a:blip r:embed="rId2" cstate="email">
-            <a:extLst>
-              <a:ext uri="{28A0092B-C50C-407E-A947-70E740481C1C}">
-                <a14:useLocalDpi xmlns:a14="http://schemas.microsoft.com/office/drawing/2010/main" val="0"/>
-              </a:ext>
-            </a:extLst>
-          </a:blip>
-          <a:stretch>
-            <a:fillRect/>
-          </a:stretch>
-        </p:blipFill>
-        <p:spPr>
-          <a:xfrm>
-            <a:off x="457199" y="2996825"/>
-            <a:ext cx="7137895" cy="1066874"/>
-          </a:xfrm>
-          <a:prstGeom prst="rect">
-            <a:avLst/>
-          </a:prstGeom>
-          <a:ln>
-            <a:solidFill>
-              <a:srgbClr val="EAE7E4"/>
-            </a:solidFill>
-          </a:ln>
-        </p:spPr>
-      </p:pic>
-      <p:pic>
-        <p:nvPicPr>
-          <p:cNvPr id="7" name="Grafik 6"/>
-          <p:cNvPicPr>
-            <a:picLocks noChangeAspect="1"/>
-          </p:cNvPicPr>
-          <p:nvPr/>
-        </p:nvPicPr>
-        <p:blipFill>
-          <a:blip r:embed="rId3">
-            <a:extLst>
-              <a:ext uri="{28A0092B-C50C-407E-A947-70E740481C1C}">
-                <a14:useLocalDpi xmlns:a14="http://schemas.microsoft.com/office/drawing/2010/main" val="0"/>
-              </a:ext>
-            </a:extLst>
-          </a:blip>
-          <a:stretch>
-            <a:fillRect/>
-          </a:stretch>
-        </p:blipFill>
-        <p:spPr>
-          <a:xfrm>
-            <a:off x="457200" y="4635526"/>
-            <a:ext cx="5148841" cy="1212171"/>
-          </a:xfrm>
-          <a:prstGeom prst="rect">
-            <a:avLst/>
-          </a:prstGeom>
-        </p:spPr>
-      </p:pic>
+          </a:p>
+          <a:p>
+            <a:r>
+              <a:rPr lang="de-DE" sz="3200" dirty="0" err="1" smtClean="0"/>
+              <a:t>Wrappen</a:t>
+            </a:r>
+            <a:r>
+              <a:rPr lang="de-DE" sz="3200" dirty="0" smtClean="0"/>
+              <a:t> </a:t>
+            </a:r>
+            <a:r>
+              <a:rPr lang="de-DE" sz="3200" dirty="0" err="1" smtClean="0"/>
+              <a:t>bla</a:t>
+            </a:r>
+            <a:r>
+              <a:rPr lang="de-DE" sz="3200" dirty="0" smtClean="0"/>
+              <a:t>: </a:t>
+            </a:r>
+          </a:p>
+          <a:p>
+            <a:pPr lvl="1"/>
+            <a:r>
+              <a:rPr lang="de-DE" sz="3000" dirty="0" err="1" smtClean="0"/>
+              <a:t>Bindings</a:t>
+            </a:r>
+            <a:endParaRPr lang="de-DE" sz="3000" dirty="0"/>
+          </a:p>
+          <a:p>
+            <a:pPr lvl="1"/>
+            <a:r>
+              <a:rPr lang="de-DE" sz="3000" dirty="0" err="1" smtClean="0"/>
+              <a:t>Listener</a:t>
+            </a:r>
+            <a:endParaRPr lang="de-DE" sz="3000" dirty="0"/>
+          </a:p>
+          <a:p>
+            <a:pPr marL="0" indent="0">
+              <a:buNone/>
+            </a:pPr>
+            <a:endParaRPr lang="de-DE" sz="3200" dirty="0"/>
+          </a:p>
+          <a:p>
+            <a:endParaRPr lang="de-DE" sz="3200" dirty="0"/>
+          </a:p>
+        </p:txBody>
+      </p:sp>
     </p:spTree>
     <p:extLst>
       <p:ext uri="{BB962C8B-B14F-4D97-AF65-F5344CB8AC3E}">
-        <p14:creationId xmlns:p14="http://schemas.microsoft.com/office/powerpoint/2010/main" val="831792553"/>
+        <p14:creationId xmlns:p14="http://schemas.microsoft.com/office/powerpoint/2010/main" val="2096432239"/>
       </p:ext>
     </p:extLst>
   </p:cSld>
@@ -12593,7 +12661,7 @@
   <p:timing>
     <p:tnLst>
       <p:par>
-        <p:cTn id="1" dur="indefinite" restart="never" nodeType="tmRoot"/>
+        <p:cTn xmlns:p14="http://schemas.microsoft.com/office/powerpoint/2010/main" id="1" dur="indefinite" restart="never" nodeType="tmRoot"/>
       </p:par>
     </p:tnLst>
   </p:timing>
@@ -12636,141 +12704,6 @@
               <a:rPr lang="de-DE" dirty="0" err="1" smtClean="0"/>
               <a:t>Propertys</a:t>
             </a:r>
-            <a:endParaRPr lang="de-DE" dirty="0"/>
-          </a:p>
-        </p:txBody>
-      </p:sp>
-      <p:sp>
-        <p:nvSpPr>
-          <p:cNvPr id="3" name="Inhaltsplatzhalter 2"/>
-          <p:cNvSpPr>
-            <a:spLocks noGrp="1"/>
-          </p:cNvSpPr>
-          <p:nvPr>
-            <p:ph idx="1"/>
-          </p:nvPr>
-        </p:nvSpPr>
-        <p:spPr>
-          <a:xfrm>
-            <a:off x="457199" y="2209800"/>
-            <a:ext cx="8386759" cy="3916363"/>
-          </a:xfrm>
-        </p:spPr>
-        <p:txBody>
-          <a:bodyPr>
-            <a:normAutofit/>
-          </a:bodyPr>
-          <a:lstStyle/>
-          <a:p>
-            <a:endParaRPr lang="de-DE" sz="3200" dirty="0" smtClean="0"/>
-          </a:p>
-          <a:p>
-            <a:r>
-              <a:rPr lang="de-DE" sz="3200" dirty="0" smtClean="0"/>
-              <a:t> Erweitertes </a:t>
-            </a:r>
-            <a:r>
-              <a:rPr lang="de-DE" sz="3200" dirty="0"/>
-              <a:t>Konzept der </a:t>
-            </a:r>
-            <a:r>
-              <a:rPr lang="de-DE" sz="3200" dirty="0" err="1"/>
-              <a:t>JavaBeans</a:t>
-            </a:r>
-            <a:r>
-              <a:rPr lang="de-DE" sz="3200" dirty="0"/>
-              <a:t> </a:t>
-            </a:r>
-          </a:p>
-          <a:p>
-            <a:r>
-              <a:rPr lang="de-DE" sz="3200" dirty="0" smtClean="0"/>
-              <a:t> </a:t>
-            </a:r>
-            <a:r>
-              <a:rPr lang="de-DE" sz="3200" dirty="0" err="1" smtClean="0"/>
-              <a:t>Bindings</a:t>
-            </a:r>
-            <a:endParaRPr lang="de-DE" sz="3200" dirty="0"/>
-          </a:p>
-          <a:p>
-            <a:r>
-              <a:rPr lang="de-DE" sz="3200" dirty="0" smtClean="0"/>
-              <a:t> </a:t>
-            </a:r>
-            <a:r>
-              <a:rPr lang="de-DE" sz="3200" dirty="0" err="1" smtClean="0"/>
-              <a:t>Listener</a:t>
-            </a:r>
-            <a:endParaRPr lang="de-DE" sz="3200" dirty="0"/>
-          </a:p>
-          <a:p>
-            <a:pPr marL="0" indent="0">
-              <a:buNone/>
-            </a:pPr>
-            <a:endParaRPr lang="de-DE" sz="3200" dirty="0"/>
-          </a:p>
-          <a:p>
-            <a:endParaRPr lang="de-DE" sz="3200" dirty="0"/>
-          </a:p>
-        </p:txBody>
-      </p:sp>
-    </p:spTree>
-    <p:extLst>
-      <p:ext uri="{BB962C8B-B14F-4D97-AF65-F5344CB8AC3E}">
-        <p14:creationId xmlns:p14="http://schemas.microsoft.com/office/powerpoint/2010/main" val="2096432239"/>
-      </p:ext>
-    </p:extLst>
-  </p:cSld>
-  <p:clrMapOvr>
-    <a:masterClrMapping/>
-  </p:clrMapOvr>
-  <p:timing>
-    <p:tnLst>
-      <p:par>
-        <p:cTn id="1" dur="indefinite" restart="never" nodeType="tmRoot"/>
-      </p:par>
-    </p:tnLst>
-  </p:timing>
-</p:sld>
-</file>
-
-<file path=ppt/slides/slide12.xml><?xml version="1.0" encoding="utf-8"?>
-<p:sld xmlns:a="http://schemas.openxmlformats.org/drawingml/2006/main" xmlns:r="http://schemas.openxmlformats.org/officeDocument/2006/relationships" xmlns:p="http://schemas.openxmlformats.org/presentationml/2006/main">
-  <p:cSld>
-    <p:spTree>
-      <p:nvGrpSpPr>
-        <p:cNvPr id="1" name=""/>
-        <p:cNvGrpSpPr/>
-        <p:nvPr/>
-      </p:nvGrpSpPr>
-      <p:grpSpPr>
-        <a:xfrm>
-          <a:off x="0" y="0"/>
-          <a:ext cx="0" cy="0"/>
-          <a:chOff x="0" y="0"/>
-          <a:chExt cx="0" cy="0"/>
-        </a:xfrm>
-      </p:grpSpPr>
-      <p:sp>
-        <p:nvSpPr>
-          <p:cNvPr id="2" name="Titel 1"/>
-          <p:cNvSpPr>
-            <a:spLocks noGrp="1"/>
-          </p:cNvSpPr>
-          <p:nvPr>
-            <p:ph type="title"/>
-          </p:nvPr>
-        </p:nvSpPr>
-        <p:spPr/>
-        <p:txBody>
-          <a:bodyPr/>
-          <a:lstStyle/>
-          <a:p>
-            <a:r>
-              <a:rPr lang="de-DE" dirty="0" err="1" smtClean="0"/>
-              <a:t>Propertys</a:t>
-            </a:r>
             <a:r>
               <a:rPr lang="de-DE" dirty="0"/>
               <a:t> </a:t>
@@ -12790,18 +12723,6 @@
             <a:br>
               <a:rPr lang="de-DE" dirty="0" smtClean="0"/>
             </a:br>
-            <a:r>
-              <a:rPr lang="de-DE" dirty="0" smtClean="0"/>
-              <a:t>(bitte </a:t>
-            </a:r>
-            <a:r>
-              <a:rPr lang="de-DE" dirty="0" err="1" smtClean="0"/>
-              <a:t>name</a:t>
-            </a:r>
-            <a:r>
-              <a:rPr lang="de-DE" dirty="0" smtClean="0"/>
-              <a:t> private!)</a:t>
-            </a:r>
             <a:endParaRPr lang="de-DE" sz="1600" dirty="0"/>
           </a:p>
         </p:txBody>
@@ -12843,14 +12764,14 @@
       </p:pic>
       <p:pic>
         <p:nvPicPr>
-          <p:cNvPr id="10" name="Bild 9" descr="Bildschirmfoto 2012-11-20 um 21.56.23.png"/>
+          <p:cNvPr id="5" name="Bild 4" descr="Bildschirmfoto 2012-11-25 um 15.36.43.png"/>
           <p:cNvPicPr>
             <a:picLocks noChangeAspect="1"/>
           </p:cNvPicPr>
           <p:nvPr/>
         </p:nvPicPr>
         <p:blipFill>
-          <a:blip r:embed="rId4" cstate="email">
+          <a:blip r:embed="rId4">
             <a:extLst>
               <a:ext uri="{28A0092B-C50C-407E-A947-70E740481C1C}">
                 <a14:useLocalDpi xmlns:a14="http://schemas.microsoft.com/office/drawing/2010/main" val="0"/>
@@ -12863,84 +12784,159 @@
         </p:blipFill>
         <p:spPr>
           <a:xfrm>
-            <a:off x="4006133" y="2814209"/>
-            <a:ext cx="5022595" cy="3411574"/>
+            <a:off x="686742" y="3038571"/>
+            <a:ext cx="685848" cy="215915"/>
           </a:xfrm>
           <a:prstGeom prst="rect">
             <a:avLst/>
           </a:prstGeom>
-          <a:ln>
-            <a:solidFill>
-              <a:schemeClr val="bg2"/>
-            </a:solidFill>
-          </a:ln>
         </p:spPr>
       </p:pic>
-      <p:cxnSp>
-        <p:nvCxnSpPr>
-          <p:cNvPr id="8" name="Gerade Verbindung mit Pfeil 7"/>
-          <p:cNvCxnSpPr/>
+      <p:grpSp>
+        <p:nvGrpSpPr>
+          <p:cNvPr id="6" name="Gruppierung 5"/>
+          <p:cNvGrpSpPr/>
           <p:nvPr/>
-        </p:nvCxnSpPr>
-        <p:spPr>
+        </p:nvGrpSpPr>
+        <p:grpSpPr>
           <a:xfrm>
-            <a:off x="2154371" y="5987638"/>
-            <a:ext cx="1851762" cy="0"/>
+            <a:off x="2154371" y="2814209"/>
+            <a:ext cx="6874357" cy="3411574"/>
+            <a:chOff x="2154371" y="2814209"/>
+            <a:chExt cx="6874357" cy="3411574"/>
           </a:xfrm>
-          <a:prstGeom prst="straightConnector1">
-            <a:avLst/>
-          </a:prstGeom>
-          <a:ln>
-            <a:tailEnd type="arrow"/>
-          </a:ln>
-        </p:spPr>
-        <p:style>
-          <a:lnRef idx="2">
-            <a:schemeClr val="accent1"/>
-          </a:lnRef>
-          <a:fillRef idx="0">
-            <a:schemeClr val="accent1"/>
-          </a:fillRef>
-          <a:effectRef idx="1">
-            <a:schemeClr val="accent1"/>
-          </a:effectRef>
-          <a:fontRef idx="minor">
-            <a:schemeClr val="tx1"/>
-          </a:fontRef>
-        </p:style>
-      </p:cxnSp>
-      <p:cxnSp>
-        <p:nvCxnSpPr>
-          <p:cNvPr id="18" name="Gerade Verbindung 17"/>
-          <p:cNvCxnSpPr>
-            <a:stCxn id="4" idx="2"/>
-          </p:cNvCxnSpPr>
-          <p:nvPr/>
-        </p:nvCxnSpPr>
-        <p:spPr>
-          <a:xfrm>
-            <a:off x="2154371" y="5532198"/>
-            <a:ext cx="0" cy="455440"/>
-          </a:xfrm>
-          <a:prstGeom prst="line">
-            <a:avLst/>
-          </a:prstGeom>
-        </p:spPr>
-        <p:style>
-          <a:lnRef idx="2">
-            <a:schemeClr val="accent1"/>
-          </a:lnRef>
-          <a:fillRef idx="0">
-            <a:schemeClr val="accent1"/>
-          </a:fillRef>
-          <a:effectRef idx="1">
-            <a:schemeClr val="accent1"/>
-          </a:effectRef>
-          <a:fontRef idx="minor">
-            <a:schemeClr val="tx1"/>
-          </a:fontRef>
-        </p:style>
-      </p:cxnSp>
+        </p:grpSpPr>
+        <p:pic>
+          <p:nvPicPr>
+            <p:cNvPr id="10" name="Bild 9" descr="Bildschirmfoto 2012-11-20 um 21.56.23.png"/>
+            <p:cNvPicPr>
+              <a:picLocks noChangeAspect="1"/>
+            </p:cNvPicPr>
+            <p:nvPr/>
+          </p:nvPicPr>
+          <p:blipFill>
+            <a:blip r:embed="rId5" cstate="email">
+              <a:extLst>
+                <a:ext uri="{28A0092B-C50C-407E-A947-70E740481C1C}">
+                  <a14:useLocalDpi xmlns:a14="http://schemas.microsoft.com/office/drawing/2010/main" val="0"/>
+                </a:ext>
+              </a:extLst>
+            </a:blip>
+            <a:stretch>
+              <a:fillRect/>
+            </a:stretch>
+          </p:blipFill>
+          <p:spPr>
+            <a:xfrm>
+              <a:off x="4006133" y="2814209"/>
+              <a:ext cx="5022595" cy="3411574"/>
+            </a:xfrm>
+            <a:prstGeom prst="rect">
+              <a:avLst/>
+            </a:prstGeom>
+            <a:ln>
+              <a:solidFill>
+                <a:schemeClr val="bg2"/>
+              </a:solidFill>
+            </a:ln>
+          </p:spPr>
+        </p:pic>
+        <p:cxnSp>
+          <p:nvCxnSpPr>
+            <p:cNvPr id="8" name="Gerade Verbindung mit Pfeil 7"/>
+            <p:cNvCxnSpPr/>
+            <p:nvPr/>
+          </p:nvCxnSpPr>
+          <p:spPr>
+            <a:xfrm>
+              <a:off x="2154371" y="5987638"/>
+              <a:ext cx="1851762" cy="0"/>
+            </a:xfrm>
+            <a:prstGeom prst="straightConnector1">
+              <a:avLst/>
+            </a:prstGeom>
+            <a:ln>
+              <a:tailEnd type="arrow"/>
+            </a:ln>
+          </p:spPr>
+          <p:style>
+            <a:lnRef idx="2">
+              <a:schemeClr val="accent1"/>
+            </a:lnRef>
+            <a:fillRef idx="0">
+              <a:schemeClr val="accent1"/>
+            </a:fillRef>
+            <a:effectRef idx="1">
+              <a:schemeClr val="accent1"/>
+            </a:effectRef>
+            <a:fontRef idx="minor">
+              <a:schemeClr val="tx1"/>
+            </a:fontRef>
+          </p:style>
+        </p:cxnSp>
+        <p:cxnSp>
+          <p:nvCxnSpPr>
+            <p:cNvPr id="18" name="Gerade Verbindung 17"/>
+            <p:cNvCxnSpPr>
+              <a:stCxn id="4" idx="2"/>
+            </p:cNvCxnSpPr>
+            <p:nvPr/>
+          </p:nvCxnSpPr>
+          <p:spPr>
+            <a:xfrm>
+              <a:off x="2154371" y="5532198"/>
+              <a:ext cx="0" cy="455440"/>
+            </a:xfrm>
+            <a:prstGeom prst="line">
+              <a:avLst/>
+            </a:prstGeom>
+          </p:spPr>
+          <p:style>
+            <a:lnRef idx="2">
+              <a:schemeClr val="accent1"/>
+            </a:lnRef>
+            <a:fillRef idx="0">
+              <a:schemeClr val="accent1"/>
+            </a:fillRef>
+            <a:effectRef idx="1">
+              <a:schemeClr val="accent1"/>
+            </a:effectRef>
+            <a:fontRef idx="minor">
+              <a:schemeClr val="tx1"/>
+            </a:fontRef>
+          </p:style>
+        </p:cxnSp>
+        <p:pic>
+          <p:nvPicPr>
+            <p:cNvPr id="9" name="Bild 8" descr="Bildschirmfoto 2012-11-25 um 15.36.43.png"/>
+            <p:cNvPicPr>
+              <a:picLocks noChangeAspect="1"/>
+            </p:cNvPicPr>
+            <p:nvPr/>
+          </p:nvPicPr>
+          <p:blipFill>
+            <a:blip r:embed="rId4">
+              <a:extLst>
+                <a:ext uri="{28A0092B-C50C-407E-A947-70E740481C1C}">
+                  <a14:useLocalDpi xmlns:a14="http://schemas.microsoft.com/office/drawing/2010/main" val="0"/>
+                </a:ext>
+              </a:extLst>
+            </a:blip>
+            <a:stretch>
+              <a:fillRect/>
+            </a:stretch>
+          </p:blipFill>
+          <p:spPr>
+            <a:xfrm>
+              <a:off x="4214155" y="3150184"/>
+              <a:ext cx="685848" cy="215915"/>
+            </a:xfrm>
+            <a:prstGeom prst="rect">
+              <a:avLst/>
+            </a:prstGeom>
+          </p:spPr>
+        </p:pic>
+      </p:grpSp>
     </p:spTree>
     <p:extLst>
       <p:ext uri="{BB962C8B-B14F-4D97-AF65-F5344CB8AC3E}">
@@ -12954,14 +12950,82 @@
   <p:timing>
     <p:tnLst>
       <p:par>
-        <p:cTn id="1" dur="indefinite" restart="never" nodeType="tmRoot"/>
+        <p:cTn xmlns:p14="http://schemas.microsoft.com/office/powerpoint/2010/main" id="1" dur="indefinite" restart="never" nodeType="tmRoot">
+          <p:childTnLst>
+            <p:seq concurrent="1" nextAc="seek">
+              <p:cTn id="2" dur="indefinite" nodeType="mainSeq">
+                <p:childTnLst>
+                  <p:par>
+                    <p:cTn id="3" fill="hold">
+                      <p:stCondLst>
+                        <p:cond delay="indefinite"/>
+                      </p:stCondLst>
+                      <p:childTnLst>
+                        <p:par>
+                          <p:cTn id="4" fill="hold">
+                            <p:stCondLst>
+                              <p:cond delay="0"/>
+                            </p:stCondLst>
+                            <p:childTnLst>
+                              <p:par>
+                                <p:cTn id="5" presetID="1" presetClass="entr" presetSubtype="0" fill="hold" nodeType="clickEffect">
+                                  <p:stCondLst>
+                                    <p:cond delay="0"/>
+                                  </p:stCondLst>
+                                  <p:childTnLst>
+                                    <p:set>
+                                      <p:cBhvr>
+                                        <p:cTn id="6" dur="1" fill="hold">
+                                          <p:stCondLst>
+                                            <p:cond delay="0"/>
+                                          </p:stCondLst>
+                                        </p:cTn>
+                                        <p:tgtEl>
+                                          <p:spTgt spid="6"/>
+                                        </p:tgtEl>
+                                        <p:attrNameLst>
+                                          <p:attrName>style.visibility</p:attrName>
+                                        </p:attrNameLst>
+                                      </p:cBhvr>
+                                      <p:to>
+                                        <p:strVal val="visible"/>
+                                      </p:to>
+                                    </p:set>
+                                  </p:childTnLst>
+                                </p:cTn>
+                              </p:par>
+                            </p:childTnLst>
+                          </p:cTn>
+                        </p:par>
+                      </p:childTnLst>
+                    </p:cTn>
+                  </p:par>
+                </p:childTnLst>
+              </p:cTn>
+              <p:prevCondLst>
+                <p:cond evt="onPrev" delay="0">
+                  <p:tgtEl>
+                    <p:sldTgt/>
+                  </p:tgtEl>
+                </p:cond>
+              </p:prevCondLst>
+              <p:nextCondLst>
+                <p:cond evt="onNext" delay="0">
+                  <p:tgtEl>
+                    <p:sldTgt/>
+                  </p:tgtEl>
+                </p:cond>
+              </p:nextCondLst>
+            </p:seq>
+          </p:childTnLst>
+        </p:cTn>
       </p:par>
     </p:tnLst>
   </p:timing>
 </p:sld>
 </file>
 
-<file path=ppt/slides/slide13.xml><?xml version="1.0" encoding="utf-8"?>
+<file path=ppt/slides/slide12.xml><?xml version="1.0" encoding="utf-8"?>
 <p:sld xmlns:a="http://schemas.openxmlformats.org/drawingml/2006/main" xmlns:r="http://schemas.openxmlformats.org/officeDocument/2006/relationships" xmlns:p="http://schemas.openxmlformats.org/presentationml/2006/main">
   <p:cSld>
     <p:spTree>
@@ -13052,15 +13116,7 @@
             </a:r>
             <a:r>
               <a:rPr lang="de-DE" sz="2400" dirty="0" smtClean="0"/>
-              <a:t> wirken sich auf den </a:t>
-            </a:r>
-            <a:r>
-              <a:rPr lang="de-DE" sz="2400" dirty="0" smtClean="0"/>
-              <a:t>Bindungspartner </a:t>
-            </a:r>
-            <a:r>
-              <a:rPr lang="de-DE" sz="2400" dirty="0" smtClean="0"/>
-              <a:t>aus</a:t>
+              <a:t> wirken sich auf den Bindungspartner aus</a:t>
             </a:r>
           </a:p>
           <a:p>
@@ -13122,14 +13178,14 @@
   <p:timing>
     <p:tnLst>
       <p:par>
-        <p:cTn id="1" dur="indefinite" restart="never" nodeType="tmRoot"/>
+        <p:cTn xmlns:p14="http://schemas.microsoft.com/office/powerpoint/2010/main" id="1" dur="indefinite" restart="never" nodeType="tmRoot"/>
       </p:par>
     </p:tnLst>
   </p:timing>
 </p:sld>
 </file>
 
-<file path=ppt/slides/slide14.xml><?xml version="1.0" encoding="utf-8"?>
+<file path=ppt/slides/slide13.xml><?xml version="1.0" encoding="utf-8"?>
 <p:sld xmlns:a="http://schemas.openxmlformats.org/drawingml/2006/main" xmlns:r="http://schemas.openxmlformats.org/officeDocument/2006/relationships" xmlns:p="http://schemas.openxmlformats.org/presentationml/2006/main">
   <p:cSld>
     <p:spTree>
@@ -13250,7 +13306,98 @@
   <p:timing>
     <p:tnLst>
       <p:par>
-        <p:cTn id="1" dur="indefinite" restart="never" nodeType="tmRoot"/>
+        <p:cTn xmlns:p14="http://schemas.microsoft.com/office/powerpoint/2010/main" id="1" dur="indefinite" restart="never" nodeType="tmRoot"/>
+      </p:par>
+    </p:tnLst>
+  </p:timing>
+</p:sld>
+</file>
+
+<file path=ppt/slides/slide14.xml><?xml version="1.0" encoding="utf-8"?>
+<p:sld xmlns:a="http://schemas.openxmlformats.org/drawingml/2006/main" xmlns:r="http://schemas.openxmlformats.org/officeDocument/2006/relationships" xmlns:p="http://schemas.openxmlformats.org/presentationml/2006/main">
+  <p:cSld>
+    <p:spTree>
+      <p:nvGrpSpPr>
+        <p:cNvPr id="1" name=""/>
+        <p:cNvGrpSpPr/>
+        <p:nvPr/>
+      </p:nvGrpSpPr>
+      <p:grpSpPr>
+        <a:xfrm>
+          <a:off x="0" y="0"/>
+          <a:ext cx="0" cy="0"/>
+          <a:chOff x="0" y="0"/>
+          <a:chExt cx="0" cy="0"/>
+        </a:xfrm>
+      </p:grpSpPr>
+      <p:sp>
+        <p:nvSpPr>
+          <p:cNvPr id="2" name="Titel 1"/>
+          <p:cNvSpPr>
+            <a:spLocks noGrp="1"/>
+          </p:cNvSpPr>
+          <p:nvPr>
+            <p:ph type="title"/>
+          </p:nvPr>
+        </p:nvSpPr>
+        <p:spPr/>
+        <p:txBody>
+          <a:bodyPr/>
+          <a:lstStyle/>
+          <a:p>
+            <a:r>
+              <a:rPr lang="de-DE" dirty="0" smtClean="0"/>
+              <a:t>Beispiele</a:t>
+            </a:r>
+            <a:endParaRPr lang="de-DE" dirty="0"/>
+          </a:p>
+        </p:txBody>
+      </p:sp>
+      <p:sp>
+        <p:nvSpPr>
+          <p:cNvPr id="3" name="Inhaltsplatzhalter 2"/>
+          <p:cNvSpPr>
+            <a:spLocks noGrp="1"/>
+          </p:cNvSpPr>
+          <p:nvPr>
+            <p:ph idx="1"/>
+          </p:nvPr>
+        </p:nvSpPr>
+        <p:spPr/>
+        <p:txBody>
+          <a:bodyPr>
+            <a:normAutofit/>
+          </a:bodyPr>
+          <a:lstStyle/>
+          <a:p>
+            <a:r>
+              <a:rPr lang="de-DE" dirty="0" smtClean="0"/>
+              <a:t>Multi-Touch</a:t>
+            </a:r>
+          </a:p>
+          <a:p>
+            <a:r>
+              <a:rPr lang="de-DE" dirty="0" err="1" smtClean="0"/>
+              <a:t>Pong</a:t>
+            </a:r>
+            <a:endParaRPr lang="de-DE" dirty="0" smtClean="0"/>
+          </a:p>
+        </p:txBody>
+      </p:sp>
+    </p:spTree>
+    <p:extLst>
+      <p:ext uri="{BB962C8B-B14F-4D97-AF65-F5344CB8AC3E}">
+        <p14:creationId xmlns:p14="http://schemas.microsoft.com/office/powerpoint/2010/main" val="1129226842"/>
+      </p:ext>
+    </p:extLst>
+  </p:cSld>
+  <p:clrMapOvr>
+    <a:masterClrMapping/>
+  </p:clrMapOvr>
+  <p:timing>
+    <p:tnLst>
+      <p:par>
+        <p:cTn xmlns:p14="http://schemas.microsoft.com/office/powerpoint/2010/main" id="1" dur="indefinite" restart="never" nodeType="tmRoot"/>
       </p:par>
     </p:tnLst>
   </p:timing>
@@ -13362,7 +13509,7 @@
           </a:p>
           <a:p>
             <a:r>
-              <a:rPr lang="de-DE" dirty="0" err="1"/>
+              <a:rPr lang="de-DE" dirty="0" err="1" smtClean="0"/>
               <a:t>Packaging</a:t>
             </a:r>
             <a:endParaRPr lang="de-DE" dirty="0"/>
@@ -13372,7 +13519,7 @@
     </p:spTree>
     <p:extLst>
       <p:ext uri="{BB962C8B-B14F-4D97-AF65-F5344CB8AC3E}">
-        <p14:creationId xmlns:p14="http://schemas.microsoft.com/office/powerpoint/2010/main" val="1129226842"/>
+        <p14:creationId xmlns:p14="http://schemas.microsoft.com/office/powerpoint/2010/main" val="482739780"/>
       </p:ext>
     </p:extLst>
   </p:cSld>
@@ -13382,7 +13529,7 @@
   <p:timing>
     <p:tnLst>
       <p:par>
-        <p:cTn id="1" dur="indefinite" restart="never" nodeType="tmRoot"/>
+        <p:cTn xmlns:p14="http://schemas.microsoft.com/office/powerpoint/2010/main" id="1" dur="indefinite" restart="never" nodeType="tmRoot"/>
       </p:par>
     </p:tnLst>
   </p:timing>
@@ -13442,7 +13589,7 @@
         <p:spPr/>
         <p:txBody>
           <a:bodyPr>
-            <a:normAutofit lnSpcReduction="10000"/>
+            <a:normAutofit fontScale="92500" lnSpcReduction="20000"/>
           </a:bodyPr>
           <a:lstStyle/>
           <a:p>
@@ -13462,7 +13609,6 @@
               <a:rPr lang="de-DE" dirty="0" smtClean="0"/>
               <a:t>Geschichte</a:t>
             </a:r>
-            <a:endParaRPr lang="de-DE" dirty="0" smtClean="0"/>
           </a:p>
           <a:p>
             <a:pPr lvl="1"/>
@@ -13511,6 +13657,13 @@
             <a:r>
               <a:rPr lang="de-DE" dirty="0" err="1" smtClean="0"/>
               <a:t>Propertys</a:t>
+            </a:r>
+            <a:endParaRPr lang="de-DE" dirty="0" smtClean="0"/>
+          </a:p>
+          <a:p>
+            <a:r>
+              <a:rPr lang="de-DE" dirty="0" err="1" smtClean="0"/>
+              <a:t>Examples</a:t>
             </a:r>
             <a:endParaRPr lang="de-DE" dirty="0" smtClean="0"/>
           </a:p>
@@ -13559,7 +13712,7 @@
   <p:timing>
     <p:tnLst>
       <p:par>
-        <p:cTn id="1" dur="indefinite" restart="never" nodeType="tmRoot"/>
+        <p:cTn xmlns:p14="http://schemas.microsoft.com/office/powerpoint/2010/main" id="1" dur="indefinite" restart="never" nodeType="tmRoot"/>
       </p:par>
     </p:tnLst>
   </p:timing>
@@ -13619,7 +13772,7 @@
   <p:timing>
     <p:tnLst>
       <p:par>
-        <p:cTn id="1" dur="indefinite" restart="never" nodeType="tmRoot"/>
+        <p:cTn xmlns:p14="http://schemas.microsoft.com/office/powerpoint/2010/main" id="1" dur="indefinite" restart="never" nodeType="tmRoot"/>
       </p:par>
     </p:tnLst>
   </p:timing>
@@ -13782,7 +13935,7 @@
   <p:timing>
     <p:tnLst>
       <p:par>
-        <p:cTn id="1" dur="indefinite" restart="never" nodeType="tmRoot"/>
+        <p:cTn xmlns:p14="http://schemas.microsoft.com/office/powerpoint/2010/main" id="1" dur="indefinite" restart="never" nodeType="tmRoot"/>
       </p:par>
     </p:tnLst>
   </p:timing>
@@ -13878,7 +14031,6 @@
               <a:rPr lang="de-DE" dirty="0" smtClean="0"/>
               <a:t>Multi-Touch</a:t>
             </a:r>
-            <a:endParaRPr lang="de-DE" dirty="0" smtClean="0"/>
           </a:p>
           <a:p>
             <a:r>
@@ -13889,13 +14041,8 @@
           <a:p>
             <a:r>
               <a:rPr lang="de-DE" dirty="0" smtClean="0"/>
-              <a:t>Timelines (</a:t>
-            </a:r>
-            <a:r>
-              <a:rPr lang="de-DE" dirty="0" smtClean="0"/>
-              <a:t>Interpolation)</a:t>
-            </a:r>
-            <a:endParaRPr lang="de-DE" dirty="0" smtClean="0"/>
+              <a:t>Timelines (Interpolation)</a:t>
+            </a:r>
           </a:p>
           <a:p>
             <a:r>
@@ -14132,7 +14279,6 @@
               <a:rPr lang="de-DE" dirty="0" smtClean="0"/>
               <a:t>Hardwarebeschleunigung</a:t>
             </a:r>
-            <a:endParaRPr lang="de-DE" dirty="0" smtClean="0"/>
           </a:p>
           <a:p>
             <a:r>
@@ -14160,7 +14306,7 @@
   <p:timing>
     <p:tnLst>
       <p:par>
-        <p:cTn id="1" dur="indefinite" restart="never" nodeType="tmRoot"/>
+        <p:cTn xmlns:p14="http://schemas.microsoft.com/office/powerpoint/2010/main" id="1" dur="indefinite" restart="never" nodeType="tmRoot"/>
       </p:par>
     </p:tnLst>
   </p:timing>
@@ -14304,7 +14450,7 @@
   <p:timing>
     <p:tnLst>
       <p:par>
-        <p:cTn id="1" dur="indefinite" restart="never" nodeType="tmRoot"/>
+        <p:cTn xmlns:p14="http://schemas.microsoft.com/office/powerpoint/2010/main" id="1" dur="indefinite" restart="never" nodeType="tmRoot"/>
       </p:par>
     </p:tnLst>
   </p:timing>
@@ -14472,7 +14618,7 @@
   <p:timing>
     <p:tnLst>
       <p:par>
-        <p:cTn id="1" dur="indefinite" restart="never" nodeType="tmRoot"/>
+        <p:cTn xmlns:p14="http://schemas.microsoft.com/office/powerpoint/2010/main" id="1" dur="indefinite" restart="never" nodeType="tmRoot"/>
       </p:par>
     </p:tnLst>
   </p:timing>
@@ -14532,7 +14678,7 @@
   <p:timing>
     <p:tnLst>
       <p:par>
-        <p:cTn id="1" dur="indefinite" restart="never" nodeType="tmRoot"/>
+        <p:cTn xmlns:p14="http://schemas.microsoft.com/office/powerpoint/2010/main" id="1" dur="indefinite" restart="never" nodeType="tmRoot"/>
       </p:par>
     </p:tnLst>
   </p:timing>
@@ -14589,7 +14735,7 @@
             <p:ph idx="1"/>
             <p:extLst>
               <p:ext uri="{D42A27DB-BD31-4B8C-83A1-F6EECF244321}">
-                <p14:modId xmlns:p14="http://schemas.microsoft.com/office/powerpoint/2010/main" val="3122604221"/>
+                <p14:modId xmlns:p14="http://schemas.microsoft.com/office/powerpoint/2010/main" val="3165524577"/>
               </p:ext>
             </p:extLst>
           </p:nvPr>
@@ -14625,7 +14771,7 @@
   <p:timing>
     <p:tnLst>
       <p:par>
-        <p:cTn id="1" dur="indefinite" restart="never" nodeType="tmRoot"/>
+        <p:cTn xmlns:p14="http://schemas.microsoft.com/office/powerpoint/2010/main" id="1" dur="indefinite" restart="never" nodeType="tmRoot"/>
       </p:par>
     </p:tnLst>
   </p:timing>

--- a/JavaFX-UserGroup.pptx
+++ b/JavaFX-UserGroup.pptx
@@ -129,6 +129,157 @@
     </a:lvl9pPr>
   </p:defaultTextStyle>
 </p:presentation>
+</file>
+
+<file path=ppt/charts/chart1.xml><?xml version="1.0" encoding="utf-8"?>
+<c:chartSpace xmlns:c="http://schemas.openxmlformats.org/drawingml/2006/chart" xmlns:a="http://schemas.openxmlformats.org/drawingml/2006/main" xmlns:r="http://schemas.openxmlformats.org/officeDocument/2006/relationships">
+  <c:date1904 val="0"/>
+  <c:lang val="de-DE"/>
+  <c:roundedCorners val="0"/>
+  <mc:AlternateContent xmlns:mc="http://schemas.openxmlformats.org/markup-compatibility/2006">
+    <mc:Choice xmlns:c14="http://schemas.microsoft.com/office/drawing/2007/8/2/chart" Requires="c14">
+      <c14:style val="102"/>
+    </mc:Choice>
+    <mc:Fallback>
+      <c:style val="2"/>
+    </mc:Fallback>
+  </mc:AlternateContent>
+  <c:chart>
+    <c:autoTitleDeleted val="1"/>
+    <c:plotArea>
+      <c:layout/>
+      <c:pieChart>
+        <c:varyColors val="1"/>
+        <c:ser>
+          <c:idx val="0"/>
+          <c:order val="0"/>
+          <c:tx>
+            <c:strRef>
+              <c:f>Tabelle1!$B$1</c:f>
+              <c:strCache>
+                <c:ptCount val="1"/>
+                <c:pt idx="0">
+                  <c:v>Verkauf</c:v>
+                </c:pt>
+              </c:strCache>
+            </c:strRef>
+          </c:tx>
+          <c:dPt>
+            <c:idx val="0"/>
+            <c:bubble3D val="0"/>
+            <c:spPr>
+              <a:solidFill>
+                <a:schemeClr val="bg1">
+                  <a:lumMod val="85000"/>
+                </a:schemeClr>
+              </a:solidFill>
+            </c:spPr>
+          </c:dPt>
+          <c:dPt>
+            <c:idx val="1"/>
+            <c:bubble3D val="0"/>
+            <c:spPr>
+              <a:solidFill>
+                <a:schemeClr val="bg1">
+                  <a:lumMod val="75000"/>
+                </a:schemeClr>
+              </a:solidFill>
+            </c:spPr>
+          </c:dPt>
+          <c:dPt>
+            <c:idx val="2"/>
+            <c:bubble3D val="0"/>
+            <c:spPr>
+              <a:solidFill>
+                <a:schemeClr val="bg1">
+                  <a:lumMod val="65000"/>
+                </a:schemeClr>
+              </a:solidFill>
+            </c:spPr>
+          </c:dPt>
+          <c:dPt>
+            <c:idx val="3"/>
+            <c:bubble3D val="0"/>
+            <c:spPr>
+              <a:solidFill>
+                <a:schemeClr val="bg1">
+                  <a:lumMod val="95000"/>
+                </a:schemeClr>
+              </a:solidFill>
+            </c:spPr>
+          </c:dPt>
+          <c:cat>
+            <c:strRef>
+              <c:f>Tabelle1!$A$2:$A$5</c:f>
+              <c:strCache>
+                <c:ptCount val="4"/>
+                <c:pt idx="0">
+                  <c:v>1. Quartal</c:v>
+                </c:pt>
+                <c:pt idx="1">
+                  <c:v>2. Quartal</c:v>
+                </c:pt>
+                <c:pt idx="2">
+                  <c:v>3. Quartal</c:v>
+                </c:pt>
+                <c:pt idx="3">
+                  <c:v>4. Quartal</c:v>
+                </c:pt>
+              </c:strCache>
+            </c:strRef>
+          </c:cat>
+          <c:val>
+            <c:numRef>
+              <c:f>Tabelle1!$B$2:$B$5</c:f>
+              <c:numCache>
+                <c:formatCode>General</c:formatCode>
+                <c:ptCount val="4"/>
+                <c:pt idx="0">
+                  <c:v>2</c:v>
+                </c:pt>
+                <c:pt idx="1">
+                  <c:v>2</c:v>
+                </c:pt>
+                <c:pt idx="2">
+                  <c:v>2</c:v>
+                </c:pt>
+                <c:pt idx="3">
+                  <c:v>2</c:v>
+                </c:pt>
+              </c:numCache>
+            </c:numRef>
+          </c:val>
+        </c:ser>
+        <c:dLbls>
+          <c:showLegendKey val="0"/>
+          <c:showVal val="0"/>
+          <c:showCatName val="0"/>
+          <c:showSerName val="0"/>
+          <c:showPercent val="0"/>
+          <c:showBubbleSize val="0"/>
+          <c:showLeaderLines val="1"/>
+        </c:dLbls>
+        <c:firstSliceAng val="45"/>
+      </c:pieChart>
+    </c:plotArea>
+    <c:plotVisOnly val="1"/>
+    <c:dispBlanksAs val="gap"/>
+    <c:showDLblsOverMax val="0"/>
+  </c:chart>
+  <c:txPr>
+    <a:bodyPr/>
+    <a:lstStyle/>
+    <a:p>
+      <a:pPr>
+        <a:defRPr sz="1800"/>
+      </a:pPr>
+      <a:endParaRPr lang="de-DE"/>
+    </a:p>
+  </c:txPr>
+  <c:externalData r:id="rId1">
+    <c:autoUpdate val="0"/>
+  </c:externalData>
+</c:chartSpace>
 </file>
 
 <file path=ppt/handoutMasters/handoutMaster1.xml><?xml version="1.0" encoding="utf-8"?>
@@ -8438,12 +8589,12 @@
   <p:clrMapOvr>
     <a:masterClrMapping/>
   </p:clrMapOvr>
-  <mc:AlternateContent xmlns:mc="http://schemas.openxmlformats.org/markup-compatibility/2006" xmlns:p14="http://schemas.microsoft.com/office/powerpoint/2010/main">
-    <mc:Choice Requires="p14">
-      <p:transition spd="slow" p14:dur="2000" advTm="5090"/>
+  <mc:AlternateContent xmlns:mc="http://schemas.openxmlformats.org/markup-compatibility/2006">
+    <mc:Choice xmlns:p14="http://schemas.microsoft.com/office/powerpoint/2010/main" Requires="p14">
+      <p:transition spd="slow" p14:dur="2000"/>
     </mc:Choice>
-    <mc:Fallback xmlns="">
-      <p:transition xmlns:p14="http://schemas.microsoft.com/office/powerpoint/2010/main" spd="slow" advTm="5090"/>
+    <mc:Fallback>
+      <p:transition spd="slow"/>
     </mc:Fallback>
   </mc:AlternateContent>
   <p:timing>
@@ -8503,7 +8654,7 @@
             <a:spLocks noGrp="1"/>
           </p:cNvSpPr>
           <p:nvPr>
-            <p:ph type="body" sz="quarter" idx="12" hasCustomPrompt="1"/>
+            <p:ph type="body" sz="quarter" idx="12"/>
           </p:nvPr>
         </p:nvSpPr>
         <p:spPr>
@@ -9281,6 +9432,14 @@
   <p:clrMapOvr>
     <a:masterClrMapping/>
   </p:clrMapOvr>
+  <mc:AlternateContent xmlns:mc="http://schemas.openxmlformats.org/markup-compatibility/2006">
+    <mc:Choice xmlns:p14="http://schemas.microsoft.com/office/powerpoint/2010/main" Requires="p14">
+      <p:transition spd="slow" p14:dur="2000"/>
+    </mc:Choice>
+    <mc:Fallback>
+      <p:transition spd="slow"/>
+    </mc:Fallback>
+  </mc:AlternateContent>
   <p:timing>
     <p:tnLst>
       <p:par>
@@ -9882,7 +10041,7 @@
             <a:spLocks noGrp="1"/>
           </p:cNvSpPr>
           <p:nvPr>
-            <p:ph type="body" sz="quarter" idx="12" hasCustomPrompt="1"/>
+            <p:ph type="body" sz="quarter" idx="12"/>
           </p:nvPr>
         </p:nvSpPr>
         <p:spPr>
@@ -10140,6 +10299,14 @@
   <p:clrMapOvr>
     <a:masterClrMapping/>
   </p:clrMapOvr>
+  <mc:AlternateContent xmlns:mc="http://schemas.openxmlformats.org/markup-compatibility/2006">
+    <mc:Choice xmlns:p14="http://schemas.microsoft.com/office/powerpoint/2010/main" Requires="p14">
+      <p:transition spd="slow" p14:dur="2000"/>
+    </mc:Choice>
+    <mc:Fallback>
+      <p:transition spd="slow"/>
+    </mc:Fallback>
+  </mc:AlternateContent>
   <p:timing>
     <p:tnLst>
       <p:par>
@@ -10221,11 +10388,7 @@
             </a:pPr>
             <a:r>
               <a:rPr lang="de-DE" dirty="0" smtClean="0"/>
-              <a:t>Direkte </a:t>
-            </a:r>
-            <a:r>
-              <a:rPr lang="de-DE" dirty="0" smtClean="0"/>
-              <a:t>Aktionen auf Änderungen</a:t>
+              <a:t>Direkte Aktionen auf Änderungen</a:t>
             </a:r>
             <a:endParaRPr lang="de-DE" dirty="0"/>
           </a:p>
@@ -10238,7 +10401,7 @@
             <a:spLocks noGrp="1"/>
           </p:cNvSpPr>
           <p:nvPr>
-            <p:ph type="body" sz="quarter" idx="12" hasCustomPrompt="1"/>
+            <p:ph type="body" sz="quarter" idx="12"/>
           </p:nvPr>
         </p:nvSpPr>
         <p:spPr>
@@ -10496,6 +10659,14 @@
   <p:clrMapOvr>
     <a:masterClrMapping/>
   </p:clrMapOvr>
+  <mc:AlternateContent xmlns:mc="http://schemas.openxmlformats.org/markup-compatibility/2006">
+    <mc:Choice xmlns:p14="http://schemas.microsoft.com/office/powerpoint/2010/main" Requires="p14">
+      <p:transition spd="slow" p14:dur="2000"/>
+    </mc:Choice>
+    <mc:Fallback>
+      <p:transition spd="slow"/>
+    </mc:Fallback>
+  </mc:AlternateContent>
   <p:timing>
     <p:tnLst>
       <p:par>
@@ -10550,11 +10721,7 @@
           <a:p>
             <a:r>
               <a:rPr lang="de-DE" sz="3200" dirty="0" smtClean="0"/>
-              <a:t> </a:t>
-            </a:r>
-            <a:r>
-              <a:rPr lang="de-DE" sz="3200" dirty="0" smtClean="0"/>
-              <a:t>JavaBean</a:t>
+              <a:t> JavaBean</a:t>
             </a:r>
           </a:p>
           <a:p>
@@ -10606,7 +10773,7 @@
             <a:spLocks noGrp="1"/>
           </p:cNvSpPr>
           <p:nvPr>
-            <p:ph type="body" sz="quarter" idx="12" hasCustomPrompt="1"/>
+            <p:ph type="body" sz="quarter" idx="12"/>
           </p:nvPr>
         </p:nvSpPr>
         <p:spPr>
@@ -10779,11 +10946,7 @@
           <a:p>
             <a:r>
               <a:rPr lang="de-DE" sz="3200" dirty="0" smtClean="0"/>
-              <a:t> </a:t>
-            </a:r>
-            <a:r>
-              <a:rPr lang="de-DE" sz="3200" dirty="0" smtClean="0"/>
-              <a:t>Erweiterung durch Property</a:t>
+              <a:t> Erweiterung durch Property</a:t>
             </a:r>
           </a:p>
           <a:p>
@@ -10835,7 +10998,7 @@
             <a:spLocks noGrp="1"/>
           </p:cNvSpPr>
           <p:nvPr>
-            <p:ph type="body" sz="quarter" idx="12" hasCustomPrompt="1"/>
+            <p:ph type="body" sz="quarter" idx="12"/>
           </p:nvPr>
         </p:nvSpPr>
         <p:spPr>
@@ -11008,11 +11171,7 @@
           <a:p>
             <a:r>
               <a:rPr lang="de-DE" sz="3200" dirty="0" smtClean="0"/>
-              <a:t> </a:t>
-            </a:r>
-            <a:r>
-              <a:rPr lang="de-DE" sz="3200" dirty="0" smtClean="0"/>
-              <a:t>Anpassung der Zugriffe</a:t>
+              <a:t> Anpassung der Zugriffe</a:t>
             </a:r>
           </a:p>
           <a:p>
@@ -11064,7 +11223,7 @@
             <a:spLocks noGrp="1"/>
           </p:cNvSpPr>
           <p:nvPr>
-            <p:ph type="body" sz="quarter" idx="12" hasCustomPrompt="1"/>
+            <p:ph type="body" sz="quarter" idx="12"/>
           </p:nvPr>
         </p:nvSpPr>
         <p:spPr>
@@ -11237,11 +11396,7 @@
           <a:p>
             <a:r>
               <a:rPr lang="de-DE" sz="3200" dirty="0" smtClean="0"/>
-              <a:t> </a:t>
-            </a:r>
-            <a:r>
-              <a:rPr lang="de-DE" sz="3200" dirty="0" smtClean="0"/>
-              <a:t>Property sichtbar machen</a:t>
+              <a:t> Property sichtbar machen</a:t>
             </a:r>
           </a:p>
           <a:p>
@@ -11293,7 +11448,7 @@
             <a:spLocks noGrp="1"/>
           </p:cNvSpPr>
           <p:nvPr>
-            <p:ph type="body" sz="quarter" idx="12" hasCustomPrompt="1"/>
+            <p:ph type="body" sz="quarter" idx="12"/>
           </p:nvPr>
         </p:nvSpPr>
         <p:spPr>
@@ -11526,7 +11681,7 @@
             <a:spLocks noGrp="1"/>
           </p:cNvSpPr>
           <p:nvPr>
-            <p:ph type="body" sz="quarter" idx="12" hasCustomPrompt="1"/>
+            <p:ph type="body" sz="quarter" idx="12"/>
           </p:nvPr>
         </p:nvSpPr>
         <p:spPr>
@@ -11811,6 +11966,14 @@
   <p:clrMapOvr>
     <a:masterClrMapping/>
   </p:clrMapOvr>
+  <mc:AlternateContent xmlns:mc="http://schemas.openxmlformats.org/markup-compatibility/2006">
+    <mc:Choice xmlns:p14="http://schemas.microsoft.com/office/powerpoint/2010/main" Requires="p14">
+      <p:transition spd="slow" p14:dur="2000"/>
+    </mc:Choice>
+    <mc:Fallback>
+      <p:transition spd="slow"/>
+    </mc:Fallback>
+  </mc:AlternateContent>
   <p:timing>
     <p:tnLst>
       <p:par>
@@ -11943,6 +12106,14 @@
   <p:clrMapOvr>
     <a:masterClrMapping/>
   </p:clrMapOvr>
+  <mc:AlternateContent xmlns:mc="http://schemas.openxmlformats.org/markup-compatibility/2006">
+    <mc:Choice xmlns:p14="http://schemas.microsoft.com/office/powerpoint/2010/main" Requires="p14">
+      <p:transition spd="slow" p14:dur="2000"/>
+    </mc:Choice>
+    <mc:Fallback>
+      <p:transition spd="slow"/>
+    </mc:Fallback>
+  </mc:AlternateContent>
   <p:timing>
     <p:tnLst>
       <p:par>
@@ -12040,12 +12211,13 @@
               <a:rPr lang="de-DE" dirty="0" smtClean="0"/>
               <a:t>Einsatzmöglichkeiten</a:t>
             </a:r>
+            <a:endParaRPr lang="de-DE" dirty="0" smtClean="0"/>
           </a:p>
           <a:p>
             <a:pPr lvl="1"/>
             <a:r>
-              <a:rPr lang="de-DE" dirty="0" err="1" smtClean="0"/>
-              <a:t>Tooling</a:t>
+              <a:rPr lang="de-DE" dirty="0" smtClean="0"/>
+              <a:t>Ökosystem</a:t>
             </a:r>
             <a:endParaRPr lang="de-DE" dirty="0" smtClean="0"/>
           </a:p>
@@ -12059,18 +12231,15 @@
             <a:pPr lvl="1"/>
             <a:r>
               <a:rPr lang="de-DE" dirty="0" smtClean="0"/>
-              <a:t>MVC</a:t>
-            </a:r>
+              <a:t>MVVM</a:t>
+            </a:r>
+            <a:endParaRPr lang="de-DE" dirty="0" smtClean="0"/>
           </a:p>
           <a:p>
             <a:pPr lvl="1"/>
             <a:r>
               <a:rPr lang="de-DE" dirty="0" smtClean="0"/>
-              <a:t>Scene </a:t>
-            </a:r>
-            <a:r>
-              <a:rPr lang="de-DE" dirty="0" smtClean="0"/>
-              <a:t>Graph</a:t>
+              <a:t>Scene Graph</a:t>
             </a:r>
           </a:p>
           <a:p>
@@ -12122,12 +12291,12 @@
   <p:clrMapOvr>
     <a:masterClrMapping/>
   </p:clrMapOvr>
-  <mc:AlternateContent xmlns:mc="http://schemas.openxmlformats.org/markup-compatibility/2006" xmlns:p14="http://schemas.microsoft.com/office/powerpoint/2010/main">
-    <mc:Choice Requires="p14">
-      <p:transition spd="slow" p14:dur="2000" advTm="1741"/>
+  <mc:AlternateContent xmlns:mc="http://schemas.openxmlformats.org/markup-compatibility/2006">
+    <mc:Choice xmlns:p14="http://schemas.microsoft.com/office/powerpoint/2010/main" Requires="p14">
+      <p:transition spd="slow" p14:dur="2000"/>
     </mc:Choice>
-    <mc:Fallback xmlns="">
-      <p:transition xmlns:p14="http://schemas.microsoft.com/office/powerpoint/2010/main" spd="slow" advTm="1741"/>
+    <mc:Fallback>
+      <p:transition spd="slow"/>
     </mc:Fallback>
   </mc:AlternateContent>
   <p:timing>
@@ -12190,6 +12359,14 @@
   <p:clrMapOvr>
     <a:masterClrMapping/>
   </p:clrMapOvr>
+  <mc:AlternateContent xmlns:mc="http://schemas.openxmlformats.org/markup-compatibility/2006">
+    <mc:Choice xmlns:p14="http://schemas.microsoft.com/office/powerpoint/2010/main" Requires="p14">
+      <p:transition spd="slow" p14:dur="2000"/>
+    </mc:Choice>
+    <mc:Fallback>
+      <p:transition spd="slow"/>
+    </mc:Fallback>
+  </mc:AlternateContent>
   <p:timing>
     <p:tnLst>
       <p:par>
@@ -12350,7 +12527,7 @@
             <a:spLocks noGrp="1"/>
           </p:cNvSpPr>
           <p:nvPr>
-            <p:ph type="body" sz="quarter" idx="12" hasCustomPrompt="1"/>
+            <p:ph type="body" sz="quarter" idx="12"/>
           </p:nvPr>
         </p:nvSpPr>
         <p:spPr>
@@ -12397,6 +12574,14 @@
   <p:clrMapOvr>
     <a:masterClrMapping/>
   </p:clrMapOvr>
+  <mc:AlternateContent xmlns:mc="http://schemas.openxmlformats.org/markup-compatibility/2006">
+    <mc:Choice xmlns:p14="http://schemas.microsoft.com/office/powerpoint/2010/main" Requires="p14">
+      <p:transition spd="slow" p14:dur="2000"/>
+    </mc:Choice>
+    <mc:Fallback>
+      <p:transition spd="slow"/>
+    </mc:Fallback>
+  </mc:AlternateContent>
   <p:timing>
     <p:tnLst>
       <p:par>
@@ -12467,7 +12652,7 @@
         </p:nvSpPr>
         <p:spPr>
           <a:xfrm>
-            <a:off x="284164" y="2133600"/>
+            <a:off x="284164" y="2539022"/>
             <a:ext cx="4493206" cy="3992563"/>
           </a:xfrm>
         </p:spPr>
@@ -12533,7 +12718,7 @@
         </p:nvSpPr>
         <p:spPr>
           <a:xfrm>
-            <a:off x="4650794" y="2133600"/>
+            <a:off x="4650794" y="2539022"/>
             <a:ext cx="4493206" cy="3992563"/>
           </a:xfrm>
           <a:prstGeom prst="rect">
@@ -12765,7 +12950,7 @@
             <a:spLocks noGrp="1"/>
           </p:cNvSpPr>
           <p:nvPr>
-            <p:ph type="body" sz="quarter" idx="12" hasCustomPrompt="1"/>
+            <p:ph type="body" sz="quarter" idx="12"/>
           </p:nvPr>
         </p:nvSpPr>
         <p:spPr>
@@ -12812,12 +12997,376 @@
   <p:clrMapOvr>
     <a:masterClrMapping/>
   </p:clrMapOvr>
+  <mc:AlternateContent xmlns:mc="http://schemas.openxmlformats.org/markup-compatibility/2006">
+    <mc:Choice xmlns:p14="http://schemas.microsoft.com/office/powerpoint/2010/main" Requires="p14">
+      <p:transition spd="slow" p14:dur="2000"/>
+    </mc:Choice>
+    <mc:Fallback>
+      <p:transition spd="slow"/>
+    </mc:Fallback>
+  </mc:AlternateContent>
   <p:timing>
     <p:tnLst>
       <p:par>
-        <p:cTn id="1" dur="indefinite" restart="never" nodeType="tmRoot"/>
+        <p:cTn id="1" dur="indefinite" restart="never" nodeType="tmRoot">
+          <p:childTnLst>
+            <p:seq concurrent="1" nextAc="seek">
+              <p:cTn id="2" dur="indefinite" nodeType="mainSeq">
+                <p:childTnLst>
+                  <p:par>
+                    <p:cTn id="3" fill="hold">
+                      <p:stCondLst>
+                        <p:cond delay="indefinite"/>
+                      </p:stCondLst>
+                      <p:childTnLst>
+                        <p:par>
+                          <p:cTn id="4" fill="hold">
+                            <p:stCondLst>
+                              <p:cond delay="0"/>
+                            </p:stCondLst>
+                            <p:childTnLst>
+                              <p:par>
+                                <p:cTn id="5" presetID="10" presetClass="entr" presetSubtype="0" fill="hold" grpId="0" nodeType="clickEffect">
+                                  <p:stCondLst>
+                                    <p:cond delay="0"/>
+                                  </p:stCondLst>
+                                  <p:childTnLst>
+                                    <p:set>
+                                      <p:cBhvr>
+                                        <p:cTn id="6" dur="1" fill="hold">
+                                          <p:stCondLst>
+                                            <p:cond delay="0"/>
+                                          </p:stCondLst>
+                                        </p:cTn>
+                                        <p:tgtEl>
+                                          <p:spTgt spid="3">
+                                            <p:txEl>
+                                              <p:pRg st="0" end="0"/>
+                                            </p:txEl>
+                                          </p:spTgt>
+                                        </p:tgtEl>
+                                        <p:attrNameLst>
+                                          <p:attrName>style.visibility</p:attrName>
+                                        </p:attrNameLst>
+                                      </p:cBhvr>
+                                      <p:to>
+                                        <p:strVal val="visible"/>
+                                      </p:to>
+                                    </p:set>
+                                    <p:animEffect transition="in" filter="fade">
+                                      <p:cBhvr>
+                                        <p:cTn id="7" dur="500"/>
+                                        <p:tgtEl>
+                                          <p:spTgt spid="3">
+                                            <p:txEl>
+                                              <p:pRg st="0" end="0"/>
+                                            </p:txEl>
+                                          </p:spTgt>
+                                        </p:tgtEl>
+                                      </p:cBhvr>
+                                    </p:animEffect>
+                                  </p:childTnLst>
+                                </p:cTn>
+                              </p:par>
+                              <p:par>
+                                <p:cTn id="8" presetID="10" presetClass="entr" presetSubtype="0" fill="hold" grpId="0" nodeType="withEffect">
+                                  <p:stCondLst>
+                                    <p:cond delay="0"/>
+                                  </p:stCondLst>
+                                  <p:childTnLst>
+                                    <p:set>
+                                      <p:cBhvr>
+                                        <p:cTn id="9" dur="1" fill="hold">
+                                          <p:stCondLst>
+                                            <p:cond delay="0"/>
+                                          </p:stCondLst>
+                                        </p:cTn>
+                                        <p:tgtEl>
+                                          <p:spTgt spid="3">
+                                            <p:txEl>
+                                              <p:pRg st="1" end="1"/>
+                                            </p:txEl>
+                                          </p:spTgt>
+                                        </p:tgtEl>
+                                        <p:attrNameLst>
+                                          <p:attrName>style.visibility</p:attrName>
+                                        </p:attrNameLst>
+                                      </p:cBhvr>
+                                      <p:to>
+                                        <p:strVal val="visible"/>
+                                      </p:to>
+                                    </p:set>
+                                    <p:animEffect transition="in" filter="fade">
+                                      <p:cBhvr>
+                                        <p:cTn id="10" dur="500"/>
+                                        <p:tgtEl>
+                                          <p:spTgt spid="3">
+                                            <p:txEl>
+                                              <p:pRg st="1" end="1"/>
+                                            </p:txEl>
+                                          </p:spTgt>
+                                        </p:tgtEl>
+                                      </p:cBhvr>
+                                    </p:animEffect>
+                                  </p:childTnLst>
+                                </p:cTn>
+                              </p:par>
+                              <p:par>
+                                <p:cTn id="11" presetID="10" presetClass="entr" presetSubtype="0" fill="hold" grpId="0" nodeType="withEffect">
+                                  <p:stCondLst>
+                                    <p:cond delay="0"/>
+                                  </p:stCondLst>
+                                  <p:childTnLst>
+                                    <p:set>
+                                      <p:cBhvr>
+                                        <p:cTn id="12" dur="1" fill="hold">
+                                          <p:stCondLst>
+                                            <p:cond delay="0"/>
+                                          </p:stCondLst>
+                                        </p:cTn>
+                                        <p:tgtEl>
+                                          <p:spTgt spid="3">
+                                            <p:txEl>
+                                              <p:pRg st="2" end="2"/>
+                                            </p:txEl>
+                                          </p:spTgt>
+                                        </p:tgtEl>
+                                        <p:attrNameLst>
+                                          <p:attrName>style.visibility</p:attrName>
+                                        </p:attrNameLst>
+                                      </p:cBhvr>
+                                      <p:to>
+                                        <p:strVal val="visible"/>
+                                      </p:to>
+                                    </p:set>
+                                    <p:animEffect transition="in" filter="fade">
+                                      <p:cBhvr>
+                                        <p:cTn id="13" dur="500"/>
+                                        <p:tgtEl>
+                                          <p:spTgt spid="3">
+                                            <p:txEl>
+                                              <p:pRg st="2" end="2"/>
+                                            </p:txEl>
+                                          </p:spTgt>
+                                        </p:tgtEl>
+                                      </p:cBhvr>
+                                    </p:animEffect>
+                                  </p:childTnLst>
+                                </p:cTn>
+                              </p:par>
+                              <p:par>
+                                <p:cTn id="14" presetID="10" presetClass="entr" presetSubtype="0" fill="hold" grpId="0" nodeType="withEffect">
+                                  <p:stCondLst>
+                                    <p:cond delay="0"/>
+                                  </p:stCondLst>
+                                  <p:childTnLst>
+                                    <p:set>
+                                      <p:cBhvr>
+                                        <p:cTn id="15" dur="1" fill="hold">
+                                          <p:stCondLst>
+                                            <p:cond delay="0"/>
+                                          </p:stCondLst>
+                                        </p:cTn>
+                                        <p:tgtEl>
+                                          <p:spTgt spid="3">
+                                            <p:txEl>
+                                              <p:pRg st="3" end="3"/>
+                                            </p:txEl>
+                                          </p:spTgt>
+                                        </p:tgtEl>
+                                        <p:attrNameLst>
+                                          <p:attrName>style.visibility</p:attrName>
+                                        </p:attrNameLst>
+                                      </p:cBhvr>
+                                      <p:to>
+                                        <p:strVal val="visible"/>
+                                      </p:to>
+                                    </p:set>
+                                    <p:animEffect transition="in" filter="fade">
+                                      <p:cBhvr>
+                                        <p:cTn id="16" dur="500"/>
+                                        <p:tgtEl>
+                                          <p:spTgt spid="3">
+                                            <p:txEl>
+                                              <p:pRg st="3" end="3"/>
+                                            </p:txEl>
+                                          </p:spTgt>
+                                        </p:tgtEl>
+                                      </p:cBhvr>
+                                    </p:animEffect>
+                                  </p:childTnLst>
+                                </p:cTn>
+                              </p:par>
+                              <p:par>
+                                <p:cTn id="17" presetID="10" presetClass="entr" presetSubtype="0" fill="hold" grpId="0" nodeType="withEffect">
+                                  <p:stCondLst>
+                                    <p:cond delay="0"/>
+                                  </p:stCondLst>
+                                  <p:childTnLst>
+                                    <p:set>
+                                      <p:cBhvr>
+                                        <p:cTn id="18" dur="1" fill="hold">
+                                          <p:stCondLst>
+                                            <p:cond delay="0"/>
+                                          </p:stCondLst>
+                                        </p:cTn>
+                                        <p:tgtEl>
+                                          <p:spTgt spid="3">
+                                            <p:txEl>
+                                              <p:pRg st="4" end="4"/>
+                                            </p:txEl>
+                                          </p:spTgt>
+                                        </p:tgtEl>
+                                        <p:attrNameLst>
+                                          <p:attrName>style.visibility</p:attrName>
+                                        </p:attrNameLst>
+                                      </p:cBhvr>
+                                      <p:to>
+                                        <p:strVal val="visible"/>
+                                      </p:to>
+                                    </p:set>
+                                    <p:animEffect transition="in" filter="fade">
+                                      <p:cBhvr>
+                                        <p:cTn id="19" dur="500"/>
+                                        <p:tgtEl>
+                                          <p:spTgt spid="3">
+                                            <p:txEl>
+                                              <p:pRg st="4" end="4"/>
+                                            </p:txEl>
+                                          </p:spTgt>
+                                        </p:tgtEl>
+                                      </p:cBhvr>
+                                    </p:animEffect>
+                                  </p:childTnLst>
+                                </p:cTn>
+                              </p:par>
+                              <p:par>
+                                <p:cTn id="20" presetID="10" presetClass="entr" presetSubtype="0" fill="hold" grpId="0" nodeType="withEffect">
+                                  <p:stCondLst>
+                                    <p:cond delay="0"/>
+                                  </p:stCondLst>
+                                  <p:childTnLst>
+                                    <p:set>
+                                      <p:cBhvr>
+                                        <p:cTn id="21" dur="1" fill="hold">
+                                          <p:stCondLst>
+                                            <p:cond delay="0"/>
+                                          </p:stCondLst>
+                                        </p:cTn>
+                                        <p:tgtEl>
+                                          <p:spTgt spid="3">
+                                            <p:txEl>
+                                              <p:pRg st="5" end="5"/>
+                                            </p:txEl>
+                                          </p:spTgt>
+                                        </p:tgtEl>
+                                        <p:attrNameLst>
+                                          <p:attrName>style.visibility</p:attrName>
+                                        </p:attrNameLst>
+                                      </p:cBhvr>
+                                      <p:to>
+                                        <p:strVal val="visible"/>
+                                      </p:to>
+                                    </p:set>
+                                    <p:animEffect transition="in" filter="fade">
+                                      <p:cBhvr>
+                                        <p:cTn id="22" dur="500"/>
+                                        <p:tgtEl>
+                                          <p:spTgt spid="3">
+                                            <p:txEl>
+                                              <p:pRg st="5" end="5"/>
+                                            </p:txEl>
+                                          </p:spTgt>
+                                        </p:tgtEl>
+                                      </p:cBhvr>
+                                    </p:animEffect>
+                                  </p:childTnLst>
+                                </p:cTn>
+                              </p:par>
+                            </p:childTnLst>
+                          </p:cTn>
+                        </p:par>
+                      </p:childTnLst>
+                    </p:cTn>
+                  </p:par>
+                  <p:par>
+                    <p:cTn id="23" fill="hold">
+                      <p:stCondLst>
+                        <p:cond delay="indefinite"/>
+                      </p:stCondLst>
+                      <p:childTnLst>
+                        <p:par>
+                          <p:cTn id="24" fill="hold">
+                            <p:stCondLst>
+                              <p:cond delay="0"/>
+                            </p:stCondLst>
+                            <p:childTnLst>
+                              <p:par>
+                                <p:cTn id="25" presetID="10" presetClass="entr" presetSubtype="0" fill="hold" grpId="0" nodeType="clickEffect">
+                                  <p:stCondLst>
+                                    <p:cond delay="0"/>
+                                  </p:stCondLst>
+                                  <p:childTnLst>
+                                    <p:set>
+                                      <p:cBhvr>
+                                        <p:cTn id="26" dur="1" fill="hold">
+                                          <p:stCondLst>
+                                            <p:cond delay="0"/>
+                                          </p:stCondLst>
+                                        </p:cTn>
+                                        <p:tgtEl>
+                                          <p:spTgt spid="6"/>
+                                        </p:tgtEl>
+                                        <p:attrNameLst>
+                                          <p:attrName>style.visibility</p:attrName>
+                                        </p:attrNameLst>
+                                      </p:cBhvr>
+                                      <p:to>
+                                        <p:strVal val="visible"/>
+                                      </p:to>
+                                    </p:set>
+                                    <p:animEffect transition="in" filter="fade">
+                                      <p:cBhvr>
+                                        <p:cTn id="27" dur="500"/>
+                                        <p:tgtEl>
+                                          <p:spTgt spid="6"/>
+                                        </p:tgtEl>
+                                      </p:cBhvr>
+                                    </p:animEffect>
+                                  </p:childTnLst>
+                                </p:cTn>
+                              </p:par>
+                            </p:childTnLst>
+                          </p:cTn>
+                        </p:par>
+                      </p:childTnLst>
+                    </p:cTn>
+                  </p:par>
+                </p:childTnLst>
+              </p:cTn>
+              <p:prevCondLst>
+                <p:cond evt="onPrev" delay="0">
+                  <p:tgtEl>
+                    <p:sldTgt/>
+                  </p:tgtEl>
+                </p:cond>
+              </p:prevCondLst>
+              <p:nextCondLst>
+                <p:cond evt="onNext" delay="0">
+                  <p:tgtEl>
+                    <p:sldTgt/>
+                  </p:tgtEl>
+                </p:cond>
+              </p:nextCondLst>
+            </p:seq>
+          </p:childTnLst>
+        </p:cTn>
       </p:par>
     </p:tnLst>
+    <p:bldLst>
+      <p:bldP spid="3" grpId="0" uiExpand="1" build="p"/>
+      <p:bldP spid="6" grpId="0"/>
+    </p:bldLst>
   </p:timing>
 </p:sld>
 </file>
@@ -12839,6 +13388,36 @@
           <a:chExt cx="0" cy="0"/>
         </a:xfrm>
       </p:grpSpPr>
+      <p:pic>
+        <p:nvPicPr>
+          <p:cNvPr id="5" name="Grafik 4"/>
+          <p:cNvPicPr>
+            <a:picLocks noChangeAspect="1"/>
+          </p:cNvPicPr>
+          <p:nvPr/>
+        </p:nvPicPr>
+        <p:blipFill>
+          <a:blip r:embed="rId3" cstate="email">
+            <a:extLst>
+              <a:ext uri="{28A0092B-C50C-407E-A947-70E740481C1C}">
+                <a14:useLocalDpi xmlns:a14="http://schemas.microsoft.com/office/drawing/2010/main" val="0"/>
+              </a:ext>
+            </a:extLst>
+          </a:blip>
+          <a:stretch>
+            <a:fillRect/>
+          </a:stretch>
+        </p:blipFill>
+        <p:spPr>
+          <a:xfrm>
+            <a:off x="3985169" y="2016915"/>
+            <a:ext cx="633449" cy="452681"/>
+          </a:xfrm>
+          <a:prstGeom prst="rect">
+            <a:avLst/>
+          </a:prstGeom>
+        </p:spPr>
+      </p:pic>
       <p:sp>
         <p:nvSpPr>
           <p:cNvPr id="2" name="Titel 1"/>
@@ -12856,7 +13435,7 @@
           <a:p>
             <a:r>
               <a:rPr lang="de-DE" dirty="0" smtClean="0"/>
-              <a:t>Einsatz</a:t>
+              <a:t>Einsatzmöglichkeiten</a:t>
             </a:r>
             <a:endParaRPr lang="de-DE" dirty="0"/>
           </a:p>
@@ -12869,7 +13448,7 @@
             <a:spLocks noGrp="1"/>
           </p:cNvSpPr>
           <p:nvPr>
-            <p:ph type="body" sz="quarter" idx="12" hasCustomPrompt="1"/>
+            <p:ph type="body" sz="quarter" idx="12"/>
           </p:nvPr>
         </p:nvSpPr>
         <p:spPr>
@@ -12915,7 +13494,7 @@
           <p:nvPr/>
         </p:nvPicPr>
         <p:blipFill>
-          <a:blip r:embed="rId3" cstate="email">
+          <a:blip r:embed="rId4" cstate="email">
             <a:extLst>
               <a:ext uri="{28A0092B-C50C-407E-A947-70E740481C1C}">
                 <a14:useLocalDpi xmlns:a14="http://schemas.microsoft.com/office/drawing/2010/main" val="0"/>
@@ -12929,8 +13508,8 @@
         </p:blipFill>
         <p:spPr bwMode="auto">
           <a:xfrm>
-            <a:off x="1681122" y="3365034"/>
-            <a:ext cx="1330171" cy="1330171"/>
+            <a:off x="1765011" y="3907509"/>
+            <a:ext cx="1107586" cy="1107586"/>
           </a:xfrm>
           <a:prstGeom prst="rect">
             <a:avLst/>
@@ -12956,7 +13535,7 @@
           <p:nvPr/>
         </p:nvPicPr>
         <p:blipFill>
-          <a:blip r:embed="rId4" cstate="email">
+          <a:blip r:embed="rId5" cstate="email">
             <a:extLst>
               <a:ext uri="{28A0092B-C50C-407E-A947-70E740481C1C}">
                 <a14:useLocalDpi xmlns:a14="http://schemas.microsoft.com/office/drawing/2010/main" val="0"/>
@@ -12970,8 +13549,8 @@
         </p:blipFill>
         <p:spPr bwMode="auto">
           <a:xfrm>
-            <a:off x="5646428" y="3339049"/>
-            <a:ext cx="1159184" cy="1356155"/>
+            <a:off x="5644052" y="3783225"/>
+            <a:ext cx="924909" cy="1082071"/>
           </a:xfrm>
           <a:prstGeom prst="rect">
             <a:avLst/>
@@ -12997,7 +13576,7 @@
           <p:nvPr/>
         </p:nvPicPr>
         <p:blipFill>
-          <a:blip r:embed="rId5" cstate="email">
+          <a:blip r:embed="rId6" cstate="email">
             <a:extLst>
               <a:ext uri="{28A0092B-C50C-407E-A947-70E740481C1C}">
                 <a14:useLocalDpi xmlns:a14="http://schemas.microsoft.com/office/drawing/2010/main" val="0"/>
@@ -13011,8 +13590,8 @@
         </p:blipFill>
         <p:spPr bwMode="auto">
           <a:xfrm>
-            <a:off x="3440997" y="2057399"/>
-            <a:ext cx="1894947" cy="1351701"/>
+            <a:off x="3501421" y="5331024"/>
+            <a:ext cx="1629388" cy="1162273"/>
           </a:xfrm>
           <a:prstGeom prst="rect">
             <a:avLst/>
@@ -13037,10 +13616,10 @@
         </p:nvGrpSpPr>
         <p:grpSpPr>
           <a:xfrm>
-            <a:off x="3440998" y="4954278"/>
-            <a:ext cx="1890981" cy="1427597"/>
-            <a:chOff x="3440998" y="4954278"/>
-            <a:chExt cx="1890981" cy="1427597"/>
+            <a:off x="3376755" y="2440142"/>
+            <a:ext cx="1890981" cy="1124799"/>
+            <a:chOff x="3440998" y="4976579"/>
+            <a:chExt cx="1890981" cy="1124799"/>
           </a:xfrm>
         </p:grpSpPr>
         <p:grpSp>
@@ -13051,10 +13630,10 @@
           </p:nvGrpSpPr>
           <p:grpSpPr>
             <a:xfrm>
-              <a:off x="3440998" y="4954278"/>
-              <a:ext cx="1890981" cy="1103970"/>
-              <a:chOff x="3408938" y="5027125"/>
-              <a:chExt cx="1890981" cy="1103970"/>
+              <a:off x="3440998" y="4976579"/>
+              <a:ext cx="1890981" cy="1124799"/>
+              <a:chOff x="3408938" y="5049426"/>
+              <a:chExt cx="1890981" cy="1124799"/>
             </a:xfrm>
           </p:grpSpPr>
           <p:sp>
@@ -13105,7 +13684,7 @@
               <p:nvPr/>
             </p:nvPicPr>
             <p:blipFill>
-              <a:blip r:embed="rId6" cstate="email">
+              <a:blip r:embed="rId7" cstate="email">
                 <a:extLst>
                   <a:ext uri="{28A0092B-C50C-407E-A947-70E740481C1C}">
                     <a14:useLocalDpi xmlns:a14="http://schemas.microsoft.com/office/drawing/2010/main" val="0"/>
@@ -13119,7 +13698,7 @@
             </p:blipFill>
             <p:spPr bwMode="auto">
               <a:xfrm>
-                <a:off x="4195949" y="5027125"/>
+                <a:off x="4195949" y="5070255"/>
                 <a:ext cx="1103970" cy="1103970"/>
               </a:xfrm>
               <a:prstGeom prst="rect">
@@ -13146,7 +13725,7 @@
               <p:nvPr/>
             </p:nvPicPr>
             <p:blipFill>
-              <a:blip r:embed="rId7" cstate="email">
+              <a:blip r:embed="rId8" cstate="email">
                 <a:extLst>
                   <a:ext uri="{28A0092B-C50C-407E-A947-70E740481C1C}">
                     <a14:useLocalDpi xmlns:a14="http://schemas.microsoft.com/office/drawing/2010/main" val="0"/>
@@ -13160,7 +13739,7 @@
             </p:blipFill>
             <p:spPr bwMode="auto">
               <a:xfrm>
-                <a:off x="3619657" y="5349817"/>
+                <a:off x="3619657" y="5392947"/>
                 <a:ext cx="812645" cy="551985"/>
               </a:xfrm>
               <a:prstGeom prst="rect">
@@ -13187,7 +13766,7 @@
           </p:nvSpPr>
           <p:spPr>
             <a:xfrm>
-              <a:off x="4180575" y="6012543"/>
+              <a:off x="4180575" y="4977423"/>
               <a:ext cx="320922" cy="369332"/>
             </a:xfrm>
             <a:prstGeom prst="rect">
@@ -13202,14 +13781,74 @@
             <a:lstStyle/>
             <a:p>
               <a:r>
-                <a:rPr lang="de-DE" dirty="0" smtClean="0"/>
+                <a:rPr lang="de-DE" dirty="0" smtClean="0">
+                  <a:solidFill>
+                    <a:schemeClr val="tx2">
+                      <a:lumMod val="20000"/>
+                      <a:lumOff val="80000"/>
+                    </a:schemeClr>
+                  </a:solidFill>
+                  <a:effectLst>
+                    <a:outerShdw blurRad="38100" dist="38100" dir="2700000" algn="tl">
+                      <a:srgbClr val="000000">
+                        <a:alpha val="43137"/>
+                      </a:srgbClr>
+                    </a:outerShdw>
+                  </a:effectLst>
+                  <a:latin typeface="Helvetica" pitchFamily="34" charset="0"/>
+                </a:rPr>
                 <a:t>?</a:t>
               </a:r>
-              <a:endParaRPr lang="de-DE" dirty="0"/>
+              <a:endParaRPr lang="de-DE" dirty="0">
+                <a:solidFill>
+                  <a:schemeClr val="tx2">
+                    <a:lumMod val="20000"/>
+                    <a:lumOff val="80000"/>
+                  </a:schemeClr>
+                </a:solidFill>
+                <a:effectLst>
+                  <a:outerShdw blurRad="38100" dist="38100" dir="2700000" algn="tl">
+                    <a:srgbClr val="000000">
+                      <a:alpha val="43137"/>
+                    </a:srgbClr>
+                  </a:outerShdw>
+                </a:effectLst>
+                <a:latin typeface="Helvetica" pitchFamily="34" charset="0"/>
+              </a:endParaRPr>
             </a:p>
           </p:txBody>
         </p:sp>
       </p:grpSp>
+      <p:pic>
+        <p:nvPicPr>
+          <p:cNvPr id="3" name="Grafik 2"/>
+          <p:cNvPicPr>
+            <a:picLocks noChangeAspect="1"/>
+          </p:cNvPicPr>
+          <p:nvPr/>
+        </p:nvPicPr>
+        <p:blipFill>
+          <a:blip r:embed="rId9" cstate="email">
+            <a:extLst>
+              <a:ext uri="{28A0092B-C50C-407E-A947-70E740481C1C}">
+                <a14:useLocalDpi xmlns:a14="http://schemas.microsoft.com/office/drawing/2010/main" val="0"/>
+              </a:ext>
+            </a:extLst>
+          </a:blip>
+          <a:stretch>
+            <a:fillRect/>
+          </a:stretch>
+        </p:blipFill>
+        <p:spPr>
+          <a:xfrm>
+            <a:off x="3915290" y="3917891"/>
+            <a:ext cx="801651" cy="947405"/>
+          </a:xfrm>
+          <a:prstGeom prst="rect">
+            <a:avLst/>
+          </a:prstGeom>
+        </p:spPr>
+      </p:pic>
     </p:spTree>
     <p:extLst>
       <p:ext uri="{BB962C8B-B14F-4D97-AF65-F5344CB8AC3E}">
@@ -13220,10 +13859,323 @@
   <p:clrMapOvr>
     <a:masterClrMapping/>
   </p:clrMapOvr>
+  <mc:AlternateContent xmlns:mc="http://schemas.openxmlformats.org/markup-compatibility/2006">
+    <mc:Choice xmlns:p14="http://schemas.microsoft.com/office/powerpoint/2010/main" Requires="p14">
+      <p:transition spd="slow" p14:dur="2000"/>
+    </mc:Choice>
+    <mc:Fallback>
+      <p:transition spd="slow"/>
+    </mc:Fallback>
+  </mc:AlternateContent>
   <p:timing>
     <p:tnLst>
       <p:par>
-        <p:cTn id="1" dur="indefinite" restart="never" nodeType="tmRoot"/>
+        <p:cTn id="1" dur="indefinite" restart="never" nodeType="tmRoot">
+          <p:childTnLst>
+            <p:seq concurrent="1" nextAc="seek">
+              <p:cTn id="2" dur="indefinite" nodeType="mainSeq">
+                <p:childTnLst>
+                  <p:par>
+                    <p:cTn id="3" fill="hold">
+                      <p:stCondLst>
+                        <p:cond delay="indefinite"/>
+                      </p:stCondLst>
+                      <p:childTnLst>
+                        <p:par>
+                          <p:cTn id="4" fill="hold">
+                            <p:stCondLst>
+                              <p:cond delay="0"/>
+                            </p:stCondLst>
+                            <p:childTnLst>
+                              <p:par>
+                                <p:cTn id="5" presetID="10" presetClass="entr" presetSubtype="0" fill="hold" nodeType="clickEffect">
+                                  <p:stCondLst>
+                                    <p:cond delay="0"/>
+                                  </p:stCondLst>
+                                  <p:childTnLst>
+                                    <p:set>
+                                      <p:cBhvr>
+                                        <p:cTn id="6" dur="1" fill="hold">
+                                          <p:stCondLst>
+                                            <p:cond delay="0"/>
+                                          </p:stCondLst>
+                                        </p:cTn>
+                                        <p:tgtEl>
+                                          <p:spTgt spid="1026"/>
+                                        </p:tgtEl>
+                                        <p:attrNameLst>
+                                          <p:attrName>style.visibility</p:attrName>
+                                        </p:attrNameLst>
+                                      </p:cBhvr>
+                                      <p:to>
+                                        <p:strVal val="visible"/>
+                                      </p:to>
+                                    </p:set>
+                                    <p:animEffect transition="in" filter="fade">
+                                      <p:cBhvr>
+                                        <p:cTn id="7" dur="500"/>
+                                        <p:tgtEl>
+                                          <p:spTgt spid="1026"/>
+                                        </p:tgtEl>
+                                      </p:cBhvr>
+                                    </p:animEffect>
+                                  </p:childTnLst>
+                                </p:cTn>
+                              </p:par>
+                              <p:par>
+                                <p:cTn id="8" presetID="10" presetClass="entr" presetSubtype="0" fill="hold" nodeType="withEffect">
+                                  <p:stCondLst>
+                                    <p:cond delay="0"/>
+                                  </p:stCondLst>
+                                  <p:childTnLst>
+                                    <p:set>
+                                      <p:cBhvr>
+                                        <p:cTn id="9" dur="1" fill="hold">
+                                          <p:stCondLst>
+                                            <p:cond delay="0"/>
+                                          </p:stCondLst>
+                                        </p:cTn>
+                                        <p:tgtEl>
+                                          <p:spTgt spid="3"/>
+                                        </p:tgtEl>
+                                        <p:attrNameLst>
+                                          <p:attrName>style.visibility</p:attrName>
+                                        </p:attrNameLst>
+                                      </p:cBhvr>
+                                      <p:to>
+                                        <p:strVal val="visible"/>
+                                      </p:to>
+                                    </p:set>
+                                    <p:animEffect transition="in" filter="fade">
+                                      <p:cBhvr>
+                                        <p:cTn id="10" dur="500"/>
+                                        <p:tgtEl>
+                                          <p:spTgt spid="3"/>
+                                        </p:tgtEl>
+                                      </p:cBhvr>
+                                    </p:animEffect>
+                                  </p:childTnLst>
+                                </p:cTn>
+                              </p:par>
+                              <p:par>
+                                <p:cTn id="11" presetID="10" presetClass="entr" presetSubtype="0" fill="hold" nodeType="withEffect">
+                                  <p:stCondLst>
+                                    <p:cond delay="0"/>
+                                  </p:stCondLst>
+                                  <p:childTnLst>
+                                    <p:set>
+                                      <p:cBhvr>
+                                        <p:cTn id="12" dur="1" fill="hold">
+                                          <p:stCondLst>
+                                            <p:cond delay="0"/>
+                                          </p:stCondLst>
+                                        </p:cTn>
+                                        <p:tgtEl>
+                                          <p:spTgt spid="1028"/>
+                                        </p:tgtEl>
+                                        <p:attrNameLst>
+                                          <p:attrName>style.visibility</p:attrName>
+                                        </p:attrNameLst>
+                                      </p:cBhvr>
+                                      <p:to>
+                                        <p:strVal val="visible"/>
+                                      </p:to>
+                                    </p:set>
+                                    <p:animEffect transition="in" filter="fade">
+                                      <p:cBhvr>
+                                        <p:cTn id="13" dur="500"/>
+                                        <p:tgtEl>
+                                          <p:spTgt spid="1028"/>
+                                        </p:tgtEl>
+                                      </p:cBhvr>
+                                    </p:animEffect>
+                                  </p:childTnLst>
+                                </p:cTn>
+                              </p:par>
+                            </p:childTnLst>
+                          </p:cTn>
+                        </p:par>
+                      </p:childTnLst>
+                    </p:cTn>
+                  </p:par>
+                  <p:par>
+                    <p:cTn id="14" fill="hold">
+                      <p:stCondLst>
+                        <p:cond delay="indefinite"/>
+                      </p:stCondLst>
+                      <p:childTnLst>
+                        <p:par>
+                          <p:cTn id="15" fill="hold">
+                            <p:stCondLst>
+                              <p:cond delay="0"/>
+                            </p:stCondLst>
+                            <p:childTnLst>
+                              <p:par>
+                                <p:cTn id="16" presetID="10" presetClass="entr" presetSubtype="0" fill="hold" nodeType="clickEffect">
+                                  <p:stCondLst>
+                                    <p:cond delay="0"/>
+                                  </p:stCondLst>
+                                  <p:childTnLst>
+                                    <p:set>
+                                      <p:cBhvr>
+                                        <p:cTn id="17" dur="1" fill="hold">
+                                          <p:stCondLst>
+                                            <p:cond delay="0"/>
+                                          </p:stCondLst>
+                                        </p:cTn>
+                                        <p:tgtEl>
+                                          <p:spTgt spid="1030"/>
+                                        </p:tgtEl>
+                                        <p:attrNameLst>
+                                          <p:attrName>style.visibility</p:attrName>
+                                        </p:attrNameLst>
+                                      </p:cBhvr>
+                                      <p:to>
+                                        <p:strVal val="visible"/>
+                                      </p:to>
+                                    </p:set>
+                                    <p:animEffect transition="in" filter="fade">
+                                      <p:cBhvr>
+                                        <p:cTn id="18" dur="500"/>
+                                        <p:tgtEl>
+                                          <p:spTgt spid="1030"/>
+                                        </p:tgtEl>
+                                      </p:cBhvr>
+                                    </p:animEffect>
+                                  </p:childTnLst>
+                                </p:cTn>
+                              </p:par>
+                            </p:childTnLst>
+                          </p:cTn>
+                        </p:par>
+                      </p:childTnLst>
+                    </p:cTn>
+                  </p:par>
+                  <p:par>
+                    <p:cTn id="19" fill="hold">
+                      <p:stCondLst>
+                        <p:cond delay="indefinite"/>
+                      </p:stCondLst>
+                      <p:childTnLst>
+                        <p:par>
+                          <p:cTn id="20" fill="hold">
+                            <p:stCondLst>
+                              <p:cond delay="0"/>
+                            </p:stCondLst>
+                            <p:childTnLst>
+                              <p:par>
+                                <p:cTn id="21" presetID="10" presetClass="entr" presetSubtype="0" fill="hold" nodeType="clickEffect">
+                                  <p:stCondLst>
+                                    <p:cond delay="0"/>
+                                  </p:stCondLst>
+                                  <p:childTnLst>
+                                    <p:set>
+                                      <p:cBhvr>
+                                        <p:cTn id="22" dur="1" fill="hold">
+                                          <p:stCondLst>
+                                            <p:cond delay="0"/>
+                                          </p:stCondLst>
+                                        </p:cTn>
+                                        <p:tgtEl>
+                                          <p:spTgt spid="10"/>
+                                        </p:tgtEl>
+                                        <p:attrNameLst>
+                                          <p:attrName>style.visibility</p:attrName>
+                                        </p:attrNameLst>
+                                      </p:cBhvr>
+                                      <p:to>
+                                        <p:strVal val="visible"/>
+                                      </p:to>
+                                    </p:set>
+                                    <p:animEffect transition="in" filter="fade">
+                                      <p:cBhvr>
+                                        <p:cTn id="23" dur="500"/>
+                                        <p:tgtEl>
+                                          <p:spTgt spid="10"/>
+                                        </p:tgtEl>
+                                      </p:cBhvr>
+                                    </p:animEffect>
+                                  </p:childTnLst>
+                                </p:cTn>
+                              </p:par>
+                            </p:childTnLst>
+                          </p:cTn>
+                        </p:par>
+                      </p:childTnLst>
+                    </p:cTn>
+                  </p:par>
+                  <p:par>
+                    <p:cTn id="24" fill="hold">
+                      <p:stCondLst>
+                        <p:cond delay="indefinite"/>
+                      </p:stCondLst>
+                      <p:childTnLst>
+                        <p:par>
+                          <p:cTn id="25" fill="hold">
+                            <p:stCondLst>
+                              <p:cond delay="0"/>
+                            </p:stCondLst>
+                            <p:childTnLst>
+                              <p:par>
+                                <p:cTn id="26" presetID="10" presetClass="entr" presetSubtype="0" fill="hold" nodeType="clickEffect">
+                                  <p:stCondLst>
+                                    <p:cond delay="0"/>
+                                  </p:stCondLst>
+                                  <p:childTnLst>
+                                    <p:set>
+                                      <p:cBhvr>
+                                        <p:cTn id="27" dur="1" fill="hold">
+                                          <p:stCondLst>
+                                            <p:cond delay="0"/>
+                                          </p:stCondLst>
+                                        </p:cTn>
+                                        <p:tgtEl>
+                                          <p:spTgt spid="5"/>
+                                        </p:tgtEl>
+                                        <p:attrNameLst>
+                                          <p:attrName>style.visibility</p:attrName>
+                                        </p:attrNameLst>
+                                      </p:cBhvr>
+                                      <p:to>
+                                        <p:strVal val="visible"/>
+                                      </p:to>
+                                    </p:set>
+                                    <p:animEffect transition="in" filter="fade">
+                                      <p:cBhvr>
+                                        <p:cTn id="28" dur="500"/>
+                                        <p:tgtEl>
+                                          <p:spTgt spid="5"/>
+                                        </p:tgtEl>
+                                      </p:cBhvr>
+                                    </p:animEffect>
+                                  </p:childTnLst>
+                                </p:cTn>
+                              </p:par>
+                            </p:childTnLst>
+                          </p:cTn>
+                        </p:par>
+                      </p:childTnLst>
+                    </p:cTn>
+                  </p:par>
+                </p:childTnLst>
+              </p:cTn>
+              <p:prevCondLst>
+                <p:cond evt="onPrev" delay="0">
+                  <p:tgtEl>
+                    <p:sldTgt/>
+                  </p:tgtEl>
+                </p:cond>
+              </p:prevCondLst>
+              <p:nextCondLst>
+                <p:cond evt="onNext" delay="0">
+                  <p:tgtEl>
+                    <p:sldTgt/>
+                  </p:tgtEl>
+                </p:cond>
+              </p:nextCondLst>
+            </p:seq>
+          </p:childTnLst>
+        </p:cTn>
       </p:par>
     </p:tnLst>
   </p:timing>
@@ -13249,143 +14201,12 @@
       </p:grpSpPr>
       <p:sp>
         <p:nvSpPr>
-          <p:cNvPr id="2" name="Titel 1"/>
+          <p:cNvPr id="4" name="Textplatzhalter 10"/>
           <p:cNvSpPr>
             <a:spLocks noGrp="1"/>
           </p:cNvSpPr>
           <p:nvPr>
-            <p:ph type="title"/>
-          </p:nvPr>
-        </p:nvSpPr>
-        <p:spPr/>
-        <p:txBody>
-          <a:bodyPr/>
-          <a:lstStyle/>
-          <a:p>
-            <a:r>
-              <a:rPr lang="de-DE" dirty="0" err="1" smtClean="0"/>
-              <a:t>Tooling</a:t>
-            </a:r>
-            <a:endParaRPr lang="de-DE" dirty="0"/>
-          </a:p>
-        </p:txBody>
-      </p:sp>
-      <p:sp>
-        <p:nvSpPr>
-          <p:cNvPr id="3" name="Inhaltsplatzhalter 2"/>
-          <p:cNvSpPr>
-            <a:spLocks noGrp="1"/>
-          </p:cNvSpPr>
-          <p:nvPr>
-            <p:ph idx="1"/>
-          </p:nvPr>
-        </p:nvSpPr>
-        <p:spPr/>
-        <p:txBody>
-          <a:bodyPr>
-            <a:normAutofit lnSpcReduction="10000"/>
-          </a:bodyPr>
-          <a:lstStyle/>
-          <a:p>
-            <a:r>
-              <a:rPr lang="de-DE" dirty="0" smtClean="0"/>
-              <a:t>JVM Ökosystem</a:t>
-            </a:r>
-          </a:p>
-          <a:p>
-            <a:pPr lvl="1"/>
-            <a:r>
-              <a:rPr lang="de-DE" dirty="0" err="1" smtClean="0"/>
-              <a:t>ScalaFX</a:t>
-            </a:r>
-            <a:endParaRPr lang="de-DE" dirty="0" smtClean="0"/>
-          </a:p>
-          <a:p>
-            <a:pPr lvl="1"/>
-            <a:r>
-              <a:rPr lang="de-DE" dirty="0" err="1" smtClean="0"/>
-              <a:t>GroovyFX</a:t>
-            </a:r>
-            <a:endParaRPr lang="de-DE" dirty="0" smtClean="0"/>
-          </a:p>
-          <a:p>
-            <a:pPr lvl="1"/>
-            <a:r>
-              <a:rPr lang="de-DE" dirty="0" err="1" smtClean="0"/>
-              <a:t>Maven</a:t>
-            </a:r>
-            <a:endParaRPr lang="de-DE" dirty="0" smtClean="0"/>
-          </a:p>
-          <a:p>
-            <a:pPr lvl="1"/>
-            <a:r>
-              <a:rPr lang="de-DE" dirty="0" smtClean="0"/>
-              <a:t>…</a:t>
-            </a:r>
-          </a:p>
-          <a:p>
-            <a:r>
-              <a:rPr lang="de-DE" dirty="0" err="1"/>
-              <a:t>Netbeans</a:t>
-            </a:r>
-            <a:endParaRPr lang="de-DE" dirty="0"/>
-          </a:p>
-          <a:p>
-            <a:r>
-              <a:rPr lang="de-DE" dirty="0" smtClean="0"/>
-              <a:t>E(</a:t>
-            </a:r>
-            <a:r>
-              <a:rPr lang="de-DE" dirty="0" err="1" smtClean="0"/>
-              <a:t>fx</a:t>
-            </a:r>
-            <a:r>
-              <a:rPr lang="de-DE" dirty="0" smtClean="0"/>
-              <a:t>)</a:t>
-            </a:r>
-            <a:r>
-              <a:rPr lang="de-DE" dirty="0" err="1" smtClean="0"/>
-              <a:t>clipse</a:t>
-            </a:r>
-            <a:endParaRPr lang="de-DE" dirty="0" smtClean="0"/>
-          </a:p>
-          <a:p>
-            <a:r>
-              <a:rPr lang="de-DE" dirty="0"/>
-              <a:t>Scene </a:t>
-            </a:r>
-            <a:r>
-              <a:rPr lang="de-DE" dirty="0" err="1" smtClean="0"/>
-              <a:t>Builder</a:t>
-            </a:r>
-            <a:endParaRPr lang="de-DE" dirty="0" smtClean="0"/>
-          </a:p>
-          <a:p>
-            <a:r>
-              <a:rPr lang="de-DE" dirty="0" err="1" smtClean="0"/>
-              <a:t>JavaFX</a:t>
-            </a:r>
-            <a:r>
-              <a:rPr lang="de-DE" dirty="0" smtClean="0"/>
-              <a:t> Packager</a:t>
-            </a:r>
-          </a:p>
-          <a:p>
-            <a:endParaRPr lang="de-DE" dirty="0"/>
-          </a:p>
-          <a:p>
-            <a:endParaRPr lang="de-DE" dirty="0"/>
-          </a:p>
-        </p:txBody>
-      </p:sp>
-      <p:sp>
-        <p:nvSpPr>
-          <p:cNvPr id="4" name="Textplatzhalter 10"/>
-          <p:cNvSpPr>
-            <a:spLocks noGrp="1"/>
-          </p:cNvSpPr>
-          <p:nvPr>
-            <p:ph type="body" sz="quarter" idx="12" hasCustomPrompt="1"/>
+            <p:ph type="body" sz="quarter" idx="12"/>
           </p:nvPr>
         </p:nvSpPr>
         <p:spPr>
@@ -13419,6 +14240,424 @@
                 <a:schemeClr val="bg2"/>
               </a:solidFill>
             </a:endParaRPr>
+          </a:p>
+        </p:txBody>
+      </p:sp>
+      <p:pic>
+        <p:nvPicPr>
+          <p:cNvPr id="6" name="Grafik 5"/>
+          <p:cNvPicPr>
+            <a:picLocks noChangeAspect="1"/>
+          </p:cNvPicPr>
+          <p:nvPr/>
+        </p:nvPicPr>
+        <p:blipFill>
+          <a:blip r:embed="rId2" cstate="email">
+            <a:extLst>
+              <a:ext uri="{28A0092B-C50C-407E-A947-70E740481C1C}">
+                <a14:useLocalDpi xmlns:a14="http://schemas.microsoft.com/office/drawing/2010/main" val="0"/>
+              </a:ext>
+            </a:extLst>
+          </a:blip>
+          <a:stretch>
+            <a:fillRect/>
+          </a:stretch>
+        </p:blipFill>
+        <p:spPr>
+          <a:xfrm>
+            <a:off x="4824583" y="2183526"/>
+            <a:ext cx="1014353" cy="506162"/>
+          </a:xfrm>
+          <a:prstGeom prst="rect">
+            <a:avLst/>
+          </a:prstGeom>
+        </p:spPr>
+      </p:pic>
+      <p:pic>
+        <p:nvPicPr>
+          <p:cNvPr id="7" name="Grafik 6"/>
+          <p:cNvPicPr>
+            <a:picLocks noChangeAspect="1"/>
+          </p:cNvPicPr>
+          <p:nvPr/>
+        </p:nvPicPr>
+        <p:blipFill>
+          <a:blip r:embed="rId3" cstate="email">
+            <a:extLst>
+              <a:ext uri="{28A0092B-C50C-407E-A947-70E740481C1C}">
+                <a14:useLocalDpi xmlns:a14="http://schemas.microsoft.com/office/drawing/2010/main" val="0"/>
+              </a:ext>
+            </a:extLst>
+          </a:blip>
+          <a:stretch>
+            <a:fillRect/>
+          </a:stretch>
+        </p:blipFill>
+        <p:spPr>
+          <a:xfrm>
+            <a:off x="2537323" y="2205185"/>
+            <a:ext cx="1553278" cy="462845"/>
+          </a:xfrm>
+          <a:prstGeom prst="rect">
+            <a:avLst/>
+          </a:prstGeom>
+        </p:spPr>
+      </p:pic>
+      <p:pic>
+        <p:nvPicPr>
+          <p:cNvPr id="8" name="Grafik 7"/>
+          <p:cNvPicPr>
+            <a:picLocks noChangeAspect="1"/>
+          </p:cNvPicPr>
+          <p:nvPr/>
+        </p:nvPicPr>
+        <p:blipFill>
+          <a:blip r:embed="rId4" cstate="email">
+            <a:extLst>
+              <a:ext uri="{28A0092B-C50C-407E-A947-70E740481C1C}">
+                <a14:useLocalDpi xmlns:a14="http://schemas.microsoft.com/office/drawing/2010/main" val="0"/>
+              </a:ext>
+            </a:extLst>
+          </a:blip>
+          <a:stretch>
+            <a:fillRect/>
+          </a:stretch>
+        </p:blipFill>
+        <p:spPr>
+          <a:xfrm>
+            <a:off x="1293664" y="2885697"/>
+            <a:ext cx="1083806" cy="1083806"/>
+          </a:xfrm>
+          <a:prstGeom prst="rect">
+            <a:avLst/>
+          </a:prstGeom>
+        </p:spPr>
+      </p:pic>
+      <p:pic>
+        <p:nvPicPr>
+          <p:cNvPr id="9" name="Grafik 8"/>
+          <p:cNvPicPr>
+            <a:picLocks noChangeAspect="1"/>
+          </p:cNvPicPr>
+          <p:nvPr/>
+        </p:nvPicPr>
+        <p:blipFill>
+          <a:blip r:embed="rId5" cstate="email">
+            <a:extLst>
+              <a:ext uri="{28A0092B-C50C-407E-A947-70E740481C1C}">
+                <a14:useLocalDpi xmlns:a14="http://schemas.microsoft.com/office/drawing/2010/main" val="0"/>
+              </a:ext>
+            </a:extLst>
+          </a:blip>
+          <a:stretch>
+            <a:fillRect/>
+          </a:stretch>
+        </p:blipFill>
+        <p:spPr>
+          <a:xfrm>
+            <a:off x="6086618" y="2962836"/>
+            <a:ext cx="1185343" cy="1185343"/>
+          </a:xfrm>
+          <a:prstGeom prst="rect">
+            <a:avLst/>
+          </a:prstGeom>
+        </p:spPr>
+      </p:pic>
+      <p:pic>
+        <p:nvPicPr>
+          <p:cNvPr id="10" name="Grafik 9"/>
+          <p:cNvPicPr>
+            <a:picLocks noChangeAspect="1"/>
+          </p:cNvPicPr>
+          <p:nvPr/>
+        </p:nvPicPr>
+        <p:blipFill>
+          <a:blip r:embed="rId6" cstate="email">
+            <a:extLst>
+              <a:ext uri="{28A0092B-C50C-407E-A947-70E740481C1C}">
+                <a14:useLocalDpi xmlns:a14="http://schemas.microsoft.com/office/drawing/2010/main" val="0"/>
+              </a:ext>
+            </a:extLst>
+          </a:blip>
+          <a:stretch>
+            <a:fillRect/>
+          </a:stretch>
+        </p:blipFill>
+        <p:spPr>
+          <a:xfrm>
+            <a:off x="6189054" y="4430846"/>
+            <a:ext cx="980473" cy="980473"/>
+          </a:xfrm>
+          <a:prstGeom prst="rect">
+            <a:avLst/>
+          </a:prstGeom>
+        </p:spPr>
+      </p:pic>
+      <p:pic>
+        <p:nvPicPr>
+          <p:cNvPr id="11" name="Grafik 10"/>
+          <p:cNvPicPr>
+            <a:picLocks noChangeAspect="1"/>
+          </p:cNvPicPr>
+          <p:nvPr/>
+        </p:nvPicPr>
+        <p:blipFill>
+          <a:blip r:embed="rId7" cstate="email">
+            <a:extLst>
+              <a:ext uri="{28A0092B-C50C-407E-A947-70E740481C1C}">
+                <a14:useLocalDpi xmlns:a14="http://schemas.microsoft.com/office/drawing/2010/main" val="0"/>
+              </a:ext>
+            </a:extLst>
+          </a:blip>
+          <a:stretch>
+            <a:fillRect/>
+          </a:stretch>
+        </p:blipFill>
+        <p:spPr>
+          <a:xfrm>
+            <a:off x="1448347" y="4194896"/>
+            <a:ext cx="774440" cy="1068769"/>
+          </a:xfrm>
+          <a:prstGeom prst="rect">
+            <a:avLst/>
+          </a:prstGeom>
+        </p:spPr>
+      </p:pic>
+      <p:pic>
+        <p:nvPicPr>
+          <p:cNvPr id="12" name="Grafik 11"/>
+          <p:cNvPicPr>
+            <a:picLocks noChangeAspect="1"/>
+          </p:cNvPicPr>
+          <p:nvPr/>
+        </p:nvPicPr>
+        <p:blipFill>
+          <a:blip r:embed="rId8" cstate="email">
+            <a:extLst>
+              <a:ext uri="{28A0092B-C50C-407E-A947-70E740481C1C}">
+                <a14:useLocalDpi xmlns:a14="http://schemas.microsoft.com/office/drawing/2010/main" val="0"/>
+              </a:ext>
+            </a:extLst>
+          </a:blip>
+          <a:stretch>
+            <a:fillRect/>
+          </a:stretch>
+        </p:blipFill>
+        <p:spPr>
+          <a:xfrm>
+            <a:off x="2363334" y="5791882"/>
+            <a:ext cx="1530629" cy="858862"/>
+          </a:xfrm>
+          <a:prstGeom prst="rect">
+            <a:avLst/>
+          </a:prstGeom>
+        </p:spPr>
+      </p:pic>
+      <p:pic>
+        <p:nvPicPr>
+          <p:cNvPr id="13" name="Grafik 12"/>
+          <p:cNvPicPr>
+            <a:picLocks noChangeAspect="1"/>
+          </p:cNvPicPr>
+          <p:nvPr/>
+        </p:nvPicPr>
+        <p:blipFill>
+          <a:blip r:embed="rId9" cstate="email">
+            <a:extLst>
+              <a:ext uri="{28A0092B-C50C-407E-A947-70E740481C1C}">
+                <a14:useLocalDpi xmlns:a14="http://schemas.microsoft.com/office/drawing/2010/main" val="0"/>
+              </a:ext>
+            </a:extLst>
+          </a:blip>
+          <a:stretch>
+            <a:fillRect/>
+          </a:stretch>
+        </p:blipFill>
+        <p:spPr>
+          <a:xfrm>
+            <a:off x="4427865" y="5791881"/>
+            <a:ext cx="1524606" cy="858862"/>
+          </a:xfrm>
+          <a:prstGeom prst="rect">
+            <a:avLst/>
+          </a:prstGeom>
+        </p:spPr>
+      </p:pic>
+      <p:graphicFrame>
+        <p:nvGraphicFramePr>
+          <p:cNvPr id="15" name="Diagramm 14"/>
+          <p:cNvGraphicFramePr/>
+          <p:nvPr>
+            <p:extLst>
+              <p:ext uri="{D42A27DB-BD31-4B8C-83A1-F6EECF244321}">
+                <p14:modId xmlns:p14="http://schemas.microsoft.com/office/powerpoint/2010/main" val="559993232"/>
+              </p:ext>
+            </p:extLst>
+          </p:nvPr>
+        </p:nvGraphicFramePr>
+        <p:xfrm>
+          <a:off x="1994602" y="2694447"/>
+          <a:ext cx="4383074" cy="2978522"/>
+        </p:xfrm>
+        <a:graphic>
+          <a:graphicData uri="http://schemas.openxmlformats.org/drawingml/2006/chart">
+            <c:chart xmlns:c="http://schemas.openxmlformats.org/drawingml/2006/chart" xmlns:r="http://schemas.openxmlformats.org/officeDocument/2006/relationships" r:id="rId10"/>
+          </a:graphicData>
+        </a:graphic>
+      </p:graphicFrame>
+      <p:sp>
+        <p:nvSpPr>
+          <p:cNvPr id="16" name="Textfeld 15"/>
+          <p:cNvSpPr txBox="1"/>
+          <p:nvPr/>
+        </p:nvSpPr>
+        <p:spPr>
+          <a:xfrm>
+            <a:off x="3658651" y="2962836"/>
+            <a:ext cx="1056777" cy="278191"/>
+          </a:xfrm>
+          <a:prstGeom prst="rect">
+            <a:avLst/>
+          </a:prstGeom>
+          <a:noFill/>
+        </p:spPr>
+        <p:txBody>
+          <a:bodyPr wrap="square" rtlCol="0">
+            <a:spAutoFit/>
+          </a:bodyPr>
+          <a:lstStyle/>
+          <a:p>
+            <a:pPr algn="ctr"/>
+            <a:r>
+              <a:rPr lang="de-DE" sz="1400" dirty="0" smtClean="0"/>
+              <a:t>DSL</a:t>
+            </a:r>
+            <a:endParaRPr lang="de-DE" sz="1400" dirty="0"/>
+          </a:p>
+        </p:txBody>
+      </p:sp>
+      <p:sp>
+        <p:nvSpPr>
+          <p:cNvPr id="17" name="Textfeld 16"/>
+          <p:cNvSpPr txBox="1"/>
+          <p:nvPr/>
+        </p:nvSpPr>
+        <p:spPr>
+          <a:xfrm>
+            <a:off x="2820838" y="4009083"/>
+            <a:ext cx="1199071" cy="307777"/>
+          </a:xfrm>
+          <a:prstGeom prst="rect">
+            <a:avLst/>
+          </a:prstGeom>
+          <a:noFill/>
+        </p:spPr>
+        <p:txBody>
+          <a:bodyPr wrap="square" rtlCol="0">
+            <a:spAutoFit/>
+          </a:bodyPr>
+          <a:lstStyle/>
+          <a:p>
+            <a:pPr algn="ctr"/>
+            <a:r>
+              <a:rPr lang="de-DE" sz="1400" dirty="0" smtClean="0"/>
+              <a:t>Integration</a:t>
+            </a:r>
+            <a:endParaRPr lang="de-DE" sz="1400" dirty="0"/>
+          </a:p>
+        </p:txBody>
+      </p:sp>
+      <p:sp>
+        <p:nvSpPr>
+          <p:cNvPr id="18" name="Textfeld 17"/>
+          <p:cNvSpPr txBox="1"/>
+          <p:nvPr/>
+        </p:nvSpPr>
+        <p:spPr>
+          <a:xfrm>
+            <a:off x="4449023" y="4009082"/>
+            <a:ext cx="1056777" cy="278191"/>
+          </a:xfrm>
+          <a:prstGeom prst="rect">
+            <a:avLst/>
+          </a:prstGeom>
+          <a:noFill/>
+        </p:spPr>
+        <p:txBody>
+          <a:bodyPr wrap="square" rtlCol="0">
+            <a:spAutoFit/>
+          </a:bodyPr>
+          <a:lstStyle/>
+          <a:p>
+            <a:pPr algn="ctr"/>
+            <a:r>
+              <a:rPr lang="de-DE" sz="1400" dirty="0" smtClean="0"/>
+              <a:t>IDE</a:t>
+            </a:r>
+            <a:endParaRPr lang="de-DE" sz="1400" dirty="0"/>
+          </a:p>
+        </p:txBody>
+      </p:sp>
+      <p:sp>
+        <p:nvSpPr>
+          <p:cNvPr id="19" name="Textfeld 18"/>
+          <p:cNvSpPr txBox="1"/>
+          <p:nvPr/>
+        </p:nvSpPr>
+        <p:spPr>
+          <a:xfrm>
+            <a:off x="3658651" y="5124570"/>
+            <a:ext cx="1056777" cy="278191"/>
+          </a:xfrm>
+          <a:prstGeom prst="rect">
+            <a:avLst/>
+          </a:prstGeom>
+          <a:noFill/>
+        </p:spPr>
+        <p:txBody>
+          <a:bodyPr wrap="square" rtlCol="0">
+            <a:spAutoFit/>
+          </a:bodyPr>
+          <a:lstStyle/>
+          <a:p>
+            <a:pPr algn="ctr"/>
+            <a:r>
+              <a:rPr lang="de-DE" sz="1400" dirty="0" err="1" smtClean="0"/>
+              <a:t>Tooling</a:t>
+            </a:r>
+            <a:endParaRPr lang="de-DE" sz="1400" dirty="0"/>
+          </a:p>
+        </p:txBody>
+      </p:sp>
+      <p:sp>
+        <p:nvSpPr>
+          <p:cNvPr id="20" name="Titel 1"/>
+          <p:cNvSpPr>
+            <a:spLocks noGrp="1"/>
+          </p:cNvSpPr>
+          <p:nvPr>
+            <p:ph type="title"/>
+          </p:nvPr>
+        </p:nvSpPr>
+        <p:spPr>
+          <a:xfrm>
+            <a:off x="457199" y="1505676"/>
+            <a:ext cx="6508377" cy="551723"/>
+          </a:xfrm>
+        </p:spPr>
+        <p:txBody>
+          <a:bodyPr/>
+          <a:lstStyle/>
+          <a:p>
+            <a:r>
+              <a:rPr lang="de-DE" dirty="0" smtClean="0"/>
+              <a:t>Ökosyste</a:t>
+            </a:r>
+            <a:r>
+              <a:rPr lang="de-DE" dirty="0"/>
+              <a:t>m</a:t>
+            </a:r>
+            <a:endParaRPr lang="de-DE" dirty="0"/>
           </a:p>
         </p:txBody>
       </p:sp>
@@ -13432,12 +14671,541 @@
   <p:clrMapOvr>
     <a:masterClrMapping/>
   </p:clrMapOvr>
+  <mc:AlternateContent xmlns:mc="http://schemas.openxmlformats.org/markup-compatibility/2006">
+    <mc:Choice xmlns:p14="http://schemas.microsoft.com/office/powerpoint/2010/main" Requires="p14">
+      <p:transition spd="slow" p14:dur="2000"/>
+    </mc:Choice>
+    <mc:Fallback>
+      <p:transition spd="slow"/>
+    </mc:Fallback>
+  </mc:AlternateContent>
   <p:timing>
     <p:tnLst>
       <p:par>
-        <p:cTn id="1" dur="indefinite" restart="never" nodeType="tmRoot"/>
+        <p:cTn id="1" dur="indefinite" restart="never" nodeType="tmRoot">
+          <p:childTnLst>
+            <p:seq concurrent="1" nextAc="seek">
+              <p:cTn id="2" dur="indefinite" nodeType="mainSeq">
+                <p:childTnLst>
+                  <p:par>
+                    <p:cTn id="3" fill="hold">
+                      <p:stCondLst>
+                        <p:cond delay="indefinite"/>
+                      </p:stCondLst>
+                      <p:childTnLst>
+                        <p:par>
+                          <p:cTn id="4" fill="hold">
+                            <p:stCondLst>
+                              <p:cond delay="0"/>
+                            </p:stCondLst>
+                            <p:childTnLst>
+                              <p:par>
+                                <p:cTn id="5" presetID="10" presetClass="entr" presetSubtype="0" fill="hold" nodeType="clickEffect">
+                                  <p:stCondLst>
+                                    <p:cond delay="0"/>
+                                  </p:stCondLst>
+                                  <p:childTnLst>
+                                    <p:set>
+                                      <p:cBhvr>
+                                        <p:cTn id="6" dur="1" fill="hold">
+                                          <p:stCondLst>
+                                            <p:cond delay="0"/>
+                                          </p:stCondLst>
+                                        </p:cTn>
+                                        <p:tgtEl>
+                                          <p:spTgt spid="7"/>
+                                        </p:tgtEl>
+                                        <p:attrNameLst>
+                                          <p:attrName>style.visibility</p:attrName>
+                                        </p:attrNameLst>
+                                      </p:cBhvr>
+                                      <p:to>
+                                        <p:strVal val="visible"/>
+                                      </p:to>
+                                    </p:set>
+                                    <p:animEffect transition="in" filter="fade">
+                                      <p:cBhvr>
+                                        <p:cTn id="7" dur="500"/>
+                                        <p:tgtEl>
+                                          <p:spTgt spid="7"/>
+                                        </p:tgtEl>
+                                      </p:cBhvr>
+                                    </p:animEffect>
+                                  </p:childTnLst>
+                                </p:cTn>
+                              </p:par>
+                              <p:par>
+                                <p:cTn id="8" presetID="10" presetClass="entr" presetSubtype="0" fill="hold" nodeType="withEffect">
+                                  <p:stCondLst>
+                                    <p:cond delay="0"/>
+                                  </p:stCondLst>
+                                  <p:childTnLst>
+                                    <p:set>
+                                      <p:cBhvr>
+                                        <p:cTn id="9" dur="1" fill="hold">
+                                          <p:stCondLst>
+                                            <p:cond delay="0"/>
+                                          </p:stCondLst>
+                                        </p:cTn>
+                                        <p:tgtEl>
+                                          <p:spTgt spid="6"/>
+                                        </p:tgtEl>
+                                        <p:attrNameLst>
+                                          <p:attrName>style.visibility</p:attrName>
+                                        </p:attrNameLst>
+                                      </p:cBhvr>
+                                      <p:to>
+                                        <p:strVal val="visible"/>
+                                      </p:to>
+                                    </p:set>
+                                    <p:animEffect transition="in" filter="fade">
+                                      <p:cBhvr>
+                                        <p:cTn id="10" dur="500"/>
+                                        <p:tgtEl>
+                                          <p:spTgt spid="6"/>
+                                        </p:tgtEl>
+                                      </p:cBhvr>
+                                    </p:animEffect>
+                                  </p:childTnLst>
+                                </p:cTn>
+                              </p:par>
+                              <p:par>
+                                <p:cTn id="11" presetID="10" presetClass="entr" presetSubtype="0" fill="hold" grpId="0" nodeType="withEffect">
+                                  <p:stCondLst>
+                                    <p:cond delay="0"/>
+                                  </p:stCondLst>
+                                  <p:childTnLst>
+                                    <p:set>
+                                      <p:cBhvr>
+                                        <p:cTn id="12" dur="1" fill="hold">
+                                          <p:stCondLst>
+                                            <p:cond delay="0"/>
+                                          </p:stCondLst>
+                                        </p:cTn>
+                                        <p:tgtEl>
+                                          <p:spTgt spid="16"/>
+                                        </p:tgtEl>
+                                        <p:attrNameLst>
+                                          <p:attrName>style.visibility</p:attrName>
+                                        </p:attrNameLst>
+                                      </p:cBhvr>
+                                      <p:to>
+                                        <p:strVal val="visible"/>
+                                      </p:to>
+                                    </p:set>
+                                    <p:animEffect transition="in" filter="fade">
+                                      <p:cBhvr>
+                                        <p:cTn id="13" dur="500"/>
+                                        <p:tgtEl>
+                                          <p:spTgt spid="16"/>
+                                        </p:tgtEl>
+                                      </p:cBhvr>
+                                    </p:animEffect>
+                                  </p:childTnLst>
+                                </p:cTn>
+                              </p:par>
+                            </p:childTnLst>
+                          </p:cTn>
+                        </p:par>
+                      </p:childTnLst>
+                    </p:cTn>
+                  </p:par>
+                  <p:par>
+                    <p:cTn id="14" fill="hold">
+                      <p:stCondLst>
+                        <p:cond delay="indefinite"/>
+                      </p:stCondLst>
+                      <p:childTnLst>
+                        <p:par>
+                          <p:cTn id="15" fill="hold">
+                            <p:stCondLst>
+                              <p:cond delay="0"/>
+                            </p:stCondLst>
+                            <p:childTnLst>
+                              <p:par>
+                                <p:cTn id="16" presetID="10" presetClass="entr" presetSubtype="0" fill="hold" nodeType="clickEffect">
+                                  <p:stCondLst>
+                                    <p:cond delay="0"/>
+                                  </p:stCondLst>
+                                  <p:childTnLst>
+                                    <p:set>
+                                      <p:cBhvr>
+                                        <p:cTn id="17" dur="1" fill="hold">
+                                          <p:stCondLst>
+                                            <p:cond delay="0"/>
+                                          </p:stCondLst>
+                                        </p:cTn>
+                                        <p:tgtEl>
+                                          <p:spTgt spid="8"/>
+                                        </p:tgtEl>
+                                        <p:attrNameLst>
+                                          <p:attrName>style.visibility</p:attrName>
+                                        </p:attrNameLst>
+                                      </p:cBhvr>
+                                      <p:to>
+                                        <p:strVal val="visible"/>
+                                      </p:to>
+                                    </p:set>
+                                    <p:animEffect transition="in" filter="fade">
+                                      <p:cBhvr>
+                                        <p:cTn id="18" dur="500"/>
+                                        <p:tgtEl>
+                                          <p:spTgt spid="8"/>
+                                        </p:tgtEl>
+                                      </p:cBhvr>
+                                    </p:animEffect>
+                                  </p:childTnLst>
+                                </p:cTn>
+                              </p:par>
+                              <p:par>
+                                <p:cTn id="19" presetID="10" presetClass="entr" presetSubtype="0" fill="hold" nodeType="withEffect">
+                                  <p:stCondLst>
+                                    <p:cond delay="0"/>
+                                  </p:stCondLst>
+                                  <p:childTnLst>
+                                    <p:set>
+                                      <p:cBhvr>
+                                        <p:cTn id="20" dur="1" fill="hold">
+                                          <p:stCondLst>
+                                            <p:cond delay="0"/>
+                                          </p:stCondLst>
+                                        </p:cTn>
+                                        <p:tgtEl>
+                                          <p:spTgt spid="11"/>
+                                        </p:tgtEl>
+                                        <p:attrNameLst>
+                                          <p:attrName>style.visibility</p:attrName>
+                                        </p:attrNameLst>
+                                      </p:cBhvr>
+                                      <p:to>
+                                        <p:strVal val="visible"/>
+                                      </p:to>
+                                    </p:set>
+                                    <p:animEffect transition="in" filter="fade">
+                                      <p:cBhvr>
+                                        <p:cTn id="21" dur="500"/>
+                                        <p:tgtEl>
+                                          <p:spTgt spid="11"/>
+                                        </p:tgtEl>
+                                      </p:cBhvr>
+                                    </p:animEffect>
+                                  </p:childTnLst>
+                                </p:cTn>
+                              </p:par>
+                              <p:par>
+                                <p:cTn id="22" presetID="10" presetClass="entr" presetSubtype="0" fill="hold" grpId="0" nodeType="withEffect">
+                                  <p:stCondLst>
+                                    <p:cond delay="0"/>
+                                  </p:stCondLst>
+                                  <p:childTnLst>
+                                    <p:set>
+                                      <p:cBhvr>
+                                        <p:cTn id="23" dur="1" fill="hold">
+                                          <p:stCondLst>
+                                            <p:cond delay="0"/>
+                                          </p:stCondLst>
+                                        </p:cTn>
+                                        <p:tgtEl>
+                                          <p:spTgt spid="17"/>
+                                        </p:tgtEl>
+                                        <p:attrNameLst>
+                                          <p:attrName>style.visibility</p:attrName>
+                                        </p:attrNameLst>
+                                      </p:cBhvr>
+                                      <p:to>
+                                        <p:strVal val="visible"/>
+                                      </p:to>
+                                    </p:set>
+                                    <p:animEffect transition="in" filter="fade">
+                                      <p:cBhvr>
+                                        <p:cTn id="24" dur="500"/>
+                                        <p:tgtEl>
+                                          <p:spTgt spid="17"/>
+                                        </p:tgtEl>
+                                      </p:cBhvr>
+                                    </p:animEffect>
+                                  </p:childTnLst>
+                                </p:cTn>
+                              </p:par>
+                            </p:childTnLst>
+                          </p:cTn>
+                        </p:par>
+                      </p:childTnLst>
+                    </p:cTn>
+                  </p:par>
+                  <p:par>
+                    <p:cTn id="25" fill="hold">
+                      <p:stCondLst>
+                        <p:cond delay="indefinite"/>
+                      </p:stCondLst>
+                      <p:childTnLst>
+                        <p:par>
+                          <p:cTn id="26" fill="hold">
+                            <p:stCondLst>
+                              <p:cond delay="0"/>
+                            </p:stCondLst>
+                            <p:childTnLst>
+                              <p:par>
+                                <p:cTn id="27" presetID="10" presetClass="entr" presetSubtype="0" fill="hold" nodeType="clickEffect">
+                                  <p:stCondLst>
+                                    <p:cond delay="0"/>
+                                  </p:stCondLst>
+                                  <p:childTnLst>
+                                    <p:set>
+                                      <p:cBhvr>
+                                        <p:cTn id="28" dur="1" fill="hold">
+                                          <p:stCondLst>
+                                            <p:cond delay="0"/>
+                                          </p:stCondLst>
+                                        </p:cTn>
+                                        <p:tgtEl>
+                                          <p:spTgt spid="9"/>
+                                        </p:tgtEl>
+                                        <p:attrNameLst>
+                                          <p:attrName>style.visibility</p:attrName>
+                                        </p:attrNameLst>
+                                      </p:cBhvr>
+                                      <p:to>
+                                        <p:strVal val="visible"/>
+                                      </p:to>
+                                    </p:set>
+                                    <p:animEffect transition="in" filter="fade">
+                                      <p:cBhvr>
+                                        <p:cTn id="29" dur="500"/>
+                                        <p:tgtEl>
+                                          <p:spTgt spid="9"/>
+                                        </p:tgtEl>
+                                      </p:cBhvr>
+                                    </p:animEffect>
+                                  </p:childTnLst>
+                                </p:cTn>
+                              </p:par>
+                              <p:par>
+                                <p:cTn id="30" presetID="10" presetClass="entr" presetSubtype="0" fill="hold" grpId="0" nodeType="withEffect">
+                                  <p:stCondLst>
+                                    <p:cond delay="0"/>
+                                  </p:stCondLst>
+                                  <p:childTnLst>
+                                    <p:set>
+                                      <p:cBhvr>
+                                        <p:cTn id="31" dur="1" fill="hold">
+                                          <p:stCondLst>
+                                            <p:cond delay="0"/>
+                                          </p:stCondLst>
+                                        </p:cTn>
+                                        <p:tgtEl>
+                                          <p:spTgt spid="18"/>
+                                        </p:tgtEl>
+                                        <p:attrNameLst>
+                                          <p:attrName>style.visibility</p:attrName>
+                                        </p:attrNameLst>
+                                      </p:cBhvr>
+                                      <p:to>
+                                        <p:strVal val="visible"/>
+                                      </p:to>
+                                    </p:set>
+                                    <p:animEffect transition="in" filter="fade">
+                                      <p:cBhvr>
+                                        <p:cTn id="32" dur="500"/>
+                                        <p:tgtEl>
+                                          <p:spTgt spid="18"/>
+                                        </p:tgtEl>
+                                      </p:cBhvr>
+                                    </p:animEffect>
+                                  </p:childTnLst>
+                                </p:cTn>
+                              </p:par>
+                              <p:par>
+                                <p:cTn id="33" presetID="10" presetClass="entr" presetSubtype="0" fill="hold" nodeType="withEffect">
+                                  <p:stCondLst>
+                                    <p:cond delay="0"/>
+                                  </p:stCondLst>
+                                  <p:childTnLst>
+                                    <p:set>
+                                      <p:cBhvr>
+                                        <p:cTn id="34" dur="1" fill="hold">
+                                          <p:stCondLst>
+                                            <p:cond delay="0"/>
+                                          </p:stCondLst>
+                                        </p:cTn>
+                                        <p:tgtEl>
+                                          <p:spTgt spid="10"/>
+                                        </p:tgtEl>
+                                        <p:attrNameLst>
+                                          <p:attrName>style.visibility</p:attrName>
+                                        </p:attrNameLst>
+                                      </p:cBhvr>
+                                      <p:to>
+                                        <p:strVal val="visible"/>
+                                      </p:to>
+                                    </p:set>
+                                    <p:animEffect transition="in" filter="fade">
+                                      <p:cBhvr>
+                                        <p:cTn id="35" dur="500"/>
+                                        <p:tgtEl>
+                                          <p:spTgt spid="10"/>
+                                        </p:tgtEl>
+                                      </p:cBhvr>
+                                    </p:animEffect>
+                                  </p:childTnLst>
+                                </p:cTn>
+                              </p:par>
+                            </p:childTnLst>
+                          </p:cTn>
+                        </p:par>
+                      </p:childTnLst>
+                    </p:cTn>
+                  </p:par>
+                  <p:par>
+                    <p:cTn id="36" fill="hold">
+                      <p:stCondLst>
+                        <p:cond delay="indefinite"/>
+                      </p:stCondLst>
+                      <p:childTnLst>
+                        <p:par>
+                          <p:cTn id="37" fill="hold">
+                            <p:stCondLst>
+                              <p:cond delay="0"/>
+                            </p:stCondLst>
+                            <p:childTnLst>
+                              <p:par>
+                                <p:cTn id="38" presetID="10" presetClass="entr" presetSubtype="0" fill="hold" grpId="0" nodeType="clickEffect">
+                                  <p:stCondLst>
+                                    <p:cond delay="0"/>
+                                  </p:stCondLst>
+                                  <p:childTnLst>
+                                    <p:set>
+                                      <p:cBhvr>
+                                        <p:cTn id="39" dur="1" fill="hold">
+                                          <p:stCondLst>
+                                            <p:cond delay="0"/>
+                                          </p:stCondLst>
+                                        </p:cTn>
+                                        <p:tgtEl>
+                                          <p:spTgt spid="19"/>
+                                        </p:tgtEl>
+                                        <p:attrNameLst>
+                                          <p:attrName>style.visibility</p:attrName>
+                                        </p:attrNameLst>
+                                      </p:cBhvr>
+                                      <p:to>
+                                        <p:strVal val="visible"/>
+                                      </p:to>
+                                    </p:set>
+                                    <p:animEffect transition="in" filter="fade">
+                                      <p:cBhvr>
+                                        <p:cTn id="40" dur="500"/>
+                                        <p:tgtEl>
+                                          <p:spTgt spid="19"/>
+                                        </p:tgtEl>
+                                      </p:cBhvr>
+                                    </p:animEffect>
+                                  </p:childTnLst>
+                                </p:cTn>
+                              </p:par>
+                              <p:par>
+                                <p:cTn id="41" presetID="10" presetClass="entr" presetSubtype="0" fill="hold" nodeType="withEffect">
+                                  <p:stCondLst>
+                                    <p:cond delay="0"/>
+                                  </p:stCondLst>
+                                  <p:childTnLst>
+                                    <p:set>
+                                      <p:cBhvr>
+                                        <p:cTn id="42" dur="1" fill="hold">
+                                          <p:stCondLst>
+                                            <p:cond delay="0"/>
+                                          </p:stCondLst>
+                                        </p:cTn>
+                                        <p:tgtEl>
+                                          <p:spTgt spid="12"/>
+                                        </p:tgtEl>
+                                        <p:attrNameLst>
+                                          <p:attrName>style.visibility</p:attrName>
+                                        </p:attrNameLst>
+                                      </p:cBhvr>
+                                      <p:to>
+                                        <p:strVal val="visible"/>
+                                      </p:to>
+                                    </p:set>
+                                    <p:animEffect transition="in" filter="fade">
+                                      <p:cBhvr>
+                                        <p:cTn id="43" dur="500"/>
+                                        <p:tgtEl>
+                                          <p:spTgt spid="12"/>
+                                        </p:tgtEl>
+                                      </p:cBhvr>
+                                    </p:animEffect>
+                                  </p:childTnLst>
+                                </p:cTn>
+                              </p:par>
+                              <p:par>
+                                <p:cTn id="44" presetID="10" presetClass="entr" presetSubtype="0" fill="hold" nodeType="withEffect">
+                                  <p:stCondLst>
+                                    <p:cond delay="0"/>
+                                  </p:stCondLst>
+                                  <p:childTnLst>
+                                    <p:set>
+                                      <p:cBhvr>
+                                        <p:cTn id="45" dur="1" fill="hold">
+                                          <p:stCondLst>
+                                            <p:cond delay="0"/>
+                                          </p:stCondLst>
+                                        </p:cTn>
+                                        <p:tgtEl>
+                                          <p:spTgt spid="13"/>
+                                        </p:tgtEl>
+                                        <p:attrNameLst>
+                                          <p:attrName>style.visibility</p:attrName>
+                                        </p:attrNameLst>
+                                      </p:cBhvr>
+                                      <p:to>
+                                        <p:strVal val="visible"/>
+                                      </p:to>
+                                    </p:set>
+                                    <p:animEffect transition="in" filter="fade">
+                                      <p:cBhvr>
+                                        <p:cTn id="46" dur="500"/>
+                                        <p:tgtEl>
+                                          <p:spTgt spid="13"/>
+                                        </p:tgtEl>
+                                      </p:cBhvr>
+                                    </p:animEffect>
+                                  </p:childTnLst>
+                                </p:cTn>
+                              </p:par>
+                            </p:childTnLst>
+                          </p:cTn>
+                        </p:par>
+                      </p:childTnLst>
+                    </p:cTn>
+                  </p:par>
+                </p:childTnLst>
+              </p:cTn>
+              <p:prevCondLst>
+                <p:cond evt="onPrev" delay="0">
+                  <p:tgtEl>
+                    <p:sldTgt/>
+                  </p:tgtEl>
+                </p:cond>
+              </p:prevCondLst>
+              <p:nextCondLst>
+                <p:cond evt="onNext" delay="0">
+                  <p:tgtEl>
+                    <p:sldTgt/>
+                  </p:tgtEl>
+                </p:cond>
+              </p:nextCondLst>
+            </p:seq>
+          </p:childTnLst>
+        </p:cTn>
       </p:par>
     </p:tnLst>
+    <p:bldLst>
+      <p:bldP spid="16" grpId="0"/>
+      <p:bldP spid="17" grpId="0"/>
+      <p:bldP spid="18" grpId="0"/>
+      <p:bldP spid="19" grpId="0"/>
+    </p:bldLst>
   </p:timing>
 </p:sld>
 </file>
@@ -13492,6 +15260,14 @@
   <p:clrMapOvr>
     <a:masterClrMapping/>
   </p:clrMapOvr>
+  <mc:AlternateContent xmlns:mc="http://schemas.openxmlformats.org/markup-compatibility/2006">
+    <mc:Choice xmlns:p14="http://schemas.microsoft.com/office/powerpoint/2010/main" Requires="p14">
+      <p:transition spd="slow" p14:dur="2000"/>
+    </mc:Choice>
+    <mc:Fallback>
+      <p:transition spd="slow"/>
+    </mc:Fallback>
+  </mc:AlternateContent>
   <p:timing>
     <p:tnLst>
       <p:par>
@@ -15951,7 +17727,7 @@
             <a:spLocks noGrp="1"/>
           </p:cNvSpPr>
           <p:nvPr>
-            <p:ph type="body" sz="quarter" idx="12" hasCustomPrompt="1"/>
+            <p:ph type="body" sz="quarter" idx="12"/>
           </p:nvPr>
         </p:nvSpPr>
         <p:spPr>
@@ -16084,10 +17860,10 @@
   </p:clrMapOvr>
   <mc:AlternateContent xmlns:mc="http://schemas.openxmlformats.org/markup-compatibility/2006">
     <mc:Choice xmlns:p14="http://schemas.microsoft.com/office/powerpoint/2010/main" Requires="p14">
-      <p:transition spd="slow" p14:dur="2000" advTm="341"/>
+      <p:transition spd="slow" p14:dur="2000"/>
     </mc:Choice>
     <mc:Fallback>
-      <p:transition spd="slow" advTm="341"/>
+      <p:transition spd="slow"/>
     </mc:Fallback>
   </mc:AlternateContent>
   <p:timing>

--- a/JavaFX-UserGroup.pptx
+++ b/JavaFX-UserGroup.pptx
@@ -9095,7 +9095,7 @@
         </p:blipFill>
         <p:spPr bwMode="auto">
           <a:xfrm>
-            <a:off x="507574" y="2964894"/>
+            <a:off x="507574" y="2952368"/>
             <a:ext cx="5086350" cy="1188000"/>
           </a:xfrm>
           <a:prstGeom prst="rect">
@@ -9131,36 +9131,6 @@
           </a:extLst>
         </p:spPr>
       </p:pic>
-      <p:sp>
-        <p:nvSpPr>
-          <p:cNvPr id="16" name="Inhaltsplatzhalter 2"/>
-          <p:cNvSpPr>
-            <a:spLocks noGrp="1"/>
-          </p:cNvSpPr>
-          <p:nvPr>
-            <p:ph idx="1"/>
-          </p:nvPr>
-        </p:nvSpPr>
-        <p:spPr>
-          <a:xfrm>
-            <a:off x="326571" y="2418807"/>
-            <a:ext cx="8351803" cy="2019469"/>
-          </a:xfrm>
-        </p:spPr>
-        <p:txBody>
-          <a:bodyPr>
-            <a:normAutofit/>
-          </a:bodyPr>
-          <a:lstStyle/>
-          <a:p>
-            <a:r>
-              <a:rPr lang="de-DE" sz="2400" dirty="0" smtClean="0"/>
-              <a:t>Beschreibung der Oberfläche mit XML</a:t>
-            </a:r>
-            <a:endParaRPr lang="de-DE" sz="2400" dirty="0"/>
-          </a:p>
-        </p:txBody>
-      </p:sp>
       <p:pic>
         <p:nvPicPr>
           <p:cNvPr id="2054" name="Picture 6"/>
@@ -9184,7 +9154,7 @@
         </p:blipFill>
         <p:spPr bwMode="auto">
           <a:xfrm>
-            <a:off x="169819" y="4977569"/>
+            <a:off x="169819" y="4965043"/>
             <a:ext cx="3657600" cy="1714500"/>
           </a:xfrm>
           <a:prstGeom prst="rect">
@@ -9228,23 +9198,21 @@
         </p:nvGrpSpPr>
         <p:grpSpPr>
           <a:xfrm>
-            <a:off x="1998619" y="4152894"/>
-            <a:ext cx="4359907" cy="1110834"/>
+            <a:off x="1998619" y="4140368"/>
+            <a:ext cx="4359907" cy="1098308"/>
             <a:chOff x="1998619" y="4152894"/>
-            <a:chExt cx="4359907" cy="1110834"/>
+            <a:chExt cx="4359907" cy="1098308"/>
           </a:xfrm>
         </p:grpSpPr>
         <p:cxnSp>
           <p:nvCxnSpPr>
             <p:cNvPr id="7" name="Gekrümmte Verbindung 6"/>
-            <p:cNvCxnSpPr>
-              <a:endCxn id="2054" idx="0"/>
-            </p:cNvCxnSpPr>
+            <p:cNvCxnSpPr/>
             <p:nvPr/>
           </p:nvCxnSpPr>
           <p:spPr>
             <a:xfrm rot="10800000" flipV="1">
-              <a:off x="1998619" y="4438277"/>
+              <a:off x="1998619" y="4425751"/>
               <a:ext cx="1645918" cy="539291"/>
             </a:xfrm>
             <a:prstGeom prst="curvedConnector2">
@@ -9275,14 +9243,12 @@
         <p:cxnSp>
           <p:nvCxnSpPr>
             <p:cNvPr id="34" name="Gekrümmte Verbindung 33"/>
-            <p:cNvCxnSpPr>
-              <a:endCxn id="2055" idx="0"/>
-            </p:cNvCxnSpPr>
+            <p:cNvCxnSpPr/>
             <p:nvPr/>
           </p:nvCxnSpPr>
           <p:spPr>
             <a:xfrm>
-              <a:off x="3592285" y="4438277"/>
+              <a:off x="3592285" y="4425751"/>
               <a:ext cx="2766241" cy="825451"/>
             </a:xfrm>
             <a:prstGeom prst="curvedConnector2">
@@ -9369,7 +9335,7 @@
         </p:blipFill>
         <p:spPr bwMode="auto">
           <a:xfrm>
-            <a:off x="3973364" y="5263728"/>
+            <a:off x="3973364" y="5251202"/>
             <a:ext cx="4770323" cy="668737"/>
           </a:xfrm>
           <a:prstGeom prst="rect">
@@ -9413,7 +9379,7 @@
         </p:nvCxnSpPr>
         <p:spPr>
           <a:xfrm>
-            <a:off x="2377440" y="5146766"/>
+            <a:off x="2377440" y="5134240"/>
             <a:ext cx="5408023" cy="451330"/>
           </a:xfrm>
           <a:prstGeom prst="straightConnector1">
@@ -16057,7 +16023,6 @@
               <a:rPr lang="de-DE" dirty="0" smtClean="0"/>
               <a:t>Trennung GUI / Implementierung</a:t>
             </a:r>
-            <a:endParaRPr lang="de-DE" dirty="0" smtClean="0"/>
           </a:p>
           <a:p>
             <a:pPr lvl="1"/>
@@ -16076,8 +16041,8 @@
           </a:p>
           <a:p>
             <a:r>
-              <a:rPr lang="de-DE" dirty="0" err="1" smtClean="0"/>
-              <a:t>Examples</a:t>
+              <a:rPr lang="de-DE" dirty="0" smtClean="0"/>
+              <a:t>Beispiele</a:t>
             </a:r>
             <a:endParaRPr lang="de-DE" dirty="0" smtClean="0"/>
           </a:p>
@@ -16089,14 +16054,6 @@
             <a:r>
               <a:rPr lang="de-DE" dirty="0" err="1" smtClean="0"/>
               <a:t>Coding</a:t>
-            </a:r>
-            <a:r>
-              <a:rPr lang="de-DE" dirty="0" smtClean="0"/>
-              <a:t> - </a:t>
-            </a:r>
-            <a:r>
-              <a:rPr lang="de-DE" dirty="0" err="1" smtClean="0"/>
-              <a:t>FXarmville</a:t>
             </a:r>
             <a:endParaRPr lang="de-DE" dirty="0" smtClean="0"/>
           </a:p>
@@ -19198,9 +19155,9 @@
         </p:nvGrpSpPr>
         <p:grpSpPr>
           <a:xfrm>
-            <a:off x="287382" y="2681855"/>
-            <a:ext cx="3553098" cy="1171690"/>
-            <a:chOff x="-271683" y="2820863"/>
+            <a:off x="325675" y="2594173"/>
+            <a:ext cx="4764363" cy="1171690"/>
+            <a:chOff x="237357" y="2820863"/>
             <a:chExt cx="4302696" cy="1418881"/>
           </a:xfrm>
         </p:grpSpPr>
@@ -19269,7 +19226,7 @@
                     </a:outerShdw>
                   </a:effectLst>
                 </a:rPr>
-                <a:t>FXML</a:t>
+                <a:t>FXML+CSS</a:t>
               </a:r>
               <a:endParaRPr lang="de-DE" sz="4000" dirty="0">
                 <a:ln w="18415" cmpd="sng">
@@ -19300,7 +19257,7 @@
           </p:nvSpPr>
           <p:spPr>
             <a:xfrm>
-              <a:off x="-271683" y="2820863"/>
+              <a:off x="237357" y="2820863"/>
               <a:ext cx="4302696" cy="447250"/>
             </a:xfrm>
             <a:prstGeom prst="rect">
@@ -19450,7 +19407,11 @@
               <a:pPr algn="ctr"/>
               <a:r>
                 <a:rPr lang="de-DE" dirty="0" smtClean="0"/>
-                <a:t>Implementierung der Logik z.B. Aktionen auf Maus Klick</a:t>
+                <a:t>Implementierung der Logik z.B. Aktionen auf </a:t>
+              </a:r>
+              <a:r>
+                <a:rPr lang="de-DE" dirty="0" smtClean="0"/>
+                <a:t>Mausklick</a:t>
               </a:r>
               <a:endParaRPr lang="de-DE" dirty="0"/>
             </a:p>

--- a/JavaFX-UserGroup.pptx
+++ b/JavaFX-UserGroup.pptx
@@ -5,10 +5,10 @@
     <p:sldMasterId id="2147483949" r:id="rId1"/>
   </p:sldMasterIdLst>
   <p:notesMasterIdLst>
-    <p:notesMasterId r:id="rId21"/>
+    <p:notesMasterId r:id="rId23"/>
   </p:notesMasterIdLst>
   <p:handoutMasterIdLst>
-    <p:handoutMasterId r:id="rId22"/>
+    <p:handoutMasterId r:id="rId24"/>
   </p:handoutMasterIdLst>
   <p:sldIdLst>
     <p:sldId id="256" r:id="rId2"/>
@@ -16,20 +16,22 @@
     <p:sldId id="271" r:id="rId4"/>
     <p:sldId id="273" r:id="rId5"/>
     <p:sldId id="258" r:id="rId6"/>
-    <p:sldId id="274" r:id="rId7"/>
-    <p:sldId id="275" r:id="rId8"/>
-    <p:sldId id="272" r:id="rId9"/>
-    <p:sldId id="281" r:id="rId10"/>
-    <p:sldId id="282" r:id="rId11"/>
-    <p:sldId id="259" r:id="rId12"/>
-    <p:sldId id="267" r:id="rId13"/>
-    <p:sldId id="266" r:id="rId14"/>
-    <p:sldId id="262" r:id="rId15"/>
-    <p:sldId id="261" r:id="rId16"/>
-    <p:sldId id="280" r:id="rId17"/>
-    <p:sldId id="279" r:id="rId18"/>
-    <p:sldId id="278" r:id="rId19"/>
-    <p:sldId id="277" r:id="rId20"/>
+    <p:sldId id="283" r:id="rId7"/>
+    <p:sldId id="274" r:id="rId8"/>
+    <p:sldId id="275" r:id="rId9"/>
+    <p:sldId id="272" r:id="rId10"/>
+    <p:sldId id="259" r:id="rId11"/>
+    <p:sldId id="267" r:id="rId12"/>
+    <p:sldId id="266" r:id="rId13"/>
+    <p:sldId id="262" r:id="rId14"/>
+    <p:sldId id="261" r:id="rId15"/>
+    <p:sldId id="280" r:id="rId16"/>
+    <p:sldId id="279" r:id="rId17"/>
+    <p:sldId id="278" r:id="rId18"/>
+    <p:sldId id="277" r:id="rId19"/>
+    <p:sldId id="281" r:id="rId20"/>
+    <p:sldId id="284" r:id="rId21"/>
+    <p:sldId id="282" r:id="rId22"/>
   </p:sldIdLst>
   <p:sldSz cx="9144000" cy="6858000" type="screen4x3"/>
   <p:notesSz cx="6858000" cy="9144000"/>
@@ -364,7 +366,7 @@
           <a:p>
             <a:fld id="{F990E102-0E85-45BC-BC45-BAB9D66E7EF2}" type="datetimeFigureOut">
               <a:rPr lang="de-DE" smtClean="0"/>
-              <a:t>28.11.2012</a:t>
+              <a:t>11.01.2013</a:t>
             </a:fld>
             <a:endParaRPr lang="de-DE"/>
           </a:p>
@@ -529,7 +531,7 @@
           <a:p>
             <a:fld id="{D6E4795D-47E8-774D-9ED5-0B5304BFB957}" type="datetimeFigureOut">
               <a:rPr lang="de-DE" smtClean="0"/>
-              <a:t>28.11.2012</a:t>
+              <a:t>11.01.2013</a:t>
             </a:fld>
             <a:endParaRPr lang="de-DE"/>
           </a:p>
@@ -862,7 +864,7 @@
           <a:p>
             <a:fld id="{62491994-E55D-CE4B-A805-5346FBD73310}" type="slidenum">
               <a:rPr lang="de-DE" smtClean="0"/>
-              <a:t>6</a:t>
+              <a:t>7</a:t>
             </a:fld>
             <a:endParaRPr lang="de-DE"/>
           </a:p>
@@ -925,6 +927,69 @@
           <a:bodyPr/>
           <a:lstStyle/>
           <a:p>
+            <a:r>
+              <a:rPr lang="de-DE" dirty="0" smtClean="0"/>
+              <a:t>Scene Graph:</a:t>
+            </a:r>
+            <a:endParaRPr lang="de-DE" baseline="0" dirty="0" smtClean="0"/>
+          </a:p>
+          <a:p>
+            <a:pPr marL="171450" indent="-171450">
+              <a:buFontTx/>
+              <a:buChar char="-"/>
+            </a:pPr>
+            <a:r>
+              <a:rPr lang="de-DE" baseline="0" dirty="0" smtClean="0"/>
+              <a:t>Baumstruktur mit Elementen die 0..1 Parent haben können</a:t>
+            </a:r>
+          </a:p>
+          <a:p>
+            <a:pPr marL="171450" indent="-171450">
+              <a:buFontTx/>
+              <a:buChar char="-"/>
+            </a:pPr>
+            <a:r>
+              <a:rPr lang="de-DE" baseline="0" dirty="0" smtClean="0"/>
+              <a:t>2 Primärklassen:</a:t>
+            </a:r>
+          </a:p>
+          <a:p>
+            <a:pPr marL="628650" lvl="1" indent="-171450">
+              <a:buFontTx/>
+              <a:buChar char="-"/>
+            </a:pPr>
+            <a:r>
+              <a:rPr lang="de-DE" baseline="0" dirty="0" smtClean="0"/>
+              <a:t>Scene</a:t>
+            </a:r>
+          </a:p>
+          <a:p>
+            <a:pPr marL="628650" lvl="1" indent="-171450">
+              <a:buFontTx/>
+              <a:buChar char="-"/>
+            </a:pPr>
+            <a:r>
+              <a:rPr lang="de-DE" baseline="0" dirty="0" err="1" smtClean="0"/>
+              <a:t>Node</a:t>
+            </a:r>
+            <a:r>
+              <a:rPr lang="de-DE" baseline="0" dirty="0" smtClean="0"/>
+              <a:t> (Abstrakte Basisklasse für alle Knoten im Baum)</a:t>
+            </a:r>
+          </a:p>
+          <a:p>
+            <a:pPr marL="171450" lvl="0" indent="-171450">
+              <a:buFontTx/>
+              <a:buChar char="-"/>
+            </a:pPr>
+            <a:r>
+              <a:rPr lang="de-DE" baseline="0" dirty="0" smtClean="0"/>
+              <a:t>Scene wird von Stage gekapselt -&gt; Stage äquivalent </a:t>
+            </a:r>
+            <a:r>
+              <a:rPr lang="de-DE" baseline="0" dirty="0" err="1" smtClean="0"/>
+              <a:t>Window</a:t>
+            </a:r>
             <a:endParaRPr lang="de-DE" dirty="0"/>
           </a:p>
         </p:txBody>
@@ -946,7 +1011,7 @@
           <a:p>
             <a:fld id="{62491994-E55D-CE4B-A805-5346FBD73310}" type="slidenum">
               <a:rPr lang="de-DE" smtClean="0"/>
-              <a:t>18</a:t>
+              <a:t>19</a:t>
             </a:fld>
             <a:endParaRPr lang="de-DE"/>
           </a:p>
@@ -955,7 +1020,7 @@
     </p:spTree>
     <p:extLst>
       <p:ext uri="{BB962C8B-B14F-4D97-AF65-F5344CB8AC3E}">
-        <p14:creationId xmlns:p14="http://schemas.microsoft.com/office/powerpoint/2010/main" val="2316675068"/>
+        <p14:creationId xmlns:p14="http://schemas.microsoft.com/office/powerpoint/2010/main" val="227543728"/>
       </p:ext>
     </p:extLst>
   </p:cSld>
@@ -1009,6 +1074,69 @@
           <a:bodyPr/>
           <a:lstStyle/>
           <a:p>
+            <a:r>
+              <a:rPr lang="de-DE" dirty="0" smtClean="0"/>
+              <a:t>Scene Graph:</a:t>
+            </a:r>
+            <a:endParaRPr lang="de-DE" baseline="0" dirty="0" smtClean="0"/>
+          </a:p>
+          <a:p>
+            <a:pPr marL="171450" indent="-171450">
+              <a:buFontTx/>
+              <a:buChar char="-"/>
+            </a:pPr>
+            <a:r>
+              <a:rPr lang="de-DE" baseline="0" dirty="0" smtClean="0"/>
+              <a:t>Baumstruktur mit Elementen die 0..1 Parent haben können</a:t>
+            </a:r>
+          </a:p>
+          <a:p>
+            <a:pPr marL="171450" indent="-171450">
+              <a:buFontTx/>
+              <a:buChar char="-"/>
+            </a:pPr>
+            <a:r>
+              <a:rPr lang="de-DE" baseline="0" dirty="0" smtClean="0"/>
+              <a:t>2 Primärklassen:</a:t>
+            </a:r>
+          </a:p>
+          <a:p>
+            <a:pPr marL="628650" lvl="1" indent="-171450">
+              <a:buFontTx/>
+              <a:buChar char="-"/>
+            </a:pPr>
+            <a:r>
+              <a:rPr lang="de-DE" baseline="0" dirty="0" smtClean="0"/>
+              <a:t>Scene</a:t>
+            </a:r>
+          </a:p>
+          <a:p>
+            <a:pPr marL="628650" lvl="1" indent="-171450">
+              <a:buFontTx/>
+              <a:buChar char="-"/>
+            </a:pPr>
+            <a:r>
+              <a:rPr lang="de-DE" baseline="0" dirty="0" err="1" smtClean="0"/>
+              <a:t>Node</a:t>
+            </a:r>
+            <a:r>
+              <a:rPr lang="de-DE" baseline="0" dirty="0" smtClean="0"/>
+              <a:t> (Abstrakte Basisklasse für alle Knoten im Baum)</a:t>
+            </a:r>
+          </a:p>
+          <a:p>
+            <a:pPr marL="171450" lvl="0" indent="-171450">
+              <a:buFontTx/>
+              <a:buChar char="-"/>
+            </a:pPr>
+            <a:r>
+              <a:rPr lang="de-DE" baseline="0" dirty="0" smtClean="0"/>
+              <a:t>Scene wird von Stage gekapselt -&gt; Stage äquivalent </a:t>
+            </a:r>
+            <a:r>
+              <a:rPr lang="de-DE" baseline="0" dirty="0" err="1" smtClean="0"/>
+              <a:t>Window</a:t>
+            </a:r>
             <a:endParaRPr lang="de-DE" dirty="0"/>
           </a:p>
         </p:txBody>
@@ -1030,7 +1158,7 @@
           <a:p>
             <a:fld id="{62491994-E55D-CE4B-A805-5346FBD73310}" type="slidenum">
               <a:rPr lang="de-DE" smtClean="0"/>
-              <a:t>19</a:t>
+              <a:t>20</a:t>
             </a:fld>
             <a:endParaRPr lang="de-DE"/>
           </a:p>
@@ -1039,7 +1167,154 @@
     </p:spTree>
     <p:extLst>
       <p:ext uri="{BB962C8B-B14F-4D97-AF65-F5344CB8AC3E}">
-        <p14:creationId xmlns:p14="http://schemas.microsoft.com/office/powerpoint/2010/main" val="2316675068"/>
+        <p14:creationId xmlns:p14="http://schemas.microsoft.com/office/powerpoint/2010/main" val="227543728"/>
+      </p:ext>
+    </p:extLst>
+  </p:cSld>
+  <p:clrMapOvr>
+    <a:masterClrMapping/>
+  </p:clrMapOvr>
+</p:notes>
+</file>
+
+<file path=ppt/notesSlides/notesSlide12.xml><?xml version="1.0" encoding="utf-8"?>
+<p:notes xmlns:a="http://schemas.openxmlformats.org/drawingml/2006/main" xmlns:r="http://schemas.openxmlformats.org/officeDocument/2006/relationships" xmlns:p="http://schemas.openxmlformats.org/presentationml/2006/main">
+  <p:cSld>
+    <p:spTree>
+      <p:nvGrpSpPr>
+        <p:cNvPr id="1" name=""/>
+        <p:cNvGrpSpPr/>
+        <p:nvPr/>
+      </p:nvGrpSpPr>
+      <p:grpSpPr>
+        <a:xfrm>
+          <a:off x="0" y="0"/>
+          <a:ext cx="0" cy="0"/>
+          <a:chOff x="0" y="0"/>
+          <a:chExt cx="0" cy="0"/>
+        </a:xfrm>
+      </p:grpSpPr>
+      <p:sp>
+        <p:nvSpPr>
+          <p:cNvPr id="2" name="Folienbildplatzhalter 1"/>
+          <p:cNvSpPr>
+            <a:spLocks noGrp="1" noRot="1" noChangeAspect="1"/>
+          </p:cNvSpPr>
+          <p:nvPr>
+            <p:ph type="sldImg"/>
+          </p:nvPr>
+        </p:nvSpPr>
+        <p:spPr/>
+      </p:sp>
+      <p:sp>
+        <p:nvSpPr>
+          <p:cNvPr id="3" name="Notizenplatzhalter 2"/>
+          <p:cNvSpPr>
+            <a:spLocks noGrp="1"/>
+          </p:cNvSpPr>
+          <p:nvPr>
+            <p:ph type="body" idx="1"/>
+          </p:nvPr>
+        </p:nvSpPr>
+        <p:spPr/>
+        <p:txBody>
+          <a:bodyPr/>
+          <a:lstStyle/>
+          <a:p>
+            <a:r>
+              <a:rPr lang="de-DE" dirty="0" smtClean="0"/>
+              <a:t>Scene Graph:</a:t>
+            </a:r>
+            <a:endParaRPr lang="de-DE" baseline="0" dirty="0" smtClean="0"/>
+          </a:p>
+          <a:p>
+            <a:pPr marL="171450" indent="-171450">
+              <a:buFontTx/>
+              <a:buChar char="-"/>
+            </a:pPr>
+            <a:r>
+              <a:rPr lang="de-DE" baseline="0" dirty="0" smtClean="0"/>
+              <a:t>Baumstruktur mit Elementen die 0..1 Parent haben können</a:t>
+            </a:r>
+          </a:p>
+          <a:p>
+            <a:pPr marL="171450" indent="-171450">
+              <a:buFontTx/>
+              <a:buChar char="-"/>
+            </a:pPr>
+            <a:r>
+              <a:rPr lang="de-DE" baseline="0" dirty="0" smtClean="0"/>
+              <a:t>2 Primärklassen:</a:t>
+            </a:r>
+          </a:p>
+          <a:p>
+            <a:pPr marL="628650" lvl="1" indent="-171450">
+              <a:buFontTx/>
+              <a:buChar char="-"/>
+            </a:pPr>
+            <a:r>
+              <a:rPr lang="de-DE" baseline="0" dirty="0" smtClean="0"/>
+              <a:t>Scene</a:t>
+            </a:r>
+          </a:p>
+          <a:p>
+            <a:pPr marL="628650" lvl="1" indent="-171450">
+              <a:buFontTx/>
+              <a:buChar char="-"/>
+            </a:pPr>
+            <a:r>
+              <a:rPr lang="de-DE" baseline="0" dirty="0" err="1" smtClean="0"/>
+              <a:t>Node</a:t>
+            </a:r>
+            <a:r>
+              <a:rPr lang="de-DE" baseline="0" dirty="0" smtClean="0"/>
+              <a:t> (Abstrakte Basisklasse für alle Knoten im Baum)</a:t>
+            </a:r>
+          </a:p>
+          <a:p>
+            <a:pPr marL="171450" lvl="0" indent="-171450">
+              <a:buFontTx/>
+              <a:buChar char="-"/>
+            </a:pPr>
+            <a:r>
+              <a:rPr lang="de-DE" baseline="0" dirty="0" smtClean="0"/>
+              <a:t>Scene wird von Stage gekapselt -&gt; Stage äquivalent </a:t>
+            </a:r>
+            <a:r>
+              <a:rPr lang="de-DE" baseline="0" dirty="0" err="1" smtClean="0"/>
+              <a:t>Window</a:t>
+            </a:r>
+            <a:endParaRPr lang="de-DE" dirty="0"/>
+          </a:p>
+        </p:txBody>
+      </p:sp>
+      <p:sp>
+        <p:nvSpPr>
+          <p:cNvPr id="4" name="Foliennummernplatzhalter 3"/>
+          <p:cNvSpPr>
+            <a:spLocks noGrp="1"/>
+          </p:cNvSpPr>
+          <p:nvPr>
+            <p:ph type="sldNum" sz="quarter" idx="10"/>
+          </p:nvPr>
+        </p:nvSpPr>
+        <p:spPr/>
+        <p:txBody>
+          <a:bodyPr/>
+          <a:lstStyle/>
+          <a:p>
+            <a:fld id="{62491994-E55D-CE4B-A805-5346FBD73310}" type="slidenum">
+              <a:rPr lang="de-DE" smtClean="0"/>
+              <a:t>21</a:t>
+            </a:fld>
+            <a:endParaRPr lang="de-DE"/>
+          </a:p>
+        </p:txBody>
+      </p:sp>
+    </p:spTree>
+    <p:extLst>
+      <p:ext uri="{BB962C8B-B14F-4D97-AF65-F5344CB8AC3E}">
+        <p14:creationId xmlns:p14="http://schemas.microsoft.com/office/powerpoint/2010/main" val="227543728"/>
       </p:ext>
     </p:extLst>
   </p:cSld>
@@ -1177,7 +1452,7 @@
           <a:p>
             <a:fld id="{62491994-E55D-CE4B-A805-5346FBD73310}" type="slidenum">
               <a:rPr lang="de-DE" smtClean="0"/>
-              <a:t>9</a:t>
+              <a:t>10</a:t>
             </a:fld>
             <a:endParaRPr lang="de-DE"/>
           </a:p>
@@ -1240,69 +1515,6 @@
           <a:bodyPr/>
           <a:lstStyle/>
           <a:p>
-            <a:r>
-              <a:rPr lang="de-DE" dirty="0" smtClean="0"/>
-              <a:t>Scene Graph:</a:t>
-            </a:r>
-            <a:endParaRPr lang="de-DE" baseline="0" dirty="0" smtClean="0"/>
-          </a:p>
-          <a:p>
-            <a:pPr marL="171450" indent="-171450">
-              <a:buFontTx/>
-              <a:buChar char="-"/>
-            </a:pPr>
-            <a:r>
-              <a:rPr lang="de-DE" baseline="0" dirty="0" smtClean="0"/>
-              <a:t>Baumstruktur mit Elementen die 0..1 Parent haben können</a:t>
-            </a:r>
-          </a:p>
-          <a:p>
-            <a:pPr marL="171450" indent="-171450">
-              <a:buFontTx/>
-              <a:buChar char="-"/>
-            </a:pPr>
-            <a:r>
-              <a:rPr lang="de-DE" baseline="0" dirty="0" smtClean="0"/>
-              <a:t>2 Primärklassen:</a:t>
-            </a:r>
-          </a:p>
-          <a:p>
-            <a:pPr marL="628650" lvl="1" indent="-171450">
-              <a:buFontTx/>
-              <a:buChar char="-"/>
-            </a:pPr>
-            <a:r>
-              <a:rPr lang="de-DE" baseline="0" dirty="0" smtClean="0"/>
-              <a:t>Scene</a:t>
-            </a:r>
-          </a:p>
-          <a:p>
-            <a:pPr marL="628650" lvl="1" indent="-171450">
-              <a:buFontTx/>
-              <a:buChar char="-"/>
-            </a:pPr>
-            <a:r>
-              <a:rPr lang="de-DE" baseline="0" dirty="0" err="1" smtClean="0"/>
-              <a:t>Node</a:t>
-            </a:r>
-            <a:r>
-              <a:rPr lang="de-DE" baseline="0" dirty="0" smtClean="0"/>
-              <a:t> (Abstrakte Basisklasse für alle Knoten im Baum)</a:t>
-            </a:r>
-          </a:p>
-          <a:p>
-            <a:pPr marL="171450" lvl="0" indent="-171450">
-              <a:buFontTx/>
-              <a:buChar char="-"/>
-            </a:pPr>
-            <a:r>
-              <a:rPr lang="de-DE" baseline="0" dirty="0" smtClean="0"/>
-              <a:t>Scene wird von Stage gekapselt -&gt; Stage äquivalent </a:t>
-            </a:r>
-            <a:r>
-              <a:rPr lang="de-DE" baseline="0" dirty="0" err="1" smtClean="0"/>
-              <a:t>Window</a:t>
-            </a:r>
             <a:endParaRPr lang="de-DE" dirty="0"/>
           </a:p>
         </p:txBody>
@@ -1324,7 +1536,7 @@
           <a:p>
             <a:fld id="{62491994-E55D-CE4B-A805-5346FBD73310}" type="slidenum">
               <a:rPr lang="de-DE" smtClean="0"/>
-              <a:t>10</a:t>
+              <a:t>11</a:t>
             </a:fld>
             <a:endParaRPr lang="de-DE"/>
           </a:p>
@@ -1333,7 +1545,7 @@
     </p:spTree>
     <p:extLst>
       <p:ext uri="{BB962C8B-B14F-4D97-AF65-F5344CB8AC3E}">
-        <p14:creationId xmlns:p14="http://schemas.microsoft.com/office/powerpoint/2010/main" val="227543728"/>
+        <p14:creationId xmlns:p14="http://schemas.microsoft.com/office/powerpoint/2010/main" val="1046484298"/>
       </p:ext>
     </p:extLst>
   </p:cSld>
@@ -1387,69 +1599,6 @@
           <a:bodyPr/>
           <a:lstStyle/>
           <a:p>
-            <a:r>
-              <a:rPr lang="de-DE" dirty="0" smtClean="0"/>
-              <a:t>Scene Graph:</a:t>
-            </a:r>
-            <a:endParaRPr lang="de-DE" baseline="0" dirty="0" smtClean="0"/>
-          </a:p>
-          <a:p>
-            <a:pPr marL="171450" indent="-171450">
-              <a:buFontTx/>
-              <a:buChar char="-"/>
-            </a:pPr>
-            <a:r>
-              <a:rPr lang="de-DE" baseline="0" dirty="0" smtClean="0"/>
-              <a:t>Baumstruktur mit Elementen die 0..1 Parent haben können</a:t>
-            </a:r>
-          </a:p>
-          <a:p>
-            <a:pPr marL="171450" indent="-171450">
-              <a:buFontTx/>
-              <a:buChar char="-"/>
-            </a:pPr>
-            <a:r>
-              <a:rPr lang="de-DE" baseline="0" dirty="0" smtClean="0"/>
-              <a:t>2 Primärklassen:</a:t>
-            </a:r>
-          </a:p>
-          <a:p>
-            <a:pPr marL="628650" lvl="1" indent="-171450">
-              <a:buFontTx/>
-              <a:buChar char="-"/>
-            </a:pPr>
-            <a:r>
-              <a:rPr lang="de-DE" baseline="0" dirty="0" smtClean="0"/>
-              <a:t>Scene</a:t>
-            </a:r>
-          </a:p>
-          <a:p>
-            <a:pPr marL="628650" lvl="1" indent="-171450">
-              <a:buFontTx/>
-              <a:buChar char="-"/>
-            </a:pPr>
-            <a:r>
-              <a:rPr lang="de-DE" baseline="0" dirty="0" err="1" smtClean="0"/>
-              <a:t>Node</a:t>
-            </a:r>
-            <a:r>
-              <a:rPr lang="de-DE" baseline="0" dirty="0" smtClean="0"/>
-              <a:t> (Abstrakte Basisklasse für alle Knoten im Baum)</a:t>
-            </a:r>
-          </a:p>
-          <a:p>
-            <a:pPr marL="171450" lvl="0" indent="-171450">
-              <a:buFontTx/>
-              <a:buChar char="-"/>
-            </a:pPr>
-            <a:r>
-              <a:rPr lang="de-DE" baseline="0" dirty="0" smtClean="0"/>
-              <a:t>Scene wird von Stage gekapselt -&gt; Stage äquivalent </a:t>
-            </a:r>
-            <a:r>
-              <a:rPr lang="de-DE" baseline="0" dirty="0" err="1" smtClean="0"/>
-              <a:t>Window</a:t>
-            </a:r>
             <a:endParaRPr lang="de-DE" dirty="0"/>
           </a:p>
         </p:txBody>
@@ -1471,7 +1620,7 @@
           <a:p>
             <a:fld id="{62491994-E55D-CE4B-A805-5346FBD73310}" type="slidenum">
               <a:rPr lang="de-DE" smtClean="0"/>
-              <a:t>11</a:t>
+              <a:t>13</a:t>
             </a:fld>
             <a:endParaRPr lang="de-DE"/>
           </a:p>
@@ -1480,7 +1629,7 @@
     </p:spTree>
     <p:extLst>
       <p:ext uri="{BB962C8B-B14F-4D97-AF65-F5344CB8AC3E}">
-        <p14:creationId xmlns:p14="http://schemas.microsoft.com/office/powerpoint/2010/main" val="227543728"/>
+        <p14:creationId xmlns:p14="http://schemas.microsoft.com/office/powerpoint/2010/main" val="4011975842"/>
       </p:ext>
     </p:extLst>
   </p:cSld>
@@ -1555,7 +1704,7 @@
           <a:p>
             <a:fld id="{62491994-E55D-CE4B-A805-5346FBD73310}" type="slidenum">
               <a:rPr lang="de-DE" smtClean="0"/>
-              <a:t>12</a:t>
+              <a:t>14</a:t>
             </a:fld>
             <a:endParaRPr lang="de-DE"/>
           </a:p>
@@ -1564,7 +1713,7 @@
     </p:spTree>
     <p:extLst>
       <p:ext uri="{BB962C8B-B14F-4D97-AF65-F5344CB8AC3E}">
-        <p14:creationId xmlns:p14="http://schemas.microsoft.com/office/powerpoint/2010/main" val="1046484298"/>
+        <p14:creationId xmlns:p14="http://schemas.microsoft.com/office/powerpoint/2010/main" val="2316675068"/>
       </p:ext>
     </p:extLst>
   </p:cSld>
@@ -1639,7 +1788,7 @@
           <a:p>
             <a:fld id="{62491994-E55D-CE4B-A805-5346FBD73310}" type="slidenum">
               <a:rPr lang="de-DE" smtClean="0"/>
-              <a:t>14</a:t>
+              <a:t>15</a:t>
             </a:fld>
             <a:endParaRPr lang="de-DE"/>
           </a:p>
@@ -1648,7 +1797,7 @@
     </p:spTree>
     <p:extLst>
       <p:ext uri="{BB962C8B-B14F-4D97-AF65-F5344CB8AC3E}">
-        <p14:creationId xmlns:p14="http://schemas.microsoft.com/office/powerpoint/2010/main" val="4011975842"/>
+        <p14:creationId xmlns:p14="http://schemas.microsoft.com/office/powerpoint/2010/main" val="2316675068"/>
       </p:ext>
     </p:extLst>
   </p:cSld>
@@ -1723,7 +1872,7 @@
           <a:p>
             <a:fld id="{62491994-E55D-CE4B-A805-5346FBD73310}" type="slidenum">
               <a:rPr lang="de-DE" smtClean="0"/>
-              <a:t>15</a:t>
+              <a:t>16</a:t>
             </a:fld>
             <a:endParaRPr lang="de-DE"/>
           </a:p>
@@ -1807,7 +1956,7 @@
           <a:p>
             <a:fld id="{62491994-E55D-CE4B-A805-5346FBD73310}" type="slidenum">
               <a:rPr lang="de-DE" smtClean="0"/>
-              <a:t>16</a:t>
+              <a:t>17</a:t>
             </a:fld>
             <a:endParaRPr lang="de-DE"/>
           </a:p>
@@ -1891,7 +2040,7 @@
           <a:p>
             <a:fld id="{62491994-E55D-CE4B-A805-5346FBD73310}" type="slidenum">
               <a:rPr lang="de-DE" smtClean="0"/>
-              <a:t>17</a:t>
+              <a:t>18</a:t>
             </a:fld>
             <a:endParaRPr lang="de-DE"/>
           </a:p>
@@ -2221,7 +2370,7 @@
           <a:p>
             <a:fld id="{4251665B-C24A-4702-B522-6A4334602E03}" type="datetimeFigureOut">
               <a:rPr lang="en-US" smtClean="0"/>
-              <a:t>11/28/2012</a:t>
+              <a:t>1/11/2013</a:t>
             </a:fld>
             <a:endParaRPr lang="en-US" dirty="0"/>
           </a:p>
@@ -2515,7 +2664,7 @@
           <a:p>
             <a:fld id="{4251665B-C24A-4702-B522-6A4334602E03}" type="datetimeFigureOut">
               <a:rPr lang="en-US" smtClean="0"/>
-              <a:t>11/28/2012</a:t>
+              <a:t>1/11/2013</a:t>
             </a:fld>
             <a:endParaRPr lang="en-US"/>
           </a:p>
@@ -2850,7 +2999,7 @@
           <a:p>
             <a:fld id="{4251665B-C24A-4702-B522-6A4334602E03}" type="datetimeFigureOut">
               <a:rPr lang="en-US" smtClean="0"/>
-              <a:t>11/28/2012</a:t>
+              <a:t>1/11/2013</a:t>
             </a:fld>
             <a:endParaRPr lang="en-US"/>
           </a:p>
@@ -3272,7 +3421,7 @@
           <a:p>
             <a:fld id="{4251665B-C24A-4702-B522-6A4334602E03}" type="datetimeFigureOut">
               <a:rPr lang="en-US" smtClean="0"/>
-              <a:t>11/28/2012</a:t>
+              <a:t>1/11/2013</a:t>
             </a:fld>
             <a:endParaRPr lang="en-US"/>
           </a:p>
@@ -3689,7 +3838,7 @@
           <a:p>
             <a:fld id="{4251665B-C24A-4702-B522-6A4334602E03}" type="datetimeFigureOut">
               <a:rPr lang="en-US" smtClean="0"/>
-              <a:t>11/28/2012</a:t>
+              <a:t>1/11/2013</a:t>
             </a:fld>
             <a:endParaRPr lang="en-US"/>
           </a:p>
@@ -3822,7 +3971,7 @@
           <a:p>
             <a:fld id="{4251665B-C24A-4702-B522-6A4334602E03}" type="datetimeFigureOut">
               <a:rPr lang="en-US" smtClean="0"/>
-              <a:t>11/28/2012</a:t>
+              <a:t>1/11/2013</a:t>
             </a:fld>
             <a:endParaRPr lang="en-US"/>
           </a:p>
@@ -4144,7 +4293,7 @@
           <a:p>
             <a:fld id="{4251665B-C24A-4702-B522-6A4334602E03}" type="datetimeFigureOut">
               <a:rPr lang="en-US" smtClean="0"/>
-              <a:t>11/28/2012</a:t>
+              <a:t>1/11/2013</a:t>
             </a:fld>
             <a:endParaRPr lang="en-US"/>
           </a:p>
@@ -4389,7 +4538,7 @@
           <a:p>
             <a:fld id="{4251665B-C24A-4702-B522-6A4334602E03}" type="datetimeFigureOut">
               <a:rPr lang="en-US" smtClean="0"/>
-              <a:t>11/28/2012</a:t>
+              <a:t>1/11/2013</a:t>
             </a:fld>
             <a:endParaRPr lang="en-US"/>
           </a:p>
@@ -4727,7 +4876,7 @@
           <a:p>
             <a:fld id="{4251665B-C24A-4702-B522-6A4334602E03}" type="datetimeFigureOut">
               <a:rPr lang="en-US" smtClean="0"/>
-              <a:t>11/28/2012</a:t>
+              <a:t>1/11/2013</a:t>
             </a:fld>
             <a:endParaRPr lang="en-US"/>
           </a:p>
@@ -5027,7 +5176,7 @@
           <a:p>
             <a:fld id="{4251665B-C24A-4702-B522-6A4334602E03}" type="datetimeFigureOut">
               <a:rPr lang="en-US" smtClean="0"/>
-              <a:t>11/28/2012</a:t>
+              <a:t>1/11/2013</a:t>
             </a:fld>
             <a:endParaRPr lang="en-US"/>
           </a:p>
@@ -5434,7 +5583,7 @@
           <a:p>
             <a:fld id="{4251665B-C24A-4702-B522-6A4334602E03}" type="datetimeFigureOut">
               <a:rPr lang="en-US" smtClean="0"/>
-              <a:t>11/28/2012</a:t>
+              <a:t>1/11/2013</a:t>
             </a:fld>
             <a:endParaRPr lang="en-US"/>
           </a:p>
@@ -5896,7 +6045,7 @@
           <a:p>
             <a:fld id="{4251665B-C24A-4702-B522-6A4334602E03}" type="datetimeFigureOut">
               <a:rPr lang="en-US" smtClean="0"/>
-              <a:t>11/28/2012</a:t>
+              <a:t>1/11/2013</a:t>
             </a:fld>
             <a:endParaRPr lang="en-US"/>
           </a:p>
@@ -6122,7 +6271,7 @@
           <a:p>
             <a:fld id="{4251665B-C24A-4702-B522-6A4334602E03}" type="datetimeFigureOut">
               <a:rPr lang="en-US" smtClean="0"/>
-              <a:t>11/28/2012</a:t>
+              <a:t>1/11/2013</a:t>
             </a:fld>
             <a:endParaRPr lang="en-US"/>
           </a:p>
@@ -6499,7 +6648,7 @@
           <a:p>
             <a:fld id="{4251665B-C24A-4702-B522-6A4334602E03}" type="datetimeFigureOut">
               <a:rPr lang="en-US" smtClean="0"/>
-              <a:t>11/28/2012</a:t>
+              <a:t>1/11/2013</a:t>
             </a:fld>
             <a:endParaRPr lang="en-US"/>
           </a:p>
@@ -6826,7 +6975,7 @@
           <a:p>
             <a:fld id="{4251665B-C24A-4702-B522-6A4334602E03}" type="datetimeFigureOut">
               <a:rPr lang="en-US" smtClean="0"/>
-              <a:t>11/28/2012</a:t>
+              <a:t>1/11/2013</a:t>
             </a:fld>
             <a:endParaRPr lang="en-US"/>
           </a:p>
@@ -7161,7 +7310,7 @@
           <a:p>
             <a:fld id="{4251665B-C24A-4702-B522-6A4334602E03}" type="datetimeFigureOut">
               <a:rPr lang="en-US" smtClean="0"/>
-              <a:t>11/28/2012</a:t>
+              <a:t>1/11/2013</a:t>
             </a:fld>
             <a:endParaRPr lang="en-US"/>
           </a:p>
@@ -7784,7 +7933,7 @@
           <a:p>
             <a:fld id="{4251665B-C24A-4702-B522-6A4334602E03}" type="datetimeFigureOut">
               <a:rPr lang="en-US" smtClean="0"/>
-              <a:t>11/28/2012</a:t>
+              <a:t>1/11/2013</a:t>
             </a:fld>
             <a:endParaRPr lang="en-US"/>
           </a:p>
@@ -8271,7 +8420,7 @@
           <a:p>
             <a:fld id="{4251665B-C24A-4702-B522-6A4334602E03}" type="datetimeFigureOut">
               <a:rPr lang="en-US" smtClean="0"/>
-              <a:t>11/28/2012</a:t>
+              <a:t>1/11/2013</a:t>
             </a:fld>
             <a:endParaRPr lang="en-US"/>
           </a:p>
@@ -8480,7 +8629,7 @@
           <a:p>
             <a:fld id="{4251665B-C24A-4702-B522-6A4334602E03}" type="datetimeFigureOut">
               <a:rPr lang="en-US" smtClean="0"/>
-              <a:t>11/28/2012</a:t>
+              <a:t>1/11/2013</a:t>
             </a:fld>
             <a:endParaRPr lang="en-US"/>
           </a:p>
@@ -8986,767 +9135,6 @@
 </file>
 
 <file path=ppt/slides/slide10.xml><?xml version="1.0" encoding="utf-8"?>
-<p:sld xmlns:a="http://schemas.openxmlformats.org/drawingml/2006/main" xmlns:r="http://schemas.openxmlformats.org/officeDocument/2006/relationships" xmlns:p="http://schemas.openxmlformats.org/presentationml/2006/main">
-  <p:cSld>
-    <p:spTree>
-      <p:nvGrpSpPr>
-        <p:cNvPr id="1" name=""/>
-        <p:cNvGrpSpPr/>
-        <p:nvPr/>
-      </p:nvGrpSpPr>
-      <p:grpSpPr>
-        <a:xfrm>
-          <a:off x="0" y="0"/>
-          <a:ext cx="0" cy="0"/>
-          <a:chOff x="0" y="0"/>
-          <a:chExt cx="0" cy="0"/>
-        </a:xfrm>
-      </p:grpSpPr>
-      <p:sp>
-        <p:nvSpPr>
-          <p:cNvPr id="2" name="Titel 1"/>
-          <p:cNvSpPr>
-            <a:spLocks noGrp="1"/>
-          </p:cNvSpPr>
-          <p:nvPr>
-            <p:ph type="title"/>
-          </p:nvPr>
-        </p:nvSpPr>
-        <p:spPr>
-          <a:xfrm>
-            <a:off x="457199" y="1505675"/>
-            <a:ext cx="6962504" cy="636633"/>
-          </a:xfrm>
-        </p:spPr>
-        <p:txBody>
-          <a:bodyPr/>
-          <a:lstStyle/>
-          <a:p>
-            <a:r>
-              <a:rPr lang="de-DE" dirty="0" smtClean="0"/>
-              <a:t>FXML</a:t>
-            </a:r>
-            <a:endParaRPr lang="de-DE" dirty="0"/>
-          </a:p>
-        </p:txBody>
-      </p:sp>
-      <p:sp>
-        <p:nvSpPr>
-          <p:cNvPr id="4" name="Textplatzhalter 10"/>
-          <p:cNvSpPr>
-            <a:spLocks noGrp="1"/>
-          </p:cNvSpPr>
-          <p:nvPr>
-            <p:ph type="body" sz="quarter" idx="12"/>
-          </p:nvPr>
-        </p:nvSpPr>
-        <p:spPr>
-          <a:xfrm>
-            <a:off x="456826" y="696177"/>
-            <a:ext cx="6508750" cy="727075"/>
-          </a:xfrm>
-        </p:spPr>
-        <p:txBody>
-          <a:bodyPr>
-            <a:noAutofit/>
-          </a:bodyPr>
-          <a:lstStyle>
-            <a:lvl1pPr marL="0" indent="0">
-              <a:buNone/>
-              <a:defRPr sz="4400"/>
-            </a:lvl1pPr>
-          </a:lstStyle>
-          <a:p>
-            <a:pPr lvl="0"/>
-            <a:r>
-              <a:rPr lang="de-DE" dirty="0" smtClean="0">
-                <a:solidFill>
-                  <a:schemeClr val="bg2"/>
-                </a:solidFill>
-              </a:rPr>
-              <a:t>Konzepte</a:t>
-            </a:r>
-            <a:endParaRPr lang="de-DE" dirty="0">
-              <a:solidFill>
-                <a:schemeClr val="bg2"/>
-              </a:solidFill>
-            </a:endParaRPr>
-          </a:p>
-        </p:txBody>
-      </p:sp>
-      <p:pic>
-        <p:nvPicPr>
-          <p:cNvPr id="2050" name="Picture 2"/>
-          <p:cNvPicPr>
-            <a:picLocks noChangeAspect="1" noChangeArrowheads="1"/>
-          </p:cNvPicPr>
-          <p:nvPr/>
-        </p:nvPicPr>
-        <p:blipFill rotWithShape="1">
-          <a:blip r:embed="rId3">
-            <a:extLst>
-              <a:ext uri="{28A0092B-C50C-407E-A947-70E740481C1C}">
-                <a14:useLocalDpi xmlns:a14="http://schemas.microsoft.com/office/drawing/2010/main" val="0"/>
-              </a:ext>
-            </a:extLst>
-          </a:blip>
-          <a:srcRect t="22993" b="957"/>
-          <a:stretch/>
-        </p:blipFill>
-        <p:spPr bwMode="auto">
-          <a:xfrm>
-            <a:off x="507574" y="2952368"/>
-            <a:ext cx="5086350" cy="1188000"/>
-          </a:xfrm>
-          <a:prstGeom prst="rect">
-            <a:avLst/>
-          </a:prstGeom>
-          <a:noFill/>
-          <a:ln w="9525">
-            <a:solidFill>
-              <a:schemeClr val="tx1"/>
-            </a:solidFill>
-            <a:miter lim="800000"/>
-            <a:headEnd/>
-            <a:tailEnd/>
-          </a:ln>
-          <a:effectLst/>
-          <a:extLst>
-            <a:ext uri="{909E8E84-426E-40DD-AFC4-6F175D3DCCD1}">
-              <a14:hiddenFill xmlns:a14="http://schemas.microsoft.com/office/drawing/2010/main">
-                <a:solidFill>
-                  <a:schemeClr val="accent1"/>
-                </a:solidFill>
-              </a14:hiddenFill>
-            </a:ext>
-            <a:ext uri="{AF507438-7753-43E0-B8FC-AC1667EBCBE1}">
-              <a14:hiddenEffects xmlns:a14="http://schemas.microsoft.com/office/drawing/2010/main">
-                <a:effectLst>
-                  <a:outerShdw dist="35921" dir="2700000" algn="ctr" rotWithShape="0">
-                    <a:schemeClr val="bg2"/>
-                  </a:outerShdw>
-                </a:effectLst>
-              </a14:hiddenEffects>
-            </a:ext>
-          </a:extLst>
-        </p:spPr>
-      </p:pic>
-      <p:pic>
-        <p:nvPicPr>
-          <p:cNvPr id="2054" name="Picture 6"/>
-          <p:cNvPicPr>
-            <a:picLocks noChangeAspect="1" noChangeArrowheads="1"/>
-          </p:cNvPicPr>
-          <p:nvPr/>
-        </p:nvPicPr>
-        <p:blipFill>
-          <a:blip r:embed="rId4">
-            <a:extLst>
-              <a:ext uri="{28A0092B-C50C-407E-A947-70E740481C1C}">
-                <a14:useLocalDpi xmlns:a14="http://schemas.microsoft.com/office/drawing/2010/main" val="0"/>
-              </a:ext>
-            </a:extLst>
-          </a:blip>
-          <a:srcRect/>
-          <a:stretch>
-            <a:fillRect/>
-          </a:stretch>
-        </p:blipFill>
-        <p:spPr bwMode="auto">
-          <a:xfrm>
-            <a:off x="169819" y="4965043"/>
-            <a:ext cx="3657600" cy="1714500"/>
-          </a:xfrm>
-          <a:prstGeom prst="rect">
-            <a:avLst/>
-          </a:prstGeom>
-          <a:noFill/>
-          <a:ln w="9525">
-            <a:solidFill>
-              <a:schemeClr val="tx1"/>
-            </a:solidFill>
-            <a:miter lim="800000"/>
-            <a:headEnd/>
-            <a:tailEnd/>
-          </a:ln>
-          <a:effectLst/>
-          <a:extLst>
-            <a:ext uri="{909E8E84-426E-40DD-AFC4-6F175D3DCCD1}">
-              <a14:hiddenFill xmlns:a14="http://schemas.microsoft.com/office/drawing/2010/main">
-                <a:solidFill>
-                  <a:schemeClr val="accent1"/>
-                </a:solidFill>
-              </a14:hiddenFill>
-            </a:ext>
-            <a:ext uri="{AF507438-7753-43E0-B8FC-AC1667EBCBE1}">
-              <a14:hiddenEffects xmlns:a14="http://schemas.microsoft.com/office/drawing/2010/main">
-                <a:effectLst>
-                  <a:outerShdw dist="35921" dir="2700000" algn="ctr" rotWithShape="0">
-                    <a:schemeClr val="bg2"/>
-                  </a:outerShdw>
-                </a:effectLst>
-              </a14:hiddenEffects>
-            </a:ext>
-          </a:extLst>
-        </p:spPr>
-      </p:pic>
-      <p:grpSp>
-        <p:nvGrpSpPr>
-          <p:cNvPr id="31" name="Gruppieren 30"/>
-          <p:cNvGrpSpPr/>
-          <p:nvPr/>
-        </p:nvGrpSpPr>
-        <p:grpSpPr>
-          <a:xfrm>
-            <a:off x="1998619" y="4140368"/>
-            <a:ext cx="4359907" cy="1098308"/>
-            <a:chOff x="1998619" y="4152894"/>
-            <a:chExt cx="4359907" cy="1098308"/>
-          </a:xfrm>
-        </p:grpSpPr>
-        <p:cxnSp>
-          <p:nvCxnSpPr>
-            <p:cNvPr id="7" name="Gekrümmte Verbindung 6"/>
-            <p:cNvCxnSpPr/>
-            <p:nvPr/>
-          </p:nvCxnSpPr>
-          <p:spPr>
-            <a:xfrm rot="10800000" flipV="1">
-              <a:off x="1998619" y="4425751"/>
-              <a:ext cx="1645918" cy="539291"/>
-            </a:xfrm>
-            <a:prstGeom prst="curvedConnector2">
-              <a:avLst/>
-            </a:prstGeom>
-            <a:ln w="3175">
-              <a:solidFill>
-                <a:schemeClr val="tx1"/>
-              </a:solidFill>
-              <a:tailEnd type="arrow"/>
-            </a:ln>
-          </p:spPr>
-          <p:style>
-            <a:lnRef idx="2">
-              <a:schemeClr val="accent1"/>
-            </a:lnRef>
-            <a:fillRef idx="0">
-              <a:schemeClr val="accent1"/>
-            </a:fillRef>
-            <a:effectRef idx="1">
-              <a:schemeClr val="accent1"/>
-            </a:effectRef>
-            <a:fontRef idx="minor">
-              <a:schemeClr val="tx1"/>
-            </a:fontRef>
-          </p:style>
-        </p:cxnSp>
-        <p:cxnSp>
-          <p:nvCxnSpPr>
-            <p:cNvPr id="34" name="Gekrümmte Verbindung 33"/>
-            <p:cNvCxnSpPr/>
-            <p:nvPr/>
-          </p:nvCxnSpPr>
-          <p:spPr>
-            <a:xfrm>
-              <a:off x="3592285" y="4425751"/>
-              <a:ext cx="2766241" cy="825451"/>
-            </a:xfrm>
-            <a:prstGeom prst="curvedConnector2">
-              <a:avLst/>
-            </a:prstGeom>
-            <a:ln w="3175">
-              <a:solidFill>
-                <a:schemeClr val="tx1"/>
-              </a:solidFill>
-              <a:tailEnd type="arrow"/>
-            </a:ln>
-          </p:spPr>
-          <p:style>
-            <a:lnRef idx="2">
-              <a:schemeClr val="accent1"/>
-            </a:lnRef>
-            <a:fillRef idx="0">
-              <a:schemeClr val="accent1"/>
-            </a:fillRef>
-            <a:effectRef idx="1">
-              <a:schemeClr val="accent1"/>
-            </a:effectRef>
-            <a:fontRef idx="minor">
-              <a:schemeClr val="tx1"/>
-            </a:fontRef>
-          </p:style>
-        </p:cxnSp>
-        <p:cxnSp>
-          <p:nvCxnSpPr>
-            <p:cNvPr id="27" name="Gerade Verbindung 26"/>
-            <p:cNvCxnSpPr/>
-            <p:nvPr/>
-          </p:nvCxnSpPr>
-          <p:spPr>
-            <a:xfrm flipV="1">
-              <a:off x="3644533" y="4152894"/>
-              <a:ext cx="0" cy="285383"/>
-            </a:xfrm>
-            <a:prstGeom prst="line">
-              <a:avLst/>
-            </a:prstGeom>
-            <a:ln w="3175">
-              <a:solidFill>
-                <a:schemeClr val="tx1"/>
-              </a:solidFill>
-            </a:ln>
-          </p:spPr>
-          <p:style>
-            <a:lnRef idx="2">
-              <a:schemeClr val="accent1"/>
-            </a:lnRef>
-            <a:fillRef idx="0">
-              <a:schemeClr val="accent1"/>
-            </a:fillRef>
-            <a:effectRef idx="1">
-              <a:schemeClr val="accent1"/>
-            </a:effectRef>
-            <a:fontRef idx="minor">
-              <a:schemeClr val="tx1"/>
-            </a:fontRef>
-          </p:style>
-        </p:cxnSp>
-      </p:grpSp>
-      <p:pic>
-        <p:nvPicPr>
-          <p:cNvPr id="2055" name="Picture 7"/>
-          <p:cNvPicPr>
-            <a:picLocks noChangeAspect="1" noChangeArrowheads="1"/>
-          </p:cNvPicPr>
-          <p:nvPr/>
-        </p:nvPicPr>
-        <p:blipFill>
-          <a:blip r:embed="rId5">
-            <a:extLst>
-              <a:ext uri="{28A0092B-C50C-407E-A947-70E740481C1C}">
-                <a14:useLocalDpi xmlns:a14="http://schemas.microsoft.com/office/drawing/2010/main" val="0"/>
-              </a:ext>
-            </a:extLst>
-          </a:blip>
-          <a:srcRect/>
-          <a:stretch>
-            <a:fillRect/>
-          </a:stretch>
-        </p:blipFill>
-        <p:spPr bwMode="auto">
-          <a:xfrm>
-            <a:off x="3973364" y="5251202"/>
-            <a:ext cx="4770323" cy="668737"/>
-          </a:xfrm>
-          <a:prstGeom prst="rect">
-            <a:avLst/>
-          </a:prstGeom>
-          <a:noFill/>
-          <a:ln w="9525">
-            <a:solidFill>
-              <a:schemeClr val="tx1"/>
-            </a:solidFill>
-            <a:miter lim="800000"/>
-            <a:headEnd/>
-            <a:tailEnd/>
-          </a:ln>
-          <a:effectLst/>
-          <a:extLst>
-            <a:ext uri="{909E8E84-426E-40DD-AFC4-6F175D3DCCD1}">
-              <a14:hiddenFill xmlns:a14="http://schemas.microsoft.com/office/drawing/2010/main">
-                <a:solidFill>
-                  <a:schemeClr val="accent1"/>
-                </a:solidFill>
-              </a14:hiddenFill>
-            </a:ext>
-            <a:ext uri="{AF507438-7753-43E0-B8FC-AC1667EBCBE1}">
-              <a14:hiddenEffects xmlns:a14="http://schemas.microsoft.com/office/drawing/2010/main">
-                <a:effectLst>
-                  <a:outerShdw dist="35921" dir="2700000" algn="ctr" rotWithShape="0">
-                    <a:schemeClr val="bg2"/>
-                  </a:outerShdw>
-                </a:effectLst>
-              </a14:hiddenEffects>
-            </a:ext>
-          </a:extLst>
-        </p:spPr>
-      </p:pic>
-      <p:cxnSp>
-        <p:nvCxnSpPr>
-          <p:cNvPr id="33" name="Gerade Verbindung mit Pfeil 32"/>
-          <p:cNvCxnSpPr/>
-          <p:nvPr/>
-        </p:nvCxnSpPr>
-        <p:spPr>
-          <a:xfrm>
-            <a:off x="2377440" y="5134240"/>
-            <a:ext cx="5408023" cy="451330"/>
-          </a:xfrm>
-          <a:prstGeom prst="straightConnector1">
-            <a:avLst/>
-          </a:prstGeom>
-          <a:ln w="3175">
-            <a:tailEnd type="arrow"/>
-          </a:ln>
-        </p:spPr>
-        <p:style>
-          <a:lnRef idx="2">
-            <a:schemeClr val="accent1"/>
-          </a:lnRef>
-          <a:fillRef idx="0">
-            <a:schemeClr val="accent1"/>
-          </a:fillRef>
-          <a:effectRef idx="1">
-            <a:schemeClr val="accent1"/>
-          </a:effectRef>
-          <a:fontRef idx="minor">
-            <a:schemeClr val="tx1"/>
-          </a:fontRef>
-        </p:style>
-      </p:cxnSp>
-    </p:spTree>
-    <p:extLst>
-      <p:ext uri="{BB962C8B-B14F-4D97-AF65-F5344CB8AC3E}">
-        <p14:creationId xmlns:p14="http://schemas.microsoft.com/office/powerpoint/2010/main" val="3237558386"/>
-      </p:ext>
-    </p:extLst>
-  </p:cSld>
-  <p:clrMapOvr>
-    <a:masterClrMapping/>
-  </p:clrMapOvr>
-  <mc:AlternateContent xmlns:mc="http://schemas.openxmlformats.org/markup-compatibility/2006" xmlns:p14="http://schemas.microsoft.com/office/powerpoint/2010/main">
-    <mc:Choice Requires="p14">
-      <p:transition spd="slow" p14:dur="2000"/>
-    </mc:Choice>
-    <mc:Fallback xmlns="">
-      <p:transition spd="slow"/>
-    </mc:Fallback>
-  </mc:AlternateContent>
-  <p:timing>
-    <p:tnLst>
-      <p:par>
-        <p:cTn id="1" dur="indefinite" restart="never" nodeType="tmRoot">
-          <p:childTnLst>
-            <p:seq concurrent="1" nextAc="seek">
-              <p:cTn id="2" dur="indefinite" nodeType="mainSeq">
-                <p:childTnLst>
-                  <p:par>
-                    <p:cTn id="3" fill="hold">
-                      <p:stCondLst>
-                        <p:cond delay="indefinite"/>
-                      </p:stCondLst>
-                      <p:childTnLst>
-                        <p:par>
-                          <p:cTn id="4" fill="hold">
-                            <p:stCondLst>
-                              <p:cond delay="0"/>
-                            </p:stCondLst>
-                            <p:childTnLst>
-                              <p:par>
-                                <p:cTn id="5" presetID="10" presetClass="entr" presetSubtype="0" fill="hold" nodeType="clickEffect">
-                                  <p:stCondLst>
-                                    <p:cond delay="0"/>
-                                  </p:stCondLst>
-                                  <p:childTnLst>
-                                    <p:set>
-                                      <p:cBhvr>
-                                        <p:cTn id="6" dur="1" fill="hold">
-                                          <p:stCondLst>
-                                            <p:cond delay="0"/>
-                                          </p:stCondLst>
-                                        </p:cTn>
-                                        <p:tgtEl>
-                                          <p:spTgt spid="2050"/>
-                                        </p:tgtEl>
-                                        <p:attrNameLst>
-                                          <p:attrName>style.visibility</p:attrName>
-                                        </p:attrNameLst>
-                                      </p:cBhvr>
-                                      <p:to>
-                                        <p:strVal val="visible"/>
-                                      </p:to>
-                                    </p:set>
-                                    <p:animEffect transition="in" filter="fade">
-                                      <p:cBhvr>
-                                        <p:cTn id="7" dur="500"/>
-                                        <p:tgtEl>
-                                          <p:spTgt spid="2050"/>
-                                        </p:tgtEl>
-                                      </p:cBhvr>
-                                    </p:animEffect>
-                                  </p:childTnLst>
-                                </p:cTn>
-                              </p:par>
-                            </p:childTnLst>
-                          </p:cTn>
-                        </p:par>
-                      </p:childTnLst>
-                    </p:cTn>
-                  </p:par>
-                  <p:par>
-                    <p:cTn id="8" fill="hold">
-                      <p:stCondLst>
-                        <p:cond delay="indefinite"/>
-                      </p:stCondLst>
-                      <p:childTnLst>
-                        <p:par>
-                          <p:cTn id="9" fill="hold">
-                            <p:stCondLst>
-                              <p:cond delay="0"/>
-                            </p:stCondLst>
-                            <p:childTnLst>
-                              <p:par>
-                                <p:cTn id="10" presetID="10" presetClass="entr" presetSubtype="0" fill="hold" nodeType="clickEffect">
-                                  <p:stCondLst>
-                                    <p:cond delay="0"/>
-                                  </p:stCondLst>
-                                  <p:childTnLst>
-                                    <p:set>
-                                      <p:cBhvr>
-                                        <p:cTn id="11" dur="1" fill="hold">
-                                          <p:stCondLst>
-                                            <p:cond delay="0"/>
-                                          </p:stCondLst>
-                                        </p:cTn>
-                                        <p:tgtEl>
-                                          <p:spTgt spid="31"/>
-                                        </p:tgtEl>
-                                        <p:attrNameLst>
-                                          <p:attrName>style.visibility</p:attrName>
-                                        </p:attrNameLst>
-                                      </p:cBhvr>
-                                      <p:to>
-                                        <p:strVal val="visible"/>
-                                      </p:to>
-                                    </p:set>
-                                    <p:animEffect transition="in" filter="fade">
-                                      <p:cBhvr>
-                                        <p:cTn id="12" dur="500"/>
-                                        <p:tgtEl>
-                                          <p:spTgt spid="31"/>
-                                        </p:tgtEl>
-                                      </p:cBhvr>
-                                    </p:animEffect>
-                                  </p:childTnLst>
-                                </p:cTn>
-                              </p:par>
-                              <p:par>
-                                <p:cTn id="13" presetID="10" presetClass="entr" presetSubtype="0" fill="hold" nodeType="withEffect">
-                                  <p:stCondLst>
-                                    <p:cond delay="0"/>
-                                  </p:stCondLst>
-                                  <p:childTnLst>
-                                    <p:set>
-                                      <p:cBhvr>
-                                        <p:cTn id="14" dur="1" fill="hold">
-                                          <p:stCondLst>
-                                            <p:cond delay="0"/>
-                                          </p:stCondLst>
-                                        </p:cTn>
-                                        <p:tgtEl>
-                                          <p:spTgt spid="2054"/>
-                                        </p:tgtEl>
-                                        <p:attrNameLst>
-                                          <p:attrName>style.visibility</p:attrName>
-                                        </p:attrNameLst>
-                                      </p:cBhvr>
-                                      <p:to>
-                                        <p:strVal val="visible"/>
-                                      </p:to>
-                                    </p:set>
-                                    <p:animEffect transition="in" filter="fade">
-                                      <p:cBhvr>
-                                        <p:cTn id="15" dur="500"/>
-                                        <p:tgtEl>
-                                          <p:spTgt spid="2054"/>
-                                        </p:tgtEl>
-                                      </p:cBhvr>
-                                    </p:animEffect>
-                                  </p:childTnLst>
-                                </p:cTn>
-                              </p:par>
-                              <p:par>
-                                <p:cTn id="16" presetID="10" presetClass="entr" presetSubtype="0" fill="hold" nodeType="withEffect">
-                                  <p:stCondLst>
-                                    <p:cond delay="0"/>
-                                  </p:stCondLst>
-                                  <p:childTnLst>
-                                    <p:set>
-                                      <p:cBhvr>
-                                        <p:cTn id="17" dur="1" fill="hold">
-                                          <p:stCondLst>
-                                            <p:cond delay="0"/>
-                                          </p:stCondLst>
-                                        </p:cTn>
-                                        <p:tgtEl>
-                                          <p:spTgt spid="2055"/>
-                                        </p:tgtEl>
-                                        <p:attrNameLst>
-                                          <p:attrName>style.visibility</p:attrName>
-                                        </p:attrNameLst>
-                                      </p:cBhvr>
-                                      <p:to>
-                                        <p:strVal val="visible"/>
-                                      </p:to>
-                                    </p:set>
-                                    <p:animEffect transition="in" filter="fade">
-                                      <p:cBhvr>
-                                        <p:cTn id="18" dur="500"/>
-                                        <p:tgtEl>
-                                          <p:spTgt spid="2055"/>
-                                        </p:tgtEl>
-                                      </p:cBhvr>
-                                    </p:animEffect>
-                                  </p:childTnLst>
-                                </p:cTn>
-                              </p:par>
-                            </p:childTnLst>
-                          </p:cTn>
-                        </p:par>
-                      </p:childTnLst>
-                    </p:cTn>
-                  </p:par>
-                  <p:par>
-                    <p:cTn id="19" fill="hold">
-                      <p:stCondLst>
-                        <p:cond delay="indefinite"/>
-                      </p:stCondLst>
-                      <p:childTnLst>
-                        <p:par>
-                          <p:cTn id="20" fill="hold">
-                            <p:stCondLst>
-                              <p:cond delay="0"/>
-                            </p:stCondLst>
-                            <p:childTnLst>
-                              <p:par>
-                                <p:cTn id="21" presetID="10" presetClass="entr" presetSubtype="0" fill="hold" nodeType="clickEffect">
-                                  <p:stCondLst>
-                                    <p:cond delay="0"/>
-                                  </p:stCondLst>
-                                  <p:childTnLst>
-                                    <p:set>
-                                      <p:cBhvr>
-                                        <p:cTn id="22" dur="1" fill="hold">
-                                          <p:stCondLst>
-                                            <p:cond delay="0"/>
-                                          </p:stCondLst>
-                                        </p:cTn>
-                                        <p:tgtEl>
-                                          <p:spTgt spid="33"/>
-                                        </p:tgtEl>
-                                        <p:attrNameLst>
-                                          <p:attrName>style.visibility</p:attrName>
-                                        </p:attrNameLst>
-                                      </p:cBhvr>
-                                      <p:to>
-                                        <p:strVal val="visible"/>
-                                      </p:to>
-                                    </p:set>
-                                    <p:animEffect transition="in" filter="fade">
-                                      <p:cBhvr>
-                                        <p:cTn id="23" dur="500"/>
-                                        <p:tgtEl>
-                                          <p:spTgt spid="33"/>
-                                        </p:tgtEl>
-                                      </p:cBhvr>
-                                    </p:animEffect>
-                                  </p:childTnLst>
-                                </p:cTn>
-                              </p:par>
-                              <p:par>
-                                <p:cTn id="24" presetID="9" presetClass="emph" presetSubtype="0" nodeType="withEffect">
-                                  <p:stCondLst>
-                                    <p:cond delay="0"/>
-                                  </p:stCondLst>
-                                  <p:childTnLst>
-                                    <p:set>
-                                      <p:cBhvr rctx="PPT">
-                                        <p:cTn id="25" dur="indefinite"/>
-                                        <p:tgtEl>
-                                          <p:spTgt spid="2050"/>
-                                        </p:tgtEl>
-                                        <p:attrNameLst>
-                                          <p:attrName>style.opacity</p:attrName>
-                                        </p:attrNameLst>
-                                      </p:cBhvr>
-                                      <p:to>
-                                        <p:strVal val="0.5"/>
-                                      </p:to>
-                                    </p:set>
-                                    <p:animEffect filter="image" prLst="opacity: 0.5">
-                                      <p:cBhvr rctx="IE">
-                                        <p:cTn id="26" dur="indefinite"/>
-                                        <p:tgtEl>
-                                          <p:spTgt spid="2050"/>
-                                        </p:tgtEl>
-                                      </p:cBhvr>
-                                    </p:animEffect>
-                                  </p:childTnLst>
-                                </p:cTn>
-                              </p:par>
-                              <p:par>
-                                <p:cTn id="27" presetID="9" presetClass="emph" presetSubtype="0" nodeType="withEffect">
-                                  <p:stCondLst>
-                                    <p:cond delay="0"/>
-                                  </p:stCondLst>
-                                  <p:childTnLst>
-                                    <p:set>
-                                      <p:cBhvr rctx="PPT">
-                                        <p:cTn id="28" dur="indefinite"/>
-                                        <p:tgtEl>
-                                          <p:spTgt spid="31"/>
-                                        </p:tgtEl>
-                                        <p:attrNameLst>
-                                          <p:attrName>style.opacity</p:attrName>
-                                        </p:attrNameLst>
-                                      </p:cBhvr>
-                                      <p:to>
-                                        <p:strVal val="0.5"/>
-                                      </p:to>
-                                    </p:set>
-                                    <p:animEffect filter="image" prLst="opacity: 0.5">
-                                      <p:cBhvr rctx="IE">
-                                        <p:cTn id="29" dur="indefinite"/>
-                                        <p:tgtEl>
-                                          <p:spTgt spid="31"/>
-                                        </p:tgtEl>
-                                      </p:cBhvr>
-                                    </p:animEffect>
-                                  </p:childTnLst>
-                                </p:cTn>
-                              </p:par>
-                            </p:childTnLst>
-                          </p:cTn>
-                        </p:par>
-                      </p:childTnLst>
-                    </p:cTn>
-                  </p:par>
-                </p:childTnLst>
-              </p:cTn>
-              <p:prevCondLst>
-                <p:cond evt="onPrev" delay="0">
-                  <p:tgtEl>
-                    <p:sldTgt/>
-                  </p:tgtEl>
-                </p:cond>
-              </p:prevCondLst>
-              <p:nextCondLst>
-                <p:cond evt="onNext" delay="0">
-                  <p:tgtEl>
-                    <p:sldTgt/>
-                  </p:tgtEl>
-                </p:cond>
-              </p:nextCondLst>
-            </p:seq>
-          </p:childTnLst>
-        </p:cTn>
-      </p:par>
-    </p:tnLst>
-  </p:timing>
-</p:sld>
-</file>
-
-<file path=ppt/slides/slide11.xml><?xml version="1.0" encoding="utf-8"?>
 <p:sld xmlns:a="http://schemas.openxmlformats.org/drawingml/2006/main" xmlns:r="http://schemas.openxmlformats.org/officeDocument/2006/relationships" xmlns:p="http://schemas.openxmlformats.org/presentationml/2006/main">
   <p:cSld>
     <p:spTree>
@@ -12685,7 +12073,7 @@
 </p:sld>
 </file>
 
-<file path=ppt/slides/slide12.xml><?xml version="1.0" encoding="utf-8"?>
+<file path=ppt/slides/slide11.xml><?xml version="1.0" encoding="utf-8"?>
 <p:sld xmlns:a="http://schemas.openxmlformats.org/drawingml/2006/main" xmlns:r="http://schemas.openxmlformats.org/officeDocument/2006/relationships" xmlns:p="http://schemas.openxmlformats.org/presentationml/2006/main">
   <p:cSld>
     <p:spTree>
@@ -14013,7 +13401,7 @@
 </p:sld>
 </file>
 
-<file path=ppt/slides/slide13.xml><?xml version="1.0" encoding="utf-8"?>
+<file path=ppt/slides/slide12.xml><?xml version="1.0" encoding="utf-8"?>
 <p:sld xmlns:a="http://schemas.openxmlformats.org/drawingml/2006/main" xmlns:r="http://schemas.openxmlformats.org/officeDocument/2006/relationships" xmlns:p="http://schemas.openxmlformats.org/presentationml/2006/main">
   <p:cSld>
     <p:spTree>
@@ -14347,7 +13735,7 @@
 </p:sld>
 </file>
 
-<file path=ppt/slides/slide14.xml><?xml version="1.0" encoding="utf-8"?>
+<file path=ppt/slides/slide13.xml><?xml version="1.0" encoding="utf-8"?>
 <p:sld xmlns:a="http://schemas.openxmlformats.org/drawingml/2006/main" xmlns:r="http://schemas.openxmlformats.org/officeDocument/2006/relationships" xmlns:p="http://schemas.openxmlformats.org/presentationml/2006/main">
   <p:cSld>
     <p:spTree>
@@ -14708,7 +14096,7 @@
 </p:sld>
 </file>
 
-<file path=ppt/slides/slide15.xml><?xml version="1.0" encoding="utf-8"?>
+<file path=ppt/slides/slide14.xml><?xml version="1.0" encoding="utf-8"?>
 <p:sld xmlns:a="http://schemas.openxmlformats.org/drawingml/2006/main" xmlns:r="http://schemas.openxmlformats.org/officeDocument/2006/relationships" xmlns:p="http://schemas.openxmlformats.org/presentationml/2006/main">
   <p:cSld>
     <p:spTree>
@@ -14933,7 +14321,7 @@
 </p:sld>
 </file>
 
-<file path=ppt/slides/slide16.xml><?xml version="1.0" encoding="utf-8"?>
+<file path=ppt/slides/slide15.xml><?xml version="1.0" encoding="utf-8"?>
 <p:sld xmlns:a="http://schemas.openxmlformats.org/drawingml/2006/main" xmlns:r="http://schemas.openxmlformats.org/officeDocument/2006/relationships" xmlns:p="http://schemas.openxmlformats.org/presentationml/2006/main">
   <p:cSld>
     <p:spTree>
@@ -15158,7 +14546,7 @@
 </p:sld>
 </file>
 
-<file path=ppt/slides/slide17.xml><?xml version="1.0" encoding="utf-8"?>
+<file path=ppt/slides/slide16.xml><?xml version="1.0" encoding="utf-8"?>
 <p:sld xmlns:a="http://schemas.openxmlformats.org/drawingml/2006/main" xmlns:r="http://schemas.openxmlformats.org/officeDocument/2006/relationships" xmlns:p="http://schemas.openxmlformats.org/presentationml/2006/main">
   <p:cSld>
     <p:spTree>
@@ -15383,7 +14771,7 @@
 </p:sld>
 </file>
 
-<file path=ppt/slides/slide18.xml><?xml version="1.0" encoding="utf-8"?>
+<file path=ppt/slides/slide17.xml><?xml version="1.0" encoding="utf-8"?>
 <p:sld xmlns:a="http://schemas.openxmlformats.org/drawingml/2006/main" xmlns:r="http://schemas.openxmlformats.org/officeDocument/2006/relationships" xmlns:p="http://schemas.openxmlformats.org/presentationml/2006/main">
   <p:cSld>
     <p:spTree>
@@ -15608,7 +14996,7 @@
 </p:sld>
 </file>
 
-<file path=ppt/slides/slide19.xml><?xml version="1.0" encoding="utf-8"?>
+<file path=ppt/slides/slide18.xml><?xml version="1.0" encoding="utf-8"?>
 <p:sld xmlns:a="http://schemas.openxmlformats.org/drawingml/2006/main" xmlns:r="http://schemas.openxmlformats.org/officeDocument/2006/relationships" xmlns:p="http://schemas.openxmlformats.org/presentationml/2006/main">
   <p:cSld>
     <p:spTree>
@@ -15916,6 +15304,1299 @@
 </p:sld>
 </file>
 
+<file path=ppt/slides/slide19.xml><?xml version="1.0" encoding="utf-8"?>
+<p:sld xmlns:a="http://schemas.openxmlformats.org/drawingml/2006/main" xmlns:r="http://schemas.openxmlformats.org/officeDocument/2006/relationships" xmlns:p="http://schemas.openxmlformats.org/presentationml/2006/main">
+  <p:cSld>
+    <p:spTree>
+      <p:nvGrpSpPr>
+        <p:cNvPr id="1" name=""/>
+        <p:cNvGrpSpPr/>
+        <p:nvPr/>
+      </p:nvGrpSpPr>
+      <p:grpSpPr>
+        <a:xfrm>
+          <a:off x="0" y="0"/>
+          <a:ext cx="0" cy="0"/>
+          <a:chOff x="0" y="0"/>
+          <a:chExt cx="0" cy="0"/>
+        </a:xfrm>
+      </p:grpSpPr>
+      <p:sp>
+        <p:nvSpPr>
+          <p:cNvPr id="2" name="Titel 1"/>
+          <p:cNvSpPr>
+            <a:spLocks noGrp="1"/>
+          </p:cNvSpPr>
+          <p:nvPr>
+            <p:ph type="title"/>
+          </p:nvPr>
+        </p:nvSpPr>
+        <p:spPr>
+          <a:xfrm>
+            <a:off x="457199" y="1505676"/>
+            <a:ext cx="6962504" cy="573290"/>
+          </a:xfrm>
+        </p:spPr>
+        <p:txBody>
+          <a:bodyPr/>
+          <a:lstStyle/>
+          <a:p>
+            <a:r>
+              <a:rPr lang="de-DE" dirty="0" smtClean="0"/>
+              <a:t>Timelines und </a:t>
+            </a:r>
+            <a:r>
+              <a:rPr lang="de-DE" dirty="0" err="1" smtClean="0"/>
+              <a:t>Transitions</a:t>
+            </a:r>
+            <a:endParaRPr lang="de-DE" dirty="0"/>
+          </a:p>
+        </p:txBody>
+      </p:sp>
+      <p:sp>
+        <p:nvSpPr>
+          <p:cNvPr id="4" name="Textplatzhalter 10"/>
+          <p:cNvSpPr>
+            <a:spLocks noGrp="1"/>
+          </p:cNvSpPr>
+          <p:nvPr>
+            <p:ph type="body" sz="quarter" idx="12"/>
+          </p:nvPr>
+        </p:nvSpPr>
+        <p:spPr>
+          <a:xfrm>
+            <a:off x="456826" y="696177"/>
+            <a:ext cx="6508750" cy="727075"/>
+          </a:xfrm>
+        </p:spPr>
+        <p:txBody>
+          <a:bodyPr>
+            <a:noAutofit/>
+          </a:bodyPr>
+          <a:lstStyle>
+            <a:lvl1pPr marL="0" indent="0">
+              <a:buNone/>
+              <a:defRPr sz="4400"/>
+            </a:lvl1pPr>
+          </a:lstStyle>
+          <a:p>
+            <a:pPr lvl="0"/>
+            <a:r>
+              <a:rPr lang="de-DE" dirty="0" smtClean="0">
+                <a:solidFill>
+                  <a:schemeClr val="bg2"/>
+                </a:solidFill>
+              </a:rPr>
+              <a:t>Konzepte</a:t>
+            </a:r>
+            <a:endParaRPr lang="de-DE" dirty="0">
+              <a:solidFill>
+                <a:schemeClr val="bg2"/>
+              </a:solidFill>
+            </a:endParaRPr>
+          </a:p>
+        </p:txBody>
+      </p:sp>
+      <p:sp>
+        <p:nvSpPr>
+          <p:cNvPr id="3" name="Rechteck 2"/>
+          <p:cNvSpPr/>
+          <p:nvPr/>
+        </p:nvSpPr>
+        <p:spPr>
+          <a:xfrm>
+            <a:off x="534837" y="2449893"/>
+            <a:ext cx="1104181" cy="845389"/>
+          </a:xfrm>
+          <a:prstGeom prst="rect">
+            <a:avLst/>
+          </a:prstGeom>
+        </p:spPr>
+        <p:style>
+          <a:lnRef idx="1">
+            <a:schemeClr val="accent1"/>
+          </a:lnRef>
+          <a:fillRef idx="3">
+            <a:schemeClr val="accent1"/>
+          </a:fillRef>
+          <a:effectRef idx="2">
+            <a:schemeClr val="accent1"/>
+          </a:effectRef>
+          <a:fontRef idx="minor">
+            <a:schemeClr val="lt1"/>
+          </a:fontRef>
+        </p:style>
+        <p:txBody>
+          <a:bodyPr rtlCol="0" anchor="ctr"/>
+          <a:lstStyle/>
+          <a:p>
+            <a:pPr algn="ctr"/>
+            <a:endParaRPr lang="de-DE"/>
+          </a:p>
+        </p:txBody>
+      </p:sp>
+      <p:sp>
+        <p:nvSpPr>
+          <p:cNvPr id="8" name="Textfeld 7"/>
+          <p:cNvSpPr txBox="1"/>
+          <p:nvPr/>
+        </p:nvSpPr>
+        <p:spPr>
+          <a:xfrm>
+            <a:off x="431321" y="3338429"/>
+            <a:ext cx="1765227" cy="369332"/>
+          </a:xfrm>
+          <a:prstGeom prst="rect">
+            <a:avLst/>
+          </a:prstGeom>
+          <a:noFill/>
+        </p:spPr>
+        <p:txBody>
+          <a:bodyPr wrap="none" rtlCol="0">
+            <a:spAutoFit/>
+          </a:bodyPr>
+          <a:lstStyle/>
+          <a:p>
+            <a:r>
+              <a:rPr lang="de-DE" dirty="0" err="1" smtClean="0"/>
+              <a:t>xProperty</a:t>
+            </a:r>
+            <a:r>
+              <a:rPr lang="de-DE" dirty="0"/>
+              <a:t> </a:t>
+            </a:r>
+            <a:r>
+              <a:rPr lang="de-DE" dirty="0" smtClean="0"/>
+              <a:t>== 0</a:t>
+            </a:r>
+            <a:endParaRPr lang="de-DE" dirty="0"/>
+          </a:p>
+        </p:txBody>
+      </p:sp>
+      <p:sp>
+        <p:nvSpPr>
+          <p:cNvPr id="19" name="Rechteck 18"/>
+          <p:cNvSpPr/>
+          <p:nvPr/>
+        </p:nvSpPr>
+        <p:spPr>
+          <a:xfrm>
+            <a:off x="3137139" y="2449893"/>
+            <a:ext cx="1104181" cy="845389"/>
+          </a:xfrm>
+          <a:prstGeom prst="rect">
+            <a:avLst/>
+          </a:prstGeom>
+        </p:spPr>
+        <p:style>
+          <a:lnRef idx="1">
+            <a:schemeClr val="accent1"/>
+          </a:lnRef>
+          <a:fillRef idx="3">
+            <a:schemeClr val="accent1"/>
+          </a:fillRef>
+          <a:effectRef idx="2">
+            <a:schemeClr val="accent1"/>
+          </a:effectRef>
+          <a:fontRef idx="minor">
+            <a:schemeClr val="lt1"/>
+          </a:fontRef>
+        </p:style>
+        <p:txBody>
+          <a:bodyPr rtlCol="0" anchor="ctr"/>
+          <a:lstStyle/>
+          <a:p>
+            <a:pPr algn="ctr"/>
+            <a:endParaRPr lang="de-DE"/>
+          </a:p>
+        </p:txBody>
+      </p:sp>
+      <p:sp>
+        <p:nvSpPr>
+          <p:cNvPr id="21" name="Textfeld 20"/>
+          <p:cNvSpPr txBox="1"/>
+          <p:nvPr/>
+        </p:nvSpPr>
+        <p:spPr>
+          <a:xfrm>
+            <a:off x="3033623" y="3338429"/>
+            <a:ext cx="2021707" cy="369332"/>
+          </a:xfrm>
+          <a:prstGeom prst="rect">
+            <a:avLst/>
+          </a:prstGeom>
+          <a:noFill/>
+        </p:spPr>
+        <p:txBody>
+          <a:bodyPr wrap="none" rtlCol="0">
+            <a:spAutoFit/>
+          </a:bodyPr>
+          <a:lstStyle/>
+          <a:p>
+            <a:r>
+              <a:rPr lang="de-DE" dirty="0" err="1" smtClean="0"/>
+              <a:t>xProperty</a:t>
+            </a:r>
+            <a:r>
+              <a:rPr lang="de-DE" dirty="0"/>
+              <a:t> </a:t>
+            </a:r>
+            <a:r>
+              <a:rPr lang="de-DE" dirty="0" smtClean="0"/>
+              <a:t>== 100</a:t>
+            </a:r>
+            <a:endParaRPr lang="de-DE" dirty="0"/>
+          </a:p>
+        </p:txBody>
+      </p:sp>
+      <p:sp>
+        <p:nvSpPr>
+          <p:cNvPr id="23" name="Rechteck 22"/>
+          <p:cNvSpPr/>
+          <p:nvPr/>
+        </p:nvSpPr>
+        <p:spPr>
+          <a:xfrm>
+            <a:off x="6512365" y="2449893"/>
+            <a:ext cx="1104181" cy="845389"/>
+          </a:xfrm>
+          <a:prstGeom prst="rect">
+            <a:avLst/>
+          </a:prstGeom>
+        </p:spPr>
+        <p:style>
+          <a:lnRef idx="1">
+            <a:schemeClr val="accent1"/>
+          </a:lnRef>
+          <a:fillRef idx="3">
+            <a:schemeClr val="accent1"/>
+          </a:fillRef>
+          <a:effectRef idx="2">
+            <a:schemeClr val="accent1"/>
+          </a:effectRef>
+          <a:fontRef idx="minor">
+            <a:schemeClr val="lt1"/>
+          </a:fontRef>
+        </p:style>
+        <p:txBody>
+          <a:bodyPr rtlCol="0" anchor="ctr"/>
+          <a:lstStyle/>
+          <a:p>
+            <a:pPr algn="ctr"/>
+            <a:endParaRPr lang="de-DE"/>
+          </a:p>
+        </p:txBody>
+      </p:sp>
+      <p:sp>
+        <p:nvSpPr>
+          <p:cNvPr id="25" name="Textfeld 24"/>
+          <p:cNvSpPr txBox="1"/>
+          <p:nvPr/>
+        </p:nvSpPr>
+        <p:spPr>
+          <a:xfrm>
+            <a:off x="6408849" y="3338429"/>
+            <a:ext cx="2021707" cy="369332"/>
+          </a:xfrm>
+          <a:prstGeom prst="rect">
+            <a:avLst/>
+          </a:prstGeom>
+          <a:noFill/>
+        </p:spPr>
+        <p:txBody>
+          <a:bodyPr wrap="none" rtlCol="0">
+            <a:spAutoFit/>
+          </a:bodyPr>
+          <a:lstStyle/>
+          <a:p>
+            <a:r>
+              <a:rPr lang="de-DE" dirty="0" err="1" smtClean="0"/>
+              <a:t>xProperty</a:t>
+            </a:r>
+            <a:r>
+              <a:rPr lang="de-DE" dirty="0"/>
+              <a:t> </a:t>
+            </a:r>
+            <a:r>
+              <a:rPr lang="de-DE" dirty="0" smtClean="0"/>
+              <a:t>== 250</a:t>
+            </a:r>
+            <a:endParaRPr lang="de-DE" dirty="0"/>
+          </a:p>
+        </p:txBody>
+      </p:sp>
+      <p:sp>
+        <p:nvSpPr>
+          <p:cNvPr id="26" name="Textfeld 25"/>
+          <p:cNvSpPr txBox="1"/>
+          <p:nvPr/>
+        </p:nvSpPr>
+        <p:spPr>
+          <a:xfrm>
+            <a:off x="448577" y="2083119"/>
+            <a:ext cx="466794" cy="369332"/>
+          </a:xfrm>
+          <a:prstGeom prst="rect">
+            <a:avLst/>
+          </a:prstGeom>
+          <a:noFill/>
+        </p:spPr>
+        <p:txBody>
+          <a:bodyPr wrap="none" rtlCol="0">
+            <a:spAutoFit/>
+          </a:bodyPr>
+          <a:lstStyle/>
+          <a:p>
+            <a:r>
+              <a:rPr lang="de-DE" dirty="0" smtClean="0">
+                <a:solidFill>
+                  <a:schemeClr val="bg2"/>
+                </a:solidFill>
+              </a:rPr>
+              <a:t>0 s</a:t>
+            </a:r>
+            <a:endParaRPr lang="de-DE" dirty="0">
+              <a:solidFill>
+                <a:schemeClr val="bg2"/>
+              </a:solidFill>
+            </a:endParaRPr>
+          </a:p>
+        </p:txBody>
+      </p:sp>
+      <p:sp>
+        <p:nvSpPr>
+          <p:cNvPr id="27" name="Textfeld 26"/>
+          <p:cNvSpPr txBox="1"/>
+          <p:nvPr/>
+        </p:nvSpPr>
+        <p:spPr>
+          <a:xfrm>
+            <a:off x="3033623" y="2068105"/>
+            <a:ext cx="466794" cy="369332"/>
+          </a:xfrm>
+          <a:prstGeom prst="rect">
+            <a:avLst/>
+          </a:prstGeom>
+          <a:noFill/>
+        </p:spPr>
+        <p:txBody>
+          <a:bodyPr wrap="none" rtlCol="0">
+            <a:spAutoFit/>
+          </a:bodyPr>
+          <a:lstStyle/>
+          <a:p>
+            <a:r>
+              <a:rPr lang="de-DE" dirty="0" smtClean="0">
+                <a:solidFill>
+                  <a:schemeClr val="bg2"/>
+                </a:solidFill>
+              </a:rPr>
+              <a:t>4 s</a:t>
+            </a:r>
+            <a:endParaRPr lang="de-DE" dirty="0">
+              <a:solidFill>
+                <a:schemeClr val="bg2"/>
+              </a:solidFill>
+            </a:endParaRPr>
+          </a:p>
+        </p:txBody>
+      </p:sp>
+      <p:sp>
+        <p:nvSpPr>
+          <p:cNvPr id="28" name="Textfeld 27"/>
+          <p:cNvSpPr txBox="1"/>
+          <p:nvPr/>
+        </p:nvSpPr>
+        <p:spPr>
+          <a:xfrm>
+            <a:off x="6408849" y="2070343"/>
+            <a:ext cx="595035" cy="369332"/>
+          </a:xfrm>
+          <a:prstGeom prst="rect">
+            <a:avLst/>
+          </a:prstGeom>
+          <a:noFill/>
+        </p:spPr>
+        <p:txBody>
+          <a:bodyPr wrap="none" rtlCol="0">
+            <a:spAutoFit/>
+          </a:bodyPr>
+          <a:lstStyle/>
+          <a:p>
+            <a:r>
+              <a:rPr lang="de-DE" dirty="0" smtClean="0">
+                <a:solidFill>
+                  <a:schemeClr val="bg2"/>
+                </a:solidFill>
+              </a:rPr>
+              <a:t>10 s</a:t>
+            </a:r>
+            <a:endParaRPr lang="de-DE" dirty="0">
+              <a:solidFill>
+                <a:schemeClr val="bg2"/>
+              </a:solidFill>
+            </a:endParaRPr>
+          </a:p>
+        </p:txBody>
+      </p:sp>
+      <p:cxnSp>
+        <p:nvCxnSpPr>
+          <p:cNvPr id="11" name="Gerade Verbindung mit Pfeil 10"/>
+          <p:cNvCxnSpPr>
+            <a:stCxn id="3" idx="3"/>
+          </p:cNvCxnSpPr>
+          <p:nvPr/>
+        </p:nvCxnSpPr>
+        <p:spPr>
+          <a:xfrm flipV="1">
+            <a:off x="1639018" y="2872587"/>
+            <a:ext cx="1498121" cy="1"/>
+          </a:xfrm>
+          <a:prstGeom prst="straightConnector1">
+            <a:avLst/>
+          </a:prstGeom>
+          <a:ln>
+            <a:prstDash val="sysDash"/>
+            <a:tailEnd type="arrow"/>
+          </a:ln>
+        </p:spPr>
+        <p:style>
+          <a:lnRef idx="2">
+            <a:schemeClr val="accent1"/>
+          </a:lnRef>
+          <a:fillRef idx="0">
+            <a:schemeClr val="accent1"/>
+          </a:fillRef>
+          <a:effectRef idx="1">
+            <a:schemeClr val="accent1"/>
+          </a:effectRef>
+          <a:fontRef idx="minor">
+            <a:schemeClr val="tx1"/>
+          </a:fontRef>
+        </p:style>
+      </p:cxnSp>
+      <p:cxnSp>
+        <p:nvCxnSpPr>
+          <p:cNvPr id="31" name="Gerade Verbindung mit Pfeil 30"/>
+          <p:cNvCxnSpPr>
+            <a:endCxn id="23" idx="1"/>
+          </p:cNvCxnSpPr>
+          <p:nvPr/>
+        </p:nvCxnSpPr>
+        <p:spPr>
+          <a:xfrm>
+            <a:off x="4241320" y="2872587"/>
+            <a:ext cx="2271045" cy="1"/>
+          </a:xfrm>
+          <a:prstGeom prst="straightConnector1">
+            <a:avLst/>
+          </a:prstGeom>
+          <a:ln>
+            <a:prstDash val="sysDash"/>
+            <a:tailEnd type="arrow"/>
+          </a:ln>
+        </p:spPr>
+        <p:style>
+          <a:lnRef idx="2">
+            <a:schemeClr val="accent1"/>
+          </a:lnRef>
+          <a:fillRef idx="0">
+            <a:schemeClr val="accent1"/>
+          </a:fillRef>
+          <a:effectRef idx="1">
+            <a:schemeClr val="accent1"/>
+          </a:effectRef>
+          <a:fontRef idx="minor">
+            <a:schemeClr val="tx1"/>
+          </a:fontRef>
+        </p:style>
+      </p:cxnSp>
+      <p:pic>
+        <p:nvPicPr>
+          <p:cNvPr id="15" name="Grafik 14"/>
+          <p:cNvPicPr>
+            <a:picLocks noChangeAspect="1"/>
+          </p:cNvPicPr>
+          <p:nvPr/>
+        </p:nvPicPr>
+        <p:blipFill>
+          <a:blip r:embed="rId3">
+            <a:extLst>
+              <a:ext uri="{28A0092B-C50C-407E-A947-70E740481C1C}">
+                <a14:useLocalDpi xmlns:a14="http://schemas.microsoft.com/office/drawing/2010/main" val="0"/>
+              </a:ext>
+            </a:extLst>
+          </a:blip>
+          <a:stretch>
+            <a:fillRect/>
+          </a:stretch>
+        </p:blipFill>
+        <p:spPr>
+          <a:xfrm>
+            <a:off x="1313933" y="4147696"/>
+            <a:ext cx="6044445" cy="914286"/>
+          </a:xfrm>
+          <a:prstGeom prst="rect">
+            <a:avLst/>
+          </a:prstGeom>
+        </p:spPr>
+      </p:pic>
+      <p:pic>
+        <p:nvPicPr>
+          <p:cNvPr id="16" name="Grafik 15"/>
+          <p:cNvPicPr>
+            <a:picLocks noChangeAspect="1"/>
+          </p:cNvPicPr>
+          <p:nvPr/>
+        </p:nvPicPr>
+        <p:blipFill>
+          <a:blip r:embed="rId4">
+            <a:extLst>
+              <a:ext uri="{28A0092B-C50C-407E-A947-70E740481C1C}">
+                <a14:useLocalDpi xmlns:a14="http://schemas.microsoft.com/office/drawing/2010/main" val="0"/>
+              </a:ext>
+            </a:extLst>
+          </a:blip>
+          <a:stretch>
+            <a:fillRect/>
+          </a:stretch>
+        </p:blipFill>
+        <p:spPr>
+          <a:xfrm>
+            <a:off x="1326631" y="5629830"/>
+            <a:ext cx="6019048" cy="342857"/>
+          </a:xfrm>
+          <a:prstGeom prst="rect">
+            <a:avLst/>
+          </a:prstGeom>
+        </p:spPr>
+      </p:pic>
+    </p:spTree>
+    <p:extLst>
+      <p:ext uri="{BB962C8B-B14F-4D97-AF65-F5344CB8AC3E}">
+        <p14:creationId xmlns:p14="http://schemas.microsoft.com/office/powerpoint/2010/main" val="3325161637"/>
+      </p:ext>
+    </p:extLst>
+  </p:cSld>
+  <p:clrMapOvr>
+    <a:masterClrMapping/>
+  </p:clrMapOvr>
+  <mc:AlternateContent xmlns:mc="http://schemas.openxmlformats.org/markup-compatibility/2006" xmlns:p14="http://schemas.microsoft.com/office/powerpoint/2010/main">
+    <mc:Choice Requires="p14">
+      <p:transition spd="slow" p14:dur="2000"/>
+    </mc:Choice>
+    <mc:Fallback xmlns="">
+      <p:transition spd="slow"/>
+    </mc:Fallback>
+  </mc:AlternateContent>
+  <p:timing>
+    <p:tnLst>
+      <p:par>
+        <p:cTn id="1" dur="indefinite" restart="never" nodeType="tmRoot">
+          <p:childTnLst>
+            <p:seq concurrent="1" nextAc="seek">
+              <p:cTn id="2" dur="indefinite" nodeType="mainSeq">
+                <p:childTnLst>
+                  <p:par>
+                    <p:cTn id="3" fill="hold">
+                      <p:stCondLst>
+                        <p:cond delay="indefinite"/>
+                      </p:stCondLst>
+                      <p:childTnLst>
+                        <p:par>
+                          <p:cTn id="4" fill="hold">
+                            <p:stCondLst>
+                              <p:cond delay="0"/>
+                            </p:stCondLst>
+                            <p:childTnLst>
+                              <p:par>
+                                <p:cTn id="5" presetID="1" presetClass="entr" presetSubtype="0" fill="hold" grpId="0" nodeType="clickEffect">
+                                  <p:stCondLst>
+                                    <p:cond delay="0"/>
+                                  </p:stCondLst>
+                                  <p:childTnLst>
+                                    <p:set>
+                                      <p:cBhvr>
+                                        <p:cTn id="6" dur="1" fill="hold">
+                                          <p:stCondLst>
+                                            <p:cond delay="0"/>
+                                          </p:stCondLst>
+                                        </p:cTn>
+                                        <p:tgtEl>
+                                          <p:spTgt spid="3"/>
+                                        </p:tgtEl>
+                                        <p:attrNameLst>
+                                          <p:attrName>style.visibility</p:attrName>
+                                        </p:attrNameLst>
+                                      </p:cBhvr>
+                                      <p:to>
+                                        <p:strVal val="visible"/>
+                                      </p:to>
+                                    </p:set>
+                                  </p:childTnLst>
+                                </p:cTn>
+                              </p:par>
+                              <p:par>
+                                <p:cTn id="7" presetID="1" presetClass="entr" presetSubtype="0" fill="hold" grpId="0" nodeType="withEffect">
+                                  <p:stCondLst>
+                                    <p:cond delay="0"/>
+                                  </p:stCondLst>
+                                  <p:childTnLst>
+                                    <p:set>
+                                      <p:cBhvr>
+                                        <p:cTn id="8" dur="1" fill="hold">
+                                          <p:stCondLst>
+                                            <p:cond delay="0"/>
+                                          </p:stCondLst>
+                                        </p:cTn>
+                                        <p:tgtEl>
+                                          <p:spTgt spid="8"/>
+                                        </p:tgtEl>
+                                        <p:attrNameLst>
+                                          <p:attrName>style.visibility</p:attrName>
+                                        </p:attrNameLst>
+                                      </p:cBhvr>
+                                      <p:to>
+                                        <p:strVal val="visible"/>
+                                      </p:to>
+                                    </p:set>
+                                  </p:childTnLst>
+                                </p:cTn>
+                              </p:par>
+                              <p:par>
+                                <p:cTn id="9" presetID="1" presetClass="entr" presetSubtype="0" fill="hold" grpId="0" nodeType="withEffect">
+                                  <p:stCondLst>
+                                    <p:cond delay="0"/>
+                                  </p:stCondLst>
+                                  <p:childTnLst>
+                                    <p:set>
+                                      <p:cBhvr>
+                                        <p:cTn id="10" dur="1" fill="hold">
+                                          <p:stCondLst>
+                                            <p:cond delay="0"/>
+                                          </p:stCondLst>
+                                        </p:cTn>
+                                        <p:tgtEl>
+                                          <p:spTgt spid="26"/>
+                                        </p:tgtEl>
+                                        <p:attrNameLst>
+                                          <p:attrName>style.visibility</p:attrName>
+                                        </p:attrNameLst>
+                                      </p:cBhvr>
+                                      <p:to>
+                                        <p:strVal val="visible"/>
+                                      </p:to>
+                                    </p:set>
+                                  </p:childTnLst>
+                                </p:cTn>
+                              </p:par>
+                            </p:childTnLst>
+                          </p:cTn>
+                        </p:par>
+                      </p:childTnLst>
+                    </p:cTn>
+                  </p:par>
+                  <p:par>
+                    <p:cTn id="11" fill="hold">
+                      <p:stCondLst>
+                        <p:cond delay="indefinite"/>
+                      </p:stCondLst>
+                      <p:childTnLst>
+                        <p:par>
+                          <p:cTn id="12" fill="hold">
+                            <p:stCondLst>
+                              <p:cond delay="0"/>
+                            </p:stCondLst>
+                            <p:childTnLst>
+                              <p:par>
+                                <p:cTn id="13" presetID="1" presetClass="entr" presetSubtype="0" fill="hold" nodeType="clickEffect">
+                                  <p:stCondLst>
+                                    <p:cond delay="0"/>
+                                  </p:stCondLst>
+                                  <p:childTnLst>
+                                    <p:set>
+                                      <p:cBhvr>
+                                        <p:cTn id="14" dur="1" fill="hold">
+                                          <p:stCondLst>
+                                            <p:cond delay="0"/>
+                                          </p:stCondLst>
+                                        </p:cTn>
+                                        <p:tgtEl>
+                                          <p:spTgt spid="11"/>
+                                        </p:tgtEl>
+                                        <p:attrNameLst>
+                                          <p:attrName>style.visibility</p:attrName>
+                                        </p:attrNameLst>
+                                      </p:cBhvr>
+                                      <p:to>
+                                        <p:strVal val="visible"/>
+                                      </p:to>
+                                    </p:set>
+                                  </p:childTnLst>
+                                </p:cTn>
+                              </p:par>
+                              <p:par>
+                                <p:cTn id="15" presetID="1" presetClass="entr" presetSubtype="0" fill="hold" grpId="0" nodeType="withEffect">
+                                  <p:stCondLst>
+                                    <p:cond delay="0"/>
+                                  </p:stCondLst>
+                                  <p:childTnLst>
+                                    <p:set>
+                                      <p:cBhvr>
+                                        <p:cTn id="16" dur="1" fill="hold">
+                                          <p:stCondLst>
+                                            <p:cond delay="0"/>
+                                          </p:stCondLst>
+                                        </p:cTn>
+                                        <p:tgtEl>
+                                          <p:spTgt spid="27"/>
+                                        </p:tgtEl>
+                                        <p:attrNameLst>
+                                          <p:attrName>style.visibility</p:attrName>
+                                        </p:attrNameLst>
+                                      </p:cBhvr>
+                                      <p:to>
+                                        <p:strVal val="visible"/>
+                                      </p:to>
+                                    </p:set>
+                                  </p:childTnLst>
+                                </p:cTn>
+                              </p:par>
+                              <p:par>
+                                <p:cTn id="17" presetID="1" presetClass="entr" presetSubtype="0" fill="hold" grpId="0" nodeType="withEffect">
+                                  <p:stCondLst>
+                                    <p:cond delay="0"/>
+                                  </p:stCondLst>
+                                  <p:childTnLst>
+                                    <p:set>
+                                      <p:cBhvr>
+                                        <p:cTn id="18" dur="1" fill="hold">
+                                          <p:stCondLst>
+                                            <p:cond delay="0"/>
+                                          </p:stCondLst>
+                                        </p:cTn>
+                                        <p:tgtEl>
+                                          <p:spTgt spid="19"/>
+                                        </p:tgtEl>
+                                        <p:attrNameLst>
+                                          <p:attrName>style.visibility</p:attrName>
+                                        </p:attrNameLst>
+                                      </p:cBhvr>
+                                      <p:to>
+                                        <p:strVal val="visible"/>
+                                      </p:to>
+                                    </p:set>
+                                  </p:childTnLst>
+                                </p:cTn>
+                              </p:par>
+                              <p:par>
+                                <p:cTn id="19" presetID="1" presetClass="entr" presetSubtype="0" fill="hold" grpId="0" nodeType="withEffect">
+                                  <p:stCondLst>
+                                    <p:cond delay="0"/>
+                                  </p:stCondLst>
+                                  <p:childTnLst>
+                                    <p:set>
+                                      <p:cBhvr>
+                                        <p:cTn id="20" dur="1" fill="hold">
+                                          <p:stCondLst>
+                                            <p:cond delay="0"/>
+                                          </p:stCondLst>
+                                        </p:cTn>
+                                        <p:tgtEl>
+                                          <p:spTgt spid="21"/>
+                                        </p:tgtEl>
+                                        <p:attrNameLst>
+                                          <p:attrName>style.visibility</p:attrName>
+                                        </p:attrNameLst>
+                                      </p:cBhvr>
+                                      <p:to>
+                                        <p:strVal val="visible"/>
+                                      </p:to>
+                                    </p:set>
+                                  </p:childTnLst>
+                                </p:cTn>
+                              </p:par>
+                              <p:par>
+                                <p:cTn id="21" presetID="9" presetClass="emph" presetSubtype="0" grpId="1" nodeType="withEffect">
+                                  <p:stCondLst>
+                                    <p:cond delay="0"/>
+                                  </p:stCondLst>
+                                  <p:childTnLst>
+                                    <p:set>
+                                      <p:cBhvr rctx="PPT">
+                                        <p:cTn id="22" dur="indefinite"/>
+                                        <p:tgtEl>
+                                          <p:spTgt spid="3"/>
+                                        </p:tgtEl>
+                                        <p:attrNameLst>
+                                          <p:attrName>style.opacity</p:attrName>
+                                        </p:attrNameLst>
+                                      </p:cBhvr>
+                                      <p:to>
+                                        <p:strVal val="0.5"/>
+                                      </p:to>
+                                    </p:set>
+                                    <p:animEffect filter="image" prLst="opacity: 0.5">
+                                      <p:cBhvr rctx="IE">
+                                        <p:cTn id="23" dur="indefinite"/>
+                                        <p:tgtEl>
+                                          <p:spTgt spid="3"/>
+                                        </p:tgtEl>
+                                      </p:cBhvr>
+                                    </p:animEffect>
+                                  </p:childTnLst>
+                                </p:cTn>
+                              </p:par>
+                              <p:par>
+                                <p:cTn id="24" presetID="9" presetClass="emph" presetSubtype="0" grpId="1" nodeType="withEffect">
+                                  <p:stCondLst>
+                                    <p:cond delay="0"/>
+                                  </p:stCondLst>
+                                  <p:childTnLst>
+                                    <p:set>
+                                      <p:cBhvr rctx="PPT">
+                                        <p:cTn id="25" dur="indefinite"/>
+                                        <p:tgtEl>
+                                          <p:spTgt spid="8"/>
+                                        </p:tgtEl>
+                                        <p:attrNameLst>
+                                          <p:attrName>style.opacity</p:attrName>
+                                        </p:attrNameLst>
+                                      </p:cBhvr>
+                                      <p:to>
+                                        <p:strVal val="0.5"/>
+                                      </p:to>
+                                    </p:set>
+                                    <p:animEffect filter="image" prLst="opacity: 0.5">
+                                      <p:cBhvr rctx="IE">
+                                        <p:cTn id="26" dur="indefinite"/>
+                                        <p:tgtEl>
+                                          <p:spTgt spid="8"/>
+                                        </p:tgtEl>
+                                      </p:cBhvr>
+                                    </p:animEffect>
+                                  </p:childTnLst>
+                                </p:cTn>
+                              </p:par>
+                              <p:par>
+                                <p:cTn id="27" presetID="9" presetClass="emph" presetSubtype="0" grpId="1" nodeType="withEffect">
+                                  <p:stCondLst>
+                                    <p:cond delay="0"/>
+                                  </p:stCondLst>
+                                  <p:childTnLst>
+                                    <p:set>
+                                      <p:cBhvr rctx="PPT">
+                                        <p:cTn id="28" dur="indefinite"/>
+                                        <p:tgtEl>
+                                          <p:spTgt spid="26"/>
+                                        </p:tgtEl>
+                                        <p:attrNameLst>
+                                          <p:attrName>style.opacity</p:attrName>
+                                        </p:attrNameLst>
+                                      </p:cBhvr>
+                                      <p:to>
+                                        <p:strVal val="0.5"/>
+                                      </p:to>
+                                    </p:set>
+                                    <p:animEffect filter="image" prLst="opacity: 0.5">
+                                      <p:cBhvr rctx="IE">
+                                        <p:cTn id="29" dur="indefinite"/>
+                                        <p:tgtEl>
+                                          <p:spTgt spid="26"/>
+                                        </p:tgtEl>
+                                      </p:cBhvr>
+                                    </p:animEffect>
+                                  </p:childTnLst>
+                                </p:cTn>
+                              </p:par>
+                            </p:childTnLst>
+                          </p:cTn>
+                        </p:par>
+                      </p:childTnLst>
+                    </p:cTn>
+                  </p:par>
+                  <p:par>
+                    <p:cTn id="30" fill="hold">
+                      <p:stCondLst>
+                        <p:cond delay="indefinite"/>
+                      </p:stCondLst>
+                      <p:childTnLst>
+                        <p:par>
+                          <p:cTn id="31" fill="hold">
+                            <p:stCondLst>
+                              <p:cond delay="0"/>
+                            </p:stCondLst>
+                            <p:childTnLst>
+                              <p:par>
+                                <p:cTn id="32" presetID="1" presetClass="entr" presetSubtype="0" fill="hold" nodeType="clickEffect">
+                                  <p:stCondLst>
+                                    <p:cond delay="0"/>
+                                  </p:stCondLst>
+                                  <p:childTnLst>
+                                    <p:set>
+                                      <p:cBhvr>
+                                        <p:cTn id="33" dur="1" fill="hold">
+                                          <p:stCondLst>
+                                            <p:cond delay="0"/>
+                                          </p:stCondLst>
+                                        </p:cTn>
+                                        <p:tgtEl>
+                                          <p:spTgt spid="31"/>
+                                        </p:tgtEl>
+                                        <p:attrNameLst>
+                                          <p:attrName>style.visibility</p:attrName>
+                                        </p:attrNameLst>
+                                      </p:cBhvr>
+                                      <p:to>
+                                        <p:strVal val="visible"/>
+                                      </p:to>
+                                    </p:set>
+                                  </p:childTnLst>
+                                </p:cTn>
+                              </p:par>
+                              <p:par>
+                                <p:cTn id="34" presetID="1" presetClass="entr" presetSubtype="0" fill="hold" grpId="0" nodeType="withEffect">
+                                  <p:stCondLst>
+                                    <p:cond delay="0"/>
+                                  </p:stCondLst>
+                                  <p:childTnLst>
+                                    <p:set>
+                                      <p:cBhvr>
+                                        <p:cTn id="35" dur="1" fill="hold">
+                                          <p:stCondLst>
+                                            <p:cond delay="0"/>
+                                          </p:stCondLst>
+                                        </p:cTn>
+                                        <p:tgtEl>
+                                          <p:spTgt spid="23"/>
+                                        </p:tgtEl>
+                                        <p:attrNameLst>
+                                          <p:attrName>style.visibility</p:attrName>
+                                        </p:attrNameLst>
+                                      </p:cBhvr>
+                                      <p:to>
+                                        <p:strVal val="visible"/>
+                                      </p:to>
+                                    </p:set>
+                                  </p:childTnLst>
+                                </p:cTn>
+                              </p:par>
+                              <p:par>
+                                <p:cTn id="36" presetID="1" presetClass="entr" presetSubtype="0" fill="hold" grpId="0" nodeType="withEffect">
+                                  <p:stCondLst>
+                                    <p:cond delay="0"/>
+                                  </p:stCondLst>
+                                  <p:childTnLst>
+                                    <p:set>
+                                      <p:cBhvr>
+                                        <p:cTn id="37" dur="1" fill="hold">
+                                          <p:stCondLst>
+                                            <p:cond delay="0"/>
+                                          </p:stCondLst>
+                                        </p:cTn>
+                                        <p:tgtEl>
+                                          <p:spTgt spid="28"/>
+                                        </p:tgtEl>
+                                        <p:attrNameLst>
+                                          <p:attrName>style.visibility</p:attrName>
+                                        </p:attrNameLst>
+                                      </p:cBhvr>
+                                      <p:to>
+                                        <p:strVal val="visible"/>
+                                      </p:to>
+                                    </p:set>
+                                  </p:childTnLst>
+                                </p:cTn>
+                              </p:par>
+                              <p:par>
+                                <p:cTn id="38" presetID="1" presetClass="entr" presetSubtype="0" fill="hold" grpId="0" nodeType="withEffect">
+                                  <p:stCondLst>
+                                    <p:cond delay="0"/>
+                                  </p:stCondLst>
+                                  <p:childTnLst>
+                                    <p:set>
+                                      <p:cBhvr>
+                                        <p:cTn id="39" dur="1" fill="hold">
+                                          <p:stCondLst>
+                                            <p:cond delay="0"/>
+                                          </p:stCondLst>
+                                        </p:cTn>
+                                        <p:tgtEl>
+                                          <p:spTgt spid="25"/>
+                                        </p:tgtEl>
+                                        <p:attrNameLst>
+                                          <p:attrName>style.visibility</p:attrName>
+                                        </p:attrNameLst>
+                                      </p:cBhvr>
+                                      <p:to>
+                                        <p:strVal val="visible"/>
+                                      </p:to>
+                                    </p:set>
+                                  </p:childTnLst>
+                                </p:cTn>
+                              </p:par>
+                              <p:par>
+                                <p:cTn id="40" presetID="9" presetClass="emph" presetSubtype="0" nodeType="withEffect">
+                                  <p:stCondLst>
+                                    <p:cond delay="0"/>
+                                  </p:stCondLst>
+                                  <p:childTnLst>
+                                    <p:set>
+                                      <p:cBhvr rctx="PPT">
+                                        <p:cTn id="41" dur="indefinite"/>
+                                        <p:tgtEl>
+                                          <p:spTgt spid="11"/>
+                                        </p:tgtEl>
+                                        <p:attrNameLst>
+                                          <p:attrName>style.opacity</p:attrName>
+                                        </p:attrNameLst>
+                                      </p:cBhvr>
+                                      <p:to>
+                                        <p:strVal val="0.5"/>
+                                      </p:to>
+                                    </p:set>
+                                    <p:animEffect filter="image" prLst="opacity: 0.5">
+                                      <p:cBhvr rctx="IE">
+                                        <p:cTn id="42" dur="indefinite"/>
+                                        <p:tgtEl>
+                                          <p:spTgt spid="11"/>
+                                        </p:tgtEl>
+                                      </p:cBhvr>
+                                    </p:animEffect>
+                                  </p:childTnLst>
+                                </p:cTn>
+                              </p:par>
+                              <p:par>
+                                <p:cTn id="43" presetID="9" presetClass="emph" presetSubtype="0" grpId="1" nodeType="withEffect">
+                                  <p:stCondLst>
+                                    <p:cond delay="0"/>
+                                  </p:stCondLst>
+                                  <p:childTnLst>
+                                    <p:set>
+                                      <p:cBhvr rctx="PPT">
+                                        <p:cTn id="44" dur="indefinite"/>
+                                        <p:tgtEl>
+                                          <p:spTgt spid="27"/>
+                                        </p:tgtEl>
+                                        <p:attrNameLst>
+                                          <p:attrName>style.opacity</p:attrName>
+                                        </p:attrNameLst>
+                                      </p:cBhvr>
+                                      <p:to>
+                                        <p:strVal val="0.5"/>
+                                      </p:to>
+                                    </p:set>
+                                    <p:animEffect filter="image" prLst="opacity: 0.5">
+                                      <p:cBhvr rctx="IE">
+                                        <p:cTn id="45" dur="indefinite"/>
+                                        <p:tgtEl>
+                                          <p:spTgt spid="27"/>
+                                        </p:tgtEl>
+                                      </p:cBhvr>
+                                    </p:animEffect>
+                                  </p:childTnLst>
+                                </p:cTn>
+                              </p:par>
+                              <p:par>
+                                <p:cTn id="46" presetID="9" presetClass="emph" presetSubtype="0" grpId="1" nodeType="withEffect">
+                                  <p:stCondLst>
+                                    <p:cond delay="0"/>
+                                  </p:stCondLst>
+                                  <p:childTnLst>
+                                    <p:set>
+                                      <p:cBhvr rctx="PPT">
+                                        <p:cTn id="47" dur="indefinite"/>
+                                        <p:tgtEl>
+                                          <p:spTgt spid="19"/>
+                                        </p:tgtEl>
+                                        <p:attrNameLst>
+                                          <p:attrName>style.opacity</p:attrName>
+                                        </p:attrNameLst>
+                                      </p:cBhvr>
+                                      <p:to>
+                                        <p:strVal val="0.5"/>
+                                      </p:to>
+                                    </p:set>
+                                    <p:animEffect filter="image" prLst="opacity: 0.5">
+                                      <p:cBhvr rctx="IE">
+                                        <p:cTn id="48" dur="indefinite"/>
+                                        <p:tgtEl>
+                                          <p:spTgt spid="19"/>
+                                        </p:tgtEl>
+                                      </p:cBhvr>
+                                    </p:animEffect>
+                                  </p:childTnLst>
+                                </p:cTn>
+                              </p:par>
+                              <p:par>
+                                <p:cTn id="49" presetID="9" presetClass="emph" presetSubtype="0" grpId="1" nodeType="withEffect">
+                                  <p:stCondLst>
+                                    <p:cond delay="0"/>
+                                  </p:stCondLst>
+                                  <p:childTnLst>
+                                    <p:set>
+                                      <p:cBhvr rctx="PPT">
+                                        <p:cTn id="50" dur="indefinite"/>
+                                        <p:tgtEl>
+                                          <p:spTgt spid="21"/>
+                                        </p:tgtEl>
+                                        <p:attrNameLst>
+                                          <p:attrName>style.opacity</p:attrName>
+                                        </p:attrNameLst>
+                                      </p:cBhvr>
+                                      <p:to>
+                                        <p:strVal val="0.5"/>
+                                      </p:to>
+                                    </p:set>
+                                    <p:animEffect filter="image" prLst="opacity: 0.5">
+                                      <p:cBhvr rctx="IE">
+                                        <p:cTn id="51" dur="indefinite"/>
+                                        <p:tgtEl>
+                                          <p:spTgt spid="21"/>
+                                        </p:tgtEl>
+                                      </p:cBhvr>
+                                    </p:animEffect>
+                                  </p:childTnLst>
+                                </p:cTn>
+                              </p:par>
+                            </p:childTnLst>
+                          </p:cTn>
+                        </p:par>
+                      </p:childTnLst>
+                    </p:cTn>
+                  </p:par>
+                  <p:par>
+                    <p:cTn id="52" fill="hold">
+                      <p:stCondLst>
+                        <p:cond delay="indefinite"/>
+                      </p:stCondLst>
+                      <p:childTnLst>
+                        <p:par>
+                          <p:cTn id="53" fill="hold">
+                            <p:stCondLst>
+                              <p:cond delay="0"/>
+                            </p:stCondLst>
+                            <p:childTnLst>
+                              <p:par>
+                                <p:cTn id="54" presetID="1" presetClass="entr" presetSubtype="0" fill="hold" nodeType="clickEffect">
+                                  <p:stCondLst>
+                                    <p:cond delay="0"/>
+                                  </p:stCondLst>
+                                  <p:childTnLst>
+                                    <p:set>
+                                      <p:cBhvr>
+                                        <p:cTn id="55" dur="1" fill="hold">
+                                          <p:stCondLst>
+                                            <p:cond delay="0"/>
+                                          </p:stCondLst>
+                                        </p:cTn>
+                                        <p:tgtEl>
+                                          <p:spTgt spid="15"/>
+                                        </p:tgtEl>
+                                        <p:attrNameLst>
+                                          <p:attrName>style.visibility</p:attrName>
+                                        </p:attrNameLst>
+                                      </p:cBhvr>
+                                      <p:to>
+                                        <p:strVal val="visible"/>
+                                      </p:to>
+                                    </p:set>
+                                  </p:childTnLst>
+                                </p:cTn>
+                              </p:par>
+                            </p:childTnLst>
+                          </p:cTn>
+                        </p:par>
+                      </p:childTnLst>
+                    </p:cTn>
+                  </p:par>
+                  <p:par>
+                    <p:cTn id="56" fill="hold">
+                      <p:stCondLst>
+                        <p:cond delay="indefinite"/>
+                      </p:stCondLst>
+                      <p:childTnLst>
+                        <p:par>
+                          <p:cTn id="57" fill="hold">
+                            <p:stCondLst>
+                              <p:cond delay="0"/>
+                            </p:stCondLst>
+                            <p:childTnLst>
+                              <p:par>
+                                <p:cTn id="58" presetID="1" presetClass="entr" presetSubtype="0" fill="hold" nodeType="clickEffect">
+                                  <p:stCondLst>
+                                    <p:cond delay="0"/>
+                                  </p:stCondLst>
+                                  <p:childTnLst>
+                                    <p:set>
+                                      <p:cBhvr>
+                                        <p:cTn id="59" dur="1" fill="hold">
+                                          <p:stCondLst>
+                                            <p:cond delay="0"/>
+                                          </p:stCondLst>
+                                        </p:cTn>
+                                        <p:tgtEl>
+                                          <p:spTgt spid="16"/>
+                                        </p:tgtEl>
+                                        <p:attrNameLst>
+                                          <p:attrName>style.visibility</p:attrName>
+                                        </p:attrNameLst>
+                                      </p:cBhvr>
+                                      <p:to>
+                                        <p:strVal val="visible"/>
+                                      </p:to>
+                                    </p:set>
+                                  </p:childTnLst>
+                                </p:cTn>
+                              </p:par>
+                            </p:childTnLst>
+                          </p:cTn>
+                        </p:par>
+                      </p:childTnLst>
+                    </p:cTn>
+                  </p:par>
+                </p:childTnLst>
+              </p:cTn>
+              <p:prevCondLst>
+                <p:cond evt="onPrev" delay="0">
+                  <p:tgtEl>
+                    <p:sldTgt/>
+                  </p:tgtEl>
+                </p:cond>
+              </p:prevCondLst>
+              <p:nextCondLst>
+                <p:cond evt="onNext" delay="0">
+                  <p:tgtEl>
+                    <p:sldTgt/>
+                  </p:tgtEl>
+                </p:cond>
+              </p:nextCondLst>
+            </p:seq>
+          </p:childTnLst>
+        </p:cTn>
+      </p:par>
+    </p:tnLst>
+    <p:bldLst>
+      <p:bldP spid="3" grpId="0" animBg="1"/>
+      <p:bldP spid="3" grpId="1" animBg="1"/>
+      <p:bldP spid="8" grpId="0"/>
+      <p:bldP spid="8" grpId="1"/>
+      <p:bldP spid="19" grpId="0" animBg="1"/>
+      <p:bldP spid="19" grpId="1" animBg="1"/>
+      <p:bldP spid="21" grpId="0"/>
+      <p:bldP spid="21" grpId="1"/>
+      <p:bldP spid="23" grpId="0" animBg="1"/>
+      <p:bldP spid="25" grpId="0"/>
+      <p:bldP spid="26" grpId="0"/>
+      <p:bldP spid="26" grpId="1"/>
+      <p:bldP spid="27" grpId="0"/>
+      <p:bldP spid="27" grpId="1"/>
+      <p:bldP spid="28" grpId="0"/>
+    </p:bldLst>
+  </p:timing>
+</p:sld>
+</file>
+
 <file path=ppt/slides/slide2.xml><?xml version="1.0" encoding="utf-8"?>
 <p:sld xmlns:a="http://schemas.openxmlformats.org/drawingml/2006/main" xmlns:r="http://schemas.openxmlformats.org/officeDocument/2006/relationships" xmlns:p="http://schemas.openxmlformats.org/presentationml/2006/main">
   <p:cSld>
@@ -15969,7 +16650,7 @@
         <p:spPr/>
         <p:txBody>
           <a:bodyPr>
-            <a:normAutofit fontScale="92500" lnSpcReduction="20000"/>
+            <a:normAutofit/>
           </a:bodyPr>
           <a:lstStyle/>
           <a:p>
@@ -16000,6 +16681,14 @@
           <a:p>
             <a:pPr lvl="1"/>
             <a:r>
+              <a:rPr lang="de-DE" dirty="0"/>
+              <a:t>Beispiele</a:t>
+            </a:r>
+            <a:endParaRPr lang="de-DE" dirty="0" smtClean="0"/>
+          </a:p>
+          <a:p>
+            <a:pPr lvl="1"/>
+            <a:r>
               <a:rPr lang="de-DE" dirty="0" smtClean="0"/>
               <a:t>Einsatzmöglichkeiten</a:t>
             </a:r>
@@ -16014,21 +16703,23 @@
           <a:p>
             <a:r>
               <a:rPr lang="de-DE" dirty="0" smtClean="0"/>
-              <a:t>Konzepte</a:t>
-            </a:r>
+              <a:t>Konzepte / Live </a:t>
+            </a:r>
+            <a:r>
+              <a:rPr lang="de-DE" dirty="0" err="1" smtClean="0"/>
+              <a:t>Coding</a:t>
+            </a:r>
+            <a:endParaRPr lang="de-DE" dirty="0" smtClean="0"/>
           </a:p>
           <a:p>
             <a:pPr lvl="1"/>
             <a:r>
+              <a:rPr lang="de-DE" dirty="0"/>
+              <a:t>Scene </a:t>
+            </a:r>
+            <a:r>
               <a:rPr lang="de-DE" dirty="0" smtClean="0"/>
-              <a:t>Trennung GUI / Implementierung</a:t>
-            </a:r>
-          </a:p>
-          <a:p>
-            <a:pPr lvl="1"/>
-            <a:r>
-              <a:rPr lang="de-DE" dirty="0" smtClean="0"/>
-              <a:t>Scene Graph</a:t>
+              <a:t>Graph</a:t>
             </a:r>
           </a:p>
           <a:p>
@@ -16037,27 +16728,22 @@
               <a:rPr lang="de-DE" dirty="0" err="1" smtClean="0"/>
               <a:t>Propertys</a:t>
             </a:r>
-            <a:endParaRPr lang="de-DE" dirty="0" smtClean="0"/>
-          </a:p>
-          <a:p>
+            <a:endParaRPr lang="de-DE" dirty="0"/>
+          </a:p>
+          <a:p>
+            <a:pPr lvl="1"/>
             <a:r>
               <a:rPr lang="de-DE" dirty="0" smtClean="0"/>
-              <a:t>Beispiele</a:t>
-            </a:r>
-            <a:endParaRPr lang="de-DE" dirty="0" smtClean="0"/>
-          </a:p>
-          <a:p>
+              <a:t>Trennung </a:t>
+            </a:r>
             <a:r>
               <a:rPr lang="de-DE" dirty="0" smtClean="0"/>
-              <a:t>Live </a:t>
-            </a:r>
-            <a:r>
-              <a:rPr lang="de-DE" dirty="0" err="1" smtClean="0"/>
-              <a:t>Coding</a:t>
-            </a:r>
-            <a:endParaRPr lang="de-DE" dirty="0" smtClean="0"/>
-          </a:p>
-          <a:p>
+              <a:t>GUI / </a:t>
+            </a:r>
+            <a:r>
+              <a:rPr lang="de-DE" dirty="0" smtClean="0"/>
+              <a:t>Implementierung</a:t>
+            </a:r>
             <a:endParaRPr lang="de-DE" dirty="0" smtClean="0"/>
           </a:p>
         </p:txBody>
@@ -16084,6 +16770,1263 @@
     <p:tnLst>
       <p:par>
         <p:cTn id="1" dur="indefinite" restart="never" nodeType="tmRoot"/>
+      </p:par>
+    </p:tnLst>
+  </p:timing>
+</p:sld>
+</file>
+
+<file path=ppt/slides/slide20.xml><?xml version="1.0" encoding="utf-8"?>
+<p:sld xmlns:a="http://schemas.openxmlformats.org/drawingml/2006/main" xmlns:r="http://schemas.openxmlformats.org/officeDocument/2006/relationships" xmlns:p="http://schemas.openxmlformats.org/presentationml/2006/main">
+  <p:cSld>
+    <p:spTree>
+      <p:nvGrpSpPr>
+        <p:cNvPr id="1" name=""/>
+        <p:cNvGrpSpPr/>
+        <p:nvPr/>
+      </p:nvGrpSpPr>
+      <p:grpSpPr>
+        <a:xfrm>
+          <a:off x="0" y="0"/>
+          <a:ext cx="0" cy="0"/>
+          <a:chOff x="0" y="0"/>
+          <a:chExt cx="0" cy="0"/>
+        </a:xfrm>
+      </p:grpSpPr>
+      <p:sp>
+        <p:nvSpPr>
+          <p:cNvPr id="2" name="Titel 1"/>
+          <p:cNvSpPr>
+            <a:spLocks noGrp="1"/>
+          </p:cNvSpPr>
+          <p:nvPr>
+            <p:ph type="title"/>
+          </p:nvPr>
+        </p:nvSpPr>
+        <p:spPr>
+          <a:xfrm>
+            <a:off x="457199" y="1505676"/>
+            <a:ext cx="6962504" cy="897890"/>
+          </a:xfrm>
+        </p:spPr>
+        <p:txBody>
+          <a:bodyPr/>
+          <a:lstStyle/>
+          <a:p>
+            <a:r>
+              <a:rPr lang="de-DE" dirty="0" smtClean="0"/>
+              <a:t>Möglichkeit der Trennung GUI / Implementierung</a:t>
+            </a:r>
+            <a:endParaRPr lang="de-DE" dirty="0"/>
+          </a:p>
+        </p:txBody>
+      </p:sp>
+      <p:sp>
+        <p:nvSpPr>
+          <p:cNvPr id="4" name="Textplatzhalter 10"/>
+          <p:cNvSpPr>
+            <a:spLocks noGrp="1"/>
+          </p:cNvSpPr>
+          <p:nvPr>
+            <p:ph type="body" sz="quarter" idx="12"/>
+          </p:nvPr>
+        </p:nvSpPr>
+        <p:spPr>
+          <a:xfrm>
+            <a:off x="456826" y="696177"/>
+            <a:ext cx="6508750" cy="727075"/>
+          </a:xfrm>
+        </p:spPr>
+        <p:txBody>
+          <a:bodyPr>
+            <a:noAutofit/>
+          </a:bodyPr>
+          <a:lstStyle>
+            <a:lvl1pPr marL="0" indent="0">
+              <a:buNone/>
+              <a:defRPr sz="4400"/>
+            </a:lvl1pPr>
+          </a:lstStyle>
+          <a:p>
+            <a:pPr lvl="0"/>
+            <a:r>
+              <a:rPr lang="de-DE" dirty="0" smtClean="0">
+                <a:solidFill>
+                  <a:schemeClr val="bg2"/>
+                </a:solidFill>
+              </a:rPr>
+              <a:t>Konzepte</a:t>
+            </a:r>
+            <a:endParaRPr lang="de-DE" dirty="0">
+              <a:solidFill>
+                <a:schemeClr val="bg2"/>
+              </a:solidFill>
+            </a:endParaRPr>
+          </a:p>
+        </p:txBody>
+      </p:sp>
+      <p:grpSp>
+        <p:nvGrpSpPr>
+          <p:cNvPr id="44" name="Gruppieren 43"/>
+          <p:cNvGrpSpPr/>
+          <p:nvPr/>
+        </p:nvGrpSpPr>
+        <p:grpSpPr>
+          <a:xfrm>
+            <a:off x="325675" y="2594173"/>
+            <a:ext cx="4764363" cy="1171690"/>
+            <a:chOff x="237357" y="2820863"/>
+            <a:chExt cx="4302696" cy="1418881"/>
+          </a:xfrm>
+        </p:grpSpPr>
+        <p:sp>
+          <p:nvSpPr>
+            <p:cNvPr id="6" name="Fensterinhalt vertikal verschieben 5"/>
+            <p:cNvSpPr/>
+            <p:nvPr/>
+          </p:nvSpPr>
+          <p:spPr>
+            <a:xfrm>
+              <a:off x="411410" y="3278780"/>
+              <a:ext cx="2683408" cy="960964"/>
+            </a:xfrm>
+            <a:prstGeom prst="verticalScroll">
+              <a:avLst/>
+            </a:prstGeom>
+            <a:solidFill>
+              <a:schemeClr val="bg1">
+                <a:lumMod val="85000"/>
+              </a:schemeClr>
+            </a:solidFill>
+            <a:ln>
+              <a:solidFill>
+                <a:schemeClr val="bg1">
+                  <a:lumMod val="65000"/>
+                </a:schemeClr>
+              </a:solidFill>
+            </a:ln>
+          </p:spPr>
+          <p:style>
+            <a:lnRef idx="1">
+              <a:schemeClr val="accent1"/>
+            </a:lnRef>
+            <a:fillRef idx="3">
+              <a:schemeClr val="accent1"/>
+            </a:fillRef>
+            <a:effectRef idx="2">
+              <a:schemeClr val="accent1"/>
+            </a:effectRef>
+            <a:fontRef idx="minor">
+              <a:schemeClr val="lt1"/>
+            </a:fontRef>
+          </p:style>
+          <p:txBody>
+            <a:bodyPr rtlCol="0" anchor="ctr"/>
+            <a:lstStyle/>
+            <a:p>
+              <a:pPr algn="ctr"/>
+              <a:r>
+                <a:rPr lang="de-DE" sz="4000" dirty="0" smtClean="0">
+                  <a:ln w="18415" cmpd="sng">
+                    <a:solidFill>
+                      <a:srgbClr val="FFFFFF"/>
+                    </a:solidFill>
+                    <a:prstDash val="solid"/>
+                  </a:ln>
+                  <a:solidFill>
+                    <a:srgbClr val="FFFFFF"/>
+                  </a:solidFill>
+                  <a:effectLst>
+                    <a:outerShdw blurRad="63500" dir="3600000" algn="tl" rotWithShape="0">
+                      <a:srgbClr val="000000">
+                        <a:alpha val="70000"/>
+                      </a:srgbClr>
+                    </a:outerShdw>
+                  </a:effectLst>
+                </a:rPr>
+                <a:t>FXML+CSS</a:t>
+              </a:r>
+              <a:endParaRPr lang="de-DE" sz="4000" dirty="0">
+                <a:ln w="18415" cmpd="sng">
+                  <a:solidFill>
+                    <a:srgbClr val="FFFFFF"/>
+                  </a:solidFill>
+                  <a:prstDash val="solid"/>
+                </a:ln>
+                <a:solidFill>
+                  <a:srgbClr val="FFFFFF"/>
+                </a:solidFill>
+                <a:effectLst>
+                  <a:outerShdw blurRad="63500" dir="3600000" algn="tl" rotWithShape="0">
+                    <a:srgbClr val="000000">
+                      <a:alpha val="70000"/>
+                    </a:srgbClr>
+                  </a:outerShdw>
+                </a:effectLst>
+              </a:endParaRPr>
+            </a:p>
+          </p:txBody>
+        </p:sp>
+        <p:sp>
+          <p:nvSpPr>
+            <p:cNvPr id="37" name="Textfeld 36"/>
+            <p:cNvSpPr txBox="1"/>
+            <p:nvPr/>
+          </p:nvSpPr>
+          <p:spPr>
+            <a:xfrm>
+              <a:off x="237357" y="2820863"/>
+              <a:ext cx="4302696" cy="447250"/>
+            </a:xfrm>
+            <a:prstGeom prst="rect">
+              <a:avLst/>
+            </a:prstGeom>
+            <a:noFill/>
+          </p:spPr>
+          <p:txBody>
+            <a:bodyPr wrap="square" rtlCol="0">
+              <a:spAutoFit/>
+            </a:bodyPr>
+            <a:lstStyle/>
+            <a:p>
+              <a:r>
+                <a:rPr lang="de-DE" dirty="0" smtClean="0"/>
+                <a:t>Beschreibung der Oberfläche</a:t>
+              </a:r>
+              <a:endParaRPr lang="de-DE" dirty="0"/>
+            </a:p>
+          </p:txBody>
+        </p:sp>
+      </p:grpSp>
+      <p:grpSp>
+        <p:nvGrpSpPr>
+          <p:cNvPr id="43" name="Gruppieren 42"/>
+          <p:cNvGrpSpPr/>
+          <p:nvPr/>
+        </p:nvGrpSpPr>
+        <p:grpSpPr>
+          <a:xfrm>
+            <a:off x="156755" y="4735183"/>
+            <a:ext cx="3749040" cy="1971686"/>
+            <a:chOff x="4474029" y="3416361"/>
+            <a:chExt cx="3749040" cy="1971686"/>
+          </a:xfrm>
+        </p:grpSpPr>
+        <p:sp>
+          <p:nvSpPr>
+            <p:cNvPr id="36" name="Rechteck 35"/>
+            <p:cNvSpPr/>
+            <p:nvPr/>
+          </p:nvSpPr>
+          <p:spPr>
+            <a:xfrm>
+              <a:off x="5381255" y="4062692"/>
+              <a:ext cx="1809206" cy="1325355"/>
+            </a:xfrm>
+            <a:prstGeom prst="rect">
+              <a:avLst/>
+            </a:prstGeom>
+            <a:solidFill>
+              <a:schemeClr val="bg1">
+                <a:lumMod val="85000"/>
+              </a:schemeClr>
+            </a:solidFill>
+            <a:ln>
+              <a:solidFill>
+                <a:schemeClr val="bg1">
+                  <a:lumMod val="65000"/>
+                </a:schemeClr>
+              </a:solidFill>
+            </a:ln>
+          </p:spPr>
+          <p:style>
+            <a:lnRef idx="1">
+              <a:schemeClr val="accent1"/>
+            </a:lnRef>
+            <a:fillRef idx="3">
+              <a:schemeClr val="accent1"/>
+            </a:fillRef>
+            <a:effectRef idx="2">
+              <a:schemeClr val="accent1"/>
+            </a:effectRef>
+            <a:fontRef idx="minor">
+              <a:schemeClr val="lt1"/>
+            </a:fontRef>
+          </p:style>
+          <p:txBody>
+            <a:bodyPr rtlCol="0" anchor="ctr"/>
+            <a:lstStyle/>
+            <a:p>
+              <a:pPr algn="ctr"/>
+              <a:r>
+                <a:rPr lang="de-DE" sz="4000" dirty="0" smtClean="0">
+                  <a:ln w="18415" cmpd="sng">
+                    <a:solidFill>
+                      <a:srgbClr val="FFFFFF"/>
+                    </a:solidFill>
+                    <a:prstDash val="solid"/>
+                  </a:ln>
+                  <a:solidFill>
+                    <a:srgbClr val="FFFFFF"/>
+                  </a:solidFill>
+                  <a:effectLst>
+                    <a:outerShdw blurRad="63500" dir="3600000" algn="tl" rotWithShape="0">
+                      <a:srgbClr val="000000">
+                        <a:alpha val="70000"/>
+                      </a:srgbClr>
+                    </a:outerShdw>
+                  </a:effectLst>
+                </a:rPr>
+                <a:t>Java Klasse</a:t>
+              </a:r>
+              <a:endParaRPr lang="de-DE" sz="4000" dirty="0">
+                <a:ln w="18415" cmpd="sng">
+                  <a:solidFill>
+                    <a:srgbClr val="FFFFFF"/>
+                  </a:solidFill>
+                  <a:prstDash val="solid"/>
+                </a:ln>
+                <a:solidFill>
+                  <a:srgbClr val="FFFFFF"/>
+                </a:solidFill>
+                <a:effectLst>
+                  <a:outerShdw blurRad="63500" dir="3600000" algn="tl" rotWithShape="0">
+                    <a:srgbClr val="000000">
+                      <a:alpha val="70000"/>
+                    </a:srgbClr>
+                  </a:outerShdw>
+                </a:effectLst>
+              </a:endParaRPr>
+            </a:p>
+          </p:txBody>
+        </p:sp>
+        <p:sp>
+          <p:nvSpPr>
+            <p:cNvPr id="49" name="Textfeld 48"/>
+            <p:cNvSpPr txBox="1"/>
+            <p:nvPr/>
+          </p:nvSpPr>
+          <p:spPr>
+            <a:xfrm>
+              <a:off x="4474029" y="3416361"/>
+              <a:ext cx="3749040" cy="646331"/>
+            </a:xfrm>
+            <a:prstGeom prst="rect">
+              <a:avLst/>
+            </a:prstGeom>
+            <a:noFill/>
+          </p:spPr>
+          <p:txBody>
+            <a:bodyPr wrap="square" rtlCol="0">
+              <a:spAutoFit/>
+            </a:bodyPr>
+            <a:lstStyle/>
+            <a:p>
+              <a:pPr algn="ctr"/>
+              <a:r>
+                <a:rPr lang="de-DE" dirty="0" smtClean="0"/>
+                <a:t>Implementierung der Logik z.B. Aktionen auf Mausklick</a:t>
+              </a:r>
+              <a:endParaRPr lang="de-DE" dirty="0"/>
+            </a:p>
+          </p:txBody>
+        </p:sp>
+      </p:grpSp>
+      <p:sp>
+        <p:nvSpPr>
+          <p:cNvPr id="45" name="Textfeld 44"/>
+          <p:cNvSpPr txBox="1"/>
+          <p:nvPr/>
+        </p:nvSpPr>
+        <p:spPr>
+          <a:xfrm>
+            <a:off x="1600201" y="3545004"/>
+            <a:ext cx="992777" cy="1446550"/>
+          </a:xfrm>
+          <a:prstGeom prst="rect">
+            <a:avLst/>
+          </a:prstGeom>
+          <a:noFill/>
+        </p:spPr>
+        <p:txBody>
+          <a:bodyPr wrap="square" rtlCol="0">
+            <a:spAutoFit/>
+          </a:bodyPr>
+          <a:lstStyle/>
+          <a:p>
+            <a:r>
+              <a:rPr lang="de-DE" sz="8800" dirty="0" smtClean="0">
+                <a:solidFill>
+                  <a:schemeClr val="bg2"/>
+                </a:solidFill>
+              </a:rPr>
+              <a:t>+</a:t>
+            </a:r>
+            <a:endParaRPr lang="de-DE" sz="8800" dirty="0">
+              <a:solidFill>
+                <a:schemeClr val="bg2"/>
+              </a:solidFill>
+            </a:endParaRPr>
+          </a:p>
+        </p:txBody>
+      </p:sp>
+      <p:pic>
+        <p:nvPicPr>
+          <p:cNvPr id="1029" name="Picture 5" descr="http://docs.oracle.com/javafx/2/get_started/img/login_fxml.png"/>
+          <p:cNvPicPr>
+            <a:picLocks noChangeAspect="1" noChangeArrowheads="1"/>
+          </p:cNvPicPr>
+          <p:nvPr/>
+        </p:nvPicPr>
+        <p:blipFill>
+          <a:blip r:embed="rId3" cstate="email">
+            <a:extLst>
+              <a:ext uri="{28A0092B-C50C-407E-A947-70E740481C1C}">
+                <a14:useLocalDpi xmlns:a14="http://schemas.microsoft.com/office/drawing/2010/main" val="0"/>
+              </a:ext>
+            </a:extLst>
+          </a:blip>
+          <a:srcRect/>
+          <a:stretch>
+            <a:fillRect/>
+          </a:stretch>
+        </p:blipFill>
+        <p:spPr bwMode="auto">
+          <a:xfrm>
+            <a:off x="5238206" y="2982249"/>
+            <a:ext cx="2610677" cy="2619153"/>
+          </a:xfrm>
+          <a:prstGeom prst="rect">
+            <a:avLst/>
+          </a:prstGeom>
+          <a:noFill/>
+          <a:extLst>
+            <a:ext uri="{909E8E84-426E-40DD-AFC4-6F175D3DCCD1}">
+              <a14:hiddenFill xmlns:a14="http://schemas.microsoft.com/office/drawing/2010/main">
+                <a:solidFill>
+                  <a:srgbClr val="FFFFFF"/>
+                </a:solidFill>
+              </a14:hiddenFill>
+            </a:ext>
+          </a:extLst>
+        </p:spPr>
+      </p:pic>
+      <p:sp>
+        <p:nvSpPr>
+          <p:cNvPr id="53" name="Textfeld 52"/>
+          <p:cNvSpPr txBox="1"/>
+          <p:nvPr/>
+        </p:nvSpPr>
+        <p:spPr>
+          <a:xfrm>
+            <a:off x="3879669" y="3553711"/>
+            <a:ext cx="992777" cy="1446550"/>
+          </a:xfrm>
+          <a:prstGeom prst="rect">
+            <a:avLst/>
+          </a:prstGeom>
+          <a:noFill/>
+        </p:spPr>
+        <p:txBody>
+          <a:bodyPr wrap="square" rtlCol="0">
+            <a:spAutoFit/>
+          </a:bodyPr>
+          <a:lstStyle/>
+          <a:p>
+            <a:r>
+              <a:rPr lang="de-DE" sz="8800" dirty="0">
+                <a:solidFill>
+                  <a:schemeClr val="bg2"/>
+                </a:solidFill>
+              </a:rPr>
+              <a:t>=</a:t>
+            </a:r>
+          </a:p>
+        </p:txBody>
+      </p:sp>
+    </p:spTree>
+    <p:extLst>
+      <p:ext uri="{BB962C8B-B14F-4D97-AF65-F5344CB8AC3E}">
+        <p14:creationId xmlns:p14="http://schemas.microsoft.com/office/powerpoint/2010/main" val="506115032"/>
+      </p:ext>
+    </p:extLst>
+  </p:cSld>
+  <p:clrMapOvr>
+    <a:masterClrMapping/>
+  </p:clrMapOvr>
+  <mc:AlternateContent xmlns:mc="http://schemas.openxmlformats.org/markup-compatibility/2006" xmlns:p14="http://schemas.microsoft.com/office/powerpoint/2010/main">
+    <mc:Choice Requires="p14">
+      <p:transition spd="slow" p14:dur="2000"/>
+    </mc:Choice>
+    <mc:Fallback xmlns="">
+      <p:transition spd="slow"/>
+    </mc:Fallback>
+  </mc:AlternateContent>
+  <p:timing>
+    <p:tnLst>
+      <p:par>
+        <p:cTn id="1" dur="indefinite" restart="never" nodeType="tmRoot"/>
+      </p:par>
+    </p:tnLst>
+  </p:timing>
+</p:sld>
+</file>
+
+<file path=ppt/slides/slide21.xml><?xml version="1.0" encoding="utf-8"?>
+<p:sld xmlns:a="http://schemas.openxmlformats.org/drawingml/2006/main" xmlns:r="http://schemas.openxmlformats.org/officeDocument/2006/relationships" xmlns:p="http://schemas.openxmlformats.org/presentationml/2006/main">
+  <p:cSld>
+    <p:spTree>
+      <p:nvGrpSpPr>
+        <p:cNvPr id="1" name=""/>
+        <p:cNvGrpSpPr/>
+        <p:nvPr/>
+      </p:nvGrpSpPr>
+      <p:grpSpPr>
+        <a:xfrm>
+          <a:off x="0" y="0"/>
+          <a:ext cx="0" cy="0"/>
+          <a:chOff x="0" y="0"/>
+          <a:chExt cx="0" cy="0"/>
+        </a:xfrm>
+      </p:grpSpPr>
+      <p:sp>
+        <p:nvSpPr>
+          <p:cNvPr id="2" name="Titel 1"/>
+          <p:cNvSpPr>
+            <a:spLocks noGrp="1"/>
+          </p:cNvSpPr>
+          <p:nvPr>
+            <p:ph type="title"/>
+          </p:nvPr>
+        </p:nvSpPr>
+        <p:spPr>
+          <a:xfrm>
+            <a:off x="457199" y="1505675"/>
+            <a:ext cx="6962504" cy="636633"/>
+          </a:xfrm>
+        </p:spPr>
+        <p:txBody>
+          <a:bodyPr/>
+          <a:lstStyle/>
+          <a:p>
+            <a:r>
+              <a:rPr lang="de-DE" dirty="0" smtClean="0"/>
+              <a:t>FXML</a:t>
+            </a:r>
+            <a:endParaRPr lang="de-DE" dirty="0"/>
+          </a:p>
+        </p:txBody>
+      </p:sp>
+      <p:sp>
+        <p:nvSpPr>
+          <p:cNvPr id="4" name="Textplatzhalter 10"/>
+          <p:cNvSpPr>
+            <a:spLocks noGrp="1"/>
+          </p:cNvSpPr>
+          <p:nvPr>
+            <p:ph type="body" sz="quarter" idx="12"/>
+          </p:nvPr>
+        </p:nvSpPr>
+        <p:spPr>
+          <a:xfrm>
+            <a:off x="456826" y="696177"/>
+            <a:ext cx="6508750" cy="727075"/>
+          </a:xfrm>
+        </p:spPr>
+        <p:txBody>
+          <a:bodyPr>
+            <a:noAutofit/>
+          </a:bodyPr>
+          <a:lstStyle>
+            <a:lvl1pPr marL="0" indent="0">
+              <a:buNone/>
+              <a:defRPr sz="4400"/>
+            </a:lvl1pPr>
+          </a:lstStyle>
+          <a:p>
+            <a:pPr lvl="0"/>
+            <a:r>
+              <a:rPr lang="de-DE" dirty="0" smtClean="0">
+                <a:solidFill>
+                  <a:schemeClr val="bg2"/>
+                </a:solidFill>
+              </a:rPr>
+              <a:t>Konzepte</a:t>
+            </a:r>
+            <a:endParaRPr lang="de-DE" dirty="0">
+              <a:solidFill>
+                <a:schemeClr val="bg2"/>
+              </a:solidFill>
+            </a:endParaRPr>
+          </a:p>
+        </p:txBody>
+      </p:sp>
+      <p:pic>
+        <p:nvPicPr>
+          <p:cNvPr id="2050" name="Picture 2"/>
+          <p:cNvPicPr>
+            <a:picLocks noChangeAspect="1" noChangeArrowheads="1"/>
+          </p:cNvPicPr>
+          <p:nvPr/>
+        </p:nvPicPr>
+        <p:blipFill rotWithShape="1">
+          <a:blip r:embed="rId3">
+            <a:extLst>
+              <a:ext uri="{28A0092B-C50C-407E-A947-70E740481C1C}">
+                <a14:useLocalDpi xmlns:a14="http://schemas.microsoft.com/office/drawing/2010/main" val="0"/>
+              </a:ext>
+            </a:extLst>
+          </a:blip>
+          <a:srcRect t="22993" b="957"/>
+          <a:stretch/>
+        </p:blipFill>
+        <p:spPr bwMode="auto">
+          <a:xfrm>
+            <a:off x="507574" y="2952368"/>
+            <a:ext cx="5086350" cy="1188000"/>
+          </a:xfrm>
+          <a:prstGeom prst="rect">
+            <a:avLst/>
+          </a:prstGeom>
+          <a:noFill/>
+          <a:ln w="9525">
+            <a:solidFill>
+              <a:schemeClr val="tx1"/>
+            </a:solidFill>
+            <a:miter lim="800000"/>
+            <a:headEnd/>
+            <a:tailEnd/>
+          </a:ln>
+          <a:effectLst/>
+          <a:extLst>
+            <a:ext uri="{909E8E84-426E-40DD-AFC4-6F175D3DCCD1}">
+              <a14:hiddenFill xmlns:a14="http://schemas.microsoft.com/office/drawing/2010/main">
+                <a:solidFill>
+                  <a:schemeClr val="accent1"/>
+                </a:solidFill>
+              </a14:hiddenFill>
+            </a:ext>
+            <a:ext uri="{AF507438-7753-43E0-B8FC-AC1667EBCBE1}">
+              <a14:hiddenEffects xmlns:a14="http://schemas.microsoft.com/office/drawing/2010/main">
+                <a:effectLst>
+                  <a:outerShdw dist="35921" dir="2700000" algn="ctr" rotWithShape="0">
+                    <a:schemeClr val="bg2"/>
+                  </a:outerShdw>
+                </a:effectLst>
+              </a14:hiddenEffects>
+            </a:ext>
+          </a:extLst>
+        </p:spPr>
+      </p:pic>
+      <p:pic>
+        <p:nvPicPr>
+          <p:cNvPr id="2054" name="Picture 6"/>
+          <p:cNvPicPr>
+            <a:picLocks noChangeAspect="1" noChangeArrowheads="1"/>
+          </p:cNvPicPr>
+          <p:nvPr/>
+        </p:nvPicPr>
+        <p:blipFill>
+          <a:blip r:embed="rId4">
+            <a:extLst>
+              <a:ext uri="{28A0092B-C50C-407E-A947-70E740481C1C}">
+                <a14:useLocalDpi xmlns:a14="http://schemas.microsoft.com/office/drawing/2010/main" val="0"/>
+              </a:ext>
+            </a:extLst>
+          </a:blip>
+          <a:srcRect/>
+          <a:stretch>
+            <a:fillRect/>
+          </a:stretch>
+        </p:blipFill>
+        <p:spPr bwMode="auto">
+          <a:xfrm>
+            <a:off x="169819" y="4965043"/>
+            <a:ext cx="3657600" cy="1714500"/>
+          </a:xfrm>
+          <a:prstGeom prst="rect">
+            <a:avLst/>
+          </a:prstGeom>
+          <a:noFill/>
+          <a:ln w="9525">
+            <a:solidFill>
+              <a:schemeClr val="tx1"/>
+            </a:solidFill>
+            <a:miter lim="800000"/>
+            <a:headEnd/>
+            <a:tailEnd/>
+          </a:ln>
+          <a:effectLst/>
+          <a:extLst>
+            <a:ext uri="{909E8E84-426E-40DD-AFC4-6F175D3DCCD1}">
+              <a14:hiddenFill xmlns:a14="http://schemas.microsoft.com/office/drawing/2010/main">
+                <a:solidFill>
+                  <a:schemeClr val="accent1"/>
+                </a:solidFill>
+              </a14:hiddenFill>
+            </a:ext>
+            <a:ext uri="{AF507438-7753-43E0-B8FC-AC1667EBCBE1}">
+              <a14:hiddenEffects xmlns:a14="http://schemas.microsoft.com/office/drawing/2010/main">
+                <a:effectLst>
+                  <a:outerShdw dist="35921" dir="2700000" algn="ctr" rotWithShape="0">
+                    <a:schemeClr val="bg2"/>
+                  </a:outerShdw>
+                </a:effectLst>
+              </a14:hiddenEffects>
+            </a:ext>
+          </a:extLst>
+        </p:spPr>
+      </p:pic>
+      <p:grpSp>
+        <p:nvGrpSpPr>
+          <p:cNvPr id="31" name="Gruppieren 30"/>
+          <p:cNvGrpSpPr/>
+          <p:nvPr/>
+        </p:nvGrpSpPr>
+        <p:grpSpPr>
+          <a:xfrm>
+            <a:off x="1998619" y="4140368"/>
+            <a:ext cx="4359907" cy="1098308"/>
+            <a:chOff x="1998619" y="4152894"/>
+            <a:chExt cx="4359907" cy="1098308"/>
+          </a:xfrm>
+        </p:grpSpPr>
+        <p:cxnSp>
+          <p:nvCxnSpPr>
+            <p:cNvPr id="7" name="Gekrümmte Verbindung 6"/>
+            <p:cNvCxnSpPr/>
+            <p:nvPr/>
+          </p:nvCxnSpPr>
+          <p:spPr>
+            <a:xfrm rot="10800000" flipV="1">
+              <a:off x="1998619" y="4425751"/>
+              <a:ext cx="1645918" cy="539291"/>
+            </a:xfrm>
+            <a:prstGeom prst="curvedConnector2">
+              <a:avLst/>
+            </a:prstGeom>
+            <a:ln w="3175">
+              <a:solidFill>
+                <a:schemeClr val="tx1"/>
+              </a:solidFill>
+              <a:tailEnd type="arrow"/>
+            </a:ln>
+          </p:spPr>
+          <p:style>
+            <a:lnRef idx="2">
+              <a:schemeClr val="accent1"/>
+            </a:lnRef>
+            <a:fillRef idx="0">
+              <a:schemeClr val="accent1"/>
+            </a:fillRef>
+            <a:effectRef idx="1">
+              <a:schemeClr val="accent1"/>
+            </a:effectRef>
+            <a:fontRef idx="minor">
+              <a:schemeClr val="tx1"/>
+            </a:fontRef>
+          </p:style>
+        </p:cxnSp>
+        <p:cxnSp>
+          <p:nvCxnSpPr>
+            <p:cNvPr id="34" name="Gekrümmte Verbindung 33"/>
+            <p:cNvCxnSpPr/>
+            <p:nvPr/>
+          </p:nvCxnSpPr>
+          <p:spPr>
+            <a:xfrm>
+              <a:off x="3592285" y="4425751"/>
+              <a:ext cx="2766241" cy="825451"/>
+            </a:xfrm>
+            <a:prstGeom prst="curvedConnector2">
+              <a:avLst/>
+            </a:prstGeom>
+            <a:ln w="3175">
+              <a:solidFill>
+                <a:schemeClr val="tx1"/>
+              </a:solidFill>
+              <a:tailEnd type="arrow"/>
+            </a:ln>
+          </p:spPr>
+          <p:style>
+            <a:lnRef idx="2">
+              <a:schemeClr val="accent1"/>
+            </a:lnRef>
+            <a:fillRef idx="0">
+              <a:schemeClr val="accent1"/>
+            </a:fillRef>
+            <a:effectRef idx="1">
+              <a:schemeClr val="accent1"/>
+            </a:effectRef>
+            <a:fontRef idx="minor">
+              <a:schemeClr val="tx1"/>
+            </a:fontRef>
+          </p:style>
+        </p:cxnSp>
+        <p:cxnSp>
+          <p:nvCxnSpPr>
+            <p:cNvPr id="27" name="Gerade Verbindung 26"/>
+            <p:cNvCxnSpPr/>
+            <p:nvPr/>
+          </p:nvCxnSpPr>
+          <p:spPr>
+            <a:xfrm flipV="1">
+              <a:off x="3644533" y="4152894"/>
+              <a:ext cx="0" cy="285383"/>
+            </a:xfrm>
+            <a:prstGeom prst="line">
+              <a:avLst/>
+            </a:prstGeom>
+            <a:ln w="3175">
+              <a:solidFill>
+                <a:schemeClr val="tx1"/>
+              </a:solidFill>
+            </a:ln>
+          </p:spPr>
+          <p:style>
+            <a:lnRef idx="2">
+              <a:schemeClr val="accent1"/>
+            </a:lnRef>
+            <a:fillRef idx="0">
+              <a:schemeClr val="accent1"/>
+            </a:fillRef>
+            <a:effectRef idx="1">
+              <a:schemeClr val="accent1"/>
+            </a:effectRef>
+            <a:fontRef idx="minor">
+              <a:schemeClr val="tx1"/>
+            </a:fontRef>
+          </p:style>
+        </p:cxnSp>
+      </p:grpSp>
+      <p:pic>
+        <p:nvPicPr>
+          <p:cNvPr id="2055" name="Picture 7"/>
+          <p:cNvPicPr>
+            <a:picLocks noChangeAspect="1" noChangeArrowheads="1"/>
+          </p:cNvPicPr>
+          <p:nvPr/>
+        </p:nvPicPr>
+        <p:blipFill>
+          <a:blip r:embed="rId5">
+            <a:extLst>
+              <a:ext uri="{28A0092B-C50C-407E-A947-70E740481C1C}">
+                <a14:useLocalDpi xmlns:a14="http://schemas.microsoft.com/office/drawing/2010/main" val="0"/>
+              </a:ext>
+            </a:extLst>
+          </a:blip>
+          <a:srcRect/>
+          <a:stretch>
+            <a:fillRect/>
+          </a:stretch>
+        </p:blipFill>
+        <p:spPr bwMode="auto">
+          <a:xfrm>
+            <a:off x="3973364" y="5251202"/>
+            <a:ext cx="4770323" cy="668737"/>
+          </a:xfrm>
+          <a:prstGeom prst="rect">
+            <a:avLst/>
+          </a:prstGeom>
+          <a:noFill/>
+          <a:ln w="9525">
+            <a:solidFill>
+              <a:schemeClr val="tx1"/>
+            </a:solidFill>
+            <a:miter lim="800000"/>
+            <a:headEnd/>
+            <a:tailEnd/>
+          </a:ln>
+          <a:effectLst/>
+          <a:extLst>
+            <a:ext uri="{909E8E84-426E-40DD-AFC4-6F175D3DCCD1}">
+              <a14:hiddenFill xmlns:a14="http://schemas.microsoft.com/office/drawing/2010/main">
+                <a:solidFill>
+                  <a:schemeClr val="accent1"/>
+                </a:solidFill>
+              </a14:hiddenFill>
+            </a:ext>
+            <a:ext uri="{AF507438-7753-43E0-B8FC-AC1667EBCBE1}">
+              <a14:hiddenEffects xmlns:a14="http://schemas.microsoft.com/office/drawing/2010/main">
+                <a:effectLst>
+                  <a:outerShdw dist="35921" dir="2700000" algn="ctr" rotWithShape="0">
+                    <a:schemeClr val="bg2"/>
+                  </a:outerShdw>
+                </a:effectLst>
+              </a14:hiddenEffects>
+            </a:ext>
+          </a:extLst>
+        </p:spPr>
+      </p:pic>
+      <p:cxnSp>
+        <p:nvCxnSpPr>
+          <p:cNvPr id="33" name="Gerade Verbindung mit Pfeil 32"/>
+          <p:cNvCxnSpPr/>
+          <p:nvPr/>
+        </p:nvCxnSpPr>
+        <p:spPr>
+          <a:xfrm>
+            <a:off x="2377440" y="5134240"/>
+            <a:ext cx="5408023" cy="451330"/>
+          </a:xfrm>
+          <a:prstGeom prst="straightConnector1">
+            <a:avLst/>
+          </a:prstGeom>
+          <a:ln w="3175">
+            <a:tailEnd type="arrow"/>
+          </a:ln>
+        </p:spPr>
+        <p:style>
+          <a:lnRef idx="2">
+            <a:schemeClr val="accent1"/>
+          </a:lnRef>
+          <a:fillRef idx="0">
+            <a:schemeClr val="accent1"/>
+          </a:fillRef>
+          <a:effectRef idx="1">
+            <a:schemeClr val="accent1"/>
+          </a:effectRef>
+          <a:fontRef idx="minor">
+            <a:schemeClr val="tx1"/>
+          </a:fontRef>
+        </p:style>
+      </p:cxnSp>
+    </p:spTree>
+    <p:extLst>
+      <p:ext uri="{BB962C8B-B14F-4D97-AF65-F5344CB8AC3E}">
+        <p14:creationId xmlns:p14="http://schemas.microsoft.com/office/powerpoint/2010/main" val="3237558386"/>
+      </p:ext>
+    </p:extLst>
+  </p:cSld>
+  <p:clrMapOvr>
+    <a:masterClrMapping/>
+  </p:clrMapOvr>
+  <mc:AlternateContent xmlns:mc="http://schemas.openxmlformats.org/markup-compatibility/2006" xmlns:p14="http://schemas.microsoft.com/office/powerpoint/2010/main">
+    <mc:Choice Requires="p14">
+      <p:transition spd="slow" p14:dur="2000"/>
+    </mc:Choice>
+    <mc:Fallback xmlns="">
+      <p:transition spd="slow"/>
+    </mc:Fallback>
+  </mc:AlternateContent>
+  <p:timing>
+    <p:tnLst>
+      <p:par>
+        <p:cTn id="1" dur="indefinite" restart="never" nodeType="tmRoot">
+          <p:childTnLst>
+            <p:seq concurrent="1" nextAc="seek">
+              <p:cTn id="2" dur="indefinite" nodeType="mainSeq">
+                <p:childTnLst>
+                  <p:par>
+                    <p:cTn id="3" fill="hold">
+                      <p:stCondLst>
+                        <p:cond delay="indefinite"/>
+                      </p:stCondLst>
+                      <p:childTnLst>
+                        <p:par>
+                          <p:cTn id="4" fill="hold">
+                            <p:stCondLst>
+                              <p:cond delay="0"/>
+                            </p:stCondLst>
+                            <p:childTnLst>
+                              <p:par>
+                                <p:cTn id="5" presetID="10" presetClass="entr" presetSubtype="0" fill="hold" nodeType="clickEffect">
+                                  <p:stCondLst>
+                                    <p:cond delay="0"/>
+                                  </p:stCondLst>
+                                  <p:childTnLst>
+                                    <p:set>
+                                      <p:cBhvr>
+                                        <p:cTn id="6" dur="1" fill="hold">
+                                          <p:stCondLst>
+                                            <p:cond delay="0"/>
+                                          </p:stCondLst>
+                                        </p:cTn>
+                                        <p:tgtEl>
+                                          <p:spTgt spid="2050"/>
+                                        </p:tgtEl>
+                                        <p:attrNameLst>
+                                          <p:attrName>style.visibility</p:attrName>
+                                        </p:attrNameLst>
+                                      </p:cBhvr>
+                                      <p:to>
+                                        <p:strVal val="visible"/>
+                                      </p:to>
+                                    </p:set>
+                                    <p:animEffect transition="in" filter="fade">
+                                      <p:cBhvr>
+                                        <p:cTn id="7" dur="500"/>
+                                        <p:tgtEl>
+                                          <p:spTgt spid="2050"/>
+                                        </p:tgtEl>
+                                      </p:cBhvr>
+                                    </p:animEffect>
+                                  </p:childTnLst>
+                                </p:cTn>
+                              </p:par>
+                            </p:childTnLst>
+                          </p:cTn>
+                        </p:par>
+                      </p:childTnLst>
+                    </p:cTn>
+                  </p:par>
+                  <p:par>
+                    <p:cTn id="8" fill="hold">
+                      <p:stCondLst>
+                        <p:cond delay="indefinite"/>
+                      </p:stCondLst>
+                      <p:childTnLst>
+                        <p:par>
+                          <p:cTn id="9" fill="hold">
+                            <p:stCondLst>
+                              <p:cond delay="0"/>
+                            </p:stCondLst>
+                            <p:childTnLst>
+                              <p:par>
+                                <p:cTn id="10" presetID="10" presetClass="entr" presetSubtype="0" fill="hold" nodeType="clickEffect">
+                                  <p:stCondLst>
+                                    <p:cond delay="0"/>
+                                  </p:stCondLst>
+                                  <p:childTnLst>
+                                    <p:set>
+                                      <p:cBhvr>
+                                        <p:cTn id="11" dur="1" fill="hold">
+                                          <p:stCondLst>
+                                            <p:cond delay="0"/>
+                                          </p:stCondLst>
+                                        </p:cTn>
+                                        <p:tgtEl>
+                                          <p:spTgt spid="31"/>
+                                        </p:tgtEl>
+                                        <p:attrNameLst>
+                                          <p:attrName>style.visibility</p:attrName>
+                                        </p:attrNameLst>
+                                      </p:cBhvr>
+                                      <p:to>
+                                        <p:strVal val="visible"/>
+                                      </p:to>
+                                    </p:set>
+                                    <p:animEffect transition="in" filter="fade">
+                                      <p:cBhvr>
+                                        <p:cTn id="12" dur="500"/>
+                                        <p:tgtEl>
+                                          <p:spTgt spid="31"/>
+                                        </p:tgtEl>
+                                      </p:cBhvr>
+                                    </p:animEffect>
+                                  </p:childTnLst>
+                                </p:cTn>
+                              </p:par>
+                              <p:par>
+                                <p:cTn id="13" presetID="10" presetClass="entr" presetSubtype="0" fill="hold" nodeType="withEffect">
+                                  <p:stCondLst>
+                                    <p:cond delay="0"/>
+                                  </p:stCondLst>
+                                  <p:childTnLst>
+                                    <p:set>
+                                      <p:cBhvr>
+                                        <p:cTn id="14" dur="1" fill="hold">
+                                          <p:stCondLst>
+                                            <p:cond delay="0"/>
+                                          </p:stCondLst>
+                                        </p:cTn>
+                                        <p:tgtEl>
+                                          <p:spTgt spid="2054"/>
+                                        </p:tgtEl>
+                                        <p:attrNameLst>
+                                          <p:attrName>style.visibility</p:attrName>
+                                        </p:attrNameLst>
+                                      </p:cBhvr>
+                                      <p:to>
+                                        <p:strVal val="visible"/>
+                                      </p:to>
+                                    </p:set>
+                                    <p:animEffect transition="in" filter="fade">
+                                      <p:cBhvr>
+                                        <p:cTn id="15" dur="500"/>
+                                        <p:tgtEl>
+                                          <p:spTgt spid="2054"/>
+                                        </p:tgtEl>
+                                      </p:cBhvr>
+                                    </p:animEffect>
+                                  </p:childTnLst>
+                                </p:cTn>
+                              </p:par>
+                              <p:par>
+                                <p:cTn id="16" presetID="10" presetClass="entr" presetSubtype="0" fill="hold" nodeType="withEffect">
+                                  <p:stCondLst>
+                                    <p:cond delay="0"/>
+                                  </p:stCondLst>
+                                  <p:childTnLst>
+                                    <p:set>
+                                      <p:cBhvr>
+                                        <p:cTn id="17" dur="1" fill="hold">
+                                          <p:stCondLst>
+                                            <p:cond delay="0"/>
+                                          </p:stCondLst>
+                                        </p:cTn>
+                                        <p:tgtEl>
+                                          <p:spTgt spid="2055"/>
+                                        </p:tgtEl>
+                                        <p:attrNameLst>
+                                          <p:attrName>style.visibility</p:attrName>
+                                        </p:attrNameLst>
+                                      </p:cBhvr>
+                                      <p:to>
+                                        <p:strVal val="visible"/>
+                                      </p:to>
+                                    </p:set>
+                                    <p:animEffect transition="in" filter="fade">
+                                      <p:cBhvr>
+                                        <p:cTn id="18" dur="500"/>
+                                        <p:tgtEl>
+                                          <p:spTgt spid="2055"/>
+                                        </p:tgtEl>
+                                      </p:cBhvr>
+                                    </p:animEffect>
+                                  </p:childTnLst>
+                                </p:cTn>
+                              </p:par>
+                            </p:childTnLst>
+                          </p:cTn>
+                        </p:par>
+                      </p:childTnLst>
+                    </p:cTn>
+                  </p:par>
+                  <p:par>
+                    <p:cTn id="19" fill="hold">
+                      <p:stCondLst>
+                        <p:cond delay="indefinite"/>
+                      </p:stCondLst>
+                      <p:childTnLst>
+                        <p:par>
+                          <p:cTn id="20" fill="hold">
+                            <p:stCondLst>
+                              <p:cond delay="0"/>
+                            </p:stCondLst>
+                            <p:childTnLst>
+                              <p:par>
+                                <p:cTn id="21" presetID="10" presetClass="entr" presetSubtype="0" fill="hold" nodeType="clickEffect">
+                                  <p:stCondLst>
+                                    <p:cond delay="0"/>
+                                  </p:stCondLst>
+                                  <p:childTnLst>
+                                    <p:set>
+                                      <p:cBhvr>
+                                        <p:cTn id="22" dur="1" fill="hold">
+                                          <p:stCondLst>
+                                            <p:cond delay="0"/>
+                                          </p:stCondLst>
+                                        </p:cTn>
+                                        <p:tgtEl>
+                                          <p:spTgt spid="33"/>
+                                        </p:tgtEl>
+                                        <p:attrNameLst>
+                                          <p:attrName>style.visibility</p:attrName>
+                                        </p:attrNameLst>
+                                      </p:cBhvr>
+                                      <p:to>
+                                        <p:strVal val="visible"/>
+                                      </p:to>
+                                    </p:set>
+                                    <p:animEffect transition="in" filter="fade">
+                                      <p:cBhvr>
+                                        <p:cTn id="23" dur="500"/>
+                                        <p:tgtEl>
+                                          <p:spTgt spid="33"/>
+                                        </p:tgtEl>
+                                      </p:cBhvr>
+                                    </p:animEffect>
+                                  </p:childTnLst>
+                                </p:cTn>
+                              </p:par>
+                              <p:par>
+                                <p:cTn id="24" presetID="9" presetClass="emph" presetSubtype="0" nodeType="withEffect">
+                                  <p:stCondLst>
+                                    <p:cond delay="0"/>
+                                  </p:stCondLst>
+                                  <p:childTnLst>
+                                    <p:set>
+                                      <p:cBhvr rctx="PPT">
+                                        <p:cTn id="25" dur="indefinite"/>
+                                        <p:tgtEl>
+                                          <p:spTgt spid="2050"/>
+                                        </p:tgtEl>
+                                        <p:attrNameLst>
+                                          <p:attrName>style.opacity</p:attrName>
+                                        </p:attrNameLst>
+                                      </p:cBhvr>
+                                      <p:to>
+                                        <p:strVal val="0.5"/>
+                                      </p:to>
+                                    </p:set>
+                                    <p:animEffect filter="image" prLst="opacity: 0.5">
+                                      <p:cBhvr rctx="IE">
+                                        <p:cTn id="26" dur="indefinite"/>
+                                        <p:tgtEl>
+                                          <p:spTgt spid="2050"/>
+                                        </p:tgtEl>
+                                      </p:cBhvr>
+                                    </p:animEffect>
+                                  </p:childTnLst>
+                                </p:cTn>
+                              </p:par>
+                              <p:par>
+                                <p:cTn id="27" presetID="9" presetClass="emph" presetSubtype="0" nodeType="withEffect">
+                                  <p:stCondLst>
+                                    <p:cond delay="0"/>
+                                  </p:stCondLst>
+                                  <p:childTnLst>
+                                    <p:set>
+                                      <p:cBhvr rctx="PPT">
+                                        <p:cTn id="28" dur="indefinite"/>
+                                        <p:tgtEl>
+                                          <p:spTgt spid="31"/>
+                                        </p:tgtEl>
+                                        <p:attrNameLst>
+                                          <p:attrName>style.opacity</p:attrName>
+                                        </p:attrNameLst>
+                                      </p:cBhvr>
+                                      <p:to>
+                                        <p:strVal val="0.5"/>
+                                      </p:to>
+                                    </p:set>
+                                    <p:animEffect filter="image" prLst="opacity: 0.5">
+                                      <p:cBhvr rctx="IE">
+                                        <p:cTn id="29" dur="indefinite"/>
+                                        <p:tgtEl>
+                                          <p:spTgt spid="31"/>
+                                        </p:tgtEl>
+                                      </p:cBhvr>
+                                    </p:animEffect>
+                                  </p:childTnLst>
+                                </p:cTn>
+                              </p:par>
+                            </p:childTnLst>
+                          </p:cTn>
+                        </p:par>
+                      </p:childTnLst>
+                    </p:cTn>
+                  </p:par>
+                </p:childTnLst>
+              </p:cTn>
+              <p:prevCondLst>
+                <p:cond evt="onPrev" delay="0">
+                  <p:tgtEl>
+                    <p:sldTgt/>
+                  </p:tgtEl>
+                </p:cond>
+              </p:prevCondLst>
+              <p:nextCondLst>
+                <p:cond evt="onNext" delay="0">
+                  <p:tgtEl>
+                    <p:sldTgt/>
+                  </p:tgtEl>
+                </p:cond>
+              </p:nextCondLst>
+            </p:seq>
+          </p:childTnLst>
+        </p:cTn>
       </p:par>
     </p:tnLst>
   </p:timing>
@@ -17153,6 +19096,97 @@
 </file>
 
 <file path=ppt/slides/slide6.xml><?xml version="1.0" encoding="utf-8"?>
+<p:sld xmlns:a="http://schemas.openxmlformats.org/drawingml/2006/main" xmlns:r="http://schemas.openxmlformats.org/officeDocument/2006/relationships" xmlns:p="http://schemas.openxmlformats.org/presentationml/2006/main">
+  <p:cSld>
+    <p:spTree>
+      <p:nvGrpSpPr>
+        <p:cNvPr id="1" name=""/>
+        <p:cNvGrpSpPr/>
+        <p:nvPr/>
+      </p:nvGrpSpPr>
+      <p:grpSpPr>
+        <a:xfrm>
+          <a:off x="0" y="0"/>
+          <a:ext cx="0" cy="0"/>
+          <a:chOff x="0" y="0"/>
+          <a:chExt cx="0" cy="0"/>
+        </a:xfrm>
+      </p:grpSpPr>
+      <p:sp>
+        <p:nvSpPr>
+          <p:cNvPr id="2" name="Titel 1"/>
+          <p:cNvSpPr>
+            <a:spLocks noGrp="1"/>
+          </p:cNvSpPr>
+          <p:nvPr>
+            <p:ph type="title"/>
+          </p:nvPr>
+        </p:nvSpPr>
+        <p:spPr/>
+        <p:txBody>
+          <a:bodyPr/>
+          <a:lstStyle/>
+          <a:p>
+            <a:r>
+              <a:rPr lang="de-DE" dirty="0" smtClean="0"/>
+              <a:t>Beispiele</a:t>
+            </a:r>
+            <a:endParaRPr lang="de-DE" dirty="0"/>
+          </a:p>
+        </p:txBody>
+      </p:sp>
+      <p:sp>
+        <p:nvSpPr>
+          <p:cNvPr id="4" name="Textplatzhalter 3"/>
+          <p:cNvSpPr>
+            <a:spLocks noGrp="1"/>
+          </p:cNvSpPr>
+          <p:nvPr>
+            <p:ph type="body" sz="quarter" idx="12"/>
+          </p:nvPr>
+        </p:nvSpPr>
+        <p:spPr/>
+        <p:txBody>
+          <a:bodyPr/>
+          <a:lstStyle/>
+          <a:p>
+            <a:r>
+              <a:rPr lang="de-DE" dirty="0" smtClean="0">
+                <a:solidFill>
+                  <a:schemeClr val="bg2"/>
+                </a:solidFill>
+              </a:rPr>
+              <a:t>Einführung</a:t>
+            </a:r>
+            <a:endParaRPr lang="de-DE" dirty="0">
+              <a:solidFill>
+                <a:schemeClr val="bg2"/>
+              </a:solidFill>
+            </a:endParaRPr>
+          </a:p>
+        </p:txBody>
+      </p:sp>
+    </p:spTree>
+    <p:extLst>
+      <p:ext uri="{BB962C8B-B14F-4D97-AF65-F5344CB8AC3E}">
+        <p14:creationId xmlns:p14="http://schemas.microsoft.com/office/powerpoint/2010/main" val="1449198465"/>
+      </p:ext>
+    </p:extLst>
+  </p:cSld>
+  <p:clrMapOvr>
+    <a:masterClrMapping/>
+  </p:clrMapOvr>
+  <p:timing>
+    <p:tnLst>
+      <p:par>
+        <p:cTn id="1" dur="indefinite" restart="never" nodeType="tmRoot"/>
+      </p:par>
+    </p:tnLst>
+  </p:timing>
+</p:sld>
+</file>
+
+<file path=ppt/slides/slide7.xml><?xml version="1.0" encoding="utf-8"?>
 <p:sld xmlns:a="http://schemas.openxmlformats.org/drawingml/2006/main" xmlns:r="http://schemas.openxmlformats.org/officeDocument/2006/relationships" xmlns:p="http://schemas.openxmlformats.org/presentationml/2006/main">
   <p:cSld>
     <p:spTree>
@@ -17963,7 +19997,7 @@
 </p:sld>
 </file>
 
-<file path=ppt/slides/slide7.xml><?xml version="1.0" encoding="utf-8"?>
+<file path=ppt/slides/slide8.xml><?xml version="1.0" encoding="utf-8"?>
 <p:sld xmlns:a="http://schemas.openxmlformats.org/drawingml/2006/main" xmlns:r="http://schemas.openxmlformats.org/officeDocument/2006/relationships" xmlns:p="http://schemas.openxmlformats.org/presentationml/2006/main">
   <p:cSld>
     <p:spTree>
@@ -18990,74 +21024,6 @@
 </p:sld>
 </file>
 
-<file path=ppt/slides/slide8.xml><?xml version="1.0" encoding="utf-8"?>
-<p:sld xmlns:a="http://schemas.openxmlformats.org/drawingml/2006/main" xmlns:r="http://schemas.openxmlformats.org/officeDocument/2006/relationships" xmlns:p="http://schemas.openxmlformats.org/presentationml/2006/main">
-  <p:cSld>
-    <p:spTree>
-      <p:nvGrpSpPr>
-        <p:cNvPr id="1" name=""/>
-        <p:cNvGrpSpPr/>
-        <p:nvPr/>
-      </p:nvGrpSpPr>
-      <p:grpSpPr>
-        <a:xfrm>
-          <a:off x="0" y="0"/>
-          <a:ext cx="0" cy="0"/>
-          <a:chOff x="0" y="0"/>
-          <a:chExt cx="0" cy="0"/>
-        </a:xfrm>
-      </p:grpSpPr>
-      <p:sp>
-        <p:nvSpPr>
-          <p:cNvPr id="2" name="Titel 1"/>
-          <p:cNvSpPr>
-            <a:spLocks noGrp="1"/>
-          </p:cNvSpPr>
-          <p:nvPr>
-            <p:ph type="title"/>
-          </p:nvPr>
-        </p:nvSpPr>
-        <p:spPr/>
-        <p:txBody>
-          <a:bodyPr/>
-          <a:lstStyle/>
-          <a:p>
-            <a:r>
-              <a:rPr lang="de-DE" dirty="0" smtClean="0"/>
-              <a:t>Konzepte</a:t>
-            </a:r>
-            <a:endParaRPr lang="de-DE" dirty="0"/>
-          </a:p>
-        </p:txBody>
-      </p:sp>
-    </p:spTree>
-    <p:extLst>
-      <p:ext uri="{BB962C8B-B14F-4D97-AF65-F5344CB8AC3E}">
-        <p14:creationId xmlns:p14="http://schemas.microsoft.com/office/powerpoint/2010/main" val="4264681952"/>
-      </p:ext>
-    </p:extLst>
-  </p:cSld>
-  <p:clrMapOvr>
-    <a:masterClrMapping/>
-  </p:clrMapOvr>
-  <mc:AlternateContent xmlns:mc="http://schemas.openxmlformats.org/markup-compatibility/2006" xmlns:p14="http://schemas.microsoft.com/office/powerpoint/2010/main">
-    <mc:Choice Requires="p14">
-      <p:transition spd="slow" p14:dur="2000"/>
-    </mc:Choice>
-    <mc:Fallback xmlns="">
-      <p:transition spd="slow"/>
-    </mc:Fallback>
-  </mc:AlternateContent>
-  <p:timing>
-    <p:tnLst>
-      <p:par>
-        <p:cTn id="1" dur="indefinite" restart="never" nodeType="tmRoot"/>
-      </p:par>
-    </p:tnLst>
-  </p:timing>
-</p:sld>
-</file>
-
 <file path=ppt/slides/slide9.xml><?xml version="1.0" encoding="utf-8"?>
 <p:sld xmlns:a="http://schemas.openxmlformats.org/drawingml/2006/main" xmlns:r="http://schemas.openxmlformats.org/officeDocument/2006/relationships" xmlns:p="http://schemas.openxmlformats.org/presentationml/2006/main">
   <p:cSld>
@@ -19085,455 +21051,23 @@
             <p:ph type="title"/>
           </p:nvPr>
         </p:nvSpPr>
-        <p:spPr>
-          <a:xfrm>
-            <a:off x="457199" y="1505676"/>
-            <a:ext cx="6962504" cy="897890"/>
-          </a:xfrm>
-        </p:spPr>
+        <p:spPr/>
         <p:txBody>
           <a:bodyPr/>
           <a:lstStyle/>
           <a:p>
             <a:r>
               <a:rPr lang="de-DE" dirty="0" smtClean="0"/>
-              <a:t>Möglichkeit der Trennung GUI / Implementierung</a:t>
+              <a:t>Konzepte</a:t>
             </a:r>
             <a:endParaRPr lang="de-DE" dirty="0"/>
-          </a:p>
-        </p:txBody>
-      </p:sp>
-      <p:sp>
-        <p:nvSpPr>
-          <p:cNvPr id="4" name="Textplatzhalter 10"/>
-          <p:cNvSpPr>
-            <a:spLocks noGrp="1"/>
-          </p:cNvSpPr>
-          <p:nvPr>
-            <p:ph type="body" sz="quarter" idx="12"/>
-          </p:nvPr>
-        </p:nvSpPr>
-        <p:spPr>
-          <a:xfrm>
-            <a:off x="456826" y="696177"/>
-            <a:ext cx="6508750" cy="727075"/>
-          </a:xfrm>
-        </p:spPr>
-        <p:txBody>
-          <a:bodyPr>
-            <a:noAutofit/>
-          </a:bodyPr>
-          <a:lstStyle>
-            <a:lvl1pPr marL="0" indent="0">
-              <a:buNone/>
-              <a:defRPr sz="4400"/>
-            </a:lvl1pPr>
-          </a:lstStyle>
-          <a:p>
-            <a:pPr lvl="0"/>
-            <a:r>
-              <a:rPr lang="de-DE" dirty="0" smtClean="0">
-                <a:solidFill>
-                  <a:schemeClr val="bg2"/>
-                </a:solidFill>
-              </a:rPr>
-              <a:t>Konzepte</a:t>
-            </a:r>
-            <a:endParaRPr lang="de-DE" dirty="0">
-              <a:solidFill>
-                <a:schemeClr val="bg2"/>
-              </a:solidFill>
-            </a:endParaRPr>
-          </a:p>
-        </p:txBody>
-      </p:sp>
-      <p:grpSp>
-        <p:nvGrpSpPr>
-          <p:cNvPr id="44" name="Gruppieren 43"/>
-          <p:cNvGrpSpPr/>
-          <p:nvPr/>
-        </p:nvGrpSpPr>
-        <p:grpSpPr>
-          <a:xfrm>
-            <a:off x="325675" y="2594173"/>
-            <a:ext cx="4764363" cy="1171690"/>
-            <a:chOff x="237357" y="2820863"/>
-            <a:chExt cx="4302696" cy="1418881"/>
-          </a:xfrm>
-        </p:grpSpPr>
-        <p:sp>
-          <p:nvSpPr>
-            <p:cNvPr id="6" name="Fensterinhalt vertikal verschieben 5"/>
-            <p:cNvSpPr/>
-            <p:nvPr/>
-          </p:nvSpPr>
-          <p:spPr>
-            <a:xfrm>
-              <a:off x="411410" y="3278780"/>
-              <a:ext cx="2683408" cy="960964"/>
-            </a:xfrm>
-            <a:prstGeom prst="verticalScroll">
-              <a:avLst/>
-            </a:prstGeom>
-            <a:solidFill>
-              <a:schemeClr val="bg1">
-                <a:lumMod val="85000"/>
-              </a:schemeClr>
-            </a:solidFill>
-            <a:ln>
-              <a:solidFill>
-                <a:schemeClr val="bg1">
-                  <a:lumMod val="65000"/>
-                </a:schemeClr>
-              </a:solidFill>
-            </a:ln>
-          </p:spPr>
-          <p:style>
-            <a:lnRef idx="1">
-              <a:schemeClr val="accent1"/>
-            </a:lnRef>
-            <a:fillRef idx="3">
-              <a:schemeClr val="accent1"/>
-            </a:fillRef>
-            <a:effectRef idx="2">
-              <a:schemeClr val="accent1"/>
-            </a:effectRef>
-            <a:fontRef idx="minor">
-              <a:schemeClr val="lt1"/>
-            </a:fontRef>
-          </p:style>
-          <p:txBody>
-            <a:bodyPr rtlCol="0" anchor="ctr"/>
-            <a:lstStyle/>
-            <a:p>
-              <a:pPr algn="ctr"/>
-              <a:r>
-                <a:rPr lang="de-DE" sz="4000" dirty="0" smtClean="0">
-                  <a:ln w="18415" cmpd="sng">
-                    <a:solidFill>
-                      <a:srgbClr val="FFFFFF"/>
-                    </a:solidFill>
-                    <a:prstDash val="solid"/>
-                  </a:ln>
-                  <a:solidFill>
-                    <a:srgbClr val="FFFFFF"/>
-                  </a:solidFill>
-                  <a:effectLst>
-                    <a:outerShdw blurRad="63500" dir="3600000" algn="tl" rotWithShape="0">
-                      <a:srgbClr val="000000">
-                        <a:alpha val="70000"/>
-                      </a:srgbClr>
-                    </a:outerShdw>
-                  </a:effectLst>
-                </a:rPr>
-                <a:t>FXML+CSS</a:t>
-              </a:r>
-              <a:endParaRPr lang="de-DE" sz="4000" dirty="0">
-                <a:ln w="18415" cmpd="sng">
-                  <a:solidFill>
-                    <a:srgbClr val="FFFFFF"/>
-                  </a:solidFill>
-                  <a:prstDash val="solid"/>
-                </a:ln>
-                <a:solidFill>
-                  <a:srgbClr val="FFFFFF"/>
-                </a:solidFill>
-                <a:effectLst>
-                  <a:outerShdw blurRad="63500" dir="3600000" algn="tl" rotWithShape="0">
-                    <a:srgbClr val="000000">
-                      <a:alpha val="70000"/>
-                    </a:srgbClr>
-                  </a:outerShdw>
-                </a:effectLst>
-              </a:endParaRPr>
-            </a:p>
-          </p:txBody>
-        </p:sp>
-        <p:sp>
-          <p:nvSpPr>
-            <p:cNvPr id="37" name="Textfeld 36"/>
-            <p:cNvSpPr txBox="1"/>
-            <p:nvPr/>
-          </p:nvSpPr>
-          <p:spPr>
-            <a:xfrm>
-              <a:off x="237357" y="2820863"/>
-              <a:ext cx="4302696" cy="447250"/>
-            </a:xfrm>
-            <a:prstGeom prst="rect">
-              <a:avLst/>
-            </a:prstGeom>
-            <a:noFill/>
-          </p:spPr>
-          <p:txBody>
-            <a:bodyPr wrap="square" rtlCol="0">
-              <a:spAutoFit/>
-            </a:bodyPr>
-            <a:lstStyle/>
-            <a:p>
-              <a:r>
-                <a:rPr lang="de-DE" dirty="0" smtClean="0"/>
-                <a:t>Beschreibung der Oberfläche</a:t>
-              </a:r>
-              <a:endParaRPr lang="de-DE" dirty="0"/>
-            </a:p>
-          </p:txBody>
-        </p:sp>
-      </p:grpSp>
-      <p:grpSp>
-        <p:nvGrpSpPr>
-          <p:cNvPr id="43" name="Gruppieren 42"/>
-          <p:cNvGrpSpPr/>
-          <p:nvPr/>
-        </p:nvGrpSpPr>
-        <p:grpSpPr>
-          <a:xfrm>
-            <a:off x="156755" y="4735183"/>
-            <a:ext cx="3749040" cy="1971686"/>
-            <a:chOff x="4474029" y="3416361"/>
-            <a:chExt cx="3749040" cy="1971686"/>
-          </a:xfrm>
-        </p:grpSpPr>
-        <p:sp>
-          <p:nvSpPr>
-            <p:cNvPr id="36" name="Rechteck 35"/>
-            <p:cNvSpPr/>
-            <p:nvPr/>
-          </p:nvSpPr>
-          <p:spPr>
-            <a:xfrm>
-              <a:off x="5381255" y="4062692"/>
-              <a:ext cx="1809206" cy="1325355"/>
-            </a:xfrm>
-            <a:prstGeom prst="rect">
-              <a:avLst/>
-            </a:prstGeom>
-            <a:solidFill>
-              <a:schemeClr val="bg1">
-                <a:lumMod val="85000"/>
-              </a:schemeClr>
-            </a:solidFill>
-            <a:ln>
-              <a:solidFill>
-                <a:schemeClr val="bg1">
-                  <a:lumMod val="65000"/>
-                </a:schemeClr>
-              </a:solidFill>
-            </a:ln>
-          </p:spPr>
-          <p:style>
-            <a:lnRef idx="1">
-              <a:schemeClr val="accent1"/>
-            </a:lnRef>
-            <a:fillRef idx="3">
-              <a:schemeClr val="accent1"/>
-            </a:fillRef>
-            <a:effectRef idx="2">
-              <a:schemeClr val="accent1"/>
-            </a:effectRef>
-            <a:fontRef idx="minor">
-              <a:schemeClr val="lt1"/>
-            </a:fontRef>
-          </p:style>
-          <p:txBody>
-            <a:bodyPr rtlCol="0" anchor="ctr"/>
-            <a:lstStyle/>
-            <a:p>
-              <a:pPr algn="ctr"/>
-              <a:r>
-                <a:rPr lang="de-DE" sz="4000" dirty="0" smtClean="0">
-                  <a:ln w="18415" cmpd="sng">
-                    <a:solidFill>
-                      <a:srgbClr val="FFFFFF"/>
-                    </a:solidFill>
-                    <a:prstDash val="solid"/>
-                  </a:ln>
-                  <a:solidFill>
-                    <a:srgbClr val="FFFFFF"/>
-                  </a:solidFill>
-                  <a:effectLst>
-                    <a:outerShdw blurRad="63500" dir="3600000" algn="tl" rotWithShape="0">
-                      <a:srgbClr val="000000">
-                        <a:alpha val="70000"/>
-                      </a:srgbClr>
-                    </a:outerShdw>
-                  </a:effectLst>
-                </a:rPr>
-                <a:t>Java Klasse</a:t>
-              </a:r>
-              <a:endParaRPr lang="de-DE" sz="4000" dirty="0">
-                <a:ln w="18415" cmpd="sng">
-                  <a:solidFill>
-                    <a:srgbClr val="FFFFFF"/>
-                  </a:solidFill>
-                  <a:prstDash val="solid"/>
-                </a:ln>
-                <a:solidFill>
-                  <a:srgbClr val="FFFFFF"/>
-                </a:solidFill>
-                <a:effectLst>
-                  <a:outerShdw blurRad="63500" dir="3600000" algn="tl" rotWithShape="0">
-                    <a:srgbClr val="000000">
-                      <a:alpha val="70000"/>
-                    </a:srgbClr>
-                  </a:outerShdw>
-                </a:effectLst>
-              </a:endParaRPr>
-            </a:p>
-          </p:txBody>
-        </p:sp>
-        <p:sp>
-          <p:nvSpPr>
-            <p:cNvPr id="49" name="Textfeld 48"/>
-            <p:cNvSpPr txBox="1"/>
-            <p:nvPr/>
-          </p:nvSpPr>
-          <p:spPr>
-            <a:xfrm>
-              <a:off x="4474029" y="3416361"/>
-              <a:ext cx="3749040" cy="646331"/>
-            </a:xfrm>
-            <a:prstGeom prst="rect">
-              <a:avLst/>
-            </a:prstGeom>
-            <a:noFill/>
-          </p:spPr>
-          <p:txBody>
-            <a:bodyPr wrap="square" rtlCol="0">
-              <a:spAutoFit/>
-            </a:bodyPr>
-            <a:lstStyle/>
-            <a:p>
-              <a:pPr algn="ctr"/>
-              <a:r>
-                <a:rPr lang="de-DE" dirty="0" smtClean="0"/>
-                <a:t>Implementierung der Logik z.B. Aktionen auf </a:t>
-              </a:r>
-              <a:r>
-                <a:rPr lang="de-DE" dirty="0" smtClean="0"/>
-                <a:t>Mausklick</a:t>
-              </a:r>
-              <a:endParaRPr lang="de-DE" dirty="0"/>
-            </a:p>
-          </p:txBody>
-        </p:sp>
-      </p:grpSp>
-      <p:sp>
-        <p:nvSpPr>
-          <p:cNvPr id="45" name="Textfeld 44"/>
-          <p:cNvSpPr txBox="1"/>
-          <p:nvPr/>
-        </p:nvSpPr>
-        <p:spPr>
-          <a:xfrm>
-            <a:off x="1600201" y="3545004"/>
-            <a:ext cx="992777" cy="1446550"/>
-          </a:xfrm>
-          <a:prstGeom prst="rect">
-            <a:avLst/>
-          </a:prstGeom>
-          <a:noFill/>
-        </p:spPr>
-        <p:txBody>
-          <a:bodyPr wrap="square" rtlCol="0">
-            <a:spAutoFit/>
-          </a:bodyPr>
-          <a:lstStyle/>
-          <a:p>
-            <a:r>
-              <a:rPr lang="de-DE" sz="8800" dirty="0" smtClean="0">
-                <a:solidFill>
-                  <a:schemeClr val="bg2"/>
-                </a:solidFill>
-              </a:rPr>
-              <a:t>+</a:t>
-            </a:r>
-            <a:endParaRPr lang="de-DE" sz="8800" dirty="0">
-              <a:solidFill>
-                <a:schemeClr val="bg2"/>
-              </a:solidFill>
-            </a:endParaRPr>
-          </a:p>
-        </p:txBody>
-      </p:sp>
-      <p:pic>
-        <p:nvPicPr>
-          <p:cNvPr id="1029" name="Picture 5" descr="http://docs.oracle.com/javafx/2/get_started/img/login_fxml.png"/>
-          <p:cNvPicPr>
-            <a:picLocks noChangeAspect="1" noChangeArrowheads="1"/>
-          </p:cNvPicPr>
-          <p:nvPr/>
-        </p:nvPicPr>
-        <p:blipFill>
-          <a:blip r:embed="rId3" cstate="email">
-            <a:extLst>
-              <a:ext uri="{28A0092B-C50C-407E-A947-70E740481C1C}">
-                <a14:useLocalDpi xmlns:a14="http://schemas.microsoft.com/office/drawing/2010/main" val="0"/>
-              </a:ext>
-            </a:extLst>
-          </a:blip>
-          <a:srcRect/>
-          <a:stretch>
-            <a:fillRect/>
-          </a:stretch>
-        </p:blipFill>
-        <p:spPr bwMode="auto">
-          <a:xfrm>
-            <a:off x="5238206" y="2982249"/>
-            <a:ext cx="2610677" cy="2619153"/>
-          </a:xfrm>
-          <a:prstGeom prst="rect">
-            <a:avLst/>
-          </a:prstGeom>
-          <a:noFill/>
-          <a:extLst>
-            <a:ext uri="{909E8E84-426E-40DD-AFC4-6F175D3DCCD1}">
-              <a14:hiddenFill xmlns:a14="http://schemas.microsoft.com/office/drawing/2010/main">
-                <a:solidFill>
-                  <a:srgbClr val="FFFFFF"/>
-                </a:solidFill>
-              </a14:hiddenFill>
-            </a:ext>
-          </a:extLst>
-        </p:spPr>
-      </p:pic>
-      <p:sp>
-        <p:nvSpPr>
-          <p:cNvPr id="53" name="Textfeld 52"/>
-          <p:cNvSpPr txBox="1"/>
-          <p:nvPr/>
-        </p:nvSpPr>
-        <p:spPr>
-          <a:xfrm>
-            <a:off x="3879669" y="3553711"/>
-            <a:ext cx="992777" cy="1446550"/>
-          </a:xfrm>
-          <a:prstGeom prst="rect">
-            <a:avLst/>
-          </a:prstGeom>
-          <a:noFill/>
-        </p:spPr>
-        <p:txBody>
-          <a:bodyPr wrap="square" rtlCol="0">
-            <a:spAutoFit/>
-          </a:bodyPr>
-          <a:lstStyle/>
-          <a:p>
-            <a:r>
-              <a:rPr lang="de-DE" sz="8800" dirty="0">
-                <a:solidFill>
-                  <a:schemeClr val="bg2"/>
-                </a:solidFill>
-              </a:rPr>
-              <a:t>=</a:t>
-            </a:r>
           </a:p>
         </p:txBody>
       </p:sp>
     </p:spTree>
     <p:extLst>
       <p:ext uri="{BB962C8B-B14F-4D97-AF65-F5344CB8AC3E}">
-        <p14:creationId xmlns:p14="http://schemas.microsoft.com/office/powerpoint/2010/main" val="3325161637"/>
+        <p14:creationId xmlns:p14="http://schemas.microsoft.com/office/powerpoint/2010/main" val="4264681952"/>
       </p:ext>
     </p:extLst>
   </p:cSld>

--- a/JavaFX-UserGroup.pptx
+++ b/JavaFX-UserGroup.pptx
@@ -14231,7 +14231,7 @@
       </p:sp>
       <p:pic>
         <p:nvPicPr>
-          <p:cNvPr id="6145" name="Picture 1"/>
+          <p:cNvPr id="1026" name="Picture 2" descr="C:\jfxpresentation\1.png"/>
           <p:cNvPicPr>
             <a:picLocks noChangeAspect="1" noChangeArrowheads="1"/>
           </p:cNvPicPr>
@@ -14252,43 +14252,20 @@
         </p:blipFill>
         <p:spPr bwMode="auto">
           <a:xfrm>
-            <a:off x="1766048" y="3147452"/>
-            <a:ext cx="3933825" cy="2562225"/>
+            <a:off x="889314" y="2680443"/>
+            <a:ext cx="5323229" cy="2976288"/>
           </a:xfrm>
           <a:prstGeom prst="rect">
             <a:avLst/>
           </a:prstGeom>
           <a:noFill/>
-          <a:ln>
-            <a:noFill/>
-          </a:ln>
-          <a:effectLst/>
           <a:extLst>
             <a:ext uri="{909E8E84-426E-40DD-AFC4-6F175D3DCCD1}">
               <a14:hiddenFill xmlns:a14="http://schemas.microsoft.com/office/drawing/2010/main">
                 <a:solidFill>
-                  <a:schemeClr val="accent1"/>
+                  <a:srgbClr val="FFFFFF"/>
                 </a:solidFill>
               </a14:hiddenFill>
-            </a:ext>
-            <a:ext uri="{91240B29-F687-4F45-9708-019B960494DF}">
-              <a14:hiddenLine xmlns:a14="http://schemas.microsoft.com/office/drawing/2010/main" w="9525">
-                <a:solidFill>
-                  <a:schemeClr val="tx1"/>
-                </a:solidFill>
-                <a:miter lim="800000"/>
-                <a:headEnd/>
-                <a:tailEnd/>
-              </a14:hiddenLine>
-            </a:ext>
-            <a:ext uri="{AF507438-7753-43E0-B8FC-AC1667EBCBE1}">
-              <a14:hiddenEffects xmlns:a14="http://schemas.microsoft.com/office/drawing/2010/main">
-                <a:effectLst>
-                  <a:outerShdw dist="35921" dir="2700000" algn="ctr" rotWithShape="0">
-                    <a:schemeClr val="bg2"/>
-                  </a:outerShdw>
-                </a:effectLst>
-              </a14:hiddenEffects>
             </a:ext>
           </a:extLst>
         </p:spPr>
@@ -14456,13 +14433,13 @@
       </p:sp>
       <p:pic>
         <p:nvPicPr>
-          <p:cNvPr id="6146" name="Picture 2"/>
+          <p:cNvPr id="2050" name="Picture 2" descr="C:\jfxpresentation\2.png"/>
           <p:cNvPicPr>
             <a:picLocks noChangeAspect="1" noChangeArrowheads="1"/>
           </p:cNvPicPr>
           <p:nvPr/>
         </p:nvPicPr>
-        <p:blipFill>
+        <p:blipFill rotWithShape="1">
           <a:blip r:embed="rId3">
             <a:extLst>
               <a:ext uri="{28A0092B-C50C-407E-A947-70E740481C1C}">
@@ -14470,50 +14447,25 @@
               </a:ext>
             </a:extLst>
           </a:blip>
-          <a:srcRect/>
-          <a:stretch>
-            <a:fillRect/>
-          </a:stretch>
+          <a:srcRect b="442"/>
+          <a:stretch/>
         </p:blipFill>
         <p:spPr bwMode="auto">
           <a:xfrm>
-            <a:off x="1749520" y="3182465"/>
-            <a:ext cx="5591175" cy="2505075"/>
+            <a:off x="887369" y="2680441"/>
+            <a:ext cx="6877353" cy="3128915"/>
           </a:xfrm>
           <a:prstGeom prst="rect">
             <a:avLst/>
           </a:prstGeom>
           <a:noFill/>
-          <a:ln>
-            <a:noFill/>
-          </a:ln>
-          <a:effectLst/>
           <a:extLst>
             <a:ext uri="{909E8E84-426E-40DD-AFC4-6F175D3DCCD1}">
               <a14:hiddenFill xmlns:a14="http://schemas.microsoft.com/office/drawing/2010/main">
                 <a:solidFill>
-                  <a:schemeClr val="accent1"/>
+                  <a:srgbClr val="FFFFFF"/>
                 </a:solidFill>
               </a14:hiddenFill>
-            </a:ext>
-            <a:ext uri="{91240B29-F687-4F45-9708-019B960494DF}">
-              <a14:hiddenLine xmlns:a14="http://schemas.microsoft.com/office/drawing/2010/main" w="9525">
-                <a:solidFill>
-                  <a:schemeClr val="tx1"/>
-                </a:solidFill>
-                <a:miter lim="800000"/>
-                <a:headEnd/>
-                <a:tailEnd/>
-              </a14:hiddenLine>
-            </a:ext>
-            <a:ext uri="{AF507438-7753-43E0-B8FC-AC1667EBCBE1}">
-              <a14:hiddenEffects xmlns:a14="http://schemas.microsoft.com/office/drawing/2010/main">
-                <a:effectLst>
-                  <a:outerShdw dist="35921" dir="2700000" algn="ctr" rotWithShape="0">
-                    <a:schemeClr val="bg2"/>
-                  </a:outerShdw>
-                </a:effectLst>
-              </a14:hiddenEffects>
             </a:ext>
           </a:extLst>
         </p:spPr>
@@ -14681,13 +14633,13 @@
       </p:sp>
       <p:pic>
         <p:nvPicPr>
-          <p:cNvPr id="6147" name="Picture 3"/>
+          <p:cNvPr id="3074" name="Picture 2" descr="C:\jfxpresentation\3.png"/>
           <p:cNvPicPr>
             <a:picLocks noChangeAspect="1" noChangeArrowheads="1"/>
           </p:cNvPicPr>
           <p:nvPr/>
         </p:nvPicPr>
-        <p:blipFill>
+        <p:blipFill rotWithShape="1">
           <a:blip r:embed="rId3">
             <a:extLst>
               <a:ext uri="{28A0092B-C50C-407E-A947-70E740481C1C}">
@@ -14695,50 +14647,25 @@
               </a:ext>
             </a:extLst>
           </a:blip>
-          <a:srcRect/>
-          <a:stretch>
-            <a:fillRect/>
-          </a:stretch>
+          <a:srcRect b="1268"/>
+          <a:stretch/>
         </p:blipFill>
         <p:spPr bwMode="auto">
           <a:xfrm>
-            <a:off x="1785657" y="3161461"/>
-            <a:ext cx="6067425" cy="2543175"/>
+            <a:off x="889930" y="2671476"/>
+            <a:ext cx="6824754" cy="3128921"/>
           </a:xfrm>
           <a:prstGeom prst="rect">
             <a:avLst/>
           </a:prstGeom>
           <a:noFill/>
-          <a:ln>
-            <a:noFill/>
-          </a:ln>
-          <a:effectLst/>
           <a:extLst>
             <a:ext uri="{909E8E84-426E-40DD-AFC4-6F175D3DCCD1}">
               <a14:hiddenFill xmlns:a14="http://schemas.microsoft.com/office/drawing/2010/main">
                 <a:solidFill>
-                  <a:schemeClr val="accent1"/>
+                  <a:srgbClr val="FFFFFF"/>
                 </a:solidFill>
               </a14:hiddenFill>
-            </a:ext>
-            <a:ext uri="{91240B29-F687-4F45-9708-019B960494DF}">
-              <a14:hiddenLine xmlns:a14="http://schemas.microsoft.com/office/drawing/2010/main" w="9525">
-                <a:solidFill>
-                  <a:schemeClr val="tx1"/>
-                </a:solidFill>
-                <a:miter lim="800000"/>
-                <a:headEnd/>
-                <a:tailEnd/>
-              </a14:hiddenLine>
-            </a:ext>
-            <a:ext uri="{AF507438-7753-43E0-B8FC-AC1667EBCBE1}">
-              <a14:hiddenEffects xmlns:a14="http://schemas.microsoft.com/office/drawing/2010/main">
-                <a:effectLst>
-                  <a:outerShdw dist="35921" dir="2700000" algn="ctr" rotWithShape="0">
-                    <a:schemeClr val="bg2"/>
-                  </a:outerShdw>
-                </a:effectLst>
-              </a14:hiddenEffects>
             </a:ext>
           </a:extLst>
         </p:spPr>
@@ -14906,13 +14833,13 @@
       </p:sp>
       <p:pic>
         <p:nvPicPr>
-          <p:cNvPr id="6149" name="Picture 5"/>
+          <p:cNvPr id="4098" name="Picture 2" descr="C:\jfxpresentation\4.png"/>
           <p:cNvPicPr>
             <a:picLocks noChangeAspect="1" noChangeArrowheads="1"/>
           </p:cNvPicPr>
           <p:nvPr/>
         </p:nvPicPr>
-        <p:blipFill>
+        <p:blipFill rotWithShape="1">
           <a:blip r:embed="rId3">
             <a:extLst>
               <a:ext uri="{28A0092B-C50C-407E-A947-70E740481C1C}">
@@ -14920,50 +14847,25 @@
               </a:ext>
             </a:extLst>
           </a:blip>
-          <a:srcRect/>
-          <a:stretch>
-            <a:fillRect/>
-          </a:stretch>
+          <a:srcRect b="1072"/>
+          <a:stretch/>
         </p:blipFill>
         <p:spPr bwMode="auto">
           <a:xfrm>
-            <a:off x="1801898" y="3147171"/>
-            <a:ext cx="6124575" cy="3381375"/>
+            <a:off x="877327" y="2698371"/>
+            <a:ext cx="6783509" cy="3875611"/>
           </a:xfrm>
           <a:prstGeom prst="rect">
             <a:avLst/>
           </a:prstGeom>
           <a:noFill/>
-          <a:ln>
-            <a:noFill/>
-          </a:ln>
-          <a:effectLst/>
           <a:extLst>
             <a:ext uri="{909E8E84-426E-40DD-AFC4-6F175D3DCCD1}">
               <a14:hiddenFill xmlns:a14="http://schemas.microsoft.com/office/drawing/2010/main">
                 <a:solidFill>
-                  <a:schemeClr val="accent1"/>
+                  <a:srgbClr val="FFFFFF"/>
                 </a:solidFill>
               </a14:hiddenFill>
-            </a:ext>
-            <a:ext uri="{91240B29-F687-4F45-9708-019B960494DF}">
-              <a14:hiddenLine xmlns:a14="http://schemas.microsoft.com/office/drawing/2010/main" w="9525">
-                <a:solidFill>
-                  <a:schemeClr val="tx1"/>
-                </a:solidFill>
-                <a:miter lim="800000"/>
-                <a:headEnd/>
-                <a:tailEnd/>
-              </a14:hiddenLine>
-            </a:ext>
-            <a:ext uri="{AF507438-7753-43E0-B8FC-AC1667EBCBE1}">
-              <a14:hiddenEffects xmlns:a14="http://schemas.microsoft.com/office/drawing/2010/main">
-                <a:effectLst>
-                  <a:outerShdw dist="35921" dir="2700000" algn="ctr" rotWithShape="0">
-                    <a:schemeClr val="bg2"/>
-                  </a:outerShdw>
-                </a:effectLst>
-              </a14:hiddenEffects>
             </a:ext>
           </a:extLst>
         </p:spPr>
@@ -15137,145 +15039,47 @@
           </a:p>
         </p:txBody>
       </p:sp>
-      <p:grpSp>
-        <p:nvGrpSpPr>
-          <p:cNvPr id="6" name="Gruppieren 5"/>
-          <p:cNvGrpSpPr/>
+      <p:pic>
+        <p:nvPicPr>
+          <p:cNvPr id="5122" name="Picture 2" descr="C:\jfxpresentation\5.png"/>
+          <p:cNvPicPr>
+            <a:picLocks noChangeAspect="1" noChangeArrowheads="1"/>
+          </p:cNvPicPr>
           <p:nvPr/>
-        </p:nvGrpSpPr>
-        <p:grpSpPr>
-          <a:xfrm>
-            <a:off x="1780327" y="3144648"/>
-            <a:ext cx="6067426" cy="3419475"/>
-            <a:chOff x="1672758" y="2929498"/>
-            <a:chExt cx="6067426" cy="3419475"/>
-          </a:xfrm>
-        </p:grpSpPr>
-        <p:pic>
-          <p:nvPicPr>
-            <p:cNvPr id="6150" name="Picture 6"/>
-            <p:cNvPicPr>
-              <a:picLocks noChangeAspect="1" noChangeArrowheads="1"/>
-            </p:cNvPicPr>
-            <p:nvPr/>
-          </p:nvPicPr>
-          <p:blipFill>
-            <a:blip r:embed="rId3">
-              <a:extLst>
-                <a:ext uri="{28A0092B-C50C-407E-A947-70E740481C1C}">
-                  <a14:useLocalDpi xmlns:a14="http://schemas.microsoft.com/office/drawing/2010/main" val="0"/>
-                </a:ext>
-              </a:extLst>
-            </a:blip>
-            <a:srcRect/>
-            <a:stretch>
-              <a:fillRect/>
-            </a:stretch>
-          </p:blipFill>
-          <p:spPr bwMode="auto">
-            <a:xfrm>
-              <a:off x="1672759" y="2929498"/>
-              <a:ext cx="6067425" cy="3419475"/>
-            </a:xfrm>
-            <a:prstGeom prst="rect">
-              <a:avLst/>
-            </a:prstGeom>
-            <a:noFill/>
-            <a:ln>
-              <a:noFill/>
-            </a:ln>
-            <a:effectLst/>
+        </p:nvPicPr>
+        <p:blipFill>
+          <a:blip r:embed="rId3">
             <a:extLst>
-              <a:ext uri="{909E8E84-426E-40DD-AFC4-6F175D3DCCD1}">
-                <a14:hiddenFill xmlns:a14="http://schemas.microsoft.com/office/drawing/2010/main">
-                  <a:solidFill>
-                    <a:schemeClr val="accent1"/>
-                  </a:solidFill>
-                </a14:hiddenFill>
-              </a:ext>
-              <a:ext uri="{91240B29-F687-4F45-9708-019B960494DF}">
-                <a14:hiddenLine xmlns:a14="http://schemas.microsoft.com/office/drawing/2010/main" w="9525">
-                  <a:solidFill>
-                    <a:schemeClr val="tx1"/>
-                  </a:solidFill>
-                  <a:miter lim="800000"/>
-                  <a:headEnd/>
-                  <a:tailEnd/>
-                </a14:hiddenLine>
-              </a:ext>
-              <a:ext uri="{AF507438-7753-43E0-B8FC-AC1667EBCBE1}">
-                <a14:hiddenEffects xmlns:a14="http://schemas.microsoft.com/office/drawing/2010/main">
-                  <a:effectLst>
-                    <a:outerShdw dist="35921" dir="2700000" algn="ctr" rotWithShape="0">
-                      <a:schemeClr val="bg2"/>
-                    </a:outerShdw>
-                  </a:effectLst>
-                </a14:hiddenEffects>
+              <a:ext uri="{28A0092B-C50C-407E-A947-70E740481C1C}">
+                <a14:useLocalDpi xmlns:a14="http://schemas.microsoft.com/office/drawing/2010/main" val="0"/>
               </a:ext>
             </a:extLst>
-          </p:spPr>
-        </p:pic>
-        <p:cxnSp>
-          <p:nvCxnSpPr>
-            <p:cNvPr id="4" name="Gerade Verbindung 3"/>
-            <p:cNvCxnSpPr/>
-            <p:nvPr/>
-          </p:nvCxnSpPr>
-          <p:spPr>
-            <a:xfrm>
-              <a:off x="1672759" y="4814047"/>
-              <a:ext cx="3939147" cy="564777"/>
-            </a:xfrm>
-            <a:prstGeom prst="line">
-              <a:avLst/>
-            </a:prstGeom>
-          </p:spPr>
-          <p:style>
-            <a:lnRef idx="2">
-              <a:schemeClr val="accent1"/>
-            </a:lnRef>
-            <a:fillRef idx="0">
-              <a:schemeClr val="accent1"/>
-            </a:fillRef>
-            <a:effectRef idx="1">
-              <a:schemeClr val="accent1"/>
-            </a:effectRef>
-            <a:fontRef idx="minor">
-              <a:schemeClr val="tx1"/>
-            </a:fontRef>
-          </p:style>
-        </p:cxnSp>
-        <p:cxnSp>
-          <p:nvCxnSpPr>
-            <p:cNvPr id="13" name="Gerade Verbindung 12"/>
-            <p:cNvCxnSpPr/>
-            <p:nvPr/>
-          </p:nvCxnSpPr>
-          <p:spPr>
-            <a:xfrm flipV="1">
-              <a:off x="1672758" y="4814047"/>
-              <a:ext cx="3939148" cy="564777"/>
-            </a:xfrm>
-            <a:prstGeom prst="line">
-              <a:avLst/>
-            </a:prstGeom>
-          </p:spPr>
-          <p:style>
-            <a:lnRef idx="2">
-              <a:schemeClr val="accent1"/>
-            </a:lnRef>
-            <a:fillRef idx="0">
-              <a:schemeClr val="accent1"/>
-            </a:fillRef>
-            <a:effectRef idx="1">
-              <a:schemeClr val="accent1"/>
-            </a:effectRef>
-            <a:fontRef idx="minor">
-              <a:schemeClr val="tx1"/>
-            </a:fontRef>
-          </p:style>
-        </p:cxnSp>
-      </p:grpSp>
+          </a:blip>
+          <a:srcRect/>
+          <a:stretch>
+            <a:fillRect/>
+          </a:stretch>
+        </p:blipFill>
+        <p:spPr bwMode="auto">
+          <a:xfrm>
+            <a:off x="891706" y="2662511"/>
+            <a:ext cx="6744070" cy="3996486"/>
+          </a:xfrm>
+          <a:prstGeom prst="rect">
+            <a:avLst/>
+          </a:prstGeom>
+          <a:noFill/>
+          <a:extLst>
+            <a:ext uri="{909E8E84-426E-40DD-AFC4-6F175D3DCCD1}">
+              <a14:hiddenFill xmlns:a14="http://schemas.microsoft.com/office/drawing/2010/main">
+                <a:solidFill>
+                  <a:srgbClr val="FFFFFF"/>
+                </a:solidFill>
+              </a14:hiddenFill>
+            </a:ext>
+          </a:extLst>
+        </p:spPr>
+      </p:pic>
     </p:spTree>
     <p:extLst>
       <p:ext uri="{BB962C8B-B14F-4D97-AF65-F5344CB8AC3E}">
@@ -15443,7 +15247,7 @@
         </p:nvSpPr>
         <p:spPr>
           <a:xfrm>
-            <a:off x="431321" y="3338429"/>
+            <a:off x="234091" y="3338429"/>
             <a:ext cx="1765227" cy="369332"/>
           </a:xfrm>
           <a:prstGeom prst="rect">
@@ -15519,7 +15323,7 @@
         </p:nvSpPr>
         <p:spPr>
           <a:xfrm>
-            <a:off x="3033623" y="3338429"/>
+            <a:off x="2710883" y="3338429"/>
             <a:ext cx="2021707" cy="369332"/>
           </a:xfrm>
           <a:prstGeom prst="rect">
@@ -15595,7 +15399,7 @@
         </p:nvSpPr>
         <p:spPr>
           <a:xfrm>
-            <a:off x="6408849" y="3338429"/>
+            <a:off x="6077144" y="3338429"/>
             <a:ext cx="2021707" cy="369332"/>
           </a:xfrm>
           <a:prstGeom prst="rect">
@@ -16734,17 +16538,8 @@
             <a:pPr lvl="1"/>
             <a:r>
               <a:rPr lang="de-DE" dirty="0" smtClean="0"/>
-              <a:t>Trennung </a:t>
-            </a:r>
-            <a:r>
-              <a:rPr lang="de-DE" dirty="0" smtClean="0"/>
-              <a:t>GUI / </a:t>
-            </a:r>
-            <a:r>
-              <a:rPr lang="de-DE" dirty="0" smtClean="0"/>
-              <a:t>Implementierung</a:t>
-            </a:r>
-            <a:endParaRPr lang="de-DE" dirty="0" smtClean="0"/>
+              <a:t>Trennung GUI / Implementierung</a:t>
+            </a:r>
           </a:p>
         </p:txBody>
       </p:sp>

--- a/JavaFX-UserGroup.pptx
+++ b/JavaFX-UserGroup.pptx
@@ -15080,6 +15080,66 @@
           </a:extLst>
         </p:spPr>
       </p:pic>
+      <p:cxnSp>
+        <p:nvCxnSpPr>
+          <p:cNvPr id="4" name="Gerade Verbindung 3"/>
+          <p:cNvCxnSpPr/>
+          <p:nvPr/>
+        </p:nvCxnSpPr>
+        <p:spPr>
+          <a:xfrm>
+            <a:off x="1255059" y="4831976"/>
+            <a:ext cx="4849906" cy="555812"/>
+          </a:xfrm>
+          <a:prstGeom prst="line">
+            <a:avLst/>
+          </a:prstGeom>
+        </p:spPr>
+        <p:style>
+          <a:lnRef idx="2">
+            <a:schemeClr val="accent1"/>
+          </a:lnRef>
+          <a:fillRef idx="0">
+            <a:schemeClr val="accent1"/>
+          </a:fillRef>
+          <a:effectRef idx="1">
+            <a:schemeClr val="accent1"/>
+          </a:effectRef>
+          <a:fontRef idx="minor">
+            <a:schemeClr val="tx1"/>
+          </a:fontRef>
+        </p:style>
+      </p:cxnSp>
+      <p:cxnSp>
+        <p:nvCxnSpPr>
+          <p:cNvPr id="6" name="Gerade Verbindung 5"/>
+          <p:cNvCxnSpPr/>
+          <p:nvPr/>
+        </p:nvCxnSpPr>
+        <p:spPr>
+          <a:xfrm flipH="1">
+            <a:off x="1255061" y="4733365"/>
+            <a:ext cx="4849904" cy="744070"/>
+          </a:xfrm>
+          <a:prstGeom prst="line">
+            <a:avLst/>
+          </a:prstGeom>
+        </p:spPr>
+        <p:style>
+          <a:lnRef idx="2">
+            <a:schemeClr val="accent1"/>
+          </a:lnRef>
+          <a:fillRef idx="0">
+            <a:schemeClr val="accent1"/>
+          </a:fillRef>
+          <a:effectRef idx="1">
+            <a:schemeClr val="accent1"/>
+          </a:effectRef>
+          <a:fontRef idx="minor">
+            <a:schemeClr val="tx1"/>
+          </a:fontRef>
+        </p:style>
+      </p:cxnSp>
     </p:spTree>
     <p:extLst>
       <p:ext uri="{BB962C8B-B14F-4D97-AF65-F5344CB8AC3E}">

--- a/JavaFX-UserGroup.pptx
+++ b/JavaFX-UserGroup.pptx
@@ -15,9 +15,9 @@
     <p:sldId id="257" r:id="rId3"/>
     <p:sldId id="271" r:id="rId4"/>
     <p:sldId id="273" r:id="rId5"/>
-    <p:sldId id="258" r:id="rId6"/>
-    <p:sldId id="283" r:id="rId7"/>
-    <p:sldId id="274" r:id="rId8"/>
+    <p:sldId id="274" r:id="rId6"/>
+    <p:sldId id="258" r:id="rId7"/>
+    <p:sldId id="283" r:id="rId8"/>
     <p:sldId id="272" r:id="rId9"/>
     <p:sldId id="259" r:id="rId10"/>
     <p:sldId id="267" r:id="rId11"/>
@@ -215,7 +215,7 @@
           <a:p>
             <a:fld id="{F990E102-0E85-45BC-BC45-BAB9D66E7EF2}" type="datetimeFigureOut">
               <a:rPr lang="de-DE" smtClean="0"/>
-              <a:t>15.03.2013</a:t>
+              <a:t>18.03.2013</a:t>
             </a:fld>
             <a:endParaRPr lang="de-DE"/>
           </a:p>
@@ -380,7 +380,7 @@
           <a:p>
             <a:fld id="{D6E4795D-47E8-774D-9ED5-0B5304BFB957}" type="datetimeFigureOut">
               <a:rPr lang="de-DE" smtClean="0"/>
-              <a:t>15.03.2013</a:t>
+              <a:t>18.03.2013</a:t>
             </a:fld>
             <a:endParaRPr lang="de-DE"/>
           </a:p>
@@ -713,7 +713,7 @@
           <a:p>
             <a:fld id="{62491994-E55D-CE4B-A805-5346FBD73310}" type="slidenum">
               <a:rPr lang="de-DE" smtClean="0"/>
-              <a:t>7</a:t>
+              <a:t>5</a:t>
             </a:fld>
             <a:endParaRPr lang="de-DE"/>
           </a:p>
@@ -1164,6 +1164,122 @@
     <p:extLst>
       <p:ext uri="{BB962C8B-B14F-4D97-AF65-F5344CB8AC3E}">
         <p14:creationId xmlns:p14="http://schemas.microsoft.com/office/powerpoint/2010/main" val="227543728"/>
+      </p:ext>
+    </p:extLst>
+  </p:cSld>
+  <p:clrMapOvr>
+    <a:masterClrMapping/>
+  </p:clrMapOvr>
+</p:notes>
+</file>
+
+<file path=ppt/notesSlides/notesSlide13.xml><?xml version="1.0" encoding="utf-8"?>
+<p:notes xmlns:a="http://schemas.openxmlformats.org/drawingml/2006/main" xmlns:r="http://schemas.openxmlformats.org/officeDocument/2006/relationships" xmlns:p="http://schemas.openxmlformats.org/presentationml/2006/main">
+  <p:cSld>
+    <p:spTree>
+      <p:nvGrpSpPr>
+        <p:cNvPr id="1" name=""/>
+        <p:cNvGrpSpPr/>
+        <p:nvPr/>
+      </p:nvGrpSpPr>
+      <p:grpSpPr>
+        <a:xfrm>
+          <a:off x="0" y="0"/>
+          <a:ext cx="0" cy="0"/>
+          <a:chOff x="0" y="0"/>
+          <a:chExt cx="0" cy="0"/>
+        </a:xfrm>
+      </p:grpSpPr>
+      <p:sp>
+        <p:nvSpPr>
+          <p:cNvPr id="2" name="Folienbildplatzhalter 1"/>
+          <p:cNvSpPr>
+            <a:spLocks noGrp="1" noRot="1" noChangeAspect="1"/>
+          </p:cNvSpPr>
+          <p:nvPr>
+            <p:ph type="sldImg"/>
+          </p:nvPr>
+        </p:nvSpPr>
+        <p:spPr/>
+      </p:sp>
+      <p:sp>
+        <p:nvSpPr>
+          <p:cNvPr id="3" name="Notizenplatzhalter 2"/>
+          <p:cNvSpPr>
+            <a:spLocks noGrp="1"/>
+          </p:cNvSpPr>
+          <p:nvPr>
+            <p:ph type="body" idx="1"/>
+          </p:nvPr>
+        </p:nvSpPr>
+        <p:spPr/>
+        <p:txBody>
+          <a:bodyPr/>
+          <a:lstStyle/>
+          <a:p>
+            <a:pPr marL="171450" indent="-171450">
+              <a:buFont typeface="Arial" pitchFamily="34" charset="0"/>
+              <a:buChar char="•"/>
+            </a:pPr>
+            <a:r>
+              <a:rPr lang="de-DE" dirty="0" err="1" smtClean="0"/>
+              <a:t>OpenDolphin</a:t>
+            </a:r>
+            <a:r>
+              <a:rPr lang="de-DE" dirty="0" smtClean="0"/>
+              <a:t>: Synchronisierung zwischen </a:t>
+            </a:r>
+            <a:r>
+              <a:rPr lang="de-DE" dirty="0" err="1" smtClean="0"/>
+              <a:t>Server+Clients</a:t>
+            </a:r>
+            <a:r>
+              <a:rPr lang="de-DE" dirty="0" smtClean="0"/>
+              <a:t> über explizite</a:t>
+            </a:r>
+            <a:r>
+              <a:rPr lang="de-DE" baseline="0" dirty="0" smtClean="0"/>
+              <a:t> </a:t>
+            </a:r>
+            <a:r>
+              <a:rPr lang="de-DE" dirty="0" err="1" smtClean="0"/>
+              <a:t>Commands</a:t>
+            </a:r>
+            <a:r>
+              <a:rPr lang="de-DE" baseline="0" dirty="0" smtClean="0"/>
+              <a:t>; Groovy</a:t>
+            </a:r>
+            <a:endParaRPr lang="de-DE" dirty="0"/>
+          </a:p>
+        </p:txBody>
+      </p:sp>
+      <p:sp>
+        <p:nvSpPr>
+          <p:cNvPr id="4" name="Foliennummernplatzhalter 3"/>
+          <p:cNvSpPr>
+            <a:spLocks noGrp="1"/>
+          </p:cNvSpPr>
+          <p:nvPr>
+            <p:ph type="sldNum" sz="quarter" idx="10"/>
+          </p:nvPr>
+        </p:nvSpPr>
+        <p:spPr/>
+        <p:txBody>
+          <a:bodyPr/>
+          <a:lstStyle/>
+          <a:p>
+            <a:fld id="{62491994-E55D-CE4B-A805-5346FBD73310}" type="slidenum">
+              <a:rPr lang="de-DE" smtClean="0"/>
+              <a:t>21</a:t>
+            </a:fld>
+            <a:endParaRPr lang="de-DE"/>
+          </a:p>
+        </p:txBody>
+      </p:sp>
+    </p:spTree>
+    <p:extLst>
+      <p:ext uri="{BB962C8B-B14F-4D97-AF65-F5344CB8AC3E}">
+        <p14:creationId xmlns:p14="http://schemas.microsoft.com/office/powerpoint/2010/main" val="3940709244"/>
       </p:ext>
     </p:extLst>
   </p:cSld>
@@ -2219,7 +2335,7 @@
           <a:p>
             <a:fld id="{4251665B-C24A-4702-B522-6A4334602E03}" type="datetimeFigureOut">
               <a:rPr lang="en-US" smtClean="0"/>
-              <a:t>3/15/2013</a:t>
+              <a:t>3/18/2013</a:t>
             </a:fld>
             <a:endParaRPr lang="en-US" dirty="0"/>
           </a:p>
@@ -2513,7 +2629,7 @@
           <a:p>
             <a:fld id="{4251665B-C24A-4702-B522-6A4334602E03}" type="datetimeFigureOut">
               <a:rPr lang="en-US" smtClean="0"/>
-              <a:t>3/15/2013</a:t>
+              <a:t>3/18/2013</a:t>
             </a:fld>
             <a:endParaRPr lang="en-US"/>
           </a:p>
@@ -2848,7 +2964,7 @@
           <a:p>
             <a:fld id="{4251665B-C24A-4702-B522-6A4334602E03}" type="datetimeFigureOut">
               <a:rPr lang="en-US" smtClean="0"/>
-              <a:t>3/15/2013</a:t>
+              <a:t>3/18/2013</a:t>
             </a:fld>
             <a:endParaRPr lang="en-US"/>
           </a:p>
@@ -3270,7 +3386,7 @@
           <a:p>
             <a:fld id="{4251665B-C24A-4702-B522-6A4334602E03}" type="datetimeFigureOut">
               <a:rPr lang="en-US" smtClean="0"/>
-              <a:t>3/15/2013</a:t>
+              <a:t>3/18/2013</a:t>
             </a:fld>
             <a:endParaRPr lang="en-US"/>
           </a:p>
@@ -3687,7 +3803,7 @@
           <a:p>
             <a:fld id="{4251665B-C24A-4702-B522-6A4334602E03}" type="datetimeFigureOut">
               <a:rPr lang="en-US" smtClean="0"/>
-              <a:t>3/15/2013</a:t>
+              <a:t>3/18/2013</a:t>
             </a:fld>
             <a:endParaRPr lang="en-US"/>
           </a:p>
@@ -3820,7 +3936,7 @@
           <a:p>
             <a:fld id="{4251665B-C24A-4702-B522-6A4334602E03}" type="datetimeFigureOut">
               <a:rPr lang="en-US" smtClean="0"/>
-              <a:t>3/15/2013</a:t>
+              <a:t>3/18/2013</a:t>
             </a:fld>
             <a:endParaRPr lang="en-US"/>
           </a:p>
@@ -4142,7 +4258,7 @@
           <a:p>
             <a:fld id="{4251665B-C24A-4702-B522-6A4334602E03}" type="datetimeFigureOut">
               <a:rPr lang="en-US" smtClean="0"/>
-              <a:t>3/15/2013</a:t>
+              <a:t>3/18/2013</a:t>
             </a:fld>
             <a:endParaRPr lang="en-US"/>
           </a:p>
@@ -4387,7 +4503,7 @@
           <a:p>
             <a:fld id="{4251665B-C24A-4702-B522-6A4334602E03}" type="datetimeFigureOut">
               <a:rPr lang="en-US" smtClean="0"/>
-              <a:t>3/15/2013</a:t>
+              <a:t>3/18/2013</a:t>
             </a:fld>
             <a:endParaRPr lang="en-US"/>
           </a:p>
@@ -4725,7 +4841,7 @@
           <a:p>
             <a:fld id="{4251665B-C24A-4702-B522-6A4334602E03}" type="datetimeFigureOut">
               <a:rPr lang="en-US" smtClean="0"/>
-              <a:t>3/15/2013</a:t>
+              <a:t>3/18/2013</a:t>
             </a:fld>
             <a:endParaRPr lang="en-US"/>
           </a:p>
@@ -5025,7 +5141,7 @@
           <a:p>
             <a:fld id="{4251665B-C24A-4702-B522-6A4334602E03}" type="datetimeFigureOut">
               <a:rPr lang="en-US" smtClean="0"/>
-              <a:t>3/15/2013</a:t>
+              <a:t>3/18/2013</a:t>
             </a:fld>
             <a:endParaRPr lang="en-US"/>
           </a:p>
@@ -5432,7 +5548,7 @@
           <a:p>
             <a:fld id="{4251665B-C24A-4702-B522-6A4334602E03}" type="datetimeFigureOut">
               <a:rPr lang="en-US" smtClean="0"/>
-              <a:t>3/15/2013</a:t>
+              <a:t>3/18/2013</a:t>
             </a:fld>
             <a:endParaRPr lang="en-US"/>
           </a:p>
@@ -5894,7 +6010,7 @@
           <a:p>
             <a:fld id="{4251665B-C24A-4702-B522-6A4334602E03}" type="datetimeFigureOut">
               <a:rPr lang="en-US" smtClean="0"/>
-              <a:t>3/15/2013</a:t>
+              <a:t>3/18/2013</a:t>
             </a:fld>
             <a:endParaRPr lang="en-US"/>
           </a:p>
@@ -6120,7 +6236,7 @@
           <a:p>
             <a:fld id="{4251665B-C24A-4702-B522-6A4334602E03}" type="datetimeFigureOut">
               <a:rPr lang="en-US" smtClean="0"/>
-              <a:t>3/15/2013</a:t>
+              <a:t>3/18/2013</a:t>
             </a:fld>
             <a:endParaRPr lang="en-US"/>
           </a:p>
@@ -6497,7 +6613,7 @@
           <a:p>
             <a:fld id="{4251665B-C24A-4702-B522-6A4334602E03}" type="datetimeFigureOut">
               <a:rPr lang="en-US" smtClean="0"/>
-              <a:t>3/15/2013</a:t>
+              <a:t>3/18/2013</a:t>
             </a:fld>
             <a:endParaRPr lang="en-US"/>
           </a:p>
@@ -6824,7 +6940,7 @@
           <a:p>
             <a:fld id="{4251665B-C24A-4702-B522-6A4334602E03}" type="datetimeFigureOut">
               <a:rPr lang="en-US" smtClean="0"/>
-              <a:t>3/15/2013</a:t>
+              <a:t>3/18/2013</a:t>
             </a:fld>
             <a:endParaRPr lang="en-US"/>
           </a:p>
@@ -7159,7 +7275,7 @@
           <a:p>
             <a:fld id="{4251665B-C24A-4702-B522-6A4334602E03}" type="datetimeFigureOut">
               <a:rPr lang="en-US" smtClean="0"/>
-              <a:t>3/15/2013</a:t>
+              <a:t>3/18/2013</a:t>
             </a:fld>
             <a:endParaRPr lang="en-US"/>
           </a:p>
@@ -7782,7 +7898,7 @@
           <a:p>
             <a:fld id="{4251665B-C24A-4702-B522-6A4334602E03}" type="datetimeFigureOut">
               <a:rPr lang="en-US" smtClean="0"/>
-              <a:t>3/15/2013</a:t>
+              <a:t>3/18/2013</a:t>
             </a:fld>
             <a:endParaRPr lang="en-US"/>
           </a:p>
@@ -8269,7 +8385,7 @@
           <a:p>
             <a:fld id="{4251665B-C24A-4702-B522-6A4334602E03}" type="datetimeFigureOut">
               <a:rPr lang="en-US" smtClean="0"/>
-              <a:t>3/15/2013</a:t>
+              <a:t>3/18/2013</a:t>
             </a:fld>
             <a:endParaRPr lang="en-US"/>
           </a:p>
@@ -8478,7 +8594,7 @@
           <a:p>
             <a:fld id="{4251665B-C24A-4702-B522-6A4334602E03}" type="datetimeFigureOut">
               <a:rPr lang="en-US" smtClean="0"/>
-              <a:t>3/15/2013</a:t>
+              <a:t>3/18/2013</a:t>
             </a:fld>
             <a:endParaRPr lang="en-US"/>
           </a:p>
@@ -10345,11 +10461,7 @@
           <a:p>
             <a:r>
               <a:rPr lang="de-DE" dirty="0" smtClean="0"/>
-              <a:t>Properties </a:t>
-            </a:r>
-            <a:r>
-              <a:rPr lang="de-DE" dirty="0" smtClean="0"/>
-              <a:t>und </a:t>
+              <a:t>Properties und </a:t>
             </a:r>
             <a:r>
               <a:rPr lang="de-DE" dirty="0" err="1" smtClean="0"/>
@@ -10383,26 +10495,13 @@
           <a:p>
             <a:r>
               <a:rPr lang="de-DE" sz="2400" dirty="0" smtClean="0"/>
-              <a:t>Relationen zwischen </a:t>
-            </a:r>
+              <a:t>Relationen zwischen Properties</a:t>
+            </a:r>
+          </a:p>
+          <a:p>
             <a:r>
               <a:rPr lang="de-DE" sz="2400" dirty="0" smtClean="0"/>
-              <a:t>Properties</a:t>
-            </a:r>
-            <a:endParaRPr lang="de-DE" sz="2400" dirty="0" smtClean="0"/>
-          </a:p>
-          <a:p>
-            <a:r>
-              <a:rPr lang="de-DE" sz="2400" dirty="0" smtClean="0"/>
-              <a:t>Änderungen an gebundenen </a:t>
-            </a:r>
-            <a:r>
-              <a:rPr lang="de-DE" sz="2400" dirty="0" smtClean="0"/>
-              <a:t>Properties </a:t>
-            </a:r>
-            <a:r>
-              <a:rPr lang="de-DE" sz="2400" dirty="0" smtClean="0"/>
-              <a:t>wirken sich auf den Bindungspartner aus</a:t>
+              <a:t>Änderungen an gebundenen Properties wirken sich auf den Bindungspartner aus</a:t>
             </a:r>
           </a:p>
           <a:p>
@@ -10679,11 +10778,7 @@
           <a:p>
             <a:r>
               <a:rPr lang="de-DE" dirty="0" smtClean="0"/>
-              <a:t>Properties </a:t>
-            </a:r>
-            <a:r>
-              <a:rPr lang="de-DE" dirty="0" smtClean="0"/>
-              <a:t>und Events</a:t>
+              <a:t>Properties und Events</a:t>
             </a:r>
             <a:endParaRPr lang="de-DE" dirty="0"/>
           </a:p>
@@ -11081,11 +11176,7 @@
           <a:p>
             <a:r>
               <a:rPr lang="de-DE" dirty="0" smtClean="0"/>
-              <a:t>Properties </a:t>
-            </a:r>
-            <a:r>
-              <a:rPr lang="de-DE" dirty="0" smtClean="0"/>
-              <a:t>und </a:t>
+              <a:t>Properties und </a:t>
             </a:r>
             <a:r>
               <a:rPr lang="de-DE" dirty="0" err="1" smtClean="0"/>
@@ -11283,11 +11374,7 @@
           <a:p>
             <a:r>
               <a:rPr lang="de-DE" dirty="0" smtClean="0"/>
-              <a:t>Properties </a:t>
-            </a:r>
-            <a:r>
-              <a:rPr lang="de-DE" dirty="0" smtClean="0"/>
-              <a:t>und </a:t>
+              <a:t>Properties und </a:t>
             </a:r>
             <a:r>
               <a:rPr lang="de-DE" dirty="0" err="1" smtClean="0"/>
@@ -11483,11 +11570,7 @@
           <a:p>
             <a:r>
               <a:rPr lang="de-DE" dirty="0" smtClean="0"/>
-              <a:t>Properties </a:t>
-            </a:r>
-            <a:r>
-              <a:rPr lang="de-DE" dirty="0" smtClean="0"/>
-              <a:t>und </a:t>
+              <a:t>Properties und </a:t>
             </a:r>
             <a:r>
               <a:rPr lang="de-DE" dirty="0" err="1" smtClean="0"/>
@@ -12237,11 +12320,7 @@
             </a:r>
             <a:r>
               <a:rPr lang="de-DE" dirty="0" smtClean="0"/>
-              <a:t> </a:t>
-            </a:r>
-            <a:r>
-              <a:rPr lang="de-DE" dirty="0" smtClean="0"/>
-              <a:t>== 0</a:t>
+              <a:t> == 0</a:t>
             </a:r>
             <a:endParaRPr lang="de-DE" dirty="0"/>
           </a:p>
@@ -12313,11 +12392,7 @@
             </a:r>
             <a:r>
               <a:rPr lang="de-DE" dirty="0" smtClean="0"/>
-              <a:t> == </a:t>
-            </a:r>
-            <a:r>
-              <a:rPr lang="de-DE" dirty="0" smtClean="0"/>
-              <a:t>100</a:t>
+              <a:t> == 100</a:t>
             </a:r>
             <a:endParaRPr lang="de-DE" dirty="0"/>
           </a:p>
@@ -12389,11 +12464,7 @@
             </a:r>
             <a:r>
               <a:rPr lang="de-DE" dirty="0" smtClean="0"/>
-              <a:t> == </a:t>
-            </a:r>
-            <a:r>
-              <a:rPr lang="de-DE" dirty="0" smtClean="0"/>
-              <a:t>250</a:t>
+              <a:t> == 250</a:t>
             </a:r>
             <a:endParaRPr lang="de-DE" dirty="0"/>
           </a:p>
@@ -13978,11 +14049,7 @@
           <a:p>
             <a:r>
               <a:rPr lang="de-DE" dirty="0" smtClean="0"/>
-              <a:t>Konzepte </a:t>
-            </a:r>
-            <a:r>
-              <a:rPr lang="de-DE" dirty="0" smtClean="0"/>
-              <a:t>/ Live </a:t>
+              <a:t>Konzepte / Live </a:t>
             </a:r>
             <a:r>
               <a:rPr lang="de-DE" dirty="0" err="1" smtClean="0"/>
@@ -14013,11 +14080,7 @@
             <a:pPr lvl="1"/>
             <a:r>
               <a:rPr lang="de-DE" dirty="0" smtClean="0"/>
-              <a:t>Trennung GUI / </a:t>
-            </a:r>
-            <a:r>
-              <a:rPr lang="de-DE" dirty="0" smtClean="0"/>
-              <a:t>Implementierung</a:t>
+              <a:t>Trennung GUI / Implementierung</a:t>
             </a:r>
           </a:p>
           <a:p>
@@ -15153,7 +15216,7 @@
           <p:nvPr/>
         </p:nvPicPr>
         <p:blipFill>
-          <a:blip r:embed="rId2" cstate="email">
+          <a:blip r:embed="rId3" cstate="email">
             <a:extLst>
               <a:ext uri="{28A0092B-C50C-407E-A947-70E740481C1C}">
                 <a14:useLocalDpi xmlns:a14="http://schemas.microsoft.com/office/drawing/2010/main" val="0"/>
@@ -15183,7 +15246,7 @@
           <p:nvPr/>
         </p:nvPicPr>
         <p:blipFill>
-          <a:blip r:embed="rId3" cstate="email">
+          <a:blip r:embed="rId4" cstate="email">
             <a:extLst>
               <a:ext uri="{28A0092B-C50C-407E-A947-70E740481C1C}">
                 <a14:useLocalDpi xmlns:a14="http://schemas.microsoft.com/office/drawing/2010/main" val="0"/>
@@ -15213,7 +15276,7 @@
           <p:nvPr/>
         </p:nvPicPr>
         <p:blipFill>
-          <a:blip r:embed="rId4" cstate="email">
+          <a:blip r:embed="rId5" cstate="email">
             <a:extLst>
               <a:ext uri="{28A0092B-C50C-407E-A947-70E740481C1C}">
                 <a14:useLocalDpi xmlns:a14="http://schemas.microsoft.com/office/drawing/2010/main" val="0"/>
@@ -15367,7 +15430,7 @@
           <p:nvPr/>
         </p:nvPicPr>
         <p:blipFill>
-          <a:blip r:embed="rId5" cstate="email">
+          <a:blip r:embed="rId6" cstate="email">
             <a:extLst>
               <a:ext uri="{28A0092B-C50C-407E-A947-70E740481C1C}">
                 <a14:useLocalDpi xmlns:a14="http://schemas.microsoft.com/office/drawing/2010/main" val="0"/>
@@ -15408,7 +15471,7 @@
           <p:nvPr/>
         </p:nvPicPr>
         <p:blipFill>
-          <a:blip r:embed="rId6" cstate="email">
+          <a:blip r:embed="rId7" cstate="email">
             <a:extLst>
               <a:ext uri="{28A0092B-C50C-407E-A947-70E740481C1C}">
                 <a14:useLocalDpi xmlns:a14="http://schemas.microsoft.com/office/drawing/2010/main" val="0"/>
@@ -15449,7 +15512,7 @@
           <p:nvPr/>
         </p:nvPicPr>
         <p:blipFill>
-          <a:blip r:embed="rId7" cstate="email">
+          <a:blip r:embed="rId8" cstate="email">
             <a:extLst>
               <a:ext uri="{28A0092B-C50C-407E-A947-70E740481C1C}">
                 <a14:useLocalDpi xmlns:a14="http://schemas.microsoft.com/office/drawing/2010/main" val="0"/>
@@ -15490,7 +15553,7 @@
           <p:nvPr/>
         </p:nvPicPr>
         <p:blipFill>
-          <a:blip r:embed="rId8" cstate="email">
+          <a:blip r:embed="rId9" cstate="email">
             <a:extLst>
               <a:ext uri="{28A0092B-C50C-407E-A947-70E740481C1C}">
                 <a14:useLocalDpi xmlns:a14="http://schemas.microsoft.com/office/drawing/2010/main" val="0"/>
@@ -15850,6 +15913,801 @@
           <a:chExt cx="0" cy="0"/>
         </a:xfrm>
       </p:grpSpPr>
+      <p:pic>
+        <p:nvPicPr>
+          <p:cNvPr id="5" name="Grafik 4"/>
+          <p:cNvPicPr>
+            <a:picLocks noChangeAspect="1"/>
+          </p:cNvPicPr>
+          <p:nvPr/>
+        </p:nvPicPr>
+        <p:blipFill>
+          <a:blip r:embed="rId3" cstate="email">
+            <a:extLst>
+              <a:ext uri="{28A0092B-C50C-407E-A947-70E740481C1C}">
+                <a14:useLocalDpi xmlns:a14="http://schemas.microsoft.com/office/drawing/2010/main" val="0"/>
+              </a:ext>
+            </a:extLst>
+          </a:blip>
+          <a:stretch>
+            <a:fillRect/>
+          </a:stretch>
+        </p:blipFill>
+        <p:spPr>
+          <a:xfrm>
+            <a:off x="3985169" y="2016915"/>
+            <a:ext cx="633449" cy="452681"/>
+          </a:xfrm>
+          <a:prstGeom prst="rect">
+            <a:avLst/>
+          </a:prstGeom>
+        </p:spPr>
+      </p:pic>
+      <p:sp>
+        <p:nvSpPr>
+          <p:cNvPr id="2" name="Titel 1"/>
+          <p:cNvSpPr>
+            <a:spLocks noGrp="1"/>
+          </p:cNvSpPr>
+          <p:nvPr>
+            <p:ph type="title"/>
+          </p:nvPr>
+        </p:nvSpPr>
+        <p:spPr/>
+        <p:txBody>
+          <a:bodyPr/>
+          <a:lstStyle/>
+          <a:p>
+            <a:r>
+              <a:rPr lang="de-DE" dirty="0" smtClean="0"/>
+              <a:t>Einsatzmöglichkeiten</a:t>
+            </a:r>
+            <a:endParaRPr lang="de-DE" dirty="0"/>
+          </a:p>
+        </p:txBody>
+      </p:sp>
+      <p:sp>
+        <p:nvSpPr>
+          <p:cNvPr id="4" name="Textplatzhalter 10"/>
+          <p:cNvSpPr>
+            <a:spLocks noGrp="1"/>
+          </p:cNvSpPr>
+          <p:nvPr>
+            <p:ph type="body" sz="quarter" idx="12"/>
+          </p:nvPr>
+        </p:nvSpPr>
+        <p:spPr>
+          <a:xfrm>
+            <a:off x="456826" y="696177"/>
+            <a:ext cx="6508750" cy="727075"/>
+          </a:xfrm>
+        </p:spPr>
+        <p:txBody>
+          <a:bodyPr>
+            <a:noAutofit/>
+          </a:bodyPr>
+          <a:lstStyle>
+            <a:lvl1pPr marL="0" indent="0">
+              <a:buNone/>
+              <a:defRPr sz="4400"/>
+            </a:lvl1pPr>
+          </a:lstStyle>
+          <a:p>
+            <a:pPr lvl="0"/>
+            <a:r>
+              <a:rPr lang="de-DE" dirty="0" smtClean="0">
+                <a:solidFill>
+                  <a:schemeClr val="bg2"/>
+                </a:solidFill>
+              </a:rPr>
+              <a:t>Einführung</a:t>
+            </a:r>
+            <a:endParaRPr lang="de-DE" dirty="0">
+              <a:solidFill>
+                <a:schemeClr val="bg2"/>
+              </a:solidFill>
+            </a:endParaRPr>
+          </a:p>
+        </p:txBody>
+      </p:sp>
+      <p:pic>
+        <p:nvPicPr>
+          <p:cNvPr id="1026" name="Picture 2" descr="http://files.softicons.com/download/system-icons/phuzion-icons-by-kyo-tux/png/256/Windows.png"/>
+          <p:cNvPicPr>
+            <a:picLocks noChangeAspect="1" noChangeArrowheads="1"/>
+          </p:cNvPicPr>
+          <p:nvPr/>
+        </p:nvPicPr>
+        <p:blipFill>
+          <a:blip r:embed="rId4" cstate="email">
+            <a:extLst>
+              <a:ext uri="{28A0092B-C50C-407E-A947-70E740481C1C}">
+                <a14:useLocalDpi xmlns:a14="http://schemas.microsoft.com/office/drawing/2010/main" val="0"/>
+              </a:ext>
+            </a:extLst>
+          </a:blip>
+          <a:srcRect/>
+          <a:stretch>
+            <a:fillRect/>
+          </a:stretch>
+        </p:blipFill>
+        <p:spPr bwMode="auto">
+          <a:xfrm>
+            <a:off x="1765011" y="3907509"/>
+            <a:ext cx="1107586" cy="1107586"/>
+          </a:xfrm>
+          <a:prstGeom prst="rect">
+            <a:avLst/>
+          </a:prstGeom>
+          <a:noFill/>
+          <a:extLst>
+            <a:ext uri="{909E8E84-426E-40DD-AFC4-6F175D3DCCD1}">
+              <a14:hiddenFill xmlns:a14="http://schemas.microsoft.com/office/drawing/2010/main">
+                <a:solidFill>
+                  <a:srgbClr val="FFFFFF"/>
+                </a:solidFill>
+              </a14:hiddenFill>
+            </a:ext>
+          </a:extLst>
+        </p:spPr>
+      </p:pic>
+      <p:pic>
+        <p:nvPicPr>
+          <p:cNvPr id="1028" name="Picture 4" descr="http://1.bp.blogspot.com/-QAvdSEh9G0Q/TZEutMh_BFI/AAAAAAAAAMc/ezrXzXHX6dM/s1600/mac.png"/>
+          <p:cNvPicPr>
+            <a:picLocks noChangeAspect="1" noChangeArrowheads="1"/>
+          </p:cNvPicPr>
+          <p:nvPr/>
+        </p:nvPicPr>
+        <p:blipFill>
+          <a:blip r:embed="rId5" cstate="email">
+            <a:extLst>
+              <a:ext uri="{28A0092B-C50C-407E-A947-70E740481C1C}">
+                <a14:useLocalDpi xmlns:a14="http://schemas.microsoft.com/office/drawing/2010/main" val="0"/>
+              </a:ext>
+            </a:extLst>
+          </a:blip>
+          <a:srcRect/>
+          <a:stretch>
+            <a:fillRect/>
+          </a:stretch>
+        </p:blipFill>
+        <p:spPr bwMode="auto">
+          <a:xfrm>
+            <a:off x="5644052" y="3783225"/>
+            <a:ext cx="924909" cy="1082071"/>
+          </a:xfrm>
+          <a:prstGeom prst="rect">
+            <a:avLst/>
+          </a:prstGeom>
+          <a:noFill/>
+          <a:extLst>
+            <a:ext uri="{909E8E84-426E-40DD-AFC4-6F175D3DCCD1}">
+              <a14:hiddenFill xmlns:a14="http://schemas.microsoft.com/office/drawing/2010/main">
+                <a:solidFill>
+                  <a:srgbClr val="FFFFFF"/>
+                </a:solidFill>
+              </a14:hiddenFill>
+            </a:ext>
+          </a:extLst>
+        </p:spPr>
+      </p:pic>
+      <p:pic>
+        <p:nvPicPr>
+          <p:cNvPr id="1030" name="Picture 6" descr="http://getfile9.posterous.com/getfile/files.posterous.com/temp-2010-06-17/tialljHdrkatAIavItaEkgAHFzGytbvcfvzEsBGckEIAcCqdjjHyjcgfldgy/browser-logo-major.png.scaled500.png"/>
+          <p:cNvPicPr>
+            <a:picLocks noChangeAspect="1" noChangeArrowheads="1"/>
+          </p:cNvPicPr>
+          <p:nvPr/>
+        </p:nvPicPr>
+        <p:blipFill>
+          <a:blip r:embed="rId6" cstate="email">
+            <a:extLst>
+              <a:ext uri="{28A0092B-C50C-407E-A947-70E740481C1C}">
+                <a14:useLocalDpi xmlns:a14="http://schemas.microsoft.com/office/drawing/2010/main" val="0"/>
+              </a:ext>
+            </a:extLst>
+          </a:blip>
+          <a:srcRect/>
+          <a:stretch>
+            <a:fillRect/>
+          </a:stretch>
+        </p:blipFill>
+        <p:spPr bwMode="auto">
+          <a:xfrm>
+            <a:off x="3501421" y="5331024"/>
+            <a:ext cx="1629388" cy="1162273"/>
+          </a:xfrm>
+          <a:prstGeom prst="rect">
+            <a:avLst/>
+          </a:prstGeom>
+          <a:noFill/>
+          <a:extLst>
+            <a:ext uri="{909E8E84-426E-40DD-AFC4-6F175D3DCCD1}">
+              <a14:hiddenFill xmlns:a14="http://schemas.microsoft.com/office/drawing/2010/main">
+                <a:solidFill>
+                  <a:srgbClr val="FFFFFF"/>
+                </a:solidFill>
+              </a14:hiddenFill>
+            </a:ext>
+          </a:extLst>
+        </p:spPr>
+      </p:pic>
+      <p:grpSp>
+        <p:nvGrpSpPr>
+          <p:cNvPr id="10" name="Gruppieren 9"/>
+          <p:cNvGrpSpPr/>
+          <p:nvPr/>
+        </p:nvGrpSpPr>
+        <p:grpSpPr>
+          <a:xfrm>
+            <a:off x="3376755" y="2440142"/>
+            <a:ext cx="1890981" cy="1124799"/>
+            <a:chOff x="3440998" y="4976579"/>
+            <a:chExt cx="1890981" cy="1124799"/>
+          </a:xfrm>
+        </p:grpSpPr>
+        <p:grpSp>
+          <p:nvGrpSpPr>
+            <p:cNvPr id="8" name="Gruppieren 7"/>
+            <p:cNvGrpSpPr/>
+            <p:nvPr/>
+          </p:nvGrpSpPr>
+          <p:grpSpPr>
+            <a:xfrm>
+              <a:off x="3440998" y="4976579"/>
+              <a:ext cx="1890981" cy="1124799"/>
+              <a:chOff x="3408938" y="5049426"/>
+              <a:chExt cx="1890981" cy="1124799"/>
+            </a:xfrm>
+          </p:grpSpPr>
+          <p:sp>
+            <p:nvSpPr>
+              <p:cNvPr id="6" name="Ellipse 5"/>
+              <p:cNvSpPr/>
+              <p:nvPr/>
+            </p:nvSpPr>
+            <p:spPr>
+              <a:xfrm>
+                <a:off x="3408938" y="5049426"/>
+                <a:ext cx="1800076" cy="1001969"/>
+              </a:xfrm>
+              <a:prstGeom prst="ellipse">
+                <a:avLst/>
+              </a:prstGeom>
+              <a:ln w="3175"/>
+            </p:spPr>
+            <p:style>
+              <a:lnRef idx="2">
+                <a:schemeClr val="accent5"/>
+              </a:lnRef>
+              <a:fillRef idx="1">
+                <a:schemeClr val="lt1"/>
+              </a:fillRef>
+              <a:effectRef idx="0">
+                <a:schemeClr val="accent5"/>
+              </a:effectRef>
+              <a:fontRef idx="minor">
+                <a:schemeClr val="dk1"/>
+              </a:fontRef>
+            </p:style>
+            <p:txBody>
+              <a:bodyPr rtlCol="0" anchor="ctr"/>
+              <a:lstStyle/>
+              <a:p>
+                <a:pPr algn="ctr"/>
+                <a:endParaRPr lang="de-DE" dirty="0"/>
+              </a:p>
+            </p:txBody>
+          </p:sp>
+          <p:pic>
+            <p:nvPicPr>
+              <p:cNvPr id="1036" name="Picture 12" descr="http://www.stealth-commando.de/images/news-pics/42_1305842338png"/>
+              <p:cNvPicPr>
+                <a:picLocks noChangeAspect="1" noChangeArrowheads="1"/>
+              </p:cNvPicPr>
+              <p:nvPr/>
+            </p:nvPicPr>
+            <p:blipFill>
+              <a:blip r:embed="rId7" cstate="email">
+                <a:extLst>
+                  <a:ext uri="{28A0092B-C50C-407E-A947-70E740481C1C}">
+                    <a14:useLocalDpi xmlns:a14="http://schemas.microsoft.com/office/drawing/2010/main" val="0"/>
+                  </a:ext>
+                </a:extLst>
+              </a:blip>
+              <a:srcRect/>
+              <a:stretch>
+                <a:fillRect/>
+              </a:stretch>
+            </p:blipFill>
+            <p:spPr bwMode="auto">
+              <a:xfrm>
+                <a:off x="4195949" y="5070255"/>
+                <a:ext cx="1103970" cy="1103970"/>
+              </a:xfrm>
+              <a:prstGeom prst="rect">
+                <a:avLst/>
+              </a:prstGeom>
+              <a:noFill/>
+              <a:extLst>
+                <a:ext uri="{909E8E84-426E-40DD-AFC4-6F175D3DCCD1}">
+                  <a14:hiddenFill xmlns:a14="http://schemas.microsoft.com/office/drawing/2010/main">
+                    <a:solidFill>
+                      <a:srgbClr val="FFFFFF"/>
+                    </a:solidFill>
+                  </a14:hiddenFill>
+                </a:ext>
+              </a:extLst>
+            </p:spPr>
+          </p:pic>
+          <p:pic>
+            <p:nvPicPr>
+              <p:cNvPr id="1042" name="Picture 18" descr="http://www.heredis.com/wp-content/themes/heredis/iphone/ios.png"/>
+              <p:cNvPicPr>
+                <a:picLocks noChangeAspect="1" noChangeArrowheads="1"/>
+              </p:cNvPicPr>
+              <p:nvPr/>
+            </p:nvPicPr>
+            <p:blipFill>
+              <a:blip r:embed="rId8" cstate="email">
+                <a:extLst>
+                  <a:ext uri="{28A0092B-C50C-407E-A947-70E740481C1C}">
+                    <a14:useLocalDpi xmlns:a14="http://schemas.microsoft.com/office/drawing/2010/main" val="0"/>
+                  </a:ext>
+                </a:extLst>
+              </a:blip>
+              <a:srcRect/>
+              <a:stretch>
+                <a:fillRect/>
+              </a:stretch>
+            </p:blipFill>
+            <p:spPr bwMode="auto">
+              <a:xfrm>
+                <a:off x="3619657" y="5392947"/>
+                <a:ext cx="812645" cy="551985"/>
+              </a:xfrm>
+              <a:prstGeom prst="rect">
+                <a:avLst/>
+              </a:prstGeom>
+              <a:noFill/>
+              <a:extLst>
+                <a:ext uri="{909E8E84-426E-40DD-AFC4-6F175D3DCCD1}">
+                  <a14:hiddenFill xmlns:a14="http://schemas.microsoft.com/office/drawing/2010/main">
+                    <a:solidFill>
+                      <a:srgbClr val="FFFFFF"/>
+                    </a:solidFill>
+                  </a14:hiddenFill>
+                </a:ext>
+              </a:extLst>
+            </p:spPr>
+          </p:pic>
+        </p:grpSp>
+        <p:sp>
+          <p:nvSpPr>
+            <p:cNvPr id="9" name="Textfeld 8"/>
+            <p:cNvSpPr txBox="1"/>
+            <p:nvPr/>
+          </p:nvSpPr>
+          <p:spPr>
+            <a:xfrm>
+              <a:off x="4240957" y="4977423"/>
+              <a:ext cx="248786" cy="369332"/>
+            </a:xfrm>
+            <a:prstGeom prst="rect">
+              <a:avLst/>
+            </a:prstGeom>
+            <a:noFill/>
+          </p:spPr>
+          <p:txBody>
+            <a:bodyPr wrap="none" rtlCol="0">
+              <a:spAutoFit/>
+            </a:bodyPr>
+            <a:lstStyle/>
+            <a:p>
+              <a:r>
+                <a:rPr lang="de-DE" dirty="0">
+                  <a:solidFill>
+                    <a:schemeClr val="tx2">
+                      <a:lumMod val="20000"/>
+                      <a:lumOff val="80000"/>
+                    </a:schemeClr>
+                  </a:solidFill>
+                  <a:effectLst>
+                    <a:outerShdw blurRad="38100" dist="38100" dir="2700000" algn="tl">
+                      <a:srgbClr val="000000">
+                        <a:alpha val="43137"/>
+                      </a:srgbClr>
+                    </a:outerShdw>
+                  </a:effectLst>
+                  <a:latin typeface="Helvetica" pitchFamily="34" charset="0"/>
+                </a:rPr>
+                <a:t>!</a:t>
+              </a:r>
+            </a:p>
+          </p:txBody>
+        </p:sp>
+      </p:grpSp>
+      <p:pic>
+        <p:nvPicPr>
+          <p:cNvPr id="3" name="Grafik 2"/>
+          <p:cNvPicPr>
+            <a:picLocks noChangeAspect="1"/>
+          </p:cNvPicPr>
+          <p:nvPr/>
+        </p:nvPicPr>
+        <p:blipFill>
+          <a:blip r:embed="rId9" cstate="email">
+            <a:extLst>
+              <a:ext uri="{28A0092B-C50C-407E-A947-70E740481C1C}">
+                <a14:useLocalDpi xmlns:a14="http://schemas.microsoft.com/office/drawing/2010/main" val="0"/>
+              </a:ext>
+            </a:extLst>
+          </a:blip>
+          <a:stretch>
+            <a:fillRect/>
+          </a:stretch>
+        </p:blipFill>
+        <p:spPr>
+          <a:xfrm>
+            <a:off x="3915290" y="3917891"/>
+            <a:ext cx="801651" cy="947405"/>
+          </a:xfrm>
+          <a:prstGeom prst="rect">
+            <a:avLst/>
+          </a:prstGeom>
+        </p:spPr>
+      </p:pic>
+    </p:spTree>
+    <p:extLst>
+      <p:ext uri="{BB962C8B-B14F-4D97-AF65-F5344CB8AC3E}">
+        <p14:creationId xmlns:p14="http://schemas.microsoft.com/office/powerpoint/2010/main" val="3872441007"/>
+      </p:ext>
+    </p:extLst>
+  </p:cSld>
+  <p:clrMapOvr>
+    <a:masterClrMapping/>
+  </p:clrMapOvr>
+  <mc:AlternateContent xmlns:mc="http://schemas.openxmlformats.org/markup-compatibility/2006" xmlns:p14="http://schemas.microsoft.com/office/powerpoint/2010/main">
+    <mc:Choice Requires="p14">
+      <p:transition spd="slow" p14:dur="2000"/>
+    </mc:Choice>
+    <mc:Fallback xmlns="">
+      <p:transition spd="slow"/>
+    </mc:Fallback>
+  </mc:AlternateContent>
+  <p:timing>
+    <p:tnLst>
+      <p:par>
+        <p:cTn id="1" dur="indefinite" restart="never" nodeType="tmRoot">
+          <p:childTnLst>
+            <p:seq concurrent="1" nextAc="seek">
+              <p:cTn id="2" dur="indefinite" nodeType="mainSeq">
+                <p:childTnLst>
+                  <p:par>
+                    <p:cTn id="3" fill="hold">
+                      <p:stCondLst>
+                        <p:cond delay="indefinite"/>
+                      </p:stCondLst>
+                      <p:childTnLst>
+                        <p:par>
+                          <p:cTn id="4" fill="hold">
+                            <p:stCondLst>
+                              <p:cond delay="0"/>
+                            </p:stCondLst>
+                            <p:childTnLst>
+                              <p:par>
+                                <p:cTn id="5" presetID="10" presetClass="entr" presetSubtype="0" fill="hold" nodeType="clickEffect">
+                                  <p:stCondLst>
+                                    <p:cond delay="0"/>
+                                  </p:stCondLst>
+                                  <p:childTnLst>
+                                    <p:set>
+                                      <p:cBhvr>
+                                        <p:cTn id="6" dur="1" fill="hold">
+                                          <p:stCondLst>
+                                            <p:cond delay="0"/>
+                                          </p:stCondLst>
+                                        </p:cTn>
+                                        <p:tgtEl>
+                                          <p:spTgt spid="1026"/>
+                                        </p:tgtEl>
+                                        <p:attrNameLst>
+                                          <p:attrName>style.visibility</p:attrName>
+                                        </p:attrNameLst>
+                                      </p:cBhvr>
+                                      <p:to>
+                                        <p:strVal val="visible"/>
+                                      </p:to>
+                                    </p:set>
+                                    <p:animEffect transition="in" filter="fade">
+                                      <p:cBhvr>
+                                        <p:cTn id="7" dur="500"/>
+                                        <p:tgtEl>
+                                          <p:spTgt spid="1026"/>
+                                        </p:tgtEl>
+                                      </p:cBhvr>
+                                    </p:animEffect>
+                                  </p:childTnLst>
+                                </p:cTn>
+                              </p:par>
+                              <p:par>
+                                <p:cTn id="8" presetID="10" presetClass="entr" presetSubtype="0" fill="hold" nodeType="withEffect">
+                                  <p:stCondLst>
+                                    <p:cond delay="0"/>
+                                  </p:stCondLst>
+                                  <p:childTnLst>
+                                    <p:set>
+                                      <p:cBhvr>
+                                        <p:cTn id="9" dur="1" fill="hold">
+                                          <p:stCondLst>
+                                            <p:cond delay="0"/>
+                                          </p:stCondLst>
+                                        </p:cTn>
+                                        <p:tgtEl>
+                                          <p:spTgt spid="3"/>
+                                        </p:tgtEl>
+                                        <p:attrNameLst>
+                                          <p:attrName>style.visibility</p:attrName>
+                                        </p:attrNameLst>
+                                      </p:cBhvr>
+                                      <p:to>
+                                        <p:strVal val="visible"/>
+                                      </p:to>
+                                    </p:set>
+                                    <p:animEffect transition="in" filter="fade">
+                                      <p:cBhvr>
+                                        <p:cTn id="10" dur="500"/>
+                                        <p:tgtEl>
+                                          <p:spTgt spid="3"/>
+                                        </p:tgtEl>
+                                      </p:cBhvr>
+                                    </p:animEffect>
+                                  </p:childTnLst>
+                                </p:cTn>
+                              </p:par>
+                              <p:par>
+                                <p:cTn id="11" presetID="10" presetClass="entr" presetSubtype="0" fill="hold" nodeType="withEffect">
+                                  <p:stCondLst>
+                                    <p:cond delay="0"/>
+                                  </p:stCondLst>
+                                  <p:childTnLst>
+                                    <p:set>
+                                      <p:cBhvr>
+                                        <p:cTn id="12" dur="1" fill="hold">
+                                          <p:stCondLst>
+                                            <p:cond delay="0"/>
+                                          </p:stCondLst>
+                                        </p:cTn>
+                                        <p:tgtEl>
+                                          <p:spTgt spid="1028"/>
+                                        </p:tgtEl>
+                                        <p:attrNameLst>
+                                          <p:attrName>style.visibility</p:attrName>
+                                        </p:attrNameLst>
+                                      </p:cBhvr>
+                                      <p:to>
+                                        <p:strVal val="visible"/>
+                                      </p:to>
+                                    </p:set>
+                                    <p:animEffect transition="in" filter="fade">
+                                      <p:cBhvr>
+                                        <p:cTn id="13" dur="500"/>
+                                        <p:tgtEl>
+                                          <p:spTgt spid="1028"/>
+                                        </p:tgtEl>
+                                      </p:cBhvr>
+                                    </p:animEffect>
+                                  </p:childTnLst>
+                                </p:cTn>
+                              </p:par>
+                            </p:childTnLst>
+                          </p:cTn>
+                        </p:par>
+                      </p:childTnLst>
+                    </p:cTn>
+                  </p:par>
+                  <p:par>
+                    <p:cTn id="14" fill="hold">
+                      <p:stCondLst>
+                        <p:cond delay="indefinite"/>
+                      </p:stCondLst>
+                      <p:childTnLst>
+                        <p:par>
+                          <p:cTn id="15" fill="hold">
+                            <p:stCondLst>
+                              <p:cond delay="0"/>
+                            </p:stCondLst>
+                            <p:childTnLst>
+                              <p:par>
+                                <p:cTn id="16" presetID="10" presetClass="entr" presetSubtype="0" fill="hold" nodeType="clickEffect">
+                                  <p:stCondLst>
+                                    <p:cond delay="0"/>
+                                  </p:stCondLst>
+                                  <p:childTnLst>
+                                    <p:set>
+                                      <p:cBhvr>
+                                        <p:cTn id="17" dur="1" fill="hold">
+                                          <p:stCondLst>
+                                            <p:cond delay="0"/>
+                                          </p:stCondLst>
+                                        </p:cTn>
+                                        <p:tgtEl>
+                                          <p:spTgt spid="1030"/>
+                                        </p:tgtEl>
+                                        <p:attrNameLst>
+                                          <p:attrName>style.visibility</p:attrName>
+                                        </p:attrNameLst>
+                                      </p:cBhvr>
+                                      <p:to>
+                                        <p:strVal val="visible"/>
+                                      </p:to>
+                                    </p:set>
+                                    <p:animEffect transition="in" filter="fade">
+                                      <p:cBhvr>
+                                        <p:cTn id="18" dur="500"/>
+                                        <p:tgtEl>
+                                          <p:spTgt spid="1030"/>
+                                        </p:tgtEl>
+                                      </p:cBhvr>
+                                    </p:animEffect>
+                                  </p:childTnLst>
+                                </p:cTn>
+                              </p:par>
+                            </p:childTnLst>
+                          </p:cTn>
+                        </p:par>
+                      </p:childTnLst>
+                    </p:cTn>
+                  </p:par>
+                  <p:par>
+                    <p:cTn id="19" fill="hold">
+                      <p:stCondLst>
+                        <p:cond delay="indefinite"/>
+                      </p:stCondLst>
+                      <p:childTnLst>
+                        <p:par>
+                          <p:cTn id="20" fill="hold">
+                            <p:stCondLst>
+                              <p:cond delay="0"/>
+                            </p:stCondLst>
+                            <p:childTnLst>
+                              <p:par>
+                                <p:cTn id="21" presetID="10" presetClass="entr" presetSubtype="0" fill="hold" nodeType="clickEffect">
+                                  <p:stCondLst>
+                                    <p:cond delay="0"/>
+                                  </p:stCondLst>
+                                  <p:childTnLst>
+                                    <p:set>
+                                      <p:cBhvr>
+                                        <p:cTn id="22" dur="1" fill="hold">
+                                          <p:stCondLst>
+                                            <p:cond delay="0"/>
+                                          </p:stCondLst>
+                                        </p:cTn>
+                                        <p:tgtEl>
+                                          <p:spTgt spid="10"/>
+                                        </p:tgtEl>
+                                        <p:attrNameLst>
+                                          <p:attrName>style.visibility</p:attrName>
+                                        </p:attrNameLst>
+                                      </p:cBhvr>
+                                      <p:to>
+                                        <p:strVal val="visible"/>
+                                      </p:to>
+                                    </p:set>
+                                    <p:animEffect transition="in" filter="fade">
+                                      <p:cBhvr>
+                                        <p:cTn id="23" dur="500"/>
+                                        <p:tgtEl>
+                                          <p:spTgt spid="10"/>
+                                        </p:tgtEl>
+                                      </p:cBhvr>
+                                    </p:animEffect>
+                                  </p:childTnLst>
+                                </p:cTn>
+                              </p:par>
+                            </p:childTnLst>
+                          </p:cTn>
+                        </p:par>
+                      </p:childTnLst>
+                    </p:cTn>
+                  </p:par>
+                  <p:par>
+                    <p:cTn id="24" fill="hold">
+                      <p:stCondLst>
+                        <p:cond delay="indefinite"/>
+                      </p:stCondLst>
+                      <p:childTnLst>
+                        <p:par>
+                          <p:cTn id="25" fill="hold">
+                            <p:stCondLst>
+                              <p:cond delay="0"/>
+                            </p:stCondLst>
+                            <p:childTnLst>
+                              <p:par>
+                                <p:cTn id="26" presetID="10" presetClass="entr" presetSubtype="0" fill="hold" nodeType="clickEffect">
+                                  <p:stCondLst>
+                                    <p:cond delay="0"/>
+                                  </p:stCondLst>
+                                  <p:childTnLst>
+                                    <p:set>
+                                      <p:cBhvr>
+                                        <p:cTn id="27" dur="1" fill="hold">
+                                          <p:stCondLst>
+                                            <p:cond delay="0"/>
+                                          </p:stCondLst>
+                                        </p:cTn>
+                                        <p:tgtEl>
+                                          <p:spTgt spid="5"/>
+                                        </p:tgtEl>
+                                        <p:attrNameLst>
+                                          <p:attrName>style.visibility</p:attrName>
+                                        </p:attrNameLst>
+                                      </p:cBhvr>
+                                      <p:to>
+                                        <p:strVal val="visible"/>
+                                      </p:to>
+                                    </p:set>
+                                    <p:animEffect transition="in" filter="fade">
+                                      <p:cBhvr>
+                                        <p:cTn id="28" dur="500"/>
+                                        <p:tgtEl>
+                                          <p:spTgt spid="5"/>
+                                        </p:tgtEl>
+                                      </p:cBhvr>
+                                    </p:animEffect>
+                                  </p:childTnLst>
+                                </p:cTn>
+                              </p:par>
+                            </p:childTnLst>
+                          </p:cTn>
+                        </p:par>
+                      </p:childTnLst>
+                    </p:cTn>
+                  </p:par>
+                </p:childTnLst>
+              </p:cTn>
+              <p:prevCondLst>
+                <p:cond evt="onPrev" delay="0">
+                  <p:tgtEl>
+                    <p:sldTgt/>
+                  </p:tgtEl>
+                </p:cond>
+              </p:prevCondLst>
+              <p:nextCondLst>
+                <p:cond evt="onNext" delay="0">
+                  <p:tgtEl>
+                    <p:sldTgt/>
+                  </p:tgtEl>
+                </p:cond>
+              </p:nextCondLst>
+            </p:seq>
+          </p:childTnLst>
+        </p:cTn>
+      </p:par>
+    </p:tnLst>
+  </p:timing>
+</p:sld>
+</file>
+
+<file path=ppt/slides/slide6.xml><?xml version="1.0" encoding="utf-8"?>
+<p:sld xmlns:a="http://schemas.openxmlformats.org/drawingml/2006/main" xmlns:r="http://schemas.openxmlformats.org/officeDocument/2006/relationships" xmlns:p="http://schemas.openxmlformats.org/presentationml/2006/main">
+  <p:cSld>
+    <p:spTree>
+      <p:nvGrpSpPr>
+        <p:cNvPr id="1" name=""/>
+        <p:cNvGrpSpPr/>
+        <p:nvPr/>
+      </p:nvGrpSpPr>
+      <p:grpSpPr>
+        <a:xfrm>
+          <a:off x="0" y="0"/>
+          <a:ext cx="0" cy="0"/>
+          <a:chOff x="0" y="0"/>
+          <a:chExt cx="0" cy="0"/>
+        </a:xfrm>
+      </p:grpSpPr>
       <p:sp>
         <p:nvSpPr>
           <p:cNvPr id="2" name="Titel 1"/>
@@ -15905,11 +16763,7 @@
           <a:p>
             <a:r>
               <a:rPr lang="de-DE" dirty="0" smtClean="0"/>
-              <a:t>Properties </a:t>
-            </a:r>
-            <a:r>
-              <a:rPr lang="de-DE" dirty="0" smtClean="0"/>
-              <a:t>/ </a:t>
+              <a:t>Properties / </a:t>
             </a:r>
             <a:r>
               <a:rPr lang="de-DE" dirty="0" err="1" smtClean="0"/>
@@ -16612,97 +17466,6 @@
 </p:sld>
 </file>
 
-<file path=ppt/slides/slide6.xml><?xml version="1.0" encoding="utf-8"?>
-<p:sld xmlns:a="http://schemas.openxmlformats.org/drawingml/2006/main" xmlns:r="http://schemas.openxmlformats.org/officeDocument/2006/relationships" xmlns:p="http://schemas.openxmlformats.org/presentationml/2006/main">
-  <p:cSld>
-    <p:spTree>
-      <p:nvGrpSpPr>
-        <p:cNvPr id="1" name=""/>
-        <p:cNvGrpSpPr/>
-        <p:nvPr/>
-      </p:nvGrpSpPr>
-      <p:grpSpPr>
-        <a:xfrm>
-          <a:off x="0" y="0"/>
-          <a:ext cx="0" cy="0"/>
-          <a:chOff x="0" y="0"/>
-          <a:chExt cx="0" cy="0"/>
-        </a:xfrm>
-      </p:grpSpPr>
-      <p:sp>
-        <p:nvSpPr>
-          <p:cNvPr id="2" name="Titel 1"/>
-          <p:cNvSpPr>
-            <a:spLocks noGrp="1"/>
-          </p:cNvSpPr>
-          <p:nvPr>
-            <p:ph type="title"/>
-          </p:nvPr>
-        </p:nvSpPr>
-        <p:spPr/>
-        <p:txBody>
-          <a:bodyPr/>
-          <a:lstStyle/>
-          <a:p>
-            <a:r>
-              <a:rPr lang="de-DE" dirty="0" smtClean="0"/>
-              <a:t>Beispiele</a:t>
-            </a:r>
-            <a:endParaRPr lang="de-DE" dirty="0"/>
-          </a:p>
-        </p:txBody>
-      </p:sp>
-      <p:sp>
-        <p:nvSpPr>
-          <p:cNvPr id="4" name="Textplatzhalter 3"/>
-          <p:cNvSpPr>
-            <a:spLocks noGrp="1"/>
-          </p:cNvSpPr>
-          <p:nvPr>
-            <p:ph type="body" sz="quarter" idx="12"/>
-          </p:nvPr>
-        </p:nvSpPr>
-        <p:spPr/>
-        <p:txBody>
-          <a:bodyPr/>
-          <a:lstStyle/>
-          <a:p>
-            <a:r>
-              <a:rPr lang="de-DE" dirty="0" smtClean="0">
-                <a:solidFill>
-                  <a:schemeClr val="bg2"/>
-                </a:solidFill>
-              </a:rPr>
-              <a:t>Einführung</a:t>
-            </a:r>
-            <a:endParaRPr lang="de-DE" dirty="0">
-              <a:solidFill>
-                <a:schemeClr val="bg2"/>
-              </a:solidFill>
-            </a:endParaRPr>
-          </a:p>
-        </p:txBody>
-      </p:sp>
-    </p:spTree>
-    <p:extLst>
-      <p:ext uri="{BB962C8B-B14F-4D97-AF65-F5344CB8AC3E}">
-        <p14:creationId xmlns:p14="http://schemas.microsoft.com/office/powerpoint/2010/main" val="1449198465"/>
-      </p:ext>
-    </p:extLst>
-  </p:cSld>
-  <p:clrMapOvr>
-    <a:masterClrMapping/>
-  </p:clrMapOvr>
-  <p:timing>
-    <p:tnLst>
-      <p:par>
-        <p:cTn id="1" dur="indefinite" restart="never" nodeType="tmRoot"/>
-      </p:par>
-    </p:tnLst>
-  </p:timing>
-</p:sld>
-</file>
-
 <file path=ppt/slides/slide7.xml><?xml version="1.0" encoding="utf-8"?>
 <p:sld xmlns:a="http://schemas.openxmlformats.org/drawingml/2006/main" xmlns:r="http://schemas.openxmlformats.org/officeDocument/2006/relationships" xmlns:p="http://schemas.openxmlformats.org/presentationml/2006/main">
   <p:cSld>
@@ -16720,36 +17483,6 @@
           <a:chExt cx="0" cy="0"/>
         </a:xfrm>
       </p:grpSpPr>
-      <p:pic>
-        <p:nvPicPr>
-          <p:cNvPr id="5" name="Grafik 4"/>
-          <p:cNvPicPr>
-            <a:picLocks noChangeAspect="1"/>
-          </p:cNvPicPr>
-          <p:nvPr/>
-        </p:nvPicPr>
-        <p:blipFill>
-          <a:blip r:embed="rId3" cstate="email">
-            <a:extLst>
-              <a:ext uri="{28A0092B-C50C-407E-A947-70E740481C1C}">
-                <a14:useLocalDpi xmlns:a14="http://schemas.microsoft.com/office/drawing/2010/main" val="0"/>
-              </a:ext>
-            </a:extLst>
-          </a:blip>
-          <a:stretch>
-            <a:fillRect/>
-          </a:stretch>
-        </p:blipFill>
-        <p:spPr>
-          <a:xfrm>
-            <a:off x="3985169" y="2016915"/>
-            <a:ext cx="633449" cy="452681"/>
-          </a:xfrm>
-          <a:prstGeom prst="rect">
-            <a:avLst/>
-          </a:prstGeom>
-        </p:spPr>
-      </p:pic>
       <p:sp>
         <p:nvSpPr>
           <p:cNvPr id="2" name="Titel 1"/>
@@ -16767,7 +17500,7 @@
           <a:p>
             <a:r>
               <a:rPr lang="de-DE" dirty="0" smtClean="0"/>
-              <a:t>Einsatzmöglichkeiten</a:t>
+              <a:t>Beispiele</a:t>
             </a:r>
             <a:endParaRPr lang="de-DE" dirty="0"/>
           </a:p>
@@ -16775,7 +17508,7 @@
       </p:sp>
       <p:sp>
         <p:nvSpPr>
-          <p:cNvPr id="4" name="Textplatzhalter 10"/>
+          <p:cNvPr id="4" name="Textplatzhalter 3"/>
           <p:cNvSpPr>
             <a:spLocks noGrp="1"/>
           </p:cNvSpPr>
@@ -16783,24 +17516,11 @@
             <p:ph type="body" sz="quarter" idx="12"/>
           </p:nvPr>
         </p:nvSpPr>
-        <p:spPr>
-          <a:xfrm>
-            <a:off x="456826" y="696177"/>
-            <a:ext cx="6508750" cy="727075"/>
-          </a:xfrm>
-        </p:spPr>
-        <p:txBody>
-          <a:bodyPr>
-            <a:noAutofit/>
-          </a:bodyPr>
-          <a:lstStyle>
-            <a:lvl1pPr marL="0" indent="0">
-              <a:buNone/>
-              <a:defRPr sz="4400"/>
-            </a:lvl1pPr>
-          </a:lstStyle>
-          <a:p>
-            <a:pPr lvl="0"/>
+        <p:spPr/>
+        <p:txBody>
+          <a:bodyPr/>
+          <a:lstStyle/>
+          <a:p>
             <a:r>
               <a:rPr lang="de-DE" dirty="0" smtClean="0">
                 <a:solidFill>
@@ -16817,697 +17537,20 @@
           </a:p>
         </p:txBody>
       </p:sp>
-      <p:pic>
-        <p:nvPicPr>
-          <p:cNvPr id="1026" name="Picture 2" descr="http://files.softicons.com/download/system-icons/phuzion-icons-by-kyo-tux/png/256/Windows.png"/>
-          <p:cNvPicPr>
-            <a:picLocks noChangeAspect="1" noChangeArrowheads="1"/>
-          </p:cNvPicPr>
-          <p:nvPr/>
-        </p:nvPicPr>
-        <p:blipFill>
-          <a:blip r:embed="rId4" cstate="email">
-            <a:extLst>
-              <a:ext uri="{28A0092B-C50C-407E-A947-70E740481C1C}">
-                <a14:useLocalDpi xmlns:a14="http://schemas.microsoft.com/office/drawing/2010/main" val="0"/>
-              </a:ext>
-            </a:extLst>
-          </a:blip>
-          <a:srcRect/>
-          <a:stretch>
-            <a:fillRect/>
-          </a:stretch>
-        </p:blipFill>
-        <p:spPr bwMode="auto">
-          <a:xfrm>
-            <a:off x="1765011" y="3907509"/>
-            <a:ext cx="1107586" cy="1107586"/>
-          </a:xfrm>
-          <a:prstGeom prst="rect">
-            <a:avLst/>
-          </a:prstGeom>
-          <a:noFill/>
-          <a:extLst>
-            <a:ext uri="{909E8E84-426E-40DD-AFC4-6F175D3DCCD1}">
-              <a14:hiddenFill xmlns:a14="http://schemas.microsoft.com/office/drawing/2010/main">
-                <a:solidFill>
-                  <a:srgbClr val="FFFFFF"/>
-                </a:solidFill>
-              </a14:hiddenFill>
-            </a:ext>
-          </a:extLst>
-        </p:spPr>
-      </p:pic>
-      <p:pic>
-        <p:nvPicPr>
-          <p:cNvPr id="1028" name="Picture 4" descr="http://1.bp.blogspot.com/-QAvdSEh9G0Q/TZEutMh_BFI/AAAAAAAAAMc/ezrXzXHX6dM/s1600/mac.png"/>
-          <p:cNvPicPr>
-            <a:picLocks noChangeAspect="1" noChangeArrowheads="1"/>
-          </p:cNvPicPr>
-          <p:nvPr/>
-        </p:nvPicPr>
-        <p:blipFill>
-          <a:blip r:embed="rId5" cstate="email">
-            <a:extLst>
-              <a:ext uri="{28A0092B-C50C-407E-A947-70E740481C1C}">
-                <a14:useLocalDpi xmlns:a14="http://schemas.microsoft.com/office/drawing/2010/main" val="0"/>
-              </a:ext>
-            </a:extLst>
-          </a:blip>
-          <a:srcRect/>
-          <a:stretch>
-            <a:fillRect/>
-          </a:stretch>
-        </p:blipFill>
-        <p:spPr bwMode="auto">
-          <a:xfrm>
-            <a:off x="5644052" y="3783225"/>
-            <a:ext cx="924909" cy="1082071"/>
-          </a:xfrm>
-          <a:prstGeom prst="rect">
-            <a:avLst/>
-          </a:prstGeom>
-          <a:noFill/>
-          <a:extLst>
-            <a:ext uri="{909E8E84-426E-40DD-AFC4-6F175D3DCCD1}">
-              <a14:hiddenFill xmlns:a14="http://schemas.microsoft.com/office/drawing/2010/main">
-                <a:solidFill>
-                  <a:srgbClr val="FFFFFF"/>
-                </a:solidFill>
-              </a14:hiddenFill>
-            </a:ext>
-          </a:extLst>
-        </p:spPr>
-      </p:pic>
-      <p:pic>
-        <p:nvPicPr>
-          <p:cNvPr id="1030" name="Picture 6" descr="http://getfile9.posterous.com/getfile/files.posterous.com/temp-2010-06-17/tialljHdrkatAIavItaEkgAHFzGytbvcfvzEsBGckEIAcCqdjjHyjcgfldgy/browser-logo-major.png.scaled500.png"/>
-          <p:cNvPicPr>
-            <a:picLocks noChangeAspect="1" noChangeArrowheads="1"/>
-          </p:cNvPicPr>
-          <p:nvPr/>
-        </p:nvPicPr>
-        <p:blipFill>
-          <a:blip r:embed="rId6" cstate="email">
-            <a:extLst>
-              <a:ext uri="{28A0092B-C50C-407E-A947-70E740481C1C}">
-                <a14:useLocalDpi xmlns:a14="http://schemas.microsoft.com/office/drawing/2010/main" val="0"/>
-              </a:ext>
-            </a:extLst>
-          </a:blip>
-          <a:srcRect/>
-          <a:stretch>
-            <a:fillRect/>
-          </a:stretch>
-        </p:blipFill>
-        <p:spPr bwMode="auto">
-          <a:xfrm>
-            <a:off x="3501421" y="5331024"/>
-            <a:ext cx="1629388" cy="1162273"/>
-          </a:xfrm>
-          <a:prstGeom prst="rect">
-            <a:avLst/>
-          </a:prstGeom>
-          <a:noFill/>
-          <a:extLst>
-            <a:ext uri="{909E8E84-426E-40DD-AFC4-6F175D3DCCD1}">
-              <a14:hiddenFill xmlns:a14="http://schemas.microsoft.com/office/drawing/2010/main">
-                <a:solidFill>
-                  <a:srgbClr val="FFFFFF"/>
-                </a:solidFill>
-              </a14:hiddenFill>
-            </a:ext>
-          </a:extLst>
-        </p:spPr>
-      </p:pic>
-      <p:grpSp>
-        <p:nvGrpSpPr>
-          <p:cNvPr id="10" name="Gruppieren 9"/>
-          <p:cNvGrpSpPr/>
-          <p:nvPr/>
-        </p:nvGrpSpPr>
-        <p:grpSpPr>
-          <a:xfrm>
-            <a:off x="3376755" y="2440142"/>
-            <a:ext cx="1890981" cy="1124799"/>
-            <a:chOff x="3440998" y="4976579"/>
-            <a:chExt cx="1890981" cy="1124799"/>
-          </a:xfrm>
-        </p:grpSpPr>
-        <p:grpSp>
-          <p:nvGrpSpPr>
-            <p:cNvPr id="8" name="Gruppieren 7"/>
-            <p:cNvGrpSpPr/>
-            <p:nvPr/>
-          </p:nvGrpSpPr>
-          <p:grpSpPr>
-            <a:xfrm>
-              <a:off x="3440998" y="4976579"/>
-              <a:ext cx="1890981" cy="1124799"/>
-              <a:chOff x="3408938" y="5049426"/>
-              <a:chExt cx="1890981" cy="1124799"/>
-            </a:xfrm>
-          </p:grpSpPr>
-          <p:sp>
-            <p:nvSpPr>
-              <p:cNvPr id="6" name="Ellipse 5"/>
-              <p:cNvSpPr/>
-              <p:nvPr/>
-            </p:nvSpPr>
-            <p:spPr>
-              <a:xfrm>
-                <a:off x="3408938" y="5049426"/>
-                <a:ext cx="1800076" cy="1001969"/>
-              </a:xfrm>
-              <a:prstGeom prst="ellipse">
-                <a:avLst/>
-              </a:prstGeom>
-              <a:ln w="3175"/>
-            </p:spPr>
-            <p:style>
-              <a:lnRef idx="2">
-                <a:schemeClr val="accent5"/>
-              </a:lnRef>
-              <a:fillRef idx="1">
-                <a:schemeClr val="lt1"/>
-              </a:fillRef>
-              <a:effectRef idx="0">
-                <a:schemeClr val="accent5"/>
-              </a:effectRef>
-              <a:fontRef idx="minor">
-                <a:schemeClr val="dk1"/>
-              </a:fontRef>
-            </p:style>
-            <p:txBody>
-              <a:bodyPr rtlCol="0" anchor="ctr"/>
-              <a:lstStyle/>
-              <a:p>
-                <a:pPr algn="ctr"/>
-                <a:endParaRPr lang="de-DE" dirty="0"/>
-              </a:p>
-            </p:txBody>
-          </p:sp>
-          <p:pic>
-            <p:nvPicPr>
-              <p:cNvPr id="1036" name="Picture 12" descr="http://www.stealth-commando.de/images/news-pics/42_1305842338png"/>
-              <p:cNvPicPr>
-                <a:picLocks noChangeAspect="1" noChangeArrowheads="1"/>
-              </p:cNvPicPr>
-              <p:nvPr/>
-            </p:nvPicPr>
-            <p:blipFill>
-              <a:blip r:embed="rId7" cstate="email">
-                <a:extLst>
-                  <a:ext uri="{28A0092B-C50C-407E-A947-70E740481C1C}">
-                    <a14:useLocalDpi xmlns:a14="http://schemas.microsoft.com/office/drawing/2010/main" val="0"/>
-                  </a:ext>
-                </a:extLst>
-              </a:blip>
-              <a:srcRect/>
-              <a:stretch>
-                <a:fillRect/>
-              </a:stretch>
-            </p:blipFill>
-            <p:spPr bwMode="auto">
-              <a:xfrm>
-                <a:off x="4195949" y="5070255"/>
-                <a:ext cx="1103970" cy="1103970"/>
-              </a:xfrm>
-              <a:prstGeom prst="rect">
-                <a:avLst/>
-              </a:prstGeom>
-              <a:noFill/>
-              <a:extLst>
-                <a:ext uri="{909E8E84-426E-40DD-AFC4-6F175D3DCCD1}">
-                  <a14:hiddenFill xmlns:a14="http://schemas.microsoft.com/office/drawing/2010/main">
-                    <a:solidFill>
-                      <a:srgbClr val="FFFFFF"/>
-                    </a:solidFill>
-                  </a14:hiddenFill>
-                </a:ext>
-              </a:extLst>
-            </p:spPr>
-          </p:pic>
-          <p:pic>
-            <p:nvPicPr>
-              <p:cNvPr id="1042" name="Picture 18" descr="http://www.heredis.com/wp-content/themes/heredis/iphone/ios.png"/>
-              <p:cNvPicPr>
-                <a:picLocks noChangeAspect="1" noChangeArrowheads="1"/>
-              </p:cNvPicPr>
-              <p:nvPr/>
-            </p:nvPicPr>
-            <p:blipFill>
-              <a:blip r:embed="rId8" cstate="email">
-                <a:extLst>
-                  <a:ext uri="{28A0092B-C50C-407E-A947-70E740481C1C}">
-                    <a14:useLocalDpi xmlns:a14="http://schemas.microsoft.com/office/drawing/2010/main" val="0"/>
-                  </a:ext>
-                </a:extLst>
-              </a:blip>
-              <a:srcRect/>
-              <a:stretch>
-                <a:fillRect/>
-              </a:stretch>
-            </p:blipFill>
-            <p:spPr bwMode="auto">
-              <a:xfrm>
-                <a:off x="3619657" y="5392947"/>
-                <a:ext cx="812645" cy="551985"/>
-              </a:xfrm>
-              <a:prstGeom prst="rect">
-                <a:avLst/>
-              </a:prstGeom>
-              <a:noFill/>
-              <a:extLst>
-                <a:ext uri="{909E8E84-426E-40DD-AFC4-6F175D3DCCD1}">
-                  <a14:hiddenFill xmlns:a14="http://schemas.microsoft.com/office/drawing/2010/main">
-                    <a:solidFill>
-                      <a:srgbClr val="FFFFFF"/>
-                    </a:solidFill>
-                  </a14:hiddenFill>
-                </a:ext>
-              </a:extLst>
-            </p:spPr>
-          </p:pic>
-        </p:grpSp>
-        <p:sp>
-          <p:nvSpPr>
-            <p:cNvPr id="9" name="Textfeld 8"/>
-            <p:cNvSpPr txBox="1"/>
-            <p:nvPr/>
-          </p:nvSpPr>
-          <p:spPr>
-            <a:xfrm>
-              <a:off x="4240957" y="4977423"/>
-              <a:ext cx="248786" cy="369332"/>
-            </a:xfrm>
-            <a:prstGeom prst="rect">
-              <a:avLst/>
-            </a:prstGeom>
-            <a:noFill/>
-          </p:spPr>
-          <p:txBody>
-            <a:bodyPr wrap="none" rtlCol="0">
-              <a:spAutoFit/>
-            </a:bodyPr>
-            <a:lstStyle/>
-            <a:p>
-              <a:r>
-                <a:rPr lang="de-DE" dirty="0">
-                  <a:solidFill>
-                    <a:schemeClr val="tx2">
-                      <a:lumMod val="20000"/>
-                      <a:lumOff val="80000"/>
-                    </a:schemeClr>
-                  </a:solidFill>
-                  <a:effectLst>
-                    <a:outerShdw blurRad="38100" dist="38100" dir="2700000" algn="tl">
-                      <a:srgbClr val="000000">
-                        <a:alpha val="43137"/>
-                      </a:srgbClr>
-                    </a:outerShdw>
-                  </a:effectLst>
-                  <a:latin typeface="Helvetica" pitchFamily="34" charset="0"/>
-                </a:rPr>
-                <a:t>!</a:t>
-              </a:r>
-              <a:endParaRPr lang="de-DE" dirty="0">
-                <a:solidFill>
-                  <a:schemeClr val="tx2">
-                    <a:lumMod val="20000"/>
-                    <a:lumOff val="80000"/>
-                  </a:schemeClr>
-                </a:solidFill>
-                <a:effectLst>
-                  <a:outerShdw blurRad="38100" dist="38100" dir="2700000" algn="tl">
-                    <a:srgbClr val="000000">
-                      <a:alpha val="43137"/>
-                    </a:srgbClr>
-                  </a:outerShdw>
-                </a:effectLst>
-                <a:latin typeface="Helvetica" pitchFamily="34" charset="0"/>
-              </a:endParaRPr>
-            </a:p>
-          </p:txBody>
-        </p:sp>
-      </p:grpSp>
-      <p:pic>
-        <p:nvPicPr>
-          <p:cNvPr id="3" name="Grafik 2"/>
-          <p:cNvPicPr>
-            <a:picLocks noChangeAspect="1"/>
-          </p:cNvPicPr>
-          <p:nvPr/>
-        </p:nvPicPr>
-        <p:blipFill>
-          <a:blip r:embed="rId9" cstate="email">
-            <a:extLst>
-              <a:ext uri="{28A0092B-C50C-407E-A947-70E740481C1C}">
-                <a14:useLocalDpi xmlns:a14="http://schemas.microsoft.com/office/drawing/2010/main" val="0"/>
-              </a:ext>
-            </a:extLst>
-          </a:blip>
-          <a:stretch>
-            <a:fillRect/>
-          </a:stretch>
-        </p:blipFill>
-        <p:spPr>
-          <a:xfrm>
-            <a:off x="3915290" y="3917891"/>
-            <a:ext cx="801651" cy="947405"/>
-          </a:xfrm>
-          <a:prstGeom prst="rect">
-            <a:avLst/>
-          </a:prstGeom>
-        </p:spPr>
-      </p:pic>
     </p:spTree>
     <p:extLst>
       <p:ext uri="{BB962C8B-B14F-4D97-AF65-F5344CB8AC3E}">
-        <p14:creationId xmlns:p14="http://schemas.microsoft.com/office/powerpoint/2010/main" val="3872441007"/>
+        <p14:creationId xmlns:p14="http://schemas.microsoft.com/office/powerpoint/2010/main" val="1449198465"/>
       </p:ext>
     </p:extLst>
   </p:cSld>
   <p:clrMapOvr>
     <a:masterClrMapping/>
   </p:clrMapOvr>
-  <mc:AlternateContent xmlns:mc="http://schemas.openxmlformats.org/markup-compatibility/2006" xmlns:p14="http://schemas.microsoft.com/office/powerpoint/2010/main">
-    <mc:Choice Requires="p14">
-      <p:transition spd="slow" p14:dur="2000"/>
-    </mc:Choice>
-    <mc:Fallback xmlns="">
-      <p:transition spd="slow"/>
-    </mc:Fallback>
-  </mc:AlternateContent>
   <p:timing>
     <p:tnLst>
       <p:par>
-        <p:cTn id="1" dur="indefinite" restart="never" nodeType="tmRoot">
-          <p:childTnLst>
-            <p:seq concurrent="1" nextAc="seek">
-              <p:cTn id="2" dur="indefinite" nodeType="mainSeq">
-                <p:childTnLst>
-                  <p:par>
-                    <p:cTn id="3" fill="hold">
-                      <p:stCondLst>
-                        <p:cond delay="indefinite"/>
-                      </p:stCondLst>
-                      <p:childTnLst>
-                        <p:par>
-                          <p:cTn id="4" fill="hold">
-                            <p:stCondLst>
-                              <p:cond delay="0"/>
-                            </p:stCondLst>
-                            <p:childTnLst>
-                              <p:par>
-                                <p:cTn id="5" presetID="10" presetClass="entr" presetSubtype="0" fill="hold" nodeType="clickEffect">
-                                  <p:stCondLst>
-                                    <p:cond delay="0"/>
-                                  </p:stCondLst>
-                                  <p:childTnLst>
-                                    <p:set>
-                                      <p:cBhvr>
-                                        <p:cTn id="6" dur="1" fill="hold">
-                                          <p:stCondLst>
-                                            <p:cond delay="0"/>
-                                          </p:stCondLst>
-                                        </p:cTn>
-                                        <p:tgtEl>
-                                          <p:spTgt spid="1026"/>
-                                        </p:tgtEl>
-                                        <p:attrNameLst>
-                                          <p:attrName>style.visibility</p:attrName>
-                                        </p:attrNameLst>
-                                      </p:cBhvr>
-                                      <p:to>
-                                        <p:strVal val="visible"/>
-                                      </p:to>
-                                    </p:set>
-                                    <p:animEffect transition="in" filter="fade">
-                                      <p:cBhvr>
-                                        <p:cTn id="7" dur="500"/>
-                                        <p:tgtEl>
-                                          <p:spTgt spid="1026"/>
-                                        </p:tgtEl>
-                                      </p:cBhvr>
-                                    </p:animEffect>
-                                  </p:childTnLst>
-                                </p:cTn>
-                              </p:par>
-                              <p:par>
-                                <p:cTn id="8" presetID="10" presetClass="entr" presetSubtype="0" fill="hold" nodeType="withEffect">
-                                  <p:stCondLst>
-                                    <p:cond delay="0"/>
-                                  </p:stCondLst>
-                                  <p:childTnLst>
-                                    <p:set>
-                                      <p:cBhvr>
-                                        <p:cTn id="9" dur="1" fill="hold">
-                                          <p:stCondLst>
-                                            <p:cond delay="0"/>
-                                          </p:stCondLst>
-                                        </p:cTn>
-                                        <p:tgtEl>
-                                          <p:spTgt spid="3"/>
-                                        </p:tgtEl>
-                                        <p:attrNameLst>
-                                          <p:attrName>style.visibility</p:attrName>
-                                        </p:attrNameLst>
-                                      </p:cBhvr>
-                                      <p:to>
-                                        <p:strVal val="visible"/>
-                                      </p:to>
-                                    </p:set>
-                                    <p:animEffect transition="in" filter="fade">
-                                      <p:cBhvr>
-                                        <p:cTn id="10" dur="500"/>
-                                        <p:tgtEl>
-                                          <p:spTgt spid="3"/>
-                                        </p:tgtEl>
-                                      </p:cBhvr>
-                                    </p:animEffect>
-                                  </p:childTnLst>
-                                </p:cTn>
-                              </p:par>
-                              <p:par>
-                                <p:cTn id="11" presetID="10" presetClass="entr" presetSubtype="0" fill="hold" nodeType="withEffect">
-                                  <p:stCondLst>
-                                    <p:cond delay="0"/>
-                                  </p:stCondLst>
-                                  <p:childTnLst>
-                                    <p:set>
-                                      <p:cBhvr>
-                                        <p:cTn id="12" dur="1" fill="hold">
-                                          <p:stCondLst>
-                                            <p:cond delay="0"/>
-                                          </p:stCondLst>
-                                        </p:cTn>
-                                        <p:tgtEl>
-                                          <p:spTgt spid="1028"/>
-                                        </p:tgtEl>
-                                        <p:attrNameLst>
-                                          <p:attrName>style.visibility</p:attrName>
-                                        </p:attrNameLst>
-                                      </p:cBhvr>
-                                      <p:to>
-                                        <p:strVal val="visible"/>
-                                      </p:to>
-                                    </p:set>
-                                    <p:animEffect transition="in" filter="fade">
-                                      <p:cBhvr>
-                                        <p:cTn id="13" dur="500"/>
-                                        <p:tgtEl>
-                                          <p:spTgt spid="1028"/>
-                                        </p:tgtEl>
-                                      </p:cBhvr>
-                                    </p:animEffect>
-                                  </p:childTnLst>
-                                </p:cTn>
-                              </p:par>
-                            </p:childTnLst>
-                          </p:cTn>
-                        </p:par>
-                      </p:childTnLst>
-                    </p:cTn>
-                  </p:par>
-                  <p:par>
-                    <p:cTn id="14" fill="hold">
-                      <p:stCondLst>
-                        <p:cond delay="indefinite"/>
-                      </p:stCondLst>
-                      <p:childTnLst>
-                        <p:par>
-                          <p:cTn id="15" fill="hold">
-                            <p:stCondLst>
-                              <p:cond delay="0"/>
-                            </p:stCondLst>
-                            <p:childTnLst>
-                              <p:par>
-                                <p:cTn id="16" presetID="10" presetClass="entr" presetSubtype="0" fill="hold" nodeType="clickEffect">
-                                  <p:stCondLst>
-                                    <p:cond delay="0"/>
-                                  </p:stCondLst>
-                                  <p:childTnLst>
-                                    <p:set>
-                                      <p:cBhvr>
-                                        <p:cTn id="17" dur="1" fill="hold">
-                                          <p:stCondLst>
-                                            <p:cond delay="0"/>
-                                          </p:stCondLst>
-                                        </p:cTn>
-                                        <p:tgtEl>
-                                          <p:spTgt spid="1030"/>
-                                        </p:tgtEl>
-                                        <p:attrNameLst>
-                                          <p:attrName>style.visibility</p:attrName>
-                                        </p:attrNameLst>
-                                      </p:cBhvr>
-                                      <p:to>
-                                        <p:strVal val="visible"/>
-                                      </p:to>
-                                    </p:set>
-                                    <p:animEffect transition="in" filter="fade">
-                                      <p:cBhvr>
-                                        <p:cTn id="18" dur="500"/>
-                                        <p:tgtEl>
-                                          <p:spTgt spid="1030"/>
-                                        </p:tgtEl>
-                                      </p:cBhvr>
-                                    </p:animEffect>
-                                  </p:childTnLst>
-                                </p:cTn>
-                              </p:par>
-                            </p:childTnLst>
-                          </p:cTn>
-                        </p:par>
-                      </p:childTnLst>
-                    </p:cTn>
-                  </p:par>
-                  <p:par>
-                    <p:cTn id="19" fill="hold">
-                      <p:stCondLst>
-                        <p:cond delay="indefinite"/>
-                      </p:stCondLst>
-                      <p:childTnLst>
-                        <p:par>
-                          <p:cTn id="20" fill="hold">
-                            <p:stCondLst>
-                              <p:cond delay="0"/>
-                            </p:stCondLst>
-                            <p:childTnLst>
-                              <p:par>
-                                <p:cTn id="21" presetID="10" presetClass="entr" presetSubtype="0" fill="hold" nodeType="clickEffect">
-                                  <p:stCondLst>
-                                    <p:cond delay="0"/>
-                                  </p:stCondLst>
-                                  <p:childTnLst>
-                                    <p:set>
-                                      <p:cBhvr>
-                                        <p:cTn id="22" dur="1" fill="hold">
-                                          <p:stCondLst>
-                                            <p:cond delay="0"/>
-                                          </p:stCondLst>
-                                        </p:cTn>
-                                        <p:tgtEl>
-                                          <p:spTgt spid="10"/>
-                                        </p:tgtEl>
-                                        <p:attrNameLst>
-                                          <p:attrName>style.visibility</p:attrName>
-                                        </p:attrNameLst>
-                                      </p:cBhvr>
-                                      <p:to>
-                                        <p:strVal val="visible"/>
-                                      </p:to>
-                                    </p:set>
-                                    <p:animEffect transition="in" filter="fade">
-                                      <p:cBhvr>
-                                        <p:cTn id="23" dur="500"/>
-                                        <p:tgtEl>
-                                          <p:spTgt spid="10"/>
-                                        </p:tgtEl>
-                                      </p:cBhvr>
-                                    </p:animEffect>
-                                  </p:childTnLst>
-                                </p:cTn>
-                              </p:par>
-                            </p:childTnLst>
-                          </p:cTn>
-                        </p:par>
-                      </p:childTnLst>
-                    </p:cTn>
-                  </p:par>
-                  <p:par>
-                    <p:cTn id="24" fill="hold">
-                      <p:stCondLst>
-                        <p:cond delay="indefinite"/>
-                      </p:stCondLst>
-                      <p:childTnLst>
-                        <p:par>
-                          <p:cTn id="25" fill="hold">
-                            <p:stCondLst>
-                              <p:cond delay="0"/>
-                            </p:stCondLst>
-                            <p:childTnLst>
-                              <p:par>
-                                <p:cTn id="26" presetID="10" presetClass="entr" presetSubtype="0" fill="hold" nodeType="clickEffect">
-                                  <p:stCondLst>
-                                    <p:cond delay="0"/>
-                                  </p:stCondLst>
-                                  <p:childTnLst>
-                                    <p:set>
-                                      <p:cBhvr>
-                                        <p:cTn id="27" dur="1" fill="hold">
-                                          <p:stCondLst>
-                                            <p:cond delay="0"/>
-                                          </p:stCondLst>
-                                        </p:cTn>
-                                        <p:tgtEl>
-                                          <p:spTgt spid="5"/>
-                                        </p:tgtEl>
-                                        <p:attrNameLst>
-                                          <p:attrName>style.visibility</p:attrName>
-                                        </p:attrNameLst>
-                                      </p:cBhvr>
-                                      <p:to>
-                                        <p:strVal val="visible"/>
-                                      </p:to>
-                                    </p:set>
-                                    <p:animEffect transition="in" filter="fade">
-                                      <p:cBhvr>
-                                        <p:cTn id="28" dur="500"/>
-                                        <p:tgtEl>
-                                          <p:spTgt spid="5"/>
-                                        </p:tgtEl>
-                                      </p:cBhvr>
-                                    </p:animEffect>
-                                  </p:childTnLst>
-                                </p:cTn>
-                              </p:par>
-                            </p:childTnLst>
-                          </p:cTn>
-                        </p:par>
-                      </p:childTnLst>
-                    </p:cTn>
-                  </p:par>
-                </p:childTnLst>
-              </p:cTn>
-              <p:prevCondLst>
-                <p:cond evt="onPrev" delay="0">
-                  <p:tgtEl>
-                    <p:sldTgt/>
-                  </p:tgtEl>
-                </p:cond>
-              </p:prevCondLst>
-              <p:nextCondLst>
-                <p:cond evt="onNext" delay="0">
-                  <p:tgtEl>
-                    <p:sldTgt/>
-                  </p:tgtEl>
-                </p:cond>
-              </p:nextCondLst>
-            </p:seq>
-          </p:childTnLst>
-        </p:cTn>
+        <p:cTn id="1" dur="indefinite" restart="never" nodeType="tmRoot"/>
       </p:par>
     </p:tnLst>
   </p:timing>

--- a/JavaFX-UserGroup.pptx
+++ b/JavaFX-UserGroup.pptx
@@ -5,18 +5,18 @@
     <p:sldMasterId id="2147483949" r:id="rId1"/>
   </p:sldMasterIdLst>
   <p:notesMasterIdLst>
-    <p:notesMasterId r:id="rId25"/>
+    <p:notesMasterId r:id="rId29"/>
   </p:notesMasterIdLst>
   <p:handoutMasterIdLst>
-    <p:handoutMasterId r:id="rId26"/>
+    <p:handoutMasterId r:id="rId30"/>
   </p:handoutMasterIdLst>
   <p:sldIdLst>
     <p:sldId id="256" r:id="rId2"/>
     <p:sldId id="257" r:id="rId3"/>
     <p:sldId id="271" r:id="rId4"/>
     <p:sldId id="273" r:id="rId5"/>
-    <p:sldId id="285" r:id="rId6"/>
-    <p:sldId id="274" r:id="rId7"/>
+    <p:sldId id="289" r:id="rId6"/>
+    <p:sldId id="288" r:id="rId7"/>
     <p:sldId id="258" r:id="rId8"/>
     <p:sldId id="283" r:id="rId9"/>
     <p:sldId id="272" r:id="rId10"/>
@@ -32,8 +32,12 @@
     <p:sldId id="281" r:id="rId20"/>
     <p:sldId id="284" r:id="rId21"/>
     <p:sldId id="282" r:id="rId22"/>
-    <p:sldId id="286" r:id="rId23"/>
-    <p:sldId id="287" r:id="rId24"/>
+    <p:sldId id="290" r:id="rId23"/>
+    <p:sldId id="292" r:id="rId24"/>
+    <p:sldId id="293" r:id="rId25"/>
+    <p:sldId id="294" r:id="rId26"/>
+    <p:sldId id="295" r:id="rId27"/>
+    <p:sldId id="287" r:id="rId28"/>
   </p:sldIdLst>
   <p:sldSz cx="9144000" cy="6858000" type="screen4x3"/>
   <p:notesSz cx="6858000" cy="9144000"/>
@@ -344,7 +348,7 @@
           <a:p>
             <a:fld id="{F990E102-0E85-45BC-BC45-BAB9D66E7EF2}" type="datetimeFigureOut">
               <a:rPr lang="de-DE" smtClean="0"/>
-              <a:t>19.03.2013</a:t>
+              <a:t>09.07.2013</a:t>
             </a:fld>
             <a:endParaRPr lang="de-DE"/>
           </a:p>
@@ -509,7 +513,7 @@
           <a:p>
             <a:fld id="{D6E4795D-47E8-774D-9ED5-0B5304BFB957}" type="datetimeFigureOut">
               <a:rPr lang="de-DE" smtClean="0"/>
-              <a:t>19.03.2013</a:t>
+              <a:t>09.07.2013</a:t>
             </a:fld>
             <a:endParaRPr lang="de-DE"/>
           </a:p>
@@ -821,38 +825,6 @@
           <a:bodyPr/>
           <a:lstStyle/>
           <a:p>
-            <a:pPr marL="171450" indent="-171450">
-              <a:buFont typeface="Arial" pitchFamily="34" charset="0"/>
-              <a:buChar char="•"/>
-            </a:pPr>
-            <a:r>
-              <a:rPr lang="de-DE" dirty="0" err="1" smtClean="0"/>
-              <a:t>OpenDolphin</a:t>
-            </a:r>
-            <a:r>
-              <a:rPr lang="de-DE" dirty="0" smtClean="0"/>
-              <a:t>: Synchronisierung zwischen </a:t>
-            </a:r>
-            <a:r>
-              <a:rPr lang="de-DE" dirty="0" err="1" smtClean="0"/>
-              <a:t>Server+Clients</a:t>
-            </a:r>
-            <a:r>
-              <a:rPr lang="de-DE" dirty="0" smtClean="0"/>
-              <a:t> über explizite</a:t>
-            </a:r>
-            <a:r>
-              <a:rPr lang="de-DE" baseline="0" dirty="0" smtClean="0"/>
-              <a:t> </a:t>
-            </a:r>
-            <a:r>
-              <a:rPr lang="de-DE" dirty="0" err="1" smtClean="0"/>
-              <a:t>Commands</a:t>
-            </a:r>
-            <a:r>
-              <a:rPr lang="de-DE" baseline="0" dirty="0" smtClean="0"/>
-              <a:t>; Groovy</a:t>
-            </a:r>
             <a:endParaRPr lang="de-DE" dirty="0"/>
           </a:p>
         </p:txBody>
@@ -883,7 +855,7 @@
     </p:spTree>
     <p:extLst>
       <p:ext uri="{BB962C8B-B14F-4D97-AF65-F5344CB8AC3E}">
-        <p14:creationId xmlns:p14="http://schemas.microsoft.com/office/powerpoint/2010/main" val="3940709244"/>
+        <p14:creationId xmlns:p14="http://schemas.microsoft.com/office/powerpoint/2010/main" val="1973581548"/>
       </p:ext>
     </p:extLst>
   </p:cSld>
@@ -1418,6 +1390,385 @@
 </p:notes>
 </file>
 
+<file path=ppt/notesSlides/notesSlide14.xml><?xml version="1.0" encoding="utf-8"?>
+<p:notes xmlns:a="http://schemas.openxmlformats.org/drawingml/2006/main" xmlns:r="http://schemas.openxmlformats.org/officeDocument/2006/relationships" xmlns:p="http://schemas.openxmlformats.org/presentationml/2006/main">
+  <p:cSld>
+    <p:spTree>
+      <p:nvGrpSpPr>
+        <p:cNvPr id="1" name=""/>
+        <p:cNvGrpSpPr/>
+        <p:nvPr/>
+      </p:nvGrpSpPr>
+      <p:grpSpPr>
+        <a:xfrm>
+          <a:off x="0" y="0"/>
+          <a:ext cx="0" cy="0"/>
+          <a:chOff x="0" y="0"/>
+          <a:chExt cx="0" cy="0"/>
+        </a:xfrm>
+      </p:grpSpPr>
+      <p:sp>
+        <p:nvSpPr>
+          <p:cNvPr id="2" name="Folienbildplatzhalter 1"/>
+          <p:cNvSpPr>
+            <a:spLocks noGrp="1" noRot="1" noChangeAspect="1"/>
+          </p:cNvSpPr>
+          <p:nvPr>
+            <p:ph type="sldImg"/>
+          </p:nvPr>
+        </p:nvSpPr>
+        <p:spPr/>
+      </p:sp>
+      <p:sp>
+        <p:nvSpPr>
+          <p:cNvPr id="3" name="Notizenplatzhalter 2"/>
+          <p:cNvSpPr>
+            <a:spLocks noGrp="1"/>
+          </p:cNvSpPr>
+          <p:nvPr>
+            <p:ph type="body" idx="1"/>
+          </p:nvPr>
+        </p:nvSpPr>
+        <p:spPr/>
+        <p:txBody>
+          <a:bodyPr/>
+          <a:lstStyle/>
+          <a:p>
+            <a:r>
+              <a:rPr lang="de-DE" dirty="0" smtClean="0"/>
+              <a:t>Scene Graph:</a:t>
+            </a:r>
+            <a:endParaRPr lang="de-DE" baseline="0" dirty="0" smtClean="0"/>
+          </a:p>
+          <a:p>
+            <a:pPr marL="171450" indent="-171450">
+              <a:buFontTx/>
+              <a:buChar char="-"/>
+            </a:pPr>
+            <a:r>
+              <a:rPr lang="de-DE" baseline="0" dirty="0" smtClean="0"/>
+              <a:t>Baumstruktur mit Elementen die 0..1 Parent haben können</a:t>
+            </a:r>
+          </a:p>
+          <a:p>
+            <a:pPr marL="171450" indent="-171450">
+              <a:buFontTx/>
+              <a:buChar char="-"/>
+            </a:pPr>
+            <a:r>
+              <a:rPr lang="de-DE" baseline="0" dirty="0" smtClean="0"/>
+              <a:t>2 Primärklassen:</a:t>
+            </a:r>
+          </a:p>
+          <a:p>
+            <a:pPr marL="628650" lvl="1" indent="-171450">
+              <a:buFontTx/>
+              <a:buChar char="-"/>
+            </a:pPr>
+            <a:r>
+              <a:rPr lang="de-DE" baseline="0" dirty="0" smtClean="0"/>
+              <a:t>Scene</a:t>
+            </a:r>
+          </a:p>
+          <a:p>
+            <a:pPr marL="628650" lvl="1" indent="-171450">
+              <a:buFontTx/>
+              <a:buChar char="-"/>
+            </a:pPr>
+            <a:r>
+              <a:rPr lang="de-DE" baseline="0" dirty="0" err="1" smtClean="0"/>
+              <a:t>Node</a:t>
+            </a:r>
+            <a:r>
+              <a:rPr lang="de-DE" baseline="0" dirty="0" smtClean="0"/>
+              <a:t> (Abstrakte Basisklasse für alle Knoten im Baum)</a:t>
+            </a:r>
+          </a:p>
+          <a:p>
+            <a:pPr marL="171450" lvl="0" indent="-171450">
+              <a:buFontTx/>
+              <a:buChar char="-"/>
+            </a:pPr>
+            <a:r>
+              <a:rPr lang="de-DE" baseline="0" dirty="0" smtClean="0"/>
+              <a:t>Scene wird von Stage gekapselt -&gt; Stage äquivalent </a:t>
+            </a:r>
+            <a:r>
+              <a:rPr lang="de-DE" baseline="0" dirty="0" err="1" smtClean="0"/>
+              <a:t>Window</a:t>
+            </a:r>
+            <a:endParaRPr lang="de-DE" dirty="0"/>
+          </a:p>
+        </p:txBody>
+      </p:sp>
+      <p:sp>
+        <p:nvSpPr>
+          <p:cNvPr id="4" name="Foliennummernplatzhalter 3"/>
+          <p:cNvSpPr>
+            <a:spLocks noGrp="1"/>
+          </p:cNvSpPr>
+          <p:nvPr>
+            <p:ph type="sldNum" sz="quarter" idx="10"/>
+          </p:nvPr>
+        </p:nvSpPr>
+        <p:spPr/>
+        <p:txBody>
+          <a:bodyPr/>
+          <a:lstStyle/>
+          <a:p>
+            <a:fld id="{62491994-E55D-CE4B-A805-5346FBD73310}" type="slidenum">
+              <a:rPr lang="de-DE" smtClean="0"/>
+              <a:t>22</a:t>
+            </a:fld>
+            <a:endParaRPr lang="de-DE"/>
+          </a:p>
+        </p:txBody>
+      </p:sp>
+    </p:spTree>
+    <p:extLst>
+      <p:ext uri="{BB962C8B-B14F-4D97-AF65-F5344CB8AC3E}">
+        <p14:creationId xmlns:p14="http://schemas.microsoft.com/office/powerpoint/2010/main" val="227543728"/>
+      </p:ext>
+    </p:extLst>
+  </p:cSld>
+  <p:clrMapOvr>
+    <a:masterClrMapping/>
+  </p:clrMapOvr>
+</p:notes>
+</file>
+
+<file path=ppt/notesSlides/notesSlide15.xml><?xml version="1.0" encoding="utf-8"?>
+<p:notes xmlns:a="http://schemas.openxmlformats.org/drawingml/2006/main" xmlns:r="http://schemas.openxmlformats.org/officeDocument/2006/relationships" xmlns:p="http://schemas.openxmlformats.org/presentationml/2006/main">
+  <p:cSld>
+    <p:spTree>
+      <p:nvGrpSpPr>
+        <p:cNvPr id="1" name=""/>
+        <p:cNvGrpSpPr/>
+        <p:nvPr/>
+      </p:nvGrpSpPr>
+      <p:grpSpPr>
+        <a:xfrm>
+          <a:off x="0" y="0"/>
+          <a:ext cx="0" cy="0"/>
+          <a:chOff x="0" y="0"/>
+          <a:chExt cx="0" cy="0"/>
+        </a:xfrm>
+      </p:grpSpPr>
+      <p:sp>
+        <p:nvSpPr>
+          <p:cNvPr id="2" name="Folienbildplatzhalter 1"/>
+          <p:cNvSpPr>
+            <a:spLocks noGrp="1" noRot="1" noChangeAspect="1"/>
+          </p:cNvSpPr>
+          <p:nvPr>
+            <p:ph type="sldImg"/>
+          </p:nvPr>
+        </p:nvSpPr>
+        <p:spPr/>
+      </p:sp>
+      <p:sp>
+        <p:nvSpPr>
+          <p:cNvPr id="3" name="Notizenplatzhalter 2"/>
+          <p:cNvSpPr>
+            <a:spLocks noGrp="1"/>
+          </p:cNvSpPr>
+          <p:nvPr>
+            <p:ph type="body" idx="1"/>
+          </p:nvPr>
+        </p:nvSpPr>
+        <p:spPr/>
+        <p:txBody>
+          <a:bodyPr/>
+          <a:lstStyle/>
+          <a:p>
+            <a:r>
+              <a:rPr lang="de-DE" dirty="0" smtClean="0"/>
+              <a:t>Super PM</a:t>
+            </a:r>
+          </a:p>
+          <a:p>
+            <a:pPr marL="0" marR="0" indent="0" algn="l" defTabSz="457200" rtl="0" eaLnBrk="1" fontAlgn="auto" latinLnBrk="0" hangingPunct="1">
+              <a:lnSpc>
+                <a:spcPct val="100000"/>
+              </a:lnSpc>
+              <a:spcBef>
+                <a:spcPts val="0"/>
+              </a:spcBef>
+              <a:spcAft>
+                <a:spcPts val="0"/>
+              </a:spcAft>
+              <a:buClrTx/>
+              <a:buSzTx/>
+              <a:buFontTx/>
+              <a:buNone/>
+              <a:tabLst/>
+              <a:defRPr/>
+            </a:pPr>
+            <a:r>
+              <a:rPr lang="de-DE" dirty="0" smtClean="0"/>
+              <a:t>Verschiedene</a:t>
+            </a:r>
+            <a:r>
+              <a:rPr lang="de-DE" baseline="0" dirty="0" smtClean="0"/>
+              <a:t> Reihenfolgen von </a:t>
+            </a:r>
+            <a:r>
+              <a:rPr lang="de-DE" baseline="0" dirty="0" err="1" smtClean="0"/>
+              <a:t>instanzierung</a:t>
+            </a:r>
+            <a:r>
+              <a:rPr lang="de-DE" baseline="0" dirty="0" smtClean="0"/>
+              <a:t> -&gt; erst </a:t>
+            </a:r>
+            <a:r>
+              <a:rPr lang="de-DE" baseline="0" dirty="0" err="1" smtClean="0"/>
+              <a:t>view</a:t>
+            </a:r>
+            <a:r>
+              <a:rPr lang="de-DE" baseline="0" dirty="0" smtClean="0"/>
+              <a:t>, dann VM, oder erst VM dann </a:t>
+            </a:r>
+            <a:r>
+              <a:rPr lang="de-DE" baseline="0" dirty="0" err="1" smtClean="0"/>
+              <a:t>view</a:t>
+            </a:r>
+            <a:endParaRPr lang="de-DE" dirty="0" smtClean="0"/>
+          </a:p>
+          <a:p>
+            <a:endParaRPr lang="de-DE" dirty="0"/>
+          </a:p>
+        </p:txBody>
+      </p:sp>
+      <p:sp>
+        <p:nvSpPr>
+          <p:cNvPr id="4" name="Foliennummernplatzhalter 3"/>
+          <p:cNvSpPr>
+            <a:spLocks noGrp="1"/>
+          </p:cNvSpPr>
+          <p:nvPr>
+            <p:ph type="sldNum" sz="quarter" idx="10"/>
+          </p:nvPr>
+        </p:nvSpPr>
+        <p:spPr/>
+        <p:txBody>
+          <a:bodyPr/>
+          <a:lstStyle/>
+          <a:p>
+            <a:fld id="{62491994-E55D-CE4B-A805-5346FBD73310}" type="slidenum">
+              <a:rPr lang="de-DE" smtClean="0"/>
+              <a:t>23</a:t>
+            </a:fld>
+            <a:endParaRPr lang="de-DE"/>
+          </a:p>
+        </p:txBody>
+      </p:sp>
+    </p:spTree>
+    <p:extLst>
+      <p:ext uri="{BB962C8B-B14F-4D97-AF65-F5344CB8AC3E}">
+        <p14:creationId xmlns:p14="http://schemas.microsoft.com/office/powerpoint/2010/main" val="2482610691"/>
+      </p:ext>
+    </p:extLst>
+  </p:cSld>
+  <p:clrMapOvr>
+    <a:masterClrMapping/>
+  </p:clrMapOvr>
+</p:notes>
+</file>
+
+<file path=ppt/notesSlides/notesSlide16.xml><?xml version="1.0" encoding="utf-8"?>
+<p:notes xmlns:a="http://schemas.openxmlformats.org/drawingml/2006/main" xmlns:r="http://schemas.openxmlformats.org/officeDocument/2006/relationships" xmlns:p="http://schemas.openxmlformats.org/presentationml/2006/main">
+  <p:cSld>
+    <p:spTree>
+      <p:nvGrpSpPr>
+        <p:cNvPr id="1" name=""/>
+        <p:cNvGrpSpPr/>
+        <p:nvPr/>
+      </p:nvGrpSpPr>
+      <p:grpSpPr>
+        <a:xfrm>
+          <a:off x="0" y="0"/>
+          <a:ext cx="0" cy="0"/>
+          <a:chOff x="0" y="0"/>
+          <a:chExt cx="0" cy="0"/>
+        </a:xfrm>
+      </p:grpSpPr>
+      <p:sp>
+        <p:nvSpPr>
+          <p:cNvPr id="2" name="Folienbildplatzhalter 1"/>
+          <p:cNvSpPr>
+            <a:spLocks noGrp="1" noRot="1" noChangeAspect="1"/>
+          </p:cNvSpPr>
+          <p:nvPr>
+            <p:ph type="sldImg"/>
+          </p:nvPr>
+        </p:nvSpPr>
+        <p:spPr/>
+      </p:sp>
+      <p:sp>
+        <p:nvSpPr>
+          <p:cNvPr id="3" name="Notizenplatzhalter 2"/>
+          <p:cNvSpPr>
+            <a:spLocks noGrp="1"/>
+          </p:cNvSpPr>
+          <p:nvPr>
+            <p:ph type="body" idx="1"/>
+          </p:nvPr>
+        </p:nvSpPr>
+        <p:spPr/>
+        <p:txBody>
+          <a:bodyPr/>
+          <a:lstStyle/>
+          <a:p>
+            <a:r>
+              <a:rPr lang="de-DE" dirty="0" smtClean="0"/>
+              <a:t>REIHENFOLGE</a:t>
+            </a:r>
+            <a:r>
+              <a:rPr lang="de-DE" baseline="0" dirty="0" smtClean="0"/>
+              <a:t> ÄNDERN -&gt; VIEW CODE ZUERST</a:t>
+            </a:r>
+          </a:p>
+          <a:p>
+            <a:endParaRPr lang="de-DE" dirty="0"/>
+          </a:p>
+        </p:txBody>
+      </p:sp>
+      <p:sp>
+        <p:nvSpPr>
+          <p:cNvPr id="4" name="Foliennummernplatzhalter 3"/>
+          <p:cNvSpPr>
+            <a:spLocks noGrp="1"/>
+          </p:cNvSpPr>
+          <p:nvPr>
+            <p:ph type="sldNum" sz="quarter" idx="10"/>
+          </p:nvPr>
+        </p:nvSpPr>
+        <p:spPr/>
+        <p:txBody>
+          <a:bodyPr/>
+          <a:lstStyle/>
+          <a:p>
+            <a:fld id="{62491994-E55D-CE4B-A805-5346FBD73310}" type="slidenum">
+              <a:rPr lang="de-DE" smtClean="0"/>
+              <a:t>25</a:t>
+            </a:fld>
+            <a:endParaRPr lang="de-DE"/>
+          </a:p>
+        </p:txBody>
+      </p:sp>
+    </p:spTree>
+    <p:extLst>
+      <p:ext uri="{BB962C8B-B14F-4D97-AF65-F5344CB8AC3E}">
+        <p14:creationId xmlns:p14="http://schemas.microsoft.com/office/powerpoint/2010/main" val="3199258922"/>
+      </p:ext>
+    </p:extLst>
+  </p:cSld>
+  <p:clrMapOvr>
+    <a:masterClrMapping/>
+  </p:clrMapOvr>
+</p:notes>
+</file>
+
 <file path=ppt/notesSlides/notesSlide2.xml><?xml version="1.0" encoding="utf-8"?>
 <p:notes xmlns:a="http://schemas.openxmlformats.org/drawingml/2006/main" xmlns:r="http://schemas.openxmlformats.org/officeDocument/2006/relationships" xmlns:p="http://schemas.openxmlformats.org/presentationml/2006/main">
   <p:cSld>
@@ -1462,6 +1813,38 @@
           <a:bodyPr/>
           <a:lstStyle/>
           <a:p>
+            <a:pPr marL="171450" indent="-171450">
+              <a:buFont typeface="Arial" pitchFamily="34" charset="0"/>
+              <a:buChar char="•"/>
+            </a:pPr>
+            <a:r>
+              <a:rPr lang="de-DE" dirty="0" err="1" smtClean="0"/>
+              <a:t>OpenDolphin</a:t>
+            </a:r>
+            <a:r>
+              <a:rPr lang="de-DE" dirty="0" smtClean="0"/>
+              <a:t>: Synchronisierung zwischen </a:t>
+            </a:r>
+            <a:r>
+              <a:rPr lang="de-DE" dirty="0" err="1" smtClean="0"/>
+              <a:t>Server+Clients</a:t>
+            </a:r>
+            <a:r>
+              <a:rPr lang="de-DE" dirty="0" smtClean="0"/>
+              <a:t> über explizite</a:t>
+            </a:r>
+            <a:r>
+              <a:rPr lang="de-DE" baseline="0" dirty="0" smtClean="0"/>
+              <a:t> </a:t>
+            </a:r>
+            <a:r>
+              <a:rPr lang="de-DE" dirty="0" err="1" smtClean="0"/>
+              <a:t>Commands</a:t>
+            </a:r>
+            <a:r>
+              <a:rPr lang="de-DE" baseline="0" dirty="0" smtClean="0"/>
+              <a:t>; Groovy</a:t>
+            </a:r>
             <a:endParaRPr lang="de-DE" dirty="0"/>
           </a:p>
         </p:txBody>
@@ -1492,7 +1875,7 @@
     </p:spTree>
     <p:extLst>
       <p:ext uri="{BB962C8B-B14F-4D97-AF65-F5344CB8AC3E}">
-        <p14:creationId xmlns:p14="http://schemas.microsoft.com/office/powerpoint/2010/main" val="1973581548"/>
+        <p14:creationId xmlns:p14="http://schemas.microsoft.com/office/powerpoint/2010/main" val="3940709244"/>
       </p:ext>
     </p:extLst>
   </p:cSld>
@@ -2464,7 +2847,7 @@
           <a:p>
             <a:fld id="{4251665B-C24A-4702-B522-6A4334602E03}" type="datetimeFigureOut">
               <a:rPr lang="en-US" smtClean="0"/>
-              <a:t>3/19/2013</a:t>
+              <a:t>7/9/2013</a:t>
             </a:fld>
             <a:endParaRPr lang="en-US" dirty="0"/>
           </a:p>
@@ -2758,7 +3141,7 @@
           <a:p>
             <a:fld id="{4251665B-C24A-4702-B522-6A4334602E03}" type="datetimeFigureOut">
               <a:rPr lang="en-US" smtClean="0"/>
-              <a:t>3/19/2013</a:t>
+              <a:t>7/9/2013</a:t>
             </a:fld>
             <a:endParaRPr lang="en-US"/>
           </a:p>
@@ -3093,7 +3476,7 @@
           <a:p>
             <a:fld id="{4251665B-C24A-4702-B522-6A4334602E03}" type="datetimeFigureOut">
               <a:rPr lang="en-US" smtClean="0"/>
-              <a:t>3/19/2013</a:t>
+              <a:t>7/9/2013</a:t>
             </a:fld>
             <a:endParaRPr lang="en-US"/>
           </a:p>
@@ -3515,7 +3898,7 @@
           <a:p>
             <a:fld id="{4251665B-C24A-4702-B522-6A4334602E03}" type="datetimeFigureOut">
               <a:rPr lang="en-US" smtClean="0"/>
-              <a:t>3/19/2013</a:t>
+              <a:t>7/9/2013</a:t>
             </a:fld>
             <a:endParaRPr lang="en-US"/>
           </a:p>
@@ -3932,7 +4315,7 @@
           <a:p>
             <a:fld id="{4251665B-C24A-4702-B522-6A4334602E03}" type="datetimeFigureOut">
               <a:rPr lang="en-US" smtClean="0"/>
-              <a:t>3/19/2013</a:t>
+              <a:t>7/9/2013</a:t>
             </a:fld>
             <a:endParaRPr lang="en-US"/>
           </a:p>
@@ -4022,7 +4405,7 @@
           <a:p>
             <a:fld id="{4251665B-C24A-4702-B522-6A4334602E03}" type="datetimeFigureOut">
               <a:rPr lang="en-US" smtClean="0"/>
-              <a:t>3/19/2013</a:t>
+              <a:t>7/9/2013</a:t>
             </a:fld>
             <a:endParaRPr lang="en-US"/>
           </a:p>
@@ -4278,7 +4661,7 @@
           <a:p>
             <a:fld id="{4251665B-C24A-4702-B522-6A4334602E03}" type="datetimeFigureOut">
               <a:rPr lang="en-US" smtClean="0"/>
-              <a:t>3/19/2013</a:t>
+              <a:t>7/9/2013</a:t>
             </a:fld>
             <a:endParaRPr lang="en-US"/>
           </a:p>
@@ -4523,7 +4906,7 @@
           <a:p>
             <a:fld id="{4251665B-C24A-4702-B522-6A4334602E03}" type="datetimeFigureOut">
               <a:rPr lang="en-US" smtClean="0"/>
-              <a:t>3/19/2013</a:t>
+              <a:t>7/9/2013</a:t>
             </a:fld>
             <a:endParaRPr lang="en-US"/>
           </a:p>
@@ -4861,7 +5244,7 @@
           <a:p>
             <a:fld id="{4251665B-C24A-4702-B522-6A4334602E03}" type="datetimeFigureOut">
               <a:rPr lang="en-US" smtClean="0"/>
-              <a:t>3/19/2013</a:t>
+              <a:t>7/9/2013</a:t>
             </a:fld>
             <a:endParaRPr lang="en-US"/>
           </a:p>
@@ -5161,7 +5544,7 @@
           <a:p>
             <a:fld id="{4251665B-C24A-4702-B522-6A4334602E03}" type="datetimeFigureOut">
               <a:rPr lang="en-US" smtClean="0"/>
-              <a:t>3/19/2013</a:t>
+              <a:t>7/9/2013</a:t>
             </a:fld>
             <a:endParaRPr lang="en-US"/>
           </a:p>
@@ -5568,7 +5951,7 @@
           <a:p>
             <a:fld id="{4251665B-C24A-4702-B522-6A4334602E03}" type="datetimeFigureOut">
               <a:rPr lang="en-US" smtClean="0"/>
-              <a:t>3/19/2013</a:t>
+              <a:t>7/9/2013</a:t>
             </a:fld>
             <a:endParaRPr lang="en-US"/>
           </a:p>
@@ -6030,7 +6413,7 @@
           <a:p>
             <a:fld id="{4251665B-C24A-4702-B522-6A4334602E03}" type="datetimeFigureOut">
               <a:rPr lang="en-US" smtClean="0"/>
-              <a:t>3/19/2013</a:t>
+              <a:t>7/9/2013</a:t>
             </a:fld>
             <a:endParaRPr lang="en-US"/>
           </a:p>
@@ -6256,7 +6639,7 @@
           <a:p>
             <a:fld id="{4251665B-C24A-4702-B522-6A4334602E03}" type="datetimeFigureOut">
               <a:rPr lang="en-US" smtClean="0"/>
-              <a:t>3/19/2013</a:t>
+              <a:t>7/9/2013</a:t>
             </a:fld>
             <a:endParaRPr lang="en-US"/>
           </a:p>
@@ -6633,7 +7016,7 @@
           <a:p>
             <a:fld id="{4251665B-C24A-4702-B522-6A4334602E03}" type="datetimeFigureOut">
               <a:rPr lang="en-US" smtClean="0"/>
-              <a:t>3/19/2013</a:t>
+              <a:t>7/9/2013</a:t>
             </a:fld>
             <a:endParaRPr lang="en-US"/>
           </a:p>
@@ -6960,7 +7343,7 @@
           <a:p>
             <a:fld id="{4251665B-C24A-4702-B522-6A4334602E03}" type="datetimeFigureOut">
               <a:rPr lang="en-US" smtClean="0"/>
-              <a:t>3/19/2013</a:t>
+              <a:t>7/9/2013</a:t>
             </a:fld>
             <a:endParaRPr lang="en-US"/>
           </a:p>
@@ -7295,7 +7678,7 @@
           <a:p>
             <a:fld id="{4251665B-C24A-4702-B522-6A4334602E03}" type="datetimeFigureOut">
               <a:rPr lang="en-US" smtClean="0"/>
-              <a:t>3/19/2013</a:t>
+              <a:t>7/9/2013</a:t>
             </a:fld>
             <a:endParaRPr lang="en-US"/>
           </a:p>
@@ -7918,7 +8301,7 @@
           <a:p>
             <a:fld id="{4251665B-C24A-4702-B522-6A4334602E03}" type="datetimeFigureOut">
               <a:rPr lang="en-US" smtClean="0"/>
-              <a:t>3/19/2013</a:t>
+              <a:t>7/9/2013</a:t>
             </a:fld>
             <a:endParaRPr lang="en-US"/>
           </a:p>
@@ -8405,7 +8788,7 @@
           <a:p>
             <a:fld id="{4251665B-C24A-4702-B522-6A4334602E03}" type="datetimeFigureOut">
               <a:rPr lang="en-US" smtClean="0"/>
-              <a:t>3/19/2013</a:t>
+              <a:t>7/9/2013</a:t>
             </a:fld>
             <a:endParaRPr lang="en-US"/>
           </a:p>
@@ -8614,7 +8997,7 @@
           <a:p>
             <a:fld id="{4251665B-C24A-4702-B522-6A4334602E03}" type="datetimeFigureOut">
               <a:rPr lang="en-US" smtClean="0"/>
-              <a:t>3/19/2013</a:t>
+              <a:t>7/9/2013</a:t>
             </a:fld>
             <a:endParaRPr lang="en-US"/>
           </a:p>
@@ -15761,24 +16144,18 @@
           <a:p>
             <a:pPr lvl="1"/>
             <a:r>
-              <a:rPr lang="de-DE" dirty="0"/>
-              <a:t>Entwicklung</a:t>
-            </a:r>
-            <a:endParaRPr lang="de-DE" dirty="0" smtClean="0"/>
-          </a:p>
-          <a:p>
-            <a:pPr lvl="1"/>
-            <a:r>
               <a:rPr lang="de-DE" dirty="0" smtClean="0"/>
               <a:t>Einsatzmöglichkeiten</a:t>
             </a:r>
+            <a:endParaRPr lang="de-DE" dirty="0" smtClean="0"/>
           </a:p>
           <a:p>
             <a:pPr lvl="1"/>
             <a:r>
-              <a:rPr lang="de-DE" dirty="0"/>
-              <a:t>Neuerungen</a:t>
-            </a:r>
+              <a:rPr lang="de-DE" dirty="0" smtClean="0"/>
+              <a:t>Neuerungen gegenüber Swing</a:t>
+            </a:r>
+            <a:endParaRPr lang="de-DE" dirty="0"/>
           </a:p>
           <a:p>
             <a:pPr lvl="1"/>
@@ -15821,8 +16198,20 @@
             <a:pPr lvl="1"/>
             <a:r>
               <a:rPr lang="de-DE" dirty="0" smtClean="0"/>
-              <a:t>Trennung GUI / Implementierung</a:t>
-            </a:r>
+              <a:t>Trennung GUI / </a:t>
+            </a:r>
+            <a:r>
+              <a:rPr lang="de-DE" dirty="0" smtClean="0"/>
+              <a:t>Implementierung</a:t>
+            </a:r>
+          </a:p>
+          <a:p>
+            <a:pPr lvl="1"/>
+            <a:r>
+              <a:rPr lang="de-DE" dirty="0" smtClean="0"/>
+              <a:t>Architektur-Patterns</a:t>
+            </a:r>
+            <a:endParaRPr lang="de-DE" dirty="0" smtClean="0"/>
           </a:p>
           <a:p>
             <a:pPr marL="0" lvl="1" indent="0">
@@ -17140,10 +17529,4111 @@
           <a:chExt cx="0" cy="0"/>
         </a:xfrm>
       </p:grpSpPr>
+      <p:sp>
+        <p:nvSpPr>
+          <p:cNvPr id="2" name="Titel 1"/>
+          <p:cNvSpPr>
+            <a:spLocks noGrp="1"/>
+          </p:cNvSpPr>
+          <p:nvPr>
+            <p:ph type="title"/>
+          </p:nvPr>
+        </p:nvSpPr>
+        <p:spPr>
+          <a:xfrm>
+            <a:off x="457199" y="1505676"/>
+            <a:ext cx="6832122" cy="551723"/>
+          </a:xfrm>
+        </p:spPr>
+        <p:txBody>
+          <a:bodyPr/>
+          <a:lstStyle/>
+          <a:p>
+            <a:r>
+              <a:rPr lang="de-DE" dirty="0" smtClean="0"/>
+              <a:t>Deklarative Beschreibung </a:t>
+            </a:r>
+            <a:r>
+              <a:rPr lang="de-DE" dirty="0" smtClean="0"/>
+              <a:t>der GUI</a:t>
+            </a:r>
+            <a:endParaRPr lang="de-DE" dirty="0"/>
+          </a:p>
+        </p:txBody>
+      </p:sp>
+      <p:sp>
+        <p:nvSpPr>
+          <p:cNvPr id="3" name="Inhaltsplatzhalter 2"/>
+          <p:cNvSpPr>
+            <a:spLocks noGrp="1"/>
+          </p:cNvSpPr>
+          <p:nvPr>
+            <p:ph idx="1"/>
+          </p:nvPr>
+        </p:nvSpPr>
+        <p:spPr>
+          <a:xfrm>
+            <a:off x="0" y="4038599"/>
+            <a:ext cx="9143999" cy="1749725"/>
+          </a:xfrm>
+        </p:spPr>
+        <p:txBody>
+          <a:bodyPr anchor="ctr">
+            <a:noAutofit/>
+          </a:bodyPr>
+          <a:lstStyle/>
+          <a:p>
+            <a:pPr marL="0" indent="0" algn="ctr">
+              <a:buNone/>
+            </a:pPr>
+            <a:r>
+              <a:rPr lang="de-DE" sz="2800" dirty="0" smtClean="0"/>
+              <a:t>Designer designt / layoutet</a:t>
+            </a:r>
+          </a:p>
+          <a:p>
+            <a:pPr marL="0" indent="0" algn="ctr">
+              <a:buNone/>
+            </a:pPr>
+            <a:r>
+              <a:rPr lang="de-DE" sz="2800" dirty="0" smtClean="0"/>
+              <a:t>Entwickler entwickelt</a:t>
+            </a:r>
+          </a:p>
+        </p:txBody>
+      </p:sp>
+      <p:sp>
+        <p:nvSpPr>
+          <p:cNvPr id="4" name="Textplatzhalter 10"/>
+          <p:cNvSpPr>
+            <a:spLocks noGrp="1"/>
+          </p:cNvSpPr>
+          <p:nvPr>
+            <p:ph type="body" sz="quarter" idx="12"/>
+          </p:nvPr>
+        </p:nvSpPr>
+        <p:spPr/>
+        <p:txBody>
+          <a:bodyPr>
+            <a:noAutofit/>
+          </a:bodyPr>
+          <a:lstStyle>
+            <a:lvl1pPr marL="0" indent="0">
+              <a:buNone/>
+              <a:defRPr sz="4400"/>
+            </a:lvl1pPr>
+          </a:lstStyle>
+          <a:p>
+            <a:pPr lvl="0"/>
+            <a:r>
+              <a:rPr lang="de-DE" dirty="0" smtClean="0">
+                <a:solidFill>
+                  <a:schemeClr val="bg2"/>
+                </a:solidFill>
+              </a:rPr>
+              <a:t>FXML</a:t>
+            </a:r>
+            <a:endParaRPr lang="de-DE" dirty="0">
+              <a:solidFill>
+                <a:schemeClr val="bg2"/>
+              </a:solidFill>
+            </a:endParaRPr>
+          </a:p>
+        </p:txBody>
+      </p:sp>
+      <p:sp>
+        <p:nvSpPr>
+          <p:cNvPr id="14" name="Inhaltsplatzhalter 2"/>
+          <p:cNvSpPr txBox="1">
+            <a:spLocks/>
+          </p:cNvSpPr>
+          <p:nvPr/>
+        </p:nvSpPr>
+        <p:spPr>
+          <a:xfrm>
+            <a:off x="1" y="2429774"/>
+            <a:ext cx="9144000" cy="1778450"/>
+          </a:xfrm>
+          <a:prstGeom prst="rect">
+            <a:avLst/>
+          </a:prstGeom>
+        </p:spPr>
+        <p:txBody>
+          <a:bodyPr vert="horz" lIns="91440" tIns="45720" rIns="91440" bIns="45720" rtlCol="0" anchor="ctr">
+            <a:normAutofit/>
+          </a:bodyPr>
+          <a:lstStyle>
+            <a:lvl1pPr marL="228600" indent="-228600" algn="l" defTabSz="914400" rtl="0" eaLnBrk="1" latinLnBrk="0" hangingPunct="1">
+              <a:spcBef>
+                <a:spcPts val="1800"/>
+              </a:spcBef>
+              <a:buClr>
+                <a:schemeClr val="accent1"/>
+              </a:buClr>
+              <a:buSzPct val="100000"/>
+              <a:buFont typeface="Wingdings 2" pitchFamily="18" charset="2"/>
+              <a:buChar char="¡"/>
+              <a:defRPr sz="2000" kern="1200">
+                <a:solidFill>
+                  <a:schemeClr val="tx2"/>
+                </a:solidFill>
+                <a:latin typeface="+mn-lt"/>
+                <a:ea typeface="+mn-ea"/>
+                <a:cs typeface="+mn-cs"/>
+              </a:defRPr>
+            </a:lvl1pPr>
+            <a:lvl2pPr marL="457200" indent="-228600" algn="l" defTabSz="914400" rtl="0" eaLnBrk="1" latinLnBrk="0" hangingPunct="1">
+              <a:spcBef>
+                <a:spcPts val="600"/>
+              </a:spcBef>
+              <a:buClr>
+                <a:schemeClr val="accent1">
+                  <a:lumMod val="50000"/>
+                </a:schemeClr>
+              </a:buClr>
+              <a:buSzPct val="100000"/>
+              <a:buFont typeface="Wingdings 2" pitchFamily="18" charset="2"/>
+              <a:buChar char="¡"/>
+              <a:defRPr sz="1800" kern="1200">
+                <a:solidFill>
+                  <a:schemeClr val="tx2"/>
+                </a:solidFill>
+                <a:latin typeface="+mn-lt"/>
+                <a:ea typeface="+mn-ea"/>
+                <a:cs typeface="+mn-cs"/>
+              </a:defRPr>
+            </a:lvl2pPr>
+            <a:lvl3pPr marL="685800" indent="-228600" algn="l" defTabSz="914400" rtl="0" eaLnBrk="1" latinLnBrk="0" hangingPunct="1">
+              <a:spcBef>
+                <a:spcPts val="600"/>
+              </a:spcBef>
+              <a:buClr>
+                <a:schemeClr val="accent1"/>
+              </a:buClr>
+              <a:buSzPct val="100000"/>
+              <a:buFont typeface="Wingdings 2" pitchFamily="18" charset="2"/>
+              <a:buChar char="¡"/>
+              <a:defRPr sz="1800" kern="1200">
+                <a:solidFill>
+                  <a:schemeClr val="tx2"/>
+                </a:solidFill>
+                <a:latin typeface="+mn-lt"/>
+                <a:ea typeface="+mn-ea"/>
+                <a:cs typeface="+mn-cs"/>
+              </a:defRPr>
+            </a:lvl3pPr>
+            <a:lvl4pPr marL="914400" indent="-228600" algn="l" defTabSz="914400" rtl="0" eaLnBrk="1" latinLnBrk="0" hangingPunct="1">
+              <a:spcBef>
+                <a:spcPts val="600"/>
+              </a:spcBef>
+              <a:buClr>
+                <a:schemeClr val="accent1">
+                  <a:lumMod val="50000"/>
+                </a:schemeClr>
+              </a:buClr>
+              <a:buSzPct val="100000"/>
+              <a:buFont typeface="Wingdings 2" pitchFamily="18" charset="2"/>
+              <a:buChar char="¡"/>
+              <a:defRPr sz="1800" kern="1200">
+                <a:solidFill>
+                  <a:schemeClr val="tx2"/>
+                </a:solidFill>
+                <a:latin typeface="+mn-lt"/>
+                <a:ea typeface="+mn-ea"/>
+                <a:cs typeface="+mn-cs"/>
+              </a:defRPr>
+            </a:lvl4pPr>
+            <a:lvl5pPr marL="1143000" indent="-228600" algn="l" defTabSz="914400" rtl="0" eaLnBrk="1" latinLnBrk="0" hangingPunct="1">
+              <a:spcBef>
+                <a:spcPts val="600"/>
+              </a:spcBef>
+              <a:buClr>
+                <a:schemeClr val="accent1"/>
+              </a:buClr>
+              <a:buSzPct val="100000"/>
+              <a:buFont typeface="Wingdings 2" pitchFamily="18" charset="2"/>
+              <a:buChar char="¡"/>
+              <a:defRPr sz="1800" kern="1200">
+                <a:solidFill>
+                  <a:schemeClr val="tx2"/>
+                </a:solidFill>
+                <a:latin typeface="+mn-lt"/>
+                <a:ea typeface="+mn-ea"/>
+                <a:cs typeface="+mn-cs"/>
+              </a:defRPr>
+            </a:lvl5pPr>
+            <a:lvl6pPr marL="1377950" indent="-228600" algn="l" defTabSz="914400" rtl="0" eaLnBrk="1" latinLnBrk="0" hangingPunct="1">
+              <a:spcBef>
+                <a:spcPct val="20000"/>
+              </a:spcBef>
+              <a:buClr>
+                <a:schemeClr val="accent1">
+                  <a:lumMod val="50000"/>
+                </a:schemeClr>
+              </a:buClr>
+              <a:buFont typeface="Wingdings 2" pitchFamily="18" charset="2"/>
+              <a:buChar char=""/>
+              <a:defRPr lang="en-US" sz="1800" kern="1200" dirty="0" smtClean="0">
+                <a:solidFill>
+                  <a:schemeClr val="tx2"/>
+                </a:solidFill>
+                <a:latin typeface="+mn-lt"/>
+                <a:ea typeface="+mn-ea"/>
+                <a:cs typeface="+mn-cs"/>
+              </a:defRPr>
+            </a:lvl6pPr>
+            <a:lvl7pPr marL="1603375" indent="-228600" algn="l" defTabSz="914400" rtl="0" eaLnBrk="1" latinLnBrk="0" hangingPunct="1">
+              <a:spcBef>
+                <a:spcPct val="20000"/>
+              </a:spcBef>
+              <a:buClr>
+                <a:schemeClr val="accent1"/>
+              </a:buClr>
+              <a:buFont typeface="Wingdings 2" pitchFamily="18" charset="2"/>
+              <a:buChar char=""/>
+              <a:defRPr lang="en-US" sz="1800" kern="1200" dirty="0" smtClean="0">
+                <a:solidFill>
+                  <a:schemeClr val="tx2"/>
+                </a:solidFill>
+                <a:latin typeface="+mn-lt"/>
+                <a:ea typeface="+mn-ea"/>
+                <a:cs typeface="+mn-cs"/>
+              </a:defRPr>
+            </a:lvl7pPr>
+            <a:lvl8pPr marL="1830388" indent="-228600" algn="l" defTabSz="914400" rtl="0" eaLnBrk="1" latinLnBrk="0" hangingPunct="1">
+              <a:spcBef>
+                <a:spcPct val="20000"/>
+              </a:spcBef>
+              <a:buClr>
+                <a:schemeClr val="accent1">
+                  <a:lumMod val="50000"/>
+                </a:schemeClr>
+              </a:buClr>
+              <a:buFont typeface="Wingdings 2" pitchFamily="18" charset="2"/>
+              <a:buChar char=""/>
+              <a:defRPr lang="en-US" sz="1800" kern="1200" dirty="0" smtClean="0">
+                <a:solidFill>
+                  <a:schemeClr val="tx2"/>
+                </a:solidFill>
+                <a:latin typeface="+mn-lt"/>
+                <a:ea typeface="+mn-ea"/>
+                <a:cs typeface="+mn-cs"/>
+              </a:defRPr>
+            </a:lvl8pPr>
+            <a:lvl9pPr marL="2057400" indent="-228600" algn="l" defTabSz="914400" rtl="0" eaLnBrk="1" latinLnBrk="0" hangingPunct="1">
+              <a:spcBef>
+                <a:spcPct val="20000"/>
+              </a:spcBef>
+              <a:buClr>
+                <a:schemeClr val="accent1"/>
+              </a:buClr>
+              <a:buFont typeface="Wingdings 2" pitchFamily="18" charset="2"/>
+              <a:buChar char=""/>
+              <a:defRPr lang="en-US" sz="1800" kern="1200" dirty="0">
+                <a:solidFill>
+                  <a:schemeClr val="tx2"/>
+                </a:solidFill>
+                <a:latin typeface="+mn-lt"/>
+                <a:ea typeface="+mn-ea"/>
+                <a:cs typeface="+mn-cs"/>
+              </a:defRPr>
+            </a:lvl9pPr>
+          </a:lstStyle>
+          <a:p>
+            <a:pPr marL="0" indent="0" algn="ctr">
+              <a:buNone/>
+            </a:pPr>
+            <a:r>
+              <a:rPr lang="de-DE" sz="4000" dirty="0" err="1" smtClean="0"/>
+              <a:t>Benefit</a:t>
+            </a:r>
+            <a:r>
+              <a:rPr lang="de-DE" sz="4000" dirty="0" smtClean="0"/>
+              <a:t>?</a:t>
+            </a:r>
+          </a:p>
+        </p:txBody>
+      </p:sp>
     </p:spTree>
     <p:extLst>
       <p:ext uri="{BB962C8B-B14F-4D97-AF65-F5344CB8AC3E}">
-        <p14:creationId xmlns:p14="http://schemas.microsoft.com/office/powerpoint/2010/main" val="3524587750"/>
+        <p14:creationId xmlns:p14="http://schemas.microsoft.com/office/powerpoint/2010/main" val="4235326708"/>
+      </p:ext>
+    </p:extLst>
+  </p:cSld>
+  <p:clrMapOvr>
+    <a:masterClrMapping/>
+  </p:clrMapOvr>
+  <mc:AlternateContent xmlns:mc="http://schemas.openxmlformats.org/markup-compatibility/2006" xmlns:p14="http://schemas.microsoft.com/office/powerpoint/2010/main">
+    <mc:Choice Requires="p14">
+      <p:transition spd="slow" p14:dur="2000"/>
+    </mc:Choice>
+    <mc:Fallback xmlns="">
+      <p:transition spd="slow"/>
+    </mc:Fallback>
+  </mc:AlternateContent>
+  <p:timing>
+    <p:tnLst>
+      <p:par>
+        <p:cTn id="1" dur="indefinite" restart="never" nodeType="tmRoot">
+          <p:childTnLst>
+            <p:seq concurrent="1" nextAc="seek">
+              <p:cTn id="2" dur="indefinite" nodeType="mainSeq">
+                <p:childTnLst>
+                  <p:par>
+                    <p:cTn id="3" fill="hold">
+                      <p:stCondLst>
+                        <p:cond delay="indefinite"/>
+                      </p:stCondLst>
+                      <p:childTnLst>
+                        <p:par>
+                          <p:cTn id="4" fill="hold">
+                            <p:stCondLst>
+                              <p:cond delay="0"/>
+                            </p:stCondLst>
+                            <p:childTnLst>
+                              <p:par>
+                                <p:cTn id="5" presetID="10" presetClass="entr" presetSubtype="0" fill="hold" grpId="0" nodeType="clickEffect">
+                                  <p:stCondLst>
+                                    <p:cond delay="0"/>
+                                  </p:stCondLst>
+                                  <p:childTnLst>
+                                    <p:set>
+                                      <p:cBhvr>
+                                        <p:cTn id="6" dur="1" fill="hold">
+                                          <p:stCondLst>
+                                            <p:cond delay="0"/>
+                                          </p:stCondLst>
+                                        </p:cTn>
+                                        <p:tgtEl>
+                                          <p:spTgt spid="3">
+                                            <p:txEl>
+                                              <p:pRg st="0" end="0"/>
+                                            </p:txEl>
+                                          </p:spTgt>
+                                        </p:tgtEl>
+                                        <p:attrNameLst>
+                                          <p:attrName>style.visibility</p:attrName>
+                                        </p:attrNameLst>
+                                      </p:cBhvr>
+                                      <p:to>
+                                        <p:strVal val="visible"/>
+                                      </p:to>
+                                    </p:set>
+                                    <p:animEffect transition="in" filter="fade">
+                                      <p:cBhvr>
+                                        <p:cTn id="7" dur="500"/>
+                                        <p:tgtEl>
+                                          <p:spTgt spid="3">
+                                            <p:txEl>
+                                              <p:pRg st="0" end="0"/>
+                                            </p:txEl>
+                                          </p:spTgt>
+                                        </p:tgtEl>
+                                      </p:cBhvr>
+                                    </p:animEffect>
+                                  </p:childTnLst>
+                                </p:cTn>
+                              </p:par>
+                            </p:childTnLst>
+                          </p:cTn>
+                        </p:par>
+                      </p:childTnLst>
+                    </p:cTn>
+                  </p:par>
+                  <p:par>
+                    <p:cTn id="8" fill="hold">
+                      <p:stCondLst>
+                        <p:cond delay="indefinite"/>
+                      </p:stCondLst>
+                      <p:childTnLst>
+                        <p:par>
+                          <p:cTn id="9" fill="hold">
+                            <p:stCondLst>
+                              <p:cond delay="0"/>
+                            </p:stCondLst>
+                            <p:childTnLst>
+                              <p:par>
+                                <p:cTn id="10" presetID="10" presetClass="entr" presetSubtype="0" fill="hold" grpId="0" nodeType="clickEffect">
+                                  <p:stCondLst>
+                                    <p:cond delay="0"/>
+                                  </p:stCondLst>
+                                  <p:childTnLst>
+                                    <p:set>
+                                      <p:cBhvr>
+                                        <p:cTn id="11" dur="1" fill="hold">
+                                          <p:stCondLst>
+                                            <p:cond delay="0"/>
+                                          </p:stCondLst>
+                                        </p:cTn>
+                                        <p:tgtEl>
+                                          <p:spTgt spid="3">
+                                            <p:txEl>
+                                              <p:pRg st="1" end="1"/>
+                                            </p:txEl>
+                                          </p:spTgt>
+                                        </p:tgtEl>
+                                        <p:attrNameLst>
+                                          <p:attrName>style.visibility</p:attrName>
+                                        </p:attrNameLst>
+                                      </p:cBhvr>
+                                      <p:to>
+                                        <p:strVal val="visible"/>
+                                      </p:to>
+                                    </p:set>
+                                    <p:animEffect transition="in" filter="fade">
+                                      <p:cBhvr>
+                                        <p:cTn id="12" dur="500"/>
+                                        <p:tgtEl>
+                                          <p:spTgt spid="3">
+                                            <p:txEl>
+                                              <p:pRg st="1" end="1"/>
+                                            </p:txEl>
+                                          </p:spTgt>
+                                        </p:tgtEl>
+                                      </p:cBhvr>
+                                    </p:animEffect>
+                                  </p:childTnLst>
+                                </p:cTn>
+                              </p:par>
+                            </p:childTnLst>
+                          </p:cTn>
+                        </p:par>
+                      </p:childTnLst>
+                    </p:cTn>
+                  </p:par>
+                </p:childTnLst>
+              </p:cTn>
+              <p:prevCondLst>
+                <p:cond evt="onPrev" delay="0">
+                  <p:tgtEl>
+                    <p:sldTgt/>
+                  </p:tgtEl>
+                </p:cond>
+              </p:prevCondLst>
+              <p:nextCondLst>
+                <p:cond evt="onNext" delay="0">
+                  <p:tgtEl>
+                    <p:sldTgt/>
+                  </p:tgtEl>
+                </p:cond>
+              </p:nextCondLst>
+            </p:seq>
+          </p:childTnLst>
+        </p:cTn>
+      </p:par>
+    </p:tnLst>
+    <p:bldLst>
+      <p:bldP spid="3" grpId="0" build="p"/>
+    </p:bldLst>
+  </p:timing>
+</p:sld>
+</file>
+
+<file path=ppt/slides/slide23.xml><?xml version="1.0" encoding="utf-8"?>
+<p:sld xmlns:a="http://schemas.openxmlformats.org/drawingml/2006/main" xmlns:r="http://schemas.openxmlformats.org/officeDocument/2006/relationships" xmlns:p="http://schemas.openxmlformats.org/presentationml/2006/main">
+  <p:cSld>
+    <p:spTree>
+      <p:nvGrpSpPr>
+        <p:cNvPr id="1" name=""/>
+        <p:cNvGrpSpPr/>
+        <p:nvPr/>
+      </p:nvGrpSpPr>
+      <p:grpSpPr>
+        <a:xfrm>
+          <a:off x="0" y="0"/>
+          <a:ext cx="0" cy="0"/>
+          <a:chOff x="0" y="0"/>
+          <a:chExt cx="0" cy="0"/>
+        </a:xfrm>
+      </p:grpSpPr>
+      <p:sp>
+        <p:nvSpPr>
+          <p:cNvPr id="5" name="Textplatzhalter 4"/>
+          <p:cNvSpPr>
+            <a:spLocks noGrp="1"/>
+          </p:cNvSpPr>
+          <p:nvPr>
+            <p:ph type="body" sz="quarter" idx="12"/>
+          </p:nvPr>
+        </p:nvSpPr>
+        <p:spPr/>
+        <p:txBody>
+          <a:bodyPr/>
+          <a:lstStyle/>
+          <a:p>
+            <a:r>
+              <a:rPr lang="de-DE" dirty="0" smtClean="0"/>
+              <a:t>Pattern</a:t>
+            </a:r>
+            <a:endParaRPr lang="de-DE" dirty="0"/>
+          </a:p>
+        </p:txBody>
+      </p:sp>
+      <p:sp>
+        <p:nvSpPr>
+          <p:cNvPr id="2" name="Rechteck 1"/>
+          <p:cNvSpPr/>
+          <p:nvPr/>
+        </p:nvSpPr>
+        <p:spPr>
+          <a:xfrm>
+            <a:off x="3360901" y="2200172"/>
+            <a:ext cx="2447954" cy="839633"/>
+          </a:xfrm>
+          <a:prstGeom prst="rect">
+            <a:avLst/>
+          </a:prstGeom>
+          <a:ln>
+            <a:noFill/>
+          </a:ln>
+        </p:spPr>
+        <p:style>
+          <a:lnRef idx="2">
+            <a:schemeClr val="accent6">
+              <a:shade val="50000"/>
+            </a:schemeClr>
+          </a:lnRef>
+          <a:fillRef idx="1">
+            <a:schemeClr val="accent6"/>
+          </a:fillRef>
+          <a:effectRef idx="0">
+            <a:schemeClr val="accent6"/>
+          </a:effectRef>
+          <a:fontRef idx="minor">
+            <a:schemeClr val="lt1"/>
+          </a:fontRef>
+        </p:style>
+        <p:txBody>
+          <a:bodyPr rtlCol="0" anchor="ctr"/>
+          <a:lstStyle/>
+          <a:p>
+            <a:pPr algn="ctr"/>
+            <a:r>
+              <a:rPr lang="de-DE" sz="2800" dirty="0" smtClean="0"/>
+              <a:t>View</a:t>
+            </a:r>
+            <a:br>
+              <a:rPr lang="de-DE" sz="2800" dirty="0" smtClean="0"/>
+            </a:br>
+            <a:r>
+              <a:rPr lang="de-DE" sz="1600" dirty="0" smtClean="0"/>
+              <a:t>(FXML + </a:t>
+            </a:r>
+            <a:r>
+              <a:rPr lang="de-DE" sz="1600" dirty="0" err="1" smtClean="0"/>
+              <a:t>code</a:t>
+            </a:r>
+            <a:r>
+              <a:rPr lang="de-DE" sz="1600" dirty="0" smtClean="0"/>
+              <a:t> </a:t>
+            </a:r>
+            <a:r>
+              <a:rPr lang="de-DE" sz="1600" dirty="0" err="1" smtClean="0"/>
+              <a:t>behind</a:t>
+            </a:r>
+            <a:r>
+              <a:rPr lang="de-DE" sz="1600" dirty="0" smtClean="0"/>
+              <a:t>)</a:t>
+            </a:r>
+            <a:endParaRPr lang="de-DE" sz="1600" dirty="0"/>
+          </a:p>
+        </p:txBody>
+      </p:sp>
+      <p:sp>
+        <p:nvSpPr>
+          <p:cNvPr id="6" name="Rechteck 5"/>
+          <p:cNvSpPr/>
+          <p:nvPr/>
+        </p:nvSpPr>
+        <p:spPr>
+          <a:xfrm>
+            <a:off x="3485072" y="3497871"/>
+            <a:ext cx="2199611" cy="650427"/>
+          </a:xfrm>
+          <a:prstGeom prst="rect">
+            <a:avLst/>
+          </a:prstGeom>
+          <a:solidFill>
+            <a:schemeClr val="accent1"/>
+          </a:solidFill>
+          <a:ln>
+            <a:noFill/>
+          </a:ln>
+        </p:spPr>
+        <p:style>
+          <a:lnRef idx="2">
+            <a:schemeClr val="accent6">
+              <a:shade val="50000"/>
+            </a:schemeClr>
+          </a:lnRef>
+          <a:fillRef idx="1">
+            <a:schemeClr val="accent6"/>
+          </a:fillRef>
+          <a:effectRef idx="0">
+            <a:schemeClr val="accent6"/>
+          </a:effectRef>
+          <a:fontRef idx="minor">
+            <a:schemeClr val="lt1"/>
+          </a:fontRef>
+        </p:style>
+        <p:txBody>
+          <a:bodyPr rtlCol="0" anchor="ctr"/>
+          <a:lstStyle/>
+          <a:p>
+            <a:pPr algn="ctr"/>
+            <a:r>
+              <a:rPr lang="de-DE" sz="2000" dirty="0" err="1" smtClean="0"/>
+              <a:t>Databinding</a:t>
+            </a:r>
+            <a:endParaRPr lang="de-DE" sz="2000" dirty="0"/>
+          </a:p>
+        </p:txBody>
+      </p:sp>
+      <p:sp>
+        <p:nvSpPr>
+          <p:cNvPr id="7" name="Rechteck 6"/>
+          <p:cNvSpPr/>
+          <p:nvPr/>
+        </p:nvSpPr>
+        <p:spPr>
+          <a:xfrm>
+            <a:off x="3821497" y="4608575"/>
+            <a:ext cx="1537362" cy="644510"/>
+          </a:xfrm>
+          <a:prstGeom prst="rect">
+            <a:avLst/>
+          </a:prstGeom>
+          <a:ln>
+            <a:noFill/>
+          </a:ln>
+        </p:spPr>
+        <p:style>
+          <a:lnRef idx="2">
+            <a:schemeClr val="accent6">
+              <a:shade val="50000"/>
+            </a:schemeClr>
+          </a:lnRef>
+          <a:fillRef idx="1">
+            <a:schemeClr val="accent6"/>
+          </a:fillRef>
+          <a:effectRef idx="0">
+            <a:schemeClr val="accent6"/>
+          </a:effectRef>
+          <a:fontRef idx="minor">
+            <a:schemeClr val="lt1"/>
+          </a:fontRef>
+        </p:style>
+        <p:txBody>
+          <a:bodyPr rtlCol="0" anchor="ctr"/>
+          <a:lstStyle/>
+          <a:p>
+            <a:pPr algn="ctr"/>
+            <a:r>
+              <a:rPr lang="de-DE" dirty="0" smtClean="0"/>
+              <a:t>View Model</a:t>
+            </a:r>
+            <a:endParaRPr lang="de-DE" dirty="0"/>
+          </a:p>
+        </p:txBody>
+      </p:sp>
+      <p:sp>
+        <p:nvSpPr>
+          <p:cNvPr id="8" name="Rechteck 7"/>
+          <p:cNvSpPr/>
+          <p:nvPr/>
+        </p:nvSpPr>
+        <p:spPr>
+          <a:xfrm>
+            <a:off x="3821497" y="5711292"/>
+            <a:ext cx="1537362" cy="536107"/>
+          </a:xfrm>
+          <a:prstGeom prst="rect">
+            <a:avLst/>
+          </a:prstGeom>
+          <a:ln>
+            <a:noFill/>
+          </a:ln>
+        </p:spPr>
+        <p:style>
+          <a:lnRef idx="2">
+            <a:schemeClr val="accent6">
+              <a:shade val="50000"/>
+            </a:schemeClr>
+          </a:lnRef>
+          <a:fillRef idx="1">
+            <a:schemeClr val="accent6"/>
+          </a:fillRef>
+          <a:effectRef idx="0">
+            <a:schemeClr val="accent6"/>
+          </a:effectRef>
+          <a:fontRef idx="minor">
+            <a:schemeClr val="lt1"/>
+          </a:fontRef>
+        </p:style>
+        <p:txBody>
+          <a:bodyPr rtlCol="0" anchor="ctr"/>
+          <a:lstStyle/>
+          <a:p>
+            <a:pPr algn="ctr"/>
+            <a:r>
+              <a:rPr lang="de-DE" dirty="0" smtClean="0"/>
+              <a:t>Model</a:t>
+            </a:r>
+            <a:endParaRPr lang="de-DE" dirty="0"/>
+          </a:p>
+        </p:txBody>
+      </p:sp>
+      <p:cxnSp>
+        <p:nvCxnSpPr>
+          <p:cNvPr id="10" name="Gerade Verbindung mit Pfeil 9"/>
+          <p:cNvCxnSpPr>
+            <a:stCxn id="2" idx="2"/>
+            <a:endCxn id="6" idx="0"/>
+          </p:cNvCxnSpPr>
+          <p:nvPr/>
+        </p:nvCxnSpPr>
+        <p:spPr>
+          <a:xfrm>
+            <a:off x="4584878" y="3039805"/>
+            <a:ext cx="0" cy="458066"/>
+          </a:xfrm>
+          <a:prstGeom prst="straightConnector1">
+            <a:avLst/>
+          </a:prstGeom>
+          <a:ln w="12700">
+            <a:tailEnd type="arrow"/>
+          </a:ln>
+        </p:spPr>
+        <p:style>
+          <a:lnRef idx="2">
+            <a:schemeClr val="accent6"/>
+          </a:lnRef>
+          <a:fillRef idx="0">
+            <a:schemeClr val="accent6"/>
+          </a:fillRef>
+          <a:effectRef idx="1">
+            <a:schemeClr val="accent6"/>
+          </a:effectRef>
+          <a:fontRef idx="minor">
+            <a:schemeClr val="tx1"/>
+          </a:fontRef>
+        </p:style>
+      </p:cxnSp>
+      <p:cxnSp>
+        <p:nvCxnSpPr>
+          <p:cNvPr id="12" name="Gerade Verbindung mit Pfeil 11"/>
+          <p:cNvCxnSpPr>
+            <a:stCxn id="7" idx="0"/>
+            <a:endCxn id="6" idx="2"/>
+          </p:cNvCxnSpPr>
+          <p:nvPr/>
+        </p:nvCxnSpPr>
+        <p:spPr>
+          <a:xfrm flipH="1" flipV="1">
+            <a:off x="4584878" y="4148298"/>
+            <a:ext cx="5300" cy="460277"/>
+          </a:xfrm>
+          <a:prstGeom prst="straightConnector1">
+            <a:avLst/>
+          </a:prstGeom>
+          <a:ln w="12700">
+            <a:tailEnd type="arrow"/>
+          </a:ln>
+        </p:spPr>
+        <p:style>
+          <a:lnRef idx="2">
+            <a:schemeClr val="accent6"/>
+          </a:lnRef>
+          <a:fillRef idx="0">
+            <a:schemeClr val="accent6"/>
+          </a:fillRef>
+          <a:effectRef idx="1">
+            <a:schemeClr val="accent6"/>
+          </a:effectRef>
+          <a:fontRef idx="minor">
+            <a:schemeClr val="tx1"/>
+          </a:fontRef>
+        </p:style>
+      </p:cxnSp>
+      <p:cxnSp>
+        <p:nvCxnSpPr>
+          <p:cNvPr id="15" name="Gerade Verbindung mit Pfeil 14"/>
+          <p:cNvCxnSpPr>
+            <a:stCxn id="7" idx="2"/>
+            <a:endCxn id="8" idx="0"/>
+          </p:cNvCxnSpPr>
+          <p:nvPr/>
+        </p:nvCxnSpPr>
+        <p:spPr>
+          <a:xfrm>
+            <a:off x="4590178" y="5253085"/>
+            <a:ext cx="0" cy="458207"/>
+          </a:xfrm>
+          <a:prstGeom prst="straightConnector1">
+            <a:avLst/>
+          </a:prstGeom>
+          <a:ln w="12700">
+            <a:tailEnd type="arrow"/>
+          </a:ln>
+        </p:spPr>
+        <p:style>
+          <a:lnRef idx="2">
+            <a:schemeClr val="accent6"/>
+          </a:lnRef>
+          <a:fillRef idx="0">
+            <a:schemeClr val="accent6"/>
+          </a:fillRef>
+          <a:effectRef idx="1">
+            <a:schemeClr val="accent6"/>
+          </a:effectRef>
+          <a:fontRef idx="minor">
+            <a:schemeClr val="tx1"/>
+          </a:fontRef>
+        </p:style>
+      </p:cxnSp>
+      <p:sp>
+        <p:nvSpPr>
+          <p:cNvPr id="47" name="Titel 2"/>
+          <p:cNvSpPr txBox="1">
+            <a:spLocks/>
+          </p:cNvSpPr>
+          <p:nvPr/>
+        </p:nvSpPr>
+        <p:spPr>
+          <a:xfrm>
+            <a:off x="457573" y="1511875"/>
+            <a:ext cx="6508377" cy="551723"/>
+          </a:xfrm>
+          <a:prstGeom prst="rect">
+            <a:avLst/>
+          </a:prstGeom>
+        </p:spPr>
+        <p:txBody>
+          <a:bodyPr vert="horz" lIns="91440" tIns="45720" rIns="91440" bIns="45720" rtlCol="0" anchor="b" anchorCtr="0">
+            <a:noAutofit/>
+          </a:bodyPr>
+          <a:lstStyle>
+            <a:lvl1pPr algn="l" defTabSz="914400" rtl="0" eaLnBrk="1" latinLnBrk="0" hangingPunct="1">
+              <a:spcBef>
+                <a:spcPct val="0"/>
+              </a:spcBef>
+              <a:buNone/>
+              <a:defRPr sz="3200" kern="1200">
+                <a:solidFill>
+                  <a:schemeClr val="accent1"/>
+                </a:solidFill>
+                <a:latin typeface="+mj-lt"/>
+                <a:ea typeface="+mj-ea"/>
+                <a:cs typeface="+mj-cs"/>
+              </a:defRPr>
+            </a:lvl1pPr>
+          </a:lstStyle>
+          <a:p>
+            <a:r>
+              <a:rPr lang="de-DE" dirty="0" smtClean="0"/>
+              <a:t>PM </a:t>
+            </a:r>
+            <a:r>
+              <a:rPr lang="de-DE" sz="2000" dirty="0" smtClean="0"/>
+              <a:t>(MVVM) </a:t>
+            </a:r>
+            <a:endParaRPr lang="de-DE" dirty="0"/>
+          </a:p>
+        </p:txBody>
+      </p:sp>
+    </p:spTree>
+    <p:extLst>
+      <p:ext uri="{BB962C8B-B14F-4D97-AF65-F5344CB8AC3E}">
+        <p14:creationId xmlns:p14="http://schemas.microsoft.com/office/powerpoint/2010/main" val="1965818099"/>
+      </p:ext>
+    </p:extLst>
+  </p:cSld>
+  <p:clrMapOvr>
+    <a:masterClrMapping/>
+  </p:clrMapOvr>
+  <mc:AlternateContent xmlns:mc="http://schemas.openxmlformats.org/markup-compatibility/2006" xmlns:p14="http://schemas.microsoft.com/office/powerpoint/2010/main">
+    <mc:Choice Requires="p14">
+      <p:transition spd="slow" p14:dur="2000"/>
+    </mc:Choice>
+    <mc:Fallback xmlns="">
+      <p:transition spd="slow"/>
+    </mc:Fallback>
+  </mc:AlternateContent>
+  <p:timing>
+    <p:tnLst>
+      <p:par>
+        <p:cTn id="1" dur="indefinite" restart="never" nodeType="tmRoot">
+          <p:childTnLst>
+            <p:seq concurrent="1" nextAc="seek">
+              <p:cTn id="2" dur="indefinite" nodeType="mainSeq">
+                <p:childTnLst>
+                  <p:par>
+                    <p:cTn id="3" fill="hold">
+                      <p:stCondLst>
+                        <p:cond delay="indefinite"/>
+                      </p:stCondLst>
+                      <p:childTnLst>
+                        <p:par>
+                          <p:cTn id="4" fill="hold">
+                            <p:stCondLst>
+                              <p:cond delay="0"/>
+                            </p:stCondLst>
+                            <p:childTnLst>
+                              <p:par>
+                                <p:cTn id="5" presetID="10" presetClass="entr" presetSubtype="0" fill="hold" grpId="1" nodeType="clickEffect">
+                                  <p:stCondLst>
+                                    <p:cond delay="0"/>
+                                  </p:stCondLst>
+                                  <p:childTnLst>
+                                    <p:set>
+                                      <p:cBhvr>
+                                        <p:cTn id="6" dur="1" fill="hold">
+                                          <p:stCondLst>
+                                            <p:cond delay="0"/>
+                                          </p:stCondLst>
+                                        </p:cTn>
+                                        <p:tgtEl>
+                                          <p:spTgt spid="2"/>
+                                        </p:tgtEl>
+                                        <p:attrNameLst>
+                                          <p:attrName>style.visibility</p:attrName>
+                                        </p:attrNameLst>
+                                      </p:cBhvr>
+                                      <p:to>
+                                        <p:strVal val="visible"/>
+                                      </p:to>
+                                    </p:set>
+                                    <p:animEffect transition="in" filter="fade">
+                                      <p:cBhvr>
+                                        <p:cTn id="7" dur="500"/>
+                                        <p:tgtEl>
+                                          <p:spTgt spid="2"/>
+                                        </p:tgtEl>
+                                      </p:cBhvr>
+                                    </p:animEffect>
+                                  </p:childTnLst>
+                                </p:cTn>
+                              </p:par>
+                            </p:childTnLst>
+                          </p:cTn>
+                        </p:par>
+                      </p:childTnLst>
+                    </p:cTn>
+                  </p:par>
+                  <p:par>
+                    <p:cTn id="8" fill="hold">
+                      <p:stCondLst>
+                        <p:cond delay="indefinite"/>
+                      </p:stCondLst>
+                      <p:childTnLst>
+                        <p:par>
+                          <p:cTn id="9" fill="hold">
+                            <p:stCondLst>
+                              <p:cond delay="0"/>
+                            </p:stCondLst>
+                            <p:childTnLst>
+                              <p:par>
+                                <p:cTn id="10" presetID="10" presetClass="entr" presetSubtype="0" fill="hold" grpId="1" nodeType="clickEffect">
+                                  <p:stCondLst>
+                                    <p:cond delay="0"/>
+                                  </p:stCondLst>
+                                  <p:childTnLst>
+                                    <p:set>
+                                      <p:cBhvr>
+                                        <p:cTn id="11" dur="1" fill="hold">
+                                          <p:stCondLst>
+                                            <p:cond delay="0"/>
+                                          </p:stCondLst>
+                                        </p:cTn>
+                                        <p:tgtEl>
+                                          <p:spTgt spid="7"/>
+                                        </p:tgtEl>
+                                        <p:attrNameLst>
+                                          <p:attrName>style.visibility</p:attrName>
+                                        </p:attrNameLst>
+                                      </p:cBhvr>
+                                      <p:to>
+                                        <p:strVal val="visible"/>
+                                      </p:to>
+                                    </p:set>
+                                    <p:animEffect transition="in" filter="fade">
+                                      <p:cBhvr>
+                                        <p:cTn id="12" dur="500"/>
+                                        <p:tgtEl>
+                                          <p:spTgt spid="7"/>
+                                        </p:tgtEl>
+                                      </p:cBhvr>
+                                    </p:animEffect>
+                                  </p:childTnLst>
+                                </p:cTn>
+                              </p:par>
+                            </p:childTnLst>
+                          </p:cTn>
+                        </p:par>
+                      </p:childTnLst>
+                    </p:cTn>
+                  </p:par>
+                  <p:par>
+                    <p:cTn id="13" fill="hold">
+                      <p:stCondLst>
+                        <p:cond delay="indefinite"/>
+                      </p:stCondLst>
+                      <p:childTnLst>
+                        <p:par>
+                          <p:cTn id="14" fill="hold">
+                            <p:stCondLst>
+                              <p:cond delay="0"/>
+                            </p:stCondLst>
+                            <p:childTnLst>
+                              <p:par>
+                                <p:cTn id="15" presetID="10" presetClass="entr" presetSubtype="0" fill="hold" grpId="1" nodeType="clickEffect">
+                                  <p:stCondLst>
+                                    <p:cond delay="0"/>
+                                  </p:stCondLst>
+                                  <p:childTnLst>
+                                    <p:set>
+                                      <p:cBhvr>
+                                        <p:cTn id="16" dur="1" fill="hold">
+                                          <p:stCondLst>
+                                            <p:cond delay="0"/>
+                                          </p:stCondLst>
+                                        </p:cTn>
+                                        <p:tgtEl>
+                                          <p:spTgt spid="8"/>
+                                        </p:tgtEl>
+                                        <p:attrNameLst>
+                                          <p:attrName>style.visibility</p:attrName>
+                                        </p:attrNameLst>
+                                      </p:cBhvr>
+                                      <p:to>
+                                        <p:strVal val="visible"/>
+                                      </p:to>
+                                    </p:set>
+                                    <p:animEffect transition="in" filter="fade">
+                                      <p:cBhvr>
+                                        <p:cTn id="17" dur="500"/>
+                                        <p:tgtEl>
+                                          <p:spTgt spid="8"/>
+                                        </p:tgtEl>
+                                      </p:cBhvr>
+                                    </p:animEffect>
+                                  </p:childTnLst>
+                                </p:cTn>
+                              </p:par>
+                            </p:childTnLst>
+                          </p:cTn>
+                        </p:par>
+                      </p:childTnLst>
+                    </p:cTn>
+                  </p:par>
+                  <p:par>
+                    <p:cTn id="18" fill="hold">
+                      <p:stCondLst>
+                        <p:cond delay="indefinite"/>
+                      </p:stCondLst>
+                      <p:childTnLst>
+                        <p:par>
+                          <p:cTn id="19" fill="hold">
+                            <p:stCondLst>
+                              <p:cond delay="0"/>
+                            </p:stCondLst>
+                            <p:childTnLst>
+                              <p:par>
+                                <p:cTn id="20" presetID="10" presetClass="entr" presetSubtype="0" fill="hold" grpId="1" nodeType="clickEffect">
+                                  <p:stCondLst>
+                                    <p:cond delay="0"/>
+                                  </p:stCondLst>
+                                  <p:childTnLst>
+                                    <p:set>
+                                      <p:cBhvr>
+                                        <p:cTn id="21" dur="1" fill="hold">
+                                          <p:stCondLst>
+                                            <p:cond delay="0"/>
+                                          </p:stCondLst>
+                                        </p:cTn>
+                                        <p:tgtEl>
+                                          <p:spTgt spid="6"/>
+                                        </p:tgtEl>
+                                        <p:attrNameLst>
+                                          <p:attrName>style.visibility</p:attrName>
+                                        </p:attrNameLst>
+                                      </p:cBhvr>
+                                      <p:to>
+                                        <p:strVal val="visible"/>
+                                      </p:to>
+                                    </p:set>
+                                    <p:animEffect transition="in" filter="fade">
+                                      <p:cBhvr>
+                                        <p:cTn id="22" dur="500"/>
+                                        <p:tgtEl>
+                                          <p:spTgt spid="6"/>
+                                        </p:tgtEl>
+                                      </p:cBhvr>
+                                    </p:animEffect>
+                                  </p:childTnLst>
+                                </p:cTn>
+                              </p:par>
+                            </p:childTnLst>
+                          </p:cTn>
+                        </p:par>
+                      </p:childTnLst>
+                    </p:cTn>
+                  </p:par>
+                  <p:par>
+                    <p:cTn id="23" fill="hold">
+                      <p:stCondLst>
+                        <p:cond delay="indefinite"/>
+                      </p:stCondLst>
+                      <p:childTnLst>
+                        <p:par>
+                          <p:cTn id="24" fill="hold">
+                            <p:stCondLst>
+                              <p:cond delay="0"/>
+                            </p:stCondLst>
+                            <p:childTnLst>
+                              <p:par>
+                                <p:cTn id="25" presetID="10" presetClass="entr" presetSubtype="0" fill="hold" nodeType="clickEffect">
+                                  <p:stCondLst>
+                                    <p:cond delay="0"/>
+                                  </p:stCondLst>
+                                  <p:childTnLst>
+                                    <p:set>
+                                      <p:cBhvr>
+                                        <p:cTn id="26" dur="1" fill="hold">
+                                          <p:stCondLst>
+                                            <p:cond delay="0"/>
+                                          </p:stCondLst>
+                                        </p:cTn>
+                                        <p:tgtEl>
+                                          <p:spTgt spid="10"/>
+                                        </p:tgtEl>
+                                        <p:attrNameLst>
+                                          <p:attrName>style.visibility</p:attrName>
+                                        </p:attrNameLst>
+                                      </p:cBhvr>
+                                      <p:to>
+                                        <p:strVal val="visible"/>
+                                      </p:to>
+                                    </p:set>
+                                    <p:animEffect transition="in" filter="fade">
+                                      <p:cBhvr>
+                                        <p:cTn id="27" dur="500"/>
+                                        <p:tgtEl>
+                                          <p:spTgt spid="10"/>
+                                        </p:tgtEl>
+                                      </p:cBhvr>
+                                    </p:animEffect>
+                                  </p:childTnLst>
+                                </p:cTn>
+                              </p:par>
+                              <p:par>
+                                <p:cTn id="28" presetID="10" presetClass="entr" presetSubtype="0" fill="hold" nodeType="withEffect">
+                                  <p:stCondLst>
+                                    <p:cond delay="0"/>
+                                  </p:stCondLst>
+                                  <p:childTnLst>
+                                    <p:set>
+                                      <p:cBhvr>
+                                        <p:cTn id="29" dur="1" fill="hold">
+                                          <p:stCondLst>
+                                            <p:cond delay="0"/>
+                                          </p:stCondLst>
+                                        </p:cTn>
+                                        <p:tgtEl>
+                                          <p:spTgt spid="12"/>
+                                        </p:tgtEl>
+                                        <p:attrNameLst>
+                                          <p:attrName>style.visibility</p:attrName>
+                                        </p:attrNameLst>
+                                      </p:cBhvr>
+                                      <p:to>
+                                        <p:strVal val="visible"/>
+                                      </p:to>
+                                    </p:set>
+                                    <p:animEffect transition="in" filter="fade">
+                                      <p:cBhvr>
+                                        <p:cTn id="30" dur="500"/>
+                                        <p:tgtEl>
+                                          <p:spTgt spid="12"/>
+                                        </p:tgtEl>
+                                      </p:cBhvr>
+                                    </p:animEffect>
+                                  </p:childTnLst>
+                                </p:cTn>
+                              </p:par>
+                              <p:par>
+                                <p:cTn id="31" presetID="10" presetClass="entr" presetSubtype="0" fill="hold" nodeType="withEffect">
+                                  <p:stCondLst>
+                                    <p:cond delay="0"/>
+                                  </p:stCondLst>
+                                  <p:childTnLst>
+                                    <p:set>
+                                      <p:cBhvr>
+                                        <p:cTn id="32" dur="1" fill="hold">
+                                          <p:stCondLst>
+                                            <p:cond delay="0"/>
+                                          </p:stCondLst>
+                                        </p:cTn>
+                                        <p:tgtEl>
+                                          <p:spTgt spid="15"/>
+                                        </p:tgtEl>
+                                        <p:attrNameLst>
+                                          <p:attrName>style.visibility</p:attrName>
+                                        </p:attrNameLst>
+                                      </p:cBhvr>
+                                      <p:to>
+                                        <p:strVal val="visible"/>
+                                      </p:to>
+                                    </p:set>
+                                    <p:animEffect transition="in" filter="fade">
+                                      <p:cBhvr>
+                                        <p:cTn id="33" dur="500"/>
+                                        <p:tgtEl>
+                                          <p:spTgt spid="15"/>
+                                        </p:tgtEl>
+                                      </p:cBhvr>
+                                    </p:animEffect>
+                                  </p:childTnLst>
+                                </p:cTn>
+                              </p:par>
+                            </p:childTnLst>
+                          </p:cTn>
+                        </p:par>
+                      </p:childTnLst>
+                    </p:cTn>
+                  </p:par>
+                  <p:par>
+                    <p:cTn id="34" fill="hold">
+                      <p:stCondLst>
+                        <p:cond delay="indefinite"/>
+                      </p:stCondLst>
+                      <p:childTnLst>
+                        <p:par>
+                          <p:cTn id="35" fill="hold">
+                            <p:stCondLst>
+                              <p:cond delay="0"/>
+                            </p:stCondLst>
+                            <p:childTnLst>
+                              <p:par>
+                                <p:cTn id="36" presetID="35" presetClass="path" presetSubtype="0" accel="50000" decel="50000" fill="hold" grpId="0" nodeType="clickEffect">
+                                  <p:stCondLst>
+                                    <p:cond delay="0"/>
+                                  </p:stCondLst>
+                                  <p:childTnLst>
+                                    <p:animMotion origin="layout" path="M 1.11111E-6 -4.44444E-6 L -0.30521 -4.44444E-6 " pathEditMode="relative" rAng="0" ptsTypes="AA">
+                                      <p:cBhvr>
+                                        <p:cTn id="37" dur="2000" fill="hold"/>
+                                        <p:tgtEl>
+                                          <p:spTgt spid="2"/>
+                                        </p:tgtEl>
+                                        <p:attrNameLst>
+                                          <p:attrName>ppt_x</p:attrName>
+                                          <p:attrName>ppt_y</p:attrName>
+                                        </p:attrNameLst>
+                                      </p:cBhvr>
+                                      <p:rCtr x="-15260" y="0"/>
+                                    </p:animMotion>
+                                  </p:childTnLst>
+                                </p:cTn>
+                              </p:par>
+                              <p:par>
+                                <p:cTn id="38" presetID="35" presetClass="path" presetSubtype="0" accel="50000" decel="50000" fill="hold" grpId="0" nodeType="withEffect">
+                                  <p:stCondLst>
+                                    <p:cond delay="0"/>
+                                  </p:stCondLst>
+                                  <p:childTnLst>
+                                    <p:animMotion origin="layout" path="M 1.11111E-6 2.59259E-6 L -0.30521 2.59259E-6 " pathEditMode="relative" rAng="0" ptsTypes="AA">
+                                      <p:cBhvr>
+                                        <p:cTn id="39" dur="2000" fill="hold"/>
+                                        <p:tgtEl>
+                                          <p:spTgt spid="6"/>
+                                        </p:tgtEl>
+                                        <p:attrNameLst>
+                                          <p:attrName>ppt_x</p:attrName>
+                                          <p:attrName>ppt_y</p:attrName>
+                                        </p:attrNameLst>
+                                      </p:cBhvr>
+                                      <p:rCtr x="-15260" y="0"/>
+                                    </p:animMotion>
+                                  </p:childTnLst>
+                                </p:cTn>
+                              </p:par>
+                              <p:par>
+                                <p:cTn id="40" presetID="35" presetClass="path" presetSubtype="0" accel="50000" decel="50000" fill="hold" grpId="0" nodeType="withEffect">
+                                  <p:stCondLst>
+                                    <p:cond delay="0"/>
+                                  </p:stCondLst>
+                                  <p:childTnLst>
+                                    <p:animMotion origin="layout" path="M 2.77778E-7 -1.48148E-6 L -0.30573 -1.48148E-6 " pathEditMode="relative" rAng="0" ptsTypes="AA">
+                                      <p:cBhvr>
+                                        <p:cTn id="41" dur="2000" fill="hold"/>
+                                        <p:tgtEl>
+                                          <p:spTgt spid="7"/>
+                                        </p:tgtEl>
+                                        <p:attrNameLst>
+                                          <p:attrName>ppt_x</p:attrName>
+                                          <p:attrName>ppt_y</p:attrName>
+                                        </p:attrNameLst>
+                                      </p:cBhvr>
+                                      <p:rCtr x="-15295" y="0"/>
+                                    </p:animMotion>
+                                  </p:childTnLst>
+                                </p:cTn>
+                              </p:par>
+                              <p:par>
+                                <p:cTn id="42" presetID="35" presetClass="path" presetSubtype="0" accel="50000" decel="50000" fill="hold" grpId="0" nodeType="withEffect">
+                                  <p:stCondLst>
+                                    <p:cond delay="0"/>
+                                  </p:stCondLst>
+                                  <p:childTnLst>
+                                    <p:animMotion origin="layout" path="M 2.77778E-7 7.40741E-7 L -0.30573 7.40741E-7 " pathEditMode="relative" rAng="0" ptsTypes="AA">
+                                      <p:cBhvr>
+                                        <p:cTn id="43" dur="2000" fill="hold"/>
+                                        <p:tgtEl>
+                                          <p:spTgt spid="8"/>
+                                        </p:tgtEl>
+                                        <p:attrNameLst>
+                                          <p:attrName>ppt_x</p:attrName>
+                                          <p:attrName>ppt_y</p:attrName>
+                                        </p:attrNameLst>
+                                      </p:cBhvr>
+                                      <p:rCtr x="-15295" y="0"/>
+                                    </p:animMotion>
+                                  </p:childTnLst>
+                                </p:cTn>
+                              </p:par>
+                              <p:par>
+                                <p:cTn id="44" presetID="35" presetClass="path" presetSubtype="0" accel="50000" decel="50000" fill="hold" nodeType="withEffect">
+                                  <p:stCondLst>
+                                    <p:cond delay="0"/>
+                                  </p:stCondLst>
+                                  <p:childTnLst>
+                                    <p:animMotion origin="layout" path="M 1.11111E-6 -3.7037E-7 L -0.30521 -3.7037E-7 " pathEditMode="relative" rAng="0" ptsTypes="AA">
+                                      <p:cBhvr>
+                                        <p:cTn id="45" dur="2000" fill="hold"/>
+                                        <p:tgtEl>
+                                          <p:spTgt spid="10"/>
+                                        </p:tgtEl>
+                                        <p:attrNameLst>
+                                          <p:attrName>ppt_x</p:attrName>
+                                          <p:attrName>ppt_y</p:attrName>
+                                        </p:attrNameLst>
+                                      </p:cBhvr>
+                                      <p:rCtr x="-15260" y="0"/>
+                                    </p:animMotion>
+                                  </p:childTnLst>
+                                </p:cTn>
+                              </p:par>
+                              <p:par>
+                                <p:cTn id="46" presetID="35" presetClass="path" presetSubtype="0" accel="50000" decel="50000" fill="hold" nodeType="withEffect">
+                                  <p:stCondLst>
+                                    <p:cond delay="0"/>
+                                  </p:stCondLst>
+                                  <p:childTnLst>
+                                    <p:animMotion origin="layout" path="M -2.5E-6 4.07407E-6 L -0.30538 4.07407E-6 " pathEditMode="relative" rAng="0" ptsTypes="AA">
+                                      <p:cBhvr>
+                                        <p:cTn id="47" dur="2000" fill="hold"/>
+                                        <p:tgtEl>
+                                          <p:spTgt spid="12"/>
+                                        </p:tgtEl>
+                                        <p:attrNameLst>
+                                          <p:attrName>ppt_x</p:attrName>
+                                          <p:attrName>ppt_y</p:attrName>
+                                        </p:attrNameLst>
+                                      </p:cBhvr>
+                                      <p:rCtr x="-15278" y="0"/>
+                                    </p:animMotion>
+                                  </p:childTnLst>
+                                </p:cTn>
+                              </p:par>
+                              <p:par>
+                                <p:cTn id="48" presetID="35" presetClass="path" presetSubtype="0" accel="50000" decel="50000" fill="hold" nodeType="withEffect">
+                                  <p:stCondLst>
+                                    <p:cond delay="0"/>
+                                  </p:stCondLst>
+                                  <p:childTnLst>
+                                    <p:animMotion origin="layout" path="M 2.77778E-7 4.44444E-6 L -0.30573 4.44444E-6 " pathEditMode="relative" rAng="0" ptsTypes="AA">
+                                      <p:cBhvr>
+                                        <p:cTn id="49" dur="2000" fill="hold"/>
+                                        <p:tgtEl>
+                                          <p:spTgt spid="15"/>
+                                        </p:tgtEl>
+                                        <p:attrNameLst>
+                                          <p:attrName>ppt_x</p:attrName>
+                                          <p:attrName>ppt_y</p:attrName>
+                                        </p:attrNameLst>
+                                      </p:cBhvr>
+                                      <p:rCtr x="-15295" y="0"/>
+                                    </p:animMotion>
+                                  </p:childTnLst>
+                                </p:cTn>
+                              </p:par>
+                            </p:childTnLst>
+                          </p:cTn>
+                        </p:par>
+                      </p:childTnLst>
+                    </p:cTn>
+                  </p:par>
+                </p:childTnLst>
+              </p:cTn>
+              <p:prevCondLst>
+                <p:cond evt="onPrev" delay="0">
+                  <p:tgtEl>
+                    <p:sldTgt/>
+                  </p:tgtEl>
+                </p:cond>
+              </p:prevCondLst>
+              <p:nextCondLst>
+                <p:cond evt="onNext" delay="0">
+                  <p:tgtEl>
+                    <p:sldTgt/>
+                  </p:tgtEl>
+                </p:cond>
+              </p:nextCondLst>
+            </p:seq>
+          </p:childTnLst>
+        </p:cTn>
+      </p:par>
+    </p:tnLst>
+    <p:bldLst>
+      <p:bldP spid="2" grpId="0" animBg="1"/>
+      <p:bldP spid="2" grpId="1" animBg="1"/>
+      <p:bldP spid="6" grpId="0" animBg="1"/>
+      <p:bldP spid="6" grpId="1" animBg="1"/>
+      <p:bldP spid="7" grpId="0" animBg="1"/>
+      <p:bldP spid="7" grpId="1" animBg="1"/>
+      <p:bldP spid="8" grpId="0" animBg="1"/>
+      <p:bldP spid="8" grpId="1" animBg="1"/>
+    </p:bldLst>
+  </p:timing>
+</p:sld>
+</file>
+
+<file path=ppt/slides/slide24.xml><?xml version="1.0" encoding="utf-8"?>
+<p:sld xmlns:a="http://schemas.openxmlformats.org/drawingml/2006/main" xmlns:r="http://schemas.openxmlformats.org/officeDocument/2006/relationships" xmlns:p="http://schemas.openxmlformats.org/presentationml/2006/main">
+  <p:cSld>
+    <p:spTree>
+      <p:nvGrpSpPr>
+        <p:cNvPr id="1" name=""/>
+        <p:cNvGrpSpPr/>
+        <p:nvPr/>
+      </p:nvGrpSpPr>
+      <p:grpSpPr>
+        <a:xfrm>
+          <a:off x="0" y="0"/>
+          <a:ext cx="0" cy="0"/>
+          <a:chOff x="0" y="0"/>
+          <a:chExt cx="0" cy="0"/>
+        </a:xfrm>
+      </p:grpSpPr>
+      <p:sp>
+        <p:nvSpPr>
+          <p:cNvPr id="5" name="Textplatzhalter 4"/>
+          <p:cNvSpPr>
+            <a:spLocks noGrp="1"/>
+          </p:cNvSpPr>
+          <p:nvPr>
+            <p:ph type="body" sz="quarter" idx="12"/>
+          </p:nvPr>
+        </p:nvSpPr>
+        <p:spPr/>
+        <p:txBody>
+          <a:bodyPr/>
+          <a:lstStyle/>
+          <a:p>
+            <a:r>
+              <a:rPr lang="de-DE" dirty="0" smtClean="0"/>
+              <a:t>Pattern</a:t>
+            </a:r>
+            <a:endParaRPr lang="de-DE" dirty="0"/>
+          </a:p>
+        </p:txBody>
+      </p:sp>
+      <p:grpSp>
+        <p:nvGrpSpPr>
+          <p:cNvPr id="9" name="Gruppieren 8"/>
+          <p:cNvGrpSpPr/>
+          <p:nvPr/>
+        </p:nvGrpSpPr>
+        <p:grpSpPr>
+          <a:xfrm>
+            <a:off x="574571" y="2200172"/>
+            <a:ext cx="2447954" cy="4047227"/>
+            <a:chOff x="3360901" y="2200172"/>
+            <a:chExt cx="2447954" cy="4047227"/>
+          </a:xfrm>
+        </p:grpSpPr>
+        <p:sp>
+          <p:nvSpPr>
+            <p:cNvPr id="2" name="Rechteck 1"/>
+            <p:cNvSpPr/>
+            <p:nvPr/>
+          </p:nvSpPr>
+          <p:spPr>
+            <a:xfrm>
+              <a:off x="3360901" y="2200172"/>
+              <a:ext cx="2447954" cy="839633"/>
+            </a:xfrm>
+            <a:prstGeom prst="rect">
+              <a:avLst/>
+            </a:prstGeom>
+            <a:ln>
+              <a:noFill/>
+            </a:ln>
+          </p:spPr>
+          <p:style>
+            <a:lnRef idx="2">
+              <a:schemeClr val="accent6">
+                <a:shade val="50000"/>
+              </a:schemeClr>
+            </a:lnRef>
+            <a:fillRef idx="1">
+              <a:schemeClr val="accent6"/>
+            </a:fillRef>
+            <a:effectRef idx="0">
+              <a:schemeClr val="accent6"/>
+            </a:effectRef>
+            <a:fontRef idx="minor">
+              <a:schemeClr val="lt1"/>
+            </a:fontRef>
+          </p:style>
+          <p:txBody>
+            <a:bodyPr rtlCol="0" anchor="ctr"/>
+            <a:lstStyle/>
+            <a:p>
+              <a:pPr algn="ctr"/>
+              <a:r>
+                <a:rPr lang="de-DE" sz="2800" dirty="0" smtClean="0"/>
+                <a:t>View</a:t>
+              </a:r>
+              <a:br>
+                <a:rPr lang="de-DE" sz="2800" dirty="0" smtClean="0"/>
+              </a:br>
+              <a:r>
+                <a:rPr lang="de-DE" sz="1600" dirty="0" smtClean="0"/>
+                <a:t>(FXML + </a:t>
+              </a:r>
+              <a:r>
+                <a:rPr lang="de-DE" sz="1600" dirty="0" err="1" smtClean="0"/>
+                <a:t>code</a:t>
+              </a:r>
+              <a:r>
+                <a:rPr lang="de-DE" sz="1600" dirty="0" smtClean="0"/>
+                <a:t> </a:t>
+              </a:r>
+              <a:r>
+                <a:rPr lang="de-DE" sz="1600" dirty="0" err="1" smtClean="0"/>
+                <a:t>behind</a:t>
+              </a:r>
+              <a:r>
+                <a:rPr lang="de-DE" sz="1600" dirty="0" smtClean="0"/>
+                <a:t>)</a:t>
+              </a:r>
+              <a:endParaRPr lang="de-DE" sz="1600" dirty="0"/>
+            </a:p>
+          </p:txBody>
+        </p:sp>
+        <p:sp>
+          <p:nvSpPr>
+            <p:cNvPr id="6" name="Rechteck 5"/>
+            <p:cNvSpPr/>
+            <p:nvPr/>
+          </p:nvSpPr>
+          <p:spPr>
+            <a:xfrm>
+              <a:off x="3485072" y="3497871"/>
+              <a:ext cx="2199611" cy="650427"/>
+            </a:xfrm>
+            <a:prstGeom prst="rect">
+              <a:avLst/>
+            </a:prstGeom>
+            <a:solidFill>
+              <a:schemeClr val="accent1"/>
+            </a:solidFill>
+            <a:ln>
+              <a:noFill/>
+            </a:ln>
+          </p:spPr>
+          <p:style>
+            <a:lnRef idx="2">
+              <a:schemeClr val="accent6">
+                <a:shade val="50000"/>
+              </a:schemeClr>
+            </a:lnRef>
+            <a:fillRef idx="1">
+              <a:schemeClr val="accent6"/>
+            </a:fillRef>
+            <a:effectRef idx="0">
+              <a:schemeClr val="accent6"/>
+            </a:effectRef>
+            <a:fontRef idx="minor">
+              <a:schemeClr val="lt1"/>
+            </a:fontRef>
+          </p:style>
+          <p:txBody>
+            <a:bodyPr rtlCol="0" anchor="ctr"/>
+            <a:lstStyle/>
+            <a:p>
+              <a:pPr algn="ctr"/>
+              <a:r>
+                <a:rPr lang="de-DE" sz="2000" dirty="0" err="1" smtClean="0"/>
+                <a:t>Databinding</a:t>
+              </a:r>
+              <a:endParaRPr lang="de-DE" sz="2000" dirty="0" smtClean="0"/>
+            </a:p>
+          </p:txBody>
+        </p:sp>
+        <p:sp>
+          <p:nvSpPr>
+            <p:cNvPr id="7" name="Rechteck 6"/>
+            <p:cNvSpPr/>
+            <p:nvPr/>
+          </p:nvSpPr>
+          <p:spPr>
+            <a:xfrm>
+              <a:off x="3821497" y="4608575"/>
+              <a:ext cx="1537362" cy="644510"/>
+            </a:xfrm>
+            <a:prstGeom prst="rect">
+              <a:avLst/>
+            </a:prstGeom>
+            <a:ln>
+              <a:noFill/>
+            </a:ln>
+          </p:spPr>
+          <p:style>
+            <a:lnRef idx="2">
+              <a:schemeClr val="accent6">
+                <a:shade val="50000"/>
+              </a:schemeClr>
+            </a:lnRef>
+            <a:fillRef idx="1">
+              <a:schemeClr val="accent6"/>
+            </a:fillRef>
+            <a:effectRef idx="0">
+              <a:schemeClr val="accent6"/>
+            </a:effectRef>
+            <a:fontRef idx="minor">
+              <a:schemeClr val="lt1"/>
+            </a:fontRef>
+          </p:style>
+          <p:txBody>
+            <a:bodyPr rtlCol="0" anchor="ctr"/>
+            <a:lstStyle/>
+            <a:p>
+              <a:pPr algn="ctr"/>
+              <a:r>
+                <a:rPr lang="de-DE" dirty="0" smtClean="0"/>
+                <a:t>View Model</a:t>
+              </a:r>
+              <a:endParaRPr lang="de-DE" dirty="0"/>
+            </a:p>
+          </p:txBody>
+        </p:sp>
+        <p:sp>
+          <p:nvSpPr>
+            <p:cNvPr id="8" name="Rechteck 7"/>
+            <p:cNvSpPr/>
+            <p:nvPr/>
+          </p:nvSpPr>
+          <p:spPr>
+            <a:xfrm>
+              <a:off x="3821497" y="5711292"/>
+              <a:ext cx="1537362" cy="536107"/>
+            </a:xfrm>
+            <a:prstGeom prst="rect">
+              <a:avLst/>
+            </a:prstGeom>
+            <a:ln>
+              <a:noFill/>
+            </a:ln>
+          </p:spPr>
+          <p:style>
+            <a:lnRef idx="2">
+              <a:schemeClr val="accent6">
+                <a:shade val="50000"/>
+              </a:schemeClr>
+            </a:lnRef>
+            <a:fillRef idx="1">
+              <a:schemeClr val="accent6"/>
+            </a:fillRef>
+            <a:effectRef idx="0">
+              <a:schemeClr val="accent6"/>
+            </a:effectRef>
+            <a:fontRef idx="minor">
+              <a:schemeClr val="lt1"/>
+            </a:fontRef>
+          </p:style>
+          <p:txBody>
+            <a:bodyPr rtlCol="0" anchor="ctr"/>
+            <a:lstStyle/>
+            <a:p>
+              <a:pPr algn="ctr"/>
+              <a:r>
+                <a:rPr lang="de-DE" dirty="0" smtClean="0"/>
+                <a:t>Model</a:t>
+              </a:r>
+              <a:endParaRPr lang="de-DE" dirty="0"/>
+            </a:p>
+          </p:txBody>
+        </p:sp>
+        <p:cxnSp>
+          <p:nvCxnSpPr>
+            <p:cNvPr id="10" name="Gerade Verbindung mit Pfeil 9"/>
+            <p:cNvCxnSpPr>
+              <a:stCxn id="2" idx="2"/>
+              <a:endCxn id="6" idx="0"/>
+            </p:cNvCxnSpPr>
+            <p:nvPr/>
+          </p:nvCxnSpPr>
+          <p:spPr>
+            <a:xfrm>
+              <a:off x="4584878" y="3039805"/>
+              <a:ext cx="0" cy="458066"/>
+            </a:xfrm>
+            <a:prstGeom prst="straightConnector1">
+              <a:avLst/>
+            </a:prstGeom>
+            <a:ln w="12700">
+              <a:tailEnd type="arrow"/>
+            </a:ln>
+          </p:spPr>
+          <p:style>
+            <a:lnRef idx="2">
+              <a:schemeClr val="accent6"/>
+            </a:lnRef>
+            <a:fillRef idx="0">
+              <a:schemeClr val="accent6"/>
+            </a:fillRef>
+            <a:effectRef idx="1">
+              <a:schemeClr val="accent6"/>
+            </a:effectRef>
+            <a:fontRef idx="minor">
+              <a:schemeClr val="tx1"/>
+            </a:fontRef>
+          </p:style>
+        </p:cxnSp>
+        <p:cxnSp>
+          <p:nvCxnSpPr>
+            <p:cNvPr id="12" name="Gerade Verbindung mit Pfeil 11"/>
+            <p:cNvCxnSpPr>
+              <a:stCxn id="7" idx="0"/>
+              <a:endCxn id="6" idx="2"/>
+            </p:cNvCxnSpPr>
+            <p:nvPr/>
+          </p:nvCxnSpPr>
+          <p:spPr>
+            <a:xfrm flipH="1" flipV="1">
+              <a:off x="4584878" y="4148298"/>
+              <a:ext cx="5300" cy="460277"/>
+            </a:xfrm>
+            <a:prstGeom prst="straightConnector1">
+              <a:avLst/>
+            </a:prstGeom>
+            <a:ln w="12700">
+              <a:tailEnd type="arrow"/>
+            </a:ln>
+          </p:spPr>
+          <p:style>
+            <a:lnRef idx="2">
+              <a:schemeClr val="accent6"/>
+            </a:lnRef>
+            <a:fillRef idx="0">
+              <a:schemeClr val="accent6"/>
+            </a:fillRef>
+            <a:effectRef idx="1">
+              <a:schemeClr val="accent6"/>
+            </a:effectRef>
+            <a:fontRef idx="minor">
+              <a:schemeClr val="tx1"/>
+            </a:fontRef>
+          </p:style>
+        </p:cxnSp>
+        <p:cxnSp>
+          <p:nvCxnSpPr>
+            <p:cNvPr id="15" name="Gerade Verbindung mit Pfeil 14"/>
+            <p:cNvCxnSpPr>
+              <a:stCxn id="7" idx="2"/>
+              <a:endCxn id="8" idx="0"/>
+            </p:cNvCxnSpPr>
+            <p:nvPr/>
+          </p:nvCxnSpPr>
+          <p:spPr>
+            <a:xfrm>
+              <a:off x="4590178" y="5253085"/>
+              <a:ext cx="0" cy="458207"/>
+            </a:xfrm>
+            <a:prstGeom prst="straightConnector1">
+              <a:avLst/>
+            </a:prstGeom>
+            <a:ln w="12700">
+              <a:tailEnd type="arrow"/>
+            </a:ln>
+          </p:spPr>
+          <p:style>
+            <a:lnRef idx="2">
+              <a:schemeClr val="accent6"/>
+            </a:lnRef>
+            <a:fillRef idx="0">
+              <a:schemeClr val="accent6"/>
+            </a:fillRef>
+            <a:effectRef idx="1">
+              <a:schemeClr val="accent6"/>
+            </a:effectRef>
+            <a:fontRef idx="minor">
+              <a:schemeClr val="tx1"/>
+            </a:fontRef>
+          </p:style>
+        </p:cxnSp>
+      </p:grpSp>
+      <p:sp>
+        <p:nvSpPr>
+          <p:cNvPr id="11" name="Textfeld 10"/>
+          <p:cNvSpPr txBox="1"/>
+          <p:nvPr/>
+        </p:nvSpPr>
+        <p:spPr>
+          <a:xfrm>
+            <a:off x="4330482" y="2295541"/>
+            <a:ext cx="3509294" cy="646331"/>
+          </a:xfrm>
+          <a:prstGeom prst="rect">
+            <a:avLst/>
+          </a:prstGeom>
+          <a:noFill/>
+        </p:spPr>
+        <p:txBody>
+          <a:bodyPr wrap="none" rtlCol="0" anchor="ctr">
+            <a:spAutoFit/>
+          </a:bodyPr>
+          <a:lstStyle/>
+          <a:p>
+            <a:pPr algn="ctr"/>
+            <a:r>
+              <a:rPr lang="de-DE" dirty="0" smtClean="0"/>
+              <a:t>Beschreibung der Oberfläche</a:t>
+            </a:r>
+          </a:p>
+          <a:p>
+            <a:pPr algn="ctr"/>
+            <a:r>
+              <a:rPr lang="de-DE" dirty="0" smtClean="0"/>
+              <a:t>Eventhandling</a:t>
+            </a:r>
+          </a:p>
+        </p:txBody>
+      </p:sp>
+      <p:sp>
+        <p:nvSpPr>
+          <p:cNvPr id="14" name="Textfeld 13"/>
+          <p:cNvSpPr txBox="1"/>
+          <p:nvPr/>
+        </p:nvSpPr>
+        <p:spPr>
+          <a:xfrm>
+            <a:off x="4977294" y="3471160"/>
+            <a:ext cx="2215671" cy="646331"/>
+          </a:xfrm>
+          <a:prstGeom prst="rect">
+            <a:avLst/>
+          </a:prstGeom>
+          <a:noFill/>
+        </p:spPr>
+        <p:txBody>
+          <a:bodyPr wrap="none" rtlCol="0" anchor="ctr">
+            <a:spAutoFit/>
+          </a:bodyPr>
+          <a:lstStyle/>
+          <a:p>
+            <a:pPr algn="ctr"/>
+            <a:r>
+              <a:rPr lang="de-DE" dirty="0" smtClean="0"/>
+              <a:t>Datenaustausch</a:t>
+            </a:r>
+          </a:p>
+          <a:p>
+            <a:pPr algn="ctr"/>
+            <a:r>
+              <a:rPr lang="de-DE" dirty="0" smtClean="0"/>
+              <a:t>auch bidirektional</a:t>
+            </a:r>
+            <a:endParaRPr lang="de-DE" dirty="0"/>
+          </a:p>
+        </p:txBody>
+      </p:sp>
+      <p:sp>
+        <p:nvSpPr>
+          <p:cNvPr id="16" name="Textfeld 15"/>
+          <p:cNvSpPr txBox="1"/>
+          <p:nvPr/>
+        </p:nvSpPr>
+        <p:spPr>
+          <a:xfrm>
+            <a:off x="3693290" y="4574070"/>
+            <a:ext cx="4783682" cy="646331"/>
+          </a:xfrm>
+          <a:prstGeom prst="rect">
+            <a:avLst/>
+          </a:prstGeom>
+          <a:noFill/>
+        </p:spPr>
+        <p:txBody>
+          <a:bodyPr wrap="none" rtlCol="0" anchor="ctr">
+            <a:spAutoFit/>
+          </a:bodyPr>
+          <a:lstStyle/>
+          <a:p>
+            <a:pPr algn="ctr"/>
+            <a:r>
+              <a:rPr lang="de-DE" dirty="0" smtClean="0"/>
+              <a:t>Bereitet Model für Darstellung in View auf</a:t>
+            </a:r>
+          </a:p>
+          <a:p>
+            <a:pPr algn="ctr"/>
+            <a:r>
+              <a:rPr lang="de-DE" dirty="0" err="1" smtClean="0"/>
+              <a:t>Application</a:t>
+            </a:r>
+            <a:r>
+              <a:rPr lang="de-DE" dirty="0" smtClean="0"/>
+              <a:t> </a:t>
+            </a:r>
+            <a:r>
+              <a:rPr lang="de-DE" dirty="0" err="1" smtClean="0"/>
+              <a:t>Logic</a:t>
+            </a:r>
+            <a:endParaRPr lang="de-DE" dirty="0"/>
+          </a:p>
+        </p:txBody>
+      </p:sp>
+      <p:sp>
+        <p:nvSpPr>
+          <p:cNvPr id="17" name="Textfeld 16"/>
+          <p:cNvSpPr txBox="1"/>
+          <p:nvPr/>
+        </p:nvSpPr>
+        <p:spPr>
+          <a:xfrm>
+            <a:off x="5215337" y="5805353"/>
+            <a:ext cx="1739579" cy="369332"/>
+          </a:xfrm>
+          <a:prstGeom prst="rect">
+            <a:avLst/>
+          </a:prstGeom>
+          <a:noFill/>
+        </p:spPr>
+        <p:txBody>
+          <a:bodyPr wrap="none" rtlCol="0" anchor="ctr">
+            <a:spAutoFit/>
+          </a:bodyPr>
+          <a:lstStyle/>
+          <a:p>
+            <a:pPr algn="ctr"/>
+            <a:r>
+              <a:rPr lang="de-DE" dirty="0" smtClean="0"/>
+              <a:t>Business </a:t>
+            </a:r>
+            <a:r>
+              <a:rPr lang="de-DE" dirty="0" err="1" smtClean="0"/>
+              <a:t>Logic</a:t>
+            </a:r>
+            <a:endParaRPr lang="de-DE" dirty="0" smtClean="0"/>
+          </a:p>
+        </p:txBody>
+      </p:sp>
+      <p:sp>
+        <p:nvSpPr>
+          <p:cNvPr id="19" name="Titel 2"/>
+          <p:cNvSpPr txBox="1">
+            <a:spLocks/>
+          </p:cNvSpPr>
+          <p:nvPr/>
+        </p:nvSpPr>
+        <p:spPr>
+          <a:xfrm>
+            <a:off x="457573" y="1511875"/>
+            <a:ext cx="6508377" cy="551723"/>
+          </a:xfrm>
+          <a:prstGeom prst="rect">
+            <a:avLst/>
+          </a:prstGeom>
+        </p:spPr>
+        <p:txBody>
+          <a:bodyPr vert="horz" lIns="91440" tIns="45720" rIns="91440" bIns="45720" rtlCol="0" anchor="b" anchorCtr="0">
+            <a:noAutofit/>
+          </a:bodyPr>
+          <a:lstStyle>
+            <a:lvl1pPr algn="l" defTabSz="914400" rtl="0" eaLnBrk="1" latinLnBrk="0" hangingPunct="1">
+              <a:spcBef>
+                <a:spcPct val="0"/>
+              </a:spcBef>
+              <a:buNone/>
+              <a:defRPr sz="3200" kern="1200">
+                <a:solidFill>
+                  <a:schemeClr val="accent1"/>
+                </a:solidFill>
+                <a:latin typeface="+mj-lt"/>
+                <a:ea typeface="+mj-ea"/>
+                <a:cs typeface="+mj-cs"/>
+              </a:defRPr>
+            </a:lvl1pPr>
+          </a:lstStyle>
+          <a:p>
+            <a:r>
+              <a:rPr lang="de-DE" dirty="0" smtClean="0"/>
+              <a:t>PM </a:t>
+            </a:r>
+            <a:r>
+              <a:rPr lang="de-DE" sz="2000" dirty="0" smtClean="0"/>
+              <a:t>(MVVM) </a:t>
+            </a:r>
+            <a:endParaRPr lang="de-DE" dirty="0"/>
+          </a:p>
+        </p:txBody>
+      </p:sp>
+    </p:spTree>
+    <p:extLst>
+      <p:ext uri="{BB962C8B-B14F-4D97-AF65-F5344CB8AC3E}">
+        <p14:creationId xmlns:p14="http://schemas.microsoft.com/office/powerpoint/2010/main" val="420322260"/>
+      </p:ext>
+    </p:extLst>
+  </p:cSld>
+  <p:clrMapOvr>
+    <a:masterClrMapping/>
+  </p:clrMapOvr>
+  <mc:AlternateContent xmlns:mc="http://schemas.openxmlformats.org/markup-compatibility/2006" xmlns:p14="http://schemas.microsoft.com/office/powerpoint/2010/main">
+    <mc:Choice Requires="p14">
+      <p:transition spd="slow" p14:dur="2000"/>
+    </mc:Choice>
+    <mc:Fallback xmlns="">
+      <p:transition spd="slow"/>
+    </mc:Fallback>
+  </mc:AlternateContent>
+  <p:timing>
+    <p:tnLst>
+      <p:par>
+        <p:cTn id="1" dur="indefinite" restart="never" nodeType="tmRoot">
+          <p:childTnLst>
+            <p:seq concurrent="1" nextAc="seek">
+              <p:cTn id="2" dur="indefinite" nodeType="mainSeq">
+                <p:childTnLst>
+                  <p:par>
+                    <p:cTn id="3" fill="hold">
+                      <p:stCondLst>
+                        <p:cond delay="indefinite"/>
+                      </p:stCondLst>
+                      <p:childTnLst>
+                        <p:par>
+                          <p:cTn id="4" fill="hold">
+                            <p:stCondLst>
+                              <p:cond delay="0"/>
+                            </p:stCondLst>
+                            <p:childTnLst>
+                              <p:par>
+                                <p:cTn id="5" presetID="10" presetClass="entr" presetSubtype="0" fill="hold" grpId="0" nodeType="clickEffect">
+                                  <p:stCondLst>
+                                    <p:cond delay="0"/>
+                                  </p:stCondLst>
+                                  <p:childTnLst>
+                                    <p:set>
+                                      <p:cBhvr>
+                                        <p:cTn id="6" dur="1" fill="hold">
+                                          <p:stCondLst>
+                                            <p:cond delay="0"/>
+                                          </p:stCondLst>
+                                        </p:cTn>
+                                        <p:tgtEl>
+                                          <p:spTgt spid="11"/>
+                                        </p:tgtEl>
+                                        <p:attrNameLst>
+                                          <p:attrName>style.visibility</p:attrName>
+                                        </p:attrNameLst>
+                                      </p:cBhvr>
+                                      <p:to>
+                                        <p:strVal val="visible"/>
+                                      </p:to>
+                                    </p:set>
+                                    <p:animEffect transition="in" filter="fade">
+                                      <p:cBhvr>
+                                        <p:cTn id="7" dur="500"/>
+                                        <p:tgtEl>
+                                          <p:spTgt spid="11"/>
+                                        </p:tgtEl>
+                                      </p:cBhvr>
+                                    </p:animEffect>
+                                  </p:childTnLst>
+                                </p:cTn>
+                              </p:par>
+                            </p:childTnLst>
+                          </p:cTn>
+                        </p:par>
+                      </p:childTnLst>
+                    </p:cTn>
+                  </p:par>
+                  <p:par>
+                    <p:cTn id="8" fill="hold">
+                      <p:stCondLst>
+                        <p:cond delay="indefinite"/>
+                      </p:stCondLst>
+                      <p:childTnLst>
+                        <p:par>
+                          <p:cTn id="9" fill="hold">
+                            <p:stCondLst>
+                              <p:cond delay="0"/>
+                            </p:stCondLst>
+                            <p:childTnLst>
+                              <p:par>
+                                <p:cTn id="10" presetID="10" presetClass="entr" presetSubtype="0" fill="hold" grpId="0" nodeType="clickEffect">
+                                  <p:stCondLst>
+                                    <p:cond delay="0"/>
+                                  </p:stCondLst>
+                                  <p:childTnLst>
+                                    <p:set>
+                                      <p:cBhvr>
+                                        <p:cTn id="11" dur="1" fill="hold">
+                                          <p:stCondLst>
+                                            <p:cond delay="0"/>
+                                          </p:stCondLst>
+                                        </p:cTn>
+                                        <p:tgtEl>
+                                          <p:spTgt spid="14"/>
+                                        </p:tgtEl>
+                                        <p:attrNameLst>
+                                          <p:attrName>style.visibility</p:attrName>
+                                        </p:attrNameLst>
+                                      </p:cBhvr>
+                                      <p:to>
+                                        <p:strVal val="visible"/>
+                                      </p:to>
+                                    </p:set>
+                                    <p:animEffect transition="in" filter="fade">
+                                      <p:cBhvr>
+                                        <p:cTn id="12" dur="500"/>
+                                        <p:tgtEl>
+                                          <p:spTgt spid="14"/>
+                                        </p:tgtEl>
+                                      </p:cBhvr>
+                                    </p:animEffect>
+                                  </p:childTnLst>
+                                </p:cTn>
+                              </p:par>
+                              <p:par>
+                                <p:cTn id="13" presetID="9" presetClass="emph" presetSubtype="0" grpId="1" nodeType="withEffect">
+                                  <p:stCondLst>
+                                    <p:cond delay="0"/>
+                                  </p:stCondLst>
+                                  <p:childTnLst>
+                                    <p:set>
+                                      <p:cBhvr rctx="PPT">
+                                        <p:cTn id="14" dur="indefinite"/>
+                                        <p:tgtEl>
+                                          <p:spTgt spid="11"/>
+                                        </p:tgtEl>
+                                        <p:attrNameLst>
+                                          <p:attrName>style.opacity</p:attrName>
+                                        </p:attrNameLst>
+                                      </p:cBhvr>
+                                      <p:to>
+                                        <p:strVal val="0.5"/>
+                                      </p:to>
+                                    </p:set>
+                                    <p:animEffect filter="image" prLst="opacity: 0.5">
+                                      <p:cBhvr rctx="IE">
+                                        <p:cTn id="15" dur="indefinite"/>
+                                        <p:tgtEl>
+                                          <p:spTgt spid="11"/>
+                                        </p:tgtEl>
+                                      </p:cBhvr>
+                                    </p:animEffect>
+                                  </p:childTnLst>
+                                </p:cTn>
+                              </p:par>
+                            </p:childTnLst>
+                          </p:cTn>
+                        </p:par>
+                      </p:childTnLst>
+                    </p:cTn>
+                  </p:par>
+                  <p:par>
+                    <p:cTn id="16" fill="hold">
+                      <p:stCondLst>
+                        <p:cond delay="indefinite"/>
+                      </p:stCondLst>
+                      <p:childTnLst>
+                        <p:par>
+                          <p:cTn id="17" fill="hold">
+                            <p:stCondLst>
+                              <p:cond delay="0"/>
+                            </p:stCondLst>
+                            <p:childTnLst>
+                              <p:par>
+                                <p:cTn id="18" presetID="10" presetClass="entr" presetSubtype="0" fill="hold" grpId="0" nodeType="clickEffect">
+                                  <p:stCondLst>
+                                    <p:cond delay="0"/>
+                                  </p:stCondLst>
+                                  <p:childTnLst>
+                                    <p:set>
+                                      <p:cBhvr>
+                                        <p:cTn id="19" dur="1" fill="hold">
+                                          <p:stCondLst>
+                                            <p:cond delay="0"/>
+                                          </p:stCondLst>
+                                        </p:cTn>
+                                        <p:tgtEl>
+                                          <p:spTgt spid="16"/>
+                                        </p:tgtEl>
+                                        <p:attrNameLst>
+                                          <p:attrName>style.visibility</p:attrName>
+                                        </p:attrNameLst>
+                                      </p:cBhvr>
+                                      <p:to>
+                                        <p:strVal val="visible"/>
+                                      </p:to>
+                                    </p:set>
+                                    <p:animEffect transition="in" filter="fade">
+                                      <p:cBhvr>
+                                        <p:cTn id="20" dur="500"/>
+                                        <p:tgtEl>
+                                          <p:spTgt spid="16"/>
+                                        </p:tgtEl>
+                                      </p:cBhvr>
+                                    </p:animEffect>
+                                  </p:childTnLst>
+                                </p:cTn>
+                              </p:par>
+                              <p:par>
+                                <p:cTn id="21" presetID="9" presetClass="emph" presetSubtype="0" grpId="1" nodeType="withEffect">
+                                  <p:stCondLst>
+                                    <p:cond delay="0"/>
+                                  </p:stCondLst>
+                                  <p:childTnLst>
+                                    <p:set>
+                                      <p:cBhvr rctx="PPT">
+                                        <p:cTn id="22" dur="indefinite"/>
+                                        <p:tgtEl>
+                                          <p:spTgt spid="14"/>
+                                        </p:tgtEl>
+                                        <p:attrNameLst>
+                                          <p:attrName>style.opacity</p:attrName>
+                                        </p:attrNameLst>
+                                      </p:cBhvr>
+                                      <p:to>
+                                        <p:strVal val="0.5"/>
+                                      </p:to>
+                                    </p:set>
+                                    <p:animEffect filter="image" prLst="opacity: 0.5">
+                                      <p:cBhvr rctx="IE">
+                                        <p:cTn id="23" dur="indefinite"/>
+                                        <p:tgtEl>
+                                          <p:spTgt spid="14"/>
+                                        </p:tgtEl>
+                                      </p:cBhvr>
+                                    </p:animEffect>
+                                  </p:childTnLst>
+                                </p:cTn>
+                              </p:par>
+                            </p:childTnLst>
+                          </p:cTn>
+                        </p:par>
+                      </p:childTnLst>
+                    </p:cTn>
+                  </p:par>
+                  <p:par>
+                    <p:cTn id="24" fill="hold">
+                      <p:stCondLst>
+                        <p:cond delay="indefinite"/>
+                      </p:stCondLst>
+                      <p:childTnLst>
+                        <p:par>
+                          <p:cTn id="25" fill="hold">
+                            <p:stCondLst>
+                              <p:cond delay="0"/>
+                            </p:stCondLst>
+                            <p:childTnLst>
+                              <p:par>
+                                <p:cTn id="26" presetID="10" presetClass="entr" presetSubtype="0" fill="hold" grpId="0" nodeType="clickEffect">
+                                  <p:stCondLst>
+                                    <p:cond delay="0"/>
+                                  </p:stCondLst>
+                                  <p:childTnLst>
+                                    <p:set>
+                                      <p:cBhvr>
+                                        <p:cTn id="27" dur="1" fill="hold">
+                                          <p:stCondLst>
+                                            <p:cond delay="0"/>
+                                          </p:stCondLst>
+                                        </p:cTn>
+                                        <p:tgtEl>
+                                          <p:spTgt spid="17"/>
+                                        </p:tgtEl>
+                                        <p:attrNameLst>
+                                          <p:attrName>style.visibility</p:attrName>
+                                        </p:attrNameLst>
+                                      </p:cBhvr>
+                                      <p:to>
+                                        <p:strVal val="visible"/>
+                                      </p:to>
+                                    </p:set>
+                                    <p:animEffect transition="in" filter="fade">
+                                      <p:cBhvr>
+                                        <p:cTn id="28" dur="500"/>
+                                        <p:tgtEl>
+                                          <p:spTgt spid="17"/>
+                                        </p:tgtEl>
+                                      </p:cBhvr>
+                                    </p:animEffect>
+                                  </p:childTnLst>
+                                </p:cTn>
+                              </p:par>
+                              <p:par>
+                                <p:cTn id="29" presetID="9" presetClass="emph" presetSubtype="0" grpId="1" nodeType="withEffect">
+                                  <p:stCondLst>
+                                    <p:cond delay="0"/>
+                                  </p:stCondLst>
+                                  <p:childTnLst>
+                                    <p:set>
+                                      <p:cBhvr rctx="PPT">
+                                        <p:cTn id="30" dur="indefinite"/>
+                                        <p:tgtEl>
+                                          <p:spTgt spid="16"/>
+                                        </p:tgtEl>
+                                        <p:attrNameLst>
+                                          <p:attrName>style.opacity</p:attrName>
+                                        </p:attrNameLst>
+                                      </p:cBhvr>
+                                      <p:to>
+                                        <p:strVal val="0.5"/>
+                                      </p:to>
+                                    </p:set>
+                                    <p:animEffect filter="image" prLst="opacity: 0.5">
+                                      <p:cBhvr rctx="IE">
+                                        <p:cTn id="31" dur="indefinite"/>
+                                        <p:tgtEl>
+                                          <p:spTgt spid="16"/>
+                                        </p:tgtEl>
+                                      </p:cBhvr>
+                                    </p:animEffect>
+                                  </p:childTnLst>
+                                </p:cTn>
+                              </p:par>
+                            </p:childTnLst>
+                          </p:cTn>
+                        </p:par>
+                      </p:childTnLst>
+                    </p:cTn>
+                  </p:par>
+                </p:childTnLst>
+              </p:cTn>
+              <p:prevCondLst>
+                <p:cond evt="onPrev" delay="0">
+                  <p:tgtEl>
+                    <p:sldTgt/>
+                  </p:tgtEl>
+                </p:cond>
+              </p:prevCondLst>
+              <p:nextCondLst>
+                <p:cond evt="onNext" delay="0">
+                  <p:tgtEl>
+                    <p:sldTgt/>
+                  </p:tgtEl>
+                </p:cond>
+              </p:nextCondLst>
+            </p:seq>
+          </p:childTnLst>
+        </p:cTn>
+      </p:par>
+    </p:tnLst>
+    <p:bldLst>
+      <p:bldP spid="11" grpId="0"/>
+      <p:bldP spid="11" grpId="1"/>
+      <p:bldP spid="14" grpId="0"/>
+      <p:bldP spid="14" grpId="1"/>
+      <p:bldP spid="16" grpId="0"/>
+      <p:bldP spid="16" grpId="1"/>
+      <p:bldP spid="17" grpId="0"/>
+    </p:bldLst>
+  </p:timing>
+</p:sld>
+</file>
+
+<file path=ppt/slides/slide25.xml><?xml version="1.0" encoding="utf-8"?>
+<p:sld xmlns:a="http://schemas.openxmlformats.org/drawingml/2006/main" xmlns:r="http://schemas.openxmlformats.org/officeDocument/2006/relationships" xmlns:p="http://schemas.openxmlformats.org/presentationml/2006/main">
+  <p:cSld>
+    <p:spTree>
+      <p:nvGrpSpPr>
+        <p:cNvPr id="1" name=""/>
+        <p:cNvGrpSpPr/>
+        <p:nvPr/>
+      </p:nvGrpSpPr>
+      <p:grpSpPr>
+        <a:xfrm>
+          <a:off x="0" y="0"/>
+          <a:ext cx="0" cy="0"/>
+          <a:chOff x="0" y="0"/>
+          <a:chExt cx="0" cy="0"/>
+        </a:xfrm>
+      </p:grpSpPr>
+      <p:pic>
+        <p:nvPicPr>
+          <p:cNvPr id="1027" name="Picture 3"/>
+          <p:cNvPicPr>
+            <a:picLocks noChangeAspect="1" noChangeArrowheads="1"/>
+          </p:cNvPicPr>
+          <p:nvPr/>
+        </p:nvPicPr>
+        <p:blipFill>
+          <a:blip r:embed="rId3" cstate="email">
+            <a:extLst>
+              <a:ext uri="{28A0092B-C50C-407E-A947-70E740481C1C}">
+                <a14:useLocalDpi xmlns:a14="http://schemas.microsoft.com/office/drawing/2010/main" val="0"/>
+              </a:ext>
+            </a:extLst>
+          </a:blip>
+          <a:srcRect/>
+          <a:stretch>
+            <a:fillRect/>
+          </a:stretch>
+        </p:blipFill>
+        <p:spPr bwMode="auto">
+          <a:xfrm>
+            <a:off x="2748884" y="1848463"/>
+            <a:ext cx="6395116" cy="1543050"/>
+          </a:xfrm>
+          <a:prstGeom prst="rect">
+            <a:avLst/>
+          </a:prstGeom>
+          <a:noFill/>
+          <a:ln>
+            <a:noFill/>
+          </a:ln>
+          <a:extLst>
+            <a:ext uri="{909E8E84-426E-40DD-AFC4-6F175D3DCCD1}">
+              <a14:hiddenFill xmlns:a14="http://schemas.microsoft.com/office/drawing/2010/main">
+                <a:solidFill>
+                  <a:schemeClr val="accent1"/>
+                </a:solidFill>
+              </a14:hiddenFill>
+            </a:ext>
+            <a:ext uri="{91240B29-F687-4F45-9708-019B960494DF}">
+              <a14:hiddenLine xmlns:a14="http://schemas.microsoft.com/office/drawing/2010/main" w="9525">
+                <a:solidFill>
+                  <a:schemeClr val="tx1"/>
+                </a:solidFill>
+                <a:miter lim="800000"/>
+                <a:headEnd/>
+                <a:tailEnd/>
+              </a14:hiddenLine>
+            </a:ext>
+          </a:extLst>
+        </p:spPr>
+      </p:pic>
+      <p:sp>
+        <p:nvSpPr>
+          <p:cNvPr id="5" name="Textplatzhalter 4"/>
+          <p:cNvSpPr>
+            <a:spLocks noGrp="1"/>
+          </p:cNvSpPr>
+          <p:nvPr>
+            <p:ph type="body" sz="quarter" idx="12"/>
+          </p:nvPr>
+        </p:nvSpPr>
+        <p:spPr/>
+        <p:txBody>
+          <a:bodyPr/>
+          <a:lstStyle/>
+          <a:p>
+            <a:r>
+              <a:rPr lang="de-DE" dirty="0" smtClean="0"/>
+              <a:t>Pattern</a:t>
+            </a:r>
+            <a:endParaRPr lang="de-DE" dirty="0"/>
+          </a:p>
+        </p:txBody>
+      </p:sp>
+      <p:grpSp>
+        <p:nvGrpSpPr>
+          <p:cNvPr id="9" name="Gruppieren 8"/>
+          <p:cNvGrpSpPr/>
+          <p:nvPr/>
+        </p:nvGrpSpPr>
+        <p:grpSpPr>
+          <a:xfrm>
+            <a:off x="574571" y="2200172"/>
+            <a:ext cx="2447954" cy="4047227"/>
+            <a:chOff x="3360901" y="2200172"/>
+            <a:chExt cx="2447954" cy="4047227"/>
+          </a:xfrm>
+        </p:grpSpPr>
+        <p:sp>
+          <p:nvSpPr>
+            <p:cNvPr id="2" name="Rechteck 1"/>
+            <p:cNvSpPr/>
+            <p:nvPr/>
+          </p:nvSpPr>
+          <p:spPr>
+            <a:xfrm>
+              <a:off x="3360901" y="2200172"/>
+              <a:ext cx="2447954" cy="839633"/>
+            </a:xfrm>
+            <a:prstGeom prst="rect">
+              <a:avLst/>
+            </a:prstGeom>
+            <a:ln>
+              <a:noFill/>
+            </a:ln>
+          </p:spPr>
+          <p:style>
+            <a:lnRef idx="2">
+              <a:schemeClr val="accent6">
+                <a:shade val="50000"/>
+              </a:schemeClr>
+            </a:lnRef>
+            <a:fillRef idx="1">
+              <a:schemeClr val="accent6"/>
+            </a:fillRef>
+            <a:effectRef idx="0">
+              <a:schemeClr val="accent6"/>
+            </a:effectRef>
+            <a:fontRef idx="minor">
+              <a:schemeClr val="lt1"/>
+            </a:fontRef>
+          </p:style>
+          <p:txBody>
+            <a:bodyPr rtlCol="0" anchor="ctr"/>
+            <a:lstStyle/>
+            <a:p>
+              <a:pPr algn="ctr"/>
+              <a:r>
+                <a:rPr lang="de-DE" sz="2800" dirty="0" smtClean="0"/>
+                <a:t>View</a:t>
+              </a:r>
+              <a:br>
+                <a:rPr lang="de-DE" sz="2800" dirty="0" smtClean="0"/>
+              </a:br>
+              <a:r>
+                <a:rPr lang="de-DE" sz="1600" dirty="0" smtClean="0"/>
+                <a:t>(FXML + </a:t>
+              </a:r>
+              <a:r>
+                <a:rPr lang="de-DE" sz="1600" dirty="0" err="1" smtClean="0"/>
+                <a:t>code</a:t>
+              </a:r>
+              <a:r>
+                <a:rPr lang="de-DE" sz="1600" dirty="0" smtClean="0"/>
+                <a:t> </a:t>
+              </a:r>
+              <a:r>
+                <a:rPr lang="de-DE" sz="1600" dirty="0" err="1" smtClean="0"/>
+                <a:t>behind</a:t>
+              </a:r>
+              <a:r>
+                <a:rPr lang="de-DE" sz="1600" dirty="0" smtClean="0"/>
+                <a:t>)</a:t>
+              </a:r>
+              <a:endParaRPr lang="de-DE" sz="1600" dirty="0"/>
+            </a:p>
+          </p:txBody>
+        </p:sp>
+        <p:sp>
+          <p:nvSpPr>
+            <p:cNvPr id="6" name="Rechteck 5"/>
+            <p:cNvSpPr/>
+            <p:nvPr/>
+          </p:nvSpPr>
+          <p:spPr>
+            <a:xfrm>
+              <a:off x="3485072" y="3497871"/>
+              <a:ext cx="2199611" cy="650427"/>
+            </a:xfrm>
+            <a:prstGeom prst="rect">
+              <a:avLst/>
+            </a:prstGeom>
+            <a:solidFill>
+              <a:schemeClr val="accent1"/>
+            </a:solidFill>
+            <a:ln>
+              <a:noFill/>
+            </a:ln>
+          </p:spPr>
+          <p:style>
+            <a:lnRef idx="2">
+              <a:schemeClr val="accent6">
+                <a:shade val="50000"/>
+              </a:schemeClr>
+            </a:lnRef>
+            <a:fillRef idx="1">
+              <a:schemeClr val="accent6"/>
+            </a:fillRef>
+            <a:effectRef idx="0">
+              <a:schemeClr val="accent6"/>
+            </a:effectRef>
+            <a:fontRef idx="minor">
+              <a:schemeClr val="lt1"/>
+            </a:fontRef>
+          </p:style>
+          <p:txBody>
+            <a:bodyPr rtlCol="0" anchor="ctr"/>
+            <a:lstStyle/>
+            <a:p>
+              <a:pPr algn="ctr"/>
+              <a:r>
+                <a:rPr lang="de-DE" sz="2000" dirty="0" err="1" smtClean="0"/>
+                <a:t>Databinding</a:t>
+              </a:r>
+              <a:endParaRPr lang="de-DE" sz="2000" dirty="0" smtClean="0"/>
+            </a:p>
+          </p:txBody>
+        </p:sp>
+        <p:sp>
+          <p:nvSpPr>
+            <p:cNvPr id="7" name="Rechteck 6"/>
+            <p:cNvSpPr/>
+            <p:nvPr/>
+          </p:nvSpPr>
+          <p:spPr>
+            <a:xfrm>
+              <a:off x="3821497" y="4608575"/>
+              <a:ext cx="1537362" cy="644510"/>
+            </a:xfrm>
+            <a:prstGeom prst="rect">
+              <a:avLst/>
+            </a:prstGeom>
+            <a:ln>
+              <a:noFill/>
+            </a:ln>
+          </p:spPr>
+          <p:style>
+            <a:lnRef idx="2">
+              <a:schemeClr val="accent6">
+                <a:shade val="50000"/>
+              </a:schemeClr>
+            </a:lnRef>
+            <a:fillRef idx="1">
+              <a:schemeClr val="accent6"/>
+            </a:fillRef>
+            <a:effectRef idx="0">
+              <a:schemeClr val="accent6"/>
+            </a:effectRef>
+            <a:fontRef idx="minor">
+              <a:schemeClr val="lt1"/>
+            </a:fontRef>
+          </p:style>
+          <p:txBody>
+            <a:bodyPr rtlCol="0" anchor="ctr"/>
+            <a:lstStyle/>
+            <a:p>
+              <a:pPr algn="ctr"/>
+              <a:r>
+                <a:rPr lang="de-DE" dirty="0" smtClean="0"/>
+                <a:t>View Model</a:t>
+              </a:r>
+              <a:endParaRPr lang="de-DE" dirty="0"/>
+            </a:p>
+          </p:txBody>
+        </p:sp>
+        <p:sp>
+          <p:nvSpPr>
+            <p:cNvPr id="8" name="Rechteck 7"/>
+            <p:cNvSpPr/>
+            <p:nvPr/>
+          </p:nvSpPr>
+          <p:spPr>
+            <a:xfrm>
+              <a:off x="3821497" y="5711292"/>
+              <a:ext cx="1537362" cy="536107"/>
+            </a:xfrm>
+            <a:prstGeom prst="rect">
+              <a:avLst/>
+            </a:prstGeom>
+            <a:ln>
+              <a:noFill/>
+            </a:ln>
+          </p:spPr>
+          <p:style>
+            <a:lnRef idx="2">
+              <a:schemeClr val="accent6">
+                <a:shade val="50000"/>
+              </a:schemeClr>
+            </a:lnRef>
+            <a:fillRef idx="1">
+              <a:schemeClr val="accent6"/>
+            </a:fillRef>
+            <a:effectRef idx="0">
+              <a:schemeClr val="accent6"/>
+            </a:effectRef>
+            <a:fontRef idx="minor">
+              <a:schemeClr val="lt1"/>
+            </a:fontRef>
+          </p:style>
+          <p:txBody>
+            <a:bodyPr rtlCol="0" anchor="ctr"/>
+            <a:lstStyle/>
+            <a:p>
+              <a:pPr algn="ctr"/>
+              <a:r>
+                <a:rPr lang="de-DE" dirty="0" smtClean="0"/>
+                <a:t>Model</a:t>
+              </a:r>
+              <a:endParaRPr lang="de-DE" dirty="0"/>
+            </a:p>
+          </p:txBody>
+        </p:sp>
+        <p:cxnSp>
+          <p:nvCxnSpPr>
+            <p:cNvPr id="10" name="Gerade Verbindung mit Pfeil 9"/>
+            <p:cNvCxnSpPr>
+              <a:stCxn id="2" idx="2"/>
+              <a:endCxn id="6" idx="0"/>
+            </p:cNvCxnSpPr>
+            <p:nvPr/>
+          </p:nvCxnSpPr>
+          <p:spPr>
+            <a:xfrm>
+              <a:off x="4584878" y="3039805"/>
+              <a:ext cx="0" cy="458066"/>
+            </a:xfrm>
+            <a:prstGeom prst="straightConnector1">
+              <a:avLst/>
+            </a:prstGeom>
+            <a:ln w="12700">
+              <a:tailEnd type="arrow"/>
+            </a:ln>
+          </p:spPr>
+          <p:style>
+            <a:lnRef idx="2">
+              <a:schemeClr val="accent6"/>
+            </a:lnRef>
+            <a:fillRef idx="0">
+              <a:schemeClr val="accent6"/>
+            </a:fillRef>
+            <a:effectRef idx="1">
+              <a:schemeClr val="accent6"/>
+            </a:effectRef>
+            <a:fontRef idx="minor">
+              <a:schemeClr val="tx1"/>
+            </a:fontRef>
+          </p:style>
+        </p:cxnSp>
+        <p:cxnSp>
+          <p:nvCxnSpPr>
+            <p:cNvPr id="12" name="Gerade Verbindung mit Pfeil 11"/>
+            <p:cNvCxnSpPr>
+              <a:stCxn id="7" idx="0"/>
+              <a:endCxn id="6" idx="2"/>
+            </p:cNvCxnSpPr>
+            <p:nvPr/>
+          </p:nvCxnSpPr>
+          <p:spPr>
+            <a:xfrm flipH="1" flipV="1">
+              <a:off x="4584878" y="4148298"/>
+              <a:ext cx="5300" cy="460277"/>
+            </a:xfrm>
+            <a:prstGeom prst="straightConnector1">
+              <a:avLst/>
+            </a:prstGeom>
+            <a:ln w="12700">
+              <a:tailEnd type="arrow"/>
+            </a:ln>
+          </p:spPr>
+          <p:style>
+            <a:lnRef idx="2">
+              <a:schemeClr val="accent6"/>
+            </a:lnRef>
+            <a:fillRef idx="0">
+              <a:schemeClr val="accent6"/>
+            </a:fillRef>
+            <a:effectRef idx="1">
+              <a:schemeClr val="accent6"/>
+            </a:effectRef>
+            <a:fontRef idx="minor">
+              <a:schemeClr val="tx1"/>
+            </a:fontRef>
+          </p:style>
+        </p:cxnSp>
+        <p:cxnSp>
+          <p:nvCxnSpPr>
+            <p:cNvPr id="15" name="Gerade Verbindung mit Pfeil 14"/>
+            <p:cNvCxnSpPr>
+              <a:stCxn id="7" idx="2"/>
+              <a:endCxn id="8" idx="0"/>
+            </p:cNvCxnSpPr>
+            <p:nvPr/>
+          </p:nvCxnSpPr>
+          <p:spPr>
+            <a:xfrm>
+              <a:off x="4590178" y="5253085"/>
+              <a:ext cx="0" cy="458207"/>
+            </a:xfrm>
+            <a:prstGeom prst="straightConnector1">
+              <a:avLst/>
+            </a:prstGeom>
+            <a:ln w="12700">
+              <a:tailEnd type="arrow"/>
+            </a:ln>
+          </p:spPr>
+          <p:style>
+            <a:lnRef idx="2">
+              <a:schemeClr val="accent6"/>
+            </a:lnRef>
+            <a:fillRef idx="0">
+              <a:schemeClr val="accent6"/>
+            </a:fillRef>
+            <a:effectRef idx="1">
+              <a:schemeClr val="accent6"/>
+            </a:effectRef>
+            <a:fontRef idx="minor">
+              <a:schemeClr val="tx1"/>
+            </a:fontRef>
+          </p:style>
+        </p:cxnSp>
+      </p:grpSp>
+      <p:pic>
+        <p:nvPicPr>
+          <p:cNvPr id="1029" name="Picture 5"/>
+          <p:cNvPicPr>
+            <a:picLocks noChangeAspect="1" noChangeArrowheads="1"/>
+          </p:cNvPicPr>
+          <p:nvPr/>
+        </p:nvPicPr>
+        <p:blipFill>
+          <a:blip r:embed="rId4">
+            <a:extLst>
+              <a:ext uri="{28A0092B-C50C-407E-A947-70E740481C1C}">
+                <a14:useLocalDpi xmlns:a14="http://schemas.microsoft.com/office/drawing/2010/main" val="0"/>
+              </a:ext>
+            </a:extLst>
+          </a:blip>
+          <a:srcRect/>
+          <a:stretch>
+            <a:fillRect/>
+          </a:stretch>
+        </p:blipFill>
+        <p:spPr bwMode="auto">
+          <a:xfrm>
+            <a:off x="3103229" y="3665921"/>
+            <a:ext cx="5686425" cy="314325"/>
+          </a:xfrm>
+          <a:prstGeom prst="rect">
+            <a:avLst/>
+          </a:prstGeom>
+          <a:noFill/>
+          <a:ln>
+            <a:noFill/>
+          </a:ln>
+          <a:extLst>
+            <a:ext uri="{909E8E84-426E-40DD-AFC4-6F175D3DCCD1}">
+              <a14:hiddenFill xmlns:a14="http://schemas.microsoft.com/office/drawing/2010/main">
+                <a:solidFill>
+                  <a:schemeClr val="accent1"/>
+                </a:solidFill>
+              </a14:hiddenFill>
+            </a:ext>
+            <a:ext uri="{91240B29-F687-4F45-9708-019B960494DF}">
+              <a14:hiddenLine xmlns:a14="http://schemas.microsoft.com/office/drawing/2010/main" w="9525">
+                <a:solidFill>
+                  <a:schemeClr val="tx1"/>
+                </a:solidFill>
+                <a:miter lim="800000"/>
+                <a:headEnd/>
+                <a:tailEnd/>
+              </a14:hiddenLine>
+            </a:ext>
+          </a:extLst>
+        </p:spPr>
+      </p:pic>
+      <p:pic>
+        <p:nvPicPr>
+          <p:cNvPr id="1030" name="Picture 6"/>
+          <p:cNvPicPr>
+            <a:picLocks noChangeAspect="1" noChangeArrowheads="1"/>
+          </p:cNvPicPr>
+          <p:nvPr/>
+        </p:nvPicPr>
+        <p:blipFill>
+          <a:blip r:embed="rId5" cstate="email">
+            <a:clrChange>
+              <a:clrFrom>
+                <a:srgbClr val="FFFFFF"/>
+              </a:clrFrom>
+              <a:clrTo>
+                <a:srgbClr val="FFFFFF">
+                  <a:alpha val="0"/>
+                </a:srgbClr>
+              </a:clrTo>
+            </a:clrChange>
+            <a:extLst>
+              <a:ext uri="{28A0092B-C50C-407E-A947-70E740481C1C}">
+                <a14:useLocalDpi xmlns:a14="http://schemas.microsoft.com/office/drawing/2010/main" val="0"/>
+              </a:ext>
+            </a:extLst>
+          </a:blip>
+          <a:srcRect/>
+          <a:stretch>
+            <a:fillRect/>
+          </a:stretch>
+        </p:blipFill>
+        <p:spPr bwMode="auto">
+          <a:xfrm>
+            <a:off x="2622928" y="4773425"/>
+            <a:ext cx="6521072" cy="314810"/>
+          </a:xfrm>
+          <a:prstGeom prst="rect">
+            <a:avLst/>
+          </a:prstGeom>
+          <a:noFill/>
+          <a:ln>
+            <a:noFill/>
+          </a:ln>
+          <a:extLst>
+            <a:ext uri="{909E8E84-426E-40DD-AFC4-6F175D3DCCD1}">
+              <a14:hiddenFill xmlns:a14="http://schemas.microsoft.com/office/drawing/2010/main">
+                <a:solidFill>
+                  <a:schemeClr val="accent1"/>
+                </a:solidFill>
+              </a14:hiddenFill>
+            </a:ext>
+            <a:ext uri="{91240B29-F687-4F45-9708-019B960494DF}">
+              <a14:hiddenLine xmlns:a14="http://schemas.microsoft.com/office/drawing/2010/main" w="9525">
+                <a:solidFill>
+                  <a:schemeClr val="tx1"/>
+                </a:solidFill>
+                <a:miter lim="800000"/>
+                <a:headEnd/>
+                <a:tailEnd/>
+              </a14:hiddenLine>
+            </a:ext>
+          </a:extLst>
+        </p:spPr>
+      </p:pic>
+      <p:pic>
+        <p:nvPicPr>
+          <p:cNvPr id="1031" name="Picture 7"/>
+          <p:cNvPicPr>
+            <a:picLocks noChangeAspect="1" noChangeArrowheads="1"/>
+          </p:cNvPicPr>
+          <p:nvPr/>
+        </p:nvPicPr>
+        <p:blipFill>
+          <a:blip r:embed="rId6">
+            <a:clrChange>
+              <a:clrFrom>
+                <a:srgbClr val="FFFFFF"/>
+              </a:clrFrom>
+              <a:clrTo>
+                <a:srgbClr val="FFFFFF">
+                  <a:alpha val="0"/>
+                </a:srgbClr>
+              </a:clrTo>
+            </a:clrChange>
+            <a:extLst>
+              <a:ext uri="{28A0092B-C50C-407E-A947-70E740481C1C}">
+                <a14:useLocalDpi xmlns:a14="http://schemas.microsoft.com/office/drawing/2010/main" val="0"/>
+              </a:ext>
+            </a:extLst>
+          </a:blip>
+          <a:srcRect/>
+          <a:stretch>
+            <a:fillRect/>
+          </a:stretch>
+        </p:blipFill>
+        <p:spPr bwMode="auto">
+          <a:xfrm>
+            <a:off x="3354632" y="5666117"/>
+            <a:ext cx="4105275" cy="714375"/>
+          </a:xfrm>
+          <a:prstGeom prst="rect">
+            <a:avLst/>
+          </a:prstGeom>
+          <a:noFill/>
+          <a:ln>
+            <a:noFill/>
+          </a:ln>
+          <a:extLst>
+            <a:ext uri="{909E8E84-426E-40DD-AFC4-6F175D3DCCD1}">
+              <a14:hiddenFill xmlns:a14="http://schemas.microsoft.com/office/drawing/2010/main">
+                <a:solidFill>
+                  <a:schemeClr val="accent1"/>
+                </a:solidFill>
+              </a14:hiddenFill>
+            </a:ext>
+            <a:ext uri="{91240B29-F687-4F45-9708-019B960494DF}">
+              <a14:hiddenLine xmlns:a14="http://schemas.microsoft.com/office/drawing/2010/main" w="9525">
+                <a:solidFill>
+                  <a:schemeClr val="tx1"/>
+                </a:solidFill>
+                <a:miter lim="800000"/>
+                <a:headEnd/>
+                <a:tailEnd/>
+              </a14:hiddenLine>
+            </a:ext>
+          </a:extLst>
+        </p:spPr>
+      </p:pic>
+      <p:grpSp>
+        <p:nvGrpSpPr>
+          <p:cNvPr id="106" name="Gruppieren 105"/>
+          <p:cNvGrpSpPr/>
+          <p:nvPr/>
+        </p:nvGrpSpPr>
+        <p:grpSpPr>
+          <a:xfrm>
+            <a:off x="4949625" y="4733936"/>
+            <a:ext cx="4023947" cy="1375355"/>
+            <a:chOff x="4949625" y="4733936"/>
+            <a:chExt cx="4023947" cy="1375355"/>
+          </a:xfrm>
+        </p:grpSpPr>
+        <p:sp>
+          <p:nvSpPr>
+            <p:cNvPr id="81" name="Freihandform 80"/>
+            <p:cNvSpPr/>
+            <p:nvPr/>
+          </p:nvSpPr>
+          <p:spPr>
+            <a:xfrm>
+              <a:off x="6201064" y="4958861"/>
+              <a:ext cx="2336266" cy="1046857"/>
+            </a:xfrm>
+            <a:custGeom>
+              <a:avLst/>
+              <a:gdLst>
+                <a:gd name="connsiteX0" fmla="*/ 2329962 w 2329962"/>
+                <a:gd name="connsiteY0" fmla="*/ 0 h 836526"/>
+                <a:gd name="connsiteX1" fmla="*/ 1477108 w 2329962"/>
+                <a:gd name="connsiteY1" fmla="*/ 756138 h 836526"/>
+                <a:gd name="connsiteX2" fmla="*/ 0 w 2329962"/>
+                <a:gd name="connsiteY2" fmla="*/ 826476 h 836526"/>
+              </a:gdLst>
+              <a:ahLst/>
+              <a:cxnLst>
+                <a:cxn ang="0">
+                  <a:pos x="connsiteX0" y="connsiteY0"/>
+                </a:cxn>
+                <a:cxn ang="0">
+                  <a:pos x="connsiteX1" y="connsiteY1"/>
+                </a:cxn>
+                <a:cxn ang="0">
+                  <a:pos x="connsiteX2" y="connsiteY2"/>
+                </a:cxn>
+              </a:cxnLst>
+              <a:rect l="l" t="t" r="r" b="b"/>
+              <a:pathLst>
+                <a:path w="2329962" h="836526">
+                  <a:moveTo>
+                    <a:pt x="2329962" y="0"/>
+                  </a:moveTo>
+                  <a:cubicBezTo>
+                    <a:pt x="2097698" y="309196"/>
+                    <a:pt x="1865435" y="618392"/>
+                    <a:pt x="1477108" y="756138"/>
+                  </a:cubicBezTo>
+                  <a:cubicBezTo>
+                    <a:pt x="1088781" y="893884"/>
+                    <a:pt x="243254" y="808891"/>
+                    <a:pt x="0" y="826476"/>
+                  </a:cubicBezTo>
+                </a:path>
+              </a:pathLst>
+            </a:custGeom>
+            <a:noFill/>
+            <a:ln w="3175">
+              <a:solidFill>
+                <a:srgbClr val="002060">
+                  <a:alpha val="38824"/>
+                </a:srgbClr>
+              </a:solidFill>
+            </a:ln>
+          </p:spPr>
+          <p:style>
+            <a:lnRef idx="1">
+              <a:schemeClr val="accent1"/>
+            </a:lnRef>
+            <a:fillRef idx="3">
+              <a:schemeClr val="accent1"/>
+            </a:fillRef>
+            <a:effectRef idx="2">
+              <a:schemeClr val="accent1"/>
+            </a:effectRef>
+            <a:fontRef idx="minor">
+              <a:schemeClr val="lt1"/>
+            </a:fontRef>
+          </p:style>
+          <p:txBody>
+            <a:bodyPr rtlCol="0" anchor="ctr"/>
+            <a:lstStyle/>
+            <a:p>
+              <a:pPr algn="ctr"/>
+              <a:endParaRPr lang="de-DE"/>
+            </a:p>
+          </p:txBody>
+        </p:sp>
+        <p:sp>
+          <p:nvSpPr>
+            <p:cNvPr id="78" name="Rechteck 77"/>
+            <p:cNvSpPr/>
+            <p:nvPr/>
+          </p:nvSpPr>
+          <p:spPr>
+            <a:xfrm>
+              <a:off x="5046785" y="5672467"/>
+              <a:ext cx="1072661" cy="198351"/>
+            </a:xfrm>
+            <a:prstGeom prst="rect">
+              <a:avLst/>
+            </a:prstGeom>
+            <a:solidFill>
+              <a:srgbClr val="F2F2F2">
+                <a:alpha val="20000"/>
+              </a:srgbClr>
+            </a:solidFill>
+            <a:ln w="3175">
+              <a:solidFill>
+                <a:srgbClr val="990000"/>
+              </a:solidFill>
+            </a:ln>
+          </p:spPr>
+          <p:style>
+            <a:lnRef idx="1">
+              <a:schemeClr val="accent1"/>
+            </a:lnRef>
+            <a:fillRef idx="3">
+              <a:schemeClr val="accent1"/>
+            </a:fillRef>
+            <a:effectRef idx="2">
+              <a:schemeClr val="accent1"/>
+            </a:effectRef>
+            <a:fontRef idx="minor">
+              <a:schemeClr val="lt1"/>
+            </a:fontRef>
+          </p:style>
+          <p:txBody>
+            <a:bodyPr rtlCol="0" anchor="ctr"/>
+            <a:lstStyle/>
+            <a:p>
+              <a:pPr algn="ctr"/>
+              <a:endParaRPr lang="de-DE"/>
+            </a:p>
+          </p:txBody>
+        </p:sp>
+        <p:sp>
+          <p:nvSpPr>
+            <p:cNvPr id="86" name="Rechteck 85"/>
+            <p:cNvSpPr/>
+            <p:nvPr/>
+          </p:nvSpPr>
+          <p:spPr>
+            <a:xfrm>
+              <a:off x="4949625" y="4773425"/>
+              <a:ext cx="1005608" cy="141479"/>
+            </a:xfrm>
+            <a:prstGeom prst="rect">
+              <a:avLst/>
+            </a:prstGeom>
+            <a:solidFill>
+              <a:srgbClr val="F2F2F2">
+                <a:alpha val="20000"/>
+              </a:srgbClr>
+            </a:solidFill>
+            <a:ln w="3175">
+              <a:solidFill>
+                <a:srgbClr val="990000"/>
+              </a:solidFill>
+            </a:ln>
+          </p:spPr>
+          <p:style>
+            <a:lnRef idx="1">
+              <a:schemeClr val="accent1"/>
+            </a:lnRef>
+            <a:fillRef idx="3">
+              <a:schemeClr val="accent1"/>
+            </a:fillRef>
+            <a:effectRef idx="2">
+              <a:schemeClr val="accent1"/>
+            </a:effectRef>
+            <a:fontRef idx="minor">
+              <a:schemeClr val="lt1"/>
+            </a:fontRef>
+          </p:style>
+          <p:txBody>
+            <a:bodyPr rtlCol="0" anchor="ctr"/>
+            <a:lstStyle/>
+            <a:p>
+              <a:pPr algn="ctr"/>
+              <a:endParaRPr lang="de-DE"/>
+            </a:p>
+          </p:txBody>
+        </p:sp>
+        <p:sp>
+          <p:nvSpPr>
+            <p:cNvPr id="87" name="Rechteck 86"/>
+            <p:cNvSpPr/>
+            <p:nvPr/>
+          </p:nvSpPr>
+          <p:spPr>
+            <a:xfrm>
+              <a:off x="5128403" y="5902148"/>
+              <a:ext cx="1072661" cy="207143"/>
+            </a:xfrm>
+            <a:prstGeom prst="rect">
+              <a:avLst/>
+            </a:prstGeom>
+            <a:solidFill>
+              <a:srgbClr val="F2F2F2">
+                <a:alpha val="20000"/>
+              </a:srgbClr>
+            </a:solidFill>
+            <a:ln w="3175">
+              <a:solidFill>
+                <a:srgbClr val="002060"/>
+              </a:solidFill>
+            </a:ln>
+          </p:spPr>
+          <p:style>
+            <a:lnRef idx="1">
+              <a:schemeClr val="accent1"/>
+            </a:lnRef>
+            <a:fillRef idx="3">
+              <a:schemeClr val="accent1"/>
+            </a:fillRef>
+            <a:effectRef idx="2">
+              <a:schemeClr val="accent1"/>
+            </a:effectRef>
+            <a:fontRef idx="minor">
+              <a:schemeClr val="lt1"/>
+            </a:fontRef>
+          </p:style>
+          <p:txBody>
+            <a:bodyPr rtlCol="0" anchor="ctr"/>
+            <a:lstStyle/>
+            <a:p>
+              <a:pPr algn="ctr"/>
+              <a:endParaRPr lang="de-DE"/>
+            </a:p>
+          </p:txBody>
+        </p:sp>
+        <p:sp>
+          <p:nvSpPr>
+            <p:cNvPr id="88" name="Rechteck 87"/>
+            <p:cNvSpPr/>
+            <p:nvPr/>
+          </p:nvSpPr>
+          <p:spPr>
+            <a:xfrm>
+              <a:off x="7974624" y="4733936"/>
+              <a:ext cx="998948" cy="224925"/>
+            </a:xfrm>
+            <a:prstGeom prst="rect">
+              <a:avLst/>
+            </a:prstGeom>
+            <a:solidFill>
+              <a:srgbClr val="F2F2F2">
+                <a:alpha val="20000"/>
+              </a:srgbClr>
+            </a:solidFill>
+            <a:ln w="3175">
+              <a:solidFill>
+                <a:srgbClr val="002060"/>
+              </a:solidFill>
+            </a:ln>
+          </p:spPr>
+          <p:style>
+            <a:lnRef idx="1">
+              <a:schemeClr val="accent1"/>
+            </a:lnRef>
+            <a:fillRef idx="3">
+              <a:schemeClr val="accent1"/>
+            </a:fillRef>
+            <a:effectRef idx="2">
+              <a:schemeClr val="accent1"/>
+            </a:effectRef>
+            <a:fontRef idx="minor">
+              <a:schemeClr val="lt1"/>
+            </a:fontRef>
+          </p:style>
+          <p:txBody>
+            <a:bodyPr rtlCol="0" anchor="ctr"/>
+            <a:lstStyle/>
+            <a:p>
+              <a:pPr algn="ctr"/>
+              <a:endParaRPr lang="de-DE"/>
+            </a:p>
+          </p:txBody>
+        </p:sp>
+        <p:sp>
+          <p:nvSpPr>
+            <p:cNvPr id="82" name="Freihandform 81"/>
+            <p:cNvSpPr/>
+            <p:nvPr/>
+          </p:nvSpPr>
+          <p:spPr>
+            <a:xfrm>
+              <a:off x="5583115" y="4914905"/>
+              <a:ext cx="175847" cy="757562"/>
+            </a:xfrm>
+            <a:custGeom>
+              <a:avLst/>
+              <a:gdLst>
+                <a:gd name="connsiteX0" fmla="*/ 0 w 290147"/>
+                <a:gd name="connsiteY0" fmla="*/ 0 h 729761"/>
+                <a:gd name="connsiteX1" fmla="*/ 237393 w 290147"/>
+                <a:gd name="connsiteY1" fmla="*/ 448408 h 729761"/>
+                <a:gd name="connsiteX2" fmla="*/ 290147 w 290147"/>
+                <a:gd name="connsiteY2" fmla="*/ 729761 h 729761"/>
+              </a:gdLst>
+              <a:ahLst/>
+              <a:cxnLst>
+                <a:cxn ang="0">
+                  <a:pos x="connsiteX0" y="connsiteY0"/>
+                </a:cxn>
+                <a:cxn ang="0">
+                  <a:pos x="connsiteX1" y="connsiteY1"/>
+                </a:cxn>
+                <a:cxn ang="0">
+                  <a:pos x="connsiteX2" y="connsiteY2"/>
+                </a:cxn>
+              </a:cxnLst>
+              <a:rect l="l" t="t" r="r" b="b"/>
+              <a:pathLst>
+                <a:path w="290147" h="729761">
+                  <a:moveTo>
+                    <a:pt x="0" y="0"/>
+                  </a:moveTo>
+                  <a:cubicBezTo>
+                    <a:pt x="94517" y="163390"/>
+                    <a:pt x="189035" y="326781"/>
+                    <a:pt x="237393" y="448408"/>
+                  </a:cubicBezTo>
+                  <a:cubicBezTo>
+                    <a:pt x="285751" y="570035"/>
+                    <a:pt x="276959" y="681403"/>
+                    <a:pt x="290147" y="729761"/>
+                  </a:cubicBezTo>
+                </a:path>
+              </a:pathLst>
+            </a:custGeom>
+            <a:noFill/>
+            <a:ln>
+              <a:solidFill>
+                <a:srgbClr val="990000">
+                  <a:alpha val="40000"/>
+                </a:srgbClr>
+              </a:solidFill>
+            </a:ln>
+          </p:spPr>
+          <p:style>
+            <a:lnRef idx="1">
+              <a:schemeClr val="accent1"/>
+            </a:lnRef>
+            <a:fillRef idx="3">
+              <a:schemeClr val="accent1"/>
+            </a:fillRef>
+            <a:effectRef idx="2">
+              <a:schemeClr val="accent1"/>
+            </a:effectRef>
+            <a:fontRef idx="minor">
+              <a:schemeClr val="lt1"/>
+            </a:fontRef>
+          </p:style>
+          <p:txBody>
+            <a:bodyPr rtlCol="0" anchor="ctr"/>
+            <a:lstStyle/>
+            <a:p>
+              <a:pPr algn="ctr"/>
+              <a:endParaRPr lang="de-DE"/>
+            </a:p>
+          </p:txBody>
+        </p:sp>
+      </p:grpSp>
+      <p:grpSp>
+        <p:nvGrpSpPr>
+          <p:cNvPr id="108" name="Gruppieren 107"/>
+          <p:cNvGrpSpPr/>
+          <p:nvPr/>
+        </p:nvGrpSpPr>
+        <p:grpSpPr>
+          <a:xfrm>
+            <a:off x="3098466" y="2316482"/>
+            <a:ext cx="1519255" cy="1663764"/>
+            <a:chOff x="3098466" y="2316482"/>
+            <a:chExt cx="1519255" cy="1663764"/>
+          </a:xfrm>
+        </p:grpSpPr>
+        <p:sp>
+          <p:nvSpPr>
+            <p:cNvPr id="100" name="Rechteck 99"/>
+            <p:cNvSpPr/>
+            <p:nvPr/>
+          </p:nvSpPr>
+          <p:spPr>
+            <a:xfrm>
+              <a:off x="3103229" y="3623787"/>
+              <a:ext cx="965851" cy="174280"/>
+            </a:xfrm>
+            <a:prstGeom prst="rect">
+              <a:avLst/>
+            </a:prstGeom>
+            <a:solidFill>
+              <a:srgbClr val="F2F2F2">
+                <a:alpha val="20000"/>
+              </a:srgbClr>
+            </a:solidFill>
+            <a:ln w="3175">
+              <a:solidFill>
+                <a:srgbClr val="481DFF"/>
+              </a:solidFill>
+            </a:ln>
+          </p:spPr>
+          <p:style>
+            <a:lnRef idx="1">
+              <a:schemeClr val="accent1"/>
+            </a:lnRef>
+            <a:fillRef idx="3">
+              <a:schemeClr val="accent1"/>
+            </a:fillRef>
+            <a:effectRef idx="2">
+              <a:schemeClr val="accent1"/>
+            </a:effectRef>
+            <a:fontRef idx="minor">
+              <a:schemeClr val="lt1"/>
+            </a:fontRef>
+          </p:style>
+          <p:txBody>
+            <a:bodyPr rtlCol="0" anchor="ctr"/>
+            <a:lstStyle/>
+            <a:p>
+              <a:pPr algn="ctr"/>
+              <a:endParaRPr lang="de-DE"/>
+            </a:p>
+          </p:txBody>
+        </p:sp>
+        <p:sp>
+          <p:nvSpPr>
+            <p:cNvPr id="101" name="Rechteck 100"/>
+            <p:cNvSpPr/>
+            <p:nvPr/>
+          </p:nvSpPr>
+          <p:spPr>
+            <a:xfrm>
+              <a:off x="3098466" y="3824063"/>
+              <a:ext cx="737251" cy="156183"/>
+            </a:xfrm>
+            <a:prstGeom prst="rect">
+              <a:avLst/>
+            </a:prstGeom>
+            <a:solidFill>
+              <a:srgbClr val="F2F2F2">
+                <a:alpha val="20000"/>
+              </a:srgbClr>
+            </a:solidFill>
+            <a:ln w="3175">
+              <a:solidFill>
+                <a:srgbClr val="13B913"/>
+              </a:solidFill>
+            </a:ln>
+          </p:spPr>
+          <p:style>
+            <a:lnRef idx="1">
+              <a:schemeClr val="accent1"/>
+            </a:lnRef>
+            <a:fillRef idx="3">
+              <a:schemeClr val="accent1"/>
+            </a:fillRef>
+            <a:effectRef idx="2">
+              <a:schemeClr val="accent1"/>
+            </a:effectRef>
+            <a:fontRef idx="minor">
+              <a:schemeClr val="lt1"/>
+            </a:fontRef>
+          </p:style>
+          <p:txBody>
+            <a:bodyPr rtlCol="0" anchor="ctr"/>
+            <a:lstStyle/>
+            <a:p>
+              <a:pPr algn="ctr"/>
+              <a:endParaRPr lang="de-DE"/>
+            </a:p>
+          </p:txBody>
+        </p:sp>
+        <p:cxnSp>
+          <p:nvCxnSpPr>
+            <p:cNvPr id="90" name="Gekrümmte Verbindung 89"/>
+            <p:cNvCxnSpPr>
+              <a:stCxn id="100" idx="0"/>
+            </p:cNvCxnSpPr>
+            <p:nvPr/>
+          </p:nvCxnSpPr>
+          <p:spPr>
+            <a:xfrm rot="5400000" flipH="1" flipV="1">
+              <a:off x="3394944" y="2881072"/>
+              <a:ext cx="933927" cy="551505"/>
+            </a:xfrm>
+            <a:prstGeom prst="curvedConnector3">
+              <a:avLst/>
+            </a:prstGeom>
+            <a:ln w="12700">
+              <a:solidFill>
+                <a:srgbClr val="481DFF">
+                  <a:alpha val="32941"/>
+                </a:srgbClr>
+              </a:solidFill>
+            </a:ln>
+          </p:spPr>
+          <p:style>
+            <a:lnRef idx="2">
+              <a:schemeClr val="accent1"/>
+            </a:lnRef>
+            <a:fillRef idx="0">
+              <a:schemeClr val="accent1"/>
+            </a:fillRef>
+            <a:effectRef idx="1">
+              <a:schemeClr val="accent1"/>
+            </a:effectRef>
+            <a:fontRef idx="minor">
+              <a:schemeClr val="tx1"/>
+            </a:fontRef>
+          </p:style>
+        </p:cxnSp>
+        <p:cxnSp>
+          <p:nvCxnSpPr>
+            <p:cNvPr id="104" name="Gekrümmte Verbindung 103"/>
+            <p:cNvCxnSpPr/>
+            <p:nvPr/>
+          </p:nvCxnSpPr>
+          <p:spPr>
+            <a:xfrm rot="5400000" flipH="1" flipV="1">
+              <a:off x="3436265" y="2720699"/>
+              <a:ext cx="1585673" cy="777239"/>
+            </a:xfrm>
+            <a:prstGeom prst="curvedConnector3">
+              <a:avLst>
+                <a:gd name="adj1" fmla="val 7651"/>
+              </a:avLst>
+            </a:prstGeom>
+            <a:ln w="12700">
+              <a:solidFill>
+                <a:srgbClr val="00B050">
+                  <a:alpha val="32941"/>
+                </a:srgbClr>
+              </a:solidFill>
+            </a:ln>
+          </p:spPr>
+          <p:style>
+            <a:lnRef idx="2">
+              <a:schemeClr val="accent1"/>
+            </a:lnRef>
+            <a:fillRef idx="0">
+              <a:schemeClr val="accent1"/>
+            </a:fillRef>
+            <a:effectRef idx="1">
+              <a:schemeClr val="accent1"/>
+            </a:effectRef>
+            <a:fontRef idx="minor">
+              <a:schemeClr val="tx1"/>
+            </a:fontRef>
+          </p:style>
+        </p:cxnSp>
+      </p:grpSp>
+      <p:grpSp>
+        <p:nvGrpSpPr>
+          <p:cNvPr id="107" name="Gruppieren 106"/>
+          <p:cNvGrpSpPr/>
+          <p:nvPr/>
+        </p:nvGrpSpPr>
+        <p:grpSpPr>
+          <a:xfrm>
+            <a:off x="2632454" y="3456821"/>
+            <a:ext cx="5978146" cy="1632383"/>
+            <a:chOff x="2632454" y="3456821"/>
+            <a:chExt cx="5978146" cy="1632383"/>
+          </a:xfrm>
+        </p:grpSpPr>
+        <p:sp>
+          <p:nvSpPr>
+            <p:cNvPr id="92" name="Rechteck 91"/>
+            <p:cNvSpPr/>
+            <p:nvPr/>
+          </p:nvSpPr>
+          <p:spPr>
+            <a:xfrm>
+              <a:off x="2634676" y="4757752"/>
+              <a:ext cx="1640143" cy="157152"/>
+            </a:xfrm>
+            <a:prstGeom prst="rect">
+              <a:avLst/>
+            </a:prstGeom>
+            <a:solidFill>
+              <a:srgbClr val="F2F2F2">
+                <a:alpha val="20000"/>
+              </a:srgbClr>
+            </a:solidFill>
+            <a:ln w="3175">
+              <a:solidFill>
+                <a:srgbClr val="00B050"/>
+              </a:solidFill>
+            </a:ln>
+          </p:spPr>
+          <p:style>
+            <a:lnRef idx="1">
+              <a:schemeClr val="accent1"/>
+            </a:lnRef>
+            <a:fillRef idx="3">
+              <a:schemeClr val="accent1"/>
+            </a:fillRef>
+            <a:effectRef idx="2">
+              <a:schemeClr val="accent1"/>
+            </a:effectRef>
+            <a:fontRef idx="minor">
+              <a:schemeClr val="lt1"/>
+            </a:fontRef>
+          </p:style>
+          <p:txBody>
+            <a:bodyPr rtlCol="0" anchor="ctr"/>
+            <a:lstStyle/>
+            <a:p>
+              <a:pPr algn="ctr"/>
+              <a:endParaRPr lang="de-DE"/>
+            </a:p>
+          </p:txBody>
+        </p:sp>
+        <p:sp>
+          <p:nvSpPr>
+            <p:cNvPr id="93" name="Rechteck 92"/>
+            <p:cNvSpPr/>
+            <p:nvPr/>
+          </p:nvSpPr>
+          <p:spPr>
+            <a:xfrm>
+              <a:off x="6119446" y="3823083"/>
+              <a:ext cx="2491154" cy="157163"/>
+            </a:xfrm>
+            <a:prstGeom prst="rect">
+              <a:avLst/>
+            </a:prstGeom>
+            <a:solidFill>
+              <a:srgbClr val="F2F2F2">
+                <a:alpha val="20000"/>
+              </a:srgbClr>
+            </a:solidFill>
+            <a:ln w="3175">
+              <a:solidFill>
+                <a:srgbClr val="00B050"/>
+              </a:solidFill>
+            </a:ln>
+          </p:spPr>
+          <p:style>
+            <a:lnRef idx="1">
+              <a:schemeClr val="accent1"/>
+            </a:lnRef>
+            <a:fillRef idx="3">
+              <a:schemeClr val="accent1"/>
+            </a:fillRef>
+            <a:effectRef idx="2">
+              <a:schemeClr val="accent1"/>
+            </a:effectRef>
+            <a:fontRef idx="minor">
+              <a:schemeClr val="lt1"/>
+            </a:fontRef>
+          </p:style>
+          <p:txBody>
+            <a:bodyPr rtlCol="0" anchor="ctr"/>
+            <a:lstStyle/>
+            <a:p>
+              <a:pPr algn="ctr"/>
+              <a:endParaRPr lang="de-DE"/>
+            </a:p>
+          </p:txBody>
+        </p:sp>
+        <p:sp>
+          <p:nvSpPr>
+            <p:cNvPr id="83" name="Freihandform 82"/>
+            <p:cNvSpPr/>
+            <p:nvPr/>
+          </p:nvSpPr>
+          <p:spPr>
+            <a:xfrm>
+              <a:off x="3243263" y="3985260"/>
+              <a:ext cx="2876183" cy="772478"/>
+            </a:xfrm>
+            <a:custGeom>
+              <a:avLst/>
+              <a:gdLst>
+                <a:gd name="connsiteX0" fmla="*/ 4008120 w 4008120"/>
+                <a:gd name="connsiteY0" fmla="*/ 0 h 746760"/>
+                <a:gd name="connsiteX1" fmla="*/ 2446020 w 4008120"/>
+                <a:gd name="connsiteY1" fmla="*/ 312420 h 746760"/>
+                <a:gd name="connsiteX2" fmla="*/ 373380 w 4008120"/>
+                <a:gd name="connsiteY2" fmla="*/ 419100 h 746760"/>
+                <a:gd name="connsiteX3" fmla="*/ 0 w 4008120"/>
+                <a:gd name="connsiteY3" fmla="*/ 746760 h 746760"/>
+              </a:gdLst>
+              <a:ahLst/>
+              <a:cxnLst>
+                <a:cxn ang="0">
+                  <a:pos x="connsiteX0" y="connsiteY0"/>
+                </a:cxn>
+                <a:cxn ang="0">
+                  <a:pos x="connsiteX1" y="connsiteY1"/>
+                </a:cxn>
+                <a:cxn ang="0">
+                  <a:pos x="connsiteX2" y="connsiteY2"/>
+                </a:cxn>
+                <a:cxn ang="0">
+                  <a:pos x="connsiteX3" y="connsiteY3"/>
+                </a:cxn>
+              </a:cxnLst>
+              <a:rect l="l" t="t" r="r" b="b"/>
+              <a:pathLst>
+                <a:path w="4008120" h="746760">
+                  <a:moveTo>
+                    <a:pt x="4008120" y="0"/>
+                  </a:moveTo>
+                  <a:cubicBezTo>
+                    <a:pt x="3529965" y="121285"/>
+                    <a:pt x="3051810" y="242570"/>
+                    <a:pt x="2446020" y="312420"/>
+                  </a:cubicBezTo>
+                  <a:cubicBezTo>
+                    <a:pt x="1840230" y="382270"/>
+                    <a:pt x="781050" y="346710"/>
+                    <a:pt x="373380" y="419100"/>
+                  </a:cubicBezTo>
+                  <a:cubicBezTo>
+                    <a:pt x="-34290" y="491490"/>
+                    <a:pt x="60960" y="732790"/>
+                    <a:pt x="0" y="746760"/>
+                  </a:cubicBezTo>
+                </a:path>
+              </a:pathLst>
+            </a:custGeom>
+            <a:noFill/>
+            <a:ln>
+              <a:solidFill>
+                <a:srgbClr val="00B050">
+                  <a:alpha val="38824"/>
+                </a:srgbClr>
+              </a:solidFill>
+            </a:ln>
+          </p:spPr>
+          <p:style>
+            <a:lnRef idx="1">
+              <a:schemeClr val="accent1"/>
+            </a:lnRef>
+            <a:fillRef idx="3">
+              <a:schemeClr val="accent1"/>
+            </a:fillRef>
+            <a:effectRef idx="2">
+              <a:schemeClr val="accent1"/>
+            </a:effectRef>
+            <a:fontRef idx="minor">
+              <a:schemeClr val="lt1"/>
+            </a:fontRef>
+          </p:style>
+          <p:txBody>
+            <a:bodyPr rtlCol="0" anchor="ctr"/>
+            <a:lstStyle/>
+            <a:p>
+              <a:pPr algn="ctr"/>
+              <a:endParaRPr lang="de-DE"/>
+            </a:p>
+          </p:txBody>
+        </p:sp>
+        <p:sp>
+          <p:nvSpPr>
+            <p:cNvPr id="95" name="Rechteck 94"/>
+            <p:cNvSpPr/>
+            <p:nvPr/>
+          </p:nvSpPr>
+          <p:spPr>
+            <a:xfrm>
+              <a:off x="2632454" y="4944654"/>
+              <a:ext cx="977521" cy="144550"/>
+            </a:xfrm>
+            <a:prstGeom prst="rect">
+              <a:avLst/>
+            </a:prstGeom>
+            <a:solidFill>
+              <a:srgbClr val="F2F2F2">
+                <a:alpha val="20000"/>
+              </a:srgbClr>
+            </a:solidFill>
+            <a:ln w="3175">
+              <a:solidFill>
+                <a:srgbClr val="FC20D2"/>
+              </a:solidFill>
+            </a:ln>
+          </p:spPr>
+          <p:style>
+            <a:lnRef idx="1">
+              <a:schemeClr val="accent1"/>
+            </a:lnRef>
+            <a:fillRef idx="3">
+              <a:schemeClr val="accent1"/>
+            </a:fillRef>
+            <a:effectRef idx="2">
+              <a:schemeClr val="accent1"/>
+            </a:effectRef>
+            <a:fontRef idx="minor">
+              <a:schemeClr val="lt1"/>
+            </a:fontRef>
+          </p:style>
+          <p:txBody>
+            <a:bodyPr rtlCol="0" anchor="ctr"/>
+            <a:lstStyle/>
+            <a:p>
+              <a:pPr algn="ctr"/>
+              <a:endParaRPr lang="de-DE"/>
+            </a:p>
+          </p:txBody>
+        </p:sp>
+        <p:sp>
+          <p:nvSpPr>
+            <p:cNvPr id="96" name="Rechteck 95"/>
+            <p:cNvSpPr/>
+            <p:nvPr/>
+          </p:nvSpPr>
+          <p:spPr>
+            <a:xfrm>
+              <a:off x="6387502" y="3631406"/>
+              <a:ext cx="1148678" cy="161197"/>
+            </a:xfrm>
+            <a:prstGeom prst="rect">
+              <a:avLst/>
+            </a:prstGeom>
+            <a:solidFill>
+              <a:srgbClr val="F2F2F2">
+                <a:alpha val="20000"/>
+              </a:srgbClr>
+            </a:solidFill>
+            <a:ln w="3175">
+              <a:solidFill>
+                <a:srgbClr val="FC20D2"/>
+              </a:solidFill>
+            </a:ln>
+          </p:spPr>
+          <p:style>
+            <a:lnRef idx="1">
+              <a:schemeClr val="accent1"/>
+            </a:lnRef>
+            <a:fillRef idx="3">
+              <a:schemeClr val="accent1"/>
+            </a:fillRef>
+            <a:effectRef idx="2">
+              <a:schemeClr val="accent1"/>
+            </a:effectRef>
+            <a:fontRef idx="minor">
+              <a:schemeClr val="lt1"/>
+            </a:fontRef>
+          </p:style>
+          <p:txBody>
+            <a:bodyPr rtlCol="0" anchor="ctr"/>
+            <a:lstStyle/>
+            <a:p>
+              <a:pPr algn="ctr"/>
+              <a:endParaRPr lang="de-DE"/>
+            </a:p>
+          </p:txBody>
+        </p:sp>
+        <p:sp>
+          <p:nvSpPr>
+            <p:cNvPr id="103" name="Freihandform 102"/>
+            <p:cNvSpPr/>
+            <p:nvPr/>
+          </p:nvSpPr>
+          <p:spPr>
+            <a:xfrm>
+              <a:off x="3019425" y="3456821"/>
+              <a:ext cx="3963162" cy="1488026"/>
+            </a:xfrm>
+            <a:custGeom>
+              <a:avLst/>
+              <a:gdLst>
+                <a:gd name="connsiteX0" fmla="*/ 3933825 w 3963162"/>
+                <a:gd name="connsiteY0" fmla="*/ 181729 h 1488026"/>
+                <a:gd name="connsiteX1" fmla="*/ 3762375 w 3963162"/>
+                <a:gd name="connsiteY1" fmla="*/ 29329 h 1488026"/>
+                <a:gd name="connsiteX2" fmla="*/ 2428875 w 3963162"/>
+                <a:gd name="connsiteY2" fmla="*/ 29329 h 1488026"/>
+                <a:gd name="connsiteX3" fmla="*/ 2171700 w 3963162"/>
+                <a:gd name="connsiteY3" fmla="*/ 334129 h 1488026"/>
+                <a:gd name="connsiteX4" fmla="*/ 1943100 w 3963162"/>
+                <a:gd name="connsiteY4" fmla="*/ 381754 h 1488026"/>
+                <a:gd name="connsiteX5" fmla="*/ 1933575 w 3963162"/>
+                <a:gd name="connsiteY5" fmla="*/ 686554 h 1488026"/>
+                <a:gd name="connsiteX6" fmla="*/ 1209675 w 3963162"/>
+                <a:gd name="connsiteY6" fmla="*/ 810379 h 1488026"/>
+                <a:gd name="connsiteX7" fmla="*/ 171450 w 3963162"/>
+                <a:gd name="connsiteY7" fmla="*/ 877054 h 1488026"/>
+                <a:gd name="connsiteX8" fmla="*/ 0 w 3963162"/>
+                <a:gd name="connsiteY8" fmla="*/ 1486654 h 1488026"/>
+              </a:gdLst>
+              <a:ahLst/>
+              <a:cxnLst>
+                <a:cxn ang="0">
+                  <a:pos x="connsiteX0" y="connsiteY0"/>
+                </a:cxn>
+                <a:cxn ang="0">
+                  <a:pos x="connsiteX1" y="connsiteY1"/>
+                </a:cxn>
+                <a:cxn ang="0">
+                  <a:pos x="connsiteX2" y="connsiteY2"/>
+                </a:cxn>
+                <a:cxn ang="0">
+                  <a:pos x="connsiteX3" y="connsiteY3"/>
+                </a:cxn>
+                <a:cxn ang="0">
+                  <a:pos x="connsiteX4" y="connsiteY4"/>
+                </a:cxn>
+                <a:cxn ang="0">
+                  <a:pos x="connsiteX5" y="connsiteY5"/>
+                </a:cxn>
+                <a:cxn ang="0">
+                  <a:pos x="connsiteX6" y="connsiteY6"/>
+                </a:cxn>
+                <a:cxn ang="0">
+                  <a:pos x="connsiteX7" y="connsiteY7"/>
+                </a:cxn>
+                <a:cxn ang="0">
+                  <a:pos x="connsiteX8" y="connsiteY8"/>
+                </a:cxn>
+              </a:cxnLst>
+              <a:rect l="l" t="t" r="r" b="b"/>
+              <a:pathLst>
+                <a:path w="3963162" h="1488026">
+                  <a:moveTo>
+                    <a:pt x="3933825" y="181729"/>
+                  </a:moveTo>
+                  <a:cubicBezTo>
+                    <a:pt x="3973512" y="118229"/>
+                    <a:pt x="4013200" y="54729"/>
+                    <a:pt x="3762375" y="29329"/>
+                  </a:cubicBezTo>
+                  <a:cubicBezTo>
+                    <a:pt x="3511550" y="3929"/>
+                    <a:pt x="2693987" y="-21471"/>
+                    <a:pt x="2428875" y="29329"/>
+                  </a:cubicBezTo>
+                  <a:cubicBezTo>
+                    <a:pt x="2163762" y="80129"/>
+                    <a:pt x="2252662" y="275392"/>
+                    <a:pt x="2171700" y="334129"/>
+                  </a:cubicBezTo>
+                  <a:cubicBezTo>
+                    <a:pt x="2090737" y="392867"/>
+                    <a:pt x="1982787" y="323017"/>
+                    <a:pt x="1943100" y="381754"/>
+                  </a:cubicBezTo>
+                  <a:cubicBezTo>
+                    <a:pt x="1903413" y="440491"/>
+                    <a:pt x="2055812" y="615117"/>
+                    <a:pt x="1933575" y="686554"/>
+                  </a:cubicBezTo>
+                  <a:cubicBezTo>
+                    <a:pt x="1811338" y="757991"/>
+                    <a:pt x="1503362" y="778629"/>
+                    <a:pt x="1209675" y="810379"/>
+                  </a:cubicBezTo>
+                  <a:cubicBezTo>
+                    <a:pt x="915988" y="842129"/>
+                    <a:pt x="373062" y="764342"/>
+                    <a:pt x="171450" y="877054"/>
+                  </a:cubicBezTo>
+                  <a:cubicBezTo>
+                    <a:pt x="-30162" y="989766"/>
+                    <a:pt x="28575" y="1518404"/>
+                    <a:pt x="0" y="1486654"/>
+                  </a:cubicBezTo>
+                </a:path>
+              </a:pathLst>
+            </a:custGeom>
+            <a:noFill/>
+            <a:ln>
+              <a:solidFill>
+                <a:srgbClr val="FC20D2">
+                  <a:alpha val="40000"/>
+                </a:srgbClr>
+              </a:solidFill>
+            </a:ln>
+          </p:spPr>
+          <p:style>
+            <a:lnRef idx="1">
+              <a:schemeClr val="accent1"/>
+            </a:lnRef>
+            <a:fillRef idx="3">
+              <a:schemeClr val="accent1"/>
+            </a:fillRef>
+            <a:effectRef idx="2">
+              <a:schemeClr val="accent1"/>
+            </a:effectRef>
+            <a:fontRef idx="minor">
+              <a:schemeClr val="lt1"/>
+            </a:fontRef>
+          </p:style>
+          <p:txBody>
+            <a:bodyPr rtlCol="0" anchor="ctr"/>
+            <a:lstStyle/>
+            <a:p>
+              <a:pPr algn="ctr"/>
+              <a:endParaRPr lang="de-DE"/>
+            </a:p>
+          </p:txBody>
+        </p:sp>
+      </p:grpSp>
+      <p:sp>
+        <p:nvSpPr>
+          <p:cNvPr id="116" name="Titel 2"/>
+          <p:cNvSpPr txBox="1">
+            <a:spLocks/>
+          </p:cNvSpPr>
+          <p:nvPr/>
+        </p:nvSpPr>
+        <p:spPr>
+          <a:xfrm>
+            <a:off x="457573" y="1511875"/>
+            <a:ext cx="6508377" cy="551723"/>
+          </a:xfrm>
+          <a:prstGeom prst="rect">
+            <a:avLst/>
+          </a:prstGeom>
+        </p:spPr>
+        <p:txBody>
+          <a:bodyPr vert="horz" lIns="91440" tIns="45720" rIns="91440" bIns="45720" rtlCol="0" anchor="b" anchorCtr="0">
+            <a:noAutofit/>
+          </a:bodyPr>
+          <a:lstStyle>
+            <a:lvl1pPr algn="l" defTabSz="914400" rtl="0" eaLnBrk="1" latinLnBrk="0" hangingPunct="1">
+              <a:spcBef>
+                <a:spcPct val="0"/>
+              </a:spcBef>
+              <a:buNone/>
+              <a:defRPr sz="3200" kern="1200">
+                <a:solidFill>
+                  <a:schemeClr val="accent1"/>
+                </a:solidFill>
+                <a:latin typeface="+mj-lt"/>
+                <a:ea typeface="+mj-ea"/>
+                <a:cs typeface="+mj-cs"/>
+              </a:defRPr>
+            </a:lvl1pPr>
+          </a:lstStyle>
+          <a:p>
+            <a:r>
+              <a:rPr lang="de-DE" dirty="0" smtClean="0"/>
+              <a:t>PM </a:t>
+            </a:r>
+            <a:r>
+              <a:rPr lang="de-DE" sz="2000" dirty="0" smtClean="0"/>
+              <a:t>(MVVM) </a:t>
+            </a:r>
+            <a:endParaRPr lang="de-DE" dirty="0"/>
+          </a:p>
+        </p:txBody>
+      </p:sp>
+    </p:spTree>
+    <p:extLst>
+      <p:ext uri="{BB962C8B-B14F-4D97-AF65-F5344CB8AC3E}">
+        <p14:creationId xmlns:p14="http://schemas.microsoft.com/office/powerpoint/2010/main" val="1138825730"/>
       </p:ext>
     </p:extLst>
   </p:cSld>
@@ -17165,6 +21655,581 @@
   <p:timing>
     <p:tnLst>
       <p:par>
+        <p:cTn id="1" dur="indefinite" restart="never" nodeType="tmRoot">
+          <p:childTnLst>
+            <p:seq concurrent="1" nextAc="seek">
+              <p:cTn id="2" dur="indefinite" nodeType="mainSeq">
+                <p:childTnLst>
+                  <p:par>
+                    <p:cTn id="3" fill="hold">
+                      <p:stCondLst>
+                        <p:cond delay="indefinite"/>
+                      </p:stCondLst>
+                      <p:childTnLst>
+                        <p:par>
+                          <p:cTn id="4" fill="hold">
+                            <p:stCondLst>
+                              <p:cond delay="0"/>
+                            </p:stCondLst>
+                            <p:childTnLst>
+                              <p:par>
+                                <p:cTn id="5" presetID="10" presetClass="entr" presetSubtype="0" fill="hold" nodeType="clickEffect">
+                                  <p:stCondLst>
+                                    <p:cond delay="0"/>
+                                  </p:stCondLst>
+                                  <p:childTnLst>
+                                    <p:set>
+                                      <p:cBhvr>
+                                        <p:cTn id="6" dur="1" fill="hold">
+                                          <p:stCondLst>
+                                            <p:cond delay="0"/>
+                                          </p:stCondLst>
+                                        </p:cTn>
+                                        <p:tgtEl>
+                                          <p:spTgt spid="1031"/>
+                                        </p:tgtEl>
+                                        <p:attrNameLst>
+                                          <p:attrName>style.visibility</p:attrName>
+                                        </p:attrNameLst>
+                                      </p:cBhvr>
+                                      <p:to>
+                                        <p:strVal val="visible"/>
+                                      </p:to>
+                                    </p:set>
+                                    <p:animEffect transition="in" filter="fade">
+                                      <p:cBhvr>
+                                        <p:cTn id="7" dur="500"/>
+                                        <p:tgtEl>
+                                          <p:spTgt spid="1031"/>
+                                        </p:tgtEl>
+                                      </p:cBhvr>
+                                    </p:animEffect>
+                                  </p:childTnLst>
+                                </p:cTn>
+                              </p:par>
+                            </p:childTnLst>
+                          </p:cTn>
+                        </p:par>
+                      </p:childTnLst>
+                    </p:cTn>
+                  </p:par>
+                  <p:par>
+                    <p:cTn id="8" fill="hold">
+                      <p:stCondLst>
+                        <p:cond delay="indefinite"/>
+                      </p:stCondLst>
+                      <p:childTnLst>
+                        <p:par>
+                          <p:cTn id="9" fill="hold">
+                            <p:stCondLst>
+                              <p:cond delay="0"/>
+                            </p:stCondLst>
+                            <p:childTnLst>
+                              <p:par>
+                                <p:cTn id="10" presetID="10" presetClass="entr" presetSubtype="0" fill="hold" nodeType="clickEffect">
+                                  <p:stCondLst>
+                                    <p:cond delay="0"/>
+                                  </p:stCondLst>
+                                  <p:childTnLst>
+                                    <p:set>
+                                      <p:cBhvr>
+                                        <p:cTn id="11" dur="1" fill="hold">
+                                          <p:stCondLst>
+                                            <p:cond delay="0"/>
+                                          </p:stCondLst>
+                                        </p:cTn>
+                                        <p:tgtEl>
+                                          <p:spTgt spid="1030"/>
+                                        </p:tgtEl>
+                                        <p:attrNameLst>
+                                          <p:attrName>style.visibility</p:attrName>
+                                        </p:attrNameLst>
+                                      </p:cBhvr>
+                                      <p:to>
+                                        <p:strVal val="visible"/>
+                                      </p:to>
+                                    </p:set>
+                                    <p:animEffect transition="in" filter="fade">
+                                      <p:cBhvr>
+                                        <p:cTn id="12" dur="500"/>
+                                        <p:tgtEl>
+                                          <p:spTgt spid="1030"/>
+                                        </p:tgtEl>
+                                      </p:cBhvr>
+                                    </p:animEffect>
+                                  </p:childTnLst>
+                                </p:cTn>
+                              </p:par>
+                              <p:par>
+                                <p:cTn id="13" presetID="16" presetClass="entr" presetSubtype="21" fill="hold" nodeType="withEffect">
+                                  <p:stCondLst>
+                                    <p:cond delay="0"/>
+                                  </p:stCondLst>
+                                  <p:childTnLst>
+                                    <p:set>
+                                      <p:cBhvr>
+                                        <p:cTn id="14" dur="1" fill="hold">
+                                          <p:stCondLst>
+                                            <p:cond delay="0"/>
+                                          </p:stCondLst>
+                                        </p:cTn>
+                                        <p:tgtEl>
+                                          <p:spTgt spid="106"/>
+                                        </p:tgtEl>
+                                        <p:attrNameLst>
+                                          <p:attrName>style.visibility</p:attrName>
+                                        </p:attrNameLst>
+                                      </p:cBhvr>
+                                      <p:to>
+                                        <p:strVal val="visible"/>
+                                      </p:to>
+                                    </p:set>
+                                    <p:animEffect transition="in" filter="barn(inVertical)">
+                                      <p:cBhvr>
+                                        <p:cTn id="15" dur="500"/>
+                                        <p:tgtEl>
+                                          <p:spTgt spid="106"/>
+                                        </p:tgtEl>
+                                      </p:cBhvr>
+                                    </p:animEffect>
+                                  </p:childTnLst>
+                                </p:cTn>
+                              </p:par>
+                            </p:childTnLst>
+                          </p:cTn>
+                        </p:par>
+                      </p:childTnLst>
+                    </p:cTn>
+                  </p:par>
+                  <p:par>
+                    <p:cTn id="16" fill="hold">
+                      <p:stCondLst>
+                        <p:cond delay="indefinite"/>
+                      </p:stCondLst>
+                      <p:childTnLst>
+                        <p:par>
+                          <p:cTn id="17" fill="hold">
+                            <p:stCondLst>
+                              <p:cond delay="0"/>
+                            </p:stCondLst>
+                            <p:childTnLst>
+                              <p:par>
+                                <p:cTn id="18" presetID="10" presetClass="entr" presetSubtype="0" fill="hold" nodeType="clickEffect">
+                                  <p:stCondLst>
+                                    <p:cond delay="0"/>
+                                  </p:stCondLst>
+                                  <p:childTnLst>
+                                    <p:set>
+                                      <p:cBhvr>
+                                        <p:cTn id="19" dur="1" fill="hold">
+                                          <p:stCondLst>
+                                            <p:cond delay="0"/>
+                                          </p:stCondLst>
+                                        </p:cTn>
+                                        <p:tgtEl>
+                                          <p:spTgt spid="1027"/>
+                                        </p:tgtEl>
+                                        <p:attrNameLst>
+                                          <p:attrName>style.visibility</p:attrName>
+                                        </p:attrNameLst>
+                                      </p:cBhvr>
+                                      <p:to>
+                                        <p:strVal val="visible"/>
+                                      </p:to>
+                                    </p:set>
+                                    <p:animEffect transition="in" filter="fade">
+                                      <p:cBhvr>
+                                        <p:cTn id="20" dur="500"/>
+                                        <p:tgtEl>
+                                          <p:spTgt spid="1027"/>
+                                        </p:tgtEl>
+                                      </p:cBhvr>
+                                    </p:animEffect>
+                                  </p:childTnLst>
+                                </p:cTn>
+                              </p:par>
+                            </p:childTnLst>
+                          </p:cTn>
+                        </p:par>
+                      </p:childTnLst>
+                    </p:cTn>
+                  </p:par>
+                  <p:par>
+                    <p:cTn id="21" fill="hold">
+                      <p:stCondLst>
+                        <p:cond delay="indefinite"/>
+                      </p:stCondLst>
+                      <p:childTnLst>
+                        <p:par>
+                          <p:cTn id="22" fill="hold">
+                            <p:stCondLst>
+                              <p:cond delay="0"/>
+                            </p:stCondLst>
+                            <p:childTnLst>
+                              <p:par>
+                                <p:cTn id="23" presetID="16" presetClass="entr" presetSubtype="21" fill="hold" nodeType="clickEffect">
+                                  <p:stCondLst>
+                                    <p:cond delay="0"/>
+                                  </p:stCondLst>
+                                  <p:childTnLst>
+                                    <p:set>
+                                      <p:cBhvr>
+                                        <p:cTn id="24" dur="1" fill="hold">
+                                          <p:stCondLst>
+                                            <p:cond delay="0"/>
+                                          </p:stCondLst>
+                                        </p:cTn>
+                                        <p:tgtEl>
+                                          <p:spTgt spid="108"/>
+                                        </p:tgtEl>
+                                        <p:attrNameLst>
+                                          <p:attrName>style.visibility</p:attrName>
+                                        </p:attrNameLst>
+                                      </p:cBhvr>
+                                      <p:to>
+                                        <p:strVal val="visible"/>
+                                      </p:to>
+                                    </p:set>
+                                    <p:animEffect transition="in" filter="barn(inVertical)">
+                                      <p:cBhvr>
+                                        <p:cTn id="25" dur="500"/>
+                                        <p:tgtEl>
+                                          <p:spTgt spid="108"/>
+                                        </p:tgtEl>
+                                      </p:cBhvr>
+                                    </p:animEffect>
+                                  </p:childTnLst>
+                                </p:cTn>
+                              </p:par>
+                              <p:par>
+                                <p:cTn id="26" presetID="10" presetClass="entr" presetSubtype="0" fill="hold" nodeType="withEffect">
+                                  <p:stCondLst>
+                                    <p:cond delay="0"/>
+                                  </p:stCondLst>
+                                  <p:childTnLst>
+                                    <p:set>
+                                      <p:cBhvr>
+                                        <p:cTn id="27" dur="1" fill="hold">
+                                          <p:stCondLst>
+                                            <p:cond delay="0"/>
+                                          </p:stCondLst>
+                                        </p:cTn>
+                                        <p:tgtEl>
+                                          <p:spTgt spid="1029"/>
+                                        </p:tgtEl>
+                                        <p:attrNameLst>
+                                          <p:attrName>style.visibility</p:attrName>
+                                        </p:attrNameLst>
+                                      </p:cBhvr>
+                                      <p:to>
+                                        <p:strVal val="visible"/>
+                                      </p:to>
+                                    </p:set>
+                                    <p:animEffect transition="in" filter="fade">
+                                      <p:cBhvr>
+                                        <p:cTn id="28" dur="500"/>
+                                        <p:tgtEl>
+                                          <p:spTgt spid="1029"/>
+                                        </p:tgtEl>
+                                      </p:cBhvr>
+                                    </p:animEffect>
+                                  </p:childTnLst>
+                                </p:cTn>
+                              </p:par>
+                            </p:childTnLst>
+                          </p:cTn>
+                        </p:par>
+                      </p:childTnLst>
+                    </p:cTn>
+                  </p:par>
+                  <p:par>
+                    <p:cTn id="29" fill="hold">
+                      <p:stCondLst>
+                        <p:cond delay="indefinite"/>
+                      </p:stCondLst>
+                      <p:childTnLst>
+                        <p:par>
+                          <p:cTn id="30" fill="hold">
+                            <p:stCondLst>
+                              <p:cond delay="0"/>
+                            </p:stCondLst>
+                            <p:childTnLst>
+                              <p:par>
+                                <p:cTn id="31" presetID="16" presetClass="entr" presetSubtype="21" fill="hold" nodeType="clickEffect">
+                                  <p:stCondLst>
+                                    <p:cond delay="0"/>
+                                  </p:stCondLst>
+                                  <p:childTnLst>
+                                    <p:set>
+                                      <p:cBhvr>
+                                        <p:cTn id="32" dur="1" fill="hold">
+                                          <p:stCondLst>
+                                            <p:cond delay="0"/>
+                                          </p:stCondLst>
+                                        </p:cTn>
+                                        <p:tgtEl>
+                                          <p:spTgt spid="107"/>
+                                        </p:tgtEl>
+                                        <p:attrNameLst>
+                                          <p:attrName>style.visibility</p:attrName>
+                                        </p:attrNameLst>
+                                      </p:cBhvr>
+                                      <p:to>
+                                        <p:strVal val="visible"/>
+                                      </p:to>
+                                    </p:set>
+                                    <p:animEffect transition="in" filter="barn(inVertical)">
+                                      <p:cBhvr>
+                                        <p:cTn id="33" dur="500"/>
+                                        <p:tgtEl>
+                                          <p:spTgt spid="107"/>
+                                        </p:tgtEl>
+                                      </p:cBhvr>
+                                    </p:animEffect>
+                                  </p:childTnLst>
+                                </p:cTn>
+                              </p:par>
+                            </p:childTnLst>
+                          </p:cTn>
+                        </p:par>
+                      </p:childTnLst>
+                    </p:cTn>
+                  </p:par>
+                </p:childTnLst>
+              </p:cTn>
+              <p:prevCondLst>
+                <p:cond evt="onPrev" delay="0">
+                  <p:tgtEl>
+                    <p:sldTgt/>
+                  </p:tgtEl>
+                </p:cond>
+              </p:prevCondLst>
+              <p:nextCondLst>
+                <p:cond evt="onNext" delay="0">
+                  <p:tgtEl>
+                    <p:sldTgt/>
+                  </p:tgtEl>
+                </p:cond>
+              </p:nextCondLst>
+            </p:seq>
+          </p:childTnLst>
+        </p:cTn>
+      </p:par>
+    </p:tnLst>
+  </p:timing>
+</p:sld>
+</file>
+
+<file path=ppt/slides/slide26.xml><?xml version="1.0" encoding="utf-8"?>
+<p:sld xmlns:a="http://schemas.openxmlformats.org/drawingml/2006/main" xmlns:r="http://schemas.openxmlformats.org/officeDocument/2006/relationships" xmlns:p="http://schemas.openxmlformats.org/presentationml/2006/main">
+  <p:cSld>
+    <p:spTree>
+      <p:nvGrpSpPr>
+        <p:cNvPr id="1" name=""/>
+        <p:cNvGrpSpPr/>
+        <p:nvPr/>
+      </p:nvGrpSpPr>
+      <p:grpSpPr>
+        <a:xfrm>
+          <a:off x="0" y="0"/>
+          <a:ext cx="0" cy="0"/>
+          <a:chOff x="0" y="0"/>
+          <a:chExt cx="0" cy="0"/>
+        </a:xfrm>
+      </p:grpSpPr>
+      <p:sp>
+        <p:nvSpPr>
+          <p:cNvPr id="4" name="Inhaltsplatzhalter 3"/>
+          <p:cNvSpPr>
+            <a:spLocks noGrp="1"/>
+          </p:cNvSpPr>
+          <p:nvPr>
+            <p:ph idx="1"/>
+          </p:nvPr>
+        </p:nvSpPr>
+        <p:spPr/>
+        <p:txBody>
+          <a:bodyPr anchor="ctr">
+            <a:normAutofit/>
+          </a:bodyPr>
+          <a:lstStyle/>
+          <a:p>
+            <a:pPr lvl="0">
+              <a:lnSpc>
+                <a:spcPct val="200000"/>
+              </a:lnSpc>
+            </a:pPr>
+            <a:r>
+              <a:rPr lang="de-DE" dirty="0" err="1"/>
+              <a:t>Application</a:t>
+            </a:r>
+            <a:r>
+              <a:rPr lang="de-DE" dirty="0"/>
+              <a:t> </a:t>
+            </a:r>
+            <a:r>
+              <a:rPr lang="de-DE" dirty="0" err="1"/>
+              <a:t>Logic</a:t>
+            </a:r>
+            <a:r>
+              <a:rPr lang="de-DE" dirty="0"/>
+              <a:t> in </a:t>
+            </a:r>
+            <a:r>
+              <a:rPr lang="de-DE" i="1" dirty="0" err="1"/>
+              <a:t>ViewModel</a:t>
+            </a:r>
+            <a:endParaRPr lang="de-DE" dirty="0"/>
+          </a:p>
+          <a:p>
+            <a:pPr lvl="0">
+              <a:lnSpc>
+                <a:spcPct val="200000"/>
+              </a:lnSpc>
+            </a:pPr>
+            <a:r>
+              <a:rPr lang="de-DE" i="1" dirty="0" err="1"/>
+              <a:t>ViewModel</a:t>
+            </a:r>
+            <a:r>
+              <a:rPr lang="de-DE" dirty="0"/>
+              <a:t> abstrahiert Model für View</a:t>
+            </a:r>
+          </a:p>
+          <a:p>
+            <a:pPr lvl="0">
+              <a:lnSpc>
+                <a:spcPct val="200000"/>
+              </a:lnSpc>
+            </a:pPr>
+            <a:r>
+              <a:rPr lang="de-DE" i="1" dirty="0"/>
+              <a:t>View</a:t>
+            </a:r>
+            <a:r>
+              <a:rPr lang="de-DE" dirty="0"/>
+              <a:t> (sollte) </a:t>
+            </a:r>
+            <a:r>
+              <a:rPr lang="de-DE" i="1" dirty="0"/>
+              <a:t>Model</a:t>
+            </a:r>
+            <a:r>
+              <a:rPr lang="de-DE" dirty="0"/>
+              <a:t> nicht kennen</a:t>
+            </a:r>
+          </a:p>
+          <a:p>
+            <a:pPr lvl="0">
+              <a:lnSpc>
+                <a:spcPct val="200000"/>
+              </a:lnSpc>
+            </a:pPr>
+            <a:r>
+              <a:rPr lang="de-DE" dirty="0" err="1"/>
+              <a:t>ViewModel</a:t>
+            </a:r>
+            <a:r>
+              <a:rPr lang="de-DE" dirty="0"/>
+              <a:t> mit TDD</a:t>
+            </a:r>
+          </a:p>
+        </p:txBody>
+      </p:sp>
+      <p:sp>
+        <p:nvSpPr>
+          <p:cNvPr id="5" name="Textplatzhalter 4"/>
+          <p:cNvSpPr>
+            <a:spLocks noGrp="1"/>
+          </p:cNvSpPr>
+          <p:nvPr>
+            <p:ph type="body" sz="quarter" idx="12"/>
+          </p:nvPr>
+        </p:nvSpPr>
+        <p:spPr/>
+        <p:txBody>
+          <a:bodyPr/>
+          <a:lstStyle/>
+          <a:p>
+            <a:r>
+              <a:rPr lang="de-DE" dirty="0" smtClean="0"/>
+              <a:t>Pattern</a:t>
+            </a:r>
+            <a:endParaRPr lang="de-DE" dirty="0"/>
+          </a:p>
+        </p:txBody>
+      </p:sp>
+      <p:sp>
+        <p:nvSpPr>
+          <p:cNvPr id="6" name="Titel 2"/>
+          <p:cNvSpPr txBox="1">
+            <a:spLocks/>
+          </p:cNvSpPr>
+          <p:nvPr/>
+        </p:nvSpPr>
+        <p:spPr>
+          <a:xfrm>
+            <a:off x="457573" y="1511875"/>
+            <a:ext cx="6508377" cy="551723"/>
+          </a:xfrm>
+          <a:prstGeom prst="rect">
+            <a:avLst/>
+          </a:prstGeom>
+        </p:spPr>
+        <p:txBody>
+          <a:bodyPr vert="horz" lIns="91440" tIns="45720" rIns="91440" bIns="45720" rtlCol="0" anchor="b" anchorCtr="0">
+            <a:noAutofit/>
+          </a:bodyPr>
+          <a:lstStyle>
+            <a:lvl1pPr algn="l" defTabSz="914400" rtl="0" eaLnBrk="1" latinLnBrk="0" hangingPunct="1">
+              <a:spcBef>
+                <a:spcPct val="0"/>
+              </a:spcBef>
+              <a:buNone/>
+              <a:defRPr sz="3200" kern="1200">
+                <a:solidFill>
+                  <a:schemeClr val="accent1"/>
+                </a:solidFill>
+                <a:latin typeface="+mj-lt"/>
+                <a:ea typeface="+mj-ea"/>
+                <a:cs typeface="+mj-cs"/>
+              </a:defRPr>
+            </a:lvl1pPr>
+          </a:lstStyle>
+          <a:p>
+            <a:r>
+              <a:rPr lang="de-DE" dirty="0" smtClean="0"/>
+              <a:t>PM </a:t>
+            </a:r>
+            <a:r>
+              <a:rPr lang="de-DE" sz="2000" dirty="0" smtClean="0"/>
+              <a:t>(MVVM)  Zusammenfassung</a:t>
+            </a:r>
+            <a:endParaRPr lang="de-DE" dirty="0"/>
+          </a:p>
+        </p:txBody>
+      </p:sp>
+    </p:spTree>
+    <p:extLst>
+      <p:ext uri="{BB962C8B-B14F-4D97-AF65-F5344CB8AC3E}">
+        <p14:creationId xmlns:p14="http://schemas.microsoft.com/office/powerpoint/2010/main" val="3924382825"/>
+      </p:ext>
+    </p:extLst>
+  </p:cSld>
+  <p:clrMapOvr>
+    <a:masterClrMapping/>
+  </p:clrMapOvr>
+  <mc:AlternateContent xmlns:mc="http://schemas.openxmlformats.org/markup-compatibility/2006" xmlns:p14="http://schemas.microsoft.com/office/powerpoint/2010/main">
+    <mc:Choice Requires="p14">
+      <p:transition spd="slow" p14:dur="2000"/>
+    </mc:Choice>
+    <mc:Fallback xmlns="">
+      <p:transition spd="slow"/>
+    </mc:Fallback>
+  </mc:AlternateContent>
+  <p:timing>
+    <p:tnLst>
+      <p:par>
         <p:cTn id="1" dur="indefinite" restart="never" nodeType="tmRoot"/>
       </p:par>
     </p:tnLst>
@@ -17172,7 +22237,7 @@
 </p:sld>
 </file>
 
-<file path=ppt/slides/slide23.xml><?xml version="1.0" encoding="utf-8"?>
+<file path=ppt/slides/slide27.xml><?xml version="1.0" encoding="utf-8"?>
 <p:sld xmlns:a="http://schemas.openxmlformats.org/drawingml/2006/main" xmlns:r="http://schemas.openxmlformats.org/officeDocument/2006/relationships" xmlns:p="http://schemas.openxmlformats.org/presentationml/2006/main">
   <p:cSld>
     <p:spTree>
@@ -18227,730 +23292,6 @@
           <a:chExt cx="0" cy="0"/>
         </a:xfrm>
       </p:grpSpPr>
-      <p:graphicFrame>
-        <p:nvGraphicFramePr>
-          <p:cNvPr id="3" name="Tabelle 2"/>
-          <p:cNvGraphicFramePr>
-            <a:graphicFrameLocks noGrp="1"/>
-          </p:cNvGraphicFramePr>
-          <p:nvPr>
-            <p:extLst>
-              <p:ext uri="{D42A27DB-BD31-4B8C-83A1-F6EECF244321}">
-                <p14:modId xmlns:p14="http://schemas.microsoft.com/office/powerpoint/2010/main" val="2419911123"/>
-              </p:ext>
-            </p:extLst>
-          </p:nvPr>
-        </p:nvGraphicFramePr>
-        <p:xfrm>
-          <a:off x="456824" y="2424759"/>
-          <a:ext cx="7919424" cy="3312000"/>
-        </p:xfrm>
-        <a:graphic>
-          <a:graphicData uri="http://schemas.openxmlformats.org/drawingml/2006/table">
-            <a:tbl>
-              <a:tblPr firstRow="1" bandRow="1">
-                <a:tableStyleId>{9D7B26C5-4107-4FEC-AEDC-1716B250A1EF}</a:tableStyleId>
-              </a:tblPr>
-              <a:tblGrid>
-                <a:gridCol w="2639808"/>
-                <a:gridCol w="2639808"/>
-                <a:gridCol w="2639808"/>
-              </a:tblGrid>
-              <a:tr h="828000">
-                <a:tc>
-                  <a:txBody>
-                    <a:bodyPr/>
-                    <a:lstStyle/>
-                    <a:p>
-                      <a:r>
-                        <a:rPr lang="de-DE" b="0" dirty="0" smtClean="0"/>
-                        <a:t>DSLs</a:t>
-                      </a:r>
-                      <a:endParaRPr lang="de-DE" b="0" dirty="0"/>
-                    </a:p>
-                  </a:txBody>
-                  <a:tcPr anchor="ctr">
-                    <a:lnB w="12700" cap="flat" cmpd="sng" algn="ctr">
-                      <a:noFill/>
-                      <a:prstDash val="solid"/>
-                      <a:round/>
-                      <a:headEnd type="none" w="med" len="med"/>
-                      <a:tailEnd type="none" w="med" len="med"/>
-                    </a:lnB>
-                  </a:tcPr>
-                </a:tc>
-                <a:tc>
-                  <a:txBody>
-                    <a:bodyPr/>
-                    <a:lstStyle/>
-                    <a:p>
-                      <a:endParaRPr lang="de-DE" dirty="0"/>
-                    </a:p>
-                  </a:txBody>
-                  <a:tcPr>
-                    <a:lnB w="12700" cap="flat" cmpd="sng" algn="ctr">
-                      <a:noFill/>
-                      <a:prstDash val="solid"/>
-                      <a:round/>
-                      <a:headEnd type="none" w="med" len="med"/>
-                      <a:tailEnd type="none" w="med" len="med"/>
-                    </a:lnB>
-                  </a:tcPr>
-                </a:tc>
-                <a:tc>
-                  <a:txBody>
-                    <a:bodyPr/>
-                    <a:lstStyle/>
-                    <a:p>
-                      <a:endParaRPr lang="de-DE" dirty="0"/>
-                    </a:p>
-                  </a:txBody>
-                  <a:tcPr>
-                    <a:lnB w="12700" cap="flat" cmpd="sng" algn="ctr">
-                      <a:noFill/>
-                      <a:prstDash val="solid"/>
-                      <a:round/>
-                      <a:headEnd type="none" w="med" len="med"/>
-                      <a:tailEnd type="none" w="med" len="med"/>
-                    </a:lnB>
-                  </a:tcPr>
-                </a:tc>
-              </a:tr>
-              <a:tr h="828000">
-                <a:tc>
-                  <a:txBody>
-                    <a:bodyPr/>
-                    <a:lstStyle/>
-                    <a:p>
-                      <a:r>
-                        <a:rPr lang="de-DE" dirty="0" err="1" smtClean="0"/>
-                        <a:t>Tooling</a:t>
-                      </a:r>
-                      <a:endParaRPr lang="de-DE" dirty="0"/>
-                    </a:p>
-                  </a:txBody>
-                  <a:tcPr anchor="ctr">
-                    <a:lnT w="12700" cap="flat" cmpd="sng" algn="ctr">
-                      <a:noFill/>
-                      <a:prstDash val="solid"/>
-                      <a:round/>
-                      <a:headEnd type="none" w="med" len="med"/>
-                      <a:tailEnd type="none" w="med" len="med"/>
-                    </a:lnT>
-                  </a:tcPr>
-                </a:tc>
-                <a:tc>
-                  <a:txBody>
-                    <a:bodyPr/>
-                    <a:lstStyle/>
-                    <a:p>
-                      <a:endParaRPr lang="de-DE" dirty="0"/>
-                    </a:p>
-                  </a:txBody>
-                  <a:tcPr>
-                    <a:lnT w="12700" cap="flat" cmpd="sng" algn="ctr">
-                      <a:noFill/>
-                      <a:prstDash val="solid"/>
-                      <a:round/>
-                      <a:headEnd type="none" w="med" len="med"/>
-                      <a:tailEnd type="none" w="med" len="med"/>
-                    </a:lnT>
-                  </a:tcPr>
-                </a:tc>
-                <a:tc>
-                  <a:txBody>
-                    <a:bodyPr/>
-                    <a:lstStyle/>
-                    <a:p>
-                      <a:endParaRPr lang="de-DE"/>
-                    </a:p>
-                  </a:txBody>
-                  <a:tcPr>
-                    <a:lnT w="12700" cap="flat" cmpd="sng" algn="ctr">
-                      <a:noFill/>
-                      <a:prstDash val="solid"/>
-                      <a:round/>
-                      <a:headEnd type="none" w="med" len="med"/>
-                      <a:tailEnd type="none" w="med" len="med"/>
-                    </a:lnT>
-                  </a:tcPr>
-                </a:tc>
-              </a:tr>
-              <a:tr h="828000">
-                <a:tc>
-                  <a:txBody>
-                    <a:bodyPr/>
-                    <a:lstStyle/>
-                    <a:p>
-                      <a:r>
-                        <a:rPr lang="de-DE" dirty="0" smtClean="0"/>
-                        <a:t>Rich Client</a:t>
-                      </a:r>
-                      <a:r>
-                        <a:rPr lang="de-DE" baseline="0" dirty="0" smtClean="0"/>
-                        <a:t> Frameworks</a:t>
-                      </a:r>
-                      <a:endParaRPr lang="de-DE" dirty="0"/>
-                    </a:p>
-                  </a:txBody>
-                  <a:tcPr anchor="ctr"/>
-                </a:tc>
-                <a:tc>
-                  <a:txBody>
-                    <a:bodyPr/>
-                    <a:lstStyle/>
-                    <a:p>
-                      <a:endParaRPr lang="de-DE" dirty="0"/>
-                    </a:p>
-                  </a:txBody>
-                  <a:tcPr/>
-                </a:tc>
-                <a:tc>
-                  <a:txBody>
-                    <a:bodyPr/>
-                    <a:lstStyle/>
-                    <a:p>
-                      <a:endParaRPr lang="de-DE" dirty="0"/>
-                    </a:p>
-                  </a:txBody>
-                  <a:tcPr/>
-                </a:tc>
-              </a:tr>
-              <a:tr h="828000">
-                <a:tc>
-                  <a:txBody>
-                    <a:bodyPr/>
-                    <a:lstStyle/>
-                    <a:p>
-                      <a:r>
-                        <a:rPr lang="de-DE" dirty="0" smtClean="0"/>
-                        <a:t>Bibliotheken</a:t>
-                      </a:r>
-                      <a:endParaRPr lang="de-DE" dirty="0"/>
-                    </a:p>
-                  </a:txBody>
-                  <a:tcPr anchor="ctr"/>
-                </a:tc>
-                <a:tc>
-                  <a:txBody>
-                    <a:bodyPr/>
-                    <a:lstStyle/>
-                    <a:p>
-                      <a:endParaRPr lang="de-DE" dirty="0"/>
-                    </a:p>
-                  </a:txBody>
-                  <a:tcPr/>
-                </a:tc>
-                <a:tc>
-                  <a:txBody>
-                    <a:bodyPr/>
-                    <a:lstStyle/>
-                    <a:p>
-                      <a:endParaRPr lang="de-DE" dirty="0"/>
-                    </a:p>
-                  </a:txBody>
-                  <a:tcPr/>
-                </a:tc>
-              </a:tr>
-            </a:tbl>
-          </a:graphicData>
-        </a:graphic>
-      </p:graphicFrame>
-      <p:sp>
-        <p:nvSpPr>
-          <p:cNvPr id="4" name="Textplatzhalter 10"/>
-          <p:cNvSpPr>
-            <a:spLocks noGrp="1"/>
-          </p:cNvSpPr>
-          <p:nvPr>
-            <p:ph type="body" sz="quarter" idx="12"/>
-          </p:nvPr>
-        </p:nvSpPr>
-        <p:spPr>
-          <a:xfrm>
-            <a:off x="456826" y="696177"/>
-            <a:ext cx="6508750" cy="727075"/>
-          </a:xfrm>
-        </p:spPr>
-        <p:txBody>
-          <a:bodyPr>
-            <a:noAutofit/>
-          </a:bodyPr>
-          <a:lstStyle>
-            <a:lvl1pPr marL="0" indent="0">
-              <a:buNone/>
-              <a:defRPr sz="4400"/>
-            </a:lvl1pPr>
-          </a:lstStyle>
-          <a:p>
-            <a:pPr lvl="0"/>
-            <a:r>
-              <a:rPr lang="de-DE" dirty="0" smtClean="0">
-                <a:solidFill>
-                  <a:schemeClr val="bg2"/>
-                </a:solidFill>
-              </a:rPr>
-              <a:t>Einführung</a:t>
-            </a:r>
-            <a:endParaRPr lang="de-DE" dirty="0">
-              <a:solidFill>
-                <a:schemeClr val="bg2"/>
-              </a:solidFill>
-            </a:endParaRPr>
-          </a:p>
-        </p:txBody>
-      </p:sp>
-      <p:sp>
-        <p:nvSpPr>
-          <p:cNvPr id="20" name="Titel 1"/>
-          <p:cNvSpPr>
-            <a:spLocks noGrp="1"/>
-          </p:cNvSpPr>
-          <p:nvPr>
-            <p:ph type="title"/>
-          </p:nvPr>
-        </p:nvSpPr>
-        <p:spPr>
-          <a:xfrm>
-            <a:off x="457199" y="1505676"/>
-            <a:ext cx="6508377" cy="551723"/>
-          </a:xfrm>
-        </p:spPr>
-        <p:txBody>
-          <a:bodyPr/>
-          <a:lstStyle/>
-          <a:p>
-            <a:r>
-              <a:rPr lang="de-DE" dirty="0" smtClean="0"/>
-              <a:t>Entwicklung</a:t>
-            </a:r>
-            <a:endParaRPr lang="de-DE" dirty="0"/>
-          </a:p>
-        </p:txBody>
-      </p:sp>
-      <p:pic>
-        <p:nvPicPr>
-          <p:cNvPr id="2" name="Grafik 1"/>
-          <p:cNvPicPr>
-            <a:picLocks noChangeAspect="1"/>
-          </p:cNvPicPr>
-          <p:nvPr/>
-        </p:nvPicPr>
-        <p:blipFill>
-          <a:blip r:embed="rId3" cstate="email">
-            <a:extLst>
-              <a:ext uri="{28A0092B-C50C-407E-A947-70E740481C1C}">
-                <a14:useLocalDpi xmlns:a14="http://schemas.microsoft.com/office/drawing/2010/main" val="0"/>
-              </a:ext>
-            </a:extLst>
-          </a:blip>
-          <a:stretch>
-            <a:fillRect/>
-          </a:stretch>
-        </p:blipFill>
-        <p:spPr>
-          <a:xfrm>
-            <a:off x="6435434" y="2643412"/>
-            <a:ext cx="1462675" cy="384137"/>
-          </a:xfrm>
-          <a:prstGeom prst="rect">
-            <a:avLst/>
-          </a:prstGeom>
-        </p:spPr>
-      </p:pic>
-      <p:pic>
-        <p:nvPicPr>
-          <p:cNvPr id="5" name="Grafik 4"/>
-          <p:cNvPicPr>
-            <a:picLocks noChangeAspect="1"/>
-          </p:cNvPicPr>
-          <p:nvPr/>
-        </p:nvPicPr>
-        <p:blipFill>
-          <a:blip r:embed="rId4" cstate="email">
-            <a:extLst>
-              <a:ext uri="{28A0092B-C50C-407E-A947-70E740481C1C}">
-                <a14:useLocalDpi xmlns:a14="http://schemas.microsoft.com/office/drawing/2010/main" val="0"/>
-              </a:ext>
-            </a:extLst>
-          </a:blip>
-          <a:stretch>
-            <a:fillRect/>
-          </a:stretch>
-        </p:blipFill>
-        <p:spPr>
-          <a:xfrm>
-            <a:off x="4123263" y="3419954"/>
-            <a:ext cx="523401" cy="523401"/>
-          </a:xfrm>
-          <a:prstGeom prst="rect">
-            <a:avLst/>
-          </a:prstGeom>
-        </p:spPr>
-      </p:pic>
-      <p:pic>
-        <p:nvPicPr>
-          <p:cNvPr id="14" name="Grafik 13"/>
-          <p:cNvPicPr>
-            <a:picLocks noChangeAspect="1"/>
-          </p:cNvPicPr>
-          <p:nvPr/>
-        </p:nvPicPr>
-        <p:blipFill>
-          <a:blip r:embed="rId5" cstate="email">
-            <a:extLst>
-              <a:ext uri="{28A0092B-C50C-407E-A947-70E740481C1C}">
-                <a14:useLocalDpi xmlns:a14="http://schemas.microsoft.com/office/drawing/2010/main" val="0"/>
-              </a:ext>
-            </a:extLst>
-          </a:blip>
-          <a:stretch>
-            <a:fillRect/>
-          </a:stretch>
-        </p:blipFill>
-        <p:spPr>
-          <a:xfrm>
-            <a:off x="6499985" y="3471250"/>
-            <a:ext cx="1333575" cy="420808"/>
-          </a:xfrm>
-          <a:prstGeom prst="rect">
-            <a:avLst/>
-          </a:prstGeom>
-        </p:spPr>
-      </p:pic>
-      <p:sp>
-        <p:nvSpPr>
-          <p:cNvPr id="21" name="Rechteck 20"/>
-          <p:cNvSpPr/>
-          <p:nvPr/>
-        </p:nvSpPr>
-        <p:spPr>
-          <a:xfrm>
-            <a:off x="6177556" y="5131096"/>
-            <a:ext cx="1978427" cy="400110"/>
-          </a:xfrm>
-          <a:prstGeom prst="rect">
-            <a:avLst/>
-          </a:prstGeom>
-          <a:noFill/>
-        </p:spPr>
-        <p:txBody>
-          <a:bodyPr wrap="none" lIns="91440" tIns="45720" rIns="91440" bIns="45720">
-            <a:spAutoFit/>
-            <a:scene3d>
-              <a:camera prst="orthographicFront"/>
-              <a:lightRig rig="flat" dir="tl">
-                <a:rot lat="0" lon="0" rev="6600000"/>
-              </a:lightRig>
-            </a:scene3d>
-            <a:sp3d extrusionH="25400" contourW="8890">
-              <a:bevelT w="38100" h="31750"/>
-              <a:contourClr>
-                <a:schemeClr val="accent2">
-                  <a:shade val="75000"/>
-                </a:schemeClr>
-              </a:contourClr>
-            </a:sp3d>
-          </a:bodyPr>
-          <a:lstStyle/>
-          <a:p>
-            <a:pPr algn="ctr"/>
-            <a:r>
-              <a:rPr lang="de-DE" sz="2000" b="1" dirty="0" smtClean="0">
-                <a:ln w="10541" cmpd="sng">
-                  <a:solidFill>
-                    <a:schemeClr val="accent1">
-                      <a:shade val="88000"/>
-                      <a:satMod val="110000"/>
-                    </a:schemeClr>
-                  </a:solidFill>
-                  <a:prstDash val="solid"/>
-                </a:ln>
-                <a:gradFill>
-                  <a:gsLst>
-                    <a:gs pos="0">
-                      <a:schemeClr val="accent1">
-                        <a:tint val="40000"/>
-                        <a:satMod val="250000"/>
-                      </a:schemeClr>
-                    </a:gs>
-                    <a:gs pos="9000">
-                      <a:schemeClr val="accent1">
-                        <a:tint val="52000"/>
-                        <a:satMod val="300000"/>
-                      </a:schemeClr>
-                    </a:gs>
-                    <a:gs pos="50000">
-                      <a:schemeClr val="accent1">
-                        <a:shade val="20000"/>
-                        <a:satMod val="300000"/>
-                      </a:schemeClr>
-                    </a:gs>
-                    <a:gs pos="79000">
-                      <a:schemeClr val="accent1">
-                        <a:tint val="52000"/>
-                        <a:satMod val="300000"/>
-                      </a:schemeClr>
-                    </a:gs>
-                    <a:gs pos="100000">
-                      <a:schemeClr val="accent1">
-                        <a:tint val="40000"/>
-                        <a:satMod val="250000"/>
-                      </a:schemeClr>
-                    </a:gs>
-                  </a:gsLst>
-                  <a:lin ang="5400000"/>
-                </a:gradFill>
-              </a:rPr>
-              <a:t>SynchronizeFX</a:t>
-            </a:r>
-            <a:endParaRPr lang="de-DE" sz="2000" b="1" cap="none" spc="0" dirty="0">
-              <a:ln w="11430"/>
-              <a:gradFill>
-                <a:gsLst>
-                  <a:gs pos="0">
-                    <a:schemeClr val="accent2">
-                      <a:tint val="70000"/>
-                      <a:satMod val="245000"/>
-                    </a:schemeClr>
-                  </a:gs>
-                  <a:gs pos="75000">
-                    <a:schemeClr val="accent2">
-                      <a:tint val="90000"/>
-                      <a:shade val="60000"/>
-                      <a:satMod val="240000"/>
-                    </a:schemeClr>
-                  </a:gs>
-                  <a:gs pos="100000">
-                    <a:schemeClr val="accent2">
-                      <a:tint val="100000"/>
-                      <a:shade val="50000"/>
-                      <a:satMod val="240000"/>
-                    </a:schemeClr>
-                  </a:gs>
-                </a:gsLst>
-                <a:lin ang="5400000"/>
-              </a:gradFill>
-              <a:effectLst>
-                <a:outerShdw blurRad="50800" dist="39000" dir="5460000" algn="tl">
-                  <a:srgbClr val="000000">
-                    <a:alpha val="38000"/>
-                  </a:srgbClr>
-                </a:outerShdw>
-              </a:effectLst>
-            </a:endParaRPr>
-          </a:p>
-        </p:txBody>
-      </p:sp>
-      <p:pic>
-        <p:nvPicPr>
-          <p:cNvPr id="1026" name="Picture 2" descr="D:\Screenshots\2013-03-15 10_43_30-JFXtras 2.png"/>
-          <p:cNvPicPr>
-            <a:picLocks noChangeAspect="1" noChangeArrowheads="1"/>
-          </p:cNvPicPr>
-          <p:nvPr/>
-        </p:nvPicPr>
-        <p:blipFill>
-          <a:blip r:embed="rId6" cstate="email">
-            <a:extLst>
-              <a:ext uri="{28A0092B-C50C-407E-A947-70E740481C1C}">
-                <a14:useLocalDpi xmlns:a14="http://schemas.microsoft.com/office/drawing/2010/main" val="0"/>
-              </a:ext>
-            </a:extLst>
-          </a:blip>
-          <a:srcRect/>
-          <a:stretch>
-            <a:fillRect/>
-          </a:stretch>
-        </p:blipFill>
-        <p:spPr bwMode="auto">
-          <a:xfrm>
-            <a:off x="3712028" y="5086920"/>
-            <a:ext cx="1345870" cy="488462"/>
-          </a:xfrm>
-          <a:prstGeom prst="rect">
-            <a:avLst/>
-          </a:prstGeom>
-          <a:noFill/>
-          <a:extLst>
-            <a:ext uri="{909E8E84-426E-40DD-AFC4-6F175D3DCCD1}">
-              <a14:hiddenFill xmlns:a14="http://schemas.microsoft.com/office/drawing/2010/main">
-                <a:solidFill>
-                  <a:srgbClr val="FFFFFF"/>
-                </a:solidFill>
-              </a14:hiddenFill>
-            </a:ext>
-          </a:extLst>
-        </p:spPr>
-      </p:pic>
-      <p:pic>
-        <p:nvPicPr>
-          <p:cNvPr id="1027" name="Picture 3" descr="C:\Users\michael.thiele\Pictures\2013-03-15 10_47_15-Björn's Blog.png"/>
-          <p:cNvPicPr>
-            <a:picLocks noChangeAspect="1" noChangeArrowheads="1"/>
-          </p:cNvPicPr>
-          <p:nvPr/>
-        </p:nvPicPr>
-        <p:blipFill>
-          <a:blip r:embed="rId7" cstate="email">
-            <a:extLst>
-              <a:ext uri="{28A0092B-C50C-407E-A947-70E740481C1C}">
-                <a14:useLocalDpi xmlns:a14="http://schemas.microsoft.com/office/drawing/2010/main" val="0"/>
-              </a:ext>
-            </a:extLst>
-          </a:blip>
-          <a:srcRect/>
-          <a:stretch>
-            <a:fillRect/>
-          </a:stretch>
-        </p:blipFill>
-        <p:spPr bwMode="auto">
-          <a:xfrm>
-            <a:off x="6208668" y="4391874"/>
-            <a:ext cx="1916205" cy="349394"/>
-          </a:xfrm>
-          <a:prstGeom prst="rect">
-            <a:avLst/>
-          </a:prstGeom>
-          <a:noFill/>
-          <a:extLst>
-            <a:ext uri="{909E8E84-426E-40DD-AFC4-6F175D3DCCD1}">
-              <a14:hiddenFill xmlns:a14="http://schemas.microsoft.com/office/drawing/2010/main">
-                <a:solidFill>
-                  <a:srgbClr val="FFFFFF"/>
-                </a:solidFill>
-              </a14:hiddenFill>
-            </a:ext>
-          </a:extLst>
-        </p:spPr>
-      </p:pic>
-      <p:pic>
-        <p:nvPicPr>
-          <p:cNvPr id="1028" name="Picture 4" descr="C:\Users\michael.thiele\Pictures\opendolphin.png"/>
-          <p:cNvPicPr>
-            <a:picLocks noChangeAspect="1" noChangeArrowheads="1"/>
-          </p:cNvPicPr>
-          <p:nvPr/>
-        </p:nvPicPr>
-        <p:blipFill>
-          <a:blip r:embed="rId8" cstate="email">
-            <a:extLst>
-              <a:ext uri="{28A0092B-C50C-407E-A947-70E740481C1C}">
-                <a14:useLocalDpi xmlns:a14="http://schemas.microsoft.com/office/drawing/2010/main" val="0"/>
-              </a:ext>
-            </a:extLst>
-          </a:blip>
-          <a:srcRect/>
-          <a:stretch>
-            <a:fillRect/>
-          </a:stretch>
-        </p:blipFill>
-        <p:spPr bwMode="auto">
-          <a:xfrm>
-            <a:off x="3990521" y="4314226"/>
-            <a:ext cx="788884" cy="504690"/>
-          </a:xfrm>
-          <a:prstGeom prst="rect">
-            <a:avLst/>
-          </a:prstGeom>
-          <a:noFill/>
-          <a:extLst>
-            <a:ext uri="{909E8E84-426E-40DD-AFC4-6F175D3DCCD1}">
-              <a14:hiddenFill xmlns:a14="http://schemas.microsoft.com/office/drawing/2010/main">
-                <a:solidFill>
-                  <a:srgbClr val="FFFFFF"/>
-                </a:solidFill>
-              </a14:hiddenFill>
-            </a:ext>
-          </a:extLst>
-        </p:spPr>
-      </p:pic>
-      <p:pic>
-        <p:nvPicPr>
-          <p:cNvPr id="1029" name="Picture 5" descr="C:\Users\michael.thiele\Pictures\Scala_logo.png"/>
-          <p:cNvPicPr>
-            <a:picLocks noChangeAspect="1" noChangeArrowheads="1"/>
-          </p:cNvPicPr>
-          <p:nvPr/>
-        </p:nvPicPr>
-        <p:blipFill>
-          <a:blip r:embed="rId9" cstate="email">
-            <a:extLst>
-              <a:ext uri="{28A0092B-C50C-407E-A947-70E740481C1C}">
-                <a14:useLocalDpi xmlns:a14="http://schemas.microsoft.com/office/drawing/2010/main" val="0"/>
-              </a:ext>
-            </a:extLst>
-          </a:blip>
-          <a:srcRect/>
-          <a:stretch>
-            <a:fillRect/>
-          </a:stretch>
-        </p:blipFill>
-        <p:spPr bwMode="auto">
-          <a:xfrm>
-            <a:off x="3590658" y="2598868"/>
-            <a:ext cx="1588609" cy="473224"/>
-          </a:xfrm>
-          <a:prstGeom prst="rect">
-            <a:avLst/>
-          </a:prstGeom>
-          <a:noFill/>
-          <a:extLst>
-            <a:ext uri="{909E8E84-426E-40DD-AFC4-6F175D3DCCD1}">
-              <a14:hiddenFill xmlns:a14="http://schemas.microsoft.com/office/drawing/2010/main">
-                <a:solidFill>
-                  <a:srgbClr val="FFFFFF"/>
-                </a:solidFill>
-              </a14:hiddenFill>
-            </a:ext>
-          </a:extLst>
-        </p:spPr>
-      </p:pic>
-    </p:spTree>
-    <p:extLst>
-      <p:ext uri="{BB962C8B-B14F-4D97-AF65-F5344CB8AC3E}">
-        <p14:creationId xmlns:p14="http://schemas.microsoft.com/office/powerpoint/2010/main" val="3962306895"/>
-      </p:ext>
-    </p:extLst>
-  </p:cSld>
-  <p:clrMapOvr>
-    <a:masterClrMapping/>
-  </p:clrMapOvr>
-  <mc:AlternateContent xmlns:mc="http://schemas.openxmlformats.org/markup-compatibility/2006" xmlns:p14="http://schemas.microsoft.com/office/powerpoint/2010/main">
-    <mc:Choice Requires="p14">
-      <p:transition spd="slow" p14:dur="2000"/>
-    </mc:Choice>
-    <mc:Fallback xmlns="">
-      <p:transition spd="slow"/>
-    </mc:Fallback>
-  </mc:AlternateContent>
-  <p:timing>
-    <p:tnLst>
-      <p:par>
-        <p:cTn id="1" dur="indefinite" restart="never" nodeType="tmRoot"/>
-      </p:par>
-    </p:tnLst>
-  </p:timing>
-</p:sld>
-</file>
-
-<file path=ppt/slides/slide6.xml><?xml version="1.0" encoding="utf-8"?>
-<p:sld xmlns:a="http://schemas.openxmlformats.org/drawingml/2006/main" xmlns:r="http://schemas.openxmlformats.org/officeDocument/2006/relationships" xmlns:p="http://schemas.openxmlformats.org/presentationml/2006/main">
-  <p:cSld>
-    <p:spTree>
-      <p:nvGrpSpPr>
-        <p:cNvPr id="1" name=""/>
-        <p:cNvGrpSpPr/>
-        <p:nvPr/>
-      </p:nvGrpSpPr>
-      <p:grpSpPr>
-        <a:xfrm>
-          <a:off x="0" y="0"/>
-          <a:ext cx="0" cy="0"/>
-          <a:chOff x="0" y="0"/>
-          <a:chExt cx="0" cy="0"/>
-        </a:xfrm>
-      </p:grpSpPr>
       <p:pic>
         <p:nvPicPr>
           <p:cNvPr id="5" name="Grafik 4"/>
@@ -18973,7 +23314,7 @@
         </p:blipFill>
         <p:spPr>
           <a:xfrm>
-            <a:off x="3985169" y="2016915"/>
+            <a:off x="4354150" y="2056520"/>
             <a:ext cx="633449" cy="452681"/>
           </a:xfrm>
           <a:prstGeom prst="rect">
@@ -19071,7 +23412,7 @@
         </p:blipFill>
         <p:spPr bwMode="auto">
           <a:xfrm>
-            <a:off x="1765011" y="3907509"/>
+            <a:off x="2159093" y="3947993"/>
             <a:ext cx="1107586" cy="1107586"/>
           </a:xfrm>
           <a:prstGeom prst="rect">
@@ -19112,7 +23453,7 @@
         </p:blipFill>
         <p:spPr bwMode="auto">
           <a:xfrm>
-            <a:off x="5644052" y="3783225"/>
+            <a:off x="6038134" y="3823709"/>
             <a:ext cx="924909" cy="1082071"/>
           </a:xfrm>
           <a:prstGeom prst="rect">
@@ -19153,7 +23494,7 @@
         </p:blipFill>
         <p:spPr bwMode="auto">
           <a:xfrm>
-            <a:off x="3501421" y="5331024"/>
+            <a:off x="3895503" y="5371508"/>
             <a:ext cx="1629388" cy="1162273"/>
           </a:xfrm>
           <a:prstGeom prst="rect">
@@ -19179,7 +23520,7 @@
         </p:nvGrpSpPr>
         <p:grpSpPr>
           <a:xfrm>
-            <a:off x="3376755" y="2440142"/>
+            <a:off x="3770837" y="2480626"/>
             <a:ext cx="1890981" cy="1124799"/>
             <a:chOff x="3440998" y="4976579"/>
             <a:chExt cx="1890981" cy="1124799"/>
@@ -19362,6 +23703,22 @@
                 </a:rPr>
                 <a:t>!</a:t>
               </a:r>
+              <a:endParaRPr lang="de-DE" dirty="0">
+                <a:solidFill>
+                  <a:schemeClr val="tx2">
+                    <a:lumMod val="20000"/>
+                    <a:lumOff val="80000"/>
+                  </a:schemeClr>
+                </a:solidFill>
+                <a:effectLst>
+                  <a:outerShdw blurRad="38100" dist="38100" dir="2700000" algn="tl">
+                    <a:srgbClr val="000000">
+                      <a:alpha val="43137"/>
+                    </a:srgbClr>
+                  </a:outerShdw>
+                </a:effectLst>
+                <a:latin typeface="Helvetica" pitchFamily="34" charset="0"/>
+              </a:endParaRPr>
             </a:p>
           </p:txBody>
         </p:sp>
@@ -19388,7 +23745,7 @@
         </p:blipFill>
         <p:spPr>
           <a:xfrm>
-            <a:off x="3915290" y="3917891"/>
+            <a:off x="4309372" y="3958375"/>
             <a:ext cx="801651" cy="947405"/>
           </a:xfrm>
           <a:prstGeom prst="rect">
@@ -19396,10 +23753,74 @@
           </a:prstGeom>
         </p:spPr>
       </p:pic>
+      <p:pic>
+        <p:nvPicPr>
+          <p:cNvPr id="7" name="Picture 2"/>
+          <p:cNvPicPr>
+            <a:picLocks noChangeAspect="1" noChangeArrowheads="1"/>
+          </p:cNvPicPr>
+          <p:nvPr/>
+        </p:nvPicPr>
+        <p:blipFill>
+          <a:blip r:embed="rId10" cstate="email">
+            <a:extLst>
+              <a:ext uri="{28A0092B-C50C-407E-A947-70E740481C1C}">
+                <a14:useLocalDpi xmlns:a14="http://schemas.microsoft.com/office/drawing/2010/main" val="0"/>
+              </a:ext>
+            </a:extLst>
+          </a:blip>
+          <a:srcRect/>
+          <a:stretch>
+            <a:fillRect/>
+          </a:stretch>
+        </p:blipFill>
+        <p:spPr bwMode="auto">
+          <a:xfrm>
+            <a:off x="6038134" y="383199"/>
+            <a:ext cx="2129920" cy="3194879"/>
+          </a:xfrm>
+          <a:prstGeom prst="rect">
+            <a:avLst/>
+          </a:prstGeom>
+          <a:noFill/>
+          <a:ln>
+            <a:noFill/>
+          </a:ln>
+          <a:effectLst/>
+          <a:extLst>
+            <a:ext uri="{909E8E84-426E-40DD-AFC4-6F175D3DCCD1}">
+              <a14:hiddenFill xmlns:a14="http://schemas.microsoft.com/office/drawing/2010/main">
+                <a:solidFill>
+                  <a:schemeClr val="accent1"/>
+                </a:solidFill>
+              </a14:hiddenFill>
+            </a:ext>
+            <a:ext uri="{91240B29-F687-4F45-9708-019B960494DF}">
+              <a14:hiddenLine xmlns:a14="http://schemas.microsoft.com/office/drawing/2010/main" w="9525">
+                <a:solidFill>
+                  <a:schemeClr val="tx1"/>
+                </a:solidFill>
+                <a:miter lim="800000"/>
+                <a:headEnd/>
+                <a:tailEnd/>
+              </a14:hiddenLine>
+            </a:ext>
+            <a:ext uri="{AF507438-7753-43E0-B8FC-AC1667EBCBE1}">
+              <a14:hiddenEffects xmlns:a14="http://schemas.microsoft.com/office/drawing/2010/main">
+                <a:effectLst>
+                  <a:outerShdw dist="35921" dir="2700000" algn="ctr" rotWithShape="0">
+                    <a:schemeClr val="bg2"/>
+                  </a:outerShdw>
+                </a:effectLst>
+              </a14:hiddenEffects>
+            </a:ext>
+          </a:extLst>
+        </p:spPr>
+      </p:pic>
     </p:spTree>
     <p:extLst>
       <p:ext uri="{BB962C8B-B14F-4D97-AF65-F5344CB8AC3E}">
-        <p14:creationId xmlns:p14="http://schemas.microsoft.com/office/powerpoint/2010/main" val="3872441007"/>
+        <p14:creationId xmlns:p14="http://schemas.microsoft.com/office/powerpoint/2010/main" val="3654174284"/>
       </p:ext>
     </p:extLst>
   </p:cSld>
@@ -19704,6 +24125,59 @@
                       </p:childTnLst>
                     </p:cTn>
                   </p:par>
+                  <p:par>
+                    <p:cTn id="29" fill="hold">
+                      <p:stCondLst>
+                        <p:cond delay="indefinite"/>
+                      </p:stCondLst>
+                      <p:childTnLst>
+                        <p:par>
+                          <p:cTn id="30" fill="hold">
+                            <p:stCondLst>
+                              <p:cond delay="0"/>
+                            </p:stCondLst>
+                            <p:childTnLst>
+                              <p:par>
+                                <p:cTn id="31" presetID="10" presetClass="entr" presetSubtype="0" fill="hold" nodeType="clickEffect">
+                                  <p:stCondLst>
+                                    <p:cond delay="0"/>
+                                  </p:stCondLst>
+                                  <p:childTnLst>
+                                    <p:set>
+                                      <p:cBhvr>
+                                        <p:cTn id="32" dur="1" fill="hold">
+                                          <p:stCondLst>
+                                            <p:cond delay="0"/>
+                                          </p:stCondLst>
+                                        </p:cTn>
+                                        <p:tgtEl>
+                                          <p:spTgt spid="7"/>
+                                        </p:tgtEl>
+                                        <p:attrNameLst>
+                                          <p:attrName>style.visibility</p:attrName>
+                                        </p:attrNameLst>
+                                      </p:cBhvr>
+                                      <p:to>
+                                        <p:strVal val="visible"/>
+                                      </p:to>
+                                    </p:set>
+                                    <p:animEffect transition="in" filter="fade">
+                                      <p:cBhvr>
+                                        <p:cTn id="33" dur="500"/>
+                                        <p:tgtEl>
+                                          <p:spTgt spid="7"/>
+                                        </p:tgtEl>
+                                      </p:cBhvr>
+                                    </p:animEffect>
+                                  </p:childTnLst>
+                                </p:cTn>
+                              </p:par>
+                            </p:childTnLst>
+                          </p:cTn>
+                        </p:par>
+                      </p:childTnLst>
+                    </p:cTn>
+                  </p:par>
                 </p:childTnLst>
               </p:cTn>
               <p:prevCondLst>
@@ -19725,6 +24199,1533 @@
         </p:cTn>
       </p:par>
     </p:tnLst>
+  </p:timing>
+</p:sld>
+</file>
+
+<file path=ppt/slides/slide6.xml><?xml version="1.0" encoding="utf-8"?>
+<p:sld xmlns:a="http://schemas.openxmlformats.org/drawingml/2006/main" xmlns:r="http://schemas.openxmlformats.org/officeDocument/2006/relationships" xmlns:p="http://schemas.openxmlformats.org/presentationml/2006/main">
+  <p:cSld>
+    <p:spTree>
+      <p:nvGrpSpPr>
+        <p:cNvPr id="1" name=""/>
+        <p:cNvGrpSpPr/>
+        <p:nvPr/>
+      </p:nvGrpSpPr>
+      <p:grpSpPr>
+        <a:xfrm>
+          <a:off x="0" y="0"/>
+          <a:ext cx="0" cy="0"/>
+          <a:chOff x="0" y="0"/>
+          <a:chExt cx="0" cy="0"/>
+        </a:xfrm>
+      </p:grpSpPr>
+      <p:sp>
+        <p:nvSpPr>
+          <p:cNvPr id="25" name="Textfeld 24"/>
+          <p:cNvSpPr txBox="1"/>
+          <p:nvPr/>
+        </p:nvSpPr>
+        <p:spPr>
+          <a:xfrm>
+            <a:off x="4947413" y="4507608"/>
+            <a:ext cx="3186021" cy="815608"/>
+          </a:xfrm>
+          <a:prstGeom prst="rect">
+            <a:avLst/>
+          </a:prstGeom>
+          <a:noFill/>
+        </p:spPr>
+        <p:txBody>
+          <a:bodyPr wrap="square" rtlCol="0">
+            <a:spAutoFit/>
+          </a:bodyPr>
+          <a:lstStyle/>
+          <a:p>
+            <a:pPr algn="r"/>
+            <a:r>
+              <a:rPr lang="de-DE" dirty="0" err="1" smtClean="0"/>
+              <a:t>JUnit</a:t>
+            </a:r>
+            <a:endParaRPr lang="de-DE" dirty="0" smtClean="0"/>
+          </a:p>
+          <a:p>
+            <a:pPr algn="r"/>
+            <a:r>
+              <a:rPr lang="de-DE" dirty="0" err="1" smtClean="0"/>
+              <a:t>JemmyFX</a:t>
+            </a:r>
+            <a:r>
+              <a:rPr lang="de-DE" dirty="0" smtClean="0"/>
+              <a:t> </a:t>
+            </a:r>
+          </a:p>
+          <a:p>
+            <a:pPr algn="r"/>
+            <a:r>
+              <a:rPr lang="de-DE" sz="1100" dirty="0" smtClean="0"/>
+              <a:t>(automatisierte GUI Tests)</a:t>
+            </a:r>
+            <a:endParaRPr lang="de-DE" sz="1100" dirty="0"/>
+          </a:p>
+        </p:txBody>
+      </p:sp>
+      <p:sp>
+        <p:nvSpPr>
+          <p:cNvPr id="4" name="Textplatzhalter 10"/>
+          <p:cNvSpPr>
+            <a:spLocks noGrp="1"/>
+          </p:cNvSpPr>
+          <p:nvPr>
+            <p:ph type="body" sz="quarter" idx="12"/>
+          </p:nvPr>
+        </p:nvSpPr>
+        <p:spPr>
+          <a:xfrm>
+            <a:off x="456826" y="696177"/>
+            <a:ext cx="6508750" cy="727075"/>
+          </a:xfrm>
+        </p:spPr>
+        <p:txBody>
+          <a:bodyPr>
+            <a:noAutofit/>
+          </a:bodyPr>
+          <a:lstStyle>
+            <a:lvl1pPr marL="0" indent="0">
+              <a:buNone/>
+              <a:defRPr sz="4400"/>
+            </a:lvl1pPr>
+          </a:lstStyle>
+          <a:p>
+            <a:pPr lvl="0"/>
+            <a:r>
+              <a:rPr lang="de-DE" dirty="0" smtClean="0">
+                <a:solidFill>
+                  <a:schemeClr val="bg2"/>
+                </a:solidFill>
+              </a:rPr>
+              <a:t>Einführung</a:t>
+            </a:r>
+            <a:endParaRPr lang="de-DE" dirty="0">
+              <a:solidFill>
+                <a:schemeClr val="bg2"/>
+              </a:solidFill>
+            </a:endParaRPr>
+          </a:p>
+        </p:txBody>
+      </p:sp>
+      <p:sp>
+        <p:nvSpPr>
+          <p:cNvPr id="20" name="Titel 1"/>
+          <p:cNvSpPr>
+            <a:spLocks noGrp="1"/>
+          </p:cNvSpPr>
+          <p:nvPr>
+            <p:ph type="title"/>
+          </p:nvPr>
+        </p:nvSpPr>
+        <p:spPr>
+          <a:xfrm>
+            <a:off x="457199" y="1505676"/>
+            <a:ext cx="6987397" cy="551723"/>
+          </a:xfrm>
+        </p:spPr>
+        <p:txBody>
+          <a:bodyPr/>
+          <a:lstStyle/>
+          <a:p>
+            <a:r>
+              <a:rPr lang="de-DE" dirty="0" smtClean="0"/>
+              <a:t>Integration in Entwicklungsprozess</a:t>
+            </a:r>
+            <a:endParaRPr lang="de-DE" dirty="0"/>
+          </a:p>
+        </p:txBody>
+      </p:sp>
+      <p:pic>
+        <p:nvPicPr>
+          <p:cNvPr id="6" name="Picture 2" descr="http://maven.apache.org/images/maventxt_logo_200.gif"/>
+          <p:cNvPicPr>
+            <a:picLocks noChangeAspect="1" noChangeArrowheads="1"/>
+          </p:cNvPicPr>
+          <p:nvPr/>
+        </p:nvPicPr>
+        <p:blipFill>
+          <a:blip r:embed="rId3" cstate="email">
+            <a:extLst>
+              <a:ext uri="{28A0092B-C50C-407E-A947-70E740481C1C}">
+                <a14:useLocalDpi xmlns:a14="http://schemas.microsoft.com/office/drawing/2010/main" val="0"/>
+              </a:ext>
+            </a:extLst>
+          </a:blip>
+          <a:srcRect/>
+          <a:stretch>
+            <a:fillRect/>
+          </a:stretch>
+        </p:blipFill>
+        <p:spPr bwMode="auto">
+          <a:xfrm>
+            <a:off x="5610158" y="3451984"/>
+            <a:ext cx="2977492" cy="683148"/>
+          </a:xfrm>
+          <a:prstGeom prst="rect">
+            <a:avLst/>
+          </a:prstGeom>
+          <a:noFill/>
+          <a:extLst>
+            <a:ext uri="{909E8E84-426E-40DD-AFC4-6F175D3DCCD1}">
+              <a14:hiddenFill xmlns:a14="http://schemas.microsoft.com/office/drawing/2010/main">
+                <a:solidFill>
+                  <a:srgbClr val="FFFFFF"/>
+                </a:solidFill>
+              </a14:hiddenFill>
+            </a:ext>
+          </a:extLst>
+        </p:spPr>
+      </p:pic>
+      <p:pic>
+        <p:nvPicPr>
+          <p:cNvPr id="7" name="Picture 4" descr="http://1.bp.blogspot.com/-Vmi71OxNxTc/TzvZH9OTjaI/AAAAAAAAAYM/DtN_4Fz8Kn0/s1600/jenkinsLogo1.png"/>
+          <p:cNvPicPr>
+            <a:picLocks noChangeAspect="1" noChangeArrowheads="1"/>
+          </p:cNvPicPr>
+          <p:nvPr/>
+        </p:nvPicPr>
+        <p:blipFill>
+          <a:blip r:embed="rId4" cstate="email">
+            <a:extLst>
+              <a:ext uri="{28A0092B-C50C-407E-A947-70E740481C1C}">
+                <a14:useLocalDpi xmlns:a14="http://schemas.microsoft.com/office/drawing/2010/main" val="0"/>
+              </a:ext>
+            </a:extLst>
+          </a:blip>
+          <a:srcRect/>
+          <a:stretch>
+            <a:fillRect/>
+          </a:stretch>
+        </p:blipFill>
+        <p:spPr bwMode="auto">
+          <a:xfrm>
+            <a:off x="4828738" y="4295057"/>
+            <a:ext cx="781420" cy="1078751"/>
+          </a:xfrm>
+          <a:prstGeom prst="rect">
+            <a:avLst/>
+          </a:prstGeom>
+          <a:noFill/>
+          <a:extLst>
+            <a:ext uri="{909E8E84-426E-40DD-AFC4-6F175D3DCCD1}">
+              <a14:hiddenFill xmlns:a14="http://schemas.microsoft.com/office/drawing/2010/main">
+                <a:solidFill>
+                  <a:srgbClr val="FFFFFF"/>
+                </a:solidFill>
+              </a14:hiddenFill>
+            </a:ext>
+          </a:extLst>
+        </p:spPr>
+      </p:pic>
+      <p:pic>
+        <p:nvPicPr>
+          <p:cNvPr id="1030" name="Picture 6" descr="http://3.bp.blogspot.com/-74-6cTSOO1w/Tz4baH1CDCI/AAAAAAAAAJ4/y86EDv1WNGY/s1600/Eclipse_Icon_by_flosweb.png"/>
+          <p:cNvPicPr>
+            <a:picLocks noChangeAspect="1" noChangeArrowheads="1"/>
+          </p:cNvPicPr>
+          <p:nvPr/>
+        </p:nvPicPr>
+        <p:blipFill>
+          <a:blip r:embed="rId5" cstate="email">
+            <a:extLst>
+              <a:ext uri="{28A0092B-C50C-407E-A947-70E740481C1C}">
+                <a14:useLocalDpi xmlns:a14="http://schemas.microsoft.com/office/drawing/2010/main" val="0"/>
+              </a:ext>
+            </a:extLst>
+          </a:blip>
+          <a:srcRect/>
+          <a:stretch>
+            <a:fillRect/>
+          </a:stretch>
+        </p:blipFill>
+        <p:spPr bwMode="auto">
+          <a:xfrm>
+            <a:off x="3498292" y="2075842"/>
+            <a:ext cx="1190625" cy="1190625"/>
+          </a:xfrm>
+          <a:prstGeom prst="rect">
+            <a:avLst/>
+          </a:prstGeom>
+          <a:noFill/>
+          <a:extLst>
+            <a:ext uri="{909E8E84-426E-40DD-AFC4-6F175D3DCCD1}">
+              <a14:hiddenFill xmlns:a14="http://schemas.microsoft.com/office/drawing/2010/main">
+                <a:solidFill>
+                  <a:srgbClr val="FFFFFF"/>
+                </a:solidFill>
+              </a14:hiddenFill>
+            </a:ext>
+          </a:extLst>
+        </p:spPr>
+      </p:pic>
+      <p:pic>
+        <p:nvPicPr>
+          <p:cNvPr id="1034" name="Picture 10" descr="http://www.mrbup.com/wp-content/uploads/2010/03/netbeans.png"/>
+          <p:cNvPicPr>
+            <a:picLocks noChangeAspect="1" noChangeArrowheads="1"/>
+          </p:cNvPicPr>
+          <p:nvPr/>
+        </p:nvPicPr>
+        <p:blipFill>
+          <a:blip r:embed="rId6" cstate="email">
+            <a:extLst>
+              <a:ext uri="{28A0092B-C50C-407E-A947-70E740481C1C}">
+                <a14:useLocalDpi xmlns:a14="http://schemas.microsoft.com/office/drawing/2010/main" val="0"/>
+              </a:ext>
+            </a:extLst>
+          </a:blip>
+          <a:srcRect/>
+          <a:stretch>
+            <a:fillRect/>
+          </a:stretch>
+        </p:blipFill>
+        <p:spPr bwMode="auto">
+          <a:xfrm>
+            <a:off x="4804261" y="2320143"/>
+            <a:ext cx="1611794" cy="702026"/>
+          </a:xfrm>
+          <a:prstGeom prst="rect">
+            <a:avLst/>
+          </a:prstGeom>
+          <a:noFill/>
+          <a:extLst>
+            <a:ext uri="{909E8E84-426E-40DD-AFC4-6F175D3DCCD1}">
+              <a14:hiddenFill xmlns:a14="http://schemas.microsoft.com/office/drawing/2010/main">
+                <a:solidFill>
+                  <a:srgbClr val="FFFFFF"/>
+                </a:solidFill>
+              </a14:hiddenFill>
+            </a:ext>
+          </a:extLst>
+        </p:spPr>
+      </p:pic>
+      <p:sp>
+        <p:nvSpPr>
+          <p:cNvPr id="8" name="Textfeld 7"/>
+          <p:cNvSpPr txBox="1"/>
+          <p:nvPr/>
+        </p:nvSpPr>
+        <p:spPr>
+          <a:xfrm>
+            <a:off x="362911" y="2829484"/>
+            <a:ext cx="1662635" cy="400110"/>
+          </a:xfrm>
+          <a:prstGeom prst="rect">
+            <a:avLst/>
+          </a:prstGeom>
+          <a:noFill/>
+        </p:spPr>
+        <p:txBody>
+          <a:bodyPr wrap="none" rtlCol="0">
+            <a:spAutoFit/>
+          </a:bodyPr>
+          <a:lstStyle/>
+          <a:p>
+            <a:r>
+              <a:rPr lang="de-DE" sz="2000" dirty="0" smtClean="0"/>
+              <a:t>Entwicklung</a:t>
+            </a:r>
+            <a:endParaRPr lang="de-DE" sz="3200" dirty="0"/>
+          </a:p>
+        </p:txBody>
+      </p:sp>
+      <p:sp>
+        <p:nvSpPr>
+          <p:cNvPr id="22" name="Textfeld 21"/>
+          <p:cNvSpPr txBox="1"/>
+          <p:nvPr/>
+        </p:nvSpPr>
+        <p:spPr>
+          <a:xfrm>
+            <a:off x="389318" y="3964630"/>
+            <a:ext cx="2194677" cy="400110"/>
+          </a:xfrm>
+          <a:prstGeom prst="rect">
+            <a:avLst/>
+          </a:prstGeom>
+          <a:noFill/>
+        </p:spPr>
+        <p:txBody>
+          <a:bodyPr wrap="square" rtlCol="0">
+            <a:spAutoFit/>
+          </a:bodyPr>
+          <a:lstStyle/>
+          <a:p>
+            <a:r>
+              <a:rPr lang="de-DE" sz="2000" dirty="0" err="1" smtClean="0"/>
+              <a:t>Buildprozesse</a:t>
+            </a:r>
+            <a:endParaRPr lang="de-DE" sz="2000" dirty="0"/>
+          </a:p>
+        </p:txBody>
+      </p:sp>
+      <p:sp>
+        <p:nvSpPr>
+          <p:cNvPr id="23" name="Textfeld 22"/>
+          <p:cNvSpPr txBox="1"/>
+          <p:nvPr/>
+        </p:nvSpPr>
+        <p:spPr>
+          <a:xfrm>
+            <a:off x="350288" y="6164909"/>
+            <a:ext cx="1535998" cy="400110"/>
+          </a:xfrm>
+          <a:prstGeom prst="rect">
+            <a:avLst/>
+          </a:prstGeom>
+          <a:noFill/>
+        </p:spPr>
+        <p:txBody>
+          <a:bodyPr wrap="none" rtlCol="0">
+            <a:spAutoFit/>
+          </a:bodyPr>
+          <a:lstStyle/>
+          <a:p>
+            <a:r>
+              <a:rPr lang="de-DE" sz="2000" dirty="0" err="1" smtClean="0"/>
+              <a:t>Packaging</a:t>
+            </a:r>
+            <a:endParaRPr lang="de-DE" sz="3200" dirty="0"/>
+          </a:p>
+        </p:txBody>
+      </p:sp>
+      <p:sp>
+        <p:nvSpPr>
+          <p:cNvPr id="24" name="Textfeld 23"/>
+          <p:cNvSpPr txBox="1"/>
+          <p:nvPr/>
+        </p:nvSpPr>
+        <p:spPr>
+          <a:xfrm>
+            <a:off x="380440" y="4962445"/>
+            <a:ext cx="4130508" cy="523220"/>
+          </a:xfrm>
+          <a:prstGeom prst="rect">
+            <a:avLst/>
+          </a:prstGeom>
+          <a:noFill/>
+        </p:spPr>
+        <p:txBody>
+          <a:bodyPr wrap="square" rtlCol="0">
+            <a:spAutoFit/>
+          </a:bodyPr>
+          <a:lstStyle/>
+          <a:p>
+            <a:r>
+              <a:rPr lang="de-DE" sz="2000" dirty="0" err="1" smtClean="0"/>
+              <a:t>Continous</a:t>
+            </a:r>
+            <a:r>
+              <a:rPr lang="de-DE" sz="2800" dirty="0" smtClean="0"/>
+              <a:t> </a:t>
+            </a:r>
+            <a:r>
+              <a:rPr lang="de-DE" sz="2000" dirty="0" smtClean="0"/>
+              <a:t>Integration</a:t>
+            </a:r>
+            <a:endParaRPr lang="de-DE" sz="2800" dirty="0"/>
+          </a:p>
+        </p:txBody>
+      </p:sp>
+      <p:sp>
+        <p:nvSpPr>
+          <p:cNvPr id="9" name="Textfeld 8"/>
+          <p:cNvSpPr txBox="1"/>
+          <p:nvPr/>
+        </p:nvSpPr>
+        <p:spPr>
+          <a:xfrm>
+            <a:off x="6144889" y="4730746"/>
+            <a:ext cx="324128" cy="369332"/>
+          </a:xfrm>
+          <a:prstGeom prst="rect">
+            <a:avLst/>
+          </a:prstGeom>
+          <a:noFill/>
+        </p:spPr>
+        <p:txBody>
+          <a:bodyPr wrap="none" rtlCol="0">
+            <a:spAutoFit/>
+          </a:bodyPr>
+          <a:lstStyle/>
+          <a:p>
+            <a:r>
+              <a:rPr lang="de-DE" dirty="0" smtClean="0"/>
+              <a:t>+</a:t>
+            </a:r>
+            <a:endParaRPr lang="de-DE" dirty="0"/>
+          </a:p>
+        </p:txBody>
+      </p:sp>
+      <p:cxnSp>
+        <p:nvCxnSpPr>
+          <p:cNvPr id="11" name="Gerade Verbindung 10"/>
+          <p:cNvCxnSpPr/>
+          <p:nvPr/>
+        </p:nvCxnSpPr>
+        <p:spPr>
+          <a:xfrm>
+            <a:off x="456826" y="3149329"/>
+            <a:ext cx="7548487" cy="0"/>
+          </a:xfrm>
+          <a:prstGeom prst="line">
+            <a:avLst/>
+          </a:prstGeom>
+          <a:ln w="3175">
+            <a:solidFill>
+              <a:schemeClr val="bg2">
+                <a:lumMod val="90000"/>
+              </a:schemeClr>
+            </a:solidFill>
+          </a:ln>
+        </p:spPr>
+        <p:style>
+          <a:lnRef idx="2">
+            <a:schemeClr val="accent1"/>
+          </a:lnRef>
+          <a:fillRef idx="0">
+            <a:schemeClr val="accent1"/>
+          </a:fillRef>
+          <a:effectRef idx="1">
+            <a:schemeClr val="accent1"/>
+          </a:effectRef>
+          <a:fontRef idx="minor">
+            <a:schemeClr val="tx1"/>
+          </a:fontRef>
+        </p:style>
+      </p:cxnSp>
+      <p:cxnSp>
+        <p:nvCxnSpPr>
+          <p:cNvPr id="27" name="Gerade Verbindung 26"/>
+          <p:cNvCxnSpPr/>
+          <p:nvPr/>
+        </p:nvCxnSpPr>
+        <p:spPr>
+          <a:xfrm>
+            <a:off x="475329" y="4285394"/>
+            <a:ext cx="7548487" cy="0"/>
+          </a:xfrm>
+          <a:prstGeom prst="line">
+            <a:avLst/>
+          </a:prstGeom>
+          <a:ln w="3175">
+            <a:solidFill>
+              <a:schemeClr val="bg2">
+                <a:lumMod val="90000"/>
+              </a:schemeClr>
+            </a:solidFill>
+          </a:ln>
+        </p:spPr>
+        <p:style>
+          <a:lnRef idx="2">
+            <a:schemeClr val="accent1"/>
+          </a:lnRef>
+          <a:fillRef idx="0">
+            <a:schemeClr val="accent1"/>
+          </a:fillRef>
+          <a:effectRef idx="1">
+            <a:schemeClr val="accent1"/>
+          </a:effectRef>
+          <a:fontRef idx="minor">
+            <a:schemeClr val="tx1"/>
+          </a:fontRef>
+        </p:style>
+      </p:cxnSp>
+      <p:cxnSp>
+        <p:nvCxnSpPr>
+          <p:cNvPr id="28" name="Gerade Verbindung 27"/>
+          <p:cNvCxnSpPr/>
+          <p:nvPr/>
+        </p:nvCxnSpPr>
+        <p:spPr>
+          <a:xfrm>
+            <a:off x="475329" y="5372066"/>
+            <a:ext cx="7548487" cy="0"/>
+          </a:xfrm>
+          <a:prstGeom prst="line">
+            <a:avLst/>
+          </a:prstGeom>
+          <a:ln w="3175">
+            <a:solidFill>
+              <a:schemeClr val="bg2">
+                <a:lumMod val="90000"/>
+              </a:schemeClr>
+            </a:solidFill>
+          </a:ln>
+        </p:spPr>
+        <p:style>
+          <a:lnRef idx="2">
+            <a:schemeClr val="accent1"/>
+          </a:lnRef>
+          <a:fillRef idx="0">
+            <a:schemeClr val="accent1"/>
+          </a:fillRef>
+          <a:effectRef idx="1">
+            <a:schemeClr val="accent1"/>
+          </a:effectRef>
+          <a:fontRef idx="minor">
+            <a:schemeClr val="tx1"/>
+          </a:fontRef>
+        </p:style>
+      </p:cxnSp>
+      <p:grpSp>
+        <p:nvGrpSpPr>
+          <p:cNvPr id="13" name="Gruppieren 12"/>
+          <p:cNvGrpSpPr/>
+          <p:nvPr/>
+        </p:nvGrpSpPr>
+        <p:grpSpPr>
+          <a:xfrm>
+            <a:off x="6562750" y="2147082"/>
+            <a:ext cx="1455830" cy="976337"/>
+            <a:chOff x="3521657" y="2323228"/>
+            <a:chExt cx="1455830" cy="976337"/>
+          </a:xfrm>
+        </p:grpSpPr>
+        <p:pic>
+          <p:nvPicPr>
+            <p:cNvPr id="1036" name="Picture 12" descr="http://rterp.files.wordpress.com/2012/09/image4.png"/>
+            <p:cNvPicPr>
+              <a:picLocks noChangeAspect="1" noChangeArrowheads="1"/>
+            </p:cNvPicPr>
+            <p:nvPr/>
+          </p:nvPicPr>
+          <p:blipFill>
+            <a:blip r:embed="rId7" cstate="email">
+              <a:extLst>
+                <a:ext uri="{28A0092B-C50C-407E-A947-70E740481C1C}">
+                  <a14:useLocalDpi xmlns:a14="http://schemas.microsoft.com/office/drawing/2010/main" val="0"/>
+                </a:ext>
+              </a:extLst>
+            </a:blip>
+            <a:srcRect/>
+            <a:stretch>
+              <a:fillRect/>
+            </a:stretch>
+          </p:blipFill>
+          <p:spPr bwMode="auto">
+            <a:xfrm>
+              <a:off x="3521657" y="2323228"/>
+              <a:ext cx="1455830" cy="976337"/>
+            </a:xfrm>
+            <a:prstGeom prst="rect">
+              <a:avLst/>
+            </a:prstGeom>
+            <a:noFill/>
+            <a:extLst>
+              <a:ext uri="{909E8E84-426E-40DD-AFC4-6F175D3DCCD1}">
+                <a14:hiddenFill xmlns:a14="http://schemas.microsoft.com/office/drawing/2010/main">
+                  <a:solidFill>
+                    <a:srgbClr val="FFFFFF"/>
+                  </a:solidFill>
+                </a14:hiddenFill>
+              </a:ext>
+            </a:extLst>
+          </p:spPr>
+        </p:pic>
+        <p:sp>
+          <p:nvSpPr>
+            <p:cNvPr id="12" name="Textfeld 11"/>
+            <p:cNvSpPr txBox="1"/>
+            <p:nvPr/>
+          </p:nvSpPr>
+          <p:spPr>
+            <a:xfrm>
+              <a:off x="3521657" y="2659707"/>
+              <a:ext cx="1455830" cy="307777"/>
+            </a:xfrm>
+            <a:prstGeom prst="rect">
+              <a:avLst/>
+            </a:prstGeom>
+            <a:solidFill>
+              <a:schemeClr val="bg1">
+                <a:alpha val="73000"/>
+              </a:schemeClr>
+            </a:solidFill>
+            <a:ln>
+              <a:noFill/>
+            </a:ln>
+          </p:spPr>
+          <p:txBody>
+            <a:bodyPr wrap="square" rtlCol="0">
+              <a:spAutoFit/>
+            </a:bodyPr>
+            <a:lstStyle/>
+            <a:p>
+              <a:r>
+                <a:rPr lang="de-DE" sz="1400" b="1" dirty="0" smtClean="0">
+                  <a:solidFill>
+                    <a:schemeClr val="tx1">
+                      <a:lumMod val="65000"/>
+                      <a:lumOff val="35000"/>
+                    </a:schemeClr>
+                  </a:solidFill>
+                </a:rPr>
+                <a:t>Scene </a:t>
+              </a:r>
+              <a:r>
+                <a:rPr lang="de-DE" sz="1400" b="1" dirty="0" err="1" smtClean="0">
+                  <a:solidFill>
+                    <a:schemeClr val="tx1">
+                      <a:lumMod val="65000"/>
+                      <a:lumOff val="35000"/>
+                    </a:schemeClr>
+                  </a:solidFill>
+                </a:rPr>
+                <a:t>Builder</a:t>
+              </a:r>
+              <a:endParaRPr lang="de-DE" sz="1400" b="1" dirty="0">
+                <a:solidFill>
+                  <a:schemeClr val="tx1">
+                    <a:lumMod val="65000"/>
+                    <a:lumOff val="35000"/>
+                  </a:schemeClr>
+                </a:solidFill>
+              </a:endParaRPr>
+            </a:p>
+          </p:txBody>
+        </p:sp>
+      </p:grpSp>
+      <p:cxnSp>
+        <p:nvCxnSpPr>
+          <p:cNvPr id="36" name="Gerade Verbindung 35"/>
+          <p:cNvCxnSpPr/>
+          <p:nvPr/>
+        </p:nvCxnSpPr>
+        <p:spPr>
+          <a:xfrm>
+            <a:off x="456824" y="6485517"/>
+            <a:ext cx="7548487" cy="0"/>
+          </a:xfrm>
+          <a:prstGeom prst="line">
+            <a:avLst/>
+          </a:prstGeom>
+          <a:ln w="3175">
+            <a:solidFill>
+              <a:schemeClr val="bg2">
+                <a:lumMod val="90000"/>
+              </a:schemeClr>
+            </a:solidFill>
+          </a:ln>
+        </p:spPr>
+        <p:style>
+          <a:lnRef idx="2">
+            <a:schemeClr val="accent1"/>
+          </a:lnRef>
+          <a:fillRef idx="0">
+            <a:schemeClr val="accent1"/>
+          </a:fillRef>
+          <a:effectRef idx="1">
+            <a:schemeClr val="accent1"/>
+          </a:effectRef>
+          <a:fontRef idx="minor">
+            <a:schemeClr val="tx1"/>
+          </a:fontRef>
+        </p:style>
+      </p:cxnSp>
+      <p:cxnSp>
+        <p:nvCxnSpPr>
+          <p:cNvPr id="17" name="Gerade Verbindung mit Pfeil 16"/>
+          <p:cNvCxnSpPr/>
+          <p:nvPr/>
+        </p:nvCxnSpPr>
+        <p:spPr>
+          <a:xfrm>
+            <a:off x="5299969" y="6234641"/>
+            <a:ext cx="2521258" cy="0"/>
+          </a:xfrm>
+          <a:prstGeom prst="straightConnector1">
+            <a:avLst/>
+          </a:prstGeom>
+          <a:ln w="3175">
+            <a:tailEnd type="arrow" w="lg" len="lg"/>
+          </a:ln>
+        </p:spPr>
+        <p:style>
+          <a:lnRef idx="2">
+            <a:schemeClr val="accent1"/>
+          </a:lnRef>
+          <a:fillRef idx="0">
+            <a:schemeClr val="accent1"/>
+          </a:fillRef>
+          <a:effectRef idx="1">
+            <a:schemeClr val="accent1"/>
+          </a:effectRef>
+          <a:fontRef idx="minor">
+            <a:schemeClr val="tx1"/>
+          </a:fontRef>
+        </p:style>
+      </p:cxnSp>
+      <p:pic>
+        <p:nvPicPr>
+          <p:cNvPr id="1042" name="Picture 18" descr="http://upload.wikimedia.org/wikipedia/commons/thumb/2/2f/Apache-Ant-logo.svg/554px-Apache-Ant-logo.svg.png"/>
+          <p:cNvPicPr>
+            <a:picLocks noChangeAspect="1" noChangeArrowheads="1"/>
+          </p:cNvPicPr>
+          <p:nvPr/>
+        </p:nvPicPr>
+        <p:blipFill>
+          <a:blip r:embed="rId8" cstate="email">
+            <a:extLst>
+              <a:ext uri="{28A0092B-C50C-407E-A947-70E740481C1C}">
+                <a14:useLocalDpi xmlns:a14="http://schemas.microsoft.com/office/drawing/2010/main" val="0"/>
+              </a:ext>
+            </a:extLst>
+          </a:blip>
+          <a:srcRect/>
+          <a:stretch>
+            <a:fillRect/>
+          </a:stretch>
+        </p:blipFill>
+        <p:spPr bwMode="auto">
+          <a:xfrm>
+            <a:off x="4510948" y="3351791"/>
+            <a:ext cx="1265221" cy="783341"/>
+          </a:xfrm>
+          <a:prstGeom prst="rect">
+            <a:avLst/>
+          </a:prstGeom>
+          <a:noFill/>
+          <a:extLst>
+            <a:ext uri="{909E8E84-426E-40DD-AFC4-6F175D3DCCD1}">
+              <a14:hiddenFill xmlns:a14="http://schemas.microsoft.com/office/drawing/2010/main">
+                <a:solidFill>
+                  <a:srgbClr val="FFFFFF"/>
+                </a:solidFill>
+              </a14:hiddenFill>
+            </a:ext>
+          </a:extLst>
+        </p:spPr>
+      </p:pic>
+    </p:spTree>
+    <p:extLst>
+      <p:ext uri="{BB962C8B-B14F-4D97-AF65-F5344CB8AC3E}">
+        <p14:creationId xmlns:p14="http://schemas.microsoft.com/office/powerpoint/2010/main" val="1572184642"/>
+      </p:ext>
+    </p:extLst>
+  </p:cSld>
+  <p:clrMapOvr>
+    <a:masterClrMapping/>
+  </p:clrMapOvr>
+  <mc:AlternateContent xmlns:mc="http://schemas.openxmlformats.org/markup-compatibility/2006" xmlns:p14="http://schemas.microsoft.com/office/powerpoint/2010/main">
+    <mc:Choice Requires="p14">
+      <p:transition spd="slow" p14:dur="2000"/>
+    </mc:Choice>
+    <mc:Fallback xmlns="">
+      <p:transition spd="slow"/>
+    </mc:Fallback>
+  </mc:AlternateContent>
+  <p:timing>
+    <p:tnLst>
+      <p:par>
+        <p:cTn id="1" dur="indefinite" restart="never" nodeType="tmRoot">
+          <p:childTnLst>
+            <p:seq concurrent="1" nextAc="seek">
+              <p:cTn id="2" dur="indefinite" nodeType="mainSeq">
+                <p:childTnLst>
+                  <p:par>
+                    <p:cTn id="3" fill="hold">
+                      <p:stCondLst>
+                        <p:cond delay="indefinite"/>
+                      </p:stCondLst>
+                      <p:childTnLst>
+                        <p:par>
+                          <p:cTn id="4" fill="hold">
+                            <p:stCondLst>
+                              <p:cond delay="0"/>
+                            </p:stCondLst>
+                            <p:childTnLst>
+                              <p:par>
+                                <p:cTn id="5" presetID="10" presetClass="entr" presetSubtype="0" fill="hold" grpId="0" nodeType="clickEffect">
+                                  <p:stCondLst>
+                                    <p:cond delay="0"/>
+                                  </p:stCondLst>
+                                  <p:childTnLst>
+                                    <p:set>
+                                      <p:cBhvr>
+                                        <p:cTn id="6" dur="1" fill="hold">
+                                          <p:stCondLst>
+                                            <p:cond delay="0"/>
+                                          </p:stCondLst>
+                                        </p:cTn>
+                                        <p:tgtEl>
+                                          <p:spTgt spid="8"/>
+                                        </p:tgtEl>
+                                        <p:attrNameLst>
+                                          <p:attrName>style.visibility</p:attrName>
+                                        </p:attrNameLst>
+                                      </p:cBhvr>
+                                      <p:to>
+                                        <p:strVal val="visible"/>
+                                      </p:to>
+                                    </p:set>
+                                    <p:animEffect transition="in" filter="fade">
+                                      <p:cBhvr>
+                                        <p:cTn id="7" dur="500"/>
+                                        <p:tgtEl>
+                                          <p:spTgt spid="8"/>
+                                        </p:tgtEl>
+                                      </p:cBhvr>
+                                    </p:animEffect>
+                                  </p:childTnLst>
+                                </p:cTn>
+                              </p:par>
+                              <p:par>
+                                <p:cTn id="8" presetID="10" presetClass="entr" presetSubtype="0" fill="hold" nodeType="withEffect">
+                                  <p:stCondLst>
+                                    <p:cond delay="0"/>
+                                  </p:stCondLst>
+                                  <p:childTnLst>
+                                    <p:set>
+                                      <p:cBhvr>
+                                        <p:cTn id="9" dur="1" fill="hold">
+                                          <p:stCondLst>
+                                            <p:cond delay="0"/>
+                                          </p:stCondLst>
+                                        </p:cTn>
+                                        <p:tgtEl>
+                                          <p:spTgt spid="1030"/>
+                                        </p:tgtEl>
+                                        <p:attrNameLst>
+                                          <p:attrName>style.visibility</p:attrName>
+                                        </p:attrNameLst>
+                                      </p:cBhvr>
+                                      <p:to>
+                                        <p:strVal val="visible"/>
+                                      </p:to>
+                                    </p:set>
+                                    <p:animEffect transition="in" filter="fade">
+                                      <p:cBhvr>
+                                        <p:cTn id="10" dur="500"/>
+                                        <p:tgtEl>
+                                          <p:spTgt spid="1030"/>
+                                        </p:tgtEl>
+                                      </p:cBhvr>
+                                    </p:animEffect>
+                                  </p:childTnLst>
+                                </p:cTn>
+                              </p:par>
+                              <p:par>
+                                <p:cTn id="11" presetID="10" presetClass="entr" presetSubtype="0" fill="hold" nodeType="withEffect">
+                                  <p:stCondLst>
+                                    <p:cond delay="0"/>
+                                  </p:stCondLst>
+                                  <p:childTnLst>
+                                    <p:set>
+                                      <p:cBhvr>
+                                        <p:cTn id="12" dur="1" fill="hold">
+                                          <p:stCondLst>
+                                            <p:cond delay="0"/>
+                                          </p:stCondLst>
+                                        </p:cTn>
+                                        <p:tgtEl>
+                                          <p:spTgt spid="1034"/>
+                                        </p:tgtEl>
+                                        <p:attrNameLst>
+                                          <p:attrName>style.visibility</p:attrName>
+                                        </p:attrNameLst>
+                                      </p:cBhvr>
+                                      <p:to>
+                                        <p:strVal val="visible"/>
+                                      </p:to>
+                                    </p:set>
+                                    <p:animEffect transition="in" filter="fade">
+                                      <p:cBhvr>
+                                        <p:cTn id="13" dur="500"/>
+                                        <p:tgtEl>
+                                          <p:spTgt spid="1034"/>
+                                        </p:tgtEl>
+                                      </p:cBhvr>
+                                    </p:animEffect>
+                                  </p:childTnLst>
+                                </p:cTn>
+                              </p:par>
+                              <p:par>
+                                <p:cTn id="14" presetID="10" presetClass="entr" presetSubtype="0" fill="hold" nodeType="withEffect">
+                                  <p:stCondLst>
+                                    <p:cond delay="0"/>
+                                  </p:stCondLst>
+                                  <p:childTnLst>
+                                    <p:set>
+                                      <p:cBhvr>
+                                        <p:cTn id="15" dur="1" fill="hold">
+                                          <p:stCondLst>
+                                            <p:cond delay="0"/>
+                                          </p:stCondLst>
+                                        </p:cTn>
+                                        <p:tgtEl>
+                                          <p:spTgt spid="13"/>
+                                        </p:tgtEl>
+                                        <p:attrNameLst>
+                                          <p:attrName>style.visibility</p:attrName>
+                                        </p:attrNameLst>
+                                      </p:cBhvr>
+                                      <p:to>
+                                        <p:strVal val="visible"/>
+                                      </p:to>
+                                    </p:set>
+                                    <p:animEffect transition="in" filter="fade">
+                                      <p:cBhvr>
+                                        <p:cTn id="16" dur="500"/>
+                                        <p:tgtEl>
+                                          <p:spTgt spid="13"/>
+                                        </p:tgtEl>
+                                      </p:cBhvr>
+                                    </p:animEffect>
+                                  </p:childTnLst>
+                                </p:cTn>
+                              </p:par>
+                              <p:par>
+                                <p:cTn id="17" presetID="10" presetClass="entr" presetSubtype="0" fill="hold" nodeType="withEffect">
+                                  <p:stCondLst>
+                                    <p:cond delay="0"/>
+                                  </p:stCondLst>
+                                  <p:childTnLst>
+                                    <p:set>
+                                      <p:cBhvr>
+                                        <p:cTn id="18" dur="1" fill="hold">
+                                          <p:stCondLst>
+                                            <p:cond delay="0"/>
+                                          </p:stCondLst>
+                                        </p:cTn>
+                                        <p:tgtEl>
+                                          <p:spTgt spid="11"/>
+                                        </p:tgtEl>
+                                        <p:attrNameLst>
+                                          <p:attrName>style.visibility</p:attrName>
+                                        </p:attrNameLst>
+                                      </p:cBhvr>
+                                      <p:to>
+                                        <p:strVal val="visible"/>
+                                      </p:to>
+                                    </p:set>
+                                    <p:animEffect transition="in" filter="fade">
+                                      <p:cBhvr>
+                                        <p:cTn id="19" dur="500"/>
+                                        <p:tgtEl>
+                                          <p:spTgt spid="11"/>
+                                        </p:tgtEl>
+                                      </p:cBhvr>
+                                    </p:animEffect>
+                                  </p:childTnLst>
+                                </p:cTn>
+                              </p:par>
+                            </p:childTnLst>
+                          </p:cTn>
+                        </p:par>
+                      </p:childTnLst>
+                    </p:cTn>
+                  </p:par>
+                  <p:par>
+                    <p:cTn id="20" fill="hold">
+                      <p:stCondLst>
+                        <p:cond delay="indefinite"/>
+                      </p:stCondLst>
+                      <p:childTnLst>
+                        <p:par>
+                          <p:cTn id="21" fill="hold">
+                            <p:stCondLst>
+                              <p:cond delay="0"/>
+                            </p:stCondLst>
+                            <p:childTnLst>
+                              <p:par>
+                                <p:cTn id="22" presetID="10" presetClass="entr" presetSubtype="0" fill="hold" nodeType="clickEffect">
+                                  <p:stCondLst>
+                                    <p:cond delay="0"/>
+                                  </p:stCondLst>
+                                  <p:childTnLst>
+                                    <p:set>
+                                      <p:cBhvr>
+                                        <p:cTn id="23" dur="1" fill="hold">
+                                          <p:stCondLst>
+                                            <p:cond delay="0"/>
+                                          </p:stCondLst>
+                                        </p:cTn>
+                                        <p:tgtEl>
+                                          <p:spTgt spid="6"/>
+                                        </p:tgtEl>
+                                        <p:attrNameLst>
+                                          <p:attrName>style.visibility</p:attrName>
+                                        </p:attrNameLst>
+                                      </p:cBhvr>
+                                      <p:to>
+                                        <p:strVal val="visible"/>
+                                      </p:to>
+                                    </p:set>
+                                    <p:animEffect transition="in" filter="fade">
+                                      <p:cBhvr>
+                                        <p:cTn id="24" dur="500"/>
+                                        <p:tgtEl>
+                                          <p:spTgt spid="6"/>
+                                        </p:tgtEl>
+                                      </p:cBhvr>
+                                    </p:animEffect>
+                                  </p:childTnLst>
+                                </p:cTn>
+                              </p:par>
+                              <p:par>
+                                <p:cTn id="25" presetID="10" presetClass="entr" presetSubtype="0" fill="hold" grpId="0" nodeType="withEffect">
+                                  <p:stCondLst>
+                                    <p:cond delay="0"/>
+                                  </p:stCondLst>
+                                  <p:childTnLst>
+                                    <p:set>
+                                      <p:cBhvr>
+                                        <p:cTn id="26" dur="1" fill="hold">
+                                          <p:stCondLst>
+                                            <p:cond delay="0"/>
+                                          </p:stCondLst>
+                                        </p:cTn>
+                                        <p:tgtEl>
+                                          <p:spTgt spid="22"/>
+                                        </p:tgtEl>
+                                        <p:attrNameLst>
+                                          <p:attrName>style.visibility</p:attrName>
+                                        </p:attrNameLst>
+                                      </p:cBhvr>
+                                      <p:to>
+                                        <p:strVal val="visible"/>
+                                      </p:to>
+                                    </p:set>
+                                    <p:animEffect transition="in" filter="fade">
+                                      <p:cBhvr>
+                                        <p:cTn id="27" dur="500"/>
+                                        <p:tgtEl>
+                                          <p:spTgt spid="22"/>
+                                        </p:tgtEl>
+                                      </p:cBhvr>
+                                    </p:animEffect>
+                                  </p:childTnLst>
+                                </p:cTn>
+                              </p:par>
+                              <p:par>
+                                <p:cTn id="28" presetID="10" presetClass="entr" presetSubtype="0" fill="hold" nodeType="withEffect">
+                                  <p:stCondLst>
+                                    <p:cond delay="0"/>
+                                  </p:stCondLst>
+                                  <p:childTnLst>
+                                    <p:set>
+                                      <p:cBhvr>
+                                        <p:cTn id="29" dur="1" fill="hold">
+                                          <p:stCondLst>
+                                            <p:cond delay="0"/>
+                                          </p:stCondLst>
+                                        </p:cTn>
+                                        <p:tgtEl>
+                                          <p:spTgt spid="27"/>
+                                        </p:tgtEl>
+                                        <p:attrNameLst>
+                                          <p:attrName>style.visibility</p:attrName>
+                                        </p:attrNameLst>
+                                      </p:cBhvr>
+                                      <p:to>
+                                        <p:strVal val="visible"/>
+                                      </p:to>
+                                    </p:set>
+                                    <p:animEffect transition="in" filter="fade">
+                                      <p:cBhvr>
+                                        <p:cTn id="30" dur="500"/>
+                                        <p:tgtEl>
+                                          <p:spTgt spid="27"/>
+                                        </p:tgtEl>
+                                      </p:cBhvr>
+                                    </p:animEffect>
+                                  </p:childTnLst>
+                                </p:cTn>
+                              </p:par>
+                              <p:par>
+                                <p:cTn id="31" presetID="10" presetClass="entr" presetSubtype="0" fill="hold" nodeType="withEffect">
+                                  <p:stCondLst>
+                                    <p:cond delay="0"/>
+                                  </p:stCondLst>
+                                  <p:childTnLst>
+                                    <p:set>
+                                      <p:cBhvr>
+                                        <p:cTn id="32" dur="1" fill="hold">
+                                          <p:stCondLst>
+                                            <p:cond delay="0"/>
+                                          </p:stCondLst>
+                                        </p:cTn>
+                                        <p:tgtEl>
+                                          <p:spTgt spid="1042"/>
+                                        </p:tgtEl>
+                                        <p:attrNameLst>
+                                          <p:attrName>style.visibility</p:attrName>
+                                        </p:attrNameLst>
+                                      </p:cBhvr>
+                                      <p:to>
+                                        <p:strVal val="visible"/>
+                                      </p:to>
+                                    </p:set>
+                                    <p:animEffect transition="in" filter="fade">
+                                      <p:cBhvr>
+                                        <p:cTn id="33" dur="500"/>
+                                        <p:tgtEl>
+                                          <p:spTgt spid="1042"/>
+                                        </p:tgtEl>
+                                      </p:cBhvr>
+                                    </p:animEffect>
+                                  </p:childTnLst>
+                                </p:cTn>
+                              </p:par>
+                            </p:childTnLst>
+                          </p:cTn>
+                        </p:par>
+                      </p:childTnLst>
+                    </p:cTn>
+                  </p:par>
+                  <p:par>
+                    <p:cTn id="34" fill="hold">
+                      <p:stCondLst>
+                        <p:cond delay="indefinite"/>
+                      </p:stCondLst>
+                      <p:childTnLst>
+                        <p:par>
+                          <p:cTn id="35" fill="hold">
+                            <p:stCondLst>
+                              <p:cond delay="0"/>
+                            </p:stCondLst>
+                            <p:childTnLst>
+                              <p:par>
+                                <p:cTn id="36" presetID="10" presetClass="entr" presetSubtype="0" fill="hold" grpId="0" nodeType="clickEffect">
+                                  <p:stCondLst>
+                                    <p:cond delay="0"/>
+                                  </p:stCondLst>
+                                  <p:childTnLst>
+                                    <p:set>
+                                      <p:cBhvr>
+                                        <p:cTn id="37" dur="1" fill="hold">
+                                          <p:stCondLst>
+                                            <p:cond delay="0"/>
+                                          </p:stCondLst>
+                                        </p:cTn>
+                                        <p:tgtEl>
+                                          <p:spTgt spid="9"/>
+                                        </p:tgtEl>
+                                        <p:attrNameLst>
+                                          <p:attrName>style.visibility</p:attrName>
+                                        </p:attrNameLst>
+                                      </p:cBhvr>
+                                      <p:to>
+                                        <p:strVal val="visible"/>
+                                      </p:to>
+                                    </p:set>
+                                    <p:animEffect transition="in" filter="fade">
+                                      <p:cBhvr>
+                                        <p:cTn id="38" dur="500"/>
+                                        <p:tgtEl>
+                                          <p:spTgt spid="9"/>
+                                        </p:tgtEl>
+                                      </p:cBhvr>
+                                    </p:animEffect>
+                                  </p:childTnLst>
+                                </p:cTn>
+                              </p:par>
+                              <p:par>
+                                <p:cTn id="39" presetID="10" presetClass="entr" presetSubtype="0" fill="hold" grpId="0" nodeType="withEffect">
+                                  <p:stCondLst>
+                                    <p:cond delay="0"/>
+                                  </p:stCondLst>
+                                  <p:childTnLst>
+                                    <p:set>
+                                      <p:cBhvr>
+                                        <p:cTn id="40" dur="1" fill="hold">
+                                          <p:stCondLst>
+                                            <p:cond delay="0"/>
+                                          </p:stCondLst>
+                                        </p:cTn>
+                                        <p:tgtEl>
+                                          <p:spTgt spid="25"/>
+                                        </p:tgtEl>
+                                        <p:attrNameLst>
+                                          <p:attrName>style.visibility</p:attrName>
+                                        </p:attrNameLst>
+                                      </p:cBhvr>
+                                      <p:to>
+                                        <p:strVal val="visible"/>
+                                      </p:to>
+                                    </p:set>
+                                    <p:animEffect transition="in" filter="fade">
+                                      <p:cBhvr>
+                                        <p:cTn id="41" dur="500"/>
+                                        <p:tgtEl>
+                                          <p:spTgt spid="25"/>
+                                        </p:tgtEl>
+                                      </p:cBhvr>
+                                    </p:animEffect>
+                                  </p:childTnLst>
+                                </p:cTn>
+                              </p:par>
+                              <p:par>
+                                <p:cTn id="42" presetID="10" presetClass="entr" presetSubtype="0" fill="hold" nodeType="withEffect">
+                                  <p:stCondLst>
+                                    <p:cond delay="0"/>
+                                  </p:stCondLst>
+                                  <p:childTnLst>
+                                    <p:set>
+                                      <p:cBhvr>
+                                        <p:cTn id="43" dur="1" fill="hold">
+                                          <p:stCondLst>
+                                            <p:cond delay="0"/>
+                                          </p:stCondLst>
+                                        </p:cTn>
+                                        <p:tgtEl>
+                                          <p:spTgt spid="7"/>
+                                        </p:tgtEl>
+                                        <p:attrNameLst>
+                                          <p:attrName>style.visibility</p:attrName>
+                                        </p:attrNameLst>
+                                      </p:cBhvr>
+                                      <p:to>
+                                        <p:strVal val="visible"/>
+                                      </p:to>
+                                    </p:set>
+                                    <p:animEffect transition="in" filter="fade">
+                                      <p:cBhvr>
+                                        <p:cTn id="44" dur="500"/>
+                                        <p:tgtEl>
+                                          <p:spTgt spid="7"/>
+                                        </p:tgtEl>
+                                      </p:cBhvr>
+                                    </p:animEffect>
+                                  </p:childTnLst>
+                                </p:cTn>
+                              </p:par>
+                              <p:par>
+                                <p:cTn id="45" presetID="10" presetClass="entr" presetSubtype="0" fill="hold" grpId="0" nodeType="withEffect">
+                                  <p:stCondLst>
+                                    <p:cond delay="0"/>
+                                  </p:stCondLst>
+                                  <p:childTnLst>
+                                    <p:set>
+                                      <p:cBhvr>
+                                        <p:cTn id="46" dur="1" fill="hold">
+                                          <p:stCondLst>
+                                            <p:cond delay="0"/>
+                                          </p:stCondLst>
+                                        </p:cTn>
+                                        <p:tgtEl>
+                                          <p:spTgt spid="24"/>
+                                        </p:tgtEl>
+                                        <p:attrNameLst>
+                                          <p:attrName>style.visibility</p:attrName>
+                                        </p:attrNameLst>
+                                      </p:cBhvr>
+                                      <p:to>
+                                        <p:strVal val="visible"/>
+                                      </p:to>
+                                    </p:set>
+                                    <p:animEffect transition="in" filter="fade">
+                                      <p:cBhvr>
+                                        <p:cTn id="47" dur="500"/>
+                                        <p:tgtEl>
+                                          <p:spTgt spid="24"/>
+                                        </p:tgtEl>
+                                      </p:cBhvr>
+                                    </p:animEffect>
+                                  </p:childTnLst>
+                                </p:cTn>
+                              </p:par>
+                              <p:par>
+                                <p:cTn id="48" presetID="10" presetClass="entr" presetSubtype="0" fill="hold" nodeType="withEffect">
+                                  <p:stCondLst>
+                                    <p:cond delay="0"/>
+                                  </p:stCondLst>
+                                  <p:childTnLst>
+                                    <p:set>
+                                      <p:cBhvr>
+                                        <p:cTn id="49" dur="1" fill="hold">
+                                          <p:stCondLst>
+                                            <p:cond delay="0"/>
+                                          </p:stCondLst>
+                                        </p:cTn>
+                                        <p:tgtEl>
+                                          <p:spTgt spid="28"/>
+                                        </p:tgtEl>
+                                        <p:attrNameLst>
+                                          <p:attrName>style.visibility</p:attrName>
+                                        </p:attrNameLst>
+                                      </p:cBhvr>
+                                      <p:to>
+                                        <p:strVal val="visible"/>
+                                      </p:to>
+                                    </p:set>
+                                    <p:animEffect transition="in" filter="fade">
+                                      <p:cBhvr>
+                                        <p:cTn id="50" dur="500"/>
+                                        <p:tgtEl>
+                                          <p:spTgt spid="28"/>
+                                        </p:tgtEl>
+                                      </p:cBhvr>
+                                    </p:animEffect>
+                                  </p:childTnLst>
+                                </p:cTn>
+                              </p:par>
+                            </p:childTnLst>
+                          </p:cTn>
+                        </p:par>
+                      </p:childTnLst>
+                    </p:cTn>
+                  </p:par>
+                  <p:par>
+                    <p:cTn id="51" fill="hold">
+                      <p:stCondLst>
+                        <p:cond delay="indefinite"/>
+                      </p:stCondLst>
+                      <p:childTnLst>
+                        <p:par>
+                          <p:cTn id="52" fill="hold">
+                            <p:stCondLst>
+                              <p:cond delay="0"/>
+                            </p:stCondLst>
+                            <p:childTnLst>
+                              <p:par>
+                                <p:cTn id="53" presetID="10" presetClass="entr" presetSubtype="0" fill="hold" grpId="0" nodeType="clickEffect">
+                                  <p:stCondLst>
+                                    <p:cond delay="0"/>
+                                  </p:stCondLst>
+                                  <p:childTnLst>
+                                    <p:set>
+                                      <p:cBhvr>
+                                        <p:cTn id="54" dur="1" fill="hold">
+                                          <p:stCondLst>
+                                            <p:cond delay="0"/>
+                                          </p:stCondLst>
+                                        </p:cTn>
+                                        <p:tgtEl>
+                                          <p:spTgt spid="23"/>
+                                        </p:tgtEl>
+                                        <p:attrNameLst>
+                                          <p:attrName>style.visibility</p:attrName>
+                                        </p:attrNameLst>
+                                      </p:cBhvr>
+                                      <p:to>
+                                        <p:strVal val="visible"/>
+                                      </p:to>
+                                    </p:set>
+                                    <p:animEffect transition="in" filter="fade">
+                                      <p:cBhvr>
+                                        <p:cTn id="55" dur="500"/>
+                                        <p:tgtEl>
+                                          <p:spTgt spid="23"/>
+                                        </p:tgtEl>
+                                      </p:cBhvr>
+                                    </p:animEffect>
+                                  </p:childTnLst>
+                                </p:cTn>
+                              </p:par>
+                              <p:par>
+                                <p:cTn id="56" presetID="10" presetClass="entr" presetSubtype="0" fill="hold" nodeType="withEffect">
+                                  <p:stCondLst>
+                                    <p:cond delay="0"/>
+                                  </p:stCondLst>
+                                  <p:childTnLst>
+                                    <p:set>
+                                      <p:cBhvr>
+                                        <p:cTn id="57" dur="1" fill="hold">
+                                          <p:stCondLst>
+                                            <p:cond delay="0"/>
+                                          </p:stCondLst>
+                                        </p:cTn>
+                                        <p:tgtEl>
+                                          <p:spTgt spid="36"/>
+                                        </p:tgtEl>
+                                        <p:attrNameLst>
+                                          <p:attrName>style.visibility</p:attrName>
+                                        </p:attrNameLst>
+                                      </p:cBhvr>
+                                      <p:to>
+                                        <p:strVal val="visible"/>
+                                      </p:to>
+                                    </p:set>
+                                    <p:animEffect transition="in" filter="fade">
+                                      <p:cBhvr>
+                                        <p:cTn id="58" dur="500"/>
+                                        <p:tgtEl>
+                                          <p:spTgt spid="36"/>
+                                        </p:tgtEl>
+                                      </p:cBhvr>
+                                    </p:animEffect>
+                                  </p:childTnLst>
+                                </p:cTn>
+                              </p:par>
+                              <p:par>
+                                <p:cTn id="59" presetID="10" presetClass="entr" presetSubtype="0" fill="hold" nodeType="withEffect">
+                                  <p:stCondLst>
+                                    <p:cond delay="0"/>
+                                  </p:stCondLst>
+                                  <p:childTnLst>
+                                    <p:set>
+                                      <p:cBhvr>
+                                        <p:cTn id="60" dur="1" fill="hold">
+                                          <p:stCondLst>
+                                            <p:cond delay="0"/>
+                                          </p:stCondLst>
+                                        </p:cTn>
+                                        <p:tgtEl>
+                                          <p:spTgt spid="17"/>
+                                        </p:tgtEl>
+                                        <p:attrNameLst>
+                                          <p:attrName>style.visibility</p:attrName>
+                                        </p:attrNameLst>
+                                      </p:cBhvr>
+                                      <p:to>
+                                        <p:strVal val="visible"/>
+                                      </p:to>
+                                    </p:set>
+                                    <p:animEffect transition="in" filter="fade">
+                                      <p:cBhvr>
+                                        <p:cTn id="61" dur="500"/>
+                                        <p:tgtEl>
+                                          <p:spTgt spid="17"/>
+                                        </p:tgtEl>
+                                      </p:cBhvr>
+                                    </p:animEffect>
+                                  </p:childTnLst>
+                                </p:cTn>
+                              </p:par>
+                            </p:childTnLst>
+                          </p:cTn>
+                        </p:par>
+                      </p:childTnLst>
+                    </p:cTn>
+                  </p:par>
+                </p:childTnLst>
+              </p:cTn>
+              <p:prevCondLst>
+                <p:cond evt="onPrev" delay="0">
+                  <p:tgtEl>
+                    <p:sldTgt/>
+                  </p:tgtEl>
+                </p:cond>
+              </p:prevCondLst>
+              <p:nextCondLst>
+                <p:cond evt="onNext" delay="0">
+                  <p:tgtEl>
+                    <p:sldTgt/>
+                  </p:tgtEl>
+                </p:cond>
+              </p:nextCondLst>
+            </p:seq>
+          </p:childTnLst>
+        </p:cTn>
+      </p:par>
+    </p:tnLst>
+    <p:bldLst>
+      <p:bldP spid="25" grpId="0"/>
+      <p:bldP spid="8" grpId="0"/>
+      <p:bldP spid="22" grpId="0"/>
+      <p:bldP spid="23" grpId="0"/>
+      <p:bldP spid="24" grpId="0"/>
+      <p:bldP spid="9" grpId="0"/>
+    </p:bldLst>
   </p:timing>
 </p:sld>
 </file>
